--- a/Презентация.pptx
+++ b/Презентация.pptx
@@ -105,6 +105,11 @@
       </a:defRPr>
     </a:lvl9pPr>
   </p:defaultTextStyle>
+  <p:extLst>
+    <p:ext uri="{EFAFB233-063F-42B5-8137-9DF3F51BA10A}">
+      <p15:sldGuideLst xmlns:p15="http://schemas.microsoft.com/office/powerpoint/2012/main"/>
+    </p:ext>
+  </p:extLst>
 </p:presentation>
 </file>
 
@@ -239,7 +244,7 @@
           <a:p>
             <a:fld id="{1C0CE26F-2E3B-420C-9026-37ADDF8142AF}" type="datetimeFigureOut">
               <a:rPr lang="ru-RU" smtClean="0"/>
-              <a:t>14.05.2019</a:t>
+              <a:t>15.05.2019</a:t>
             </a:fld>
             <a:endParaRPr lang="ru-RU"/>
           </a:p>
@@ -409,7 +414,7 @@
           <a:p>
             <a:fld id="{1C0CE26F-2E3B-420C-9026-37ADDF8142AF}" type="datetimeFigureOut">
               <a:rPr lang="ru-RU" smtClean="0"/>
-              <a:t>14.05.2019</a:t>
+              <a:t>15.05.2019</a:t>
             </a:fld>
             <a:endParaRPr lang="ru-RU"/>
           </a:p>
@@ -589,7 +594,7 @@
           <a:p>
             <a:fld id="{1C0CE26F-2E3B-420C-9026-37ADDF8142AF}" type="datetimeFigureOut">
               <a:rPr lang="ru-RU" smtClean="0"/>
-              <a:t>14.05.2019</a:t>
+              <a:t>15.05.2019</a:t>
             </a:fld>
             <a:endParaRPr lang="ru-RU"/>
           </a:p>
@@ -759,7 +764,7 @@
           <a:p>
             <a:fld id="{1C0CE26F-2E3B-420C-9026-37ADDF8142AF}" type="datetimeFigureOut">
               <a:rPr lang="ru-RU" smtClean="0"/>
-              <a:t>14.05.2019</a:t>
+              <a:t>15.05.2019</a:t>
             </a:fld>
             <a:endParaRPr lang="ru-RU"/>
           </a:p>
@@ -1005,7 +1010,7 @@
           <a:p>
             <a:fld id="{1C0CE26F-2E3B-420C-9026-37ADDF8142AF}" type="datetimeFigureOut">
               <a:rPr lang="ru-RU" smtClean="0"/>
-              <a:t>14.05.2019</a:t>
+              <a:t>15.05.2019</a:t>
             </a:fld>
             <a:endParaRPr lang="ru-RU"/>
           </a:p>
@@ -1237,7 +1242,7 @@
           <a:p>
             <a:fld id="{1C0CE26F-2E3B-420C-9026-37ADDF8142AF}" type="datetimeFigureOut">
               <a:rPr lang="ru-RU" smtClean="0"/>
-              <a:t>14.05.2019</a:t>
+              <a:t>15.05.2019</a:t>
             </a:fld>
             <a:endParaRPr lang="ru-RU"/>
           </a:p>
@@ -1604,7 +1609,7 @@
           <a:p>
             <a:fld id="{1C0CE26F-2E3B-420C-9026-37ADDF8142AF}" type="datetimeFigureOut">
               <a:rPr lang="ru-RU" smtClean="0"/>
-              <a:t>14.05.2019</a:t>
+              <a:t>15.05.2019</a:t>
             </a:fld>
             <a:endParaRPr lang="ru-RU"/>
           </a:p>
@@ -1722,7 +1727,7 @@
           <a:p>
             <a:fld id="{1C0CE26F-2E3B-420C-9026-37ADDF8142AF}" type="datetimeFigureOut">
               <a:rPr lang="ru-RU" smtClean="0"/>
-              <a:t>14.05.2019</a:t>
+              <a:t>15.05.2019</a:t>
             </a:fld>
             <a:endParaRPr lang="ru-RU"/>
           </a:p>
@@ -1817,7 +1822,7 @@
           <a:p>
             <a:fld id="{1C0CE26F-2E3B-420C-9026-37ADDF8142AF}" type="datetimeFigureOut">
               <a:rPr lang="ru-RU" smtClean="0"/>
-              <a:t>14.05.2019</a:t>
+              <a:t>15.05.2019</a:t>
             </a:fld>
             <a:endParaRPr lang="ru-RU"/>
           </a:p>
@@ -2094,7 +2099,7 @@
           <a:p>
             <a:fld id="{1C0CE26F-2E3B-420C-9026-37ADDF8142AF}" type="datetimeFigureOut">
               <a:rPr lang="ru-RU" smtClean="0"/>
-              <a:t>14.05.2019</a:t>
+              <a:t>15.05.2019</a:t>
             </a:fld>
             <a:endParaRPr lang="ru-RU"/>
           </a:p>
@@ -2347,7 +2352,7 @@
           <a:p>
             <a:fld id="{1C0CE26F-2E3B-420C-9026-37ADDF8142AF}" type="datetimeFigureOut">
               <a:rPr lang="ru-RU" smtClean="0"/>
-              <a:t>14.05.2019</a:t>
+              <a:t>15.05.2019</a:t>
             </a:fld>
             <a:endParaRPr lang="ru-RU"/>
           </a:p>
@@ -2560,7 +2565,7 @@
           <a:p>
             <a:fld id="{1C0CE26F-2E3B-420C-9026-37ADDF8142AF}" type="datetimeFigureOut">
               <a:rPr lang="ru-RU" smtClean="0"/>
-              <a:t>14.05.2019</a:t>
+              <a:t>15.05.2019</a:t>
             </a:fld>
             <a:endParaRPr lang="ru-RU"/>
           </a:p>

--- a/Презентация.pptx
+++ b/Презентация.pptx
@@ -5,10 +5,10 @@
     <p:sldMasterId id="2147483648" r:id="rId1"/>
   </p:sldMasterIdLst>
   <p:notesMasterIdLst>
-    <p:notesMasterId r:id="rId21"/>
+    <p:notesMasterId r:id="rId19"/>
   </p:notesMasterIdLst>
   <p:handoutMasterIdLst>
-    <p:handoutMasterId r:id="rId22"/>
+    <p:handoutMasterId r:id="rId20"/>
   </p:handoutMasterIdLst>
   <p:sldIdLst>
     <p:sldId id="256" r:id="rId2"/>
@@ -25,11 +25,9 @@
     <p:sldId id="284" r:id="rId13"/>
     <p:sldId id="285" r:id="rId14"/>
     <p:sldId id="265" r:id="rId15"/>
-    <p:sldId id="278" r:id="rId16"/>
-    <p:sldId id="266" r:id="rId17"/>
-    <p:sldId id="286" r:id="rId18"/>
-    <p:sldId id="276" r:id="rId19"/>
-    <p:sldId id="258" r:id="rId20"/>
+    <p:sldId id="286" r:id="rId16"/>
+    <p:sldId id="276" r:id="rId17"/>
+    <p:sldId id="258" r:id="rId18"/>
   </p:sldIdLst>
   <p:sldSz cx="9144000" cy="6858000" type="screen4x3"/>
   <p:notesSz cx="6858000" cy="9144000"/>
@@ -5269,6 +5267,13 @@
   <p:clrMapOvr>
     <a:masterClrMapping/>
   </p:clrMapOvr>
+  <p:timing>
+    <p:tnLst>
+      <p:par>
+        <p:cTn id="1" dur="indefinite" restart="never" nodeType="tmRoot"/>
+      </p:par>
+    </p:tnLst>
+  </p:timing>
 </p:sld>
 </file>
 
@@ -5631,6 +5636,13 @@
   <p:clrMapOvr>
     <a:masterClrMapping/>
   </p:clrMapOvr>
+  <p:timing>
+    <p:tnLst>
+      <p:par>
+        <p:cTn id="1" dur="indefinite" restart="never" nodeType="tmRoot"/>
+      </p:par>
+    </p:tnLst>
+  </p:timing>
 </p:sld>
 </file>
 
@@ -6011,6 +6023,13 @@
   <p:clrMapOvr>
     <a:masterClrMapping/>
   </p:clrMapOvr>
+  <p:timing>
+    <p:tnLst>
+      <p:par>
+        <p:cTn id="1" dur="indefinite" restart="never" nodeType="tmRoot"/>
+      </p:par>
+    </p:tnLst>
+  </p:timing>
 </p:sld>
 </file>
 
@@ -6429,6 +6448,13 @@
   <p:clrMapOvr>
     <a:masterClrMapping/>
   </p:clrMapOvr>
+  <p:timing>
+    <p:tnLst>
+      <p:par>
+        <p:cTn id="1" dur="indefinite" restart="never" nodeType="tmRoot"/>
+      </p:par>
+    </p:tnLst>
+  </p:timing>
 </p:sld>
 </file>
 
@@ -6884,6 +6910,13 @@
   <p:clrMapOvr>
     <a:masterClrMapping/>
   </p:clrMapOvr>
+  <p:timing>
+    <p:tnLst>
+      <p:par>
+        <p:cTn id="1" dur="indefinite" restart="never" nodeType="tmRoot"/>
+      </p:par>
+    </p:tnLst>
+  </p:timing>
 </p:sld>
 </file>
 
@@ -6979,7 +7012,7 @@
                   <a:schemeClr val="bg1"/>
                 </a:solidFill>
               </a:rPr>
-              <a:t>АПРОБАЦИЯ РАБОТЫ</a:t>
+              <a:t>Пути дальнейшей работы</a:t>
             </a:r>
             <a:endParaRPr lang="en-US" sz="2400" b="1" dirty="0">
               <a:solidFill>
@@ -7107,843 +7140,6 @@
                 </a:solidFill>
               </a:rPr>
               <a:t>15</a:t>
-            </a:fld>
-            <a:endParaRPr lang="en-US" sz="1800" dirty="0">
-              <a:solidFill>
-                <a:schemeClr val="tx1"/>
-              </a:solidFill>
-            </a:endParaRPr>
-          </a:p>
-        </p:txBody>
-      </p:sp>
-      <p:sp>
-        <p:nvSpPr>
-          <p:cNvPr id="10" name="Rectangle 12"/>
-          <p:cNvSpPr>
-            <a:spLocks noChangeArrowheads="1"/>
-          </p:cNvSpPr>
-          <p:nvPr/>
-        </p:nvSpPr>
-        <p:spPr bwMode="auto">
-          <a:xfrm>
-            <a:off x="222250" y="2394647"/>
-            <a:ext cx="8182162" cy="307777"/>
-          </a:xfrm>
-          <a:prstGeom prst="rect">
-            <a:avLst/>
-          </a:prstGeom>
-        </p:spPr>
-        <p:style>
-          <a:lnRef idx="1">
-            <a:schemeClr val="accent1"/>
-          </a:lnRef>
-          <a:fillRef idx="2">
-            <a:schemeClr val="accent1"/>
-          </a:fillRef>
-          <a:effectRef idx="1">
-            <a:schemeClr val="accent1"/>
-          </a:effectRef>
-          <a:fontRef idx="minor">
-            <a:schemeClr val="dk1"/>
-          </a:fontRef>
-        </p:style>
-        <p:txBody>
-          <a:bodyPr wrap="square">
-            <a:spAutoFit/>
-          </a:bodyPr>
-          <a:lstStyle/>
-          <a:p>
-            <a:r>
-              <a:rPr lang="ru-RU" sz="1400" i="1" dirty="0">
-                <a:solidFill>
-                  <a:srgbClr val="003F82"/>
-                </a:solidFill>
-                <a:latin typeface="Arial" panose="020B0604020202020204" pitchFamily="34" charset="0"/>
-              </a:rPr>
-              <a:t>Публикации, статьи</a:t>
-            </a:r>
-          </a:p>
-        </p:txBody>
-      </p:sp>
-      <p:sp>
-        <p:nvSpPr>
-          <p:cNvPr id="11" name="Rectangle 12"/>
-          <p:cNvSpPr>
-            <a:spLocks noChangeArrowheads="1"/>
-          </p:cNvSpPr>
-          <p:nvPr/>
-        </p:nvSpPr>
-        <p:spPr bwMode="auto">
-          <a:xfrm>
-            <a:off x="151229" y="1570192"/>
-            <a:ext cx="8182162" cy="307777"/>
-          </a:xfrm>
-          <a:prstGeom prst="rect">
-            <a:avLst/>
-          </a:prstGeom>
-        </p:spPr>
-        <p:style>
-          <a:lnRef idx="1">
-            <a:schemeClr val="accent1"/>
-          </a:lnRef>
-          <a:fillRef idx="2">
-            <a:schemeClr val="accent1"/>
-          </a:fillRef>
-          <a:effectRef idx="1">
-            <a:schemeClr val="accent1"/>
-          </a:effectRef>
-          <a:fontRef idx="minor">
-            <a:schemeClr val="dk1"/>
-          </a:fontRef>
-        </p:style>
-        <p:txBody>
-          <a:bodyPr wrap="square">
-            <a:spAutoFit/>
-          </a:bodyPr>
-          <a:lstStyle/>
-          <a:p>
-            <a:r>
-              <a:rPr lang="ru-RU" sz="1400" i="1" dirty="0">
-                <a:solidFill>
-                  <a:srgbClr val="003F82"/>
-                </a:solidFill>
-                <a:latin typeface="Arial" panose="020B0604020202020204" pitchFamily="34" charset="0"/>
-              </a:rPr>
-              <a:t>Выступления на конференциях, тезисы докладов</a:t>
-            </a:r>
-          </a:p>
-        </p:txBody>
-      </p:sp>
-      <p:sp>
-        <p:nvSpPr>
-          <p:cNvPr id="12" name="Rectangle 12"/>
-          <p:cNvSpPr>
-            <a:spLocks noChangeArrowheads="1"/>
-          </p:cNvSpPr>
-          <p:nvPr/>
-        </p:nvSpPr>
-        <p:spPr bwMode="auto">
-          <a:xfrm>
-            <a:off x="222250" y="3851753"/>
-            <a:ext cx="8182162" cy="307777"/>
-          </a:xfrm>
-          <a:prstGeom prst="rect">
-            <a:avLst/>
-          </a:prstGeom>
-        </p:spPr>
-        <p:style>
-          <a:lnRef idx="1">
-            <a:schemeClr val="accent1"/>
-          </a:lnRef>
-          <a:fillRef idx="2">
-            <a:schemeClr val="accent1"/>
-          </a:fillRef>
-          <a:effectRef idx="1">
-            <a:schemeClr val="accent1"/>
-          </a:effectRef>
-          <a:fontRef idx="minor">
-            <a:schemeClr val="dk1"/>
-          </a:fontRef>
-        </p:style>
-        <p:txBody>
-          <a:bodyPr wrap="square">
-            <a:spAutoFit/>
-          </a:bodyPr>
-          <a:lstStyle/>
-          <a:p>
-            <a:r>
-              <a:rPr lang="en-US" sz="1400" i="1" dirty="0">
-                <a:solidFill>
-                  <a:srgbClr val="003F82"/>
-                </a:solidFill>
-                <a:latin typeface="Arial" panose="020B0604020202020204" pitchFamily="34" charset="0"/>
-              </a:rPr>
-              <a:t>C</a:t>
-            </a:r>
-            <a:r>
-              <a:rPr lang="ru-RU" sz="1400" i="1" dirty="0" err="1">
-                <a:solidFill>
-                  <a:srgbClr val="003F82"/>
-                </a:solidFill>
-                <a:latin typeface="Arial" panose="020B0604020202020204" pitchFamily="34" charset="0"/>
-              </a:rPr>
-              <a:t>видетельства</a:t>
-            </a:r>
-            <a:r>
-              <a:rPr lang="ru-RU" sz="1400" i="1" dirty="0">
-                <a:solidFill>
-                  <a:srgbClr val="003F82"/>
-                </a:solidFill>
-                <a:latin typeface="Arial" panose="020B0604020202020204" pitchFamily="34" charset="0"/>
-              </a:rPr>
-              <a:t> о регистрации программы в </a:t>
-            </a:r>
-            <a:r>
-              <a:rPr lang="ru-RU" sz="1400" i="1" dirty="0" err="1">
-                <a:solidFill>
-                  <a:srgbClr val="003F82"/>
-                </a:solidFill>
-                <a:latin typeface="Arial" panose="020B0604020202020204" pitchFamily="34" charset="0"/>
-              </a:rPr>
-              <a:t>РОСПАТЕНТе</a:t>
-            </a:r>
-            <a:endParaRPr lang="ru-RU" sz="1400" i="1" dirty="0">
-              <a:solidFill>
-                <a:srgbClr val="003F82"/>
-              </a:solidFill>
-              <a:latin typeface="Arial" panose="020B0604020202020204" pitchFamily="34" charset="0"/>
-            </a:endParaRPr>
-          </a:p>
-        </p:txBody>
-      </p:sp>
-      <p:sp>
-        <p:nvSpPr>
-          <p:cNvPr id="13" name="Rectangle 12"/>
-          <p:cNvSpPr>
-            <a:spLocks noChangeArrowheads="1"/>
-          </p:cNvSpPr>
-          <p:nvPr/>
-        </p:nvSpPr>
-        <p:spPr bwMode="auto">
-          <a:xfrm>
-            <a:off x="222250" y="3113804"/>
-            <a:ext cx="8182162" cy="307777"/>
-          </a:xfrm>
-          <a:prstGeom prst="rect">
-            <a:avLst/>
-          </a:prstGeom>
-        </p:spPr>
-        <p:style>
-          <a:lnRef idx="1">
-            <a:schemeClr val="accent1"/>
-          </a:lnRef>
-          <a:fillRef idx="2">
-            <a:schemeClr val="accent1"/>
-          </a:fillRef>
-          <a:effectRef idx="1">
-            <a:schemeClr val="accent1"/>
-          </a:effectRef>
-          <a:fontRef idx="minor">
-            <a:schemeClr val="dk1"/>
-          </a:fontRef>
-        </p:style>
-        <p:txBody>
-          <a:bodyPr wrap="square">
-            <a:spAutoFit/>
-          </a:bodyPr>
-          <a:lstStyle/>
-          <a:p>
-            <a:r>
-              <a:rPr lang="ru-RU" sz="1400" i="1" dirty="0">
-                <a:solidFill>
-                  <a:srgbClr val="003F82"/>
-                </a:solidFill>
-                <a:latin typeface="Arial" panose="020B0604020202020204" pitchFamily="34" charset="0"/>
-              </a:rPr>
-              <a:t>Внедрение (акт или справка о внедрении, ссылка на ресурс </a:t>
-            </a:r>
-            <a:r>
-              <a:rPr lang="en-US" sz="1400" i="1">
-                <a:solidFill>
-                  <a:srgbClr val="003F82"/>
-                </a:solidFill>
-                <a:latin typeface="Arial" panose="020B0604020202020204" pitchFamily="34" charset="0"/>
-              </a:rPr>
-              <a:t>App Store</a:t>
-            </a:r>
-            <a:r>
-              <a:rPr lang="ru-RU" sz="1400" i="1" dirty="0">
-                <a:solidFill>
-                  <a:srgbClr val="003F82"/>
-                </a:solidFill>
-                <a:latin typeface="Arial" panose="020B0604020202020204" pitchFamily="34" charset="0"/>
-              </a:rPr>
-              <a:t>, </a:t>
-            </a:r>
-            <a:r>
-              <a:rPr lang="en-US" sz="1400" i="1" dirty="0">
-                <a:solidFill>
-                  <a:srgbClr val="003F82"/>
-                </a:solidFill>
-                <a:latin typeface="Arial" panose="020B0604020202020204" pitchFamily="34" charset="0"/>
-              </a:rPr>
-              <a:t>Android Apps </a:t>
-            </a:r>
-            <a:r>
-              <a:rPr lang="ru-RU" sz="1400" i="1" dirty="0">
-                <a:solidFill>
-                  <a:srgbClr val="003F82"/>
-                </a:solidFill>
-                <a:latin typeface="Arial" panose="020B0604020202020204" pitchFamily="34" charset="0"/>
-              </a:rPr>
-              <a:t>и т.п.)</a:t>
-            </a:r>
-          </a:p>
-        </p:txBody>
-      </p:sp>
-    </p:spTree>
-  </p:cSld>
-  <p:clrMapOvr>
-    <a:masterClrMapping/>
-  </p:clrMapOvr>
-</p:sld>
-</file>
-
-<file path=ppt/slides/slide16.xml><?xml version="1.0" encoding="utf-8"?>
-<p:sld xmlns:a="http://schemas.openxmlformats.org/drawingml/2006/main" xmlns:r="http://schemas.openxmlformats.org/officeDocument/2006/relationships" xmlns:p="http://schemas.openxmlformats.org/presentationml/2006/main">
-  <p:cSld>
-    <p:spTree>
-      <p:nvGrpSpPr>
-        <p:cNvPr id="1" name=""/>
-        <p:cNvGrpSpPr/>
-        <p:nvPr/>
-      </p:nvGrpSpPr>
-      <p:grpSpPr>
-        <a:xfrm>
-          <a:off x="0" y="0"/>
-          <a:ext cx="0" cy="0"/>
-          <a:chOff x="0" y="0"/>
-          <a:chExt cx="0" cy="0"/>
-        </a:xfrm>
-      </p:grpSpPr>
-      <p:sp>
-        <p:nvSpPr>
-          <p:cNvPr id="14338" name="Subtitle 2"/>
-          <p:cNvSpPr txBox="1"/>
-          <p:nvPr/>
-        </p:nvSpPr>
-        <p:spPr bwMode="auto">
-          <a:xfrm>
-            <a:off x="255588" y="6415088"/>
-            <a:ext cx="4143375" cy="246062"/>
-          </a:xfrm>
-          <a:prstGeom prst="rect">
-            <a:avLst/>
-          </a:prstGeom>
-          <a:noFill/>
-          <a:ln w="9525">
-            <a:noFill/>
-            <a:miter lim="800000"/>
-          </a:ln>
-        </p:spPr>
-        <p:txBody>
-          <a:bodyPr/>
-          <a:lstStyle/>
-          <a:p>
-            <a:pPr>
-              <a:spcBef>
-                <a:spcPct val="20000"/>
-              </a:spcBef>
-            </a:pPr>
-            <a:r>
-              <a:rPr lang="ru-RU" sz="800" dirty="0">
-                <a:solidFill>
-                  <a:schemeClr val="bg1"/>
-                </a:solidFill>
-              </a:rPr>
-              <a:t>Высшая школа экономики, Москва, 2018</a:t>
-            </a:r>
-            <a:endParaRPr kumimoji="1" lang="ru-RU" sz="800" dirty="0">
-              <a:solidFill>
-                <a:schemeClr val="bg1"/>
-              </a:solidFill>
-            </a:endParaRPr>
-          </a:p>
-        </p:txBody>
-      </p:sp>
-      <p:sp>
-        <p:nvSpPr>
-          <p:cNvPr id="14339" name="Title 1"/>
-          <p:cNvSpPr txBox="1"/>
-          <p:nvPr/>
-        </p:nvSpPr>
-        <p:spPr bwMode="auto">
-          <a:xfrm>
-            <a:off x="1428749" y="428625"/>
-            <a:ext cx="7432863" cy="412750"/>
-          </a:xfrm>
-          <a:prstGeom prst="rect">
-            <a:avLst/>
-          </a:prstGeom>
-          <a:noFill/>
-          <a:ln w="9525">
-            <a:noFill/>
-            <a:miter lim="800000"/>
-          </a:ln>
-        </p:spPr>
-        <p:txBody>
-          <a:bodyPr anchor="ctr"/>
-          <a:lstStyle/>
-          <a:p>
-            <a:r>
-              <a:rPr lang="ru-RU" sz="2400" b="1" dirty="0">
-                <a:solidFill>
-                  <a:schemeClr val="bg1"/>
-                </a:solidFill>
-              </a:rPr>
-              <a:t>ВЫВОДЫ ПО РАБОТЕ</a:t>
-            </a:r>
-            <a:endParaRPr lang="en-US" sz="2400" b="1" dirty="0">
-              <a:solidFill>
-                <a:schemeClr val="bg1"/>
-              </a:solidFill>
-            </a:endParaRPr>
-          </a:p>
-        </p:txBody>
-      </p:sp>
-      <p:sp>
-        <p:nvSpPr>
-          <p:cNvPr id="14343" name="Rectangle 9"/>
-          <p:cNvSpPr>
-            <a:spLocks noChangeArrowheads="1"/>
-          </p:cNvSpPr>
-          <p:nvPr/>
-        </p:nvSpPr>
-        <p:spPr bwMode="auto">
-          <a:xfrm>
-            <a:off x="7300913" y="2255838"/>
-            <a:ext cx="674687" cy="369887"/>
-          </a:xfrm>
-          <a:prstGeom prst="rect">
-            <a:avLst/>
-          </a:prstGeom>
-          <a:noFill/>
-          <a:ln w="9525">
-            <a:noFill/>
-            <a:miter lim="800000"/>
-          </a:ln>
-        </p:spPr>
-        <p:txBody>
-          <a:bodyPr wrap="none">
-            <a:spAutoFit/>
-          </a:bodyPr>
-          <a:lstStyle/>
-          <a:p>
-            <a:r>
-              <a:rPr lang="ru-RU">
-                <a:solidFill>
-                  <a:srgbClr val="FFFFFF"/>
-                </a:solidFill>
-              </a:rPr>
-              <a:t>фото</a:t>
-            </a:r>
-            <a:endParaRPr lang="en-US">
-              <a:solidFill>
-                <a:srgbClr val="FFFFFF"/>
-              </a:solidFill>
-            </a:endParaRPr>
-          </a:p>
-        </p:txBody>
-      </p:sp>
-      <p:sp>
-        <p:nvSpPr>
-          <p:cNvPr id="14345" name="Rectangle 11"/>
-          <p:cNvSpPr>
-            <a:spLocks noChangeArrowheads="1"/>
-          </p:cNvSpPr>
-          <p:nvPr/>
-        </p:nvSpPr>
-        <p:spPr bwMode="auto">
-          <a:xfrm>
-            <a:off x="7300913" y="5591175"/>
-            <a:ext cx="674687" cy="369888"/>
-          </a:xfrm>
-          <a:prstGeom prst="rect">
-            <a:avLst/>
-          </a:prstGeom>
-          <a:noFill/>
-          <a:ln w="9525">
-            <a:noFill/>
-            <a:miter lim="800000"/>
-          </a:ln>
-        </p:spPr>
-        <p:txBody>
-          <a:bodyPr wrap="none">
-            <a:spAutoFit/>
-          </a:bodyPr>
-          <a:lstStyle/>
-          <a:p>
-            <a:r>
-              <a:rPr lang="ru-RU">
-                <a:solidFill>
-                  <a:srgbClr val="FFFFFF"/>
-                </a:solidFill>
-              </a:rPr>
-              <a:t>фото</a:t>
-            </a:r>
-            <a:endParaRPr lang="en-US">
-              <a:solidFill>
-                <a:srgbClr val="FFFFFF"/>
-              </a:solidFill>
-            </a:endParaRPr>
-          </a:p>
-        </p:txBody>
-      </p:sp>
-      <p:sp>
-        <p:nvSpPr>
-          <p:cNvPr id="14346" name="Rectangle 12"/>
-          <p:cNvSpPr>
-            <a:spLocks noChangeArrowheads="1"/>
-          </p:cNvSpPr>
-          <p:nvPr/>
-        </p:nvSpPr>
-        <p:spPr bwMode="auto">
-          <a:xfrm>
-            <a:off x="222250" y="1479549"/>
-            <a:ext cx="8182162" cy="338554"/>
-          </a:xfrm>
-          <a:prstGeom prst="rect">
-            <a:avLst/>
-          </a:prstGeom>
-        </p:spPr>
-        <p:style>
-          <a:lnRef idx="1">
-            <a:schemeClr val="accent1"/>
-          </a:lnRef>
-          <a:fillRef idx="2">
-            <a:schemeClr val="accent1"/>
-          </a:fillRef>
-          <a:effectRef idx="1">
-            <a:schemeClr val="accent1"/>
-          </a:effectRef>
-          <a:fontRef idx="minor">
-            <a:schemeClr val="dk1"/>
-          </a:fontRef>
-        </p:style>
-        <p:txBody>
-          <a:bodyPr wrap="square">
-            <a:spAutoFit/>
-          </a:bodyPr>
-          <a:lstStyle/>
-          <a:p>
-            <a:r>
-              <a:rPr lang="ru-RU" sz="1600" i="1" dirty="0">
-                <a:solidFill>
-                  <a:srgbClr val="003F82"/>
-                </a:solidFill>
-                <a:latin typeface="Arial" panose="020B0604020202020204" pitchFamily="34" charset="0"/>
-              </a:rPr>
-              <a:t>Научная новизна (может не быть, особенно у 1 курса)</a:t>
-            </a:r>
-          </a:p>
-        </p:txBody>
-      </p:sp>
-      <p:sp>
-        <p:nvSpPr>
-          <p:cNvPr id="7" name="Номер слайда 6"/>
-          <p:cNvSpPr>
-            <a:spLocks noGrp="1"/>
-          </p:cNvSpPr>
-          <p:nvPr>
-            <p:ph type="sldNum" sz="quarter" idx="12"/>
-          </p:nvPr>
-        </p:nvSpPr>
-        <p:spPr>
-          <a:xfrm>
-            <a:off x="8451475" y="6356350"/>
-            <a:ext cx="470647" cy="365125"/>
-          </a:xfrm>
-        </p:spPr>
-        <p:txBody>
-          <a:bodyPr/>
-          <a:lstStyle/>
-          <a:p>
-            <a:pPr>
-              <a:defRPr/>
-            </a:pPr>
-            <a:fld id="{CB65F501-F5CC-4E12-934E-78BB5E4DA208}" type="slidenum">
-              <a:rPr lang="en-US" sz="1800" smtClean="0">
-                <a:solidFill>
-                  <a:schemeClr val="tx1"/>
-                </a:solidFill>
-              </a:rPr>
-              <a:t>16</a:t>
-            </a:fld>
-            <a:endParaRPr lang="en-US" sz="1800" dirty="0">
-              <a:solidFill>
-                <a:schemeClr val="tx1"/>
-              </a:solidFill>
-            </a:endParaRPr>
-          </a:p>
-        </p:txBody>
-      </p:sp>
-      <p:sp>
-        <p:nvSpPr>
-          <p:cNvPr id="9" name="Rectangle 12"/>
-          <p:cNvSpPr>
-            <a:spLocks noChangeArrowheads="1"/>
-          </p:cNvSpPr>
-          <p:nvPr/>
-        </p:nvSpPr>
-        <p:spPr bwMode="auto">
-          <a:xfrm>
-            <a:off x="255588" y="3810786"/>
-            <a:ext cx="8182162" cy="338554"/>
-          </a:xfrm>
-          <a:prstGeom prst="rect">
-            <a:avLst/>
-          </a:prstGeom>
-        </p:spPr>
-        <p:style>
-          <a:lnRef idx="1">
-            <a:schemeClr val="accent1"/>
-          </a:lnRef>
-          <a:fillRef idx="2">
-            <a:schemeClr val="accent1"/>
-          </a:fillRef>
-          <a:effectRef idx="1">
-            <a:schemeClr val="accent1"/>
-          </a:effectRef>
-          <a:fontRef idx="minor">
-            <a:schemeClr val="dk1"/>
-          </a:fontRef>
-        </p:style>
-        <p:txBody>
-          <a:bodyPr wrap="square">
-            <a:spAutoFit/>
-          </a:bodyPr>
-          <a:lstStyle/>
-          <a:p>
-            <a:r>
-              <a:rPr lang="ru-RU" sz="1600" i="1" dirty="0">
-                <a:solidFill>
-                  <a:srgbClr val="003F82"/>
-                </a:solidFill>
-                <a:latin typeface="Arial" panose="020B0604020202020204" pitchFamily="34" charset="0"/>
-              </a:rPr>
-              <a:t>Практическая значимость (может не быть, особенно у 1 курса)</a:t>
-            </a:r>
-          </a:p>
-        </p:txBody>
-      </p:sp>
-    </p:spTree>
-  </p:cSld>
-  <p:clrMapOvr>
-    <a:masterClrMapping/>
-  </p:clrMapOvr>
-</p:sld>
-</file>
-
-<file path=ppt/slides/slide17.xml><?xml version="1.0" encoding="utf-8"?>
-<p:sld xmlns:a="http://schemas.openxmlformats.org/drawingml/2006/main" xmlns:r="http://schemas.openxmlformats.org/officeDocument/2006/relationships" xmlns:p="http://schemas.openxmlformats.org/presentationml/2006/main">
-  <p:cSld>
-    <p:spTree>
-      <p:nvGrpSpPr>
-        <p:cNvPr id="1" name=""/>
-        <p:cNvGrpSpPr/>
-        <p:nvPr/>
-      </p:nvGrpSpPr>
-      <p:grpSpPr>
-        <a:xfrm>
-          <a:off x="0" y="0"/>
-          <a:ext cx="0" cy="0"/>
-          <a:chOff x="0" y="0"/>
-          <a:chExt cx="0" cy="0"/>
-        </a:xfrm>
-      </p:grpSpPr>
-      <p:sp>
-        <p:nvSpPr>
-          <p:cNvPr id="14338" name="Subtitle 2"/>
-          <p:cNvSpPr txBox="1"/>
-          <p:nvPr/>
-        </p:nvSpPr>
-        <p:spPr bwMode="auto">
-          <a:xfrm>
-            <a:off x="255588" y="6415088"/>
-            <a:ext cx="4143375" cy="246062"/>
-          </a:xfrm>
-          <a:prstGeom prst="rect">
-            <a:avLst/>
-          </a:prstGeom>
-          <a:noFill/>
-          <a:ln w="9525">
-            <a:noFill/>
-            <a:miter lim="800000"/>
-          </a:ln>
-        </p:spPr>
-        <p:txBody>
-          <a:bodyPr/>
-          <a:lstStyle/>
-          <a:p>
-            <a:pPr>
-              <a:spcBef>
-                <a:spcPct val="20000"/>
-              </a:spcBef>
-            </a:pPr>
-            <a:r>
-              <a:rPr lang="ru-RU" sz="800" dirty="0">
-                <a:solidFill>
-                  <a:schemeClr val="bg1"/>
-                </a:solidFill>
-              </a:rPr>
-              <a:t>Высшая школа экономики, Москва, 2018</a:t>
-            </a:r>
-            <a:endParaRPr kumimoji="1" lang="ru-RU" sz="800" dirty="0">
-              <a:solidFill>
-                <a:schemeClr val="bg1"/>
-              </a:solidFill>
-            </a:endParaRPr>
-          </a:p>
-        </p:txBody>
-      </p:sp>
-      <p:sp>
-        <p:nvSpPr>
-          <p:cNvPr id="14339" name="Title 1"/>
-          <p:cNvSpPr txBox="1"/>
-          <p:nvPr/>
-        </p:nvSpPr>
-        <p:spPr bwMode="auto">
-          <a:xfrm>
-            <a:off x="1428749" y="428625"/>
-            <a:ext cx="7432863" cy="412750"/>
-          </a:xfrm>
-          <a:prstGeom prst="rect">
-            <a:avLst/>
-          </a:prstGeom>
-          <a:noFill/>
-          <a:ln w="9525">
-            <a:noFill/>
-            <a:miter lim="800000"/>
-          </a:ln>
-        </p:spPr>
-        <p:txBody>
-          <a:bodyPr anchor="ctr"/>
-          <a:lstStyle/>
-          <a:p>
-            <a:r>
-              <a:rPr lang="ru-RU" sz="2400" b="1" dirty="0">
-                <a:solidFill>
-                  <a:schemeClr val="bg1"/>
-                </a:solidFill>
-              </a:rPr>
-              <a:t>Пути дальнейшей работы</a:t>
-            </a:r>
-            <a:endParaRPr lang="en-US" sz="2400" b="1" dirty="0">
-              <a:solidFill>
-                <a:schemeClr val="bg1"/>
-              </a:solidFill>
-            </a:endParaRPr>
-          </a:p>
-        </p:txBody>
-      </p:sp>
-      <p:sp>
-        <p:nvSpPr>
-          <p:cNvPr id="14343" name="Rectangle 9"/>
-          <p:cNvSpPr>
-            <a:spLocks noChangeArrowheads="1"/>
-          </p:cNvSpPr>
-          <p:nvPr/>
-        </p:nvSpPr>
-        <p:spPr bwMode="auto">
-          <a:xfrm>
-            <a:off x="7300913" y="2255838"/>
-            <a:ext cx="674687" cy="369887"/>
-          </a:xfrm>
-          <a:prstGeom prst="rect">
-            <a:avLst/>
-          </a:prstGeom>
-          <a:noFill/>
-          <a:ln w="9525">
-            <a:noFill/>
-            <a:miter lim="800000"/>
-          </a:ln>
-        </p:spPr>
-        <p:txBody>
-          <a:bodyPr wrap="none">
-            <a:spAutoFit/>
-          </a:bodyPr>
-          <a:lstStyle/>
-          <a:p>
-            <a:r>
-              <a:rPr lang="ru-RU">
-                <a:solidFill>
-                  <a:srgbClr val="FFFFFF"/>
-                </a:solidFill>
-              </a:rPr>
-              <a:t>фото</a:t>
-            </a:r>
-            <a:endParaRPr lang="en-US">
-              <a:solidFill>
-                <a:srgbClr val="FFFFFF"/>
-              </a:solidFill>
-            </a:endParaRPr>
-          </a:p>
-        </p:txBody>
-      </p:sp>
-      <p:sp>
-        <p:nvSpPr>
-          <p:cNvPr id="14345" name="Rectangle 11"/>
-          <p:cNvSpPr>
-            <a:spLocks noChangeArrowheads="1"/>
-          </p:cNvSpPr>
-          <p:nvPr/>
-        </p:nvSpPr>
-        <p:spPr bwMode="auto">
-          <a:xfrm>
-            <a:off x="7300913" y="5591175"/>
-            <a:ext cx="674687" cy="369888"/>
-          </a:xfrm>
-          <a:prstGeom prst="rect">
-            <a:avLst/>
-          </a:prstGeom>
-          <a:noFill/>
-          <a:ln w="9525">
-            <a:noFill/>
-            <a:miter lim="800000"/>
-          </a:ln>
-        </p:spPr>
-        <p:txBody>
-          <a:bodyPr wrap="none">
-            <a:spAutoFit/>
-          </a:bodyPr>
-          <a:lstStyle/>
-          <a:p>
-            <a:r>
-              <a:rPr lang="ru-RU">
-                <a:solidFill>
-                  <a:srgbClr val="FFFFFF"/>
-                </a:solidFill>
-              </a:rPr>
-              <a:t>фото</a:t>
-            </a:r>
-            <a:endParaRPr lang="en-US">
-              <a:solidFill>
-                <a:srgbClr val="FFFFFF"/>
-              </a:solidFill>
-            </a:endParaRPr>
-          </a:p>
-        </p:txBody>
-      </p:sp>
-      <p:sp>
-        <p:nvSpPr>
-          <p:cNvPr id="7" name="Номер слайда 6"/>
-          <p:cNvSpPr>
-            <a:spLocks noGrp="1"/>
-          </p:cNvSpPr>
-          <p:nvPr>
-            <p:ph type="sldNum" sz="quarter" idx="12"/>
-          </p:nvPr>
-        </p:nvSpPr>
-        <p:spPr>
-          <a:xfrm>
-            <a:off x="8451475" y="6356350"/>
-            <a:ext cx="470647" cy="365125"/>
-          </a:xfrm>
-        </p:spPr>
-        <p:txBody>
-          <a:bodyPr/>
-          <a:lstStyle/>
-          <a:p>
-            <a:pPr>
-              <a:defRPr/>
-            </a:pPr>
-            <a:fld id="{CB65F501-F5CC-4E12-934E-78BB5E4DA208}" type="slidenum">
-              <a:rPr lang="en-US" sz="1800" smtClean="0">
-                <a:solidFill>
-                  <a:schemeClr val="tx1"/>
-                </a:solidFill>
-              </a:rPr>
-              <a:t>17</a:t>
             </a:fld>
             <a:endParaRPr lang="en-US" sz="1800" dirty="0">
               <a:solidFill>
@@ -8045,10 +7241,17 @@
   <p:clrMapOvr>
     <a:masterClrMapping/>
   </p:clrMapOvr>
+  <p:timing>
+    <p:tnLst>
+      <p:par>
+        <p:cTn id="1" dur="indefinite" restart="never" nodeType="tmRoot"/>
+      </p:par>
+    </p:tnLst>
+  </p:timing>
 </p:sld>
 </file>
 
-<file path=ppt/slides/slide18.xml><?xml version="1.0" encoding="utf-8"?>
+<file path=ppt/slides/slide16.xml><?xml version="1.0" encoding="utf-8"?>
 <p:sld xmlns:a="http://schemas.openxmlformats.org/drawingml/2006/main" xmlns:r="http://schemas.openxmlformats.org/officeDocument/2006/relationships" xmlns:p="http://schemas.openxmlformats.org/presentationml/2006/main">
   <p:cSld>
     <p:spTree>
@@ -8324,7 +7527,7 @@
                   <a:schemeClr val="tx1"/>
                 </a:solidFill>
               </a:rPr>
-              <a:t>18</a:t>
+              <a:t>16</a:t>
             </a:fld>
             <a:endParaRPr lang="en-US" sz="1800" dirty="0">
               <a:solidFill>
@@ -8339,10 +7542,17 @@
   <p:clrMapOvr>
     <a:masterClrMapping/>
   </p:clrMapOvr>
+  <p:timing>
+    <p:tnLst>
+      <p:par>
+        <p:cTn id="1" dur="indefinite" restart="never" nodeType="tmRoot"/>
+      </p:par>
+    </p:tnLst>
+  </p:timing>
 </p:sld>
 </file>
 
-<file path=ppt/slides/slide19.xml><?xml version="1.0" encoding="utf-8"?>
+<file path=ppt/slides/slide17.xml><?xml version="1.0" encoding="utf-8"?>
 <p:sld xmlns:a="http://schemas.openxmlformats.org/drawingml/2006/main" xmlns:r="http://schemas.openxmlformats.org/officeDocument/2006/relationships" xmlns:p="http://schemas.openxmlformats.org/presentationml/2006/main">
   <p:cSld>
     <p:spTree>
@@ -8380,15 +7590,13 @@
           <a:lstStyle/>
           <a:p>
             <a:r>
-              <a:rPr lang="ru-RU" sz="1200" dirty="0">
+              <a:rPr lang="ru-RU" sz="1200" dirty="0" smtClean="0">
                 <a:solidFill>
                   <a:srgbClr val="FF0000"/>
                 </a:solidFill>
                 <a:latin typeface="Arial" panose="020B0604020202020204" pitchFamily="34" charset="0"/>
-                <a:ea typeface="MS PGothic" panose="020B0600070205080204" charset="-128"/>
-                <a:cs typeface="MS PGothic" panose="020B0600070205080204" charset="-128"/>
-              </a:rPr>
-              <a:t>ФИО студента,</a:t>
+              </a:rPr>
+              <a:t>Шакура Максим Александрович</a:t>
             </a:r>
             <a:endParaRPr lang="en-US" sz="1200" dirty="0">
               <a:solidFill>
@@ -8401,16 +7609,22 @@
           </a:p>
           <a:p>
             <a:r>
-              <a:rPr lang="en-US" sz="1200" dirty="0">
+              <a:rPr lang="en-US" sz="1200" smtClean="0">
                 <a:solidFill>
                   <a:srgbClr val="FF0000"/>
                 </a:solidFill>
                 <a:latin typeface="Arial" panose="020B0604020202020204" pitchFamily="34" charset="0"/>
-                <a:ea typeface="MS PGothic" panose="020B0600070205080204" charset="-128"/>
-                <a:cs typeface="MS PGothic" panose="020B0600070205080204" charset="-128"/>
-              </a:rPr>
-              <a:t>e-mail</a:t>
-            </a:r>
+              </a:rPr>
+              <a:t>max2000turbo@gmail.com</a:t>
+            </a:r>
+            <a:endParaRPr lang="en-US" sz="1200" dirty="0">
+              <a:solidFill>
+                <a:srgbClr val="FF0000"/>
+              </a:solidFill>
+              <a:latin typeface="Arial" panose="020B0604020202020204" pitchFamily="34" charset="0"/>
+              <a:ea typeface="MS PGothic" panose="020B0600070205080204" charset="-128"/>
+              <a:cs typeface="MS PGothic" panose="020B0600070205080204" charset="-128"/>
+            </a:endParaRPr>
           </a:p>
           <a:p>
             <a:endParaRPr lang="en-US" sz="1200" dirty="0">
@@ -8477,7 +7691,7 @@
                   <a:schemeClr val="bg1"/>
                 </a:solidFill>
               </a:rPr>
-              <a:t>19</a:t>
+              <a:t>17</a:t>
             </a:fld>
             <a:endParaRPr lang="en-US" sz="1800" dirty="0">
               <a:solidFill>
@@ -8492,6 +7706,13 @@
   <p:clrMapOvr>
     <a:masterClrMapping/>
   </p:clrMapOvr>
+  <p:timing>
+    <p:tnLst>
+      <p:par>
+        <p:cTn id="1" dur="indefinite" restart="never" nodeType="tmRoot"/>
+      </p:par>
+    </p:tnLst>
+  </p:timing>
 </p:sld>
 </file>
 
@@ -8745,7 +7966,7 @@
           <a:p>
             <a:pPr algn="ctr"/>
             <a:r>
-              <a:rPr lang="ru-RU" dirty="0" smtClean="0">
+              <a:rPr lang="ru-RU" sz="3200" dirty="0" smtClean="0">
                 <a:solidFill>
                   <a:schemeClr val="bg1"/>
                 </a:solidFill>
@@ -8754,7 +7975,7 @@
               <a:t>У Вышки есть </a:t>
             </a:r>
             <a:r>
-              <a:rPr lang="ru-RU" dirty="0" smtClean="0">
+              <a:rPr lang="ru-RU" sz="3200" dirty="0" smtClean="0">
                 <a:solidFill>
                   <a:schemeClr val="bg1"/>
                 </a:solidFill>
@@ -8762,7 +7983,7 @@
               </a:rPr>
               <a:t>мероприятия!</a:t>
             </a:r>
-            <a:endParaRPr lang="ru-RU" dirty="0">
+            <a:endParaRPr lang="ru-RU" sz="3200" dirty="0">
               <a:solidFill>
                 <a:schemeClr val="bg1"/>
               </a:solidFill>
@@ -8962,18 +8183,21 @@
           <a:bodyPr anchor="ctr"/>
           <a:lstStyle/>
           <a:p>
-            <a:r>
-              <a:rPr lang="ru-RU" sz="2000" b="1" dirty="0">
+            <a:pPr algn="ctr"/>
+            <a:r>
+              <a:rPr lang="ru-RU" sz="3200" b="1" dirty="0" smtClean="0">
                 <a:solidFill>
                   <a:schemeClr val="bg1"/>
                 </a:solidFill>
-              </a:rPr>
-              <a:t>ОСНОВНЫЕ ПОНЯТИЯ, ОПРЕДЕЛЕНИЯ, ТЕРМИНЫ</a:t>
-            </a:r>
-            <a:endParaRPr lang="en-US" sz="2000" b="1" dirty="0">
+                <a:latin typeface="SF UI Text" panose="00000400000000000000" pitchFamily="2" charset="0"/>
+              </a:rPr>
+              <a:t>Термины</a:t>
+            </a:r>
+            <a:endParaRPr lang="en-US" sz="3200" b="1" dirty="0">
               <a:solidFill>
                 <a:schemeClr val="bg1"/>
               </a:solidFill>
+              <a:latin typeface="SF UI Text" panose="00000400000000000000" pitchFamily="2" charset="0"/>
             </a:endParaRPr>
           </a:p>
         </p:txBody>
@@ -9155,7 +8379,7 @@
         <p:spPr bwMode="auto">
           <a:xfrm>
             <a:off x="222250" y="1479550"/>
-            <a:ext cx="8575521" cy="1569660"/>
+            <a:ext cx="8575521" cy="1815882"/>
           </a:xfrm>
           <a:prstGeom prst="rect">
             <a:avLst/>
@@ -9343,6 +8567,35 @@
                 <a:latin typeface="Segoe UI" panose="020B0502040204020203" pitchFamily="34" charset="0"/>
               </a:rPr>
               <a:t>Компьютер, обменивающийся данными с клиентами.</a:t>
+            </a:r>
+            <a:endParaRPr lang="en-US" sz="1600" dirty="0" smtClean="0">
+              <a:latin typeface="Segoe UI" panose="020B0502040204020203" pitchFamily="34" charset="0"/>
+            </a:endParaRPr>
+          </a:p>
+          <a:p>
+            <a:r>
+              <a:rPr lang="en-US" sz="1600" b="1" smtClean="0">
+                <a:latin typeface="Segoe UI" panose="020B0502040204020203" pitchFamily="34" charset="0"/>
+              </a:rPr>
+              <a:t>HTML</a:t>
+            </a:r>
+            <a:r>
+              <a:rPr lang="ru-RU" sz="1600" smtClean="0">
+                <a:latin typeface="Segoe UI" panose="020B0502040204020203" pitchFamily="34" charset="0"/>
+              </a:rPr>
+              <a:t> </a:t>
+            </a:r>
+            <a:r>
+              <a:rPr lang="ru-RU" sz="1600">
+                <a:latin typeface="Segoe UI" panose="020B0502040204020203" pitchFamily="34" charset="0"/>
+              </a:rPr>
+              <a:t>– </a:t>
+            </a:r>
+            <a:r>
+              <a:rPr lang="ru-RU" sz="1600" smtClean="0">
+                <a:latin typeface="Segoe UI" panose="020B0502040204020203" pitchFamily="34" charset="0"/>
+              </a:rPr>
+              <a:t>Язык разметки.</a:t>
             </a:r>
             <a:endParaRPr lang="en-US" sz="1600" dirty="0">
               <a:latin typeface="Segoe UI" panose="020B0502040204020203" pitchFamily="34" charset="0"/>
@@ -9609,8 +8862,8 @@
         </p:nvSpPr>
         <p:spPr bwMode="auto">
           <a:xfrm>
-            <a:off x="222250" y="1479550"/>
-            <a:ext cx="8738870" cy="1569660"/>
+            <a:off x="222250" y="2625725"/>
+            <a:ext cx="8738870" cy="2123658"/>
           </a:xfrm>
           <a:prstGeom prst="rect">
             <a:avLst/>
@@ -9628,7 +8881,7 @@
           <a:lstStyle/>
           <a:p>
             <a:r>
-              <a:rPr lang="ru-RU" sz="1600" b="1" dirty="0">
+              <a:rPr lang="ru-RU" sz="2000" b="1" dirty="0">
                 <a:solidFill>
                   <a:srgbClr val="003F82"/>
                 </a:solidFill>
@@ -9651,13 +8904,20 @@
               </a:rPr>
             </a:br>
             <a:r>
-              <a:rPr lang="ru-RU" sz="1200" dirty="0" smtClean="0">
+              <a:rPr lang="ru-RU" sz="1600" dirty="0" smtClean="0">
                 <a:solidFill>
                   <a:srgbClr val="003F82"/>
                 </a:solidFill>
               </a:rPr>
               <a:t>Сделать мероприятия ВШЭ более доступными.</a:t>
             </a:r>
+            <a:endParaRPr lang="ru-RU" sz="1600" dirty="0">
+              <a:solidFill>
+                <a:srgbClr val="003F82"/>
+              </a:solidFill>
+            </a:endParaRPr>
+          </a:p>
+          <a:p>
             <a:endParaRPr lang="ru-RU" sz="1200" dirty="0">
               <a:solidFill>
                 <a:srgbClr val="003F82"/>
@@ -9665,15 +8925,8 @@
             </a:endParaRPr>
           </a:p>
           <a:p>
-            <a:endParaRPr lang="ru-RU" sz="1200" dirty="0">
-              <a:solidFill>
-                <a:srgbClr val="003F82"/>
-              </a:solidFill>
-            </a:endParaRPr>
-          </a:p>
-          <a:p>
-            <a:r>
-              <a:rPr lang="ru-RU" sz="1600" b="1" dirty="0">
+            <a:r>
+              <a:rPr lang="ru-RU" sz="2000" b="1" dirty="0">
                 <a:solidFill>
                   <a:srgbClr val="003F82"/>
                 </a:solidFill>
@@ -9698,7 +8951,7 @@
               <a:buAutoNum type="arabicPeriod"/>
             </a:pPr>
             <a:r>
-              <a:rPr lang="ru-RU" sz="1200" dirty="0" smtClean="0">
+              <a:rPr lang="ru-RU" sz="1600" dirty="0" smtClean="0">
                 <a:solidFill>
                   <a:srgbClr val="003F82"/>
                 </a:solidFill>
@@ -9706,7 +8959,7 @@
               <a:t>Создать </a:t>
             </a:r>
             <a:r>
-              <a:rPr lang="ru-RU" sz="1200" dirty="0" err="1" smtClean="0">
+              <a:rPr lang="ru-RU" sz="1600" dirty="0" err="1" smtClean="0">
                 <a:solidFill>
                   <a:srgbClr val="003F82"/>
                 </a:solidFill>
@@ -9714,7 +8967,7 @@
               <a:t>прграмму</a:t>
             </a:r>
             <a:r>
-              <a:rPr lang="ru-RU" sz="1200" dirty="0" smtClean="0">
+              <a:rPr lang="ru-RU" sz="1600" dirty="0" smtClean="0">
                 <a:solidFill>
                   <a:srgbClr val="003F82"/>
                 </a:solidFill>
@@ -9722,7 +8975,7 @@
               <a:t> на сервере для </a:t>
             </a:r>
             <a:r>
-              <a:rPr lang="ru-RU" sz="1200" dirty="0" err="1" smtClean="0">
+              <a:rPr lang="ru-RU" sz="1600" dirty="0" err="1" smtClean="0">
                 <a:solidFill>
                   <a:srgbClr val="003F82"/>
                 </a:solidFill>
@@ -9730,7 +8983,7 @@
               <a:t>парсинга</a:t>
             </a:r>
             <a:r>
-              <a:rPr lang="ru-RU" sz="1200" dirty="0" smtClean="0">
+              <a:rPr lang="ru-RU" sz="1600" dirty="0" smtClean="0">
                 <a:solidFill>
                   <a:srgbClr val="003F82"/>
                 </a:solidFill>
@@ -9744,14 +8997,14 @@
               <a:buAutoNum type="arabicPeriod"/>
             </a:pPr>
             <a:r>
-              <a:rPr lang="ru-RU" sz="1200" dirty="0" smtClean="0">
+              <a:rPr lang="ru-RU" sz="1600" dirty="0" smtClean="0">
                 <a:solidFill>
                   <a:srgbClr val="003F82"/>
                 </a:solidFill>
               </a:rPr>
               <a:t>Создать клиент-серверное приложения для мобильных устройств для вывода информации о мероприятиях</a:t>
             </a:r>
-            <a:endParaRPr lang="ru-RU" sz="1200" dirty="0">
+            <a:endParaRPr lang="ru-RU" sz="1600" dirty="0">
               <a:solidFill>
                 <a:srgbClr val="003F82"/>
               </a:solidFill>
@@ -9798,6 +9051,13 @@
   <p:clrMapOvr>
     <a:masterClrMapping/>
   </p:clrMapOvr>
+  <p:timing>
+    <p:tnLst>
+      <p:par>
+        <p:cTn id="1" dur="indefinite" restart="never" nodeType="tmRoot"/>
+      </p:par>
+    </p:tnLst>
+  </p:timing>
 </p:sld>
 </file>
 
@@ -10205,6 +9465,13 @@
   <p:clrMapOvr>
     <a:masterClrMapping/>
   </p:clrMapOvr>
+  <p:timing>
+    <p:tnLst>
+      <p:par>
+        <p:cTn id="1" dur="indefinite" restart="never" nodeType="tmRoot"/>
+      </p:par>
+    </p:tnLst>
+  </p:timing>
 </p:sld>
 </file>
 
@@ -10285,8 +9552,8 @@
         </p:nvSpPr>
         <p:spPr bwMode="auto">
           <a:xfrm>
-            <a:off x="1428749" y="428625"/>
-            <a:ext cx="7432863" cy="412750"/>
+            <a:off x="1315616" y="428625"/>
+            <a:ext cx="7828384" cy="412750"/>
           </a:xfrm>
           <a:prstGeom prst="rect">
             <a:avLst/>
@@ -10301,18 +9568,21 @@
           <a:bodyPr anchor="ctr"/>
           <a:lstStyle/>
           <a:p>
-            <a:r>
-              <a:rPr lang="ru-RU" sz="2400" b="1" dirty="0">
+            <a:pPr algn="ctr"/>
+            <a:r>
+              <a:rPr lang="ru-RU" sz="2400" b="1" dirty="0" smtClean="0">
                 <a:solidFill>
                   <a:schemeClr val="bg1"/>
                 </a:solidFill>
-              </a:rPr>
-              <a:t>ВЫБОР МОДЕЛЕЙ, МЕТОДОВ И АЛГОРИТМОВ</a:t>
+                <a:latin typeface="SF UI Text" panose="00000400000000000000" pitchFamily="2" charset="0"/>
+              </a:rPr>
+              <a:t>Алгоритм работы</a:t>
             </a:r>
             <a:endParaRPr lang="en-US" sz="2400" b="1" dirty="0">
               <a:solidFill>
                 <a:schemeClr val="bg1"/>
               </a:solidFill>
+              <a:latin typeface="SF UI Text" panose="00000400000000000000" pitchFamily="2" charset="0"/>
             </a:endParaRPr>
           </a:p>
         </p:txBody>
@@ -10459,8 +9729,8 @@
         </p:nvSpPr>
         <p:spPr bwMode="auto">
           <a:xfrm>
-            <a:off x="255588" y="2082489"/>
-            <a:ext cx="8639362" cy="2246769"/>
+            <a:off x="255588" y="2117681"/>
+            <a:ext cx="8639362" cy="3139321"/>
           </a:xfrm>
           <a:prstGeom prst="rect">
             <a:avLst/>
@@ -10477,2074 +9747,205 @@
           </a:bodyPr>
           <a:lstStyle/>
           <a:p>
-            <a:r>
-              <a:rPr lang="ru-RU" sz="1600" b="1" dirty="0">
-                <a:solidFill>
-                  <a:srgbClr val="003F82"/>
-                </a:solidFill>
-              </a:rPr>
-              <a:t>Подзаголовок</a:t>
-            </a:r>
-            <a:r>
-              <a:rPr lang="ru-RU" sz="2000" dirty="0">
-                <a:solidFill>
-                  <a:srgbClr val="003F82"/>
-                </a:solidFill>
-              </a:rPr>
-              <a:t/>
-            </a:r>
-            <a:br>
-              <a:rPr lang="ru-RU" sz="2000" dirty="0">
-                <a:solidFill>
-                  <a:srgbClr val="003F82"/>
-                </a:solidFill>
-              </a:rPr>
-            </a:br>
-            <a:r>
-              <a:rPr lang="ru-RU" sz="1200" dirty="0">
-                <a:solidFill>
-                  <a:srgbClr val="003F82"/>
-                </a:solidFill>
-              </a:rPr>
-              <a:t>МАТЕМАТИЧЕСКИЕ МОДЕЛИ, МЕТОДЫ, АЛГОРИТМЫ И Т.П., которые используются при решении задач</a:t>
-            </a:r>
-          </a:p>
-          <a:p>
-            <a:endParaRPr lang="ru-RU" sz="1200" dirty="0">
-              <a:solidFill>
-                <a:srgbClr val="003F82"/>
-              </a:solidFill>
-            </a:endParaRPr>
-          </a:p>
-          <a:p>
-            <a:r>
-              <a:rPr lang="ru-RU" sz="1600" b="1" dirty="0">
-                <a:solidFill>
-                  <a:srgbClr val="003F82"/>
-                </a:solidFill>
-              </a:rPr>
-              <a:t>Подзаголовок</a:t>
-            </a:r>
-            <a:r>
-              <a:rPr lang="ru-RU" sz="2000" dirty="0">
-                <a:solidFill>
-                  <a:srgbClr val="003F82"/>
-                </a:solidFill>
-              </a:rPr>
-              <a:t/>
-            </a:r>
-            <a:br>
-              <a:rPr lang="ru-RU" sz="2000" dirty="0">
-                <a:solidFill>
-                  <a:srgbClr val="003F82"/>
-                </a:solidFill>
-              </a:rPr>
-            </a:br>
-            <a:r>
-              <a:rPr lang="ru-RU" sz="1200" dirty="0">
-                <a:solidFill>
-                  <a:srgbClr val="003F82"/>
-                </a:solidFill>
-              </a:rPr>
-              <a:t>текст </a:t>
-            </a:r>
-            <a:r>
-              <a:rPr lang="ru-RU" sz="1200" dirty="0" err="1">
-                <a:solidFill>
-                  <a:srgbClr val="003F82"/>
-                </a:solidFill>
-              </a:rPr>
-              <a:t>текст</a:t>
-            </a:r>
-            <a:r>
-              <a:rPr lang="ru-RU" sz="1200" dirty="0">
-                <a:solidFill>
-                  <a:srgbClr val="003F82"/>
-                </a:solidFill>
+            <a:pPr marL="342900" indent="-342900">
+              <a:buAutoNum type="arabicParenR"/>
+            </a:pPr>
+            <a:r>
+              <a:rPr lang="ru-RU" dirty="0" smtClean="0">
+                <a:latin typeface="SF UI Text" panose="00000400000000000000" pitchFamily="2" charset="0"/>
+              </a:rPr>
+              <a:t>Раз в час сервер </a:t>
+            </a:r>
+            <a:r>
+              <a:rPr lang="en-US" dirty="0" err="1" smtClean="0">
+                <a:latin typeface="SF UI Text" panose="00000400000000000000" pitchFamily="2" charset="0"/>
+              </a:rPr>
+              <a:t>Shakura.dev</a:t>
+            </a:r>
+            <a:r>
+              <a:rPr lang="en-US" dirty="0" smtClean="0">
+                <a:latin typeface="SF UI Text" panose="00000400000000000000" pitchFamily="2" charset="0"/>
               </a:rPr>
               <a:t> </a:t>
             </a:r>
             <a:r>
-              <a:rPr lang="ru-RU" sz="1200" dirty="0" err="1">
-                <a:solidFill>
-                  <a:srgbClr val="003F82"/>
-                </a:solidFill>
-              </a:rPr>
-              <a:t>текст</a:t>
-            </a:r>
-            <a:r>
-              <a:rPr lang="ru-RU" sz="1200" dirty="0">
-                <a:solidFill>
-                  <a:srgbClr val="003F82"/>
-                </a:solidFill>
+              <a:rPr lang="ru-RU" dirty="0" smtClean="0">
+                <a:latin typeface="SF UI Text" panose="00000400000000000000" pitchFamily="2" charset="0"/>
+              </a:rPr>
+              <a:t>делает </a:t>
+            </a:r>
+            <a:r>
+              <a:rPr lang="en-US" dirty="0" smtClean="0">
+                <a:latin typeface="SF UI Text" panose="00000400000000000000" pitchFamily="2" charset="0"/>
+              </a:rPr>
+              <a:t>GET</a:t>
+            </a:r>
+            <a:r>
+              <a:rPr lang="ru-RU" dirty="0" smtClean="0">
+                <a:latin typeface="SF UI Text" panose="00000400000000000000" pitchFamily="2" charset="0"/>
+              </a:rPr>
+              <a:t>-запрос к </a:t>
+            </a:r>
+            <a:r>
+              <a:rPr lang="ru-RU" dirty="0" err="1" smtClean="0">
+                <a:latin typeface="SF UI Text" panose="00000400000000000000" pitchFamily="2" charset="0"/>
+              </a:rPr>
+              <a:t>сайтаи</a:t>
+            </a:r>
+            <a:r>
+              <a:rPr lang="ru-RU" dirty="0" smtClean="0">
+                <a:latin typeface="SF UI Text" panose="00000400000000000000" pitchFamily="2" charset="0"/>
               </a:rPr>
               <a:t> </a:t>
             </a:r>
             <a:r>
-              <a:rPr lang="ru-RU" sz="1200" dirty="0" err="1">
-                <a:solidFill>
-                  <a:srgbClr val="003F82"/>
-                </a:solidFill>
-              </a:rPr>
-              <a:t>текст</a:t>
-            </a:r>
-            <a:r>
-              <a:rPr lang="ru-RU" sz="1200" dirty="0">
-                <a:solidFill>
-                  <a:srgbClr val="003F82"/>
-                </a:solidFill>
+              <a:rPr lang="en-US" dirty="0">
+                <a:latin typeface="SF UI Text" panose="00000400000000000000" pitchFamily="2" charset="0"/>
+                <a:hlinkClick r:id="rId2"/>
+              </a:rPr>
+              <a:t>https://www.hse.ru/news/announcements</a:t>
+            </a:r>
+            <a:r>
+              <a:rPr lang="en-US" dirty="0" smtClean="0">
+                <a:latin typeface="SF UI Text" panose="00000400000000000000" pitchFamily="2" charset="0"/>
+                <a:hlinkClick r:id="rId2"/>
+              </a:rPr>
+              <a:t>/</a:t>
+            </a:r>
+            <a:r>
+              <a:rPr lang="ru-RU" dirty="0" smtClean="0">
+                <a:latin typeface="SF UI Text" panose="00000400000000000000" pitchFamily="2" charset="0"/>
+              </a:rPr>
+              <a:t> и </a:t>
+            </a:r>
+            <a:r>
+              <a:rPr lang="en-US" dirty="0">
+                <a:latin typeface="SF UI Text" panose="00000400000000000000" pitchFamily="2" charset="0"/>
+                <a:hlinkClick r:id="rId3"/>
+              </a:rPr>
+              <a:t>https://www.hse.ru/en/news/announcements</a:t>
+            </a:r>
+            <a:r>
+              <a:rPr lang="en-US" dirty="0" smtClean="0">
+                <a:latin typeface="SF UI Text" panose="00000400000000000000" pitchFamily="2" charset="0"/>
+                <a:hlinkClick r:id="rId3"/>
+              </a:rPr>
+              <a:t>/</a:t>
+            </a:r>
+            <a:r>
+              <a:rPr lang="ru-RU" dirty="0" smtClean="0">
+                <a:latin typeface="SF UI Text" panose="00000400000000000000" pitchFamily="2" charset="0"/>
+              </a:rPr>
+              <a:t> и </a:t>
+            </a:r>
+            <a:r>
+              <a:rPr lang="ru-RU" dirty="0" err="1" smtClean="0">
+                <a:latin typeface="SF UI Text" panose="00000400000000000000" pitchFamily="2" charset="0"/>
+              </a:rPr>
+              <a:t>парсит</a:t>
+            </a:r>
+            <a:r>
+              <a:rPr lang="ru-RU" dirty="0" smtClean="0">
+                <a:latin typeface="SF UI Text" panose="00000400000000000000" pitchFamily="2" charset="0"/>
               </a:rPr>
               <a:t> </a:t>
             </a:r>
             <a:r>
-              <a:rPr lang="ru-RU" sz="1200" dirty="0" err="1">
-                <a:solidFill>
-                  <a:srgbClr val="003F82"/>
-                </a:solidFill>
-              </a:rPr>
-              <a:t>текст</a:t>
-            </a:r>
-            <a:r>
-              <a:rPr lang="ru-RU" sz="1200" dirty="0">
-                <a:solidFill>
-                  <a:srgbClr val="003F82"/>
-                </a:solidFill>
+              <a:rPr lang="en-US" smtClean="0">
+                <a:latin typeface="SF UI Text" panose="00000400000000000000" pitchFamily="2" charset="0"/>
+              </a:rPr>
+              <a:t>html </a:t>
+            </a:r>
+            <a:r>
+              <a:rPr lang="ru-RU" smtClean="0">
+                <a:latin typeface="SF UI Text" panose="00000400000000000000" pitchFamily="2" charset="0"/>
+              </a:rPr>
+              <a:t>страницы в данные о мероприятиях.</a:t>
+            </a:r>
+          </a:p>
+          <a:p>
+            <a:pPr marL="342900" indent="-342900">
+              <a:buAutoNum type="arabicParenR"/>
+            </a:pPr>
+            <a:endParaRPr lang="ru-RU" dirty="0" smtClean="0">
+              <a:latin typeface="SF UI Text" panose="00000400000000000000" pitchFamily="2" charset="0"/>
+            </a:endParaRPr>
+          </a:p>
+          <a:p>
+            <a:pPr marL="342900" indent="-342900">
+              <a:buAutoNum type="arabicParenR"/>
+            </a:pPr>
+            <a:r>
+              <a:rPr lang="ru-RU" dirty="0" smtClean="0">
+                <a:latin typeface="SF UI Text" panose="00000400000000000000" pitchFamily="2" charset="0"/>
+              </a:rPr>
+              <a:t>При запуске, клиент-приложение делает запрос к сайтам </a:t>
+            </a:r>
+            <a:r>
+              <a:rPr lang="en-US" dirty="0">
+                <a:latin typeface="SF UI Text" panose="00000400000000000000" pitchFamily="2" charset="0"/>
+                <a:hlinkClick r:id="rId4"/>
+              </a:rPr>
+              <a:t>https://</a:t>
+            </a:r>
+            <a:r>
+              <a:rPr lang="en-US" dirty="0" smtClean="0">
+                <a:latin typeface="SF UI Text" panose="00000400000000000000" pitchFamily="2" charset="0"/>
+                <a:hlinkClick r:id="rId4"/>
+              </a:rPr>
+              <a:t>shakura.dev/hseapi</a:t>
+            </a:r>
+            <a:r>
+              <a:rPr lang="ru-RU" dirty="0" smtClean="0">
+                <a:latin typeface="SF UI Text" panose="00000400000000000000" pitchFamily="2" charset="0"/>
+              </a:rPr>
+              <a:t> и </a:t>
+            </a:r>
+            <a:r>
+              <a:rPr lang="en-US" dirty="0">
+                <a:latin typeface="SF UI Text" panose="00000400000000000000" pitchFamily="2" charset="0"/>
+                <a:hlinkClick r:id="rId5"/>
+              </a:rPr>
+              <a:t>https://</a:t>
+            </a:r>
+            <a:r>
+              <a:rPr lang="en-US" smtClean="0">
+                <a:latin typeface="SF UI Text" panose="00000400000000000000" pitchFamily="2" charset="0"/>
+                <a:hlinkClick r:id="rId5"/>
+              </a:rPr>
+              <a:t>shakura.dev/hseapien</a:t>
+            </a:r>
+            <a:r>
+              <a:rPr lang="en-US" smtClean="0">
+                <a:latin typeface="SF UI Text" panose="00000400000000000000" pitchFamily="2" charset="0"/>
               </a:rPr>
               <a:t> </a:t>
             </a:r>
             <a:r>
-              <a:rPr lang="ru-RU" sz="1200" dirty="0" err="1">
-                <a:solidFill>
-                  <a:srgbClr val="003F82"/>
-                </a:solidFill>
-              </a:rPr>
-              <a:t>текст</a:t>
-            </a:r>
-            <a:r>
-              <a:rPr lang="ru-RU" sz="1200" dirty="0">
-                <a:solidFill>
-                  <a:srgbClr val="003F82"/>
-                </a:solidFill>
-              </a:rPr>
-              <a:t> </a:t>
-            </a:r>
-            <a:r>
-              <a:rPr lang="ru-RU" sz="1200" dirty="0" err="1">
-                <a:solidFill>
-                  <a:srgbClr val="003F82"/>
-                </a:solidFill>
-              </a:rPr>
-              <a:t>текст</a:t>
-            </a:r>
-            <a:r>
-              <a:rPr lang="ru-RU" sz="1200" dirty="0">
-                <a:solidFill>
-                  <a:srgbClr val="003F82"/>
-                </a:solidFill>
-              </a:rPr>
-              <a:t> </a:t>
-            </a:r>
-            <a:r>
-              <a:rPr lang="ru-RU" sz="1200" dirty="0" err="1">
-                <a:solidFill>
-                  <a:srgbClr val="003F82"/>
-                </a:solidFill>
-              </a:rPr>
-              <a:t>текст</a:t>
-            </a:r>
-            <a:r>
-              <a:rPr lang="ru-RU" sz="1200" dirty="0">
-                <a:solidFill>
-                  <a:srgbClr val="003F82"/>
-                </a:solidFill>
-              </a:rPr>
-              <a:t> </a:t>
-            </a:r>
-            <a:r>
-              <a:rPr lang="ru-RU" sz="1200" dirty="0" err="1">
-                <a:solidFill>
-                  <a:srgbClr val="003F82"/>
-                </a:solidFill>
-              </a:rPr>
-              <a:t>текст</a:t>
-            </a:r>
-            <a:r>
-              <a:rPr lang="ru-RU" sz="1200" dirty="0">
-                <a:solidFill>
-                  <a:srgbClr val="003F82"/>
-                </a:solidFill>
-              </a:rPr>
-              <a:t> </a:t>
-            </a:r>
-            <a:r>
-              <a:rPr lang="ru-RU" sz="1200" dirty="0" err="1">
-                <a:solidFill>
-                  <a:srgbClr val="003F82"/>
-                </a:solidFill>
-              </a:rPr>
-              <a:t>текст</a:t>
-            </a:r>
-            <a:r>
-              <a:rPr lang="ru-RU" sz="1200" dirty="0">
-                <a:solidFill>
-                  <a:srgbClr val="003F82"/>
-                </a:solidFill>
-              </a:rPr>
-              <a:t> </a:t>
-            </a:r>
-            <a:r>
-              <a:rPr lang="ru-RU" sz="1200" dirty="0" err="1">
-                <a:solidFill>
-                  <a:srgbClr val="003F82"/>
-                </a:solidFill>
-              </a:rPr>
-              <a:t>текст</a:t>
-            </a:r>
-            <a:r>
-              <a:rPr lang="ru-RU" sz="1200" dirty="0">
-                <a:solidFill>
-                  <a:srgbClr val="003F82"/>
-                </a:solidFill>
-              </a:rPr>
-              <a:t> </a:t>
-            </a:r>
-            <a:r>
-              <a:rPr lang="ru-RU" sz="1200" dirty="0" err="1">
-                <a:solidFill>
-                  <a:srgbClr val="003F82"/>
-                </a:solidFill>
-              </a:rPr>
-              <a:t>текст</a:t>
-            </a:r>
-            <a:r>
-              <a:rPr lang="ru-RU" sz="1200" dirty="0">
-                <a:solidFill>
-                  <a:srgbClr val="003F82"/>
-                </a:solidFill>
-              </a:rPr>
-              <a:t> </a:t>
-            </a:r>
-            <a:r>
-              <a:rPr lang="ru-RU" sz="1200" dirty="0" err="1">
-                <a:solidFill>
-                  <a:srgbClr val="003F82"/>
-                </a:solidFill>
-              </a:rPr>
-              <a:t>текст</a:t>
-            </a:r>
-            <a:r>
-              <a:rPr lang="ru-RU" sz="1200" dirty="0">
-                <a:solidFill>
-                  <a:srgbClr val="003F82"/>
-                </a:solidFill>
-              </a:rPr>
-              <a:t> </a:t>
-            </a:r>
-            <a:r>
-              <a:rPr lang="ru-RU" sz="1200" dirty="0" err="1">
-                <a:solidFill>
-                  <a:srgbClr val="003F82"/>
-                </a:solidFill>
-              </a:rPr>
-              <a:t>текст</a:t>
-            </a:r>
-            <a:r>
-              <a:rPr lang="ru-RU" sz="1200" dirty="0">
-                <a:solidFill>
-                  <a:srgbClr val="003F82"/>
-                </a:solidFill>
-              </a:rPr>
-              <a:t> </a:t>
-            </a:r>
-            <a:r>
-              <a:rPr lang="ru-RU" sz="1200" dirty="0" err="1">
-                <a:solidFill>
-                  <a:srgbClr val="003F82"/>
-                </a:solidFill>
-              </a:rPr>
-              <a:t>текст</a:t>
-            </a:r>
-            <a:r>
-              <a:rPr lang="ru-RU" sz="1200" dirty="0">
-                <a:solidFill>
-                  <a:srgbClr val="003F82"/>
-                </a:solidFill>
-              </a:rPr>
-              <a:t> </a:t>
-            </a:r>
-            <a:r>
-              <a:rPr lang="ru-RU" sz="1200" dirty="0" err="1">
-                <a:solidFill>
-                  <a:srgbClr val="003F82"/>
-                </a:solidFill>
-              </a:rPr>
-              <a:t>текст</a:t>
-            </a:r>
-            <a:r>
-              <a:rPr lang="ru-RU" sz="1200" dirty="0">
-                <a:solidFill>
-                  <a:srgbClr val="003F82"/>
-                </a:solidFill>
-              </a:rPr>
-              <a:t> </a:t>
-            </a:r>
-            <a:r>
-              <a:rPr lang="ru-RU" sz="1200" dirty="0" err="1">
-                <a:solidFill>
-                  <a:srgbClr val="003F82"/>
-                </a:solidFill>
-              </a:rPr>
-              <a:t>текст</a:t>
-            </a:r>
-            <a:r>
-              <a:rPr lang="ru-RU" sz="1200" dirty="0">
-                <a:solidFill>
-                  <a:srgbClr val="003F82"/>
-                </a:solidFill>
-              </a:rPr>
-              <a:t> </a:t>
-            </a:r>
-            <a:r>
-              <a:rPr lang="ru-RU" sz="1200" dirty="0" err="1">
-                <a:solidFill>
-                  <a:srgbClr val="003F82"/>
-                </a:solidFill>
-              </a:rPr>
-              <a:t>текст</a:t>
-            </a:r>
-            <a:r>
-              <a:rPr lang="ru-RU" sz="1200" dirty="0">
-                <a:solidFill>
-                  <a:srgbClr val="003F82"/>
-                </a:solidFill>
-              </a:rPr>
-              <a:t> </a:t>
-            </a:r>
-            <a:r>
-              <a:rPr lang="ru-RU" sz="1200" dirty="0" err="1">
-                <a:solidFill>
-                  <a:srgbClr val="003F82"/>
-                </a:solidFill>
-              </a:rPr>
-              <a:t>текст</a:t>
-            </a:r>
-            <a:r>
-              <a:rPr lang="ru-RU" sz="1200" dirty="0">
-                <a:solidFill>
-                  <a:srgbClr val="003F82"/>
-                </a:solidFill>
-              </a:rPr>
-              <a:t> </a:t>
-            </a:r>
-            <a:r>
-              <a:rPr lang="ru-RU" sz="1200" dirty="0" err="1">
-                <a:solidFill>
-                  <a:srgbClr val="003F82"/>
-                </a:solidFill>
-              </a:rPr>
-              <a:t>текст</a:t>
-            </a:r>
-            <a:r>
-              <a:rPr lang="ru-RU" sz="1200" dirty="0">
-                <a:solidFill>
-                  <a:srgbClr val="003F82"/>
-                </a:solidFill>
-              </a:rPr>
-              <a:t> </a:t>
-            </a:r>
-            <a:r>
-              <a:rPr lang="ru-RU" sz="1200" dirty="0" err="1">
-                <a:solidFill>
-                  <a:srgbClr val="003F82"/>
-                </a:solidFill>
-              </a:rPr>
-              <a:t>текст</a:t>
-            </a:r>
-            <a:r>
-              <a:rPr lang="ru-RU" sz="1200" dirty="0">
-                <a:solidFill>
-                  <a:srgbClr val="003F82"/>
-                </a:solidFill>
-              </a:rPr>
-              <a:t> </a:t>
-            </a:r>
-            <a:r>
-              <a:rPr lang="ru-RU" sz="1200" dirty="0" err="1">
-                <a:solidFill>
-                  <a:srgbClr val="003F82"/>
-                </a:solidFill>
-              </a:rPr>
-              <a:t>текст</a:t>
-            </a:r>
-            <a:r>
-              <a:rPr lang="ru-RU" sz="1200" dirty="0">
-                <a:solidFill>
-                  <a:srgbClr val="003F82"/>
-                </a:solidFill>
-              </a:rPr>
-              <a:t> </a:t>
-            </a:r>
-            <a:r>
-              <a:rPr lang="ru-RU" sz="1200" dirty="0" err="1">
-                <a:solidFill>
-                  <a:srgbClr val="003F82"/>
-                </a:solidFill>
-              </a:rPr>
-              <a:t>текст</a:t>
-            </a:r>
-            <a:r>
-              <a:rPr lang="ru-RU" sz="1200" dirty="0">
-                <a:solidFill>
-                  <a:srgbClr val="003F82"/>
-                </a:solidFill>
-              </a:rPr>
-              <a:t> </a:t>
-            </a:r>
-            <a:r>
-              <a:rPr lang="ru-RU" sz="1200" dirty="0" err="1">
-                <a:solidFill>
-                  <a:srgbClr val="003F82"/>
-                </a:solidFill>
-              </a:rPr>
-              <a:t>текст</a:t>
-            </a:r>
-            <a:r>
-              <a:rPr lang="ru-RU" sz="1200" dirty="0">
-                <a:solidFill>
-                  <a:srgbClr val="003F82"/>
-                </a:solidFill>
-              </a:rPr>
-              <a:t> </a:t>
-            </a:r>
-            <a:r>
-              <a:rPr lang="ru-RU" sz="1200" dirty="0" err="1">
-                <a:solidFill>
-                  <a:srgbClr val="003F82"/>
-                </a:solidFill>
-              </a:rPr>
-              <a:t>текст</a:t>
-            </a:r>
-            <a:r>
-              <a:rPr lang="ru-RU" sz="1200" dirty="0">
-                <a:solidFill>
-                  <a:srgbClr val="003F82"/>
-                </a:solidFill>
-              </a:rPr>
-              <a:t> </a:t>
-            </a:r>
-            <a:r>
-              <a:rPr lang="ru-RU" sz="1200" dirty="0" err="1">
-                <a:solidFill>
-                  <a:srgbClr val="003F82"/>
-                </a:solidFill>
-              </a:rPr>
-              <a:t>текст</a:t>
-            </a:r>
-            <a:r>
-              <a:rPr lang="ru-RU" sz="1200" dirty="0">
-                <a:solidFill>
-                  <a:srgbClr val="003F82"/>
-                </a:solidFill>
-              </a:rPr>
-              <a:t> </a:t>
-            </a:r>
-            <a:r>
-              <a:rPr lang="ru-RU" sz="1200" dirty="0" err="1">
-                <a:solidFill>
-                  <a:srgbClr val="003F82"/>
-                </a:solidFill>
-              </a:rPr>
-              <a:t>текст</a:t>
-            </a:r>
-            <a:r>
-              <a:rPr lang="ru-RU" sz="1200" dirty="0">
-                <a:solidFill>
-                  <a:srgbClr val="003F82"/>
-                </a:solidFill>
-              </a:rPr>
-              <a:t> </a:t>
-            </a:r>
-            <a:r>
-              <a:rPr lang="ru-RU" sz="1200" dirty="0" err="1">
-                <a:solidFill>
-                  <a:srgbClr val="003F82"/>
-                </a:solidFill>
-              </a:rPr>
-              <a:t>текст</a:t>
-            </a:r>
-            <a:r>
-              <a:rPr lang="ru-RU" sz="1200" dirty="0">
-                <a:solidFill>
-                  <a:srgbClr val="003F82"/>
-                </a:solidFill>
-              </a:rPr>
-              <a:t> </a:t>
-            </a:r>
-            <a:r>
-              <a:rPr lang="ru-RU" sz="1200" dirty="0" err="1">
-                <a:solidFill>
-                  <a:srgbClr val="003F82"/>
-                </a:solidFill>
-              </a:rPr>
-              <a:t>текст</a:t>
-            </a:r>
-            <a:r>
-              <a:rPr lang="ru-RU" sz="1200" dirty="0">
-                <a:solidFill>
-                  <a:srgbClr val="003F82"/>
-                </a:solidFill>
-              </a:rPr>
-              <a:t> </a:t>
-            </a:r>
-            <a:r>
-              <a:rPr lang="ru-RU" sz="1200" dirty="0" err="1">
-                <a:solidFill>
-                  <a:srgbClr val="003F82"/>
-                </a:solidFill>
-              </a:rPr>
-              <a:t>текст</a:t>
-            </a:r>
-            <a:r>
-              <a:rPr lang="ru-RU" sz="1200" dirty="0">
-                <a:solidFill>
-                  <a:srgbClr val="003F82"/>
-                </a:solidFill>
-              </a:rPr>
-              <a:t> </a:t>
-            </a:r>
-            <a:r>
-              <a:rPr lang="ru-RU" sz="1200" dirty="0" err="1">
-                <a:solidFill>
-                  <a:srgbClr val="003F82"/>
-                </a:solidFill>
-              </a:rPr>
-              <a:t>текст</a:t>
-            </a:r>
-            <a:r>
-              <a:rPr lang="ru-RU" sz="1200" dirty="0">
-                <a:solidFill>
-                  <a:srgbClr val="003F82"/>
-                </a:solidFill>
-              </a:rPr>
-              <a:t> </a:t>
-            </a:r>
-            <a:r>
-              <a:rPr lang="ru-RU" sz="1200" dirty="0" err="1">
-                <a:solidFill>
-                  <a:srgbClr val="003F82"/>
-                </a:solidFill>
-              </a:rPr>
-              <a:t>текст</a:t>
-            </a:r>
-            <a:r>
-              <a:rPr lang="ru-RU" sz="1200" dirty="0">
-                <a:solidFill>
-                  <a:srgbClr val="003F82"/>
-                </a:solidFill>
-              </a:rPr>
-              <a:t> </a:t>
-            </a:r>
-            <a:r>
-              <a:rPr lang="ru-RU" sz="1200" dirty="0" err="1">
-                <a:solidFill>
-                  <a:srgbClr val="003F82"/>
-                </a:solidFill>
-              </a:rPr>
-              <a:t>текст</a:t>
-            </a:r>
-            <a:r>
-              <a:rPr lang="ru-RU" sz="1200" dirty="0">
-                <a:solidFill>
-                  <a:srgbClr val="003F82"/>
-                </a:solidFill>
-              </a:rPr>
-              <a:t> </a:t>
-            </a:r>
-            <a:r>
-              <a:rPr lang="ru-RU" sz="1200" dirty="0" err="1">
-                <a:solidFill>
-                  <a:srgbClr val="003F82"/>
-                </a:solidFill>
-              </a:rPr>
-              <a:t>текст</a:t>
-            </a:r>
-            <a:r>
-              <a:rPr lang="ru-RU" sz="1200" dirty="0">
-                <a:solidFill>
-                  <a:srgbClr val="003F82"/>
-                </a:solidFill>
-              </a:rPr>
-              <a:t> </a:t>
-            </a:r>
-            <a:r>
-              <a:rPr lang="ru-RU" sz="1200" dirty="0" err="1">
-                <a:solidFill>
-                  <a:srgbClr val="003F82"/>
-                </a:solidFill>
-              </a:rPr>
-              <a:t>текст</a:t>
-            </a:r>
-            <a:r>
-              <a:rPr lang="ru-RU" sz="1200" dirty="0">
-                <a:solidFill>
-                  <a:srgbClr val="003F82"/>
-                </a:solidFill>
-              </a:rPr>
-              <a:t> </a:t>
-            </a:r>
-            <a:r>
-              <a:rPr lang="ru-RU" sz="1200" dirty="0" err="1">
-                <a:solidFill>
-                  <a:srgbClr val="003F82"/>
-                </a:solidFill>
-              </a:rPr>
-              <a:t>текст</a:t>
-            </a:r>
-            <a:r>
-              <a:rPr lang="ru-RU" sz="1200" dirty="0">
-                <a:solidFill>
-                  <a:srgbClr val="003F82"/>
-                </a:solidFill>
-              </a:rPr>
-              <a:t> </a:t>
-            </a:r>
-            <a:r>
-              <a:rPr lang="ru-RU" sz="1200" dirty="0" err="1">
-                <a:solidFill>
-                  <a:srgbClr val="003F82"/>
-                </a:solidFill>
-              </a:rPr>
-              <a:t>текст</a:t>
-            </a:r>
-            <a:r>
-              <a:rPr lang="ru-RU" sz="1200" dirty="0">
-                <a:solidFill>
-                  <a:srgbClr val="003F82"/>
-                </a:solidFill>
-              </a:rPr>
-              <a:t> </a:t>
-            </a:r>
-            <a:r>
-              <a:rPr lang="ru-RU" sz="1200" dirty="0" err="1">
-                <a:solidFill>
-                  <a:srgbClr val="003F82"/>
-                </a:solidFill>
-              </a:rPr>
-              <a:t>текст</a:t>
-            </a:r>
-            <a:r>
-              <a:rPr lang="ru-RU" sz="1200" dirty="0">
-                <a:solidFill>
-                  <a:srgbClr val="003F82"/>
-                </a:solidFill>
-              </a:rPr>
-              <a:t> </a:t>
-            </a:r>
-            <a:r>
-              <a:rPr lang="ru-RU" sz="1200" dirty="0" err="1">
-                <a:solidFill>
-                  <a:srgbClr val="003F82"/>
-                </a:solidFill>
-              </a:rPr>
-              <a:t>текст</a:t>
-            </a:r>
-            <a:r>
-              <a:rPr lang="ru-RU" sz="1200" dirty="0">
-                <a:solidFill>
-                  <a:srgbClr val="003F82"/>
-                </a:solidFill>
-              </a:rPr>
-              <a:t> </a:t>
-            </a:r>
-            <a:r>
-              <a:rPr lang="ru-RU" sz="1200" dirty="0" err="1">
-                <a:solidFill>
-                  <a:srgbClr val="003F82"/>
-                </a:solidFill>
-              </a:rPr>
-              <a:t>текст</a:t>
-            </a:r>
-            <a:r>
-              <a:rPr lang="ru-RU" sz="1200" dirty="0">
-                <a:solidFill>
-                  <a:srgbClr val="003F82"/>
-                </a:solidFill>
-              </a:rPr>
-              <a:t> </a:t>
-            </a:r>
-            <a:r>
-              <a:rPr lang="ru-RU" sz="1200" dirty="0" err="1">
-                <a:solidFill>
-                  <a:srgbClr val="003F82"/>
-                </a:solidFill>
-              </a:rPr>
-              <a:t>текст</a:t>
-            </a:r>
-            <a:r>
-              <a:rPr lang="ru-RU" sz="1200" dirty="0">
-                <a:solidFill>
-                  <a:srgbClr val="003F82"/>
-                </a:solidFill>
-              </a:rPr>
-              <a:t> </a:t>
-            </a:r>
-            <a:r>
-              <a:rPr lang="ru-RU" sz="1200" dirty="0" err="1">
-                <a:solidFill>
-                  <a:srgbClr val="003F82"/>
-                </a:solidFill>
-              </a:rPr>
-              <a:t>текст</a:t>
-            </a:r>
-            <a:r>
-              <a:rPr lang="ru-RU" sz="1200" dirty="0">
-                <a:solidFill>
-                  <a:srgbClr val="003F82"/>
-                </a:solidFill>
-              </a:rPr>
-              <a:t> </a:t>
-            </a:r>
-            <a:r>
-              <a:rPr lang="ru-RU" sz="1200" dirty="0" err="1">
-                <a:solidFill>
-                  <a:srgbClr val="003F82"/>
-                </a:solidFill>
-              </a:rPr>
-              <a:t>текст</a:t>
-            </a:r>
-            <a:r>
-              <a:rPr lang="ru-RU" sz="1200" dirty="0">
-                <a:solidFill>
-                  <a:srgbClr val="003F82"/>
-                </a:solidFill>
-              </a:rPr>
-              <a:t> </a:t>
-            </a:r>
-            <a:r>
-              <a:rPr lang="ru-RU" sz="1200" dirty="0" err="1">
-                <a:solidFill>
-                  <a:srgbClr val="003F82"/>
-                </a:solidFill>
-              </a:rPr>
-              <a:t>текст</a:t>
-            </a:r>
-            <a:r>
-              <a:rPr lang="ru-RU" sz="1200" dirty="0">
-                <a:solidFill>
-                  <a:srgbClr val="003F82"/>
-                </a:solidFill>
-              </a:rPr>
-              <a:t> </a:t>
-            </a:r>
-            <a:r>
-              <a:rPr lang="ru-RU" sz="1200" dirty="0" err="1">
-                <a:solidFill>
-                  <a:srgbClr val="003F82"/>
-                </a:solidFill>
-              </a:rPr>
-              <a:t>текст</a:t>
-            </a:r>
-            <a:r>
-              <a:rPr lang="ru-RU" sz="1200" dirty="0">
-                <a:solidFill>
-                  <a:srgbClr val="003F82"/>
-                </a:solidFill>
-              </a:rPr>
-              <a:t> </a:t>
-            </a:r>
-            <a:r>
-              <a:rPr lang="ru-RU" sz="1200" dirty="0" err="1">
-                <a:solidFill>
-                  <a:srgbClr val="003F82"/>
-                </a:solidFill>
-              </a:rPr>
-              <a:t>текст</a:t>
-            </a:r>
-            <a:r>
-              <a:rPr lang="ru-RU" sz="1200" dirty="0">
-                <a:solidFill>
-                  <a:srgbClr val="003F82"/>
-                </a:solidFill>
-              </a:rPr>
-              <a:t> </a:t>
-            </a:r>
-            <a:r>
-              <a:rPr lang="ru-RU" sz="1200" dirty="0" err="1">
-                <a:solidFill>
-                  <a:srgbClr val="003F82"/>
-                </a:solidFill>
-              </a:rPr>
-              <a:t>текст</a:t>
-            </a:r>
-            <a:r>
-              <a:rPr lang="ru-RU" sz="1200" dirty="0">
-                <a:solidFill>
-                  <a:srgbClr val="003F82"/>
-                </a:solidFill>
-              </a:rPr>
-              <a:t> </a:t>
-            </a:r>
-            <a:r>
-              <a:rPr lang="ru-RU" sz="1200" dirty="0" err="1">
-                <a:solidFill>
-                  <a:srgbClr val="003F82"/>
-                </a:solidFill>
-              </a:rPr>
-              <a:t>текст</a:t>
-            </a:r>
-            <a:r>
-              <a:rPr lang="ru-RU" sz="1200" dirty="0">
-                <a:solidFill>
-                  <a:srgbClr val="003F82"/>
-                </a:solidFill>
-              </a:rPr>
-              <a:t> </a:t>
-            </a:r>
-            <a:r>
-              <a:rPr lang="ru-RU" sz="1200" dirty="0" err="1">
-                <a:solidFill>
-                  <a:srgbClr val="003F82"/>
-                </a:solidFill>
-              </a:rPr>
-              <a:t>текст</a:t>
-            </a:r>
-            <a:r>
-              <a:rPr lang="ru-RU" sz="1200" dirty="0">
-                <a:solidFill>
-                  <a:srgbClr val="003F82"/>
-                </a:solidFill>
-              </a:rPr>
-              <a:t> </a:t>
-            </a:r>
-            <a:r>
-              <a:rPr lang="ru-RU" sz="1200" dirty="0" err="1">
-                <a:solidFill>
-                  <a:srgbClr val="003F82"/>
-                </a:solidFill>
-              </a:rPr>
-              <a:t>текст</a:t>
-            </a:r>
-            <a:r>
-              <a:rPr lang="ru-RU" sz="1200" dirty="0">
-                <a:solidFill>
-                  <a:srgbClr val="003F82"/>
-                </a:solidFill>
-              </a:rPr>
-              <a:t> </a:t>
-            </a:r>
-            <a:r>
-              <a:rPr lang="ru-RU" sz="1200" dirty="0" err="1">
-                <a:solidFill>
-                  <a:srgbClr val="003F82"/>
-                </a:solidFill>
-              </a:rPr>
-              <a:t>текст</a:t>
-            </a:r>
-            <a:r>
-              <a:rPr lang="ru-RU" sz="1200" dirty="0">
-                <a:solidFill>
-                  <a:srgbClr val="003F82"/>
-                </a:solidFill>
-              </a:rPr>
-              <a:t> </a:t>
-            </a:r>
-            <a:r>
-              <a:rPr lang="ru-RU" sz="1200" dirty="0" err="1">
-                <a:solidFill>
-                  <a:srgbClr val="003F82"/>
-                </a:solidFill>
-              </a:rPr>
-              <a:t>текст</a:t>
-            </a:r>
-            <a:r>
-              <a:rPr lang="ru-RU" sz="1200" dirty="0">
-                <a:solidFill>
-                  <a:srgbClr val="003F82"/>
-                </a:solidFill>
-              </a:rPr>
-              <a:t> </a:t>
-            </a:r>
-            <a:r>
-              <a:rPr lang="ru-RU" sz="1200" dirty="0" err="1">
-                <a:solidFill>
-                  <a:srgbClr val="003F82"/>
-                </a:solidFill>
-              </a:rPr>
-              <a:t>текст</a:t>
-            </a:r>
-            <a:r>
-              <a:rPr lang="ru-RU" sz="1200" dirty="0">
-                <a:solidFill>
-                  <a:srgbClr val="003F82"/>
-                </a:solidFill>
-              </a:rPr>
-              <a:t> </a:t>
-            </a:r>
-            <a:r>
-              <a:rPr lang="ru-RU" sz="1200" dirty="0" err="1">
-                <a:solidFill>
-                  <a:srgbClr val="003F82"/>
-                </a:solidFill>
-              </a:rPr>
-              <a:t>текст</a:t>
-            </a:r>
-            <a:r>
-              <a:rPr lang="ru-RU" sz="1200" dirty="0">
-                <a:solidFill>
-                  <a:srgbClr val="003F82"/>
-                </a:solidFill>
-              </a:rPr>
-              <a:t> </a:t>
-            </a:r>
-            <a:r>
-              <a:rPr lang="ru-RU" sz="1200" dirty="0" err="1">
-                <a:solidFill>
-                  <a:srgbClr val="003F82"/>
-                </a:solidFill>
-              </a:rPr>
-              <a:t>текст</a:t>
-            </a:r>
-            <a:r>
-              <a:rPr lang="ru-RU" sz="1200" dirty="0">
-                <a:solidFill>
-                  <a:srgbClr val="003F82"/>
-                </a:solidFill>
-              </a:rPr>
-              <a:t> </a:t>
-            </a:r>
-            <a:r>
-              <a:rPr lang="ru-RU" sz="1200" dirty="0" err="1">
-                <a:solidFill>
-                  <a:srgbClr val="003F82"/>
-                </a:solidFill>
-              </a:rPr>
-              <a:t>текст</a:t>
-            </a:r>
-            <a:r>
-              <a:rPr lang="ru-RU" sz="1200" dirty="0">
-                <a:solidFill>
-                  <a:srgbClr val="003F82"/>
-                </a:solidFill>
-              </a:rPr>
-              <a:t> </a:t>
-            </a:r>
-            <a:r>
-              <a:rPr lang="ru-RU" sz="1200" dirty="0" err="1">
-                <a:solidFill>
-                  <a:srgbClr val="003F82"/>
-                </a:solidFill>
-              </a:rPr>
-              <a:t>текст</a:t>
-            </a:r>
-            <a:r>
-              <a:rPr lang="ru-RU" sz="1200" dirty="0">
-                <a:solidFill>
-                  <a:srgbClr val="003F82"/>
-                </a:solidFill>
-              </a:rPr>
-              <a:t> </a:t>
-            </a:r>
-            <a:r>
-              <a:rPr lang="ru-RU" sz="1200" dirty="0" err="1">
-                <a:solidFill>
-                  <a:srgbClr val="003F82"/>
-                </a:solidFill>
-              </a:rPr>
-              <a:t>текст</a:t>
-            </a:r>
-            <a:r>
-              <a:rPr lang="ru-RU" sz="1200" dirty="0">
-                <a:solidFill>
-                  <a:srgbClr val="003F82"/>
-                </a:solidFill>
-              </a:rPr>
-              <a:t> </a:t>
-            </a:r>
-            <a:r>
-              <a:rPr lang="ru-RU" sz="1200" dirty="0" err="1">
-                <a:solidFill>
-                  <a:srgbClr val="003F82"/>
-                </a:solidFill>
-              </a:rPr>
-              <a:t>текст</a:t>
-            </a:r>
-            <a:r>
-              <a:rPr lang="ru-RU" sz="1200" dirty="0">
-                <a:solidFill>
-                  <a:srgbClr val="003F82"/>
-                </a:solidFill>
-              </a:rPr>
-              <a:t> </a:t>
-            </a:r>
-            <a:r>
-              <a:rPr lang="ru-RU" sz="1200" dirty="0" err="1">
-                <a:solidFill>
-                  <a:srgbClr val="003F82"/>
-                </a:solidFill>
-              </a:rPr>
-              <a:t>текст</a:t>
-            </a:r>
-            <a:r>
-              <a:rPr lang="ru-RU" sz="1200" dirty="0">
-                <a:solidFill>
-                  <a:srgbClr val="003F82"/>
-                </a:solidFill>
-              </a:rPr>
-              <a:t> </a:t>
-            </a:r>
-            <a:r>
-              <a:rPr lang="ru-RU" sz="1200" dirty="0" err="1">
-                <a:solidFill>
-                  <a:srgbClr val="003F82"/>
-                </a:solidFill>
-              </a:rPr>
-              <a:t>текст</a:t>
-            </a:r>
-            <a:r>
-              <a:rPr lang="ru-RU" sz="1200" dirty="0">
-                <a:solidFill>
-                  <a:srgbClr val="003F82"/>
-                </a:solidFill>
-              </a:rPr>
-              <a:t> </a:t>
-            </a:r>
-            <a:r>
-              <a:rPr lang="ru-RU" sz="1200" dirty="0" err="1">
-                <a:solidFill>
-                  <a:srgbClr val="003F82"/>
-                </a:solidFill>
-              </a:rPr>
-              <a:t>текст</a:t>
-            </a:r>
-            <a:r>
-              <a:rPr lang="ru-RU" sz="1200" dirty="0">
-                <a:solidFill>
-                  <a:srgbClr val="003F82"/>
-                </a:solidFill>
-              </a:rPr>
-              <a:t> </a:t>
-            </a:r>
-            <a:r>
-              <a:rPr lang="ru-RU" sz="1200" dirty="0" err="1">
-                <a:solidFill>
-                  <a:srgbClr val="003F82"/>
-                </a:solidFill>
-              </a:rPr>
-              <a:t>текст</a:t>
-            </a:r>
-            <a:r>
-              <a:rPr lang="ru-RU" sz="1200" dirty="0">
-                <a:solidFill>
-                  <a:srgbClr val="003F82"/>
-                </a:solidFill>
-              </a:rPr>
-              <a:t> </a:t>
-            </a:r>
-            <a:r>
-              <a:rPr lang="ru-RU" sz="1200" dirty="0" err="1">
-                <a:solidFill>
-                  <a:srgbClr val="003F82"/>
-                </a:solidFill>
-              </a:rPr>
-              <a:t>текст</a:t>
-            </a:r>
-            <a:r>
-              <a:rPr lang="ru-RU" sz="1200" dirty="0">
-                <a:solidFill>
-                  <a:srgbClr val="003F82"/>
-                </a:solidFill>
-              </a:rPr>
-              <a:t> </a:t>
-            </a:r>
-            <a:r>
-              <a:rPr lang="ru-RU" sz="1200" dirty="0" err="1">
-                <a:solidFill>
-                  <a:srgbClr val="003F82"/>
-                </a:solidFill>
-              </a:rPr>
-              <a:t>текст</a:t>
-            </a:r>
-            <a:r>
-              <a:rPr lang="ru-RU" sz="1200" dirty="0">
-                <a:solidFill>
-                  <a:srgbClr val="003F82"/>
-                </a:solidFill>
-              </a:rPr>
-              <a:t> </a:t>
-            </a:r>
-            <a:r>
-              <a:rPr lang="ru-RU" sz="1200" dirty="0" err="1">
-                <a:solidFill>
-                  <a:srgbClr val="003F82"/>
-                </a:solidFill>
-              </a:rPr>
-              <a:t>текст</a:t>
-            </a:r>
-            <a:r>
-              <a:rPr lang="ru-RU" sz="1200" dirty="0">
-                <a:solidFill>
-                  <a:srgbClr val="003F82"/>
-                </a:solidFill>
-              </a:rPr>
-              <a:t> </a:t>
-            </a:r>
-            <a:r>
-              <a:rPr lang="ru-RU" sz="1200" dirty="0" err="1">
-                <a:solidFill>
-                  <a:srgbClr val="003F82"/>
-                </a:solidFill>
-              </a:rPr>
-              <a:t>текст</a:t>
-            </a:r>
-            <a:r>
-              <a:rPr lang="ru-RU" sz="1200" dirty="0">
-                <a:solidFill>
-                  <a:srgbClr val="003F82"/>
-                </a:solidFill>
-              </a:rPr>
-              <a:t> </a:t>
-            </a:r>
-            <a:r>
-              <a:rPr lang="ru-RU" sz="1200" dirty="0" err="1">
-                <a:solidFill>
-                  <a:srgbClr val="003F82"/>
-                </a:solidFill>
-              </a:rPr>
-              <a:t>текст</a:t>
-            </a:r>
-            <a:r>
-              <a:rPr lang="ru-RU" sz="1200" dirty="0">
-                <a:solidFill>
-                  <a:srgbClr val="003F82"/>
-                </a:solidFill>
-              </a:rPr>
-              <a:t> </a:t>
-            </a:r>
-            <a:r>
-              <a:rPr lang="ru-RU" sz="1200" dirty="0" err="1">
-                <a:solidFill>
-                  <a:srgbClr val="003F82"/>
-                </a:solidFill>
-              </a:rPr>
-              <a:t>текст</a:t>
-            </a:r>
-            <a:r>
-              <a:rPr lang="ru-RU" sz="1200" dirty="0">
-                <a:solidFill>
-                  <a:srgbClr val="003F82"/>
-                </a:solidFill>
-              </a:rPr>
-              <a:t> </a:t>
-            </a:r>
-            <a:r>
-              <a:rPr lang="ru-RU" sz="1200" dirty="0" err="1">
-                <a:solidFill>
-                  <a:srgbClr val="003F82"/>
-                </a:solidFill>
-              </a:rPr>
-              <a:t>текст</a:t>
-            </a:r>
-            <a:r>
-              <a:rPr lang="ru-RU" sz="1200" dirty="0">
-                <a:solidFill>
-                  <a:srgbClr val="003F82"/>
-                </a:solidFill>
-              </a:rPr>
-              <a:t> </a:t>
-            </a:r>
-            <a:r>
-              <a:rPr lang="ru-RU" sz="1200" dirty="0" err="1">
-                <a:solidFill>
-                  <a:srgbClr val="003F82"/>
-                </a:solidFill>
-              </a:rPr>
-              <a:t>текст</a:t>
-            </a:r>
-            <a:r>
-              <a:rPr lang="ru-RU" sz="1200" dirty="0">
-                <a:solidFill>
-                  <a:srgbClr val="003F82"/>
-                </a:solidFill>
-              </a:rPr>
-              <a:t> </a:t>
-            </a:r>
-            <a:r>
-              <a:rPr lang="ru-RU" sz="1200" dirty="0" err="1">
-                <a:solidFill>
-                  <a:srgbClr val="003F82"/>
-                </a:solidFill>
-              </a:rPr>
-              <a:t>текст</a:t>
-            </a:r>
-            <a:r>
-              <a:rPr lang="ru-RU" sz="1200" dirty="0">
-                <a:solidFill>
-                  <a:srgbClr val="003F82"/>
-                </a:solidFill>
-              </a:rPr>
-              <a:t> </a:t>
-            </a:r>
-            <a:r>
-              <a:rPr lang="ru-RU" sz="1200" dirty="0" err="1">
-                <a:solidFill>
-                  <a:srgbClr val="003F82"/>
-                </a:solidFill>
-              </a:rPr>
-              <a:t>текст</a:t>
-            </a:r>
-            <a:r>
-              <a:rPr lang="ru-RU" sz="1200" dirty="0">
-                <a:solidFill>
-                  <a:srgbClr val="003F82"/>
-                </a:solidFill>
-              </a:rPr>
-              <a:t> </a:t>
-            </a:r>
-            <a:r>
-              <a:rPr lang="ru-RU" sz="1200" dirty="0" err="1">
-                <a:solidFill>
-                  <a:srgbClr val="003F82"/>
-                </a:solidFill>
-              </a:rPr>
-              <a:t>текст</a:t>
-            </a:r>
-            <a:r>
-              <a:rPr lang="ru-RU" sz="1200" dirty="0">
-                <a:solidFill>
-                  <a:srgbClr val="003F82"/>
-                </a:solidFill>
-              </a:rPr>
-              <a:t> </a:t>
-            </a:r>
-            <a:r>
-              <a:rPr lang="ru-RU" sz="1200" dirty="0" err="1">
-                <a:solidFill>
-                  <a:srgbClr val="003F82"/>
-                </a:solidFill>
-              </a:rPr>
-              <a:t>текст</a:t>
-            </a:r>
-            <a:r>
-              <a:rPr lang="ru-RU" sz="1200" dirty="0">
-                <a:solidFill>
-                  <a:srgbClr val="003F82"/>
-                </a:solidFill>
-              </a:rPr>
-              <a:t> </a:t>
-            </a:r>
-            <a:r>
-              <a:rPr lang="ru-RU" sz="1200" dirty="0" err="1">
-                <a:solidFill>
-                  <a:srgbClr val="003F82"/>
-                </a:solidFill>
-              </a:rPr>
-              <a:t>текст</a:t>
-            </a:r>
-            <a:r>
-              <a:rPr lang="ru-RU" sz="1200" dirty="0">
-                <a:solidFill>
-                  <a:srgbClr val="003F82"/>
-                </a:solidFill>
-              </a:rPr>
-              <a:t> </a:t>
-            </a:r>
-            <a:r>
-              <a:rPr lang="ru-RU" sz="1200" dirty="0" err="1">
-                <a:solidFill>
-                  <a:srgbClr val="003F82"/>
-                </a:solidFill>
-              </a:rPr>
-              <a:t>текст</a:t>
-            </a:r>
-            <a:r>
-              <a:rPr lang="ru-RU" sz="1200" dirty="0">
-                <a:solidFill>
-                  <a:srgbClr val="003F82"/>
-                </a:solidFill>
-              </a:rPr>
-              <a:t> </a:t>
-            </a:r>
-            <a:r>
-              <a:rPr lang="ru-RU" sz="1200" dirty="0" err="1">
-                <a:solidFill>
-                  <a:srgbClr val="003F82"/>
-                </a:solidFill>
-              </a:rPr>
-              <a:t>текст</a:t>
-            </a:r>
-            <a:r>
-              <a:rPr lang="ru-RU" sz="1200" dirty="0">
-                <a:solidFill>
-                  <a:srgbClr val="003F82"/>
-                </a:solidFill>
-              </a:rPr>
-              <a:t> </a:t>
-            </a:r>
-            <a:r>
-              <a:rPr lang="ru-RU" sz="1200" dirty="0" err="1">
-                <a:solidFill>
-                  <a:srgbClr val="003F82"/>
-                </a:solidFill>
-              </a:rPr>
-              <a:t>текст</a:t>
-            </a:r>
-            <a:r>
-              <a:rPr lang="ru-RU" sz="1200" dirty="0">
-                <a:solidFill>
-                  <a:srgbClr val="003F82"/>
-                </a:solidFill>
-              </a:rPr>
-              <a:t> </a:t>
-            </a:r>
-            <a:r>
-              <a:rPr lang="ru-RU" sz="1200" dirty="0" err="1">
-                <a:solidFill>
-                  <a:srgbClr val="003F82"/>
-                </a:solidFill>
-              </a:rPr>
-              <a:t>текст</a:t>
-            </a:r>
-            <a:r>
-              <a:rPr lang="ru-RU" sz="1200" dirty="0">
-                <a:solidFill>
-                  <a:srgbClr val="003F82"/>
-                </a:solidFill>
-              </a:rPr>
-              <a:t> </a:t>
-            </a:r>
-            <a:r>
-              <a:rPr lang="ru-RU" sz="1200" dirty="0" err="1">
-                <a:solidFill>
-                  <a:srgbClr val="003F82"/>
-                </a:solidFill>
-              </a:rPr>
-              <a:t>текст</a:t>
-            </a:r>
-            <a:r>
-              <a:rPr lang="ru-RU" sz="1200" dirty="0">
-                <a:solidFill>
-                  <a:srgbClr val="003F82"/>
-                </a:solidFill>
-              </a:rPr>
-              <a:t> </a:t>
-            </a:r>
-            <a:r>
-              <a:rPr lang="ru-RU" sz="1200" dirty="0" err="1">
-                <a:solidFill>
-                  <a:srgbClr val="003F82"/>
-                </a:solidFill>
-              </a:rPr>
-              <a:t>текст</a:t>
-            </a:r>
-            <a:r>
-              <a:rPr lang="ru-RU" sz="1200" dirty="0">
-                <a:solidFill>
-                  <a:srgbClr val="003F82"/>
-                </a:solidFill>
-              </a:rPr>
-              <a:t> </a:t>
-            </a:r>
-            <a:r>
-              <a:rPr lang="ru-RU" sz="1200" dirty="0" err="1">
-                <a:solidFill>
-                  <a:srgbClr val="003F82"/>
-                </a:solidFill>
-              </a:rPr>
-              <a:t>текст</a:t>
-            </a:r>
-            <a:r>
-              <a:rPr lang="ru-RU" sz="1200" dirty="0">
-                <a:solidFill>
-                  <a:srgbClr val="003F82"/>
-                </a:solidFill>
-              </a:rPr>
-              <a:t> </a:t>
-            </a:r>
-            <a:r>
-              <a:rPr lang="ru-RU" sz="1200" dirty="0" err="1">
-                <a:solidFill>
-                  <a:srgbClr val="003F82"/>
-                </a:solidFill>
-              </a:rPr>
-              <a:t>текст</a:t>
-            </a:r>
-            <a:r>
-              <a:rPr lang="ru-RU" sz="1200" dirty="0">
-                <a:solidFill>
-                  <a:srgbClr val="003F82"/>
-                </a:solidFill>
-              </a:rPr>
-              <a:t> </a:t>
-            </a:r>
-            <a:r>
-              <a:rPr lang="ru-RU" sz="1200" dirty="0" err="1">
-                <a:solidFill>
-                  <a:srgbClr val="003F82"/>
-                </a:solidFill>
-              </a:rPr>
-              <a:t>текст</a:t>
-            </a:r>
-            <a:r>
-              <a:rPr lang="ru-RU" sz="1200" dirty="0">
-                <a:solidFill>
-                  <a:srgbClr val="003F82"/>
-                </a:solidFill>
-              </a:rPr>
-              <a:t> </a:t>
-            </a:r>
-            <a:r>
-              <a:rPr lang="ru-RU" sz="1200" dirty="0" err="1">
-                <a:solidFill>
-                  <a:srgbClr val="003F82"/>
-                </a:solidFill>
-              </a:rPr>
-              <a:t>текст</a:t>
-            </a:r>
-            <a:r>
-              <a:rPr lang="ru-RU" sz="1200" dirty="0">
-                <a:solidFill>
-                  <a:srgbClr val="003F82"/>
-                </a:solidFill>
-              </a:rPr>
-              <a:t> </a:t>
-            </a:r>
-            <a:r>
-              <a:rPr lang="ru-RU" sz="1200" dirty="0" err="1">
-                <a:solidFill>
-                  <a:srgbClr val="003F82"/>
-                </a:solidFill>
-              </a:rPr>
-              <a:t>текст</a:t>
-            </a:r>
-            <a:r>
-              <a:rPr lang="ru-RU" sz="1200" dirty="0">
-                <a:solidFill>
-                  <a:srgbClr val="003F82"/>
-                </a:solidFill>
-              </a:rPr>
-              <a:t> </a:t>
-            </a:r>
-            <a:r>
-              <a:rPr lang="ru-RU" sz="1200" dirty="0" err="1">
-                <a:solidFill>
-                  <a:srgbClr val="003F82"/>
-                </a:solidFill>
-              </a:rPr>
-              <a:t>текст</a:t>
-            </a:r>
-            <a:r>
-              <a:rPr lang="ru-RU" sz="1200" dirty="0">
-                <a:solidFill>
-                  <a:srgbClr val="003F82"/>
-                </a:solidFill>
-              </a:rPr>
-              <a:t> </a:t>
-            </a:r>
-            <a:r>
-              <a:rPr lang="ru-RU" sz="1200" dirty="0" err="1">
-                <a:solidFill>
-                  <a:srgbClr val="003F82"/>
-                </a:solidFill>
-              </a:rPr>
-              <a:t>текст</a:t>
-            </a:r>
-            <a:r>
-              <a:rPr lang="ru-RU" sz="1200" dirty="0">
-                <a:solidFill>
-                  <a:srgbClr val="003F82"/>
-                </a:solidFill>
-              </a:rPr>
-              <a:t> </a:t>
-            </a:r>
-            <a:r>
-              <a:rPr lang="ru-RU" sz="1200" dirty="0" err="1">
-                <a:solidFill>
-                  <a:srgbClr val="003F82"/>
-                </a:solidFill>
-              </a:rPr>
-              <a:t>текст</a:t>
-            </a:r>
-            <a:r>
-              <a:rPr lang="ru-RU" sz="1200" dirty="0">
-                <a:solidFill>
-                  <a:srgbClr val="003F82"/>
-                </a:solidFill>
-              </a:rPr>
-              <a:t> </a:t>
-            </a:r>
-            <a:r>
-              <a:rPr lang="ru-RU" sz="1200" dirty="0" err="1">
-                <a:solidFill>
-                  <a:srgbClr val="003F82"/>
-                </a:solidFill>
-              </a:rPr>
-              <a:t>текст</a:t>
-            </a:r>
-            <a:r>
-              <a:rPr lang="ru-RU" sz="1200" dirty="0">
-                <a:solidFill>
-                  <a:srgbClr val="003F82"/>
-                </a:solidFill>
-              </a:rPr>
-              <a:t> </a:t>
-            </a:r>
-            <a:r>
-              <a:rPr lang="ru-RU" sz="1200" dirty="0" err="1">
-                <a:solidFill>
-                  <a:srgbClr val="003F82"/>
-                </a:solidFill>
-              </a:rPr>
-              <a:t>текст</a:t>
-            </a:r>
-            <a:r>
-              <a:rPr lang="ru-RU" sz="1200" dirty="0">
-                <a:solidFill>
-                  <a:srgbClr val="003F82"/>
-                </a:solidFill>
-              </a:rPr>
-              <a:t> </a:t>
-            </a:r>
-            <a:r>
-              <a:rPr lang="ru-RU" sz="1200" dirty="0" err="1">
-                <a:solidFill>
-                  <a:srgbClr val="003F82"/>
-                </a:solidFill>
-              </a:rPr>
-              <a:t>текст</a:t>
-            </a:r>
-            <a:r>
-              <a:rPr lang="ru-RU" sz="1200" dirty="0">
-                <a:solidFill>
-                  <a:srgbClr val="003F82"/>
-                </a:solidFill>
-              </a:rPr>
-              <a:t> </a:t>
-            </a:r>
-            <a:r>
-              <a:rPr lang="ru-RU" sz="1200" dirty="0" err="1">
-                <a:solidFill>
-                  <a:srgbClr val="003F82"/>
-                </a:solidFill>
-              </a:rPr>
-              <a:t>текст</a:t>
-            </a:r>
-            <a:r>
-              <a:rPr lang="ru-RU" sz="1200" dirty="0">
-                <a:solidFill>
-                  <a:srgbClr val="003F82"/>
-                </a:solidFill>
-              </a:rPr>
-              <a:t> </a:t>
-            </a:r>
-            <a:r>
-              <a:rPr lang="ru-RU" sz="1200" dirty="0" err="1">
-                <a:solidFill>
-                  <a:srgbClr val="003F82"/>
-                </a:solidFill>
-              </a:rPr>
-              <a:t>текст</a:t>
-            </a:r>
-            <a:r>
-              <a:rPr lang="ru-RU" sz="1200" dirty="0">
-                <a:solidFill>
-                  <a:srgbClr val="003F82"/>
-                </a:solidFill>
-              </a:rPr>
-              <a:t> </a:t>
-            </a:r>
-            <a:r>
-              <a:rPr lang="ru-RU" sz="1200" dirty="0" err="1">
-                <a:solidFill>
-                  <a:srgbClr val="003F82"/>
-                </a:solidFill>
-              </a:rPr>
-              <a:t>текст</a:t>
-            </a:r>
-            <a:r>
-              <a:rPr lang="ru-RU" sz="1200" dirty="0">
-                <a:solidFill>
-                  <a:srgbClr val="003F82"/>
-                </a:solidFill>
-              </a:rPr>
-              <a:t> </a:t>
-            </a:r>
-            <a:r>
-              <a:rPr lang="ru-RU" sz="1200" dirty="0" err="1">
-                <a:solidFill>
-                  <a:srgbClr val="003F82"/>
-                </a:solidFill>
-              </a:rPr>
-              <a:t>текст</a:t>
-            </a:r>
-            <a:r>
-              <a:rPr lang="ru-RU" sz="1200" dirty="0">
-                <a:solidFill>
-                  <a:srgbClr val="003F82"/>
-                </a:solidFill>
-              </a:rPr>
-              <a:t> </a:t>
-            </a:r>
-            <a:r>
-              <a:rPr lang="ru-RU" sz="1200" dirty="0" err="1">
-                <a:solidFill>
-                  <a:srgbClr val="003F82"/>
-                </a:solidFill>
-              </a:rPr>
-              <a:t>текст</a:t>
-            </a:r>
-            <a:r>
-              <a:rPr lang="ru-RU" sz="1200" dirty="0">
-                <a:solidFill>
-                  <a:srgbClr val="003F82"/>
-                </a:solidFill>
-              </a:rPr>
-              <a:t> </a:t>
-            </a:r>
-            <a:r>
-              <a:rPr lang="ru-RU" sz="1200" dirty="0" err="1">
-                <a:solidFill>
-                  <a:srgbClr val="003F82"/>
-                </a:solidFill>
-              </a:rPr>
-              <a:t>текст</a:t>
-            </a:r>
-            <a:r>
-              <a:rPr lang="ru-RU" sz="1200" dirty="0">
-                <a:solidFill>
-                  <a:srgbClr val="003F82"/>
-                </a:solidFill>
-              </a:rPr>
-              <a:t> </a:t>
-            </a:r>
-            <a:r>
-              <a:rPr lang="ru-RU" sz="1200" dirty="0" err="1">
-                <a:solidFill>
-                  <a:srgbClr val="003F82"/>
-                </a:solidFill>
-              </a:rPr>
-              <a:t>текст</a:t>
-            </a:r>
-            <a:r>
-              <a:rPr lang="ru-RU" sz="1200" dirty="0">
-                <a:solidFill>
-                  <a:srgbClr val="003F82"/>
-                </a:solidFill>
-              </a:rPr>
-              <a:t> </a:t>
-            </a:r>
-            <a:r>
-              <a:rPr lang="ru-RU" sz="1200" dirty="0" err="1">
-                <a:solidFill>
-                  <a:srgbClr val="003F82"/>
-                </a:solidFill>
-              </a:rPr>
-              <a:t>текст</a:t>
-            </a:r>
-            <a:r>
-              <a:rPr lang="ru-RU" sz="1200" dirty="0">
-                <a:solidFill>
-                  <a:srgbClr val="003F82"/>
-                </a:solidFill>
-              </a:rPr>
-              <a:t> </a:t>
-            </a:r>
-            <a:r>
-              <a:rPr lang="ru-RU" sz="1200" dirty="0" err="1">
-                <a:solidFill>
-                  <a:srgbClr val="003F82"/>
-                </a:solidFill>
-              </a:rPr>
-              <a:t>текст</a:t>
-            </a:r>
-            <a:r>
-              <a:rPr lang="ru-RU" sz="1200" dirty="0">
-                <a:solidFill>
-                  <a:srgbClr val="003F82"/>
-                </a:solidFill>
-              </a:rPr>
-              <a:t> </a:t>
-            </a:r>
-            <a:r>
-              <a:rPr lang="ru-RU" sz="1200" dirty="0" err="1">
-                <a:solidFill>
-                  <a:srgbClr val="003F82"/>
-                </a:solidFill>
-              </a:rPr>
-              <a:t>текст</a:t>
-            </a:r>
-            <a:r>
-              <a:rPr lang="ru-RU" sz="1200" dirty="0">
-                <a:solidFill>
-                  <a:srgbClr val="003F82"/>
-                </a:solidFill>
-              </a:rPr>
-              <a:t> </a:t>
-            </a:r>
-            <a:r>
-              <a:rPr lang="ru-RU" sz="1200" dirty="0" err="1">
-                <a:solidFill>
-                  <a:srgbClr val="003F82"/>
-                </a:solidFill>
-              </a:rPr>
-              <a:t>текст</a:t>
-            </a:r>
-            <a:r>
-              <a:rPr lang="ru-RU" sz="1200" dirty="0">
-                <a:solidFill>
-                  <a:srgbClr val="003F82"/>
-                </a:solidFill>
-              </a:rPr>
-              <a:t> </a:t>
-            </a:r>
-            <a:r>
-              <a:rPr lang="ru-RU" sz="1200" dirty="0" err="1">
-                <a:solidFill>
-                  <a:srgbClr val="003F82"/>
-                </a:solidFill>
-              </a:rPr>
-              <a:t>текст</a:t>
-            </a:r>
-            <a:r>
-              <a:rPr lang="ru-RU" sz="1200" dirty="0">
-                <a:solidFill>
-                  <a:srgbClr val="003F82"/>
-                </a:solidFill>
-              </a:rPr>
-              <a:t> </a:t>
-            </a:r>
-            <a:r>
-              <a:rPr lang="ru-RU" sz="1200" dirty="0" err="1">
-                <a:solidFill>
-                  <a:srgbClr val="003F82"/>
-                </a:solidFill>
-              </a:rPr>
-              <a:t>текст</a:t>
-            </a:r>
-            <a:r>
-              <a:rPr lang="ru-RU" sz="1200" dirty="0">
-                <a:solidFill>
-                  <a:srgbClr val="003F82"/>
-                </a:solidFill>
-              </a:rPr>
-              <a:t> </a:t>
-            </a:r>
-            <a:r>
-              <a:rPr lang="ru-RU" sz="1200" dirty="0" err="1">
-                <a:solidFill>
-                  <a:srgbClr val="003F82"/>
-                </a:solidFill>
-              </a:rPr>
-              <a:t>текст</a:t>
-            </a:r>
-            <a:r>
-              <a:rPr lang="ru-RU" sz="1200" dirty="0">
-                <a:solidFill>
-                  <a:srgbClr val="003F82"/>
-                </a:solidFill>
-              </a:rPr>
-              <a:t> </a:t>
-            </a:r>
-            <a:r>
-              <a:rPr lang="ru-RU" sz="1200" dirty="0" err="1">
-                <a:solidFill>
-                  <a:srgbClr val="003F82"/>
-                </a:solidFill>
-              </a:rPr>
-              <a:t>текст</a:t>
-            </a:r>
-            <a:r>
-              <a:rPr lang="ru-RU" sz="1200" dirty="0">
-                <a:solidFill>
-                  <a:srgbClr val="003F82"/>
-                </a:solidFill>
-              </a:rPr>
-              <a:t> </a:t>
-            </a:r>
-            <a:r>
-              <a:rPr lang="ru-RU" sz="1200" dirty="0" err="1">
-                <a:solidFill>
-                  <a:srgbClr val="003F82"/>
-                </a:solidFill>
-              </a:rPr>
-              <a:t>текст</a:t>
-            </a:r>
-            <a:r>
-              <a:rPr lang="ru-RU" sz="1200" dirty="0">
-                <a:solidFill>
-                  <a:srgbClr val="003F82"/>
-                </a:solidFill>
-              </a:rPr>
-              <a:t> </a:t>
-            </a:r>
-            <a:r>
-              <a:rPr lang="ru-RU" sz="1200" dirty="0" err="1">
-                <a:solidFill>
-                  <a:srgbClr val="003F82"/>
-                </a:solidFill>
-              </a:rPr>
-              <a:t>текст</a:t>
-            </a:r>
-            <a:r>
-              <a:rPr lang="ru-RU" sz="1200" dirty="0">
-                <a:solidFill>
-                  <a:srgbClr val="003F82"/>
-                </a:solidFill>
-              </a:rPr>
-              <a:t> </a:t>
-            </a:r>
-            <a:r>
-              <a:rPr lang="ru-RU" sz="1200" dirty="0" err="1">
-                <a:solidFill>
-                  <a:srgbClr val="003F82"/>
-                </a:solidFill>
-              </a:rPr>
-              <a:t>текст</a:t>
-            </a:r>
-            <a:r>
-              <a:rPr lang="ru-RU" sz="1200" dirty="0">
-                <a:solidFill>
-                  <a:srgbClr val="003F82"/>
-                </a:solidFill>
-              </a:rPr>
-              <a:t> </a:t>
-            </a:r>
-            <a:r>
-              <a:rPr lang="ru-RU" sz="1200" dirty="0" err="1">
-                <a:solidFill>
-                  <a:srgbClr val="003F82"/>
-                </a:solidFill>
-              </a:rPr>
-              <a:t>текст</a:t>
-            </a:r>
-            <a:r>
-              <a:rPr lang="ru-RU" sz="1200" dirty="0">
-                <a:solidFill>
-                  <a:srgbClr val="003F82"/>
-                </a:solidFill>
-              </a:rPr>
-              <a:t> </a:t>
-            </a:r>
-            <a:r>
-              <a:rPr lang="ru-RU" sz="1200" dirty="0" err="1">
-                <a:solidFill>
-                  <a:srgbClr val="003F82"/>
-                </a:solidFill>
-              </a:rPr>
-              <a:t>текст</a:t>
-            </a:r>
-            <a:r>
-              <a:rPr lang="ru-RU" sz="1200" dirty="0">
-                <a:solidFill>
-                  <a:srgbClr val="003F82"/>
-                </a:solidFill>
-              </a:rPr>
-              <a:t> </a:t>
-            </a:r>
-            <a:r>
-              <a:rPr lang="ru-RU" sz="1200" dirty="0" err="1">
-                <a:solidFill>
-                  <a:srgbClr val="003F82"/>
-                </a:solidFill>
-              </a:rPr>
-              <a:t>текст</a:t>
-            </a:r>
-            <a:r>
-              <a:rPr lang="ru-RU" sz="1200" dirty="0">
-                <a:solidFill>
-                  <a:srgbClr val="003F82"/>
-                </a:solidFill>
-              </a:rPr>
-              <a:t> </a:t>
-            </a:r>
-            <a:r>
-              <a:rPr lang="ru-RU" sz="1200" dirty="0" err="1">
-                <a:solidFill>
-                  <a:srgbClr val="003F82"/>
-                </a:solidFill>
-              </a:rPr>
-              <a:t>текст</a:t>
-            </a:r>
-            <a:r>
-              <a:rPr lang="ru-RU" sz="1200" dirty="0">
-                <a:solidFill>
-                  <a:srgbClr val="003F82"/>
-                </a:solidFill>
-              </a:rPr>
-              <a:t> </a:t>
-            </a:r>
-            <a:r>
-              <a:rPr lang="ru-RU" sz="1200" dirty="0" err="1">
-                <a:solidFill>
-                  <a:srgbClr val="003F82"/>
-                </a:solidFill>
-              </a:rPr>
-              <a:t>текст</a:t>
-            </a:r>
-            <a:r>
-              <a:rPr lang="ru-RU" sz="1200" dirty="0">
-                <a:solidFill>
-                  <a:srgbClr val="003F82"/>
-                </a:solidFill>
-              </a:rPr>
-              <a:t> </a:t>
-            </a:r>
-            <a:r>
-              <a:rPr lang="ru-RU" sz="1200" dirty="0" err="1">
-                <a:solidFill>
-                  <a:srgbClr val="003F82"/>
-                </a:solidFill>
-              </a:rPr>
-              <a:t>текст</a:t>
-            </a:r>
-            <a:r>
-              <a:rPr lang="ru-RU" sz="1200" dirty="0">
-                <a:solidFill>
-                  <a:srgbClr val="003F82"/>
-                </a:solidFill>
-              </a:rPr>
-              <a:t> </a:t>
-            </a:r>
-            <a:r>
-              <a:rPr lang="ru-RU" sz="1200" dirty="0" err="1">
-                <a:solidFill>
-                  <a:srgbClr val="003F82"/>
-                </a:solidFill>
-              </a:rPr>
-              <a:t>текст</a:t>
-            </a:r>
-            <a:r>
-              <a:rPr lang="ru-RU" sz="1200" dirty="0">
-                <a:solidFill>
-                  <a:srgbClr val="003F82"/>
-                </a:solidFill>
-              </a:rPr>
-              <a:t> </a:t>
-            </a:r>
-            <a:r>
-              <a:rPr lang="ru-RU" sz="1200" dirty="0" err="1">
-                <a:solidFill>
-                  <a:srgbClr val="003F82"/>
-                </a:solidFill>
-              </a:rPr>
-              <a:t>текст</a:t>
-            </a:r>
-            <a:r>
-              <a:rPr lang="ru-RU" sz="1200" dirty="0">
-                <a:solidFill>
-                  <a:srgbClr val="003F82"/>
-                </a:solidFill>
-              </a:rPr>
-              <a:t> </a:t>
-            </a:r>
-            <a:r>
-              <a:rPr lang="ru-RU" sz="1200" dirty="0" err="1">
-                <a:solidFill>
-                  <a:srgbClr val="003F82"/>
-                </a:solidFill>
-              </a:rPr>
-              <a:t>текст</a:t>
-            </a:r>
-            <a:r>
-              <a:rPr lang="ru-RU" sz="1200" dirty="0">
-                <a:solidFill>
-                  <a:srgbClr val="003F82"/>
-                </a:solidFill>
-              </a:rPr>
-              <a:t> </a:t>
-            </a:r>
-            <a:r>
-              <a:rPr lang="ru-RU" sz="1200" dirty="0" err="1">
-                <a:solidFill>
-                  <a:srgbClr val="003F82"/>
-                </a:solidFill>
-              </a:rPr>
-              <a:t>текст</a:t>
-            </a:r>
-            <a:r>
-              <a:rPr lang="ru-RU" sz="1200" dirty="0">
-                <a:solidFill>
-                  <a:srgbClr val="003F82"/>
-                </a:solidFill>
-              </a:rPr>
-              <a:t> </a:t>
-            </a:r>
-            <a:r>
-              <a:rPr lang="ru-RU" sz="1200" dirty="0" err="1">
-                <a:solidFill>
-                  <a:srgbClr val="003F82"/>
-                </a:solidFill>
-              </a:rPr>
-              <a:t>текст</a:t>
-            </a:r>
-            <a:r>
-              <a:rPr lang="ru-RU" sz="1200" dirty="0">
-                <a:solidFill>
-                  <a:srgbClr val="003F82"/>
-                </a:solidFill>
-              </a:rPr>
-              <a:t> </a:t>
-            </a:r>
-            <a:r>
-              <a:rPr lang="ru-RU" sz="1200" dirty="0" err="1">
-                <a:solidFill>
-                  <a:srgbClr val="003F82"/>
-                </a:solidFill>
-              </a:rPr>
-              <a:t>текст</a:t>
-            </a:r>
-            <a:r>
-              <a:rPr lang="ru-RU" sz="1200" dirty="0">
-                <a:solidFill>
-                  <a:srgbClr val="003F82"/>
-                </a:solidFill>
-              </a:rPr>
-              <a:t> </a:t>
-            </a:r>
-            <a:r>
-              <a:rPr lang="ru-RU" sz="1200" dirty="0" err="1">
-                <a:solidFill>
-                  <a:srgbClr val="003F82"/>
-                </a:solidFill>
-              </a:rPr>
-              <a:t>текст</a:t>
-            </a:r>
-            <a:r>
-              <a:rPr lang="ru-RU" sz="1200" dirty="0">
-                <a:solidFill>
-                  <a:srgbClr val="003F82"/>
-                </a:solidFill>
-              </a:rPr>
-              <a:t> </a:t>
-            </a:r>
-            <a:r>
-              <a:rPr lang="ru-RU" sz="1200" dirty="0" err="1">
-                <a:solidFill>
-                  <a:srgbClr val="003F82"/>
-                </a:solidFill>
-              </a:rPr>
-              <a:t>текст</a:t>
-            </a:r>
-            <a:r>
-              <a:rPr lang="ru-RU" sz="1200" dirty="0">
-                <a:solidFill>
-                  <a:srgbClr val="003F82"/>
-                </a:solidFill>
-              </a:rPr>
-              <a:t> </a:t>
-            </a:r>
-            <a:r>
-              <a:rPr lang="ru-RU" sz="1200" dirty="0" err="1">
-                <a:solidFill>
-                  <a:srgbClr val="003F82"/>
-                </a:solidFill>
-              </a:rPr>
-              <a:t>текст</a:t>
-            </a:r>
-            <a:endParaRPr lang="ru-RU" sz="1200" dirty="0">
-              <a:solidFill>
-                <a:srgbClr val="003F82"/>
-              </a:solidFill>
-            </a:endParaRPr>
+              <a:rPr lang="ru-RU" smtClean="0">
+                <a:latin typeface="SF UI Text" panose="00000400000000000000" pitchFamily="2" charset="0"/>
+              </a:rPr>
+              <a:t>и получает данные о мероприиятиях и выводид их  на экран.</a:t>
+            </a:r>
+          </a:p>
+          <a:p>
+            <a:pPr marL="342900" indent="-342900">
+              <a:buAutoNum type="arabicParenR"/>
+            </a:pPr>
+            <a:endParaRPr lang="ru-RU" dirty="0">
+              <a:latin typeface="SF UI Text" panose="00000400000000000000" pitchFamily="2" charset="0"/>
+            </a:endParaRPr>
+          </a:p>
+          <a:p>
+            <a:pPr marL="342900" indent="-342900">
+              <a:buAutoNum type="arabicParenR"/>
+            </a:pPr>
+            <a:r>
+              <a:rPr lang="ru-RU" dirty="0" smtClean="0">
+                <a:latin typeface="SF UI Text" panose="00000400000000000000" pitchFamily="2" charset="0"/>
+              </a:rPr>
+              <a:t>Все изменения клиент-приложение сохраняет в память и применяет при следующем запуске.</a:t>
+            </a:r>
           </a:p>
         </p:txBody>
       </p:sp>
@@ -12582,59 +9983,18 @@
           </a:p>
         </p:txBody>
       </p:sp>
-      <p:sp>
-        <p:nvSpPr>
-          <p:cNvPr id="9" name="Выноска 2 8"/>
-          <p:cNvSpPr/>
-          <p:nvPr/>
-        </p:nvSpPr>
-        <p:spPr>
-          <a:xfrm>
-            <a:off x="3387144" y="1296139"/>
-            <a:ext cx="5756856" cy="599537"/>
-          </a:xfrm>
-          <a:prstGeom prst="borderCallout2">
-            <a:avLst>
-              <a:gd name="adj1" fmla="val -7101"/>
-              <a:gd name="adj2" fmla="val 25815"/>
-              <a:gd name="adj3" fmla="val -29166"/>
-              <a:gd name="adj4" fmla="val 16495"/>
-              <a:gd name="adj5" fmla="val -42900"/>
-              <a:gd name="adj6" fmla="val 10341"/>
-            </a:avLst>
-          </a:prstGeom>
-        </p:spPr>
-        <p:style>
-          <a:lnRef idx="1">
-            <a:schemeClr val="accent1"/>
-          </a:lnRef>
-          <a:fillRef idx="2">
-            <a:schemeClr val="accent1"/>
-          </a:fillRef>
-          <a:effectRef idx="1">
-            <a:schemeClr val="accent1"/>
-          </a:effectRef>
-          <a:fontRef idx="minor">
-            <a:schemeClr val="dk1"/>
-          </a:fontRef>
-        </p:style>
-        <p:txBody>
-          <a:bodyPr rtlCol="0" anchor="ctr"/>
-          <a:lstStyle/>
-          <a:p>
-            <a:pPr algn="ctr"/>
-            <a:r>
-              <a:rPr lang="ru-RU" sz="1400" dirty="0"/>
-              <a:t>В заголовках слайдов эти слова необязательны. Можете написать содержательный заголовок по существу своей темы.</a:t>
-            </a:r>
-          </a:p>
-        </p:txBody>
-      </p:sp>
     </p:spTree>
   </p:cSld>
   <p:clrMapOvr>
     <a:masterClrMapping/>
   </p:clrMapOvr>
+  <p:timing>
+    <p:tnLst>
+      <p:par>
+        <p:cTn id="1" dur="indefinite" restart="never" nodeType="tmRoot"/>
+      </p:par>
+    </p:tnLst>
+  </p:timing>
 </p:sld>
 </file>
 
@@ -12862,11 +10222,171 @@
           </a:p>
         </p:txBody>
       </p:sp>
+      <p:pic>
+        <p:nvPicPr>
+          <p:cNvPr id="1026" name="Picture 2" descr="Untitled"/>
+          <p:cNvPicPr>
+            <a:picLocks noChangeAspect="1" noChangeArrowheads="1"/>
+          </p:cNvPicPr>
+          <p:nvPr/>
+        </p:nvPicPr>
+        <p:blipFill>
+          <a:blip r:embed="rId2">
+            <a:extLst>
+              <a:ext uri="{28A0092B-C50C-407E-A947-70E740481C1C}">
+                <a14:useLocalDpi xmlns:a14="http://schemas.microsoft.com/office/drawing/2010/main" val="0"/>
+              </a:ext>
+            </a:extLst>
+          </a:blip>
+          <a:srcRect/>
+          <a:stretch>
+            <a:fillRect/>
+          </a:stretch>
+        </p:blipFill>
+        <p:spPr bwMode="auto">
+          <a:xfrm>
+            <a:off x="0" y="1292250"/>
+            <a:ext cx="9277212" cy="4319136"/>
+          </a:xfrm>
+          <a:prstGeom prst="rect">
+            <a:avLst/>
+          </a:prstGeom>
+          <a:noFill/>
+          <a:ln>
+            <a:noFill/>
+          </a:ln>
+          <a:extLst>
+            <a:ext uri="{909E8E84-426E-40DD-AFC4-6F175D3DCCD1}">
+              <a14:hiddenFill xmlns:a14="http://schemas.microsoft.com/office/drawing/2010/main">
+                <a:solidFill>
+                  <a:srgbClr val="FFFFFF"/>
+                </a:solidFill>
+              </a14:hiddenFill>
+            </a:ext>
+            <a:ext uri="{91240B29-F687-4F45-9708-019B960494DF}">
+              <a14:hiddenLine xmlns:a14="http://schemas.microsoft.com/office/drawing/2010/main" w="9525">
+                <a:solidFill>
+                  <a:srgbClr val="000000"/>
+                </a:solidFill>
+                <a:miter lim="800000"/>
+                <a:headEnd/>
+                <a:tailEnd/>
+              </a14:hiddenLine>
+            </a:ext>
+          </a:extLst>
+        </p:spPr>
+      </p:pic>
+      <p:sp>
+        <p:nvSpPr>
+          <p:cNvPr id="9" name="Rectangle 12"/>
+          <p:cNvSpPr>
+            <a:spLocks noChangeArrowheads="1"/>
+          </p:cNvSpPr>
+          <p:nvPr/>
+        </p:nvSpPr>
+        <p:spPr bwMode="auto">
+          <a:xfrm>
+            <a:off x="1025078" y="4780389"/>
+            <a:ext cx="8575521" cy="830997"/>
+          </a:xfrm>
+          <a:prstGeom prst="rect">
+            <a:avLst/>
+          </a:prstGeom>
+          <a:noFill/>
+          <a:ln w="9525">
+            <a:noFill/>
+            <a:miter lim="800000"/>
+          </a:ln>
+        </p:spPr>
+        <p:txBody>
+          <a:bodyPr wrap="square">
+            <a:spAutoFit/>
+          </a:bodyPr>
+          <a:lstStyle/>
+          <a:p>
+            <a:r>
+              <a:rPr lang="en-US" sz="2400" dirty="0" err="1" smtClean="0">
+                <a:solidFill>
+                  <a:schemeClr val="tx2"/>
+                </a:solidFill>
+                <a:latin typeface="Segoe UI" panose="020B0502040204020203" pitchFamily="34" charset="0"/>
+              </a:rPr>
+              <a:t>Shakura.dev</a:t>
+            </a:r>
+            <a:r>
+              <a:rPr lang="en-US" sz="2400" dirty="0" smtClean="0">
+                <a:solidFill>
+                  <a:schemeClr val="tx2"/>
+                </a:solidFill>
+                <a:latin typeface="Segoe UI" panose="020B0502040204020203" pitchFamily="34" charset="0"/>
+              </a:rPr>
+              <a:t>/</a:t>
+            </a:r>
+            <a:r>
+              <a:rPr lang="en-US" sz="2400" dirty="0" err="1" smtClean="0">
+                <a:solidFill>
+                  <a:schemeClr val="tx2"/>
+                </a:solidFill>
+                <a:latin typeface="Segoe UI" panose="020B0502040204020203" pitchFamily="34" charset="0"/>
+              </a:rPr>
+              <a:t>hseapi</a:t>
+            </a:r>
+            <a:endParaRPr lang="en-US" sz="2400" dirty="0" smtClean="0">
+              <a:solidFill>
+                <a:schemeClr val="tx2"/>
+              </a:solidFill>
+              <a:latin typeface="Segoe UI" panose="020B0502040204020203" pitchFamily="34" charset="0"/>
+            </a:endParaRPr>
+          </a:p>
+          <a:p>
+            <a:r>
+              <a:rPr lang="en-US" sz="2400" dirty="0" err="1" smtClean="0">
+                <a:solidFill>
+                  <a:schemeClr val="tx2"/>
+                </a:solidFill>
+                <a:latin typeface="Segoe UI" panose="020B0502040204020203" pitchFamily="34" charset="0"/>
+              </a:rPr>
+              <a:t>Shakura.dev</a:t>
+            </a:r>
+            <a:r>
+              <a:rPr lang="en-US" sz="2400" dirty="0" smtClean="0">
+                <a:solidFill>
+                  <a:schemeClr val="tx2"/>
+                </a:solidFill>
+                <a:latin typeface="Segoe UI" panose="020B0502040204020203" pitchFamily="34" charset="0"/>
+              </a:rPr>
+              <a:t>/</a:t>
+            </a:r>
+            <a:r>
+              <a:rPr lang="en-US" sz="2400" dirty="0" err="1" smtClean="0">
+                <a:solidFill>
+                  <a:schemeClr val="tx2"/>
+                </a:solidFill>
+                <a:latin typeface="Segoe UI" panose="020B0502040204020203" pitchFamily="34" charset="0"/>
+              </a:rPr>
+              <a:t>hseapien</a:t>
+            </a:r>
+            <a:endParaRPr lang="ru-RU" sz="2400" dirty="0" smtClean="0">
+              <a:solidFill>
+                <a:schemeClr val="tx2"/>
+              </a:solidFill>
+              <a:latin typeface="Segoe UI" panose="020B0502040204020203" pitchFamily="34" charset="0"/>
+            </a:endParaRPr>
+          </a:p>
+        </p:txBody>
+      </p:sp>
     </p:spTree>
   </p:cSld>
   <p:clrMapOvr>
     <a:masterClrMapping/>
   </p:clrMapOvr>
+  <p:timing>
+    <p:tnLst>
+      <p:par>
+        <p:cTn id="1" dur="indefinite" restart="never" nodeType="tmRoot"/>
+      </p:par>
+    </p:tnLst>
+  </p:timing>
 </p:sld>
 </file>
 
@@ -13070,7 +10590,7 @@
         </p:nvSpPr>
         <p:spPr bwMode="auto">
           <a:xfrm>
-            <a:off x="222250" y="1479550"/>
+            <a:off x="255588" y="2507727"/>
             <a:ext cx="8775446" cy="2062103"/>
           </a:xfrm>
           <a:prstGeom prst="rect">
@@ -15198,6 +12718,13 @@
   <p:clrMapOvr>
     <a:masterClrMapping/>
   </p:clrMapOvr>
+  <p:timing>
+    <p:tnLst>
+      <p:par>
+        <p:cTn id="1" dur="indefinite" restart="never" nodeType="tmRoot"/>
+      </p:par>
+    </p:tnLst>
+  </p:timing>
 </p:sld>
 </file>
 
@@ -15570,6 +13097,13 @@
   <p:clrMapOvr>
     <a:masterClrMapping/>
   </p:clrMapOvr>
+  <p:timing>
+    <p:tnLst>
+      <p:par>
+        <p:cTn id="1" dur="indefinite" restart="never" nodeType="tmRoot"/>
+      </p:par>
+    </p:tnLst>
+  </p:timing>
 </p:sld>
 </file>
 

--- a/Презентация.pptx
+++ b/Презентация.pptx
@@ -5,10 +5,10 @@
     <p:sldMasterId id="2147483648" r:id="rId1"/>
   </p:sldMasterIdLst>
   <p:notesMasterIdLst>
-    <p:notesMasterId r:id="rId19"/>
+    <p:notesMasterId r:id="rId18"/>
   </p:notesMasterIdLst>
   <p:handoutMasterIdLst>
-    <p:handoutMasterId r:id="rId20"/>
+    <p:handoutMasterId r:id="rId19"/>
   </p:handoutMasterIdLst>
   <p:sldIdLst>
     <p:sldId id="256" r:id="rId2"/>
@@ -19,15 +19,14 @@
     <p:sldId id="263" r:id="rId7"/>
     <p:sldId id="268" r:id="rId8"/>
     <p:sldId id="274" r:id="rId9"/>
-    <p:sldId id="269" r:id="rId10"/>
-    <p:sldId id="264" r:id="rId11"/>
-    <p:sldId id="283" r:id="rId12"/>
-    <p:sldId id="284" r:id="rId13"/>
-    <p:sldId id="285" r:id="rId14"/>
-    <p:sldId id="265" r:id="rId15"/>
-    <p:sldId id="286" r:id="rId16"/>
-    <p:sldId id="276" r:id="rId17"/>
-    <p:sldId id="258" r:id="rId18"/>
+    <p:sldId id="264" r:id="rId10"/>
+    <p:sldId id="283" r:id="rId11"/>
+    <p:sldId id="284" r:id="rId12"/>
+    <p:sldId id="285" r:id="rId13"/>
+    <p:sldId id="265" r:id="rId14"/>
+    <p:sldId id="286" r:id="rId15"/>
+    <p:sldId id="276" r:id="rId16"/>
+    <p:sldId id="258" r:id="rId17"/>
   </p:sldIdLst>
   <p:sldSz cx="9144000" cy="6858000" type="screen4x3"/>
   <p:notesSz cx="6858000" cy="9144000"/>
@@ -4119,20 +4118,6 @@
 <file path=ppt/slides/slide1.xml><?xml version="1.0" encoding="utf-8"?>
 <p:sld xmlns:a="http://schemas.openxmlformats.org/drawingml/2006/main" xmlns:r="http://schemas.openxmlformats.org/officeDocument/2006/relationships" xmlns:p="http://schemas.openxmlformats.org/presentationml/2006/main">
   <p:cSld>
-    <p:bg>
-      <p:bgPr>
-        <a:blipFill dpi="0" rotWithShape="0">
-          <a:blip r:embed="rId3">
-            <a:lum/>
-          </a:blip>
-          <a:srcRect/>
-          <a:stretch>
-            <a:fillRect/>
-          </a:stretch>
-        </a:blipFill>
-        <a:effectLst/>
-      </p:bgPr>
-    </p:bg>
     <p:spTree>
       <p:nvGrpSpPr>
         <p:cNvPr id="1" name=""/>
@@ -4159,8 +4144,8 @@
         </p:nvSpPr>
         <p:spPr>
           <a:xfrm>
-            <a:off x="0" y="1698172"/>
-            <a:ext cx="9144000" cy="1427584"/>
+            <a:off x="1123172" y="0"/>
+            <a:ext cx="8020828" cy="1198736"/>
           </a:xfrm>
         </p:spPr>
         <p:txBody>
@@ -4267,9 +4252,6 @@
             </a:pPr>
             <a:r>
               <a:rPr lang="ru-RU" sz="800" dirty="0">
-                <a:solidFill>
-                  <a:schemeClr val="bg1"/>
-                </a:solidFill>
                 <a:latin typeface="+mj-lt"/>
                 <a:cs typeface="+mj-lt"/>
               </a:rPr>
@@ -4284,9 +4266,6 @@
             </a:pPr>
             <a:r>
               <a:rPr lang="en-US" sz="800" dirty="0">
-                <a:solidFill>
-                  <a:schemeClr val="bg1"/>
-                </a:solidFill>
                 <a:latin typeface="+mj-lt"/>
                 <a:cs typeface="+mj-lt"/>
               </a:rPr>
@@ -4294,18 +4273,12 @@
             </a:r>
             <a:r>
               <a:rPr lang="ru-RU" sz="800" dirty="0">
-                <a:solidFill>
-                  <a:schemeClr val="bg1"/>
-                </a:solidFill>
                 <a:latin typeface="+mj-lt"/>
                 <a:cs typeface="+mj-lt"/>
               </a:rPr>
               <a:t> </a:t>
             </a:r>
             <a:endParaRPr kumimoji="1" lang="ru-RU" sz="800" dirty="0">
-              <a:solidFill>
-                <a:schemeClr val="bg1"/>
-              </a:solidFill>
               <a:latin typeface="+mj-lt"/>
               <a:cs typeface="+mj-lt"/>
             </a:endParaRPr>
@@ -4322,8 +4295,8 @@
         </p:nvSpPr>
         <p:spPr bwMode="auto">
           <a:xfrm>
-            <a:off x="353165" y="3372631"/>
-            <a:ext cx="8243596" cy="1047297"/>
+            <a:off x="677635" y="2354131"/>
+            <a:ext cx="7788729" cy="1047297"/>
           </a:xfrm>
           <a:prstGeom prst="rect">
             <a:avLst/>
@@ -4510,7 +4483,7 @@
         </p:nvSpPr>
         <p:spPr>
           <a:xfrm>
-            <a:off x="-75890" y="4744405"/>
+            <a:off x="-75890" y="4636927"/>
             <a:ext cx="4162697" cy="857795"/>
           </a:xfrm>
           <a:prstGeom prst="rect">
@@ -4717,7 +4690,7 @@
         </p:nvSpPr>
         <p:spPr>
           <a:xfrm>
-            <a:off x="4572000" y="4753384"/>
+            <a:off x="4572000" y="4529450"/>
             <a:ext cx="4389119" cy="1715588"/>
           </a:xfrm>
         </p:spPr>
@@ -4967,18 +4940,15 @@
           <a:bodyPr anchor="ctr"/>
           <a:lstStyle/>
           <a:p>
+            <a:pPr algn="ctr"/>
             <a:r>
               <a:rPr lang="ru-RU" sz="2400" b="1" dirty="0">
-                <a:solidFill>
-                  <a:schemeClr val="bg1"/>
-                </a:solidFill>
-              </a:rPr>
-              <a:t>ТЕХНОЛОГИИ И ИНСТРУМЕНТЫ РЕАЛИЗАЦИИ</a:t>
+                <a:latin typeface="SF UI Text" panose="00000400000000000000" pitchFamily="2" charset="0"/>
+              </a:rPr>
+              <a:t>Технологии и инструменты реализации</a:t>
             </a:r>
             <a:endParaRPr lang="en-US" sz="2400" b="1" dirty="0">
-              <a:solidFill>
-                <a:schemeClr val="bg1"/>
-              </a:solidFill>
+              <a:latin typeface="SF UI Text" panose="00000400000000000000" pitchFamily="2" charset="0"/>
             </a:endParaRPr>
           </a:p>
         </p:txBody>
@@ -5126,7 +5096,7 @@
         <p:spPr bwMode="auto">
           <a:xfrm>
             <a:off x="222250" y="1479550"/>
-            <a:ext cx="8639362" cy="2123658"/>
+            <a:ext cx="8639362" cy="1384995"/>
           </a:xfrm>
           <a:prstGeom prst="rect">
             <a:avLst/>
@@ -5152,16 +5122,6 @@
           </a:bodyPr>
           <a:lstStyle/>
           <a:p>
-            <a:r>
-              <a:rPr lang="ru-RU" sz="1600" i="1" dirty="0">
-                <a:solidFill>
-                  <a:srgbClr val="003F82"/>
-                </a:solidFill>
-              </a:rPr>
-              <a:t>ВЫБРАННЫЙ ИНСТРУМЕНТАРИЙ, </a:t>
-            </a:r>
-          </a:p>
-          <a:p>
             <a:endParaRPr lang="en-US" sz="1600" i="1" dirty="0">
               <a:solidFill>
                 <a:srgbClr val="003F82"/>
@@ -5175,24 +5135,7 @@
                   <a:srgbClr val="003F82"/>
                 </a:solidFill>
               </a:rPr>
-              <a:t>ЯЗЫК  И СРЕДА ПРОГРАММИРОВАНИЯ,</a:t>
-            </a:r>
-          </a:p>
-          <a:p>
-            <a:endParaRPr lang="ru-RU" sz="1600" i="1" dirty="0">
-              <a:solidFill>
-                <a:srgbClr val="003F82"/>
-              </a:solidFill>
-            </a:endParaRPr>
-          </a:p>
-          <a:p>
-            <a:r>
-              <a:rPr lang="ru-RU" sz="1600" i="1" dirty="0">
-                <a:solidFill>
-                  <a:srgbClr val="003F82"/>
-                </a:solidFill>
-              </a:rPr>
-              <a:t>Сторонние библиотеки (со ссылками, указанием авторов, версии, года и т.п.)</a:t>
+              <a:t>АРХИТЕКТУРА ПРИЛОЖЕНИЯ, диаграммы, в т.ч. классов</a:t>
             </a:r>
           </a:p>
           <a:p>
@@ -5363,18 +5306,15 @@
           <a:bodyPr anchor="ctr"/>
           <a:lstStyle/>
           <a:p>
+            <a:pPr algn="ctr"/>
             <a:r>
               <a:rPr lang="ru-RU" sz="2400" b="1" dirty="0">
-                <a:solidFill>
-                  <a:schemeClr val="bg1"/>
-                </a:solidFill>
-              </a:rPr>
-              <a:t>ТЕХНОЛОГИИ И ИНСТРУМЕНТЫ РЕАЛИЗАЦИИ</a:t>
+                <a:latin typeface="SF UI Text" panose="00000400000000000000" pitchFamily="2" charset="0"/>
+              </a:rPr>
+              <a:t>Технологии и инструменты реализации</a:t>
             </a:r>
             <a:endParaRPr lang="en-US" sz="2400" b="1" dirty="0">
-              <a:solidFill>
-                <a:schemeClr val="bg1"/>
-              </a:solidFill>
+              <a:latin typeface="SF UI Text" panose="00000400000000000000" pitchFamily="2" charset="0"/>
             </a:endParaRPr>
           </a:p>
         </p:txBody>
@@ -5522,7 +5462,7 @@
         <p:spPr bwMode="auto">
           <a:xfrm>
             <a:off x="222250" y="1479550"/>
-            <a:ext cx="8639362" cy="1384995"/>
+            <a:ext cx="8639362" cy="1631216"/>
           </a:xfrm>
           <a:prstGeom prst="rect">
             <a:avLst/>
@@ -5556,19 +5496,37 @@
           </a:p>
           <a:p>
             <a:r>
-              <a:rPr lang="ru-RU" sz="1600" i="1" dirty="0">
+              <a:rPr lang="ru-RU" sz="1200" i="1" dirty="0">
                 <a:solidFill>
                   <a:srgbClr val="003F82"/>
                 </a:solidFill>
-              </a:rPr>
-              <a:t>АРХИТЕКТУРА ПРИЛОЖЕНИЯ, диаграммы, в т.ч. классов</a:t>
-            </a:r>
-          </a:p>
-          <a:p>
-            <a:endParaRPr lang="en-US" sz="1600" i="1" dirty="0">
+                <a:latin typeface="Arial" panose="020B0604020202020204" pitchFamily="34" charset="0"/>
+              </a:rPr>
+              <a:t>ОПИСАНИЕ ОСОБЕННОСТЕЙ ПРОГРАММНОЙ РЕАЛИЗАЦИИ И Т.П.</a:t>
+            </a:r>
+          </a:p>
+          <a:p>
+            <a:endParaRPr lang="ru-RU" sz="1200" i="1" dirty="0">
               <a:solidFill>
                 <a:srgbClr val="003F82"/>
               </a:solidFill>
+              <a:latin typeface="Arial" panose="020B0604020202020204" pitchFamily="34" charset="0"/>
+            </a:endParaRPr>
+          </a:p>
+          <a:p>
+            <a:endParaRPr lang="ru-RU" sz="1200" i="1" dirty="0">
+              <a:solidFill>
+                <a:srgbClr val="003F82"/>
+              </a:solidFill>
+              <a:latin typeface="Arial" panose="020B0604020202020204" pitchFamily="34" charset="0"/>
+            </a:endParaRPr>
+          </a:p>
+          <a:p>
+            <a:endParaRPr lang="ru-RU" sz="1200" i="1" dirty="0">
+              <a:solidFill>
+                <a:srgbClr val="003F82"/>
+              </a:solidFill>
+              <a:latin typeface="Arial" panose="020B0604020202020204" pitchFamily="34" charset="0"/>
             </a:endParaRPr>
           </a:p>
           <a:p>
@@ -5732,18 +5690,15 @@
           <a:bodyPr anchor="ctr"/>
           <a:lstStyle/>
           <a:p>
+            <a:pPr algn="ctr"/>
             <a:r>
               <a:rPr lang="ru-RU" sz="2400" b="1" dirty="0">
-                <a:solidFill>
-                  <a:schemeClr val="bg1"/>
-                </a:solidFill>
-              </a:rPr>
-              <a:t>ТЕХНОЛОГИИ И ИНСТРУМЕНТЫ РЕАЛИЗАЦИИ</a:t>
+                <a:latin typeface="SF UI Text" panose="00000400000000000000" pitchFamily="2" charset="0"/>
+              </a:rPr>
+              <a:t>Технологии и инструменты реализации</a:t>
             </a:r>
             <a:endParaRPr lang="en-US" sz="2400" b="1" dirty="0">
-              <a:solidFill>
-                <a:schemeClr val="bg1"/>
-              </a:solidFill>
+              <a:latin typeface="SF UI Text" panose="00000400000000000000" pitchFamily="2" charset="0"/>
             </a:endParaRPr>
           </a:p>
         </p:txBody>
@@ -5891,7 +5846,7 @@
         <p:spPr bwMode="auto">
           <a:xfrm>
             <a:off x="222250" y="1479550"/>
-            <a:ext cx="8639362" cy="1631216"/>
+            <a:ext cx="8639362" cy="2369880"/>
           </a:xfrm>
           <a:prstGeom prst="rect">
             <a:avLst/>
@@ -5924,17 +5879,6 @@
             </a:endParaRPr>
           </a:p>
           <a:p>
-            <a:r>
-              <a:rPr lang="ru-RU" sz="1200" i="1" dirty="0">
-                <a:solidFill>
-                  <a:srgbClr val="003F82"/>
-                </a:solidFill>
-                <a:latin typeface="Arial" panose="020B0604020202020204" pitchFamily="34" charset="0"/>
-              </a:rPr>
-              <a:t>ОПИСАНИЕ ОСОБЕННОСТЕЙ ПРОГРАММНОЙ РЕАЛИЗАЦИИ И Т.П.</a:t>
-            </a:r>
-          </a:p>
-          <a:p>
             <a:endParaRPr lang="ru-RU" sz="1200" i="1" dirty="0">
               <a:solidFill>
                 <a:srgbClr val="003F82"/>
@@ -5951,12 +5895,61 @@
             </a:endParaRPr>
           </a:p>
           <a:p>
+            <a:r>
+              <a:rPr lang="ru-RU" sz="1200" i="1" dirty="0">
+                <a:solidFill>
+                  <a:srgbClr val="003F82"/>
+                </a:solidFill>
+                <a:latin typeface="Arial" panose="020B0604020202020204" pitchFamily="34" charset="0"/>
+              </a:rPr>
+              <a:t>Тестирование программы</a:t>
+            </a:r>
+          </a:p>
+          <a:p>
             <a:endParaRPr lang="ru-RU" sz="1200" i="1" dirty="0">
               <a:solidFill>
                 <a:srgbClr val="003F82"/>
               </a:solidFill>
               <a:latin typeface="Arial" panose="020B0604020202020204" pitchFamily="34" charset="0"/>
             </a:endParaRPr>
+          </a:p>
+          <a:p>
+            <a:endParaRPr lang="ru-RU" sz="1200" i="1" dirty="0">
+              <a:solidFill>
+                <a:srgbClr val="003F82"/>
+              </a:solidFill>
+              <a:latin typeface="Arial" panose="020B0604020202020204" pitchFamily="34" charset="0"/>
+            </a:endParaRPr>
+          </a:p>
+          <a:p>
+            <a:r>
+              <a:rPr lang="ru-RU" sz="1200" i="1" dirty="0">
+                <a:solidFill>
+                  <a:srgbClr val="003F82"/>
+                </a:solidFill>
+                <a:latin typeface="Arial" panose="020B0604020202020204" pitchFamily="34" charset="0"/>
+              </a:rPr>
+              <a:t>ОПИСАНИЕ МЕТОДИКИ ИССЛЕДОВАНИЙ, </a:t>
+            </a:r>
+          </a:p>
+          <a:p>
+            <a:endParaRPr lang="ru-RU" sz="1200" i="1" dirty="0">
+              <a:solidFill>
+                <a:srgbClr val="003F82"/>
+              </a:solidFill>
+              <a:latin typeface="Arial" panose="020B0604020202020204" pitchFamily="34" charset="0"/>
+            </a:endParaRPr>
+          </a:p>
+          <a:p>
+            <a:r>
+              <a:rPr lang="ru-RU" sz="1200" i="1" dirty="0">
+                <a:solidFill>
+                  <a:srgbClr val="003F82"/>
+                </a:solidFill>
+                <a:latin typeface="Arial" panose="020B0604020202020204" pitchFamily="34" charset="0"/>
+              </a:rPr>
+              <a:t>План эксперимента</a:t>
+            </a:r>
           </a:p>
           <a:p>
             <a:endParaRPr lang="ru-RU" sz="1200" i="1" dirty="0">
@@ -6120,18 +6113,10 @@
           <a:lstStyle/>
           <a:p>
             <a:r>
-              <a:rPr lang="ru-RU" sz="2400" b="1" dirty="0">
-                <a:solidFill>
-                  <a:schemeClr val="bg1"/>
-                </a:solidFill>
-              </a:rPr>
-              <a:t>ТЕХНОЛОГИИ И ИНСТРУМЕНТЫ РЕАЛИЗАЦИИ</a:t>
-            </a:r>
-            <a:endParaRPr lang="en-US" sz="2400" b="1" dirty="0">
-              <a:solidFill>
-                <a:schemeClr val="bg1"/>
-              </a:solidFill>
-            </a:endParaRPr>
+              <a:rPr lang="ru-RU" sz="2400" b="1" dirty="0"/>
+              <a:t>ОСНОВНЫЕ РЕЗУЛЬТАТЫ РАБОТЫ</a:t>
+            </a:r>
+            <a:endParaRPr lang="en-US" sz="2400" b="1" dirty="0"/>
           </a:p>
         </p:txBody>
       </p:sp>
@@ -6277,8 +6262,8 @@
         </p:nvSpPr>
         <p:spPr bwMode="auto">
           <a:xfrm>
-            <a:off x="222250" y="1479550"/>
-            <a:ext cx="8639362" cy="2369880"/>
+            <a:off x="183595" y="1772099"/>
+            <a:ext cx="8503205" cy="1754326"/>
           </a:xfrm>
           <a:prstGeom prst="rect">
             <a:avLst/>
@@ -6304,14 +6289,18 @@
           </a:bodyPr>
           <a:lstStyle/>
           <a:p>
-            <a:endParaRPr lang="en-US" sz="1600" i="1" dirty="0">
-              <a:solidFill>
-                <a:srgbClr val="003F82"/>
-              </a:solidFill>
-            </a:endParaRPr>
-          </a:p>
-          <a:p>
-            <a:endParaRPr lang="ru-RU" sz="1200" i="1" dirty="0">
+            <a:r>
+              <a:rPr lang="ru-RU" i="1" dirty="0">
+                <a:solidFill>
+                  <a:srgbClr val="003F82"/>
+                </a:solidFill>
+                <a:latin typeface="Arial" panose="020B0604020202020204" pitchFamily="34" charset="0"/>
+              </a:rPr>
+              <a:t>МОЖЕТ БЫТЬ ДЕМОНСТРАЦИЯ ПРОГРАММНОГО ПРОДУКТА,</a:t>
+            </a:r>
+          </a:p>
+          <a:p>
+            <a:endParaRPr lang="ru-RU" i="1" dirty="0">
               <a:solidFill>
                 <a:srgbClr val="003F82"/>
               </a:solidFill>
@@ -6319,7 +6308,18 @@
             </a:endParaRPr>
           </a:p>
           <a:p>
-            <a:endParaRPr lang="ru-RU" sz="1200" i="1" dirty="0">
+            <a:r>
+              <a:rPr lang="ru-RU" i="1" dirty="0">
+                <a:solidFill>
+                  <a:srgbClr val="003F82"/>
+                </a:solidFill>
+                <a:latin typeface="Arial" panose="020B0604020202020204" pitchFamily="34" charset="0"/>
+              </a:rPr>
+              <a:t>РЕЗУЛЬТАТЫ ИССЛЕДОВАНИЙ , экспериментов И ПР.</a:t>
+            </a:r>
+          </a:p>
+          <a:p>
+            <a:endParaRPr lang="ru-RU" i="1" dirty="0">
               <a:solidFill>
                 <a:srgbClr val="003F82"/>
               </a:solidFill>
@@ -6328,79 +6328,17 @@
           </a:p>
           <a:p>
             <a:r>
-              <a:rPr lang="ru-RU" sz="1200" i="1" dirty="0">
+              <a:rPr lang="ru-RU" i="1" dirty="0">
                 <a:solidFill>
                   <a:srgbClr val="003F82"/>
                 </a:solidFill>
                 <a:latin typeface="Arial" panose="020B0604020202020204" pitchFamily="34" charset="0"/>
               </a:rPr>
-              <a:t>Тестирование программы</a:t>
-            </a:r>
-          </a:p>
-          <a:p>
-            <a:endParaRPr lang="ru-RU" sz="1200" i="1" dirty="0">
-              <a:solidFill>
-                <a:srgbClr val="003F82"/>
-              </a:solidFill>
-              <a:latin typeface="Arial" panose="020B0604020202020204" pitchFamily="34" charset="0"/>
-            </a:endParaRPr>
-          </a:p>
-          <a:p>
-            <a:endParaRPr lang="ru-RU" sz="1200" i="1" dirty="0">
-              <a:solidFill>
-                <a:srgbClr val="003F82"/>
-              </a:solidFill>
-              <a:latin typeface="Arial" panose="020B0604020202020204" pitchFamily="34" charset="0"/>
-            </a:endParaRPr>
-          </a:p>
-          <a:p>
-            <a:r>
-              <a:rPr lang="ru-RU" sz="1200" i="1" dirty="0">
-                <a:solidFill>
-                  <a:srgbClr val="003F82"/>
-                </a:solidFill>
-                <a:latin typeface="Arial" panose="020B0604020202020204" pitchFamily="34" charset="0"/>
-              </a:rPr>
-              <a:t>ОПИСАНИЕ МЕТОДИКИ ИССЛЕДОВАНИЙ, </a:t>
-            </a:r>
-          </a:p>
-          <a:p>
-            <a:endParaRPr lang="ru-RU" sz="1200" i="1" dirty="0">
-              <a:solidFill>
-                <a:srgbClr val="003F82"/>
-              </a:solidFill>
-              <a:latin typeface="Arial" panose="020B0604020202020204" pitchFamily="34" charset="0"/>
-            </a:endParaRPr>
-          </a:p>
-          <a:p>
-            <a:r>
-              <a:rPr lang="ru-RU" sz="1200" i="1" dirty="0">
-                <a:solidFill>
-                  <a:srgbClr val="003F82"/>
-                </a:solidFill>
-                <a:latin typeface="Arial" panose="020B0604020202020204" pitchFamily="34" charset="0"/>
-              </a:rPr>
-              <a:t>План эксперимента</a:t>
-            </a:r>
-          </a:p>
-          <a:p>
-            <a:endParaRPr lang="ru-RU" sz="1200" i="1" dirty="0">
-              <a:solidFill>
-                <a:srgbClr val="003F82"/>
-              </a:solidFill>
-              <a:latin typeface="Arial" panose="020B0604020202020204" pitchFamily="34" charset="0"/>
-            </a:endParaRPr>
-          </a:p>
-          <a:p>
-            <a:endParaRPr lang="ru-RU" sz="1200" i="1" dirty="0">
-              <a:solidFill>
-                <a:srgbClr val="003F82"/>
-              </a:solidFill>
-              <a:latin typeface="Arial" panose="020B0604020202020204" pitchFamily="34" charset="0"/>
-            </a:endParaRPr>
-          </a:p>
-          <a:p>
-            <a:endParaRPr lang="ru-RU" sz="1200" i="1" dirty="0">
+              <a:t>МОЖЕТ БЫТЬ НЕСКОЛЬКО СЛАЙДОВ</a:t>
+            </a:r>
+          </a:p>
+          <a:p>
+            <a:endParaRPr lang="ru-RU" i="1" dirty="0">
               <a:solidFill>
                 <a:srgbClr val="003F82"/>
               </a:solidFill>
@@ -6439,6 +6377,90 @@
               <a:solidFill>
                 <a:schemeClr val="tx1"/>
               </a:solidFill>
+            </a:endParaRPr>
+          </a:p>
+        </p:txBody>
+      </p:sp>
+      <p:sp>
+        <p:nvSpPr>
+          <p:cNvPr id="9" name="Rectangle 12"/>
+          <p:cNvSpPr>
+            <a:spLocks noChangeArrowheads="1"/>
+          </p:cNvSpPr>
+          <p:nvPr/>
+        </p:nvSpPr>
+        <p:spPr bwMode="auto">
+          <a:xfrm>
+            <a:off x="307882" y="4151313"/>
+            <a:ext cx="8378918" cy="1754326"/>
+          </a:xfrm>
+          <a:prstGeom prst="rect">
+            <a:avLst/>
+          </a:prstGeom>
+        </p:spPr>
+        <p:style>
+          <a:lnRef idx="1">
+            <a:schemeClr val="accent1"/>
+          </a:lnRef>
+          <a:fillRef idx="2">
+            <a:schemeClr val="accent1"/>
+          </a:fillRef>
+          <a:effectRef idx="1">
+            <a:schemeClr val="accent1"/>
+          </a:effectRef>
+          <a:fontRef idx="minor">
+            <a:schemeClr val="dk1"/>
+          </a:fontRef>
+        </p:style>
+        <p:txBody>
+          <a:bodyPr wrap="square">
+            <a:spAutoFit/>
+          </a:bodyPr>
+          <a:lstStyle/>
+          <a:p>
+            <a:r>
+              <a:rPr lang="ru-RU" i="1" dirty="0">
+                <a:solidFill>
+                  <a:srgbClr val="003F82"/>
+                </a:solidFill>
+                <a:latin typeface="Arial" panose="020B0604020202020204" pitchFamily="34" charset="0"/>
+              </a:rPr>
+              <a:t>ВАЖНО, ЧТОБЫ РЕЗУЛЬТАТЫ СООТВЕТСТВОВАЛИ ПОСТАВЛЕННЫМ ЗАДАЧАМ</a:t>
+            </a:r>
+          </a:p>
+          <a:p>
+            <a:endParaRPr lang="ru-RU" i="1" dirty="0">
+              <a:solidFill>
+                <a:srgbClr val="003F82"/>
+              </a:solidFill>
+              <a:latin typeface="Arial" panose="020B0604020202020204" pitchFamily="34" charset="0"/>
+            </a:endParaRPr>
+          </a:p>
+          <a:p>
+            <a:r>
+              <a:rPr lang="ru-RU" i="1" dirty="0">
+                <a:solidFill>
+                  <a:srgbClr val="003F82"/>
+                </a:solidFill>
+                <a:latin typeface="Arial" panose="020B0604020202020204" pitchFamily="34" charset="0"/>
+              </a:rPr>
+              <a:t>В описании результатов можете повторить задачи, но добавить 1-3 предложения, описывающие результаты по каждой задаче</a:t>
+            </a:r>
+          </a:p>
+          <a:p>
+            <a:endParaRPr lang="ru-RU" i="1" dirty="0">
+              <a:solidFill>
+                <a:srgbClr val="003F82"/>
+              </a:solidFill>
+              <a:latin typeface="Arial" panose="020B0604020202020204" pitchFamily="34" charset="0"/>
+            </a:endParaRPr>
+          </a:p>
+          <a:p>
+            <a:endParaRPr lang="ru-RU" i="1" dirty="0">
+              <a:solidFill>
+                <a:srgbClr val="003F82"/>
+              </a:solidFill>
+              <a:latin typeface="Arial" panose="020B0604020202020204" pitchFamily="34" charset="0"/>
             </a:endParaRPr>
           </a:p>
         </p:txBody>
@@ -6545,18 +6567,10 @@
           <a:lstStyle/>
           <a:p>
             <a:r>
-              <a:rPr lang="ru-RU" sz="2400" b="1" dirty="0">
-                <a:solidFill>
-                  <a:schemeClr val="bg1"/>
-                </a:solidFill>
-              </a:rPr>
-              <a:t>ОСНОВНЫЕ РЕЗУЛЬТАТЫ РАБОТЫ</a:t>
-            </a:r>
-            <a:endParaRPr lang="en-US" sz="2400" b="1" dirty="0">
-              <a:solidFill>
-                <a:schemeClr val="bg1"/>
-              </a:solidFill>
-            </a:endParaRPr>
+              <a:rPr lang="ru-RU" sz="2400" b="1" dirty="0"/>
+              <a:t>Пути дальнейшей работы</a:t>
+            </a:r>
+            <a:endParaRPr lang="en-US" sz="2400" b="1" dirty="0"/>
           </a:p>
         </p:txBody>
       </p:sp>
@@ -6606,7 +6620,7 @@
       </p:sp>
       <p:sp>
         <p:nvSpPr>
-          <p:cNvPr id="14344" name="Rectangle 10"/>
+          <p:cNvPr id="14345" name="Rectangle 11"/>
           <p:cNvSpPr>
             <a:spLocks noChangeArrowheads="1"/>
           </p:cNvSpPr>
@@ -6614,8 +6628,8 @@
         </p:nvSpPr>
         <p:spPr bwMode="auto">
           <a:xfrm>
-            <a:off x="7300913" y="3967163"/>
-            <a:ext cx="674687" cy="368300"/>
+            <a:off x="7300913" y="5591175"/>
+            <a:ext cx="674687" cy="369888"/>
           </a:xfrm>
           <a:prstGeom prst="rect">
             <a:avLst/>
@@ -6650,7 +6664,46 @@
       </p:sp>
       <p:sp>
         <p:nvSpPr>
-          <p:cNvPr id="14345" name="Rectangle 11"/>
+          <p:cNvPr id="7" name="Номер слайда 6"/>
+          <p:cNvSpPr>
+            <a:spLocks noGrp="1"/>
+          </p:cNvSpPr>
+          <p:nvPr>
+            <p:ph type="sldNum" sz="quarter" idx="12"/>
+          </p:nvPr>
+        </p:nvSpPr>
+        <p:spPr>
+          <a:xfrm>
+            <a:off x="8451475" y="6356350"/>
+            <a:ext cx="470647" cy="365125"/>
+          </a:xfrm>
+        </p:spPr>
+        <p:txBody>
+          <a:bodyPr/>
+          <a:lstStyle/>
+          <a:p>
+            <a:pPr>
+              <a:defRPr/>
+            </a:pPr>
+            <a:fld id="{CB65F501-F5CC-4E12-934E-78BB5E4DA208}" type="slidenum">
+              <a:rPr lang="en-US" sz="1800" smtClean="0">
+                <a:solidFill>
+                  <a:schemeClr val="tx1"/>
+                </a:solidFill>
+              </a:rPr>
+              <a:t>14</a:t>
+            </a:fld>
+            <a:endParaRPr lang="en-US" sz="1800" dirty="0">
+              <a:solidFill>
+                <a:schemeClr val="tx1"/>
+              </a:solidFill>
+            </a:endParaRPr>
+          </a:p>
+        </p:txBody>
+      </p:sp>
+      <p:sp>
+        <p:nvSpPr>
+          <p:cNvPr id="8" name="Rectangle 12"/>
           <p:cNvSpPr>
             <a:spLocks noChangeArrowheads="1"/>
           </p:cNvSpPr>
@@ -6658,52 +6711,8 @@
         </p:nvSpPr>
         <p:spPr bwMode="auto">
           <a:xfrm>
-            <a:off x="7300913" y="5591175"/>
-            <a:ext cx="674687" cy="369888"/>
-          </a:xfrm>
-          <a:prstGeom prst="rect">
-            <a:avLst/>
-          </a:prstGeom>
-          <a:noFill/>
-          <a:ln w="9525">
-            <a:noFill/>
-            <a:miter lim="800000"/>
-          </a:ln>
-        </p:spPr>
-        <p:txBody>
-          <a:bodyPr wrap="none">
-            <a:spAutoFit/>
-          </a:bodyPr>
-          <a:lstStyle/>
-          <a:p>
-            <a:r>
-              <a:rPr lang="ru-RU">
-                <a:solidFill>
-                  <a:srgbClr val="FFFFFF"/>
-                </a:solidFill>
-              </a:rPr>
-              <a:t>фото</a:t>
-            </a:r>
-            <a:endParaRPr lang="en-US">
-              <a:solidFill>
-                <a:srgbClr val="FFFFFF"/>
-              </a:solidFill>
-            </a:endParaRPr>
-          </a:p>
-        </p:txBody>
-      </p:sp>
-      <p:sp>
-        <p:nvSpPr>
-          <p:cNvPr id="14346" name="Rectangle 12"/>
-          <p:cNvSpPr>
-            <a:spLocks noChangeArrowheads="1"/>
-          </p:cNvSpPr>
-          <p:nvPr/>
-        </p:nvSpPr>
-        <p:spPr bwMode="auto">
-          <a:xfrm>
-            <a:off x="183595" y="1772099"/>
-            <a:ext cx="8503205" cy="1754326"/>
+            <a:off x="222250" y="1963450"/>
+            <a:ext cx="8699872" cy="1569660"/>
           </a:xfrm>
           <a:prstGeom prst="rect">
             <a:avLst/>
@@ -6730,17 +6739,17 @@
           <a:lstStyle/>
           <a:p>
             <a:r>
-              <a:rPr lang="ru-RU" i="1" dirty="0">
+              <a:rPr lang="ru-RU" sz="1600" i="1" dirty="0">
                 <a:solidFill>
                   <a:srgbClr val="003F82"/>
                 </a:solidFill>
                 <a:latin typeface="Arial" panose="020B0604020202020204" pitchFamily="34" charset="0"/>
               </a:rPr>
-              <a:t>МОЖЕТ БЫТЬ ДЕМОНСТРАЦИЯ ПРОГРАММНОГО ПРОДУКТА,</a:t>
-            </a:r>
-          </a:p>
-          <a:p>
-            <a:endParaRPr lang="ru-RU" i="1" dirty="0">
+              <a:t>Пути дальнейшей работы (желательно написать)</a:t>
+            </a:r>
+          </a:p>
+          <a:p>
+            <a:endParaRPr lang="ru-RU" sz="1600" i="1" dirty="0">
               <a:solidFill>
                 <a:srgbClr val="003F82"/>
               </a:solidFill>
@@ -6749,154 +6758,28 @@
           </a:p>
           <a:p>
             <a:r>
-              <a:rPr lang="ru-RU" i="1" dirty="0">
+              <a:rPr lang="ru-RU" sz="1600" i="1" dirty="0">
                 <a:solidFill>
                   <a:srgbClr val="003F82"/>
                 </a:solidFill>
                 <a:latin typeface="Arial" panose="020B0604020202020204" pitchFamily="34" charset="0"/>
               </a:rPr>
-              <a:t>РЕЗУЛЬТАТЫ ИССЛЕДОВАНИЙ , экспериментов И ПР.</a:t>
-            </a:r>
-          </a:p>
-          <a:p>
-            <a:endParaRPr lang="ru-RU" i="1" dirty="0">
-              <a:solidFill>
-                <a:srgbClr val="003F82"/>
-              </a:solidFill>
-              <a:latin typeface="Arial" panose="020B0604020202020204" pitchFamily="34" charset="0"/>
-            </a:endParaRPr>
-          </a:p>
-          <a:p>
-            <a:r>
-              <a:rPr lang="ru-RU" i="1" dirty="0">
+              <a:t>Если работа полезная / интересная и т.п., то направления дальнейшей работы точно есть.</a:t>
+            </a:r>
+          </a:p>
+          <a:p>
+            <a:r>
+              <a:rPr lang="ru-RU" sz="1600" i="1" dirty="0">
                 <a:solidFill>
                   <a:srgbClr val="003F82"/>
                 </a:solidFill>
                 <a:latin typeface="Arial" panose="020B0604020202020204" pitchFamily="34" charset="0"/>
               </a:rPr>
-              <a:t>МОЖЕТ БЫТЬ НЕСКОЛЬКО СЛАЙДОВ</a:t>
-            </a:r>
-          </a:p>
-          <a:p>
-            <a:endParaRPr lang="ru-RU" i="1" dirty="0">
-              <a:solidFill>
-                <a:srgbClr val="003F82"/>
-              </a:solidFill>
-              <a:latin typeface="Arial" panose="020B0604020202020204" pitchFamily="34" charset="0"/>
-            </a:endParaRPr>
-          </a:p>
-        </p:txBody>
-      </p:sp>
-      <p:sp>
-        <p:nvSpPr>
-          <p:cNvPr id="11" name="Номер слайда 10"/>
-          <p:cNvSpPr>
-            <a:spLocks noGrp="1"/>
-          </p:cNvSpPr>
-          <p:nvPr>
-            <p:ph type="sldNum" sz="quarter" idx="12"/>
-          </p:nvPr>
-        </p:nvSpPr>
-        <p:spPr/>
-        <p:txBody>
-          <a:bodyPr vert="horz" wrap="square" lIns="91440" tIns="45720" rIns="91440" bIns="45720" numCol="1" anchor="ctr" anchorCtr="0" compatLnSpc="1"/>
-          <a:lstStyle/>
-          <a:p>
-            <a:pPr>
-              <a:defRPr/>
-            </a:pPr>
-            <a:fld id="{CB65F501-F5CC-4E12-934E-78BB5E4DA208}" type="slidenum">
-              <a:rPr lang="en-US" sz="1800" smtClean="0">
-                <a:solidFill>
-                  <a:schemeClr val="tx1"/>
-                </a:solidFill>
-              </a:rPr>
-              <a:t>14</a:t>
-            </a:fld>
-            <a:endParaRPr lang="en-US" sz="1800">
-              <a:solidFill>
-                <a:schemeClr val="tx1"/>
-              </a:solidFill>
-            </a:endParaRPr>
-          </a:p>
-        </p:txBody>
-      </p:sp>
-      <p:sp>
-        <p:nvSpPr>
-          <p:cNvPr id="9" name="Rectangle 12"/>
-          <p:cNvSpPr>
-            <a:spLocks noChangeArrowheads="1"/>
-          </p:cNvSpPr>
-          <p:nvPr/>
-        </p:nvSpPr>
-        <p:spPr bwMode="auto">
-          <a:xfrm>
-            <a:off x="307882" y="4151313"/>
-            <a:ext cx="8378918" cy="1754326"/>
-          </a:xfrm>
-          <a:prstGeom prst="rect">
-            <a:avLst/>
-          </a:prstGeom>
-        </p:spPr>
-        <p:style>
-          <a:lnRef idx="1">
-            <a:schemeClr val="accent1"/>
-          </a:lnRef>
-          <a:fillRef idx="2">
-            <a:schemeClr val="accent1"/>
-          </a:fillRef>
-          <a:effectRef idx="1">
-            <a:schemeClr val="accent1"/>
-          </a:effectRef>
-          <a:fontRef idx="minor">
-            <a:schemeClr val="dk1"/>
-          </a:fontRef>
-        </p:style>
-        <p:txBody>
-          <a:bodyPr wrap="square">
-            <a:spAutoFit/>
-          </a:bodyPr>
-          <a:lstStyle/>
-          <a:p>
-            <a:r>
-              <a:rPr lang="ru-RU" i="1" dirty="0">
-                <a:solidFill>
-                  <a:srgbClr val="003F82"/>
-                </a:solidFill>
-                <a:latin typeface="Arial" panose="020B0604020202020204" pitchFamily="34" charset="0"/>
-              </a:rPr>
-              <a:t>ВАЖНО, ЧТОБЫ РЕЗУЛЬТАТЫ СООТВЕТСТВОВАЛИ ПОСТАВЛЕННЫМ ЗАДАЧАМ</a:t>
-            </a:r>
-          </a:p>
-          <a:p>
-            <a:endParaRPr lang="ru-RU" i="1" dirty="0">
-              <a:solidFill>
-                <a:srgbClr val="003F82"/>
-              </a:solidFill>
-              <a:latin typeface="Arial" panose="020B0604020202020204" pitchFamily="34" charset="0"/>
-            </a:endParaRPr>
-          </a:p>
-          <a:p>
-            <a:r>
-              <a:rPr lang="ru-RU" i="1" dirty="0">
-                <a:solidFill>
-                  <a:srgbClr val="003F82"/>
-                </a:solidFill>
-                <a:latin typeface="Arial" panose="020B0604020202020204" pitchFamily="34" charset="0"/>
-              </a:rPr>
-              <a:t>В описании результатов можете повторить задачи, но добавить 1-3 предложения, описывающие результаты по каждой задаче</a:t>
-            </a:r>
-          </a:p>
-          <a:p>
-            <a:endParaRPr lang="ru-RU" i="1" dirty="0">
-              <a:solidFill>
-                <a:srgbClr val="003F82"/>
-              </a:solidFill>
-              <a:latin typeface="Arial" panose="020B0604020202020204" pitchFamily="34" charset="0"/>
-            </a:endParaRPr>
-          </a:p>
-          <a:p>
-            <a:endParaRPr lang="ru-RU" i="1" dirty="0">
+              <a:t>Если их нет, значит, работа - тупиковая</a:t>
+            </a:r>
+          </a:p>
+          <a:p>
+            <a:endParaRPr lang="ru-RU" sz="1600" i="1" dirty="0">
               <a:solidFill>
                 <a:srgbClr val="003F82"/>
               </a:solidFill>
@@ -7007,18 +6890,10 @@
           <a:lstStyle/>
           <a:p>
             <a:r>
-              <a:rPr lang="ru-RU" sz="2400" b="1" dirty="0">
-                <a:solidFill>
-                  <a:schemeClr val="bg1"/>
-                </a:solidFill>
-              </a:rPr>
-              <a:t>Пути дальнейшей работы</a:t>
-            </a:r>
-            <a:endParaRPr lang="en-US" sz="2400" b="1" dirty="0">
-              <a:solidFill>
-                <a:schemeClr val="bg1"/>
-              </a:solidFill>
-            </a:endParaRPr>
+              <a:rPr lang="ru-RU" sz="2400" b="1" dirty="0"/>
+              <a:t>СПИСОК ИСПОЛЬЗОВАННЫХ ИСТОЧНИКОВ</a:t>
+            </a:r>
+            <a:endParaRPr lang="en-US" sz="2400" b="1" dirty="0"/>
           </a:p>
         </p:txBody>
       </p:sp>
@@ -7112,46 +6987,7 @@
       </p:sp>
       <p:sp>
         <p:nvSpPr>
-          <p:cNvPr id="7" name="Номер слайда 6"/>
-          <p:cNvSpPr>
-            <a:spLocks noGrp="1"/>
-          </p:cNvSpPr>
-          <p:nvPr>
-            <p:ph type="sldNum" sz="quarter" idx="12"/>
-          </p:nvPr>
-        </p:nvSpPr>
-        <p:spPr>
-          <a:xfrm>
-            <a:off x="8451475" y="6356350"/>
-            <a:ext cx="470647" cy="365125"/>
-          </a:xfrm>
-        </p:spPr>
-        <p:txBody>
-          <a:bodyPr/>
-          <a:lstStyle/>
-          <a:p>
-            <a:pPr>
-              <a:defRPr/>
-            </a:pPr>
-            <a:fld id="{CB65F501-F5CC-4E12-934E-78BB5E4DA208}" type="slidenum">
-              <a:rPr lang="en-US" sz="1800" smtClean="0">
-                <a:solidFill>
-                  <a:schemeClr val="tx1"/>
-                </a:solidFill>
-              </a:rPr>
-              <a:t>15</a:t>
-            </a:fld>
-            <a:endParaRPr lang="en-US" sz="1800" dirty="0">
-              <a:solidFill>
-                <a:schemeClr val="tx1"/>
-              </a:solidFill>
-            </a:endParaRPr>
-          </a:p>
-        </p:txBody>
-      </p:sp>
-      <p:sp>
-        <p:nvSpPr>
-          <p:cNvPr id="8" name="Rectangle 12"/>
+          <p:cNvPr id="14346" name="Rectangle 12"/>
           <p:cNvSpPr>
             <a:spLocks noChangeArrowheads="1"/>
           </p:cNvSpPr>
@@ -7159,8 +6995,8 @@
         </p:nvSpPr>
         <p:spPr bwMode="auto">
           <a:xfrm>
-            <a:off x="222250" y="1963450"/>
-            <a:ext cx="8699872" cy="1569660"/>
+            <a:off x="222250" y="1479549"/>
+            <a:ext cx="8182162" cy="830997"/>
           </a:xfrm>
           <a:prstGeom prst="rect">
             <a:avLst/>
@@ -7193,7 +7029,7 @@
                 </a:solidFill>
                 <a:latin typeface="Arial" panose="020B0604020202020204" pitchFamily="34" charset="0"/>
               </a:rPr>
-              <a:t>Пути дальнейшей работы (желательно написать)</a:t>
+              <a:t>ОФОРМИТЬ В СООТВЕТСТВИИИ С ГОСТ (см. Методические указания по оформлению списка использованных источников)</a:t>
             </a:r>
           </a:p>
           <a:p>
@@ -7204,34 +7040,43 @@
               <a:latin typeface="Arial" panose="020B0604020202020204" pitchFamily="34" charset="0"/>
             </a:endParaRPr>
           </a:p>
-          <a:p>
-            <a:r>
-              <a:rPr lang="ru-RU" sz="1600" i="1" dirty="0">
-                <a:solidFill>
-                  <a:srgbClr val="003F82"/>
-                </a:solidFill>
-                <a:latin typeface="Arial" panose="020B0604020202020204" pitchFamily="34" charset="0"/>
-              </a:rPr>
-              <a:t>Если работа полезная / интересная и т.п., то направления дальнейшей работы точно есть.</a:t>
-            </a:r>
-          </a:p>
-          <a:p>
-            <a:r>
-              <a:rPr lang="ru-RU" sz="1600" i="1" dirty="0">
-                <a:solidFill>
-                  <a:srgbClr val="003F82"/>
-                </a:solidFill>
-                <a:latin typeface="Arial" panose="020B0604020202020204" pitchFamily="34" charset="0"/>
-              </a:rPr>
-              <a:t>Если их нет, значит, работа - тупиковая</a:t>
-            </a:r>
-          </a:p>
-          <a:p>
-            <a:endParaRPr lang="ru-RU" sz="1600" i="1" dirty="0">
+        </p:txBody>
+      </p:sp>
+      <p:sp>
+        <p:nvSpPr>
+          <p:cNvPr id="7" name="Номер слайда 6"/>
+          <p:cNvSpPr>
+            <a:spLocks noGrp="1"/>
+          </p:cNvSpPr>
+          <p:nvPr>
+            <p:ph type="sldNum" sz="quarter" idx="12"/>
+          </p:nvPr>
+        </p:nvSpPr>
+        <p:spPr>
+          <a:xfrm>
+            <a:off x="8451475" y="6356350"/>
+            <a:ext cx="470647" cy="365125"/>
+          </a:xfrm>
+        </p:spPr>
+        <p:txBody>
+          <a:bodyPr/>
+          <a:lstStyle/>
+          <a:p>
+            <a:pPr>
+              <a:defRPr/>
+            </a:pPr>
+            <a:fld id="{CB65F501-F5CC-4E12-934E-78BB5E4DA208}" type="slidenum">
+              <a:rPr lang="en-US" sz="1800" smtClean="0">
+                <a:solidFill>
+                  <a:schemeClr val="tx1"/>
+                </a:solidFill>
+              </a:rPr>
+              <a:t>15</a:t>
+            </a:fld>
+            <a:endParaRPr lang="en-US" sz="1800" dirty="0">
               <a:solidFill>
-                <a:srgbClr val="003F82"/>
+                <a:schemeClr val="tx1"/>
               </a:solidFill>
-              <a:latin typeface="Arial" panose="020B0604020202020204" pitchFamily="34" charset="0"/>
             </a:endParaRPr>
           </a:p>
         </p:txBody>
@@ -7270,307 +7115,6 @@
       </p:grpSpPr>
       <p:sp>
         <p:nvSpPr>
-          <p:cNvPr id="14338" name="Subtitle 2"/>
-          <p:cNvSpPr txBox="1"/>
-          <p:nvPr/>
-        </p:nvSpPr>
-        <p:spPr bwMode="auto">
-          <a:xfrm>
-            <a:off x="255588" y="6415088"/>
-            <a:ext cx="4143375" cy="246062"/>
-          </a:xfrm>
-          <a:prstGeom prst="rect">
-            <a:avLst/>
-          </a:prstGeom>
-          <a:noFill/>
-          <a:ln w="9525">
-            <a:noFill/>
-            <a:miter lim="800000"/>
-          </a:ln>
-        </p:spPr>
-        <p:txBody>
-          <a:bodyPr/>
-          <a:lstStyle/>
-          <a:p>
-            <a:pPr>
-              <a:spcBef>
-                <a:spcPct val="20000"/>
-              </a:spcBef>
-            </a:pPr>
-            <a:r>
-              <a:rPr lang="ru-RU" sz="800" dirty="0">
-                <a:solidFill>
-                  <a:schemeClr val="bg1"/>
-                </a:solidFill>
-              </a:rPr>
-              <a:t>Высшая школа экономики, Москва, 2018</a:t>
-            </a:r>
-            <a:endParaRPr kumimoji="1" lang="ru-RU" sz="800" dirty="0">
-              <a:solidFill>
-                <a:schemeClr val="bg1"/>
-              </a:solidFill>
-            </a:endParaRPr>
-          </a:p>
-        </p:txBody>
-      </p:sp>
-      <p:sp>
-        <p:nvSpPr>
-          <p:cNvPr id="14339" name="Title 1"/>
-          <p:cNvSpPr txBox="1"/>
-          <p:nvPr/>
-        </p:nvSpPr>
-        <p:spPr bwMode="auto">
-          <a:xfrm>
-            <a:off x="1428749" y="428625"/>
-            <a:ext cx="7432863" cy="412750"/>
-          </a:xfrm>
-          <a:prstGeom prst="rect">
-            <a:avLst/>
-          </a:prstGeom>
-          <a:noFill/>
-          <a:ln w="9525">
-            <a:noFill/>
-            <a:miter lim="800000"/>
-          </a:ln>
-        </p:spPr>
-        <p:txBody>
-          <a:bodyPr anchor="ctr"/>
-          <a:lstStyle/>
-          <a:p>
-            <a:r>
-              <a:rPr lang="ru-RU" sz="2400" b="1" dirty="0">
-                <a:solidFill>
-                  <a:schemeClr val="bg1"/>
-                </a:solidFill>
-              </a:rPr>
-              <a:t>СПИСОК ИСПОЛЬЗОВАННЫХ ИСТОЧНИКОВ</a:t>
-            </a:r>
-            <a:endParaRPr lang="en-US" sz="2400" b="1" dirty="0">
-              <a:solidFill>
-                <a:schemeClr val="bg1"/>
-              </a:solidFill>
-            </a:endParaRPr>
-          </a:p>
-        </p:txBody>
-      </p:sp>
-      <p:sp>
-        <p:nvSpPr>
-          <p:cNvPr id="14343" name="Rectangle 9"/>
-          <p:cNvSpPr>
-            <a:spLocks noChangeArrowheads="1"/>
-          </p:cNvSpPr>
-          <p:nvPr/>
-        </p:nvSpPr>
-        <p:spPr bwMode="auto">
-          <a:xfrm>
-            <a:off x="7300913" y="2255838"/>
-            <a:ext cx="674687" cy="369887"/>
-          </a:xfrm>
-          <a:prstGeom prst="rect">
-            <a:avLst/>
-          </a:prstGeom>
-          <a:noFill/>
-          <a:ln w="9525">
-            <a:noFill/>
-            <a:miter lim="800000"/>
-          </a:ln>
-        </p:spPr>
-        <p:txBody>
-          <a:bodyPr wrap="none">
-            <a:spAutoFit/>
-          </a:bodyPr>
-          <a:lstStyle/>
-          <a:p>
-            <a:r>
-              <a:rPr lang="ru-RU">
-                <a:solidFill>
-                  <a:srgbClr val="FFFFFF"/>
-                </a:solidFill>
-              </a:rPr>
-              <a:t>фото</a:t>
-            </a:r>
-            <a:endParaRPr lang="en-US">
-              <a:solidFill>
-                <a:srgbClr val="FFFFFF"/>
-              </a:solidFill>
-            </a:endParaRPr>
-          </a:p>
-        </p:txBody>
-      </p:sp>
-      <p:sp>
-        <p:nvSpPr>
-          <p:cNvPr id="14345" name="Rectangle 11"/>
-          <p:cNvSpPr>
-            <a:spLocks noChangeArrowheads="1"/>
-          </p:cNvSpPr>
-          <p:nvPr/>
-        </p:nvSpPr>
-        <p:spPr bwMode="auto">
-          <a:xfrm>
-            <a:off x="7300913" y="5591175"/>
-            <a:ext cx="674687" cy="369888"/>
-          </a:xfrm>
-          <a:prstGeom prst="rect">
-            <a:avLst/>
-          </a:prstGeom>
-          <a:noFill/>
-          <a:ln w="9525">
-            <a:noFill/>
-            <a:miter lim="800000"/>
-          </a:ln>
-        </p:spPr>
-        <p:txBody>
-          <a:bodyPr wrap="none">
-            <a:spAutoFit/>
-          </a:bodyPr>
-          <a:lstStyle/>
-          <a:p>
-            <a:r>
-              <a:rPr lang="ru-RU">
-                <a:solidFill>
-                  <a:srgbClr val="FFFFFF"/>
-                </a:solidFill>
-              </a:rPr>
-              <a:t>фото</a:t>
-            </a:r>
-            <a:endParaRPr lang="en-US">
-              <a:solidFill>
-                <a:srgbClr val="FFFFFF"/>
-              </a:solidFill>
-            </a:endParaRPr>
-          </a:p>
-        </p:txBody>
-      </p:sp>
-      <p:sp>
-        <p:nvSpPr>
-          <p:cNvPr id="14346" name="Rectangle 12"/>
-          <p:cNvSpPr>
-            <a:spLocks noChangeArrowheads="1"/>
-          </p:cNvSpPr>
-          <p:nvPr/>
-        </p:nvSpPr>
-        <p:spPr bwMode="auto">
-          <a:xfrm>
-            <a:off x="222250" y="1479549"/>
-            <a:ext cx="8182162" cy="830997"/>
-          </a:xfrm>
-          <a:prstGeom prst="rect">
-            <a:avLst/>
-          </a:prstGeom>
-        </p:spPr>
-        <p:style>
-          <a:lnRef idx="1">
-            <a:schemeClr val="accent1"/>
-          </a:lnRef>
-          <a:fillRef idx="2">
-            <a:schemeClr val="accent1"/>
-          </a:fillRef>
-          <a:effectRef idx="1">
-            <a:schemeClr val="accent1"/>
-          </a:effectRef>
-          <a:fontRef idx="minor">
-            <a:schemeClr val="dk1"/>
-          </a:fontRef>
-        </p:style>
-        <p:txBody>
-          <a:bodyPr wrap="square">
-            <a:spAutoFit/>
-          </a:bodyPr>
-          <a:lstStyle/>
-          <a:p>
-            <a:r>
-              <a:rPr lang="ru-RU" sz="1600" i="1" dirty="0">
-                <a:solidFill>
-                  <a:srgbClr val="003F82"/>
-                </a:solidFill>
-                <a:latin typeface="Arial" panose="020B0604020202020204" pitchFamily="34" charset="0"/>
-              </a:rPr>
-              <a:t>ОФОРМИТЬ В СООТВЕТСТВИИИ С ГОСТ (см. Методические указания по оформлению списка использованных источников)</a:t>
-            </a:r>
-          </a:p>
-          <a:p>
-            <a:endParaRPr lang="ru-RU" sz="1600" i="1" dirty="0">
-              <a:solidFill>
-                <a:srgbClr val="003F82"/>
-              </a:solidFill>
-              <a:latin typeface="Arial" panose="020B0604020202020204" pitchFamily="34" charset="0"/>
-            </a:endParaRPr>
-          </a:p>
-        </p:txBody>
-      </p:sp>
-      <p:sp>
-        <p:nvSpPr>
-          <p:cNvPr id="7" name="Номер слайда 6"/>
-          <p:cNvSpPr>
-            <a:spLocks noGrp="1"/>
-          </p:cNvSpPr>
-          <p:nvPr>
-            <p:ph type="sldNum" sz="quarter" idx="12"/>
-          </p:nvPr>
-        </p:nvSpPr>
-        <p:spPr>
-          <a:xfrm>
-            <a:off x="8451475" y="6356350"/>
-            <a:ext cx="470647" cy="365125"/>
-          </a:xfrm>
-        </p:spPr>
-        <p:txBody>
-          <a:bodyPr/>
-          <a:lstStyle/>
-          <a:p>
-            <a:pPr>
-              <a:defRPr/>
-            </a:pPr>
-            <a:fld id="{CB65F501-F5CC-4E12-934E-78BB5E4DA208}" type="slidenum">
-              <a:rPr lang="en-US" sz="1800" smtClean="0">
-                <a:solidFill>
-                  <a:schemeClr val="tx1"/>
-                </a:solidFill>
-              </a:rPr>
-              <a:t>16</a:t>
-            </a:fld>
-            <a:endParaRPr lang="en-US" sz="1800" dirty="0">
-              <a:solidFill>
-                <a:schemeClr val="tx1"/>
-              </a:solidFill>
-            </a:endParaRPr>
-          </a:p>
-        </p:txBody>
-      </p:sp>
-    </p:spTree>
-  </p:cSld>
-  <p:clrMapOvr>
-    <a:masterClrMapping/>
-  </p:clrMapOvr>
-  <p:timing>
-    <p:tnLst>
-      <p:par>
-        <p:cTn id="1" dur="indefinite" restart="never" nodeType="tmRoot"/>
-      </p:par>
-    </p:tnLst>
-  </p:timing>
-</p:sld>
-</file>
-
-<file path=ppt/slides/slide17.xml><?xml version="1.0" encoding="utf-8"?>
-<p:sld xmlns:a="http://schemas.openxmlformats.org/drawingml/2006/main" xmlns:r="http://schemas.openxmlformats.org/officeDocument/2006/relationships" xmlns:p="http://schemas.openxmlformats.org/presentationml/2006/main">
-  <p:cSld>
-    <p:spTree>
-      <p:nvGrpSpPr>
-        <p:cNvPr id="1" name=""/>
-        <p:cNvGrpSpPr/>
-        <p:nvPr/>
-      </p:nvGrpSpPr>
-      <p:grpSpPr>
-        <a:xfrm>
-          <a:off x="0" y="0"/>
-          <a:ext cx="0" cy="0"/>
-          <a:chOff x="0" y="0"/>
-          <a:chExt cx="0" cy="0"/>
-        </a:xfrm>
-      </p:grpSpPr>
-      <p:sp>
-        <p:nvSpPr>
           <p:cNvPr id="16386" name="Subtitle 2"/>
           <p:cNvSpPr>
             <a:spLocks noGrp="1"/>
@@ -7691,7 +7235,7 @@
                   <a:schemeClr val="bg1"/>
                 </a:solidFill>
               </a:rPr>
-              <a:t>17</a:t>
+              <a:t>16</a:t>
             </a:fld>
             <a:endParaRPr lang="en-US" sz="1800" dirty="0">
               <a:solidFill>
@@ -7956,8 +7500,8 @@
         </p:nvSpPr>
         <p:spPr>
           <a:xfrm>
-            <a:off x="1217224" y="10987"/>
-            <a:ext cx="8061649" cy="1325563"/>
+            <a:off x="1217225" y="10987"/>
+            <a:ext cx="6758375" cy="1325563"/>
           </a:xfrm>
         </p:spPr>
         <p:txBody>
@@ -7967,26 +7511,11 @@
             <a:pPr algn="ctr"/>
             <a:r>
               <a:rPr lang="ru-RU" sz="3200" dirty="0" smtClean="0">
-                <a:solidFill>
-                  <a:schemeClr val="bg1"/>
-                </a:solidFill>
                 <a:latin typeface="SF UI Text" panose="00000400000000000000" pitchFamily="2" charset="0"/>
               </a:rPr>
-              <a:t>У Вышки есть </a:t>
-            </a:r>
-            <a:r>
-              <a:rPr lang="ru-RU" sz="3200" dirty="0" smtClean="0">
-                <a:solidFill>
-                  <a:schemeClr val="bg1"/>
-                </a:solidFill>
-                <a:latin typeface="SF UI Text" panose="00000400000000000000" pitchFamily="2" charset="0"/>
-              </a:rPr>
-              <a:t>мероприятия!</a:t>
+              <a:t>У Вышки есть мероприятия!</a:t>
             </a:r>
             <a:endParaRPr lang="ru-RU" sz="3200" dirty="0">
-              <a:solidFill>
-                <a:schemeClr val="bg1"/>
-              </a:solidFill>
               <a:latin typeface="SF UI Text" panose="00000400000000000000" pitchFamily="2" charset="0"/>
             </a:endParaRPr>
           </a:p>
@@ -8168,7 +7697,7 @@
         <p:spPr bwMode="auto">
           <a:xfrm>
             <a:off x="1428749" y="428625"/>
-            <a:ext cx="6894979" cy="412750"/>
+            <a:ext cx="6546851" cy="412750"/>
           </a:xfrm>
           <a:prstGeom prst="rect">
             <a:avLst/>
@@ -8185,18 +7714,12 @@
           <a:p>
             <a:pPr algn="ctr"/>
             <a:r>
-              <a:rPr lang="ru-RU" sz="3200" b="1" dirty="0" smtClean="0">
-                <a:solidFill>
-                  <a:schemeClr val="bg1"/>
-                </a:solidFill>
+              <a:rPr lang="ru-RU" sz="3200" dirty="0" smtClean="0">
                 <a:latin typeface="SF UI Text" panose="00000400000000000000" pitchFamily="2" charset="0"/>
               </a:rPr>
               <a:t>Термины</a:t>
             </a:r>
-            <a:endParaRPr lang="en-US" sz="3200" b="1" dirty="0">
-              <a:solidFill>
-                <a:schemeClr val="bg1"/>
-              </a:solidFill>
+            <a:endParaRPr lang="en-US" sz="3200" dirty="0">
               <a:latin typeface="SF UI Text" panose="00000400000000000000" pitchFamily="2" charset="0"/>
             </a:endParaRPr>
           </a:p>
@@ -8378,8 +7901,8 @@
         </p:nvSpPr>
         <p:spPr bwMode="auto">
           <a:xfrm>
-            <a:off x="222250" y="1479550"/>
-            <a:ext cx="8575521" cy="1815882"/>
+            <a:off x="255588" y="2550729"/>
+            <a:ext cx="8575521" cy="2631811"/>
           </a:xfrm>
           <a:prstGeom prst="rect">
             <a:avLst/>
@@ -8396,6 +7919,11 @@
           </a:bodyPr>
           <a:lstStyle/>
           <a:p>
+            <a:pPr>
+              <a:lnSpc>
+                <a:spcPct val="150000"/>
+              </a:lnSpc>
+            </a:pPr>
             <a:r>
               <a:rPr lang="en-US" sz="1600" b="1" dirty="0" smtClean="0">
                 <a:latin typeface="Segoe UI" panose="020B0502040204020203" pitchFamily="34" charset="0"/>
@@ -8431,6 +7959,11 @@
             </a:endParaRPr>
           </a:p>
           <a:p>
+            <a:pPr>
+              <a:lnSpc>
+                <a:spcPct val="150000"/>
+              </a:lnSpc>
+            </a:pPr>
             <a:r>
               <a:rPr lang="en-US" sz="1600" b="1" dirty="0" err="1" smtClean="0">
                 <a:latin typeface="Segoe UI" panose="020B0502040204020203" pitchFamily="34" charset="0"/>
@@ -8478,6 +8011,11 @@
             </a:endParaRPr>
           </a:p>
           <a:p>
+            <a:pPr>
+              <a:lnSpc>
+                <a:spcPct val="150000"/>
+              </a:lnSpc>
+            </a:pPr>
             <a:r>
               <a:rPr lang="en-US" sz="1600" b="1" dirty="0" smtClean="0">
                 <a:latin typeface="Segoe UI" panose="020B0502040204020203" pitchFamily="34" charset="0"/>
@@ -8504,6 +8042,11 @@
             </a:r>
           </a:p>
           <a:p>
+            <a:pPr>
+              <a:lnSpc>
+                <a:spcPct val="150000"/>
+              </a:lnSpc>
+            </a:pPr>
             <a:r>
               <a:rPr lang="en-US" sz="1600" b="1" dirty="0" smtClean="0">
                 <a:latin typeface="Segoe UI" panose="020B0502040204020203" pitchFamily="34" charset="0"/>
@@ -8530,6 +8073,11 @@
             </a:r>
           </a:p>
           <a:p>
+            <a:pPr>
+              <a:lnSpc>
+                <a:spcPct val="150000"/>
+              </a:lnSpc>
+            </a:pPr>
             <a:r>
               <a:rPr lang="ru-RU" sz="1600" b="1" dirty="0" smtClean="0">
                 <a:latin typeface="Segoe UI" panose="020B0502040204020203" pitchFamily="34" charset="0"/>
@@ -8544,6 +8092,11 @@
             </a:r>
           </a:p>
           <a:p>
+            <a:pPr>
+              <a:lnSpc>
+                <a:spcPct val="150000"/>
+              </a:lnSpc>
+            </a:pPr>
             <a:r>
               <a:rPr lang="ru-RU" sz="1600" b="1" dirty="0" smtClean="0">
                 <a:latin typeface="Segoe UI" panose="020B0502040204020203" pitchFamily="34" charset="0"/>
@@ -8573,26 +8126,31 @@
             </a:endParaRPr>
           </a:p>
           <a:p>
-            <a:r>
-              <a:rPr lang="en-US" sz="1600" b="1" smtClean="0">
+            <a:pPr>
+              <a:lnSpc>
+                <a:spcPct val="150000"/>
+              </a:lnSpc>
+            </a:pPr>
+            <a:r>
+              <a:rPr lang="en-US" sz="1600" b="1" dirty="0" smtClean="0">
                 <a:latin typeface="Segoe UI" panose="020B0502040204020203" pitchFamily="34" charset="0"/>
               </a:rPr>
               <a:t>HTML</a:t>
             </a:r>
             <a:r>
-              <a:rPr lang="ru-RU" sz="1600" smtClean="0">
+              <a:rPr lang="ru-RU" sz="1600" dirty="0" smtClean="0">
                 <a:latin typeface="Segoe UI" panose="020B0502040204020203" pitchFamily="34" charset="0"/>
               </a:rPr>
               <a:t> </a:t>
             </a:r>
             <a:r>
-              <a:rPr lang="ru-RU" sz="1600">
+              <a:rPr lang="ru-RU" sz="1600" dirty="0">
                 <a:latin typeface="Segoe UI" panose="020B0502040204020203" pitchFamily="34" charset="0"/>
               </a:rPr>
               <a:t>– </a:t>
             </a:r>
             <a:r>
-              <a:rPr lang="ru-RU" sz="1600" smtClean="0">
+              <a:rPr lang="ru-RU" sz="1600" dirty="0" smtClean="0">
                 <a:latin typeface="Segoe UI" panose="020B0502040204020203" pitchFamily="34" charset="0"/>
               </a:rPr>
               <a:t>Язык разметки.</a:t>
@@ -8689,7 +8247,7 @@
         <p:spPr bwMode="auto">
           <a:xfrm>
             <a:off x="1428749" y="428625"/>
-            <a:ext cx="6894979" cy="412750"/>
+            <a:ext cx="6546851" cy="412750"/>
           </a:xfrm>
           <a:prstGeom prst="rect">
             <a:avLst/>
@@ -8704,18 +8262,15 @@
           <a:bodyPr anchor="ctr"/>
           <a:lstStyle/>
           <a:p>
-            <a:r>
-              <a:rPr lang="ru-RU" sz="2400" b="1" dirty="0">
-                <a:solidFill>
-                  <a:schemeClr val="bg1"/>
-                </a:solidFill>
+            <a:pPr algn="ctr"/>
+            <a:r>
+              <a:rPr lang="ru-RU" sz="3200" dirty="0">
+                <a:latin typeface="SF UI Text" panose="00000400000000000000" pitchFamily="2" charset="0"/>
               </a:rPr>
               <a:t>ЦЕЛЬ И ЗАДАЧИ РАБОТЫ</a:t>
             </a:r>
-            <a:endParaRPr lang="en-US" sz="2400" b="1" dirty="0">
-              <a:solidFill>
-                <a:schemeClr val="bg1"/>
-              </a:solidFill>
+            <a:endParaRPr lang="en-US" sz="3200" dirty="0">
+              <a:latin typeface="SF UI Text" panose="00000400000000000000" pitchFamily="2" charset="0"/>
             </a:endParaRPr>
           </a:p>
         </p:txBody>
@@ -8862,8 +8417,8 @@
         </p:nvSpPr>
         <p:spPr bwMode="auto">
           <a:xfrm>
-            <a:off x="222250" y="2625725"/>
-            <a:ext cx="8738870" cy="2123658"/>
+            <a:off x="222250" y="2125425"/>
+            <a:ext cx="8738870" cy="3477875"/>
           </a:xfrm>
           <a:prstGeom prst="rect">
             <a:avLst/>
@@ -8880,135 +8435,93 @@
           </a:bodyPr>
           <a:lstStyle/>
           <a:p>
-            <a:r>
-              <a:rPr lang="ru-RU" sz="2000" b="1" dirty="0">
-                <a:solidFill>
-                  <a:srgbClr val="003F82"/>
-                </a:solidFill>
-              </a:rPr>
-              <a:t>Цель работы</a:t>
-            </a:r>
-            <a:r>
-              <a:rPr lang="ru-RU" sz="2000" dirty="0">
-                <a:solidFill>
-                  <a:srgbClr val="003F82"/>
-                </a:solidFill>
-              </a:rPr>
+            <a:pPr>
+              <a:lnSpc>
+                <a:spcPct val="150000"/>
+              </a:lnSpc>
+            </a:pPr>
+            <a:r>
+              <a:rPr lang="ru-RU" sz="2800" b="1" dirty="0"/>
+              <a:t>Цель </a:t>
+            </a:r>
+            <a:r>
+              <a:rPr lang="ru-RU" sz="2800" b="1" dirty="0" smtClean="0"/>
+              <a:t>работы</a:t>
+            </a:r>
+            <a:r>
+              <a:rPr lang="ru-RU" sz="2800" dirty="0"/>
               <a:t/>
             </a:r>
             <a:br>
-              <a:rPr lang="ru-RU" sz="2000" dirty="0">
-                <a:solidFill>
-                  <a:srgbClr val="003F82"/>
-                </a:solidFill>
-              </a:rPr>
+              <a:rPr lang="ru-RU" sz="2800" dirty="0"/>
             </a:br>
             <a:r>
-              <a:rPr lang="ru-RU" sz="1600" dirty="0" smtClean="0">
-                <a:solidFill>
-                  <a:srgbClr val="003F82"/>
-                </a:solidFill>
-              </a:rPr>
+              <a:rPr lang="ru-RU" sz="2000" dirty="0" smtClean="0"/>
               <a:t>Сделать мероприятия ВШЭ более доступными.</a:t>
             </a:r>
-            <a:endParaRPr lang="ru-RU" sz="1600" dirty="0">
-              <a:solidFill>
-                <a:srgbClr val="003F82"/>
-              </a:solidFill>
-            </a:endParaRPr>
-          </a:p>
-          <a:p>
-            <a:endParaRPr lang="ru-RU" sz="1200" dirty="0">
-              <a:solidFill>
-                <a:srgbClr val="003F82"/>
-              </a:solidFill>
-            </a:endParaRPr>
-          </a:p>
-          <a:p>
-            <a:r>
-              <a:rPr lang="ru-RU" sz="2000" b="1" dirty="0">
-                <a:solidFill>
-                  <a:srgbClr val="003F82"/>
-                </a:solidFill>
-              </a:rPr>
-              <a:t>Задачи работы</a:t>
-            </a:r>
-          </a:p>
-          <a:p>
-            <a:pPr marL="342900" indent="-342900">
+            <a:endParaRPr lang="ru-RU" sz="2000" dirty="0"/>
+          </a:p>
+          <a:p>
+            <a:endParaRPr lang="ru-RU" sz="1600" dirty="0"/>
+          </a:p>
+          <a:p>
+            <a:pPr>
+              <a:lnSpc>
+                <a:spcPct val="150000"/>
+              </a:lnSpc>
+            </a:pPr>
+            <a:r>
+              <a:rPr lang="ru-RU" sz="2800" b="1" dirty="0"/>
+              <a:t>Задачи </a:t>
+            </a:r>
+            <a:r>
+              <a:rPr lang="ru-RU" sz="2800" b="1" dirty="0" smtClean="0"/>
+              <a:t>работы</a:t>
+            </a:r>
+            <a:endParaRPr lang="ru-RU" sz="2000" b="1" dirty="0"/>
+          </a:p>
+          <a:p>
+            <a:pPr marL="228600" indent="-228600">
+              <a:lnSpc>
+                <a:spcPct val="150000"/>
+              </a:lnSpc>
               <a:buFont typeface="+mj-lt"/>
               <a:buAutoNum type="arabicPeriod"/>
             </a:pPr>
-            <a:endParaRPr lang="ru-RU" sz="1600" b="1" dirty="0">
-              <a:solidFill>
-                <a:srgbClr val="003F82"/>
-              </a:solidFill>
-            </a:endParaRPr>
+            <a:r>
+              <a:rPr lang="ru-RU" sz="2000" dirty="0" smtClean="0"/>
+              <a:t>Создать </a:t>
+            </a:r>
+            <a:r>
+              <a:rPr lang="ru-RU" sz="2000" dirty="0" err="1" smtClean="0"/>
+              <a:t>прграмму</a:t>
+            </a:r>
+            <a:r>
+              <a:rPr lang="ru-RU" sz="2000" dirty="0" smtClean="0"/>
+              <a:t> на сервере для </a:t>
+            </a:r>
+            <a:r>
+              <a:rPr lang="ru-RU" sz="2000" dirty="0" err="1" smtClean="0"/>
+              <a:t>парсинга</a:t>
+            </a:r>
+            <a:r>
+              <a:rPr lang="ru-RU" sz="2000" dirty="0" smtClean="0"/>
+              <a:t> данных с сайта</a:t>
+            </a:r>
           </a:p>
           <a:p>
             <a:pPr marL="228600" indent="-228600">
+              <a:lnSpc>
+                <a:spcPct val="150000"/>
+              </a:lnSpc>
               <a:buFont typeface="+mj-lt"/>
               <a:buAutoNum type="arabicPeriod"/>
             </a:pPr>
             <a:r>
-              <a:rPr lang="ru-RU" sz="1600" dirty="0" smtClean="0">
-                <a:solidFill>
-                  <a:srgbClr val="003F82"/>
-                </a:solidFill>
-              </a:rPr>
-              <a:t>Создать </a:t>
-            </a:r>
-            <a:r>
-              <a:rPr lang="ru-RU" sz="1600" dirty="0" err="1" smtClean="0">
-                <a:solidFill>
-                  <a:srgbClr val="003F82"/>
-                </a:solidFill>
-              </a:rPr>
-              <a:t>прграмму</a:t>
-            </a:r>
-            <a:r>
-              <a:rPr lang="ru-RU" sz="1600" dirty="0" smtClean="0">
-                <a:solidFill>
-                  <a:srgbClr val="003F82"/>
-                </a:solidFill>
-              </a:rPr>
-              <a:t> на сервере для </a:t>
-            </a:r>
-            <a:r>
-              <a:rPr lang="ru-RU" sz="1600" dirty="0" err="1" smtClean="0">
-                <a:solidFill>
-                  <a:srgbClr val="003F82"/>
-                </a:solidFill>
-              </a:rPr>
-              <a:t>парсинга</a:t>
-            </a:r>
-            <a:r>
-              <a:rPr lang="ru-RU" sz="1600" dirty="0" smtClean="0">
-                <a:solidFill>
-                  <a:srgbClr val="003F82"/>
-                </a:solidFill>
-              </a:rPr>
-              <a:t> данных с сайта</a:t>
-            </a:r>
-          </a:p>
-          <a:p>
-            <a:pPr marL="228600" indent="-228600">
-              <a:buFont typeface="+mj-lt"/>
-              <a:buAutoNum type="arabicPeriod"/>
-            </a:pPr>
-            <a:r>
-              <a:rPr lang="ru-RU" sz="1600" dirty="0" smtClean="0">
-                <a:solidFill>
-                  <a:srgbClr val="003F82"/>
-                </a:solidFill>
-              </a:rPr>
+              <a:rPr lang="ru-RU" sz="2000" dirty="0" smtClean="0"/>
               <a:t>Создать клиент-серверное приложения для мобильных устройств для вывода информации о мероприятиях</a:t>
             </a:r>
-            <a:endParaRPr lang="ru-RU" sz="1600" dirty="0">
-              <a:solidFill>
-                <a:srgbClr val="003F82"/>
-              </a:solidFill>
-            </a:endParaRPr>
+            <a:endParaRPr lang="ru-RU" sz="2000" dirty="0"/>
           </a:p>
         </p:txBody>
       </p:sp>
@@ -9131,8 +8644,8 @@
         </p:nvSpPr>
         <p:spPr bwMode="auto">
           <a:xfrm>
-            <a:off x="1428749" y="428625"/>
-            <a:ext cx="6894979" cy="412750"/>
+            <a:off x="1138335" y="428625"/>
+            <a:ext cx="7912359" cy="412750"/>
           </a:xfrm>
           <a:prstGeom prst="rect">
             <a:avLst/>
@@ -9147,18 +8660,15 @@
           <a:bodyPr anchor="ctr"/>
           <a:lstStyle/>
           <a:p>
-            <a:r>
-              <a:rPr lang="ru-RU" sz="2400" b="1" dirty="0">
-                <a:solidFill>
-                  <a:schemeClr val="bg1"/>
-                </a:solidFill>
+            <a:pPr algn="ctr"/>
+            <a:r>
+              <a:rPr lang="ru-RU" sz="3200" dirty="0">
+                <a:latin typeface="SF UI Text" panose="00000400000000000000" pitchFamily="2" charset="0"/>
               </a:rPr>
               <a:t>АНАЛИЗ СУЩЕСТВУЮЩИХ РЕШЕНИЙ</a:t>
             </a:r>
-            <a:endParaRPr lang="en-US" sz="2400" b="1" dirty="0">
-              <a:solidFill>
-                <a:schemeClr val="bg1"/>
-              </a:solidFill>
+            <a:endParaRPr lang="en-US" sz="3200" dirty="0">
+              <a:latin typeface="SF UI Text" panose="00000400000000000000" pitchFamily="2" charset="0"/>
             </a:endParaRPr>
           </a:p>
         </p:txBody>
@@ -9173,7 +8683,7 @@
         </p:nvSpPr>
         <p:spPr bwMode="auto">
           <a:xfrm>
-            <a:off x="7300913" y="2255838"/>
+            <a:off x="7314618" y="2255838"/>
             <a:ext cx="674687" cy="369887"/>
           </a:xfrm>
           <a:prstGeom prst="rect">
@@ -9340,7 +8850,7 @@
         <p:spPr bwMode="auto">
           <a:xfrm>
             <a:off x="222250" y="1479550"/>
-            <a:ext cx="8575521" cy="584775"/>
+            <a:ext cx="8575521" cy="1384995"/>
           </a:xfrm>
           <a:prstGeom prst="rect">
             <a:avLst/>
@@ -9358,25 +8868,25 @@
           <a:lstStyle/>
           <a:p>
             <a:r>
-              <a:rPr lang="ru-RU" sz="1600" b="1" dirty="0" smtClean="0">
-                <a:latin typeface="Segoe UI" panose="020B0502040204020203" pitchFamily="34" charset="0"/>
+              <a:rPr lang="ru-RU" sz="2800" dirty="0" smtClean="0">
+                <a:latin typeface="SF UI Text" panose="00000400000000000000" pitchFamily="2" charset="0"/>
               </a:rPr>
               <a:t>На данный момент у Вышки 3 </a:t>
             </a:r>
             <a:r>
-              <a:rPr lang="ru-RU" sz="1600" b="1" dirty="0">
-                <a:latin typeface="Segoe UI" panose="020B0502040204020203" pitchFamily="34" charset="0"/>
+              <a:rPr lang="ru-RU" sz="2800" dirty="0">
+                <a:latin typeface="SF UI Text" panose="00000400000000000000" pitchFamily="2" charset="0"/>
               </a:rPr>
               <a:t>канала распространения </a:t>
             </a:r>
             <a:r>
-              <a:rPr lang="ru-RU" sz="1600" b="1" dirty="0" smtClean="0">
-                <a:latin typeface="Segoe UI" panose="020B0502040204020203" pitchFamily="34" charset="0"/>
+              <a:rPr lang="ru-RU" sz="2800" dirty="0" smtClean="0">
+                <a:latin typeface="SF UI Text" panose="00000400000000000000" pitchFamily="2" charset="0"/>
               </a:rPr>
               <a:t>информации о мероприятиях:</a:t>
             </a:r>
-            <a:endParaRPr lang="en-US" sz="1600" dirty="0">
-              <a:latin typeface="Segoe UI" panose="020B0502040204020203" pitchFamily="34" charset="0"/>
+            <a:endParaRPr lang="en-US" sz="2800" dirty="0">
+              <a:latin typeface="SF UI Text" panose="00000400000000000000" pitchFamily="2" charset="0"/>
             </a:endParaRPr>
           </a:p>
         </p:txBody>
@@ -9391,8 +8901,8 @@
         </p:nvSpPr>
         <p:spPr bwMode="auto">
           <a:xfrm>
-            <a:off x="222249" y="2410112"/>
-            <a:ext cx="8575521" cy="1569660"/>
+            <a:off x="703197" y="3178741"/>
+            <a:ext cx="8188875" cy="2677656"/>
           </a:xfrm>
           <a:prstGeom prst="rect">
             <a:avLst/>
@@ -9410,50 +8920,62 @@
           <a:lstStyle/>
           <a:p>
             <a:pPr marL="342900" indent="-342900">
+              <a:lnSpc>
+                <a:spcPct val="150000"/>
+              </a:lnSpc>
               <a:buAutoNum type="arabicParenR"/>
             </a:pPr>
             <a:r>
-              <a:rPr lang="ru-RU" sz="2400" dirty="0" smtClean="0">
-                <a:latin typeface="Segoe UI" panose="020B0502040204020203" pitchFamily="34" charset="0"/>
+              <a:rPr lang="ru-RU" sz="2800" dirty="0" smtClean="0">
+                <a:latin typeface="SF UI Text" panose="00000400000000000000" pitchFamily="2" charset="0"/>
               </a:rPr>
               <a:t>Сайт </a:t>
             </a:r>
             <a:r>
-              <a:rPr lang="en-US" sz="2400" dirty="0" smtClean="0">
-                <a:latin typeface="Segoe UI" panose="020B0502040204020203" pitchFamily="34" charset="0"/>
+              <a:rPr lang="en-US" sz="2800" dirty="0" smtClean="0">
+                <a:latin typeface="SF UI Text" panose="00000400000000000000" pitchFamily="2" charset="0"/>
               </a:rPr>
               <a:t>HSE.ru</a:t>
             </a:r>
           </a:p>
           <a:p>
             <a:pPr marL="342900" indent="-342900">
+              <a:lnSpc>
+                <a:spcPct val="150000"/>
+              </a:lnSpc>
               <a:buAutoNum type="arabicParenR"/>
             </a:pPr>
             <a:r>
-              <a:rPr lang="ru-RU" sz="2400" dirty="0" smtClean="0">
-                <a:latin typeface="Segoe UI" panose="020B0502040204020203" pitchFamily="34" charset="0"/>
+              <a:rPr lang="ru-RU" sz="2800" dirty="0" smtClean="0">
+                <a:latin typeface="SF UI Text" panose="00000400000000000000" pitchFamily="2" charset="0"/>
               </a:rPr>
               <a:t>Рассылка по электронной почте</a:t>
             </a:r>
           </a:p>
           <a:p>
             <a:pPr marL="342900" indent="-342900">
+              <a:lnSpc>
+                <a:spcPct val="150000"/>
+              </a:lnSpc>
               <a:buAutoNum type="arabicParenR"/>
             </a:pPr>
             <a:r>
-              <a:rPr lang="ru-RU" sz="2400" dirty="0" smtClean="0">
-                <a:latin typeface="Segoe UI" panose="020B0502040204020203" pitchFamily="34" charset="0"/>
+              <a:rPr lang="ru-RU" sz="2800" dirty="0" smtClean="0">
+                <a:latin typeface="SF UI Text" panose="00000400000000000000" pitchFamily="2" charset="0"/>
               </a:rPr>
               <a:t>Распространение через социальные сети</a:t>
             </a:r>
           </a:p>
           <a:p>
             <a:pPr marL="342900" indent="-342900">
+              <a:lnSpc>
+                <a:spcPct val="150000"/>
+              </a:lnSpc>
               <a:buAutoNum type="arabicParenR"/>
             </a:pPr>
             <a:r>
-              <a:rPr lang="ru-RU" sz="2400" dirty="0" smtClean="0">
-                <a:latin typeface="Segoe UI" panose="020B0502040204020203" pitchFamily="34" charset="0"/>
+              <a:rPr lang="ru-RU" sz="2800" dirty="0" smtClean="0">
+                <a:latin typeface="SF UI Text" panose="00000400000000000000" pitchFamily="2" charset="0"/>
               </a:rPr>
               <a:t>Информация на стендах</a:t>
             </a:r>
@@ -9553,7 +9075,7 @@
         <p:spPr bwMode="auto">
           <a:xfrm>
             <a:off x="1315616" y="428625"/>
-            <a:ext cx="7828384" cy="412750"/>
+            <a:ext cx="6659984" cy="412750"/>
           </a:xfrm>
           <a:prstGeom prst="rect">
             <a:avLst/>
@@ -9570,18 +9092,12 @@
           <a:p>
             <a:pPr algn="ctr"/>
             <a:r>
-              <a:rPr lang="ru-RU" sz="2400" b="1" dirty="0" smtClean="0">
-                <a:solidFill>
-                  <a:schemeClr val="bg1"/>
-                </a:solidFill>
+              <a:rPr lang="ru-RU" sz="3200" dirty="0" smtClean="0">
                 <a:latin typeface="SF UI Text" panose="00000400000000000000" pitchFamily="2" charset="0"/>
               </a:rPr>
               <a:t>Алгоритм работы</a:t>
             </a:r>
-            <a:endParaRPr lang="en-US" sz="2400" b="1" dirty="0">
-              <a:solidFill>
-                <a:schemeClr val="bg1"/>
-              </a:solidFill>
+            <a:endParaRPr lang="en-US" sz="3200" dirty="0">
               <a:latin typeface="SF UI Text" panose="00000400000000000000" pitchFamily="2" charset="0"/>
             </a:endParaRPr>
           </a:p>
@@ -9730,7 +9246,7 @@
         <p:spPr bwMode="auto">
           <a:xfrm>
             <a:off x="255588" y="2117681"/>
-            <a:ext cx="8639362" cy="3139321"/>
+            <a:ext cx="8639362" cy="3477875"/>
           </a:xfrm>
           <a:prstGeom prst="rect">
             <a:avLst/>
@@ -9751,113 +9267,113 @@
               <a:buAutoNum type="arabicParenR"/>
             </a:pPr>
             <a:r>
-              <a:rPr lang="ru-RU" dirty="0" smtClean="0">
+              <a:rPr lang="ru-RU" sz="2000" dirty="0" smtClean="0">
                 <a:latin typeface="SF UI Text" panose="00000400000000000000" pitchFamily="2" charset="0"/>
               </a:rPr>
               <a:t>Раз в час сервер </a:t>
             </a:r>
             <a:r>
-              <a:rPr lang="en-US" dirty="0" err="1" smtClean="0">
+              <a:rPr lang="en-US" sz="2000" dirty="0" err="1" smtClean="0">
                 <a:latin typeface="SF UI Text" panose="00000400000000000000" pitchFamily="2" charset="0"/>
               </a:rPr>
               <a:t>Shakura.dev</a:t>
             </a:r>
             <a:r>
-              <a:rPr lang="en-US" dirty="0" smtClean="0">
+              <a:rPr lang="en-US" sz="2000" dirty="0" smtClean="0">
                 <a:latin typeface="SF UI Text" panose="00000400000000000000" pitchFamily="2" charset="0"/>
               </a:rPr>
               <a:t> </a:t>
             </a:r>
             <a:r>
-              <a:rPr lang="ru-RU" dirty="0" smtClean="0">
+              <a:rPr lang="ru-RU" sz="2000" dirty="0" smtClean="0">
                 <a:latin typeface="SF UI Text" panose="00000400000000000000" pitchFamily="2" charset="0"/>
               </a:rPr>
               <a:t>делает </a:t>
             </a:r>
             <a:r>
-              <a:rPr lang="en-US" dirty="0" smtClean="0">
+              <a:rPr lang="en-US" sz="2000" dirty="0" smtClean="0">
                 <a:latin typeface="SF UI Text" panose="00000400000000000000" pitchFamily="2" charset="0"/>
               </a:rPr>
               <a:t>GET</a:t>
             </a:r>
             <a:r>
-              <a:rPr lang="ru-RU" dirty="0" smtClean="0">
+              <a:rPr lang="ru-RU" sz="2000" dirty="0" smtClean="0">
                 <a:latin typeface="SF UI Text" panose="00000400000000000000" pitchFamily="2" charset="0"/>
               </a:rPr>
               <a:t>-запрос к </a:t>
             </a:r>
             <a:r>
-              <a:rPr lang="ru-RU" dirty="0" err="1" smtClean="0">
+              <a:rPr lang="ru-RU" sz="2000" dirty="0" err="1" smtClean="0">
                 <a:latin typeface="SF UI Text" panose="00000400000000000000" pitchFamily="2" charset="0"/>
               </a:rPr>
               <a:t>сайтаи</a:t>
             </a:r>
             <a:r>
-              <a:rPr lang="ru-RU" dirty="0" smtClean="0">
+              <a:rPr lang="ru-RU" sz="2000" dirty="0" smtClean="0">
                 <a:latin typeface="SF UI Text" panose="00000400000000000000" pitchFamily="2" charset="0"/>
               </a:rPr>
               <a:t> </a:t>
             </a:r>
             <a:r>
-              <a:rPr lang="en-US" dirty="0">
+              <a:rPr lang="en-US" sz="2000" dirty="0">
                 <a:latin typeface="SF UI Text" panose="00000400000000000000" pitchFamily="2" charset="0"/>
                 <a:hlinkClick r:id="rId2"/>
               </a:rPr>
               <a:t>https://www.hse.ru/news/announcements</a:t>
             </a:r>
             <a:r>
-              <a:rPr lang="en-US" dirty="0" smtClean="0">
+              <a:rPr lang="en-US" sz="2000" dirty="0" smtClean="0">
                 <a:latin typeface="SF UI Text" panose="00000400000000000000" pitchFamily="2" charset="0"/>
                 <a:hlinkClick r:id="rId2"/>
               </a:rPr>
               <a:t>/</a:t>
             </a:r>
             <a:r>
-              <a:rPr lang="ru-RU" dirty="0" smtClean="0">
+              <a:rPr lang="ru-RU" sz="2000" dirty="0" smtClean="0">
                 <a:latin typeface="SF UI Text" panose="00000400000000000000" pitchFamily="2" charset="0"/>
               </a:rPr>
               <a:t> и </a:t>
             </a:r>
             <a:r>
-              <a:rPr lang="en-US" dirty="0">
+              <a:rPr lang="en-US" sz="2000" dirty="0">
                 <a:latin typeface="SF UI Text" panose="00000400000000000000" pitchFamily="2" charset="0"/>
                 <a:hlinkClick r:id="rId3"/>
               </a:rPr>
               <a:t>https://www.hse.ru/en/news/announcements</a:t>
             </a:r>
             <a:r>
-              <a:rPr lang="en-US" dirty="0" smtClean="0">
+              <a:rPr lang="en-US" sz="2000" dirty="0" smtClean="0">
                 <a:latin typeface="SF UI Text" panose="00000400000000000000" pitchFamily="2" charset="0"/>
                 <a:hlinkClick r:id="rId3"/>
               </a:rPr>
               <a:t>/</a:t>
             </a:r>
             <a:r>
-              <a:rPr lang="ru-RU" dirty="0" smtClean="0">
+              <a:rPr lang="ru-RU" sz="2000" dirty="0" smtClean="0">
                 <a:latin typeface="SF UI Text" panose="00000400000000000000" pitchFamily="2" charset="0"/>
               </a:rPr>
               <a:t> и </a:t>
             </a:r>
             <a:r>
-              <a:rPr lang="ru-RU" dirty="0" err="1" smtClean="0">
+              <a:rPr lang="ru-RU" sz="2000" dirty="0" err="1" smtClean="0">
                 <a:latin typeface="SF UI Text" panose="00000400000000000000" pitchFamily="2" charset="0"/>
               </a:rPr>
               <a:t>парсит</a:t>
             </a:r>
             <a:r>
-              <a:rPr lang="ru-RU" dirty="0" smtClean="0">
+              <a:rPr lang="ru-RU" sz="2000" dirty="0" smtClean="0">
                 <a:latin typeface="SF UI Text" panose="00000400000000000000" pitchFamily="2" charset="0"/>
               </a:rPr>
               <a:t> </a:t>
             </a:r>
             <a:r>
-              <a:rPr lang="en-US" smtClean="0">
+              <a:rPr lang="en-US" sz="2000" dirty="0" smtClean="0">
                 <a:latin typeface="SF UI Text" panose="00000400000000000000" pitchFamily="2" charset="0"/>
               </a:rPr>
               <a:t>html </a:t>
             </a:r>
             <a:r>
-              <a:rPr lang="ru-RU" smtClean="0">
+              <a:rPr lang="ru-RU" sz="2000" dirty="0" smtClean="0">
                 <a:latin typeface="SF UI Text" panose="00000400000000000000" pitchFamily="2" charset="0"/>
               </a:rPr>
               <a:t>страницы в данные о мероприятиях.</a:t>
@@ -9867,7 +9383,7 @@
             <a:pPr marL="342900" indent="-342900">
               <a:buAutoNum type="arabicParenR"/>
             </a:pPr>
-            <a:endParaRPr lang="ru-RU" dirty="0" smtClean="0">
+            <a:endParaRPr lang="ru-RU" sz="2000" dirty="0" smtClean="0">
               <a:latin typeface="SF UI Text" panose="00000400000000000000" pitchFamily="2" charset="0"/>
             </a:endParaRPr>
           </a:p>
@@ -9876,63 +9392,87 @@
               <a:buAutoNum type="arabicParenR"/>
             </a:pPr>
             <a:r>
-              <a:rPr lang="ru-RU" dirty="0" smtClean="0">
+              <a:rPr lang="ru-RU" sz="2000" dirty="0" smtClean="0">
                 <a:latin typeface="SF UI Text" panose="00000400000000000000" pitchFamily="2" charset="0"/>
               </a:rPr>
               <a:t>При запуске, клиент-приложение делает запрос к сайтам </a:t>
             </a:r>
             <a:r>
-              <a:rPr lang="en-US" dirty="0">
+              <a:rPr lang="en-US" sz="2000" dirty="0">
                 <a:latin typeface="SF UI Text" panose="00000400000000000000" pitchFamily="2" charset="0"/>
                 <a:hlinkClick r:id="rId4"/>
               </a:rPr>
               <a:t>https://</a:t>
             </a:r>
             <a:r>
-              <a:rPr lang="en-US" dirty="0" smtClean="0">
+              <a:rPr lang="en-US" sz="2000" dirty="0" smtClean="0">
                 <a:latin typeface="SF UI Text" panose="00000400000000000000" pitchFamily="2" charset="0"/>
                 <a:hlinkClick r:id="rId4"/>
               </a:rPr>
               <a:t>shakura.dev/hseapi</a:t>
             </a:r>
             <a:r>
-              <a:rPr lang="ru-RU" dirty="0" smtClean="0">
+              <a:rPr lang="ru-RU" sz="2000" dirty="0" smtClean="0">
                 <a:latin typeface="SF UI Text" panose="00000400000000000000" pitchFamily="2" charset="0"/>
               </a:rPr>
               <a:t> и </a:t>
             </a:r>
             <a:r>
-              <a:rPr lang="en-US" dirty="0">
+              <a:rPr lang="en-US" sz="2000" dirty="0">
                 <a:latin typeface="SF UI Text" panose="00000400000000000000" pitchFamily="2" charset="0"/>
                 <a:hlinkClick r:id="rId5"/>
               </a:rPr>
               <a:t>https://</a:t>
             </a:r>
             <a:r>
-              <a:rPr lang="en-US" smtClean="0">
+              <a:rPr lang="en-US" sz="2000" dirty="0" smtClean="0">
                 <a:latin typeface="SF UI Text" panose="00000400000000000000" pitchFamily="2" charset="0"/>
                 <a:hlinkClick r:id="rId5"/>
               </a:rPr>
               <a:t>shakura.dev/hseapien</a:t>
             </a:r>
             <a:r>
-              <a:rPr lang="en-US" smtClean="0">
+              <a:rPr lang="en-US" sz="2000" dirty="0" smtClean="0">
                 <a:latin typeface="SF UI Text" panose="00000400000000000000" pitchFamily="2" charset="0"/>
               </a:rPr>
               <a:t> </a:t>
             </a:r>
             <a:r>
-              <a:rPr lang="ru-RU" smtClean="0">
+              <a:rPr lang="ru-RU" sz="2000" dirty="0" smtClean="0">
                 <a:latin typeface="SF UI Text" panose="00000400000000000000" pitchFamily="2" charset="0"/>
               </a:rPr>
-              <a:t>и получает данные о мероприиятиях и выводид их  на экран.</a:t>
+              <a:t>и получает данные о </a:t>
+            </a:r>
+            <a:r>
+              <a:rPr lang="ru-RU" sz="2000" dirty="0" err="1" smtClean="0">
+                <a:latin typeface="SF UI Text" panose="00000400000000000000" pitchFamily="2" charset="0"/>
+              </a:rPr>
+              <a:t>мероприиятиях</a:t>
+            </a:r>
+            <a:r>
+              <a:rPr lang="ru-RU" sz="2000" dirty="0" smtClean="0">
+                <a:latin typeface="SF UI Text" panose="00000400000000000000" pitchFamily="2" charset="0"/>
+              </a:rPr>
+              <a:t> и </a:t>
+            </a:r>
+            <a:r>
+              <a:rPr lang="ru-RU" sz="2000" dirty="0" err="1" smtClean="0">
+                <a:latin typeface="SF UI Text" panose="00000400000000000000" pitchFamily="2" charset="0"/>
+              </a:rPr>
+              <a:t>выводид</a:t>
+            </a:r>
+            <a:r>
+              <a:rPr lang="ru-RU" sz="2000" dirty="0" smtClean="0">
+                <a:latin typeface="SF UI Text" panose="00000400000000000000" pitchFamily="2" charset="0"/>
+              </a:rPr>
+              <a:t> их  на экран.</a:t>
             </a:r>
           </a:p>
           <a:p>
             <a:pPr marL="342900" indent="-342900">
               <a:buAutoNum type="arabicParenR"/>
             </a:pPr>
-            <a:endParaRPr lang="ru-RU" dirty="0">
+            <a:endParaRPr lang="ru-RU" sz="2000" dirty="0">
               <a:latin typeface="SF UI Text" panose="00000400000000000000" pitchFamily="2" charset="0"/>
             </a:endParaRPr>
           </a:p>
@@ -9941,7 +9481,7 @@
               <a:buAutoNum type="arabicParenR"/>
             </a:pPr>
             <a:r>
-              <a:rPr lang="ru-RU" dirty="0" smtClean="0">
+              <a:rPr lang="ru-RU" sz="2000" dirty="0" smtClean="0">
                 <a:latin typeface="SF UI Text" panose="00000400000000000000" pitchFamily="2" charset="0"/>
               </a:rPr>
               <a:t>Все изменения клиент-приложение сохраняет в память и применяет при следующем запуске.</a:t>
@@ -10045,18 +9585,10 @@
               </a:spcBef>
             </a:pPr>
             <a:r>
-              <a:rPr lang="ru-RU" sz="800" dirty="0">
-                <a:solidFill>
-                  <a:schemeClr val="bg1"/>
-                </a:solidFill>
-              </a:rPr>
+              <a:rPr lang="ru-RU" sz="800" dirty="0"/>
               <a:t>Высшая школа экономики, Москва, 2018</a:t>
             </a:r>
-            <a:endParaRPr kumimoji="1" lang="ru-RU" sz="800" dirty="0">
-              <a:solidFill>
-                <a:schemeClr val="bg1"/>
-              </a:solidFill>
-            </a:endParaRPr>
+            <a:endParaRPr kumimoji="1" lang="ru-RU" sz="800" dirty="0"/>
           </a:p>
         </p:txBody>
       </p:sp>
@@ -10069,7 +9601,7 @@
         <p:spPr bwMode="auto">
           <a:xfrm>
             <a:off x="1511559" y="428625"/>
-            <a:ext cx="7350053" cy="412750"/>
+            <a:ext cx="6464041" cy="412750"/>
           </a:xfrm>
           <a:prstGeom prst="rect">
             <a:avLst/>
@@ -10084,18 +9616,15 @@
           <a:bodyPr anchor="ctr"/>
           <a:lstStyle/>
           <a:p>
-            <a:r>
-              <a:rPr lang="ru-RU" sz="2400" b="1" dirty="0" smtClean="0">
-                <a:solidFill>
-                  <a:schemeClr val="bg1"/>
-                </a:solidFill>
+            <a:pPr algn="ctr"/>
+            <a:r>
+              <a:rPr lang="ru-RU" sz="3200" dirty="0" smtClean="0">
+                <a:latin typeface="SF UI Text" panose="00000400000000000000" pitchFamily="2" charset="0"/>
               </a:rPr>
               <a:t>Обмен данными</a:t>
             </a:r>
-            <a:endParaRPr lang="en-US" sz="2400" b="1" dirty="0">
-              <a:solidFill>
-                <a:schemeClr val="bg1"/>
-              </a:solidFill>
+            <a:endParaRPr lang="en-US" sz="3200" dirty="0">
+              <a:latin typeface="SF UI Text" panose="00000400000000000000" pitchFamily="2" charset="0"/>
             </a:endParaRPr>
           </a:p>
         </p:txBody>
@@ -10287,7 +9816,7 @@
         <p:spPr bwMode="auto">
           <a:xfrm>
             <a:off x="1025078" y="4780389"/>
-            <a:ext cx="8575521" cy="830997"/>
+            <a:ext cx="8575521" cy="954107"/>
           </a:xfrm>
           <a:prstGeom prst="rect">
             <a:avLst/>
@@ -10305,7 +9834,7 @@
           <a:lstStyle/>
           <a:p>
             <a:r>
-              <a:rPr lang="en-US" sz="2400" dirty="0" err="1" smtClean="0">
+              <a:rPr lang="en-US" sz="2800" dirty="0" err="1" smtClean="0">
                 <a:solidFill>
                   <a:schemeClr val="tx2"/>
                 </a:solidFill>
@@ -10314,7 +9843,7 @@
               <a:t>Shakura.dev</a:t>
             </a:r>
             <a:r>
-              <a:rPr lang="en-US" sz="2400" dirty="0" smtClean="0">
+              <a:rPr lang="en-US" sz="2800" dirty="0" smtClean="0">
                 <a:solidFill>
                   <a:schemeClr val="tx2"/>
                 </a:solidFill>
@@ -10323,7 +9852,7 @@
               <a:t>/</a:t>
             </a:r>
             <a:r>
-              <a:rPr lang="en-US" sz="2400" dirty="0" err="1" smtClean="0">
+              <a:rPr lang="en-US" sz="2800" dirty="0" err="1" smtClean="0">
                 <a:solidFill>
                   <a:schemeClr val="tx2"/>
                 </a:solidFill>
@@ -10331,7 +9860,7 @@
               </a:rPr>
               <a:t>hseapi</a:t>
             </a:r>
-            <a:endParaRPr lang="en-US" sz="2400" dirty="0" smtClean="0">
+            <a:endParaRPr lang="en-US" sz="2800" dirty="0" smtClean="0">
               <a:solidFill>
                 <a:schemeClr val="tx2"/>
               </a:solidFill>
@@ -10340,7 +9869,7 @@
           </a:p>
           <a:p>
             <a:r>
-              <a:rPr lang="en-US" sz="2400" dirty="0" err="1" smtClean="0">
+              <a:rPr lang="en-US" sz="2800" dirty="0" err="1" smtClean="0">
                 <a:solidFill>
                   <a:schemeClr val="tx2"/>
                 </a:solidFill>
@@ -10349,7 +9878,7 @@
               <a:t>Shakura.dev</a:t>
             </a:r>
             <a:r>
-              <a:rPr lang="en-US" sz="2400" dirty="0" smtClean="0">
+              <a:rPr lang="en-US" sz="2800" dirty="0" smtClean="0">
                 <a:solidFill>
                   <a:schemeClr val="tx2"/>
                 </a:solidFill>
@@ -10358,7 +9887,7 @@
               <a:t>/</a:t>
             </a:r>
             <a:r>
-              <a:rPr lang="en-US" sz="2400" dirty="0" err="1" smtClean="0">
+              <a:rPr lang="en-US" sz="2800" dirty="0" err="1" smtClean="0">
                 <a:solidFill>
                   <a:schemeClr val="tx2"/>
                 </a:solidFill>
@@ -10366,7 +9895,7 @@
               </a:rPr>
               <a:t>hseapien</a:t>
             </a:r>
-            <a:endParaRPr lang="ru-RU" sz="2400" dirty="0" smtClean="0">
+            <a:endParaRPr lang="ru-RU" sz="2800" dirty="0" smtClean="0">
               <a:solidFill>
                 <a:schemeClr val="tx2"/>
               </a:solidFill>
@@ -10476,18 +10005,15 @@
           <a:bodyPr anchor="ctr"/>
           <a:lstStyle/>
           <a:p>
-            <a:r>
-              <a:rPr lang="ru-RU" sz="2400" b="1" dirty="0">
-                <a:solidFill>
-                  <a:schemeClr val="bg1"/>
-                </a:solidFill>
-              </a:rPr>
-              <a:t>ОПИСАНИЕ ВЫБРАННЫХ МЕТОДОВ</a:t>
-            </a:r>
-            <a:endParaRPr lang="en-US" sz="2400" b="1" dirty="0">
-              <a:solidFill>
-                <a:schemeClr val="bg1"/>
-              </a:solidFill>
+            <a:pPr algn="ctr"/>
+            <a:r>
+              <a:rPr lang="ru-RU" sz="3200" dirty="0" smtClean="0">
+                <a:latin typeface="SF UI Text" panose="00000400000000000000" pitchFamily="2" charset="0"/>
+              </a:rPr>
+              <a:t>Функции приложения</a:t>
+            </a:r>
+            <a:endParaRPr lang="en-US" sz="3200" dirty="0">
+              <a:latin typeface="SF UI Text" panose="00000400000000000000" pitchFamily="2" charset="0"/>
             </a:endParaRPr>
           </a:p>
         </p:txBody>
@@ -10590,8 +10116,8 @@
         </p:nvSpPr>
         <p:spPr bwMode="auto">
           <a:xfrm>
-            <a:off x="255588" y="2507727"/>
-            <a:ext cx="8775446" cy="2062103"/>
+            <a:off x="368554" y="1884668"/>
+            <a:ext cx="8775446" cy="3970318"/>
           </a:xfrm>
           <a:prstGeom prst="rect">
             <a:avLst/>
@@ -10608,2074 +10134,100 @@
           </a:bodyPr>
           <a:lstStyle/>
           <a:p>
-            <a:r>
-              <a:rPr lang="ru-RU" sz="1600" b="1" dirty="0">
-                <a:solidFill>
-                  <a:srgbClr val="003F82"/>
-                </a:solidFill>
-              </a:rPr>
-              <a:t>Подзаголовок</a:t>
-            </a:r>
-            <a:r>
-              <a:rPr lang="ru-RU" sz="2000" dirty="0">
-                <a:solidFill>
-                  <a:srgbClr val="003F82"/>
-                </a:solidFill>
-              </a:rPr>
-              <a:t/>
-            </a:r>
-            <a:br>
-              <a:rPr lang="ru-RU" sz="2000" dirty="0">
-                <a:solidFill>
-                  <a:srgbClr val="003F82"/>
-                </a:solidFill>
-              </a:rPr>
-            </a:br>
-            <a:r>
-              <a:rPr lang="ru-RU" sz="1200" dirty="0">
-                <a:solidFill>
-                  <a:srgbClr val="003F82"/>
-                </a:solidFill>
-              </a:rPr>
-              <a:t>ИНФОРМАЦИОННЫЕ МОДЕЛИ, АЛГОРИТМЫ И Т.П.</a:t>
-            </a:r>
-          </a:p>
-          <a:p>
-            <a:endParaRPr lang="ru-RU" sz="1200" dirty="0">
-              <a:solidFill>
-                <a:srgbClr val="003F82"/>
-              </a:solidFill>
-            </a:endParaRPr>
-          </a:p>
-          <a:p>
-            <a:r>
-              <a:rPr lang="ru-RU" sz="1600" b="1" dirty="0">
-                <a:solidFill>
-                  <a:srgbClr val="003F82"/>
-                </a:solidFill>
-              </a:rPr>
-              <a:t>Подзаголовок</a:t>
-            </a:r>
-            <a:r>
-              <a:rPr lang="ru-RU" sz="2000" dirty="0">
-                <a:solidFill>
-                  <a:srgbClr val="003F82"/>
-                </a:solidFill>
-              </a:rPr>
-              <a:t/>
-            </a:r>
-            <a:br>
-              <a:rPr lang="ru-RU" sz="2000" dirty="0">
-                <a:solidFill>
-                  <a:srgbClr val="003F82"/>
-                </a:solidFill>
-              </a:rPr>
-            </a:br>
-            <a:r>
-              <a:rPr lang="ru-RU" sz="1200" dirty="0">
-                <a:solidFill>
-                  <a:srgbClr val="003F82"/>
-                </a:solidFill>
-              </a:rPr>
-              <a:t>текст </a:t>
-            </a:r>
-            <a:r>
-              <a:rPr lang="ru-RU" sz="1200" dirty="0" err="1">
-                <a:solidFill>
-                  <a:srgbClr val="003F82"/>
-                </a:solidFill>
-              </a:rPr>
-              <a:t>текст</a:t>
-            </a:r>
-            <a:r>
-              <a:rPr lang="ru-RU" sz="1200" dirty="0">
-                <a:solidFill>
-                  <a:srgbClr val="003F82"/>
-                </a:solidFill>
-              </a:rPr>
-              <a:t> </a:t>
-            </a:r>
-            <a:r>
-              <a:rPr lang="ru-RU" sz="1200" dirty="0" err="1">
-                <a:solidFill>
-                  <a:srgbClr val="003F82"/>
-                </a:solidFill>
-              </a:rPr>
-              <a:t>текст</a:t>
-            </a:r>
-            <a:r>
-              <a:rPr lang="ru-RU" sz="1200" dirty="0">
-                <a:solidFill>
-                  <a:srgbClr val="003F82"/>
-                </a:solidFill>
-              </a:rPr>
-              <a:t> </a:t>
-            </a:r>
-            <a:r>
-              <a:rPr lang="ru-RU" sz="1200" dirty="0" err="1">
-                <a:solidFill>
-                  <a:srgbClr val="003F82"/>
-                </a:solidFill>
-              </a:rPr>
-              <a:t>текст</a:t>
-            </a:r>
-            <a:r>
-              <a:rPr lang="ru-RU" sz="1200" dirty="0">
-                <a:solidFill>
-                  <a:srgbClr val="003F82"/>
-                </a:solidFill>
-              </a:rPr>
-              <a:t> </a:t>
-            </a:r>
-            <a:r>
-              <a:rPr lang="ru-RU" sz="1200" dirty="0" err="1">
-                <a:solidFill>
-                  <a:srgbClr val="003F82"/>
-                </a:solidFill>
-              </a:rPr>
-              <a:t>текст</a:t>
-            </a:r>
-            <a:r>
-              <a:rPr lang="ru-RU" sz="1200" dirty="0">
-                <a:solidFill>
-                  <a:srgbClr val="003F82"/>
-                </a:solidFill>
-              </a:rPr>
-              <a:t> </a:t>
-            </a:r>
-            <a:r>
-              <a:rPr lang="ru-RU" sz="1200" dirty="0" err="1">
-                <a:solidFill>
-                  <a:srgbClr val="003F82"/>
-                </a:solidFill>
-              </a:rPr>
-              <a:t>текст</a:t>
-            </a:r>
-            <a:r>
-              <a:rPr lang="ru-RU" sz="1200" dirty="0">
-                <a:solidFill>
-                  <a:srgbClr val="003F82"/>
-                </a:solidFill>
-              </a:rPr>
-              <a:t> </a:t>
-            </a:r>
-            <a:r>
-              <a:rPr lang="ru-RU" sz="1200" dirty="0" err="1">
-                <a:solidFill>
-                  <a:srgbClr val="003F82"/>
-                </a:solidFill>
-              </a:rPr>
-              <a:t>текст</a:t>
-            </a:r>
-            <a:r>
-              <a:rPr lang="ru-RU" sz="1200" dirty="0">
-                <a:solidFill>
-                  <a:srgbClr val="003F82"/>
-                </a:solidFill>
-              </a:rPr>
-              <a:t> </a:t>
-            </a:r>
-            <a:r>
-              <a:rPr lang="ru-RU" sz="1200" dirty="0" err="1">
-                <a:solidFill>
-                  <a:srgbClr val="003F82"/>
-                </a:solidFill>
-              </a:rPr>
-              <a:t>текст</a:t>
-            </a:r>
-            <a:r>
-              <a:rPr lang="ru-RU" sz="1200" dirty="0">
-                <a:solidFill>
-                  <a:srgbClr val="003F82"/>
-                </a:solidFill>
-              </a:rPr>
-              <a:t> </a:t>
-            </a:r>
-            <a:r>
-              <a:rPr lang="ru-RU" sz="1200" dirty="0" err="1">
-                <a:solidFill>
-                  <a:srgbClr val="003F82"/>
-                </a:solidFill>
-              </a:rPr>
-              <a:t>текст</a:t>
-            </a:r>
-            <a:r>
-              <a:rPr lang="ru-RU" sz="1200" dirty="0">
-                <a:solidFill>
-                  <a:srgbClr val="003F82"/>
-                </a:solidFill>
-              </a:rPr>
-              <a:t> </a:t>
-            </a:r>
-            <a:r>
-              <a:rPr lang="ru-RU" sz="1200" dirty="0" err="1">
-                <a:solidFill>
-                  <a:srgbClr val="003F82"/>
-                </a:solidFill>
-              </a:rPr>
-              <a:t>текст</a:t>
-            </a:r>
-            <a:r>
-              <a:rPr lang="ru-RU" sz="1200" dirty="0">
-                <a:solidFill>
-                  <a:srgbClr val="003F82"/>
-                </a:solidFill>
-              </a:rPr>
-              <a:t> </a:t>
-            </a:r>
-            <a:r>
-              <a:rPr lang="ru-RU" sz="1200" dirty="0" err="1">
-                <a:solidFill>
-                  <a:srgbClr val="003F82"/>
-                </a:solidFill>
-              </a:rPr>
-              <a:t>текст</a:t>
-            </a:r>
-            <a:r>
-              <a:rPr lang="ru-RU" sz="1200" dirty="0">
-                <a:solidFill>
-                  <a:srgbClr val="003F82"/>
-                </a:solidFill>
-              </a:rPr>
-              <a:t> </a:t>
-            </a:r>
-            <a:r>
-              <a:rPr lang="ru-RU" sz="1200" dirty="0" err="1">
-                <a:solidFill>
-                  <a:srgbClr val="003F82"/>
-                </a:solidFill>
-              </a:rPr>
-              <a:t>текст</a:t>
-            </a:r>
-            <a:r>
-              <a:rPr lang="ru-RU" sz="1200" dirty="0">
-                <a:solidFill>
-                  <a:srgbClr val="003F82"/>
-                </a:solidFill>
-              </a:rPr>
-              <a:t> </a:t>
-            </a:r>
-            <a:r>
-              <a:rPr lang="ru-RU" sz="1200" dirty="0" err="1">
-                <a:solidFill>
-                  <a:srgbClr val="003F82"/>
-                </a:solidFill>
-              </a:rPr>
-              <a:t>текст</a:t>
-            </a:r>
-            <a:r>
-              <a:rPr lang="ru-RU" sz="1200" dirty="0">
-                <a:solidFill>
-                  <a:srgbClr val="003F82"/>
-                </a:solidFill>
-              </a:rPr>
-              <a:t> </a:t>
-            </a:r>
-            <a:r>
-              <a:rPr lang="ru-RU" sz="1200" dirty="0" err="1">
-                <a:solidFill>
-                  <a:srgbClr val="003F82"/>
-                </a:solidFill>
-              </a:rPr>
-              <a:t>текст</a:t>
-            </a:r>
-            <a:r>
-              <a:rPr lang="ru-RU" sz="1200" dirty="0">
-                <a:solidFill>
-                  <a:srgbClr val="003F82"/>
-                </a:solidFill>
-              </a:rPr>
-              <a:t> </a:t>
-            </a:r>
-            <a:r>
-              <a:rPr lang="ru-RU" sz="1200" dirty="0" err="1">
-                <a:solidFill>
-                  <a:srgbClr val="003F82"/>
-                </a:solidFill>
-              </a:rPr>
-              <a:t>текст</a:t>
-            </a:r>
-            <a:r>
-              <a:rPr lang="ru-RU" sz="1200" dirty="0">
-                <a:solidFill>
-                  <a:srgbClr val="003F82"/>
-                </a:solidFill>
-              </a:rPr>
-              <a:t> </a:t>
-            </a:r>
-            <a:r>
-              <a:rPr lang="ru-RU" sz="1200" dirty="0" err="1">
-                <a:solidFill>
-                  <a:srgbClr val="003F82"/>
-                </a:solidFill>
-              </a:rPr>
-              <a:t>текст</a:t>
-            </a:r>
-            <a:r>
-              <a:rPr lang="ru-RU" sz="1200" dirty="0">
-                <a:solidFill>
-                  <a:srgbClr val="003F82"/>
-                </a:solidFill>
-              </a:rPr>
-              <a:t> </a:t>
-            </a:r>
-            <a:r>
-              <a:rPr lang="ru-RU" sz="1200" dirty="0" err="1">
-                <a:solidFill>
-                  <a:srgbClr val="003F82"/>
-                </a:solidFill>
-              </a:rPr>
-              <a:t>текст</a:t>
-            </a:r>
-            <a:r>
-              <a:rPr lang="ru-RU" sz="1200" dirty="0">
-                <a:solidFill>
-                  <a:srgbClr val="003F82"/>
-                </a:solidFill>
-              </a:rPr>
-              <a:t> </a:t>
-            </a:r>
-            <a:r>
-              <a:rPr lang="ru-RU" sz="1200" dirty="0" err="1">
-                <a:solidFill>
-                  <a:srgbClr val="003F82"/>
-                </a:solidFill>
-              </a:rPr>
-              <a:t>текст</a:t>
-            </a:r>
-            <a:r>
-              <a:rPr lang="ru-RU" sz="1200" dirty="0">
-                <a:solidFill>
-                  <a:srgbClr val="003F82"/>
-                </a:solidFill>
-              </a:rPr>
-              <a:t> </a:t>
-            </a:r>
-            <a:r>
-              <a:rPr lang="ru-RU" sz="1200" dirty="0" err="1">
-                <a:solidFill>
-                  <a:srgbClr val="003F82"/>
-                </a:solidFill>
-              </a:rPr>
-              <a:t>текст</a:t>
-            </a:r>
-            <a:r>
-              <a:rPr lang="ru-RU" sz="1200" dirty="0">
-                <a:solidFill>
-                  <a:srgbClr val="003F82"/>
-                </a:solidFill>
-              </a:rPr>
-              <a:t> </a:t>
-            </a:r>
-            <a:r>
-              <a:rPr lang="ru-RU" sz="1200" dirty="0" err="1">
-                <a:solidFill>
-                  <a:srgbClr val="003F82"/>
-                </a:solidFill>
-              </a:rPr>
-              <a:t>текст</a:t>
-            </a:r>
-            <a:r>
-              <a:rPr lang="ru-RU" sz="1200" dirty="0">
-                <a:solidFill>
-                  <a:srgbClr val="003F82"/>
-                </a:solidFill>
-              </a:rPr>
-              <a:t> </a:t>
-            </a:r>
-            <a:r>
-              <a:rPr lang="ru-RU" sz="1200" dirty="0" err="1">
-                <a:solidFill>
-                  <a:srgbClr val="003F82"/>
-                </a:solidFill>
-              </a:rPr>
-              <a:t>текст</a:t>
-            </a:r>
-            <a:r>
-              <a:rPr lang="ru-RU" sz="1200" dirty="0">
-                <a:solidFill>
-                  <a:srgbClr val="003F82"/>
-                </a:solidFill>
-              </a:rPr>
-              <a:t> </a:t>
-            </a:r>
-            <a:r>
-              <a:rPr lang="ru-RU" sz="1200" dirty="0" err="1">
-                <a:solidFill>
-                  <a:srgbClr val="003F82"/>
-                </a:solidFill>
-              </a:rPr>
-              <a:t>текст</a:t>
-            </a:r>
-            <a:r>
-              <a:rPr lang="ru-RU" sz="1200" dirty="0">
-                <a:solidFill>
-                  <a:srgbClr val="003F82"/>
-                </a:solidFill>
-              </a:rPr>
-              <a:t> </a:t>
-            </a:r>
-            <a:r>
-              <a:rPr lang="ru-RU" sz="1200" dirty="0" err="1">
-                <a:solidFill>
-                  <a:srgbClr val="003F82"/>
-                </a:solidFill>
-              </a:rPr>
-              <a:t>текст</a:t>
-            </a:r>
-            <a:r>
-              <a:rPr lang="ru-RU" sz="1200" dirty="0">
-                <a:solidFill>
-                  <a:srgbClr val="003F82"/>
-                </a:solidFill>
-              </a:rPr>
-              <a:t> </a:t>
-            </a:r>
-            <a:r>
-              <a:rPr lang="ru-RU" sz="1200" dirty="0" err="1">
-                <a:solidFill>
-                  <a:srgbClr val="003F82"/>
-                </a:solidFill>
-              </a:rPr>
-              <a:t>текст</a:t>
-            </a:r>
-            <a:r>
-              <a:rPr lang="ru-RU" sz="1200" dirty="0">
-                <a:solidFill>
-                  <a:srgbClr val="003F82"/>
-                </a:solidFill>
-              </a:rPr>
-              <a:t> </a:t>
-            </a:r>
-            <a:r>
-              <a:rPr lang="ru-RU" sz="1200" dirty="0" err="1">
-                <a:solidFill>
-                  <a:srgbClr val="003F82"/>
-                </a:solidFill>
-              </a:rPr>
-              <a:t>текст</a:t>
-            </a:r>
-            <a:r>
-              <a:rPr lang="ru-RU" sz="1200" dirty="0">
-                <a:solidFill>
-                  <a:srgbClr val="003F82"/>
-                </a:solidFill>
-              </a:rPr>
-              <a:t> </a:t>
-            </a:r>
-            <a:r>
-              <a:rPr lang="ru-RU" sz="1200" dirty="0" err="1">
-                <a:solidFill>
-                  <a:srgbClr val="003F82"/>
-                </a:solidFill>
-              </a:rPr>
-              <a:t>текст</a:t>
-            </a:r>
-            <a:r>
-              <a:rPr lang="ru-RU" sz="1200" dirty="0">
-                <a:solidFill>
-                  <a:srgbClr val="003F82"/>
-                </a:solidFill>
-              </a:rPr>
-              <a:t> </a:t>
-            </a:r>
-            <a:r>
-              <a:rPr lang="ru-RU" sz="1200" dirty="0" err="1">
-                <a:solidFill>
-                  <a:srgbClr val="003F82"/>
-                </a:solidFill>
-              </a:rPr>
-              <a:t>текст</a:t>
-            </a:r>
-            <a:r>
-              <a:rPr lang="ru-RU" sz="1200" dirty="0">
-                <a:solidFill>
-                  <a:srgbClr val="003F82"/>
-                </a:solidFill>
-              </a:rPr>
-              <a:t> </a:t>
-            </a:r>
-            <a:r>
-              <a:rPr lang="ru-RU" sz="1200" dirty="0" err="1">
-                <a:solidFill>
-                  <a:srgbClr val="003F82"/>
-                </a:solidFill>
-              </a:rPr>
-              <a:t>текст</a:t>
-            </a:r>
-            <a:r>
-              <a:rPr lang="ru-RU" sz="1200" dirty="0">
-                <a:solidFill>
-                  <a:srgbClr val="003F82"/>
-                </a:solidFill>
-              </a:rPr>
-              <a:t> </a:t>
-            </a:r>
-            <a:r>
-              <a:rPr lang="ru-RU" sz="1200" dirty="0" err="1">
-                <a:solidFill>
-                  <a:srgbClr val="003F82"/>
-                </a:solidFill>
-              </a:rPr>
-              <a:t>текст</a:t>
-            </a:r>
-            <a:r>
-              <a:rPr lang="ru-RU" sz="1200" dirty="0">
-                <a:solidFill>
-                  <a:srgbClr val="003F82"/>
-                </a:solidFill>
-              </a:rPr>
-              <a:t> </a:t>
-            </a:r>
-            <a:r>
-              <a:rPr lang="ru-RU" sz="1200" dirty="0" err="1">
-                <a:solidFill>
-                  <a:srgbClr val="003F82"/>
-                </a:solidFill>
-              </a:rPr>
-              <a:t>текст</a:t>
-            </a:r>
-            <a:r>
-              <a:rPr lang="ru-RU" sz="1200" dirty="0">
-                <a:solidFill>
-                  <a:srgbClr val="003F82"/>
-                </a:solidFill>
-              </a:rPr>
-              <a:t> </a:t>
-            </a:r>
-            <a:r>
-              <a:rPr lang="ru-RU" sz="1200" dirty="0" err="1">
-                <a:solidFill>
-                  <a:srgbClr val="003F82"/>
-                </a:solidFill>
-              </a:rPr>
-              <a:t>текст</a:t>
-            </a:r>
-            <a:r>
-              <a:rPr lang="ru-RU" sz="1200" dirty="0">
-                <a:solidFill>
-                  <a:srgbClr val="003F82"/>
-                </a:solidFill>
-              </a:rPr>
-              <a:t> </a:t>
-            </a:r>
-            <a:r>
-              <a:rPr lang="ru-RU" sz="1200" dirty="0" err="1">
-                <a:solidFill>
-                  <a:srgbClr val="003F82"/>
-                </a:solidFill>
-              </a:rPr>
-              <a:t>текст</a:t>
-            </a:r>
-            <a:r>
-              <a:rPr lang="ru-RU" sz="1200" dirty="0">
-                <a:solidFill>
-                  <a:srgbClr val="003F82"/>
-                </a:solidFill>
-              </a:rPr>
-              <a:t> </a:t>
-            </a:r>
-            <a:r>
-              <a:rPr lang="ru-RU" sz="1200" dirty="0" err="1">
-                <a:solidFill>
-                  <a:srgbClr val="003F82"/>
-                </a:solidFill>
-              </a:rPr>
-              <a:t>текст</a:t>
-            </a:r>
-            <a:r>
-              <a:rPr lang="ru-RU" sz="1200" dirty="0">
-                <a:solidFill>
-                  <a:srgbClr val="003F82"/>
-                </a:solidFill>
-              </a:rPr>
-              <a:t> </a:t>
-            </a:r>
-            <a:r>
-              <a:rPr lang="ru-RU" sz="1200" dirty="0" err="1">
-                <a:solidFill>
-                  <a:srgbClr val="003F82"/>
-                </a:solidFill>
-              </a:rPr>
-              <a:t>текст</a:t>
-            </a:r>
-            <a:r>
-              <a:rPr lang="ru-RU" sz="1200" dirty="0">
-                <a:solidFill>
-                  <a:srgbClr val="003F82"/>
-                </a:solidFill>
-              </a:rPr>
-              <a:t> </a:t>
-            </a:r>
-            <a:r>
-              <a:rPr lang="ru-RU" sz="1200" dirty="0" err="1">
-                <a:solidFill>
-                  <a:srgbClr val="003F82"/>
-                </a:solidFill>
-              </a:rPr>
-              <a:t>текст</a:t>
-            </a:r>
-            <a:r>
-              <a:rPr lang="ru-RU" sz="1200" dirty="0">
-                <a:solidFill>
-                  <a:srgbClr val="003F82"/>
-                </a:solidFill>
-              </a:rPr>
-              <a:t> </a:t>
-            </a:r>
-            <a:r>
-              <a:rPr lang="ru-RU" sz="1200" dirty="0" err="1">
-                <a:solidFill>
-                  <a:srgbClr val="003F82"/>
-                </a:solidFill>
-              </a:rPr>
-              <a:t>текст</a:t>
-            </a:r>
-            <a:r>
-              <a:rPr lang="ru-RU" sz="1200" dirty="0">
-                <a:solidFill>
-                  <a:srgbClr val="003F82"/>
-                </a:solidFill>
-              </a:rPr>
-              <a:t> </a:t>
-            </a:r>
-            <a:r>
-              <a:rPr lang="ru-RU" sz="1200" dirty="0" err="1">
-                <a:solidFill>
-                  <a:srgbClr val="003F82"/>
-                </a:solidFill>
-              </a:rPr>
-              <a:t>текст</a:t>
-            </a:r>
-            <a:r>
-              <a:rPr lang="ru-RU" sz="1200" dirty="0">
-                <a:solidFill>
-                  <a:srgbClr val="003F82"/>
-                </a:solidFill>
-              </a:rPr>
-              <a:t> </a:t>
-            </a:r>
-            <a:r>
-              <a:rPr lang="ru-RU" sz="1200" dirty="0" err="1">
-                <a:solidFill>
-                  <a:srgbClr val="003F82"/>
-                </a:solidFill>
-              </a:rPr>
-              <a:t>текст</a:t>
-            </a:r>
-            <a:r>
-              <a:rPr lang="ru-RU" sz="1200" dirty="0">
-                <a:solidFill>
-                  <a:srgbClr val="003F82"/>
-                </a:solidFill>
-              </a:rPr>
-              <a:t> </a:t>
-            </a:r>
-            <a:r>
-              <a:rPr lang="ru-RU" sz="1200" dirty="0" err="1">
-                <a:solidFill>
-                  <a:srgbClr val="003F82"/>
-                </a:solidFill>
-              </a:rPr>
-              <a:t>текст</a:t>
-            </a:r>
-            <a:r>
-              <a:rPr lang="ru-RU" sz="1200" dirty="0">
-                <a:solidFill>
-                  <a:srgbClr val="003F82"/>
-                </a:solidFill>
-              </a:rPr>
-              <a:t> </a:t>
-            </a:r>
-            <a:r>
-              <a:rPr lang="ru-RU" sz="1200" dirty="0" err="1">
-                <a:solidFill>
-                  <a:srgbClr val="003F82"/>
-                </a:solidFill>
-              </a:rPr>
-              <a:t>текст</a:t>
-            </a:r>
-            <a:r>
-              <a:rPr lang="ru-RU" sz="1200" dirty="0">
-                <a:solidFill>
-                  <a:srgbClr val="003F82"/>
-                </a:solidFill>
-              </a:rPr>
-              <a:t> </a:t>
-            </a:r>
-            <a:r>
-              <a:rPr lang="ru-RU" sz="1200" dirty="0" err="1">
-                <a:solidFill>
-                  <a:srgbClr val="003F82"/>
-                </a:solidFill>
-              </a:rPr>
-              <a:t>текст</a:t>
-            </a:r>
-            <a:r>
-              <a:rPr lang="ru-RU" sz="1200" dirty="0">
-                <a:solidFill>
-                  <a:srgbClr val="003F82"/>
-                </a:solidFill>
-              </a:rPr>
-              <a:t> </a:t>
-            </a:r>
-            <a:r>
-              <a:rPr lang="ru-RU" sz="1200" dirty="0" err="1">
-                <a:solidFill>
-                  <a:srgbClr val="003F82"/>
-                </a:solidFill>
-              </a:rPr>
-              <a:t>текст</a:t>
-            </a:r>
-            <a:r>
-              <a:rPr lang="ru-RU" sz="1200" dirty="0">
-                <a:solidFill>
-                  <a:srgbClr val="003F82"/>
-                </a:solidFill>
-              </a:rPr>
-              <a:t> </a:t>
-            </a:r>
-            <a:r>
-              <a:rPr lang="ru-RU" sz="1200" dirty="0" err="1">
-                <a:solidFill>
-                  <a:srgbClr val="003F82"/>
-                </a:solidFill>
-              </a:rPr>
-              <a:t>текст</a:t>
-            </a:r>
-            <a:r>
-              <a:rPr lang="ru-RU" sz="1200" dirty="0">
-                <a:solidFill>
-                  <a:srgbClr val="003F82"/>
-                </a:solidFill>
-              </a:rPr>
-              <a:t> </a:t>
-            </a:r>
-            <a:r>
-              <a:rPr lang="ru-RU" sz="1200" dirty="0" err="1">
-                <a:solidFill>
-                  <a:srgbClr val="003F82"/>
-                </a:solidFill>
-              </a:rPr>
-              <a:t>текст</a:t>
-            </a:r>
-            <a:r>
-              <a:rPr lang="ru-RU" sz="1200" dirty="0">
-                <a:solidFill>
-                  <a:srgbClr val="003F82"/>
-                </a:solidFill>
-              </a:rPr>
-              <a:t> </a:t>
-            </a:r>
-            <a:r>
-              <a:rPr lang="ru-RU" sz="1200" dirty="0" err="1">
-                <a:solidFill>
-                  <a:srgbClr val="003F82"/>
-                </a:solidFill>
-              </a:rPr>
-              <a:t>текст</a:t>
-            </a:r>
-            <a:r>
-              <a:rPr lang="ru-RU" sz="1200" dirty="0">
-                <a:solidFill>
-                  <a:srgbClr val="003F82"/>
-                </a:solidFill>
-              </a:rPr>
-              <a:t> </a:t>
-            </a:r>
-            <a:r>
-              <a:rPr lang="ru-RU" sz="1200" dirty="0" err="1">
-                <a:solidFill>
-                  <a:srgbClr val="003F82"/>
-                </a:solidFill>
-              </a:rPr>
-              <a:t>текст</a:t>
-            </a:r>
-            <a:r>
-              <a:rPr lang="ru-RU" sz="1200" dirty="0">
-                <a:solidFill>
-                  <a:srgbClr val="003F82"/>
-                </a:solidFill>
-              </a:rPr>
-              <a:t> </a:t>
-            </a:r>
-            <a:r>
-              <a:rPr lang="ru-RU" sz="1200" dirty="0" err="1">
-                <a:solidFill>
-                  <a:srgbClr val="003F82"/>
-                </a:solidFill>
-              </a:rPr>
-              <a:t>текст</a:t>
-            </a:r>
-            <a:r>
-              <a:rPr lang="ru-RU" sz="1200" dirty="0">
-                <a:solidFill>
-                  <a:srgbClr val="003F82"/>
-                </a:solidFill>
-              </a:rPr>
-              <a:t> </a:t>
-            </a:r>
-            <a:r>
-              <a:rPr lang="ru-RU" sz="1200" dirty="0" err="1">
-                <a:solidFill>
-                  <a:srgbClr val="003F82"/>
-                </a:solidFill>
-              </a:rPr>
-              <a:t>текст</a:t>
-            </a:r>
-            <a:r>
-              <a:rPr lang="ru-RU" sz="1200" dirty="0">
-                <a:solidFill>
-                  <a:srgbClr val="003F82"/>
-                </a:solidFill>
-              </a:rPr>
-              <a:t> </a:t>
-            </a:r>
-            <a:r>
-              <a:rPr lang="ru-RU" sz="1200" dirty="0" err="1">
-                <a:solidFill>
-                  <a:srgbClr val="003F82"/>
-                </a:solidFill>
-              </a:rPr>
-              <a:t>текст</a:t>
-            </a:r>
-            <a:r>
-              <a:rPr lang="ru-RU" sz="1200" dirty="0">
-                <a:solidFill>
-                  <a:srgbClr val="003F82"/>
-                </a:solidFill>
-              </a:rPr>
-              <a:t> </a:t>
-            </a:r>
-            <a:r>
-              <a:rPr lang="ru-RU" sz="1200" dirty="0" err="1">
-                <a:solidFill>
-                  <a:srgbClr val="003F82"/>
-                </a:solidFill>
-              </a:rPr>
-              <a:t>текст</a:t>
-            </a:r>
-            <a:r>
-              <a:rPr lang="ru-RU" sz="1200" dirty="0">
-                <a:solidFill>
-                  <a:srgbClr val="003F82"/>
-                </a:solidFill>
-              </a:rPr>
-              <a:t> </a:t>
-            </a:r>
-            <a:r>
-              <a:rPr lang="ru-RU" sz="1200" dirty="0" err="1">
-                <a:solidFill>
-                  <a:srgbClr val="003F82"/>
-                </a:solidFill>
-              </a:rPr>
-              <a:t>текст</a:t>
-            </a:r>
-            <a:r>
-              <a:rPr lang="ru-RU" sz="1200" dirty="0">
-                <a:solidFill>
-                  <a:srgbClr val="003F82"/>
-                </a:solidFill>
-              </a:rPr>
-              <a:t> </a:t>
-            </a:r>
-            <a:r>
-              <a:rPr lang="ru-RU" sz="1200" dirty="0" err="1">
-                <a:solidFill>
-                  <a:srgbClr val="003F82"/>
-                </a:solidFill>
-              </a:rPr>
-              <a:t>текст</a:t>
-            </a:r>
-            <a:r>
-              <a:rPr lang="ru-RU" sz="1200" dirty="0">
-                <a:solidFill>
-                  <a:srgbClr val="003F82"/>
-                </a:solidFill>
-              </a:rPr>
-              <a:t> </a:t>
-            </a:r>
-            <a:r>
-              <a:rPr lang="ru-RU" sz="1200" dirty="0" err="1">
-                <a:solidFill>
-                  <a:srgbClr val="003F82"/>
-                </a:solidFill>
-              </a:rPr>
-              <a:t>текст</a:t>
-            </a:r>
-            <a:r>
-              <a:rPr lang="ru-RU" sz="1200" dirty="0">
-                <a:solidFill>
-                  <a:srgbClr val="003F82"/>
-                </a:solidFill>
-              </a:rPr>
-              <a:t> </a:t>
-            </a:r>
-            <a:r>
-              <a:rPr lang="ru-RU" sz="1200" dirty="0" err="1">
-                <a:solidFill>
-                  <a:srgbClr val="003F82"/>
-                </a:solidFill>
-              </a:rPr>
-              <a:t>текст</a:t>
-            </a:r>
-            <a:r>
-              <a:rPr lang="ru-RU" sz="1200" dirty="0">
-                <a:solidFill>
-                  <a:srgbClr val="003F82"/>
-                </a:solidFill>
-              </a:rPr>
-              <a:t> </a:t>
-            </a:r>
-            <a:r>
-              <a:rPr lang="ru-RU" sz="1200" dirty="0" err="1">
-                <a:solidFill>
-                  <a:srgbClr val="003F82"/>
-                </a:solidFill>
-              </a:rPr>
-              <a:t>текст</a:t>
-            </a:r>
-            <a:r>
-              <a:rPr lang="ru-RU" sz="1200" dirty="0">
-                <a:solidFill>
-                  <a:srgbClr val="003F82"/>
-                </a:solidFill>
-              </a:rPr>
-              <a:t> </a:t>
-            </a:r>
-            <a:r>
-              <a:rPr lang="ru-RU" sz="1200" dirty="0" err="1">
-                <a:solidFill>
-                  <a:srgbClr val="003F82"/>
-                </a:solidFill>
-              </a:rPr>
-              <a:t>текст</a:t>
-            </a:r>
-            <a:r>
-              <a:rPr lang="ru-RU" sz="1200" dirty="0">
-                <a:solidFill>
-                  <a:srgbClr val="003F82"/>
-                </a:solidFill>
-              </a:rPr>
-              <a:t> </a:t>
-            </a:r>
-            <a:r>
-              <a:rPr lang="ru-RU" sz="1200" dirty="0" err="1">
-                <a:solidFill>
-                  <a:srgbClr val="003F82"/>
-                </a:solidFill>
-              </a:rPr>
-              <a:t>текст</a:t>
-            </a:r>
-            <a:r>
-              <a:rPr lang="ru-RU" sz="1200" dirty="0">
-                <a:solidFill>
-                  <a:srgbClr val="003F82"/>
-                </a:solidFill>
-              </a:rPr>
-              <a:t> </a:t>
-            </a:r>
-            <a:r>
-              <a:rPr lang="ru-RU" sz="1200" dirty="0" err="1">
-                <a:solidFill>
-                  <a:srgbClr val="003F82"/>
-                </a:solidFill>
-              </a:rPr>
-              <a:t>текст</a:t>
-            </a:r>
-            <a:r>
-              <a:rPr lang="ru-RU" sz="1200" dirty="0">
-                <a:solidFill>
-                  <a:srgbClr val="003F82"/>
-                </a:solidFill>
-              </a:rPr>
-              <a:t> </a:t>
-            </a:r>
-            <a:r>
-              <a:rPr lang="ru-RU" sz="1200" dirty="0" err="1">
-                <a:solidFill>
-                  <a:srgbClr val="003F82"/>
-                </a:solidFill>
-              </a:rPr>
-              <a:t>текст</a:t>
-            </a:r>
-            <a:r>
-              <a:rPr lang="ru-RU" sz="1200" dirty="0">
-                <a:solidFill>
-                  <a:srgbClr val="003F82"/>
-                </a:solidFill>
-              </a:rPr>
-              <a:t> </a:t>
-            </a:r>
-            <a:r>
-              <a:rPr lang="ru-RU" sz="1200" dirty="0" err="1">
-                <a:solidFill>
-                  <a:srgbClr val="003F82"/>
-                </a:solidFill>
-              </a:rPr>
-              <a:t>текст</a:t>
-            </a:r>
-            <a:r>
-              <a:rPr lang="ru-RU" sz="1200" dirty="0">
-                <a:solidFill>
-                  <a:srgbClr val="003F82"/>
-                </a:solidFill>
-              </a:rPr>
-              <a:t> </a:t>
-            </a:r>
-            <a:r>
-              <a:rPr lang="ru-RU" sz="1200" dirty="0" err="1">
-                <a:solidFill>
-                  <a:srgbClr val="003F82"/>
-                </a:solidFill>
-              </a:rPr>
-              <a:t>текст</a:t>
-            </a:r>
-            <a:r>
-              <a:rPr lang="ru-RU" sz="1200" dirty="0">
-                <a:solidFill>
-                  <a:srgbClr val="003F82"/>
-                </a:solidFill>
-              </a:rPr>
-              <a:t> </a:t>
-            </a:r>
-            <a:r>
-              <a:rPr lang="ru-RU" sz="1200" dirty="0" err="1">
-                <a:solidFill>
-                  <a:srgbClr val="003F82"/>
-                </a:solidFill>
-              </a:rPr>
-              <a:t>текст</a:t>
-            </a:r>
-            <a:r>
-              <a:rPr lang="ru-RU" sz="1200" dirty="0">
-                <a:solidFill>
-                  <a:srgbClr val="003F82"/>
-                </a:solidFill>
-              </a:rPr>
-              <a:t> </a:t>
-            </a:r>
-            <a:r>
-              <a:rPr lang="ru-RU" sz="1200" dirty="0" err="1">
-                <a:solidFill>
-                  <a:srgbClr val="003F82"/>
-                </a:solidFill>
-              </a:rPr>
-              <a:t>текст</a:t>
-            </a:r>
-            <a:r>
-              <a:rPr lang="ru-RU" sz="1200" dirty="0">
-                <a:solidFill>
-                  <a:srgbClr val="003F82"/>
-                </a:solidFill>
-              </a:rPr>
-              <a:t> </a:t>
-            </a:r>
-            <a:r>
-              <a:rPr lang="ru-RU" sz="1200" dirty="0" err="1">
-                <a:solidFill>
-                  <a:srgbClr val="003F82"/>
-                </a:solidFill>
-              </a:rPr>
-              <a:t>текст</a:t>
-            </a:r>
-            <a:r>
-              <a:rPr lang="ru-RU" sz="1200" dirty="0">
-                <a:solidFill>
-                  <a:srgbClr val="003F82"/>
-                </a:solidFill>
-              </a:rPr>
-              <a:t> </a:t>
-            </a:r>
-            <a:r>
-              <a:rPr lang="ru-RU" sz="1200" dirty="0" err="1">
-                <a:solidFill>
-                  <a:srgbClr val="003F82"/>
-                </a:solidFill>
-              </a:rPr>
-              <a:t>текст</a:t>
-            </a:r>
-            <a:r>
-              <a:rPr lang="ru-RU" sz="1200" dirty="0">
-                <a:solidFill>
-                  <a:srgbClr val="003F82"/>
-                </a:solidFill>
-              </a:rPr>
-              <a:t> </a:t>
-            </a:r>
-            <a:r>
-              <a:rPr lang="ru-RU" sz="1200" dirty="0" err="1">
-                <a:solidFill>
-                  <a:srgbClr val="003F82"/>
-                </a:solidFill>
-              </a:rPr>
-              <a:t>текст</a:t>
-            </a:r>
-            <a:r>
-              <a:rPr lang="ru-RU" sz="1200" dirty="0">
-                <a:solidFill>
-                  <a:srgbClr val="003F82"/>
-                </a:solidFill>
-              </a:rPr>
-              <a:t> </a:t>
-            </a:r>
-            <a:r>
-              <a:rPr lang="ru-RU" sz="1200" dirty="0" err="1">
-                <a:solidFill>
-                  <a:srgbClr val="003F82"/>
-                </a:solidFill>
-              </a:rPr>
-              <a:t>текст</a:t>
-            </a:r>
-            <a:r>
-              <a:rPr lang="ru-RU" sz="1200" dirty="0">
-                <a:solidFill>
-                  <a:srgbClr val="003F82"/>
-                </a:solidFill>
-              </a:rPr>
-              <a:t> </a:t>
-            </a:r>
-            <a:r>
-              <a:rPr lang="ru-RU" sz="1200" dirty="0" err="1">
-                <a:solidFill>
-                  <a:srgbClr val="003F82"/>
-                </a:solidFill>
-              </a:rPr>
-              <a:t>текст</a:t>
-            </a:r>
-            <a:r>
-              <a:rPr lang="ru-RU" sz="1200" dirty="0">
-                <a:solidFill>
-                  <a:srgbClr val="003F82"/>
-                </a:solidFill>
-              </a:rPr>
-              <a:t> </a:t>
-            </a:r>
-            <a:r>
-              <a:rPr lang="ru-RU" sz="1200" dirty="0" err="1">
-                <a:solidFill>
-                  <a:srgbClr val="003F82"/>
-                </a:solidFill>
-              </a:rPr>
-              <a:t>текст</a:t>
-            </a:r>
-            <a:r>
-              <a:rPr lang="ru-RU" sz="1200" dirty="0">
-                <a:solidFill>
-                  <a:srgbClr val="003F82"/>
-                </a:solidFill>
-              </a:rPr>
-              <a:t> </a:t>
-            </a:r>
-            <a:r>
-              <a:rPr lang="ru-RU" sz="1200" dirty="0" err="1">
-                <a:solidFill>
-                  <a:srgbClr val="003F82"/>
-                </a:solidFill>
-              </a:rPr>
-              <a:t>текст</a:t>
-            </a:r>
-            <a:r>
-              <a:rPr lang="ru-RU" sz="1200" dirty="0">
-                <a:solidFill>
-                  <a:srgbClr val="003F82"/>
-                </a:solidFill>
-              </a:rPr>
-              <a:t> </a:t>
-            </a:r>
-            <a:r>
-              <a:rPr lang="ru-RU" sz="1200" dirty="0" err="1">
-                <a:solidFill>
-                  <a:srgbClr val="003F82"/>
-                </a:solidFill>
-              </a:rPr>
-              <a:t>текст</a:t>
-            </a:r>
-            <a:r>
-              <a:rPr lang="ru-RU" sz="1200" dirty="0">
-                <a:solidFill>
-                  <a:srgbClr val="003F82"/>
-                </a:solidFill>
-              </a:rPr>
-              <a:t> </a:t>
-            </a:r>
-            <a:r>
-              <a:rPr lang="ru-RU" sz="1200" dirty="0" err="1">
-                <a:solidFill>
-                  <a:srgbClr val="003F82"/>
-                </a:solidFill>
-              </a:rPr>
-              <a:t>текст</a:t>
-            </a:r>
-            <a:r>
-              <a:rPr lang="ru-RU" sz="1200" dirty="0">
-                <a:solidFill>
-                  <a:srgbClr val="003F82"/>
-                </a:solidFill>
-              </a:rPr>
-              <a:t> </a:t>
-            </a:r>
-            <a:r>
-              <a:rPr lang="ru-RU" sz="1200" dirty="0" err="1">
-                <a:solidFill>
-                  <a:srgbClr val="003F82"/>
-                </a:solidFill>
-              </a:rPr>
-              <a:t>текст</a:t>
-            </a:r>
-            <a:r>
-              <a:rPr lang="ru-RU" sz="1200" dirty="0">
-                <a:solidFill>
-                  <a:srgbClr val="003F82"/>
-                </a:solidFill>
-              </a:rPr>
-              <a:t> </a:t>
-            </a:r>
-            <a:r>
-              <a:rPr lang="ru-RU" sz="1200" dirty="0" err="1">
-                <a:solidFill>
-                  <a:srgbClr val="003F82"/>
-                </a:solidFill>
-              </a:rPr>
-              <a:t>текст</a:t>
-            </a:r>
-            <a:r>
-              <a:rPr lang="ru-RU" sz="1200" dirty="0">
-                <a:solidFill>
-                  <a:srgbClr val="003F82"/>
-                </a:solidFill>
-              </a:rPr>
-              <a:t> </a:t>
-            </a:r>
-            <a:r>
-              <a:rPr lang="ru-RU" sz="1200" dirty="0" err="1">
-                <a:solidFill>
-                  <a:srgbClr val="003F82"/>
-                </a:solidFill>
-              </a:rPr>
-              <a:t>текст</a:t>
-            </a:r>
-            <a:r>
-              <a:rPr lang="ru-RU" sz="1200" dirty="0">
-                <a:solidFill>
-                  <a:srgbClr val="003F82"/>
-                </a:solidFill>
-              </a:rPr>
-              <a:t> </a:t>
-            </a:r>
-            <a:r>
-              <a:rPr lang="ru-RU" sz="1200" dirty="0" err="1">
-                <a:solidFill>
-                  <a:srgbClr val="003F82"/>
-                </a:solidFill>
-              </a:rPr>
-              <a:t>текст</a:t>
-            </a:r>
-            <a:r>
-              <a:rPr lang="ru-RU" sz="1200" dirty="0">
-                <a:solidFill>
-                  <a:srgbClr val="003F82"/>
-                </a:solidFill>
-              </a:rPr>
-              <a:t> </a:t>
-            </a:r>
-            <a:r>
-              <a:rPr lang="ru-RU" sz="1200" dirty="0" err="1">
-                <a:solidFill>
-                  <a:srgbClr val="003F82"/>
-                </a:solidFill>
-              </a:rPr>
-              <a:t>текст</a:t>
-            </a:r>
-            <a:r>
-              <a:rPr lang="ru-RU" sz="1200" dirty="0">
-                <a:solidFill>
-                  <a:srgbClr val="003F82"/>
-                </a:solidFill>
-              </a:rPr>
-              <a:t> </a:t>
-            </a:r>
-            <a:r>
-              <a:rPr lang="ru-RU" sz="1200" dirty="0" err="1">
-                <a:solidFill>
-                  <a:srgbClr val="003F82"/>
-                </a:solidFill>
-              </a:rPr>
-              <a:t>текст</a:t>
-            </a:r>
-            <a:r>
-              <a:rPr lang="ru-RU" sz="1200" dirty="0">
-                <a:solidFill>
-                  <a:srgbClr val="003F82"/>
-                </a:solidFill>
-              </a:rPr>
-              <a:t> </a:t>
-            </a:r>
-            <a:r>
-              <a:rPr lang="ru-RU" sz="1200" dirty="0" err="1">
-                <a:solidFill>
-                  <a:srgbClr val="003F82"/>
-                </a:solidFill>
-              </a:rPr>
-              <a:t>текст</a:t>
-            </a:r>
-            <a:r>
-              <a:rPr lang="ru-RU" sz="1200" dirty="0">
-                <a:solidFill>
-                  <a:srgbClr val="003F82"/>
-                </a:solidFill>
-              </a:rPr>
-              <a:t> </a:t>
-            </a:r>
-            <a:r>
-              <a:rPr lang="ru-RU" sz="1200" dirty="0" err="1">
-                <a:solidFill>
-                  <a:srgbClr val="003F82"/>
-                </a:solidFill>
-              </a:rPr>
-              <a:t>текст</a:t>
-            </a:r>
-            <a:r>
-              <a:rPr lang="ru-RU" sz="1200" dirty="0">
-                <a:solidFill>
-                  <a:srgbClr val="003F82"/>
-                </a:solidFill>
-              </a:rPr>
-              <a:t> </a:t>
-            </a:r>
-            <a:r>
-              <a:rPr lang="ru-RU" sz="1200" dirty="0" err="1">
-                <a:solidFill>
-                  <a:srgbClr val="003F82"/>
-                </a:solidFill>
-              </a:rPr>
-              <a:t>текст</a:t>
-            </a:r>
-            <a:r>
-              <a:rPr lang="ru-RU" sz="1200" dirty="0">
-                <a:solidFill>
-                  <a:srgbClr val="003F82"/>
-                </a:solidFill>
-              </a:rPr>
-              <a:t> </a:t>
-            </a:r>
-            <a:r>
-              <a:rPr lang="ru-RU" sz="1200" dirty="0" err="1">
-                <a:solidFill>
-                  <a:srgbClr val="003F82"/>
-                </a:solidFill>
-              </a:rPr>
-              <a:t>текст</a:t>
-            </a:r>
-            <a:r>
-              <a:rPr lang="ru-RU" sz="1200" dirty="0">
-                <a:solidFill>
-                  <a:srgbClr val="003F82"/>
-                </a:solidFill>
-              </a:rPr>
-              <a:t> </a:t>
-            </a:r>
-            <a:r>
-              <a:rPr lang="ru-RU" sz="1200" dirty="0" err="1">
-                <a:solidFill>
-                  <a:srgbClr val="003F82"/>
-                </a:solidFill>
-              </a:rPr>
-              <a:t>текст</a:t>
-            </a:r>
-            <a:r>
-              <a:rPr lang="ru-RU" sz="1200" dirty="0">
-                <a:solidFill>
-                  <a:srgbClr val="003F82"/>
-                </a:solidFill>
-              </a:rPr>
-              <a:t> </a:t>
-            </a:r>
-            <a:r>
-              <a:rPr lang="ru-RU" sz="1200" dirty="0" err="1">
-                <a:solidFill>
-                  <a:srgbClr val="003F82"/>
-                </a:solidFill>
-              </a:rPr>
-              <a:t>текст</a:t>
-            </a:r>
-            <a:r>
-              <a:rPr lang="ru-RU" sz="1200" dirty="0">
-                <a:solidFill>
-                  <a:srgbClr val="003F82"/>
-                </a:solidFill>
-              </a:rPr>
-              <a:t> </a:t>
-            </a:r>
-            <a:r>
-              <a:rPr lang="ru-RU" sz="1200" dirty="0" err="1">
-                <a:solidFill>
-                  <a:srgbClr val="003F82"/>
-                </a:solidFill>
-              </a:rPr>
-              <a:t>текст</a:t>
-            </a:r>
-            <a:r>
-              <a:rPr lang="ru-RU" sz="1200" dirty="0">
-                <a:solidFill>
-                  <a:srgbClr val="003F82"/>
-                </a:solidFill>
-              </a:rPr>
-              <a:t> </a:t>
-            </a:r>
-            <a:r>
-              <a:rPr lang="ru-RU" sz="1200" dirty="0" err="1">
-                <a:solidFill>
-                  <a:srgbClr val="003F82"/>
-                </a:solidFill>
-              </a:rPr>
-              <a:t>текст</a:t>
-            </a:r>
-            <a:r>
-              <a:rPr lang="ru-RU" sz="1200" dirty="0">
-                <a:solidFill>
-                  <a:srgbClr val="003F82"/>
-                </a:solidFill>
-              </a:rPr>
-              <a:t> </a:t>
-            </a:r>
-            <a:r>
-              <a:rPr lang="ru-RU" sz="1200" dirty="0" err="1">
-                <a:solidFill>
-                  <a:srgbClr val="003F82"/>
-                </a:solidFill>
-              </a:rPr>
-              <a:t>текст</a:t>
-            </a:r>
-            <a:r>
-              <a:rPr lang="ru-RU" sz="1200" dirty="0">
-                <a:solidFill>
-                  <a:srgbClr val="003F82"/>
-                </a:solidFill>
-              </a:rPr>
-              <a:t> </a:t>
-            </a:r>
-            <a:r>
-              <a:rPr lang="ru-RU" sz="1200" dirty="0" err="1">
-                <a:solidFill>
-                  <a:srgbClr val="003F82"/>
-                </a:solidFill>
-              </a:rPr>
-              <a:t>текст</a:t>
-            </a:r>
-            <a:r>
-              <a:rPr lang="ru-RU" sz="1200" dirty="0">
-                <a:solidFill>
-                  <a:srgbClr val="003F82"/>
-                </a:solidFill>
-              </a:rPr>
-              <a:t> </a:t>
-            </a:r>
-            <a:r>
-              <a:rPr lang="ru-RU" sz="1200" dirty="0" err="1">
-                <a:solidFill>
-                  <a:srgbClr val="003F82"/>
-                </a:solidFill>
-              </a:rPr>
-              <a:t>текст</a:t>
-            </a:r>
-            <a:r>
-              <a:rPr lang="ru-RU" sz="1200" dirty="0">
-                <a:solidFill>
-                  <a:srgbClr val="003F82"/>
-                </a:solidFill>
-              </a:rPr>
-              <a:t> </a:t>
-            </a:r>
-            <a:r>
-              <a:rPr lang="ru-RU" sz="1200" dirty="0" err="1">
-                <a:solidFill>
-                  <a:srgbClr val="003F82"/>
-                </a:solidFill>
-              </a:rPr>
-              <a:t>текст</a:t>
-            </a:r>
-            <a:r>
-              <a:rPr lang="ru-RU" sz="1200" dirty="0">
-                <a:solidFill>
-                  <a:srgbClr val="003F82"/>
-                </a:solidFill>
-              </a:rPr>
-              <a:t> </a:t>
-            </a:r>
-            <a:r>
-              <a:rPr lang="ru-RU" sz="1200" dirty="0" err="1">
-                <a:solidFill>
-                  <a:srgbClr val="003F82"/>
-                </a:solidFill>
-              </a:rPr>
-              <a:t>текст</a:t>
-            </a:r>
-            <a:r>
-              <a:rPr lang="ru-RU" sz="1200" dirty="0">
-                <a:solidFill>
-                  <a:srgbClr val="003F82"/>
-                </a:solidFill>
-              </a:rPr>
-              <a:t> </a:t>
-            </a:r>
-            <a:r>
-              <a:rPr lang="ru-RU" sz="1200" dirty="0" err="1">
-                <a:solidFill>
-                  <a:srgbClr val="003F82"/>
-                </a:solidFill>
-              </a:rPr>
-              <a:t>текст</a:t>
-            </a:r>
-            <a:r>
-              <a:rPr lang="ru-RU" sz="1200" dirty="0">
-                <a:solidFill>
-                  <a:srgbClr val="003F82"/>
-                </a:solidFill>
-              </a:rPr>
-              <a:t> </a:t>
-            </a:r>
-            <a:r>
-              <a:rPr lang="ru-RU" sz="1200" dirty="0" err="1">
-                <a:solidFill>
-                  <a:srgbClr val="003F82"/>
-                </a:solidFill>
-              </a:rPr>
-              <a:t>текст</a:t>
-            </a:r>
-            <a:r>
-              <a:rPr lang="ru-RU" sz="1200" dirty="0">
-                <a:solidFill>
-                  <a:srgbClr val="003F82"/>
-                </a:solidFill>
-              </a:rPr>
-              <a:t> </a:t>
-            </a:r>
-            <a:r>
-              <a:rPr lang="ru-RU" sz="1200" dirty="0" err="1">
-                <a:solidFill>
-                  <a:srgbClr val="003F82"/>
-                </a:solidFill>
-              </a:rPr>
-              <a:t>текст</a:t>
-            </a:r>
-            <a:r>
-              <a:rPr lang="ru-RU" sz="1200" dirty="0">
-                <a:solidFill>
-                  <a:srgbClr val="003F82"/>
-                </a:solidFill>
-              </a:rPr>
-              <a:t> </a:t>
-            </a:r>
-            <a:r>
-              <a:rPr lang="ru-RU" sz="1200" dirty="0" err="1">
-                <a:solidFill>
-                  <a:srgbClr val="003F82"/>
-                </a:solidFill>
-              </a:rPr>
-              <a:t>текст</a:t>
-            </a:r>
-            <a:r>
-              <a:rPr lang="ru-RU" sz="1200" dirty="0">
-                <a:solidFill>
-                  <a:srgbClr val="003F82"/>
-                </a:solidFill>
-              </a:rPr>
-              <a:t> </a:t>
-            </a:r>
-            <a:r>
-              <a:rPr lang="ru-RU" sz="1200" dirty="0" err="1">
-                <a:solidFill>
-                  <a:srgbClr val="003F82"/>
-                </a:solidFill>
-              </a:rPr>
-              <a:t>текст</a:t>
-            </a:r>
-            <a:r>
-              <a:rPr lang="ru-RU" sz="1200" dirty="0">
-                <a:solidFill>
-                  <a:srgbClr val="003F82"/>
-                </a:solidFill>
-              </a:rPr>
-              <a:t> </a:t>
-            </a:r>
-            <a:r>
-              <a:rPr lang="ru-RU" sz="1200" dirty="0" err="1">
-                <a:solidFill>
-                  <a:srgbClr val="003F82"/>
-                </a:solidFill>
-              </a:rPr>
-              <a:t>текст</a:t>
-            </a:r>
-            <a:r>
-              <a:rPr lang="ru-RU" sz="1200" dirty="0">
-                <a:solidFill>
-                  <a:srgbClr val="003F82"/>
-                </a:solidFill>
-              </a:rPr>
-              <a:t> </a:t>
-            </a:r>
-            <a:r>
-              <a:rPr lang="ru-RU" sz="1200" dirty="0" err="1">
-                <a:solidFill>
-                  <a:srgbClr val="003F82"/>
-                </a:solidFill>
-              </a:rPr>
-              <a:t>текст</a:t>
-            </a:r>
-            <a:r>
-              <a:rPr lang="ru-RU" sz="1200" dirty="0">
-                <a:solidFill>
-                  <a:srgbClr val="003F82"/>
-                </a:solidFill>
-              </a:rPr>
-              <a:t> </a:t>
-            </a:r>
-            <a:r>
-              <a:rPr lang="ru-RU" sz="1200" dirty="0" err="1">
-                <a:solidFill>
-                  <a:srgbClr val="003F82"/>
-                </a:solidFill>
-              </a:rPr>
-              <a:t>текст</a:t>
-            </a:r>
-            <a:r>
-              <a:rPr lang="ru-RU" sz="1200" dirty="0">
-                <a:solidFill>
-                  <a:srgbClr val="003F82"/>
-                </a:solidFill>
-              </a:rPr>
-              <a:t> </a:t>
-            </a:r>
-            <a:r>
-              <a:rPr lang="ru-RU" sz="1200" dirty="0" err="1">
-                <a:solidFill>
-                  <a:srgbClr val="003F82"/>
-                </a:solidFill>
-              </a:rPr>
-              <a:t>текст</a:t>
-            </a:r>
-            <a:r>
-              <a:rPr lang="ru-RU" sz="1200" dirty="0">
-                <a:solidFill>
-                  <a:srgbClr val="003F82"/>
-                </a:solidFill>
-              </a:rPr>
-              <a:t> </a:t>
-            </a:r>
-            <a:r>
-              <a:rPr lang="ru-RU" sz="1200" dirty="0" err="1">
-                <a:solidFill>
-                  <a:srgbClr val="003F82"/>
-                </a:solidFill>
-              </a:rPr>
-              <a:t>текст</a:t>
-            </a:r>
-            <a:r>
-              <a:rPr lang="ru-RU" sz="1200" dirty="0">
-                <a:solidFill>
-                  <a:srgbClr val="003F82"/>
-                </a:solidFill>
-              </a:rPr>
-              <a:t> </a:t>
-            </a:r>
-            <a:r>
-              <a:rPr lang="ru-RU" sz="1200" dirty="0" err="1">
-                <a:solidFill>
-                  <a:srgbClr val="003F82"/>
-                </a:solidFill>
-              </a:rPr>
-              <a:t>текст</a:t>
-            </a:r>
-            <a:r>
-              <a:rPr lang="ru-RU" sz="1200" dirty="0">
-                <a:solidFill>
-                  <a:srgbClr val="003F82"/>
-                </a:solidFill>
-              </a:rPr>
-              <a:t> </a:t>
-            </a:r>
-            <a:r>
-              <a:rPr lang="ru-RU" sz="1200" dirty="0" err="1">
-                <a:solidFill>
-                  <a:srgbClr val="003F82"/>
-                </a:solidFill>
-              </a:rPr>
-              <a:t>текст</a:t>
-            </a:r>
-            <a:r>
-              <a:rPr lang="ru-RU" sz="1200" dirty="0">
-                <a:solidFill>
-                  <a:srgbClr val="003F82"/>
-                </a:solidFill>
-              </a:rPr>
-              <a:t> </a:t>
-            </a:r>
-            <a:r>
-              <a:rPr lang="ru-RU" sz="1200" dirty="0" err="1">
-                <a:solidFill>
-                  <a:srgbClr val="003F82"/>
-                </a:solidFill>
-              </a:rPr>
-              <a:t>текст</a:t>
-            </a:r>
-            <a:r>
-              <a:rPr lang="ru-RU" sz="1200" dirty="0">
-                <a:solidFill>
-                  <a:srgbClr val="003F82"/>
-                </a:solidFill>
-              </a:rPr>
-              <a:t> </a:t>
-            </a:r>
-            <a:r>
-              <a:rPr lang="ru-RU" sz="1200" dirty="0" err="1">
-                <a:solidFill>
-                  <a:srgbClr val="003F82"/>
-                </a:solidFill>
-              </a:rPr>
-              <a:t>текст</a:t>
-            </a:r>
-            <a:r>
-              <a:rPr lang="ru-RU" sz="1200" dirty="0">
-                <a:solidFill>
-                  <a:srgbClr val="003F82"/>
-                </a:solidFill>
-              </a:rPr>
-              <a:t> </a:t>
-            </a:r>
-            <a:r>
-              <a:rPr lang="ru-RU" sz="1200" dirty="0" err="1">
-                <a:solidFill>
-                  <a:srgbClr val="003F82"/>
-                </a:solidFill>
-              </a:rPr>
-              <a:t>текст</a:t>
-            </a:r>
-            <a:r>
-              <a:rPr lang="ru-RU" sz="1200" dirty="0">
-                <a:solidFill>
-                  <a:srgbClr val="003F82"/>
-                </a:solidFill>
-              </a:rPr>
-              <a:t> </a:t>
-            </a:r>
-            <a:r>
-              <a:rPr lang="ru-RU" sz="1200" dirty="0" err="1">
-                <a:solidFill>
-                  <a:srgbClr val="003F82"/>
-                </a:solidFill>
-              </a:rPr>
-              <a:t>текст</a:t>
-            </a:r>
-            <a:r>
-              <a:rPr lang="ru-RU" sz="1200" dirty="0">
-                <a:solidFill>
-                  <a:srgbClr val="003F82"/>
-                </a:solidFill>
-              </a:rPr>
-              <a:t> </a:t>
-            </a:r>
-            <a:r>
-              <a:rPr lang="ru-RU" sz="1200" dirty="0" err="1">
-                <a:solidFill>
-                  <a:srgbClr val="003F82"/>
-                </a:solidFill>
-              </a:rPr>
-              <a:t>текст</a:t>
-            </a:r>
-            <a:r>
-              <a:rPr lang="ru-RU" sz="1200" dirty="0">
-                <a:solidFill>
-                  <a:srgbClr val="003F82"/>
-                </a:solidFill>
-              </a:rPr>
-              <a:t> </a:t>
-            </a:r>
-            <a:r>
-              <a:rPr lang="ru-RU" sz="1200" dirty="0" err="1">
-                <a:solidFill>
-                  <a:srgbClr val="003F82"/>
-                </a:solidFill>
-              </a:rPr>
-              <a:t>текст</a:t>
-            </a:r>
-            <a:r>
-              <a:rPr lang="ru-RU" sz="1200" dirty="0">
-                <a:solidFill>
-                  <a:srgbClr val="003F82"/>
-                </a:solidFill>
-              </a:rPr>
-              <a:t> </a:t>
-            </a:r>
-            <a:r>
-              <a:rPr lang="ru-RU" sz="1200" dirty="0" err="1">
-                <a:solidFill>
-                  <a:srgbClr val="003F82"/>
-                </a:solidFill>
-              </a:rPr>
-              <a:t>текст</a:t>
-            </a:r>
-            <a:r>
-              <a:rPr lang="ru-RU" sz="1200" dirty="0">
-                <a:solidFill>
-                  <a:srgbClr val="003F82"/>
-                </a:solidFill>
-              </a:rPr>
-              <a:t> </a:t>
-            </a:r>
-            <a:r>
-              <a:rPr lang="ru-RU" sz="1200" dirty="0" err="1">
-                <a:solidFill>
-                  <a:srgbClr val="003F82"/>
-                </a:solidFill>
-              </a:rPr>
-              <a:t>текст</a:t>
-            </a:r>
-            <a:r>
-              <a:rPr lang="ru-RU" sz="1200" dirty="0">
-                <a:solidFill>
-                  <a:srgbClr val="003F82"/>
-                </a:solidFill>
-              </a:rPr>
-              <a:t> </a:t>
-            </a:r>
-            <a:r>
-              <a:rPr lang="ru-RU" sz="1200" dirty="0" err="1">
-                <a:solidFill>
-                  <a:srgbClr val="003F82"/>
-                </a:solidFill>
-              </a:rPr>
-              <a:t>текст</a:t>
-            </a:r>
-            <a:r>
-              <a:rPr lang="ru-RU" sz="1200" dirty="0">
-                <a:solidFill>
-                  <a:srgbClr val="003F82"/>
-                </a:solidFill>
-              </a:rPr>
-              <a:t> </a:t>
-            </a:r>
-            <a:r>
-              <a:rPr lang="ru-RU" sz="1200" dirty="0" err="1">
-                <a:solidFill>
-                  <a:srgbClr val="003F82"/>
-                </a:solidFill>
-              </a:rPr>
-              <a:t>текст</a:t>
-            </a:r>
-            <a:r>
-              <a:rPr lang="ru-RU" sz="1200" dirty="0">
-                <a:solidFill>
-                  <a:srgbClr val="003F82"/>
-                </a:solidFill>
-              </a:rPr>
-              <a:t> </a:t>
-            </a:r>
-            <a:r>
-              <a:rPr lang="ru-RU" sz="1200" dirty="0" err="1">
-                <a:solidFill>
-                  <a:srgbClr val="003F82"/>
-                </a:solidFill>
-              </a:rPr>
-              <a:t>текст</a:t>
-            </a:r>
-            <a:r>
-              <a:rPr lang="ru-RU" sz="1200" dirty="0">
-                <a:solidFill>
-                  <a:srgbClr val="003F82"/>
-                </a:solidFill>
-              </a:rPr>
-              <a:t> </a:t>
-            </a:r>
-            <a:r>
-              <a:rPr lang="ru-RU" sz="1200" dirty="0" err="1">
-                <a:solidFill>
-                  <a:srgbClr val="003F82"/>
-                </a:solidFill>
-              </a:rPr>
-              <a:t>текст</a:t>
-            </a:r>
-            <a:r>
-              <a:rPr lang="ru-RU" sz="1200" dirty="0">
-                <a:solidFill>
-                  <a:srgbClr val="003F82"/>
-                </a:solidFill>
-              </a:rPr>
-              <a:t> </a:t>
-            </a:r>
-            <a:r>
-              <a:rPr lang="ru-RU" sz="1200" dirty="0" err="1">
-                <a:solidFill>
-                  <a:srgbClr val="003F82"/>
-                </a:solidFill>
-              </a:rPr>
-              <a:t>текст</a:t>
-            </a:r>
-            <a:r>
-              <a:rPr lang="ru-RU" sz="1200" dirty="0">
-                <a:solidFill>
-                  <a:srgbClr val="003F82"/>
-                </a:solidFill>
-              </a:rPr>
-              <a:t> </a:t>
-            </a:r>
-            <a:r>
-              <a:rPr lang="ru-RU" sz="1200" dirty="0" err="1">
-                <a:solidFill>
-                  <a:srgbClr val="003F82"/>
-                </a:solidFill>
-              </a:rPr>
-              <a:t>текст</a:t>
-            </a:r>
-            <a:r>
-              <a:rPr lang="ru-RU" sz="1200" dirty="0">
-                <a:solidFill>
-                  <a:srgbClr val="003F82"/>
-                </a:solidFill>
-              </a:rPr>
-              <a:t> </a:t>
-            </a:r>
-            <a:r>
-              <a:rPr lang="ru-RU" sz="1200" dirty="0" err="1">
-                <a:solidFill>
-                  <a:srgbClr val="003F82"/>
-                </a:solidFill>
-              </a:rPr>
-              <a:t>текст</a:t>
-            </a:r>
-            <a:r>
-              <a:rPr lang="ru-RU" sz="1200" dirty="0">
-                <a:solidFill>
-                  <a:srgbClr val="003F82"/>
-                </a:solidFill>
-              </a:rPr>
-              <a:t> </a:t>
-            </a:r>
-            <a:r>
-              <a:rPr lang="ru-RU" sz="1200" dirty="0" err="1">
-                <a:solidFill>
-                  <a:srgbClr val="003F82"/>
-                </a:solidFill>
-              </a:rPr>
-              <a:t>текст</a:t>
-            </a:r>
-            <a:r>
-              <a:rPr lang="ru-RU" sz="1200" dirty="0">
-                <a:solidFill>
-                  <a:srgbClr val="003F82"/>
-                </a:solidFill>
-              </a:rPr>
-              <a:t> </a:t>
-            </a:r>
-            <a:r>
-              <a:rPr lang="ru-RU" sz="1200" dirty="0" err="1">
-                <a:solidFill>
-                  <a:srgbClr val="003F82"/>
-                </a:solidFill>
-              </a:rPr>
-              <a:t>текст</a:t>
-            </a:r>
-            <a:r>
-              <a:rPr lang="ru-RU" sz="1200" dirty="0">
-                <a:solidFill>
-                  <a:srgbClr val="003F82"/>
-                </a:solidFill>
-              </a:rPr>
-              <a:t> </a:t>
-            </a:r>
-            <a:r>
-              <a:rPr lang="ru-RU" sz="1200" dirty="0" err="1">
-                <a:solidFill>
-                  <a:srgbClr val="003F82"/>
-                </a:solidFill>
-              </a:rPr>
-              <a:t>текст</a:t>
-            </a:r>
-            <a:r>
-              <a:rPr lang="ru-RU" sz="1200" dirty="0">
-                <a:solidFill>
-                  <a:srgbClr val="003F82"/>
-                </a:solidFill>
-              </a:rPr>
-              <a:t> </a:t>
-            </a:r>
-            <a:r>
-              <a:rPr lang="ru-RU" sz="1200" dirty="0" err="1">
-                <a:solidFill>
-                  <a:srgbClr val="003F82"/>
-                </a:solidFill>
-              </a:rPr>
-              <a:t>текст</a:t>
-            </a:r>
-            <a:r>
-              <a:rPr lang="ru-RU" sz="1200" dirty="0">
-                <a:solidFill>
-                  <a:srgbClr val="003F82"/>
-                </a:solidFill>
-              </a:rPr>
-              <a:t> </a:t>
-            </a:r>
-            <a:r>
-              <a:rPr lang="ru-RU" sz="1200" dirty="0" err="1">
-                <a:solidFill>
-                  <a:srgbClr val="003F82"/>
-                </a:solidFill>
-              </a:rPr>
-              <a:t>текст</a:t>
-            </a:r>
-            <a:r>
-              <a:rPr lang="ru-RU" sz="1200" dirty="0">
-                <a:solidFill>
-                  <a:srgbClr val="003F82"/>
-                </a:solidFill>
-              </a:rPr>
-              <a:t> </a:t>
-            </a:r>
-            <a:r>
-              <a:rPr lang="ru-RU" sz="1200" dirty="0" err="1">
-                <a:solidFill>
-                  <a:srgbClr val="003F82"/>
-                </a:solidFill>
-              </a:rPr>
-              <a:t>текст</a:t>
-            </a:r>
-            <a:r>
-              <a:rPr lang="ru-RU" sz="1200" dirty="0">
-                <a:solidFill>
-                  <a:srgbClr val="003F82"/>
-                </a:solidFill>
-              </a:rPr>
-              <a:t> </a:t>
-            </a:r>
-            <a:r>
-              <a:rPr lang="ru-RU" sz="1200" dirty="0" err="1">
-                <a:solidFill>
-                  <a:srgbClr val="003F82"/>
-                </a:solidFill>
-              </a:rPr>
-              <a:t>текст</a:t>
-            </a:r>
-            <a:r>
-              <a:rPr lang="ru-RU" sz="1200" dirty="0">
-                <a:solidFill>
-                  <a:srgbClr val="003F82"/>
-                </a:solidFill>
-              </a:rPr>
-              <a:t> </a:t>
-            </a:r>
-            <a:r>
-              <a:rPr lang="ru-RU" sz="1200" dirty="0" err="1">
-                <a:solidFill>
-                  <a:srgbClr val="003F82"/>
-                </a:solidFill>
-              </a:rPr>
-              <a:t>текст</a:t>
-            </a:r>
-            <a:endParaRPr lang="ru-RU" sz="1200" dirty="0">
-              <a:solidFill>
-                <a:srgbClr val="003F82"/>
-              </a:solidFill>
-            </a:endParaRPr>
+            <a:pPr>
+              <a:lnSpc>
+                <a:spcPct val="150000"/>
+              </a:lnSpc>
+            </a:pPr>
+            <a:r>
+              <a:rPr lang="ru-RU" sz="2800" dirty="0" smtClean="0">
+                <a:latin typeface="SF UI Text" panose="00000400000000000000" pitchFamily="2" charset="0"/>
+              </a:rPr>
+              <a:t>Вывод </a:t>
+            </a:r>
+            <a:r>
+              <a:rPr lang="ru-RU" sz="2800" dirty="0" smtClean="0">
+                <a:latin typeface="SF UI Text" panose="00000400000000000000" pitchFamily="2" charset="0"/>
+              </a:rPr>
+              <a:t>списка мероприятий</a:t>
+            </a:r>
+          </a:p>
+          <a:p>
+            <a:pPr>
+              <a:lnSpc>
+                <a:spcPct val="150000"/>
+              </a:lnSpc>
+            </a:pPr>
+            <a:r>
+              <a:rPr lang="ru-RU" sz="2800" dirty="0" smtClean="0">
+                <a:latin typeface="SF UI Text" panose="00000400000000000000" pitchFamily="2" charset="0"/>
+              </a:rPr>
+              <a:t>Добавление мероприятий в избранное</a:t>
+            </a:r>
+          </a:p>
+          <a:p>
+            <a:pPr>
+              <a:lnSpc>
+                <a:spcPct val="150000"/>
+              </a:lnSpc>
+            </a:pPr>
+            <a:r>
+              <a:rPr lang="ru-RU" sz="2800" dirty="0" smtClean="0">
+                <a:latin typeface="SF UI Text" panose="00000400000000000000" pitchFamily="2" charset="0"/>
+              </a:rPr>
+              <a:t>Вывод списка избранных мероприятий</a:t>
+            </a:r>
+            <a:endParaRPr lang="ru-RU" sz="2800" dirty="0">
+              <a:latin typeface="SF UI Text" panose="00000400000000000000" pitchFamily="2" charset="0"/>
+            </a:endParaRPr>
+          </a:p>
+          <a:p>
+            <a:pPr>
+              <a:lnSpc>
+                <a:spcPct val="150000"/>
+              </a:lnSpc>
+            </a:pPr>
+            <a:r>
+              <a:rPr lang="ru-RU" sz="2800" dirty="0" smtClean="0">
+                <a:latin typeface="SF UI Text" panose="00000400000000000000" pitchFamily="2" charset="0"/>
+              </a:rPr>
+              <a:t>Поиск по спискам мероприятий</a:t>
+            </a:r>
+          </a:p>
+          <a:p>
+            <a:pPr>
+              <a:lnSpc>
+                <a:spcPct val="150000"/>
+              </a:lnSpc>
+            </a:pPr>
+            <a:r>
+              <a:rPr lang="ru-RU" sz="2800" dirty="0" smtClean="0">
+                <a:latin typeface="SF UI Text" panose="00000400000000000000" pitchFamily="2" charset="0"/>
+              </a:rPr>
+              <a:t>Изменение языка </a:t>
+            </a:r>
+            <a:r>
+              <a:rPr lang="ru-RU" sz="2800" dirty="0" err="1" smtClean="0">
+                <a:latin typeface="SF UI Text" panose="00000400000000000000" pitchFamily="2" charset="0"/>
+              </a:rPr>
+              <a:t>меропритяий</a:t>
+            </a:r>
+            <a:endParaRPr lang="ru-RU" sz="2800" dirty="0" smtClean="0">
+              <a:latin typeface="SF UI Text" panose="00000400000000000000" pitchFamily="2" charset="0"/>
+            </a:endParaRPr>
+          </a:p>
+          <a:p>
+            <a:pPr>
+              <a:lnSpc>
+                <a:spcPct val="150000"/>
+              </a:lnSpc>
+            </a:pPr>
+            <a:r>
+              <a:rPr lang="ru-RU" sz="2800" dirty="0" smtClean="0">
+                <a:latin typeface="SF UI Text" panose="00000400000000000000" pitchFamily="2" charset="0"/>
+              </a:rPr>
+              <a:t>Изменение цветовой темы приложения</a:t>
+            </a:r>
           </a:p>
         </p:txBody>
       </p:sp>
@@ -12814,18 +10366,27 @@
           <a:bodyPr anchor="ctr"/>
           <a:lstStyle/>
           <a:p>
-            <a:r>
-              <a:rPr lang="ru-RU" sz="2400" b="1" dirty="0">
-                <a:solidFill>
-                  <a:schemeClr val="bg1"/>
-                </a:solidFill>
-              </a:rPr>
-              <a:t>ОПИСАНИЕ ВЫБРАННЫХ АЛГОРИТМОВ</a:t>
-            </a:r>
-            <a:endParaRPr lang="en-US" sz="2400" b="1" dirty="0">
-              <a:solidFill>
-                <a:schemeClr val="bg1"/>
-              </a:solidFill>
+            <a:pPr algn="ctr"/>
+            <a:r>
+              <a:rPr lang="ru-RU" sz="2400" dirty="0" smtClean="0">
+                <a:latin typeface="SF UI Text" panose="00000400000000000000" pitchFamily="2" charset="0"/>
+              </a:rPr>
+              <a:t>Технологии </a:t>
+            </a:r>
+            <a:r>
+              <a:rPr lang="ru-RU" sz="2400" dirty="0">
+                <a:latin typeface="SF UI Text" panose="00000400000000000000" pitchFamily="2" charset="0"/>
+              </a:rPr>
+              <a:t>и</a:t>
+            </a:r>
+            <a:r>
+              <a:rPr lang="ru-RU" sz="2400" dirty="0" smtClean="0">
+                <a:latin typeface="SF UI Text" panose="00000400000000000000" pitchFamily="2" charset="0"/>
+              </a:rPr>
+              <a:t> инструменты реализации</a:t>
+            </a:r>
+            <a:endParaRPr lang="en-US" sz="2400" dirty="0">
+              <a:latin typeface="SF UI Text" panose="00000400000000000000" pitchFamily="2" charset="0"/>
             </a:endParaRPr>
           </a:p>
         </p:txBody>
@@ -12958,102 +10519,6 @@
               <a:solidFill>
                 <a:srgbClr val="FFFFFF"/>
               </a:solidFill>
-            </a:endParaRPr>
-          </a:p>
-        </p:txBody>
-      </p:sp>
-      <p:sp>
-        <p:nvSpPr>
-          <p:cNvPr id="14346" name="Rectangle 12"/>
-          <p:cNvSpPr>
-            <a:spLocks noChangeArrowheads="1"/>
-          </p:cNvSpPr>
-          <p:nvPr/>
-        </p:nvSpPr>
-        <p:spPr bwMode="auto">
-          <a:xfrm>
-            <a:off x="222250" y="1479550"/>
-            <a:ext cx="8464550" cy="1323439"/>
-          </a:xfrm>
-          <a:prstGeom prst="rect">
-            <a:avLst/>
-          </a:prstGeom>
-        </p:spPr>
-        <p:style>
-          <a:lnRef idx="1">
-            <a:schemeClr val="accent1"/>
-          </a:lnRef>
-          <a:fillRef idx="2">
-            <a:schemeClr val="accent1"/>
-          </a:fillRef>
-          <a:effectRef idx="1">
-            <a:schemeClr val="accent1"/>
-          </a:effectRef>
-          <a:fontRef idx="minor">
-            <a:schemeClr val="dk1"/>
-          </a:fontRef>
-        </p:style>
-        <p:txBody>
-          <a:bodyPr wrap="square">
-            <a:spAutoFit/>
-          </a:bodyPr>
-          <a:lstStyle/>
-          <a:p>
-            <a:r>
-              <a:rPr lang="ru-RU" sz="1600" i="1" dirty="0">
-                <a:solidFill>
-                  <a:srgbClr val="003F82"/>
-                </a:solidFill>
-              </a:rPr>
-              <a:t>СХЕМА ИЛИ ОПИСАНИЕ АЛГОРИТМА НА ПСЕВДОЯЗЫКЕ</a:t>
-            </a:r>
-            <a:r>
-              <a:rPr lang="ru-RU" sz="1600" i="1">
-                <a:solidFill>
-                  <a:srgbClr val="003F82"/>
-                </a:solidFill>
-              </a:rPr>
-              <a:t>, </a:t>
-            </a:r>
-          </a:p>
-          <a:p>
-            <a:endParaRPr lang="ru-RU" sz="1600" i="1" dirty="0">
-              <a:solidFill>
-                <a:srgbClr val="003F82"/>
-              </a:solidFill>
-            </a:endParaRPr>
-          </a:p>
-          <a:p>
-            <a:r>
-              <a:rPr lang="ru-RU" sz="1600" i="1">
-                <a:solidFill>
-                  <a:srgbClr val="003F82"/>
-                </a:solidFill>
-              </a:rPr>
-              <a:t>Использованные структуры данных</a:t>
-            </a:r>
-          </a:p>
-          <a:p>
-            <a:endParaRPr lang="ru-RU" sz="1600" i="1" dirty="0">
-              <a:solidFill>
-                <a:srgbClr val="003F82"/>
-              </a:solidFill>
-            </a:endParaRPr>
-          </a:p>
-          <a:p>
-            <a:r>
-              <a:rPr lang="ru-RU" sz="1600" i="1" dirty="0">
-                <a:solidFill>
-                  <a:srgbClr val="003F82"/>
-                </a:solidFill>
-              </a:rPr>
-              <a:t>НАСТОЯТЕЛЬНО СОВЕТУЮ ПРИВЕСТИ ИЛЛЮСТРАЦИИ РАБОТЫ АЛГОРИТМА НА ПРИМЕРЕ И Т.Д.</a:t>
-            </a:r>
-            <a:endParaRPr lang="ru-RU" sz="1200" i="1" dirty="0">
-              <a:solidFill>
-                <a:srgbClr val="003F82"/>
-              </a:solidFill>
-              <a:latin typeface="Arial" panose="020B0604020202020204" pitchFamily="34" charset="0"/>
             </a:endParaRPr>
           </a:p>
         </p:txBody>

--- a/Презентация.pptx
+++ b/Презентация.pptx
@@ -9444,28 +9444,28 @@
               <a:t>и получает данные о </a:t>
             </a:r>
             <a:r>
-              <a:rPr lang="ru-RU" sz="2000" dirty="0" err="1" smtClean="0">
-                <a:latin typeface="SF UI Text" panose="00000400000000000000" pitchFamily="2" charset="0"/>
-              </a:rPr>
-              <a:t>мероприиятиях</a:t>
-            </a:r>
-            <a:r>
               <a:rPr lang="ru-RU" sz="2000" dirty="0" smtClean="0">
                 <a:latin typeface="SF UI Text" panose="00000400000000000000" pitchFamily="2" charset="0"/>
               </a:rPr>
-              <a:t> и </a:t>
-            </a:r>
-            <a:r>
-              <a:rPr lang="ru-RU" sz="2000" dirty="0" err="1" smtClean="0">
+              <a:t>мероприятиях </a:t>
+            </a:r>
+            <a:r>
+              <a:rPr lang="ru-RU" sz="2000" smtClean="0">
                 <a:latin typeface="SF UI Text" panose="00000400000000000000" pitchFamily="2" charset="0"/>
               </a:rPr>
-              <a:t>выводид</a:t>
+              <a:t>и </a:t>
+            </a:r>
+            <a:r>
+              <a:rPr lang="ru-RU" sz="2000" smtClean="0">
+                <a:latin typeface="SF UI Text" panose="00000400000000000000" pitchFamily="2" charset="0"/>
+              </a:rPr>
+              <a:t>выводит </a:t>
             </a:r>
             <a:r>
               <a:rPr lang="ru-RU" sz="2000" dirty="0" smtClean="0">
                 <a:latin typeface="SF UI Text" panose="00000400000000000000" pitchFamily="2" charset="0"/>
               </a:rPr>
-              <a:t> их  на экран.</a:t>
+              <a:t>их  на экран.</a:t>
             </a:r>
           </a:p>
           <a:p>

--- a/Презентация.pptx
+++ b/Презентация.pptx
@@ -5,10 +5,10 @@
     <p:sldMasterId id="2147483648" r:id="rId1"/>
   </p:sldMasterIdLst>
   <p:notesMasterIdLst>
-    <p:notesMasterId r:id="rId18"/>
+    <p:notesMasterId r:id="rId16"/>
   </p:notesMasterIdLst>
   <p:handoutMasterIdLst>
-    <p:handoutMasterId r:id="rId19"/>
+    <p:handoutMasterId r:id="rId17"/>
   </p:handoutMasterIdLst>
   <p:sldIdLst>
     <p:sldId id="256" r:id="rId2"/>
@@ -17,16 +17,14 @@
     <p:sldId id="262" r:id="rId5"/>
     <p:sldId id="273" r:id="rId6"/>
     <p:sldId id="263" r:id="rId7"/>
-    <p:sldId id="268" r:id="rId8"/>
-    <p:sldId id="274" r:id="rId9"/>
+    <p:sldId id="274" r:id="rId8"/>
+    <p:sldId id="268" r:id="rId9"/>
     <p:sldId id="264" r:id="rId10"/>
     <p:sldId id="283" r:id="rId11"/>
-    <p:sldId id="284" r:id="rId12"/>
-    <p:sldId id="285" r:id="rId13"/>
-    <p:sldId id="265" r:id="rId14"/>
-    <p:sldId id="286" r:id="rId15"/>
-    <p:sldId id="276" r:id="rId16"/>
-    <p:sldId id="258" r:id="rId17"/>
+    <p:sldId id="265" r:id="rId12"/>
+    <p:sldId id="286" r:id="rId13"/>
+    <p:sldId id="276" r:id="rId14"/>
+    <p:sldId id="258" r:id="rId15"/>
   </p:sldIdLst>
   <p:sldSz cx="9144000" cy="6858000" type="screen4x3"/>
   <p:notesSz cx="6858000" cy="9144000"/>
@@ -4924,8 +4922,8 @@
         </p:nvSpPr>
         <p:spPr bwMode="auto">
           <a:xfrm>
-            <a:off x="1428749" y="428625"/>
-            <a:ext cx="7432863" cy="412750"/>
+            <a:off x="923731" y="292101"/>
+            <a:ext cx="8220268" cy="412750"/>
           </a:xfrm>
           <a:prstGeom prst="rect">
             <a:avLst/>
@@ -4942,12 +4940,12 @@
           <a:p>
             <a:pPr algn="ctr"/>
             <a:r>
-              <a:rPr lang="ru-RU" sz="2400" b="1" dirty="0">
+              <a:rPr lang="ru-RU" sz="3200" dirty="0">
                 <a:latin typeface="SF UI Text" panose="00000400000000000000" pitchFamily="2" charset="0"/>
               </a:rPr>
               <a:t>Технологии и инструменты реализации</a:t>
             </a:r>
-            <a:endParaRPr lang="en-US" sz="2400" b="1" dirty="0">
+            <a:endParaRPr lang="en-US" sz="3200" dirty="0">
               <a:latin typeface="SF UI Text" panose="00000400000000000000" pitchFamily="2" charset="0"/>
             </a:endParaRPr>
           </a:p>
@@ -5087,92 +5085,6 @@
       </p:sp>
       <p:sp>
         <p:nvSpPr>
-          <p:cNvPr id="14346" name="Rectangle 12"/>
-          <p:cNvSpPr>
-            <a:spLocks noChangeArrowheads="1"/>
-          </p:cNvSpPr>
-          <p:nvPr/>
-        </p:nvSpPr>
-        <p:spPr bwMode="auto">
-          <a:xfrm>
-            <a:off x="222250" y="1479550"/>
-            <a:ext cx="8639362" cy="1384995"/>
-          </a:xfrm>
-          <a:prstGeom prst="rect">
-            <a:avLst/>
-          </a:prstGeom>
-        </p:spPr>
-        <p:style>
-          <a:lnRef idx="1">
-            <a:schemeClr val="accent1"/>
-          </a:lnRef>
-          <a:fillRef idx="2">
-            <a:schemeClr val="accent1"/>
-          </a:fillRef>
-          <a:effectRef idx="1">
-            <a:schemeClr val="accent1"/>
-          </a:effectRef>
-          <a:fontRef idx="minor">
-            <a:schemeClr val="dk1"/>
-          </a:fontRef>
-        </p:style>
-        <p:txBody>
-          <a:bodyPr wrap="square">
-            <a:spAutoFit/>
-          </a:bodyPr>
-          <a:lstStyle/>
-          <a:p>
-            <a:endParaRPr lang="en-US" sz="1600" i="1" dirty="0">
-              <a:solidFill>
-                <a:srgbClr val="003F82"/>
-              </a:solidFill>
-            </a:endParaRPr>
-          </a:p>
-          <a:p>
-            <a:r>
-              <a:rPr lang="ru-RU" sz="1600" i="1" dirty="0">
-                <a:solidFill>
-                  <a:srgbClr val="003F82"/>
-                </a:solidFill>
-              </a:rPr>
-              <a:t>АРХИТЕКТУРА ПРИЛОЖЕНИЯ, диаграммы, в т.ч. классов</a:t>
-            </a:r>
-          </a:p>
-          <a:p>
-            <a:endParaRPr lang="en-US" sz="1600" i="1" dirty="0">
-              <a:solidFill>
-                <a:srgbClr val="003F82"/>
-              </a:solidFill>
-            </a:endParaRPr>
-          </a:p>
-          <a:p>
-            <a:endParaRPr lang="ru-RU" sz="1200" i="1" dirty="0">
-              <a:solidFill>
-                <a:srgbClr val="003F82"/>
-              </a:solidFill>
-              <a:latin typeface="Arial" panose="020B0604020202020204" pitchFamily="34" charset="0"/>
-            </a:endParaRPr>
-          </a:p>
-          <a:p>
-            <a:endParaRPr lang="ru-RU" sz="1200" i="1" dirty="0">
-              <a:solidFill>
-                <a:srgbClr val="003F82"/>
-              </a:solidFill>
-              <a:latin typeface="Arial" panose="020B0604020202020204" pitchFamily="34" charset="0"/>
-            </a:endParaRPr>
-          </a:p>
-          <a:p>
-            <a:endParaRPr lang="ru-RU" sz="1200" i="1" dirty="0">
-              <a:solidFill>
-                <a:srgbClr val="003F82"/>
-              </a:solidFill>
-              <a:latin typeface="Arial" panose="020B0604020202020204" pitchFamily="34" charset="0"/>
-            </a:endParaRPr>
-          </a:p>
-        </p:txBody>
-      </p:sp>
-      <p:sp>
-        <p:nvSpPr>
           <p:cNvPr id="11" name="Номер слайда 10"/>
           <p:cNvSpPr>
             <a:spLocks noGrp="1"/>
@@ -5205,6 +5117,60 @@
           </a:p>
         </p:txBody>
       </p:sp>
+      <p:pic>
+        <p:nvPicPr>
+          <p:cNvPr id="1026" name="Picture 2" descr="Untitled"/>
+          <p:cNvPicPr>
+            <a:picLocks noChangeAspect="1" noChangeArrowheads="1"/>
+          </p:cNvPicPr>
+          <p:nvPr/>
+        </p:nvPicPr>
+        <p:blipFill>
+          <a:blip r:embed="rId2">
+            <a:extLst>
+              <a:ext uri="{28A0092B-C50C-407E-A947-70E740481C1C}">
+                <a14:useLocalDpi xmlns:a14="http://schemas.microsoft.com/office/drawing/2010/main" val="0"/>
+              </a:ext>
+            </a:extLst>
+          </a:blip>
+          <a:srcRect/>
+          <a:stretch>
+            <a:fillRect/>
+          </a:stretch>
+        </p:blipFill>
+        <p:spPr bwMode="auto">
+          <a:xfrm>
+            <a:off x="1688608" y="2409825"/>
+            <a:ext cx="6430963" cy="1630363"/>
+          </a:xfrm>
+          <a:prstGeom prst="rect">
+            <a:avLst/>
+          </a:prstGeom>
+          <a:noFill/>
+          <a:ln>
+            <a:noFill/>
+          </a:ln>
+          <a:extLst>
+            <a:ext uri="{909E8E84-426E-40DD-AFC4-6F175D3DCCD1}">
+              <a14:hiddenFill xmlns:a14="http://schemas.microsoft.com/office/drawing/2010/main">
+                <a:solidFill>
+                  <a:srgbClr val="FFFFFF"/>
+                </a:solidFill>
+              </a14:hiddenFill>
+            </a:ext>
+            <a:ext uri="{91240B29-F687-4F45-9708-019B960494DF}">
+              <a14:hiddenLine xmlns:a14="http://schemas.microsoft.com/office/drawing/2010/main" w="9525">
+                <a:solidFill>
+                  <a:srgbClr val="000000"/>
+                </a:solidFill>
+                <a:miter lim="800000"/>
+                <a:headEnd/>
+                <a:tailEnd/>
+              </a14:hiddenLine>
+            </a:ext>
+          </a:extLst>
+        </p:spPr>
+      </p:pic>
     </p:spTree>
   </p:cSld>
   <p:clrMapOvr>
@@ -5290,8 +5256,8 @@
         </p:nvSpPr>
         <p:spPr bwMode="auto">
           <a:xfrm>
-            <a:off x="1428749" y="428625"/>
-            <a:ext cx="7432863" cy="412750"/>
+            <a:off x="0" y="288665"/>
+            <a:ext cx="9143999" cy="412750"/>
           </a:xfrm>
           <a:prstGeom prst="rect">
             <a:avLst/>
@@ -5308,249 +5274,13 @@
           <a:p>
             <a:pPr algn="ctr"/>
             <a:r>
-              <a:rPr lang="ru-RU" sz="2400" b="1" dirty="0">
+              <a:rPr lang="ru-RU" sz="3200" dirty="0" smtClean="0">
                 <a:latin typeface="SF UI Text" panose="00000400000000000000" pitchFamily="2" charset="0"/>
               </a:rPr>
-              <a:t>Технологии и инструменты реализации</a:t>
-            </a:r>
-            <a:endParaRPr lang="en-US" sz="2400" b="1" dirty="0">
+              <a:t>Основные результаты работы</a:t>
+            </a:r>
+            <a:endParaRPr lang="en-US" sz="3200" dirty="0">
               <a:latin typeface="SF UI Text" panose="00000400000000000000" pitchFamily="2" charset="0"/>
-            </a:endParaRPr>
-          </a:p>
-        </p:txBody>
-      </p:sp>
-      <p:sp>
-        <p:nvSpPr>
-          <p:cNvPr id="14343" name="Rectangle 9"/>
-          <p:cNvSpPr>
-            <a:spLocks noChangeArrowheads="1"/>
-          </p:cNvSpPr>
-          <p:nvPr/>
-        </p:nvSpPr>
-        <p:spPr bwMode="auto">
-          <a:xfrm>
-            <a:off x="7300913" y="2255838"/>
-            <a:ext cx="674687" cy="369887"/>
-          </a:xfrm>
-          <a:prstGeom prst="rect">
-            <a:avLst/>
-          </a:prstGeom>
-          <a:noFill/>
-          <a:ln w="9525">
-            <a:noFill/>
-            <a:miter lim="800000"/>
-          </a:ln>
-        </p:spPr>
-        <p:txBody>
-          <a:bodyPr wrap="none">
-            <a:spAutoFit/>
-          </a:bodyPr>
-          <a:lstStyle/>
-          <a:p>
-            <a:r>
-              <a:rPr lang="ru-RU">
-                <a:solidFill>
-                  <a:srgbClr val="FFFFFF"/>
-                </a:solidFill>
-              </a:rPr>
-              <a:t>фото</a:t>
-            </a:r>
-            <a:endParaRPr lang="en-US">
-              <a:solidFill>
-                <a:srgbClr val="FFFFFF"/>
-              </a:solidFill>
-            </a:endParaRPr>
-          </a:p>
-        </p:txBody>
-      </p:sp>
-      <p:sp>
-        <p:nvSpPr>
-          <p:cNvPr id="14344" name="Rectangle 10"/>
-          <p:cNvSpPr>
-            <a:spLocks noChangeArrowheads="1"/>
-          </p:cNvSpPr>
-          <p:nvPr/>
-        </p:nvSpPr>
-        <p:spPr bwMode="auto">
-          <a:xfrm>
-            <a:off x="7300913" y="3967163"/>
-            <a:ext cx="674687" cy="368300"/>
-          </a:xfrm>
-          <a:prstGeom prst="rect">
-            <a:avLst/>
-          </a:prstGeom>
-          <a:noFill/>
-          <a:ln w="9525">
-            <a:noFill/>
-            <a:miter lim="800000"/>
-          </a:ln>
-        </p:spPr>
-        <p:txBody>
-          <a:bodyPr wrap="none">
-            <a:spAutoFit/>
-          </a:bodyPr>
-          <a:lstStyle/>
-          <a:p>
-            <a:r>
-              <a:rPr lang="ru-RU">
-                <a:solidFill>
-                  <a:srgbClr val="FFFFFF"/>
-                </a:solidFill>
-              </a:rPr>
-              <a:t>фото</a:t>
-            </a:r>
-            <a:endParaRPr lang="en-US">
-              <a:solidFill>
-                <a:srgbClr val="FFFFFF"/>
-              </a:solidFill>
-            </a:endParaRPr>
-          </a:p>
-        </p:txBody>
-      </p:sp>
-      <p:sp>
-        <p:nvSpPr>
-          <p:cNvPr id="14345" name="Rectangle 11"/>
-          <p:cNvSpPr>
-            <a:spLocks noChangeArrowheads="1"/>
-          </p:cNvSpPr>
-          <p:nvPr/>
-        </p:nvSpPr>
-        <p:spPr bwMode="auto">
-          <a:xfrm>
-            <a:off x="7300913" y="5591175"/>
-            <a:ext cx="674687" cy="369888"/>
-          </a:xfrm>
-          <a:prstGeom prst="rect">
-            <a:avLst/>
-          </a:prstGeom>
-          <a:noFill/>
-          <a:ln w="9525">
-            <a:noFill/>
-            <a:miter lim="800000"/>
-          </a:ln>
-        </p:spPr>
-        <p:txBody>
-          <a:bodyPr wrap="none">
-            <a:spAutoFit/>
-          </a:bodyPr>
-          <a:lstStyle/>
-          <a:p>
-            <a:r>
-              <a:rPr lang="ru-RU">
-                <a:solidFill>
-                  <a:srgbClr val="FFFFFF"/>
-                </a:solidFill>
-              </a:rPr>
-              <a:t>фото</a:t>
-            </a:r>
-            <a:endParaRPr lang="en-US">
-              <a:solidFill>
-                <a:srgbClr val="FFFFFF"/>
-              </a:solidFill>
-            </a:endParaRPr>
-          </a:p>
-        </p:txBody>
-      </p:sp>
-      <p:sp>
-        <p:nvSpPr>
-          <p:cNvPr id="14346" name="Rectangle 12"/>
-          <p:cNvSpPr>
-            <a:spLocks noChangeArrowheads="1"/>
-          </p:cNvSpPr>
-          <p:nvPr/>
-        </p:nvSpPr>
-        <p:spPr bwMode="auto">
-          <a:xfrm>
-            <a:off x="222250" y="1479550"/>
-            <a:ext cx="8639362" cy="1631216"/>
-          </a:xfrm>
-          <a:prstGeom prst="rect">
-            <a:avLst/>
-          </a:prstGeom>
-        </p:spPr>
-        <p:style>
-          <a:lnRef idx="1">
-            <a:schemeClr val="accent1"/>
-          </a:lnRef>
-          <a:fillRef idx="2">
-            <a:schemeClr val="accent1"/>
-          </a:fillRef>
-          <a:effectRef idx="1">
-            <a:schemeClr val="accent1"/>
-          </a:effectRef>
-          <a:fontRef idx="minor">
-            <a:schemeClr val="dk1"/>
-          </a:fontRef>
-        </p:style>
-        <p:txBody>
-          <a:bodyPr wrap="square">
-            <a:spAutoFit/>
-          </a:bodyPr>
-          <a:lstStyle/>
-          <a:p>
-            <a:endParaRPr lang="en-US" sz="1600" i="1" dirty="0">
-              <a:solidFill>
-                <a:srgbClr val="003F82"/>
-              </a:solidFill>
-            </a:endParaRPr>
-          </a:p>
-          <a:p>
-            <a:r>
-              <a:rPr lang="ru-RU" sz="1200" i="1" dirty="0">
-                <a:solidFill>
-                  <a:srgbClr val="003F82"/>
-                </a:solidFill>
-                <a:latin typeface="Arial" panose="020B0604020202020204" pitchFamily="34" charset="0"/>
-              </a:rPr>
-              <a:t>ОПИСАНИЕ ОСОБЕННОСТЕЙ ПРОГРАММНОЙ РЕАЛИЗАЦИИ И Т.П.</a:t>
-            </a:r>
-          </a:p>
-          <a:p>
-            <a:endParaRPr lang="ru-RU" sz="1200" i="1" dirty="0">
-              <a:solidFill>
-                <a:srgbClr val="003F82"/>
-              </a:solidFill>
-              <a:latin typeface="Arial" panose="020B0604020202020204" pitchFamily="34" charset="0"/>
-            </a:endParaRPr>
-          </a:p>
-          <a:p>
-            <a:endParaRPr lang="ru-RU" sz="1200" i="1" dirty="0">
-              <a:solidFill>
-                <a:srgbClr val="003F82"/>
-              </a:solidFill>
-              <a:latin typeface="Arial" panose="020B0604020202020204" pitchFamily="34" charset="0"/>
-            </a:endParaRPr>
-          </a:p>
-          <a:p>
-            <a:endParaRPr lang="ru-RU" sz="1200" i="1" dirty="0">
-              <a:solidFill>
-                <a:srgbClr val="003F82"/>
-              </a:solidFill>
-              <a:latin typeface="Arial" panose="020B0604020202020204" pitchFamily="34" charset="0"/>
-            </a:endParaRPr>
-          </a:p>
-          <a:p>
-            <a:endParaRPr lang="ru-RU" sz="1200" i="1" dirty="0">
-              <a:solidFill>
-                <a:srgbClr val="003F82"/>
-              </a:solidFill>
-              <a:latin typeface="Arial" panose="020B0604020202020204" pitchFamily="34" charset="0"/>
-            </a:endParaRPr>
-          </a:p>
-          <a:p>
-            <a:endParaRPr lang="ru-RU" sz="1200" i="1" dirty="0">
-              <a:solidFill>
-                <a:srgbClr val="003F82"/>
-              </a:solidFill>
-              <a:latin typeface="Arial" panose="020B0604020202020204" pitchFamily="34" charset="0"/>
-            </a:endParaRPr>
-          </a:p>
-          <a:p>
-            <a:endParaRPr lang="ru-RU" sz="1200" i="1" dirty="0">
-              <a:solidFill>
-                <a:srgbClr val="003F82"/>
-              </a:solidFill>
-              <a:latin typeface="Arial" panose="020B0604020202020204" pitchFamily="34" charset="0"/>
             </a:endParaRPr>
           </a:p>
         </p:txBody>
@@ -5589,6 +5319,416 @@
           </a:p>
         </p:txBody>
       </p:sp>
+      <p:pic>
+        <p:nvPicPr>
+          <p:cNvPr id="2050" name="Picture 2" descr="https://github.com/M2000h/HSE-APP/raw/master/screenshots/main_rus_white.jpg"/>
+          <p:cNvPicPr>
+            <a:picLocks noChangeAspect="1" noChangeArrowheads="1"/>
+          </p:cNvPicPr>
+          <p:nvPr/>
+        </p:nvPicPr>
+        <p:blipFill>
+          <a:blip r:embed="rId2">
+            <a:extLst>
+              <a:ext uri="{28A0092B-C50C-407E-A947-70E740481C1C}">
+                <a14:useLocalDpi xmlns:a14="http://schemas.microsoft.com/office/drawing/2010/main" val="0"/>
+              </a:ext>
+            </a:extLst>
+          </a:blip>
+          <a:srcRect/>
+          <a:stretch>
+            <a:fillRect/>
+          </a:stretch>
+        </p:blipFill>
+        <p:spPr bwMode="auto">
+          <a:xfrm>
+            <a:off x="838304" y="1185573"/>
+            <a:ext cx="1338511" cy="2677021"/>
+          </a:xfrm>
+          <a:prstGeom prst="rect">
+            <a:avLst/>
+          </a:prstGeom>
+          <a:noFill/>
+          <a:extLst>
+            <a:ext uri="{909E8E84-426E-40DD-AFC4-6F175D3DCCD1}">
+              <a14:hiddenFill xmlns:a14="http://schemas.microsoft.com/office/drawing/2010/main">
+                <a:solidFill>
+                  <a:srgbClr val="FFFFFF"/>
+                </a:solidFill>
+              </a14:hiddenFill>
+            </a:ext>
+          </a:extLst>
+        </p:spPr>
+      </p:pic>
+      <p:pic>
+        <p:nvPicPr>
+          <p:cNvPr id="2052" name="Picture 4" descr="https://github.com/M2000h/HSE-APP/raw/master/screenshots/main_en_white.jpg"/>
+          <p:cNvPicPr>
+            <a:picLocks noChangeAspect="1" noChangeArrowheads="1"/>
+          </p:cNvPicPr>
+          <p:nvPr/>
+        </p:nvPicPr>
+        <p:blipFill>
+          <a:blip r:embed="rId3">
+            <a:extLst>
+              <a:ext uri="{28A0092B-C50C-407E-A947-70E740481C1C}">
+                <a14:useLocalDpi xmlns:a14="http://schemas.microsoft.com/office/drawing/2010/main" val="0"/>
+              </a:ext>
+            </a:extLst>
+          </a:blip>
+          <a:srcRect/>
+          <a:stretch>
+            <a:fillRect/>
+          </a:stretch>
+        </p:blipFill>
+        <p:spPr bwMode="auto">
+          <a:xfrm>
+            <a:off x="2267876" y="1176450"/>
+            <a:ext cx="1342600" cy="2685197"/>
+          </a:xfrm>
+          <a:prstGeom prst="rect">
+            <a:avLst/>
+          </a:prstGeom>
+          <a:noFill/>
+          <a:extLst>
+            <a:ext uri="{909E8E84-426E-40DD-AFC4-6F175D3DCCD1}">
+              <a14:hiddenFill xmlns:a14="http://schemas.microsoft.com/office/drawing/2010/main">
+                <a:solidFill>
+                  <a:srgbClr val="FFFFFF"/>
+                </a:solidFill>
+              </a14:hiddenFill>
+            </a:ext>
+          </a:extLst>
+        </p:spPr>
+      </p:pic>
+      <p:pic>
+        <p:nvPicPr>
+          <p:cNvPr id="2054" name="Picture 6" descr="https://github.com/M2000h/HSE-APP/raw/master/screenshots/main_rus_black.jpg"/>
+          <p:cNvPicPr>
+            <a:picLocks noChangeAspect="1" noChangeArrowheads="1"/>
+          </p:cNvPicPr>
+          <p:nvPr/>
+        </p:nvPicPr>
+        <p:blipFill>
+          <a:blip r:embed="rId4">
+            <a:extLst>
+              <a:ext uri="{28A0092B-C50C-407E-A947-70E740481C1C}">
+                <a14:useLocalDpi xmlns:a14="http://schemas.microsoft.com/office/drawing/2010/main" val="0"/>
+              </a:ext>
+            </a:extLst>
+          </a:blip>
+          <a:srcRect/>
+          <a:stretch>
+            <a:fillRect/>
+          </a:stretch>
+        </p:blipFill>
+        <p:spPr bwMode="auto">
+          <a:xfrm>
+            <a:off x="846778" y="4034035"/>
+            <a:ext cx="1337015" cy="2674029"/>
+          </a:xfrm>
+          <a:prstGeom prst="rect">
+            <a:avLst/>
+          </a:prstGeom>
+          <a:noFill/>
+          <a:extLst>
+            <a:ext uri="{909E8E84-426E-40DD-AFC4-6F175D3DCCD1}">
+              <a14:hiddenFill xmlns:a14="http://schemas.microsoft.com/office/drawing/2010/main">
+                <a:solidFill>
+                  <a:srgbClr val="FFFFFF"/>
+                </a:solidFill>
+              </a14:hiddenFill>
+            </a:ext>
+          </a:extLst>
+        </p:spPr>
+      </p:pic>
+      <p:pic>
+        <p:nvPicPr>
+          <p:cNvPr id="2056" name="Picture 8" descr="https://github.com/M2000h/HSE-APP/raw/master/screenshots/main_en_black.jpg"/>
+          <p:cNvPicPr>
+            <a:picLocks noChangeAspect="1" noChangeArrowheads="1"/>
+          </p:cNvPicPr>
+          <p:nvPr/>
+        </p:nvPicPr>
+        <p:blipFill>
+          <a:blip r:embed="rId5">
+            <a:extLst>
+              <a:ext uri="{28A0092B-C50C-407E-A947-70E740481C1C}">
+                <a14:useLocalDpi xmlns:a14="http://schemas.microsoft.com/office/drawing/2010/main" val="0"/>
+              </a:ext>
+            </a:extLst>
+          </a:blip>
+          <a:srcRect/>
+          <a:stretch>
+            <a:fillRect/>
+          </a:stretch>
+        </p:blipFill>
+        <p:spPr bwMode="auto">
+          <a:xfrm>
+            <a:off x="2267042" y="4019530"/>
+            <a:ext cx="1344268" cy="2688534"/>
+          </a:xfrm>
+          <a:prstGeom prst="rect">
+            <a:avLst/>
+          </a:prstGeom>
+          <a:noFill/>
+          <a:extLst>
+            <a:ext uri="{909E8E84-426E-40DD-AFC4-6F175D3DCCD1}">
+              <a14:hiddenFill xmlns:a14="http://schemas.microsoft.com/office/drawing/2010/main">
+                <a:solidFill>
+                  <a:srgbClr val="FFFFFF"/>
+                </a:solidFill>
+              </a14:hiddenFill>
+            </a:ext>
+          </a:extLst>
+        </p:spPr>
+      </p:pic>
+      <p:pic>
+        <p:nvPicPr>
+          <p:cNvPr id="2058" name="Picture 10" descr="https://github.com/M2000h/HSE-APP/raw/master/screenshots/event_white_rus.jpg"/>
+          <p:cNvPicPr>
+            <a:picLocks noChangeAspect="1" noChangeArrowheads="1"/>
+          </p:cNvPicPr>
+          <p:nvPr/>
+        </p:nvPicPr>
+        <p:blipFill>
+          <a:blip r:embed="rId6">
+            <a:extLst>
+              <a:ext uri="{28A0092B-C50C-407E-A947-70E740481C1C}">
+                <a14:useLocalDpi xmlns:a14="http://schemas.microsoft.com/office/drawing/2010/main" val="0"/>
+              </a:ext>
+            </a:extLst>
+          </a:blip>
+          <a:srcRect/>
+          <a:stretch>
+            <a:fillRect/>
+          </a:stretch>
+        </p:blipFill>
+        <p:spPr bwMode="auto">
+          <a:xfrm>
+            <a:off x="3700919" y="1191274"/>
+            <a:ext cx="1339748" cy="2679496"/>
+          </a:xfrm>
+          <a:prstGeom prst="rect">
+            <a:avLst/>
+          </a:prstGeom>
+          <a:noFill/>
+          <a:extLst>
+            <a:ext uri="{909E8E84-426E-40DD-AFC4-6F175D3DCCD1}">
+              <a14:hiddenFill xmlns:a14="http://schemas.microsoft.com/office/drawing/2010/main">
+                <a:solidFill>
+                  <a:srgbClr val="FFFFFF"/>
+                </a:solidFill>
+              </a14:hiddenFill>
+            </a:ext>
+          </a:extLst>
+        </p:spPr>
+      </p:pic>
+      <p:pic>
+        <p:nvPicPr>
+          <p:cNvPr id="2060" name="Picture 12" descr="https://github.com/M2000h/HSE-APP/raw/master/screenshots/event_black.jpg"/>
+          <p:cNvPicPr>
+            <a:picLocks noChangeAspect="1" noChangeArrowheads="1"/>
+          </p:cNvPicPr>
+          <p:nvPr/>
+        </p:nvPicPr>
+        <p:blipFill>
+          <a:blip r:embed="rId7">
+            <a:extLst>
+              <a:ext uri="{28A0092B-C50C-407E-A947-70E740481C1C}">
+                <a14:useLocalDpi xmlns:a14="http://schemas.microsoft.com/office/drawing/2010/main" val="0"/>
+              </a:ext>
+            </a:extLst>
+          </a:blip>
+          <a:srcRect/>
+          <a:stretch>
+            <a:fillRect/>
+          </a:stretch>
+        </p:blipFill>
+        <p:spPr bwMode="auto">
+          <a:xfrm flipH="1">
+            <a:off x="3690242" y="4020625"/>
+            <a:ext cx="1350425" cy="2700850"/>
+          </a:xfrm>
+          <a:prstGeom prst="rect">
+            <a:avLst/>
+          </a:prstGeom>
+          <a:noFill/>
+          <a:extLst>
+            <a:ext uri="{909E8E84-426E-40DD-AFC4-6F175D3DCCD1}">
+              <a14:hiddenFill xmlns:a14="http://schemas.microsoft.com/office/drawing/2010/main">
+                <a:solidFill>
+                  <a:srgbClr val="FFFFFF"/>
+                </a:solidFill>
+              </a14:hiddenFill>
+            </a:ext>
+          </a:extLst>
+        </p:spPr>
+      </p:pic>
+      <p:pic>
+        <p:nvPicPr>
+          <p:cNvPr id="2062" name="Picture 14" descr="https://github.com/M2000h/HSE-APP/raw/master/screenshots/search_rus_white.jpg"/>
+          <p:cNvPicPr>
+            <a:picLocks noChangeAspect="1" noChangeArrowheads="1"/>
+          </p:cNvPicPr>
+          <p:nvPr/>
+        </p:nvPicPr>
+        <p:blipFill>
+          <a:blip r:embed="rId8">
+            <a:extLst>
+              <a:ext uri="{28A0092B-C50C-407E-A947-70E740481C1C}">
+                <a14:useLocalDpi xmlns:a14="http://schemas.microsoft.com/office/drawing/2010/main" val="0"/>
+              </a:ext>
+            </a:extLst>
+          </a:blip>
+          <a:srcRect/>
+          <a:stretch>
+            <a:fillRect/>
+          </a:stretch>
+        </p:blipFill>
+        <p:spPr bwMode="auto">
+          <a:xfrm>
+            <a:off x="5131110" y="1183098"/>
+            <a:ext cx="1338511" cy="2677021"/>
+          </a:xfrm>
+          <a:prstGeom prst="rect">
+            <a:avLst/>
+          </a:prstGeom>
+          <a:noFill/>
+          <a:extLst>
+            <a:ext uri="{909E8E84-426E-40DD-AFC4-6F175D3DCCD1}">
+              <a14:hiddenFill xmlns:a14="http://schemas.microsoft.com/office/drawing/2010/main">
+                <a:solidFill>
+                  <a:srgbClr val="FFFFFF"/>
+                </a:solidFill>
+              </a14:hiddenFill>
+            </a:ext>
+          </a:extLst>
+        </p:spPr>
+      </p:pic>
+      <p:pic>
+        <p:nvPicPr>
+          <p:cNvPr id="2064" name="Picture 16" descr="https://github.com/M2000h/HSE-APP/raw/master/screenshots/set_white.jpg"/>
+          <p:cNvPicPr>
+            <a:picLocks noChangeAspect="1" noChangeArrowheads="1"/>
+          </p:cNvPicPr>
+          <p:nvPr/>
+        </p:nvPicPr>
+        <p:blipFill>
+          <a:blip r:embed="rId9">
+            <a:extLst>
+              <a:ext uri="{28A0092B-C50C-407E-A947-70E740481C1C}">
+                <a14:useLocalDpi xmlns:a14="http://schemas.microsoft.com/office/drawing/2010/main" val="0"/>
+              </a:ext>
+            </a:extLst>
+          </a:blip>
+          <a:srcRect/>
+          <a:stretch>
+            <a:fillRect/>
+          </a:stretch>
+        </p:blipFill>
+        <p:spPr bwMode="auto">
+          <a:xfrm>
+            <a:off x="6552256" y="1183098"/>
+            <a:ext cx="1339275" cy="2678549"/>
+          </a:xfrm>
+          <a:prstGeom prst="rect">
+            <a:avLst/>
+          </a:prstGeom>
+          <a:noFill/>
+          <a:extLst>
+            <a:ext uri="{909E8E84-426E-40DD-AFC4-6F175D3DCCD1}">
+              <a14:hiddenFill xmlns:a14="http://schemas.microsoft.com/office/drawing/2010/main">
+                <a:solidFill>
+                  <a:srgbClr val="FFFFFF"/>
+                </a:solidFill>
+              </a14:hiddenFill>
+            </a:ext>
+          </a:extLst>
+        </p:spPr>
+      </p:pic>
+      <p:pic>
+        <p:nvPicPr>
+          <p:cNvPr id="2066" name="Picture 18" descr="https://github.com/M2000h/HSE-APP/raw/master/screenshots/search_rus_black.jpg"/>
+          <p:cNvPicPr>
+            <a:picLocks noChangeAspect="1" noChangeArrowheads="1"/>
+          </p:cNvPicPr>
+          <p:nvPr/>
+        </p:nvPicPr>
+        <p:blipFill>
+          <a:blip r:embed="rId10">
+            <a:extLst>
+              <a:ext uri="{28A0092B-C50C-407E-A947-70E740481C1C}">
+                <a14:useLocalDpi xmlns:a14="http://schemas.microsoft.com/office/drawing/2010/main" val="0"/>
+              </a:ext>
+            </a:extLst>
+          </a:blip>
+          <a:srcRect/>
+          <a:stretch>
+            <a:fillRect/>
+          </a:stretch>
+        </p:blipFill>
+        <p:spPr bwMode="auto">
+          <a:xfrm>
+            <a:off x="5123916" y="4020625"/>
+            <a:ext cx="1343173" cy="2686345"/>
+          </a:xfrm>
+          <a:prstGeom prst="rect">
+            <a:avLst/>
+          </a:prstGeom>
+          <a:noFill/>
+          <a:extLst>
+            <a:ext uri="{909E8E84-426E-40DD-AFC4-6F175D3DCCD1}">
+              <a14:hiddenFill xmlns:a14="http://schemas.microsoft.com/office/drawing/2010/main">
+                <a:solidFill>
+                  <a:srgbClr val="FFFFFF"/>
+                </a:solidFill>
+              </a14:hiddenFill>
+            </a:ext>
+          </a:extLst>
+        </p:spPr>
+      </p:pic>
+      <p:pic>
+        <p:nvPicPr>
+          <p:cNvPr id="2068" name="Picture 20" descr="https://github.com/M2000h/HSE-APP/raw/master/screenshots/set_black.jpg"/>
+          <p:cNvPicPr>
+            <a:picLocks noChangeAspect="1" noChangeArrowheads="1"/>
+          </p:cNvPicPr>
+          <p:nvPr/>
+        </p:nvPicPr>
+        <p:blipFill>
+          <a:blip r:embed="rId11">
+            <a:extLst>
+              <a:ext uri="{28A0092B-C50C-407E-A947-70E740481C1C}">
+                <a14:useLocalDpi xmlns:a14="http://schemas.microsoft.com/office/drawing/2010/main" val="0"/>
+              </a:ext>
+            </a:extLst>
+          </a:blip>
+          <a:srcRect/>
+          <a:stretch>
+            <a:fillRect/>
+          </a:stretch>
+        </p:blipFill>
+        <p:spPr bwMode="auto">
+          <a:xfrm>
+            <a:off x="6544422" y="4020625"/>
+            <a:ext cx="1350425" cy="2700850"/>
+          </a:xfrm>
+          <a:prstGeom prst="rect">
+            <a:avLst/>
+          </a:prstGeom>
+          <a:noFill/>
+          <a:extLst>
+            <a:ext uri="{909E8E84-426E-40DD-AFC4-6F175D3DCCD1}">
+              <a14:hiddenFill xmlns:a14="http://schemas.microsoft.com/office/drawing/2010/main">
+                <a:solidFill>
+                  <a:srgbClr val="FFFFFF"/>
+                </a:solidFill>
+              </a14:hiddenFill>
+            </a:ext>
+          </a:extLst>
+        </p:spPr>
+      </p:pic>
     </p:spTree>
   </p:cSld>
   <p:clrMapOvr>
@@ -5692,12 +5832,12 @@
           <a:p>
             <a:pPr algn="ctr"/>
             <a:r>
-              <a:rPr lang="ru-RU" sz="2400" b="1" dirty="0">
+              <a:rPr lang="ru-RU" sz="3200" dirty="0">
                 <a:latin typeface="SF UI Text" panose="00000400000000000000" pitchFamily="2" charset="0"/>
               </a:rPr>
-              <a:t>Технологии и инструменты реализации</a:t>
-            </a:r>
-            <a:endParaRPr lang="en-US" sz="2400" b="1" dirty="0">
+              <a:t>Пути дальнейшей работы</a:t>
+            </a:r>
+            <a:endParaRPr lang="en-US" sz="3200" dirty="0">
               <a:latin typeface="SF UI Text" panose="00000400000000000000" pitchFamily="2" charset="0"/>
             </a:endParaRPr>
           </a:p>
@@ -5749,7 +5889,7 @@
       </p:sp>
       <p:sp>
         <p:nvSpPr>
-          <p:cNvPr id="14344" name="Rectangle 10"/>
+          <p:cNvPr id="14345" name="Rectangle 11"/>
           <p:cNvSpPr>
             <a:spLocks noChangeArrowheads="1"/>
           </p:cNvSpPr>
@@ -5757,8 +5897,8 @@
         </p:nvSpPr>
         <p:spPr bwMode="auto">
           <a:xfrm>
-            <a:off x="7300913" y="3967163"/>
-            <a:ext cx="674687" cy="368300"/>
+            <a:off x="7300913" y="5591175"/>
+            <a:ext cx="674687" cy="369888"/>
           </a:xfrm>
           <a:prstGeom prst="rect">
             <a:avLst/>
@@ -5793,7 +5933,46 @@
       </p:sp>
       <p:sp>
         <p:nvSpPr>
-          <p:cNvPr id="14345" name="Rectangle 11"/>
+          <p:cNvPr id="7" name="Номер слайда 6"/>
+          <p:cNvSpPr>
+            <a:spLocks noGrp="1"/>
+          </p:cNvSpPr>
+          <p:nvPr>
+            <p:ph type="sldNum" sz="quarter" idx="12"/>
+          </p:nvPr>
+        </p:nvSpPr>
+        <p:spPr>
+          <a:xfrm>
+            <a:off x="8451475" y="6356350"/>
+            <a:ext cx="470647" cy="365125"/>
+          </a:xfrm>
+        </p:spPr>
+        <p:txBody>
+          <a:bodyPr/>
+          <a:lstStyle/>
+          <a:p>
+            <a:pPr>
+              <a:defRPr/>
+            </a:pPr>
+            <a:fld id="{CB65F501-F5CC-4E12-934E-78BB5E4DA208}" type="slidenum">
+              <a:rPr lang="en-US" sz="1800" smtClean="0">
+                <a:solidFill>
+                  <a:schemeClr val="tx1"/>
+                </a:solidFill>
+              </a:rPr>
+              <a:t>12</a:t>
+            </a:fld>
+            <a:endParaRPr lang="en-US" sz="1800" dirty="0">
+              <a:solidFill>
+                <a:schemeClr val="tx1"/>
+              </a:solidFill>
+            </a:endParaRPr>
+          </a:p>
+        </p:txBody>
+      </p:sp>
+      <p:sp>
+        <p:nvSpPr>
+          <p:cNvPr id="9" name="Rectangle 12"/>
           <p:cNvSpPr>
             <a:spLocks noChangeArrowheads="1"/>
           </p:cNvSpPr>
@@ -5801,8 +5980,8 @@
         </p:nvSpPr>
         <p:spPr bwMode="auto">
           <a:xfrm>
-            <a:off x="7300913" y="5591175"/>
-            <a:ext cx="674687" cy="369888"/>
+            <a:off x="255588" y="1581141"/>
+            <a:ext cx="8666533" cy="1384995"/>
           </a:xfrm>
           <a:prstGeom prst="rect">
             <a:avLst/>
@@ -5814,199 +5993,37 @@
           </a:ln>
         </p:spPr>
         <p:txBody>
-          <a:bodyPr wrap="none">
-            <a:spAutoFit/>
-          </a:bodyPr>
-          <a:lstStyle/>
-          <a:p>
-            <a:r>
-              <a:rPr lang="ru-RU">
-                <a:solidFill>
-                  <a:srgbClr val="FFFFFF"/>
-                </a:solidFill>
-              </a:rPr>
-              <a:t>фото</a:t>
-            </a:r>
-            <a:endParaRPr lang="en-US">
-              <a:solidFill>
-                <a:srgbClr val="FFFFFF"/>
-              </a:solidFill>
-            </a:endParaRPr>
-          </a:p>
-        </p:txBody>
-      </p:sp>
-      <p:sp>
-        <p:nvSpPr>
-          <p:cNvPr id="14346" name="Rectangle 12"/>
-          <p:cNvSpPr>
-            <a:spLocks noChangeArrowheads="1"/>
-          </p:cNvSpPr>
-          <p:nvPr/>
-        </p:nvSpPr>
-        <p:spPr bwMode="auto">
-          <a:xfrm>
-            <a:off x="222250" y="1479550"/>
-            <a:ext cx="8639362" cy="2369880"/>
-          </a:xfrm>
-          <a:prstGeom prst="rect">
-            <a:avLst/>
-          </a:prstGeom>
-        </p:spPr>
-        <p:style>
-          <a:lnRef idx="1">
-            <a:schemeClr val="accent1"/>
-          </a:lnRef>
-          <a:fillRef idx="2">
-            <a:schemeClr val="accent1"/>
-          </a:fillRef>
-          <a:effectRef idx="1">
-            <a:schemeClr val="accent1"/>
-          </a:effectRef>
-          <a:fontRef idx="minor">
-            <a:schemeClr val="dk1"/>
-          </a:fontRef>
-        </p:style>
-        <p:txBody>
           <a:bodyPr wrap="square">
             <a:spAutoFit/>
           </a:bodyPr>
           <a:lstStyle/>
           <a:p>
-            <a:endParaRPr lang="en-US" sz="1600" i="1" dirty="0">
-              <a:solidFill>
-                <a:srgbClr val="003F82"/>
-              </a:solidFill>
-            </a:endParaRPr>
-          </a:p>
-          <a:p>
-            <a:endParaRPr lang="ru-RU" sz="1200" i="1" dirty="0">
-              <a:solidFill>
-                <a:srgbClr val="003F82"/>
-              </a:solidFill>
-              <a:latin typeface="Arial" panose="020B0604020202020204" pitchFamily="34" charset="0"/>
-            </a:endParaRPr>
-          </a:p>
-          <a:p>
-            <a:endParaRPr lang="ru-RU" sz="1200" i="1" dirty="0">
-              <a:solidFill>
-                <a:srgbClr val="003F82"/>
-              </a:solidFill>
-              <a:latin typeface="Arial" panose="020B0604020202020204" pitchFamily="34" charset="0"/>
-            </a:endParaRPr>
-          </a:p>
-          <a:p>
-            <a:r>
-              <a:rPr lang="ru-RU" sz="1200" i="1" dirty="0">
-                <a:solidFill>
-                  <a:srgbClr val="003F82"/>
-                </a:solidFill>
-                <a:latin typeface="Arial" panose="020B0604020202020204" pitchFamily="34" charset="0"/>
-              </a:rPr>
-              <a:t>Тестирование программы</a:t>
-            </a:r>
-          </a:p>
-          <a:p>
-            <a:endParaRPr lang="ru-RU" sz="1200" i="1" dirty="0">
-              <a:solidFill>
-                <a:srgbClr val="003F82"/>
-              </a:solidFill>
-              <a:latin typeface="Arial" panose="020B0604020202020204" pitchFamily="34" charset="0"/>
-            </a:endParaRPr>
-          </a:p>
-          <a:p>
-            <a:endParaRPr lang="ru-RU" sz="1200" i="1" dirty="0">
-              <a:solidFill>
-                <a:srgbClr val="003F82"/>
-              </a:solidFill>
-              <a:latin typeface="Arial" panose="020B0604020202020204" pitchFamily="34" charset="0"/>
-            </a:endParaRPr>
-          </a:p>
-          <a:p>
-            <a:r>
-              <a:rPr lang="ru-RU" sz="1200" i="1" dirty="0">
-                <a:solidFill>
-                  <a:srgbClr val="003F82"/>
-                </a:solidFill>
-                <a:latin typeface="Arial" panose="020B0604020202020204" pitchFamily="34" charset="0"/>
-              </a:rPr>
-              <a:t>ОПИСАНИЕ МЕТОДИКИ ИССЛЕДОВАНИЙ, </a:t>
-            </a:r>
-          </a:p>
-          <a:p>
-            <a:endParaRPr lang="ru-RU" sz="1200" i="1" dirty="0">
-              <a:solidFill>
-                <a:srgbClr val="003F82"/>
-              </a:solidFill>
-              <a:latin typeface="Arial" panose="020B0604020202020204" pitchFamily="34" charset="0"/>
-            </a:endParaRPr>
-          </a:p>
-          <a:p>
-            <a:r>
-              <a:rPr lang="ru-RU" sz="1200" i="1" dirty="0">
-                <a:solidFill>
-                  <a:srgbClr val="003F82"/>
-                </a:solidFill>
-                <a:latin typeface="Arial" panose="020B0604020202020204" pitchFamily="34" charset="0"/>
-              </a:rPr>
-              <a:t>План эксперимента</a:t>
-            </a:r>
-          </a:p>
-          <a:p>
-            <a:endParaRPr lang="ru-RU" sz="1200" i="1" dirty="0">
-              <a:solidFill>
-                <a:srgbClr val="003F82"/>
-              </a:solidFill>
-              <a:latin typeface="Arial" panose="020B0604020202020204" pitchFamily="34" charset="0"/>
-            </a:endParaRPr>
-          </a:p>
-          <a:p>
-            <a:endParaRPr lang="ru-RU" sz="1200" i="1" dirty="0">
-              <a:solidFill>
-                <a:srgbClr val="003F82"/>
-              </a:solidFill>
-              <a:latin typeface="Arial" panose="020B0604020202020204" pitchFamily="34" charset="0"/>
-            </a:endParaRPr>
-          </a:p>
-          <a:p>
-            <a:endParaRPr lang="ru-RU" sz="1200" i="1" dirty="0">
-              <a:solidFill>
-                <a:srgbClr val="003F82"/>
-              </a:solidFill>
-              <a:latin typeface="Arial" panose="020B0604020202020204" pitchFamily="34" charset="0"/>
-            </a:endParaRPr>
-          </a:p>
-        </p:txBody>
-      </p:sp>
-      <p:sp>
-        <p:nvSpPr>
-          <p:cNvPr id="11" name="Номер слайда 10"/>
-          <p:cNvSpPr>
-            <a:spLocks noGrp="1"/>
-          </p:cNvSpPr>
-          <p:nvPr>
-            <p:ph type="sldNum" sz="quarter" idx="12"/>
-          </p:nvPr>
-        </p:nvSpPr>
-        <p:spPr/>
-        <p:txBody>
-          <a:bodyPr vert="horz" wrap="square" lIns="91440" tIns="45720" rIns="91440" bIns="45720" numCol="1" anchor="ctr" anchorCtr="0" compatLnSpc="1"/>
-          <a:lstStyle/>
-          <a:p>
             <a:pPr>
-              <a:defRPr/>
+              <a:lnSpc>
+                <a:spcPct val="150000"/>
+              </a:lnSpc>
             </a:pPr>
-            <a:fld id="{CB65F501-F5CC-4E12-934E-78BB5E4DA208}" type="slidenum">
-              <a:rPr lang="en-US" sz="1800" smtClean="0">
-                <a:solidFill>
-                  <a:schemeClr val="tx1"/>
-                </a:solidFill>
-              </a:rPr>
-              <a:t>12</a:t>
-            </a:fld>
-            <a:endParaRPr lang="en-US" sz="1800">
-              <a:solidFill>
-                <a:schemeClr val="tx1"/>
-              </a:solidFill>
+            <a:r>
+              <a:rPr lang="ru-RU" sz="2800" dirty="0" smtClean="0">
+                <a:latin typeface="SF UI Text" panose="00000400000000000000" pitchFamily="2" charset="0"/>
+              </a:rPr>
+              <a:t>Развитие логики работы с мероприятиями</a:t>
+            </a:r>
+          </a:p>
+          <a:p>
+            <a:pPr>
+              <a:lnSpc>
+                <a:spcPct val="150000"/>
+              </a:lnSpc>
+            </a:pPr>
+            <a:r>
+              <a:rPr lang="ru-RU" sz="2800" dirty="0" smtClean="0">
+                <a:latin typeface="SF UI Text" panose="00000400000000000000" pitchFamily="2" charset="0"/>
+              </a:rPr>
+              <a:t>Увеличение функционала</a:t>
+            </a:r>
+            <a:endParaRPr lang="en-US" sz="2800" dirty="0" smtClean="0">
+              <a:latin typeface="SF UI Text" panose="00000400000000000000" pitchFamily="2" charset="0"/>
             </a:endParaRPr>
           </a:p>
         </p:txBody>
@@ -6096,8 +6113,8 @@
         </p:nvSpPr>
         <p:spPr bwMode="auto">
           <a:xfrm>
-            <a:off x="1428749" y="428625"/>
-            <a:ext cx="7432863" cy="412750"/>
+            <a:off x="578498" y="428625"/>
+            <a:ext cx="8565501" cy="412750"/>
           </a:xfrm>
           <a:prstGeom prst="rect">
             <a:avLst/>
@@ -6112,11 +6129,34 @@
           <a:bodyPr anchor="ctr"/>
           <a:lstStyle/>
           <a:p>
-            <a:r>
-              <a:rPr lang="ru-RU" sz="2400" b="1" dirty="0"/>
-              <a:t>ОСНОВНЫЕ РЕЗУЛЬТАТЫ РАБОТЫ</a:t>
-            </a:r>
-            <a:endParaRPr lang="en-US" sz="2400" b="1" dirty="0"/>
+            <a:pPr algn="ctr"/>
+            <a:r>
+              <a:rPr lang="ru-RU" sz="3200" dirty="0" smtClean="0">
+                <a:latin typeface="SF UI Text" panose="00000400000000000000" pitchFamily="2" charset="0"/>
+              </a:rPr>
+              <a:t>Список </a:t>
+            </a:r>
+            <a:r>
+              <a:rPr lang="ru-RU" sz="3200" dirty="0" smtClean="0">
+                <a:latin typeface="SF UI Text" panose="00000400000000000000" pitchFamily="2" charset="0"/>
+              </a:rPr>
+              <a:t>использованных</a:t>
+            </a:r>
+            <a:r>
+              <a:rPr lang="ru-RU" sz="3200" dirty="0" smtClean="0">
+                <a:latin typeface="SF UI Text" panose="00000400000000000000" pitchFamily="2" charset="0"/>
+              </a:rPr>
+              <a:t> </a:t>
+            </a:r>
+            <a:r>
+              <a:rPr lang="ru-RU" sz="3200" dirty="0" smtClean="0">
+                <a:latin typeface="SF UI Text" panose="00000400000000000000" pitchFamily="2" charset="0"/>
+              </a:rPr>
+              <a:t>источников</a:t>
+            </a:r>
+            <a:endParaRPr lang="en-US" sz="3200" dirty="0">
+              <a:latin typeface="SF UI Text" panose="00000400000000000000" pitchFamily="2" charset="0"/>
+            </a:endParaRPr>
           </a:p>
         </p:txBody>
       </p:sp>
@@ -6166,7 +6206,7 @@
       </p:sp>
       <p:sp>
         <p:nvSpPr>
-          <p:cNvPr id="14344" name="Rectangle 10"/>
+          <p:cNvPr id="14345" name="Rectangle 11"/>
           <p:cNvSpPr>
             <a:spLocks noChangeArrowheads="1"/>
           </p:cNvSpPr>
@@ -6174,8 +6214,8 @@
         </p:nvSpPr>
         <p:spPr bwMode="auto">
           <a:xfrm>
-            <a:off x="7300913" y="3967163"/>
-            <a:ext cx="674687" cy="368300"/>
+            <a:off x="7300913" y="5591175"/>
+            <a:ext cx="674687" cy="369888"/>
           </a:xfrm>
           <a:prstGeom prst="rect">
             <a:avLst/>
@@ -6210,7 +6250,46 @@
       </p:sp>
       <p:sp>
         <p:nvSpPr>
-          <p:cNvPr id="14345" name="Rectangle 11"/>
+          <p:cNvPr id="7" name="Номер слайда 6"/>
+          <p:cNvSpPr>
+            <a:spLocks noGrp="1"/>
+          </p:cNvSpPr>
+          <p:nvPr>
+            <p:ph type="sldNum" sz="quarter" idx="12"/>
+          </p:nvPr>
+        </p:nvSpPr>
+        <p:spPr>
+          <a:xfrm>
+            <a:off x="8451475" y="6356350"/>
+            <a:ext cx="470647" cy="365125"/>
+          </a:xfrm>
+        </p:spPr>
+        <p:txBody>
+          <a:bodyPr/>
+          <a:lstStyle/>
+          <a:p>
+            <a:pPr>
+              <a:defRPr/>
+            </a:pPr>
+            <a:fld id="{CB65F501-F5CC-4E12-934E-78BB5E4DA208}" type="slidenum">
+              <a:rPr lang="en-US" sz="1800" smtClean="0">
+                <a:solidFill>
+                  <a:schemeClr val="tx1"/>
+                </a:solidFill>
+              </a:rPr>
+              <a:t>13</a:t>
+            </a:fld>
+            <a:endParaRPr lang="en-US" sz="1800" dirty="0">
+              <a:solidFill>
+                <a:schemeClr val="tx1"/>
+              </a:solidFill>
+            </a:endParaRPr>
+          </a:p>
+        </p:txBody>
+      </p:sp>
+      <p:sp>
+        <p:nvSpPr>
+          <p:cNvPr id="8" name="Rectangle 12"/>
           <p:cNvSpPr>
             <a:spLocks noChangeArrowheads="1"/>
           </p:cNvSpPr>
@@ -6218,8 +6297,8 @@
         </p:nvSpPr>
         <p:spPr bwMode="auto">
           <a:xfrm>
-            <a:off x="7300913" y="5591175"/>
-            <a:ext cx="674687" cy="369888"/>
+            <a:off x="255588" y="1581141"/>
+            <a:ext cx="8666533" cy="664156"/>
           </a:xfrm>
           <a:prstGeom prst="rect">
             <a:avLst/>
@@ -6231,236 +6310,30 @@
           </a:ln>
         </p:spPr>
         <p:txBody>
-          <a:bodyPr wrap="none">
-            <a:spAutoFit/>
-          </a:bodyPr>
-          <a:lstStyle/>
-          <a:p>
-            <a:r>
-              <a:rPr lang="ru-RU">
-                <a:solidFill>
-                  <a:srgbClr val="FFFFFF"/>
-                </a:solidFill>
-              </a:rPr>
-              <a:t>фото</a:t>
-            </a:r>
-            <a:endParaRPr lang="en-US">
-              <a:solidFill>
-                <a:srgbClr val="FFFFFF"/>
-              </a:solidFill>
-            </a:endParaRPr>
-          </a:p>
-        </p:txBody>
-      </p:sp>
-      <p:sp>
-        <p:nvSpPr>
-          <p:cNvPr id="14346" name="Rectangle 12"/>
-          <p:cNvSpPr>
-            <a:spLocks noChangeArrowheads="1"/>
-          </p:cNvSpPr>
-          <p:nvPr/>
-        </p:nvSpPr>
-        <p:spPr bwMode="auto">
-          <a:xfrm>
-            <a:off x="183595" y="1772099"/>
-            <a:ext cx="8503205" cy="1754326"/>
-          </a:xfrm>
-          <a:prstGeom prst="rect">
-            <a:avLst/>
-          </a:prstGeom>
-        </p:spPr>
-        <p:style>
-          <a:lnRef idx="1">
-            <a:schemeClr val="accent1"/>
-          </a:lnRef>
-          <a:fillRef idx="2">
-            <a:schemeClr val="accent1"/>
-          </a:fillRef>
-          <a:effectRef idx="1">
-            <a:schemeClr val="accent1"/>
-          </a:effectRef>
-          <a:fontRef idx="minor">
-            <a:schemeClr val="dk1"/>
-          </a:fontRef>
-        </p:style>
-        <p:txBody>
           <a:bodyPr wrap="square">
             <a:spAutoFit/>
           </a:bodyPr>
           <a:lstStyle/>
           <a:p>
-            <a:r>
-              <a:rPr lang="ru-RU" i="1" dirty="0">
-                <a:solidFill>
-                  <a:srgbClr val="003F82"/>
-                </a:solidFill>
-                <a:latin typeface="Arial" panose="020B0604020202020204" pitchFamily="34" charset="0"/>
-              </a:rPr>
-              <a:t>МОЖЕТ БЫТЬ ДЕМОНСТРАЦИЯ ПРОГРАММНОГО ПРОДУКТА,</a:t>
-            </a:r>
-          </a:p>
-          <a:p>
-            <a:endParaRPr lang="ru-RU" i="1" dirty="0">
-              <a:solidFill>
-                <a:srgbClr val="003F82"/>
-              </a:solidFill>
-              <a:latin typeface="Arial" panose="020B0604020202020204" pitchFamily="34" charset="0"/>
-            </a:endParaRPr>
-          </a:p>
-          <a:p>
-            <a:r>
-              <a:rPr lang="ru-RU" i="1" dirty="0">
-                <a:solidFill>
-                  <a:srgbClr val="003F82"/>
-                </a:solidFill>
-                <a:latin typeface="Arial" panose="020B0604020202020204" pitchFamily="34" charset="0"/>
-              </a:rPr>
-              <a:t>РЕЗУЛЬТАТЫ ИССЛЕДОВАНИЙ , экспериментов И ПР.</a:t>
-            </a:r>
-          </a:p>
-          <a:p>
-            <a:endParaRPr lang="ru-RU" i="1" dirty="0">
-              <a:solidFill>
-                <a:srgbClr val="003F82"/>
-              </a:solidFill>
-              <a:latin typeface="Arial" panose="020B0604020202020204" pitchFamily="34" charset="0"/>
-            </a:endParaRPr>
-          </a:p>
-          <a:p>
-            <a:r>
-              <a:rPr lang="ru-RU" i="1" dirty="0">
-                <a:solidFill>
-                  <a:srgbClr val="003F82"/>
-                </a:solidFill>
-                <a:latin typeface="Arial" panose="020B0604020202020204" pitchFamily="34" charset="0"/>
-              </a:rPr>
-              <a:t>МОЖЕТ БЫТЬ НЕСКОЛЬКО СЛАЙДОВ</a:t>
-            </a:r>
-          </a:p>
-          <a:p>
-            <a:endParaRPr lang="ru-RU" i="1" dirty="0">
-              <a:solidFill>
-                <a:srgbClr val="003F82"/>
-              </a:solidFill>
-              <a:latin typeface="Arial" panose="020B0604020202020204" pitchFamily="34" charset="0"/>
-            </a:endParaRPr>
-          </a:p>
-        </p:txBody>
-      </p:sp>
-      <p:sp>
-        <p:nvSpPr>
-          <p:cNvPr id="11" name="Номер слайда 10"/>
-          <p:cNvSpPr>
-            <a:spLocks noGrp="1"/>
-          </p:cNvSpPr>
-          <p:nvPr>
-            <p:ph type="sldNum" sz="quarter" idx="12"/>
-          </p:nvPr>
-        </p:nvSpPr>
-        <p:spPr/>
-        <p:txBody>
-          <a:bodyPr vert="horz" wrap="square" lIns="91440" tIns="45720" rIns="91440" bIns="45720" numCol="1" anchor="ctr" anchorCtr="0" compatLnSpc="1"/>
-          <a:lstStyle/>
-          <a:p>
             <a:pPr>
-              <a:defRPr/>
+              <a:lnSpc>
+                <a:spcPct val="150000"/>
+              </a:lnSpc>
             </a:pPr>
-            <a:fld id="{CB65F501-F5CC-4E12-934E-78BB5E4DA208}" type="slidenum">
-              <a:rPr lang="en-US" sz="1800" smtClean="0">
-                <a:solidFill>
-                  <a:schemeClr val="tx1"/>
-                </a:solidFill>
-              </a:rPr>
-              <a:t>13</a:t>
-            </a:fld>
-            <a:endParaRPr lang="en-US" sz="1800">
-              <a:solidFill>
-                <a:schemeClr val="tx1"/>
-              </a:solidFill>
-            </a:endParaRPr>
-          </a:p>
-        </p:txBody>
-      </p:sp>
-      <p:sp>
-        <p:nvSpPr>
-          <p:cNvPr id="9" name="Rectangle 12"/>
-          <p:cNvSpPr>
-            <a:spLocks noChangeArrowheads="1"/>
-          </p:cNvSpPr>
-          <p:nvPr/>
-        </p:nvSpPr>
-        <p:spPr bwMode="auto">
-          <a:xfrm>
-            <a:off x="307882" y="4151313"/>
-            <a:ext cx="8378918" cy="1754326"/>
-          </a:xfrm>
-          <a:prstGeom prst="rect">
-            <a:avLst/>
-          </a:prstGeom>
-        </p:spPr>
-        <p:style>
-          <a:lnRef idx="1">
-            <a:schemeClr val="accent1"/>
-          </a:lnRef>
-          <a:fillRef idx="2">
-            <a:schemeClr val="accent1"/>
-          </a:fillRef>
-          <a:effectRef idx="1">
-            <a:schemeClr val="accent1"/>
-          </a:effectRef>
-          <a:fontRef idx="minor">
-            <a:schemeClr val="dk1"/>
-          </a:fontRef>
-        </p:style>
-        <p:txBody>
-          <a:bodyPr wrap="square">
-            <a:spAutoFit/>
-          </a:bodyPr>
-          <a:lstStyle/>
-          <a:p>
-            <a:r>
-              <a:rPr lang="ru-RU" i="1" dirty="0">
-                <a:solidFill>
-                  <a:srgbClr val="003F82"/>
-                </a:solidFill>
-                <a:latin typeface="Arial" panose="020B0604020202020204" pitchFamily="34" charset="0"/>
-              </a:rPr>
-              <a:t>ВАЖНО, ЧТОБЫ РЕЗУЛЬТАТЫ СООТВЕТСТВОВАЛИ ПОСТАВЛЕННЫМ ЗАДАЧАМ</a:t>
-            </a:r>
-          </a:p>
-          <a:p>
-            <a:endParaRPr lang="ru-RU" i="1" dirty="0">
-              <a:solidFill>
-                <a:srgbClr val="003F82"/>
-              </a:solidFill>
-              <a:latin typeface="Arial" panose="020B0604020202020204" pitchFamily="34" charset="0"/>
-            </a:endParaRPr>
-          </a:p>
-          <a:p>
-            <a:r>
-              <a:rPr lang="ru-RU" i="1" dirty="0">
-                <a:solidFill>
-                  <a:srgbClr val="003F82"/>
-                </a:solidFill>
-                <a:latin typeface="Arial" panose="020B0604020202020204" pitchFamily="34" charset="0"/>
-              </a:rPr>
-              <a:t>В описании результатов можете повторить задачи, но добавить 1-3 предложения, описывающие результаты по каждой задаче</a:t>
-            </a:r>
-          </a:p>
-          <a:p>
-            <a:endParaRPr lang="ru-RU" i="1" dirty="0">
-              <a:solidFill>
-                <a:srgbClr val="003F82"/>
-              </a:solidFill>
-              <a:latin typeface="Arial" panose="020B0604020202020204" pitchFamily="34" charset="0"/>
-            </a:endParaRPr>
-          </a:p>
-          <a:p>
-            <a:endParaRPr lang="ru-RU" i="1" dirty="0">
-              <a:solidFill>
-                <a:srgbClr val="003F82"/>
-              </a:solidFill>
-              <a:latin typeface="Arial" panose="020B0604020202020204" pitchFamily="34" charset="0"/>
+            <a:r>
+              <a:rPr lang="ru-RU" sz="2800" dirty="0" smtClean="0">
+                <a:latin typeface="SF UI Text" panose="00000400000000000000" pitchFamily="2" charset="0"/>
+              </a:rPr>
+              <a:t>1. Документация </a:t>
+            </a:r>
+            <a:r>
+              <a:rPr lang="en-US" sz="2800" dirty="0" err="1" smtClean="0">
+                <a:latin typeface="SF UI Text" panose="00000400000000000000" pitchFamily="2" charset="0"/>
+              </a:rPr>
+              <a:t>Xamarin</a:t>
+            </a:r>
+            <a:endParaRPr lang="en-US" sz="2800" dirty="0" smtClean="0">
+              <a:latin typeface="SF UI Text" panose="00000400000000000000" pitchFamily="2" charset="0"/>
             </a:endParaRPr>
           </a:p>
         </p:txBody>
@@ -6499,622 +6372,6 @@
       </p:grpSpPr>
       <p:sp>
         <p:nvSpPr>
-          <p:cNvPr id="14338" name="Subtitle 2"/>
-          <p:cNvSpPr txBox="1"/>
-          <p:nvPr/>
-        </p:nvSpPr>
-        <p:spPr bwMode="auto">
-          <a:xfrm>
-            <a:off x="255588" y="6415088"/>
-            <a:ext cx="4143375" cy="246062"/>
-          </a:xfrm>
-          <a:prstGeom prst="rect">
-            <a:avLst/>
-          </a:prstGeom>
-          <a:noFill/>
-          <a:ln w="9525">
-            <a:noFill/>
-            <a:miter lim="800000"/>
-          </a:ln>
-        </p:spPr>
-        <p:txBody>
-          <a:bodyPr/>
-          <a:lstStyle/>
-          <a:p>
-            <a:pPr>
-              <a:spcBef>
-                <a:spcPct val="20000"/>
-              </a:spcBef>
-            </a:pPr>
-            <a:r>
-              <a:rPr lang="ru-RU" sz="800" dirty="0">
-                <a:solidFill>
-                  <a:schemeClr val="bg1"/>
-                </a:solidFill>
-              </a:rPr>
-              <a:t>Высшая школа экономики, Москва, 2018</a:t>
-            </a:r>
-            <a:endParaRPr kumimoji="1" lang="ru-RU" sz="800" dirty="0">
-              <a:solidFill>
-                <a:schemeClr val="bg1"/>
-              </a:solidFill>
-            </a:endParaRPr>
-          </a:p>
-        </p:txBody>
-      </p:sp>
-      <p:sp>
-        <p:nvSpPr>
-          <p:cNvPr id="14339" name="Title 1"/>
-          <p:cNvSpPr txBox="1"/>
-          <p:nvPr/>
-        </p:nvSpPr>
-        <p:spPr bwMode="auto">
-          <a:xfrm>
-            <a:off x="1428749" y="428625"/>
-            <a:ext cx="7432863" cy="412750"/>
-          </a:xfrm>
-          <a:prstGeom prst="rect">
-            <a:avLst/>
-          </a:prstGeom>
-          <a:noFill/>
-          <a:ln w="9525">
-            <a:noFill/>
-            <a:miter lim="800000"/>
-          </a:ln>
-        </p:spPr>
-        <p:txBody>
-          <a:bodyPr anchor="ctr"/>
-          <a:lstStyle/>
-          <a:p>
-            <a:r>
-              <a:rPr lang="ru-RU" sz="2400" b="1" dirty="0"/>
-              <a:t>Пути дальнейшей работы</a:t>
-            </a:r>
-            <a:endParaRPr lang="en-US" sz="2400" b="1" dirty="0"/>
-          </a:p>
-        </p:txBody>
-      </p:sp>
-      <p:sp>
-        <p:nvSpPr>
-          <p:cNvPr id="14343" name="Rectangle 9"/>
-          <p:cNvSpPr>
-            <a:spLocks noChangeArrowheads="1"/>
-          </p:cNvSpPr>
-          <p:nvPr/>
-        </p:nvSpPr>
-        <p:spPr bwMode="auto">
-          <a:xfrm>
-            <a:off x="7300913" y="2255838"/>
-            <a:ext cx="674687" cy="369887"/>
-          </a:xfrm>
-          <a:prstGeom prst="rect">
-            <a:avLst/>
-          </a:prstGeom>
-          <a:noFill/>
-          <a:ln w="9525">
-            <a:noFill/>
-            <a:miter lim="800000"/>
-          </a:ln>
-        </p:spPr>
-        <p:txBody>
-          <a:bodyPr wrap="none">
-            <a:spAutoFit/>
-          </a:bodyPr>
-          <a:lstStyle/>
-          <a:p>
-            <a:r>
-              <a:rPr lang="ru-RU">
-                <a:solidFill>
-                  <a:srgbClr val="FFFFFF"/>
-                </a:solidFill>
-              </a:rPr>
-              <a:t>фото</a:t>
-            </a:r>
-            <a:endParaRPr lang="en-US">
-              <a:solidFill>
-                <a:srgbClr val="FFFFFF"/>
-              </a:solidFill>
-            </a:endParaRPr>
-          </a:p>
-        </p:txBody>
-      </p:sp>
-      <p:sp>
-        <p:nvSpPr>
-          <p:cNvPr id="14345" name="Rectangle 11"/>
-          <p:cNvSpPr>
-            <a:spLocks noChangeArrowheads="1"/>
-          </p:cNvSpPr>
-          <p:nvPr/>
-        </p:nvSpPr>
-        <p:spPr bwMode="auto">
-          <a:xfrm>
-            <a:off x="7300913" y="5591175"/>
-            <a:ext cx="674687" cy="369888"/>
-          </a:xfrm>
-          <a:prstGeom prst="rect">
-            <a:avLst/>
-          </a:prstGeom>
-          <a:noFill/>
-          <a:ln w="9525">
-            <a:noFill/>
-            <a:miter lim="800000"/>
-          </a:ln>
-        </p:spPr>
-        <p:txBody>
-          <a:bodyPr wrap="none">
-            <a:spAutoFit/>
-          </a:bodyPr>
-          <a:lstStyle/>
-          <a:p>
-            <a:r>
-              <a:rPr lang="ru-RU">
-                <a:solidFill>
-                  <a:srgbClr val="FFFFFF"/>
-                </a:solidFill>
-              </a:rPr>
-              <a:t>фото</a:t>
-            </a:r>
-            <a:endParaRPr lang="en-US">
-              <a:solidFill>
-                <a:srgbClr val="FFFFFF"/>
-              </a:solidFill>
-            </a:endParaRPr>
-          </a:p>
-        </p:txBody>
-      </p:sp>
-      <p:sp>
-        <p:nvSpPr>
-          <p:cNvPr id="7" name="Номер слайда 6"/>
-          <p:cNvSpPr>
-            <a:spLocks noGrp="1"/>
-          </p:cNvSpPr>
-          <p:nvPr>
-            <p:ph type="sldNum" sz="quarter" idx="12"/>
-          </p:nvPr>
-        </p:nvSpPr>
-        <p:spPr>
-          <a:xfrm>
-            <a:off x="8451475" y="6356350"/>
-            <a:ext cx="470647" cy="365125"/>
-          </a:xfrm>
-        </p:spPr>
-        <p:txBody>
-          <a:bodyPr/>
-          <a:lstStyle/>
-          <a:p>
-            <a:pPr>
-              <a:defRPr/>
-            </a:pPr>
-            <a:fld id="{CB65F501-F5CC-4E12-934E-78BB5E4DA208}" type="slidenum">
-              <a:rPr lang="en-US" sz="1800" smtClean="0">
-                <a:solidFill>
-                  <a:schemeClr val="tx1"/>
-                </a:solidFill>
-              </a:rPr>
-              <a:t>14</a:t>
-            </a:fld>
-            <a:endParaRPr lang="en-US" sz="1800" dirty="0">
-              <a:solidFill>
-                <a:schemeClr val="tx1"/>
-              </a:solidFill>
-            </a:endParaRPr>
-          </a:p>
-        </p:txBody>
-      </p:sp>
-      <p:sp>
-        <p:nvSpPr>
-          <p:cNvPr id="8" name="Rectangle 12"/>
-          <p:cNvSpPr>
-            <a:spLocks noChangeArrowheads="1"/>
-          </p:cNvSpPr>
-          <p:nvPr/>
-        </p:nvSpPr>
-        <p:spPr bwMode="auto">
-          <a:xfrm>
-            <a:off x="222250" y="1963450"/>
-            <a:ext cx="8699872" cy="1569660"/>
-          </a:xfrm>
-          <a:prstGeom prst="rect">
-            <a:avLst/>
-          </a:prstGeom>
-        </p:spPr>
-        <p:style>
-          <a:lnRef idx="1">
-            <a:schemeClr val="accent1"/>
-          </a:lnRef>
-          <a:fillRef idx="2">
-            <a:schemeClr val="accent1"/>
-          </a:fillRef>
-          <a:effectRef idx="1">
-            <a:schemeClr val="accent1"/>
-          </a:effectRef>
-          <a:fontRef idx="minor">
-            <a:schemeClr val="dk1"/>
-          </a:fontRef>
-        </p:style>
-        <p:txBody>
-          <a:bodyPr wrap="square">
-            <a:spAutoFit/>
-          </a:bodyPr>
-          <a:lstStyle/>
-          <a:p>
-            <a:r>
-              <a:rPr lang="ru-RU" sz="1600" i="1" dirty="0">
-                <a:solidFill>
-                  <a:srgbClr val="003F82"/>
-                </a:solidFill>
-                <a:latin typeface="Arial" panose="020B0604020202020204" pitchFamily="34" charset="0"/>
-              </a:rPr>
-              <a:t>Пути дальнейшей работы (желательно написать)</a:t>
-            </a:r>
-          </a:p>
-          <a:p>
-            <a:endParaRPr lang="ru-RU" sz="1600" i="1" dirty="0">
-              <a:solidFill>
-                <a:srgbClr val="003F82"/>
-              </a:solidFill>
-              <a:latin typeface="Arial" panose="020B0604020202020204" pitchFamily="34" charset="0"/>
-            </a:endParaRPr>
-          </a:p>
-          <a:p>
-            <a:r>
-              <a:rPr lang="ru-RU" sz="1600" i="1" dirty="0">
-                <a:solidFill>
-                  <a:srgbClr val="003F82"/>
-                </a:solidFill>
-                <a:latin typeface="Arial" panose="020B0604020202020204" pitchFamily="34" charset="0"/>
-              </a:rPr>
-              <a:t>Если работа полезная / интересная и т.п., то направления дальнейшей работы точно есть.</a:t>
-            </a:r>
-          </a:p>
-          <a:p>
-            <a:r>
-              <a:rPr lang="ru-RU" sz="1600" i="1" dirty="0">
-                <a:solidFill>
-                  <a:srgbClr val="003F82"/>
-                </a:solidFill>
-                <a:latin typeface="Arial" panose="020B0604020202020204" pitchFamily="34" charset="0"/>
-              </a:rPr>
-              <a:t>Если их нет, значит, работа - тупиковая</a:t>
-            </a:r>
-          </a:p>
-          <a:p>
-            <a:endParaRPr lang="ru-RU" sz="1600" i="1" dirty="0">
-              <a:solidFill>
-                <a:srgbClr val="003F82"/>
-              </a:solidFill>
-              <a:latin typeface="Arial" panose="020B0604020202020204" pitchFamily="34" charset="0"/>
-            </a:endParaRPr>
-          </a:p>
-        </p:txBody>
-      </p:sp>
-    </p:spTree>
-  </p:cSld>
-  <p:clrMapOvr>
-    <a:masterClrMapping/>
-  </p:clrMapOvr>
-  <p:timing>
-    <p:tnLst>
-      <p:par>
-        <p:cTn id="1" dur="indefinite" restart="never" nodeType="tmRoot"/>
-      </p:par>
-    </p:tnLst>
-  </p:timing>
-</p:sld>
-</file>
-
-<file path=ppt/slides/slide15.xml><?xml version="1.0" encoding="utf-8"?>
-<p:sld xmlns:a="http://schemas.openxmlformats.org/drawingml/2006/main" xmlns:r="http://schemas.openxmlformats.org/officeDocument/2006/relationships" xmlns:p="http://schemas.openxmlformats.org/presentationml/2006/main">
-  <p:cSld>
-    <p:spTree>
-      <p:nvGrpSpPr>
-        <p:cNvPr id="1" name=""/>
-        <p:cNvGrpSpPr/>
-        <p:nvPr/>
-      </p:nvGrpSpPr>
-      <p:grpSpPr>
-        <a:xfrm>
-          <a:off x="0" y="0"/>
-          <a:ext cx="0" cy="0"/>
-          <a:chOff x="0" y="0"/>
-          <a:chExt cx="0" cy="0"/>
-        </a:xfrm>
-      </p:grpSpPr>
-      <p:sp>
-        <p:nvSpPr>
-          <p:cNvPr id="14338" name="Subtitle 2"/>
-          <p:cNvSpPr txBox="1"/>
-          <p:nvPr/>
-        </p:nvSpPr>
-        <p:spPr bwMode="auto">
-          <a:xfrm>
-            <a:off x="255588" y="6415088"/>
-            <a:ext cx="4143375" cy="246062"/>
-          </a:xfrm>
-          <a:prstGeom prst="rect">
-            <a:avLst/>
-          </a:prstGeom>
-          <a:noFill/>
-          <a:ln w="9525">
-            <a:noFill/>
-            <a:miter lim="800000"/>
-          </a:ln>
-        </p:spPr>
-        <p:txBody>
-          <a:bodyPr/>
-          <a:lstStyle/>
-          <a:p>
-            <a:pPr>
-              <a:spcBef>
-                <a:spcPct val="20000"/>
-              </a:spcBef>
-            </a:pPr>
-            <a:r>
-              <a:rPr lang="ru-RU" sz="800" dirty="0">
-                <a:solidFill>
-                  <a:schemeClr val="bg1"/>
-                </a:solidFill>
-              </a:rPr>
-              <a:t>Высшая школа экономики, Москва, 2018</a:t>
-            </a:r>
-            <a:endParaRPr kumimoji="1" lang="ru-RU" sz="800" dirty="0">
-              <a:solidFill>
-                <a:schemeClr val="bg1"/>
-              </a:solidFill>
-            </a:endParaRPr>
-          </a:p>
-        </p:txBody>
-      </p:sp>
-      <p:sp>
-        <p:nvSpPr>
-          <p:cNvPr id="14339" name="Title 1"/>
-          <p:cNvSpPr txBox="1"/>
-          <p:nvPr/>
-        </p:nvSpPr>
-        <p:spPr bwMode="auto">
-          <a:xfrm>
-            <a:off x="1428749" y="428625"/>
-            <a:ext cx="7432863" cy="412750"/>
-          </a:xfrm>
-          <a:prstGeom prst="rect">
-            <a:avLst/>
-          </a:prstGeom>
-          <a:noFill/>
-          <a:ln w="9525">
-            <a:noFill/>
-            <a:miter lim="800000"/>
-          </a:ln>
-        </p:spPr>
-        <p:txBody>
-          <a:bodyPr anchor="ctr"/>
-          <a:lstStyle/>
-          <a:p>
-            <a:r>
-              <a:rPr lang="ru-RU" sz="2400" b="1" dirty="0"/>
-              <a:t>СПИСОК ИСПОЛЬЗОВАННЫХ ИСТОЧНИКОВ</a:t>
-            </a:r>
-            <a:endParaRPr lang="en-US" sz="2400" b="1" dirty="0"/>
-          </a:p>
-        </p:txBody>
-      </p:sp>
-      <p:sp>
-        <p:nvSpPr>
-          <p:cNvPr id="14343" name="Rectangle 9"/>
-          <p:cNvSpPr>
-            <a:spLocks noChangeArrowheads="1"/>
-          </p:cNvSpPr>
-          <p:nvPr/>
-        </p:nvSpPr>
-        <p:spPr bwMode="auto">
-          <a:xfrm>
-            <a:off x="7300913" y="2255838"/>
-            <a:ext cx="674687" cy="369887"/>
-          </a:xfrm>
-          <a:prstGeom prst="rect">
-            <a:avLst/>
-          </a:prstGeom>
-          <a:noFill/>
-          <a:ln w="9525">
-            <a:noFill/>
-            <a:miter lim="800000"/>
-          </a:ln>
-        </p:spPr>
-        <p:txBody>
-          <a:bodyPr wrap="none">
-            <a:spAutoFit/>
-          </a:bodyPr>
-          <a:lstStyle/>
-          <a:p>
-            <a:r>
-              <a:rPr lang="ru-RU">
-                <a:solidFill>
-                  <a:srgbClr val="FFFFFF"/>
-                </a:solidFill>
-              </a:rPr>
-              <a:t>фото</a:t>
-            </a:r>
-            <a:endParaRPr lang="en-US">
-              <a:solidFill>
-                <a:srgbClr val="FFFFFF"/>
-              </a:solidFill>
-            </a:endParaRPr>
-          </a:p>
-        </p:txBody>
-      </p:sp>
-      <p:sp>
-        <p:nvSpPr>
-          <p:cNvPr id="14345" name="Rectangle 11"/>
-          <p:cNvSpPr>
-            <a:spLocks noChangeArrowheads="1"/>
-          </p:cNvSpPr>
-          <p:nvPr/>
-        </p:nvSpPr>
-        <p:spPr bwMode="auto">
-          <a:xfrm>
-            <a:off x="7300913" y="5591175"/>
-            <a:ext cx="674687" cy="369888"/>
-          </a:xfrm>
-          <a:prstGeom prst="rect">
-            <a:avLst/>
-          </a:prstGeom>
-          <a:noFill/>
-          <a:ln w="9525">
-            <a:noFill/>
-            <a:miter lim="800000"/>
-          </a:ln>
-        </p:spPr>
-        <p:txBody>
-          <a:bodyPr wrap="none">
-            <a:spAutoFit/>
-          </a:bodyPr>
-          <a:lstStyle/>
-          <a:p>
-            <a:r>
-              <a:rPr lang="ru-RU">
-                <a:solidFill>
-                  <a:srgbClr val="FFFFFF"/>
-                </a:solidFill>
-              </a:rPr>
-              <a:t>фото</a:t>
-            </a:r>
-            <a:endParaRPr lang="en-US">
-              <a:solidFill>
-                <a:srgbClr val="FFFFFF"/>
-              </a:solidFill>
-            </a:endParaRPr>
-          </a:p>
-        </p:txBody>
-      </p:sp>
-      <p:sp>
-        <p:nvSpPr>
-          <p:cNvPr id="14346" name="Rectangle 12"/>
-          <p:cNvSpPr>
-            <a:spLocks noChangeArrowheads="1"/>
-          </p:cNvSpPr>
-          <p:nvPr/>
-        </p:nvSpPr>
-        <p:spPr bwMode="auto">
-          <a:xfrm>
-            <a:off x="222250" y="1479549"/>
-            <a:ext cx="8182162" cy="830997"/>
-          </a:xfrm>
-          <a:prstGeom prst="rect">
-            <a:avLst/>
-          </a:prstGeom>
-        </p:spPr>
-        <p:style>
-          <a:lnRef idx="1">
-            <a:schemeClr val="accent1"/>
-          </a:lnRef>
-          <a:fillRef idx="2">
-            <a:schemeClr val="accent1"/>
-          </a:fillRef>
-          <a:effectRef idx="1">
-            <a:schemeClr val="accent1"/>
-          </a:effectRef>
-          <a:fontRef idx="minor">
-            <a:schemeClr val="dk1"/>
-          </a:fontRef>
-        </p:style>
-        <p:txBody>
-          <a:bodyPr wrap="square">
-            <a:spAutoFit/>
-          </a:bodyPr>
-          <a:lstStyle/>
-          <a:p>
-            <a:r>
-              <a:rPr lang="ru-RU" sz="1600" i="1" dirty="0">
-                <a:solidFill>
-                  <a:srgbClr val="003F82"/>
-                </a:solidFill>
-                <a:latin typeface="Arial" panose="020B0604020202020204" pitchFamily="34" charset="0"/>
-              </a:rPr>
-              <a:t>ОФОРМИТЬ В СООТВЕТСТВИИИ С ГОСТ (см. Методические указания по оформлению списка использованных источников)</a:t>
-            </a:r>
-          </a:p>
-          <a:p>
-            <a:endParaRPr lang="ru-RU" sz="1600" i="1" dirty="0">
-              <a:solidFill>
-                <a:srgbClr val="003F82"/>
-              </a:solidFill>
-              <a:latin typeface="Arial" panose="020B0604020202020204" pitchFamily="34" charset="0"/>
-            </a:endParaRPr>
-          </a:p>
-        </p:txBody>
-      </p:sp>
-      <p:sp>
-        <p:nvSpPr>
-          <p:cNvPr id="7" name="Номер слайда 6"/>
-          <p:cNvSpPr>
-            <a:spLocks noGrp="1"/>
-          </p:cNvSpPr>
-          <p:nvPr>
-            <p:ph type="sldNum" sz="quarter" idx="12"/>
-          </p:nvPr>
-        </p:nvSpPr>
-        <p:spPr>
-          <a:xfrm>
-            <a:off x="8451475" y="6356350"/>
-            <a:ext cx="470647" cy="365125"/>
-          </a:xfrm>
-        </p:spPr>
-        <p:txBody>
-          <a:bodyPr/>
-          <a:lstStyle/>
-          <a:p>
-            <a:pPr>
-              <a:defRPr/>
-            </a:pPr>
-            <a:fld id="{CB65F501-F5CC-4E12-934E-78BB5E4DA208}" type="slidenum">
-              <a:rPr lang="en-US" sz="1800" smtClean="0">
-                <a:solidFill>
-                  <a:schemeClr val="tx1"/>
-                </a:solidFill>
-              </a:rPr>
-              <a:t>15</a:t>
-            </a:fld>
-            <a:endParaRPr lang="en-US" sz="1800" dirty="0">
-              <a:solidFill>
-                <a:schemeClr val="tx1"/>
-              </a:solidFill>
-            </a:endParaRPr>
-          </a:p>
-        </p:txBody>
-      </p:sp>
-    </p:spTree>
-  </p:cSld>
-  <p:clrMapOvr>
-    <a:masterClrMapping/>
-  </p:clrMapOvr>
-  <p:timing>
-    <p:tnLst>
-      <p:par>
-        <p:cTn id="1" dur="indefinite" restart="never" nodeType="tmRoot"/>
-      </p:par>
-    </p:tnLst>
-  </p:timing>
-</p:sld>
-</file>
-
-<file path=ppt/slides/slide16.xml><?xml version="1.0" encoding="utf-8"?>
-<p:sld xmlns:a="http://schemas.openxmlformats.org/drawingml/2006/main" xmlns:r="http://schemas.openxmlformats.org/officeDocument/2006/relationships" xmlns:p="http://schemas.openxmlformats.org/presentationml/2006/main">
-  <p:cSld>
-    <p:spTree>
-      <p:nvGrpSpPr>
-        <p:cNvPr id="1" name=""/>
-        <p:cNvGrpSpPr/>
-        <p:nvPr/>
-      </p:nvGrpSpPr>
-      <p:grpSpPr>
-        <a:xfrm>
-          <a:off x="0" y="0"/>
-          <a:ext cx="0" cy="0"/>
-          <a:chOff x="0" y="0"/>
-          <a:chExt cx="0" cy="0"/>
-        </a:xfrm>
-      </p:grpSpPr>
-      <p:sp>
-        <p:nvSpPr>
           <p:cNvPr id="16386" name="Subtitle 2"/>
           <p:cNvSpPr>
             <a:spLocks noGrp="1"/>
@@ -7235,7 +6492,7 @@
                   <a:schemeClr val="bg1"/>
                 </a:solidFill>
               </a:rPr>
-              <a:t>16</a:t>
+              <a:t>14</a:t>
             </a:fld>
             <a:endParaRPr lang="en-US" sz="1800" dirty="0">
               <a:solidFill>
@@ -8493,12 +7750,20 @@
               <a:t>Создать </a:t>
             </a:r>
             <a:r>
-              <a:rPr lang="ru-RU" sz="2000" dirty="0" err="1" smtClean="0"/>
-              <a:t>прграмму</a:t>
-            </a:r>
-            <a:r>
               <a:rPr lang="ru-RU" sz="2000" dirty="0" smtClean="0"/>
-              <a:t> на сервере для </a:t>
+              <a:t>пр</a:t>
+            </a:r>
+            <a:r>
+              <a:rPr lang="ru-RU" sz="2000" dirty="0"/>
+              <a:t>о</a:t>
+            </a:r>
+            <a:r>
+              <a:rPr lang="ru-RU" sz="2000" dirty="0" smtClean="0"/>
+              <a:t>грамму </a:t>
+            </a:r>
+            <a:r>
+              <a:rPr lang="ru-RU" sz="2000" dirty="0" smtClean="0"/>
+              <a:t>на сервере для </a:t>
             </a:r>
             <a:r>
               <a:rPr lang="ru-RU" sz="2000" dirty="0" err="1" smtClean="0"/>
@@ -8644,8 +7909,8 @@
         </p:nvSpPr>
         <p:spPr bwMode="auto">
           <a:xfrm>
-            <a:off x="1138335" y="428625"/>
-            <a:ext cx="7912359" cy="412750"/>
+            <a:off x="60961" y="428625"/>
+            <a:ext cx="8989734" cy="412750"/>
           </a:xfrm>
           <a:prstGeom prst="rect">
             <a:avLst/>
@@ -8662,10 +7927,22 @@
           <a:p>
             <a:pPr algn="ctr"/>
             <a:r>
+              <a:rPr lang="ru-RU" sz="3200" dirty="0" smtClean="0">
+                <a:latin typeface="SF UI Text" panose="00000400000000000000" pitchFamily="2" charset="0"/>
+              </a:rPr>
+              <a:t>Анализ существующих </a:t>
+            </a:r>
+            <a:r>
               <a:rPr lang="ru-RU" sz="3200" dirty="0">
                 <a:latin typeface="SF UI Text" panose="00000400000000000000" pitchFamily="2" charset="0"/>
               </a:rPr>
-              <a:t>АНАЛИЗ СУЩЕСТВУЮЩИХ РЕШЕНИЙ</a:t>
+              <a:t>р</a:t>
+            </a:r>
+            <a:r>
+              <a:rPr lang="ru-RU" sz="3200" dirty="0" smtClean="0">
+                <a:latin typeface="SF UI Text" panose="00000400000000000000" pitchFamily="2" charset="0"/>
+              </a:rPr>
+              <a:t>ешений</a:t>
             </a:r>
             <a:endParaRPr lang="en-US" sz="3200" dirty="0">
               <a:latin typeface="SF UI Text" panose="00000400000000000000" pitchFamily="2" charset="0"/>
@@ -8702,14 +7979,14 @@
           <a:lstStyle/>
           <a:p>
             <a:r>
-              <a:rPr lang="ru-RU">
+              <a:rPr lang="ru-RU" dirty="0">
                 <a:solidFill>
                   <a:srgbClr val="FFFFFF"/>
                 </a:solidFill>
               </a:rPr>
               <a:t>фото</a:t>
             </a:r>
-            <a:endParaRPr lang="en-US">
+            <a:endParaRPr lang="en-US" dirty="0">
               <a:solidFill>
                 <a:srgbClr val="FFFFFF"/>
               </a:solidFill>
@@ -9074,7 +8351,7 @@
         </p:nvSpPr>
         <p:spPr bwMode="auto">
           <a:xfrm>
-            <a:off x="1315616" y="428625"/>
+            <a:off x="1245277" y="428625"/>
             <a:ext cx="6659984" cy="412750"/>
           </a:xfrm>
           <a:prstGeom prst="rect">
@@ -9450,13 +8727,13 @@
               <a:t>мероприятиях </a:t>
             </a:r>
             <a:r>
-              <a:rPr lang="ru-RU" sz="2000" smtClean="0">
+              <a:rPr lang="ru-RU" sz="2000" dirty="0" smtClean="0">
                 <a:latin typeface="SF UI Text" panose="00000400000000000000" pitchFamily="2" charset="0"/>
               </a:rPr>
               <a:t>и </a:t>
             </a:r>
             <a:r>
-              <a:rPr lang="ru-RU" sz="2000" smtClean="0">
+              <a:rPr lang="ru-RU" sz="2000" dirty="0" smtClean="0">
                 <a:latin typeface="SF UI Text" panose="00000400000000000000" pitchFamily="2" charset="0"/>
               </a:rPr>
               <a:t>выводит </a:t>
@@ -9585,10 +8862,18 @@
               </a:spcBef>
             </a:pPr>
             <a:r>
-              <a:rPr lang="ru-RU" sz="800" dirty="0"/>
+              <a:rPr lang="ru-RU" sz="800" dirty="0">
+                <a:solidFill>
+                  <a:schemeClr val="bg1"/>
+                </a:solidFill>
+              </a:rPr>
               <a:t>Высшая школа экономики, Москва, 2018</a:t>
             </a:r>
-            <a:endParaRPr kumimoji="1" lang="ru-RU" sz="800" dirty="0"/>
+            <a:endParaRPr kumimoji="1" lang="ru-RU" sz="800" dirty="0">
+              <a:solidFill>
+                <a:schemeClr val="bg1"/>
+              </a:solidFill>
+            </a:endParaRPr>
           </a:p>
         </p:txBody>
       </p:sp>
@@ -9600,8 +8885,8 @@
         </p:nvSpPr>
         <p:spPr bwMode="auto">
           <a:xfrm>
-            <a:off x="1511559" y="428625"/>
-            <a:ext cx="6464041" cy="412750"/>
+            <a:off x="255589" y="428625"/>
+            <a:ext cx="8606024" cy="412750"/>
           </a:xfrm>
           <a:prstGeom prst="rect">
             <a:avLst/>
@@ -9621,7 +8906,7 @@
               <a:rPr lang="ru-RU" sz="3200" dirty="0" smtClean="0">
                 <a:latin typeface="SF UI Text" panose="00000400000000000000" pitchFamily="2" charset="0"/>
               </a:rPr>
-              <a:t>Обмен данными</a:t>
+              <a:t>Функции приложения</a:t>
             </a:r>
             <a:endParaRPr lang="en-US" sz="3200" dirty="0">
               <a:latin typeface="SF UI Text" panose="00000400000000000000" pitchFamily="2" charset="0"/>
@@ -9719,104 +9004,16 @@
       </p:sp>
       <p:sp>
         <p:nvSpPr>
-          <p:cNvPr id="11" name="Номер слайда 10"/>
-          <p:cNvSpPr>
-            <a:spLocks noGrp="1"/>
-          </p:cNvSpPr>
-          <p:nvPr>
-            <p:ph type="sldNum" sz="quarter" idx="12"/>
-          </p:nvPr>
-        </p:nvSpPr>
-        <p:spPr/>
-        <p:txBody>
-          <a:bodyPr vert="horz" wrap="square" lIns="91440" tIns="45720" rIns="91440" bIns="45720" numCol="1" anchor="ctr" anchorCtr="0" compatLnSpc="1"/>
-          <a:lstStyle/>
-          <a:p>
-            <a:pPr>
-              <a:defRPr/>
-            </a:pPr>
-            <a:fld id="{CB65F501-F5CC-4E12-934E-78BB5E4DA208}" type="slidenum">
-              <a:rPr lang="en-US" sz="1800" smtClean="0">
-                <a:solidFill>
-                  <a:schemeClr val="tx1"/>
-                </a:solidFill>
-              </a:rPr>
-              <a:t>7</a:t>
-            </a:fld>
-            <a:endParaRPr lang="en-US" sz="1800">
-              <a:solidFill>
-                <a:schemeClr val="tx1"/>
-              </a:solidFill>
-            </a:endParaRPr>
-          </a:p>
-        </p:txBody>
-      </p:sp>
-      <p:pic>
-        <p:nvPicPr>
-          <p:cNvPr id="1026" name="Picture 2" descr="Untitled"/>
-          <p:cNvPicPr>
-            <a:picLocks noChangeAspect="1" noChangeArrowheads="1"/>
-          </p:cNvPicPr>
+          <p:cNvPr id="14346" name="Rectangle 12"/>
+          <p:cNvSpPr>
+            <a:spLocks noChangeArrowheads="1"/>
+          </p:cNvSpPr>
           <p:nvPr/>
-        </p:nvPicPr>
-        <p:blipFill>
-          <a:blip r:embed="rId2">
-            <a:extLst>
-              <a:ext uri="{28A0092B-C50C-407E-A947-70E740481C1C}">
-                <a14:useLocalDpi xmlns:a14="http://schemas.microsoft.com/office/drawing/2010/main" val="0"/>
-              </a:ext>
-            </a:extLst>
-          </a:blip>
-          <a:srcRect/>
-          <a:stretch>
-            <a:fillRect/>
-          </a:stretch>
-        </p:blipFill>
+        </p:nvSpPr>
         <p:spPr bwMode="auto">
           <a:xfrm>
-            <a:off x="0" y="1292250"/>
-            <a:ext cx="9277212" cy="4319136"/>
-          </a:xfrm>
-          <a:prstGeom prst="rect">
-            <a:avLst/>
-          </a:prstGeom>
-          <a:noFill/>
-          <a:ln>
-            <a:noFill/>
-          </a:ln>
-          <a:extLst>
-            <a:ext uri="{909E8E84-426E-40DD-AFC4-6F175D3DCCD1}">
-              <a14:hiddenFill xmlns:a14="http://schemas.microsoft.com/office/drawing/2010/main">
-                <a:solidFill>
-                  <a:srgbClr val="FFFFFF"/>
-                </a:solidFill>
-              </a14:hiddenFill>
-            </a:ext>
-            <a:ext uri="{91240B29-F687-4F45-9708-019B960494DF}">
-              <a14:hiddenLine xmlns:a14="http://schemas.microsoft.com/office/drawing/2010/main" w="9525">
-                <a:solidFill>
-                  <a:srgbClr val="000000"/>
-                </a:solidFill>
-                <a:miter lim="800000"/>
-                <a:headEnd/>
-                <a:tailEnd/>
-              </a14:hiddenLine>
-            </a:ext>
-          </a:extLst>
-        </p:spPr>
-      </p:pic>
-      <p:sp>
-        <p:nvSpPr>
-          <p:cNvPr id="9" name="Rectangle 12"/>
-          <p:cNvSpPr>
-            <a:spLocks noChangeArrowheads="1"/>
-          </p:cNvSpPr>
-          <p:nvPr/>
-        </p:nvSpPr>
-        <p:spPr bwMode="auto">
-          <a:xfrm>
-            <a:off x="1025078" y="4780389"/>
-            <a:ext cx="8575521" cy="954107"/>
+            <a:off x="368554" y="1884668"/>
+            <a:ext cx="8775446" cy="3970318"/>
           </a:xfrm>
           <a:prstGeom prst="rect">
             <a:avLst/>
@@ -9833,73 +9030,133 @@
           </a:bodyPr>
           <a:lstStyle/>
           <a:p>
-            <a:r>
-              <a:rPr lang="en-US" sz="2800" dirty="0" err="1" smtClean="0">
-                <a:solidFill>
-                  <a:schemeClr val="tx2"/>
-                </a:solidFill>
-                <a:latin typeface="Segoe UI" panose="020B0502040204020203" pitchFamily="34" charset="0"/>
-              </a:rPr>
-              <a:t>Shakura.dev</a:t>
-            </a:r>
-            <a:r>
-              <a:rPr lang="en-US" sz="2800" dirty="0" smtClean="0">
-                <a:solidFill>
-                  <a:schemeClr val="tx2"/>
-                </a:solidFill>
-                <a:latin typeface="Segoe UI" panose="020B0502040204020203" pitchFamily="34" charset="0"/>
-              </a:rPr>
-              <a:t>/</a:t>
-            </a:r>
-            <a:r>
-              <a:rPr lang="en-US" sz="2800" dirty="0" err="1" smtClean="0">
-                <a:solidFill>
-                  <a:schemeClr val="tx2"/>
-                </a:solidFill>
-                <a:latin typeface="Segoe UI" panose="020B0502040204020203" pitchFamily="34" charset="0"/>
-              </a:rPr>
-              <a:t>hseapi</a:t>
-            </a:r>
-            <a:endParaRPr lang="en-US" sz="2800" dirty="0" smtClean="0">
+            <a:pPr>
+              <a:lnSpc>
+                <a:spcPct val="150000"/>
+              </a:lnSpc>
+            </a:pPr>
+            <a:r>
+              <a:rPr lang="ru-RU" sz="2800" dirty="0" smtClean="0">
+                <a:latin typeface="SF UI Text" panose="00000400000000000000" pitchFamily="2" charset="0"/>
+              </a:rPr>
+              <a:t>Вывод </a:t>
+            </a:r>
+            <a:r>
+              <a:rPr lang="ru-RU" sz="2800" dirty="0" smtClean="0">
+                <a:latin typeface="SF UI Text" panose="00000400000000000000" pitchFamily="2" charset="0"/>
+              </a:rPr>
+              <a:t>списка мероприятий</a:t>
+            </a:r>
+          </a:p>
+          <a:p>
+            <a:pPr>
+              <a:lnSpc>
+                <a:spcPct val="150000"/>
+              </a:lnSpc>
+            </a:pPr>
+            <a:r>
+              <a:rPr lang="ru-RU" sz="2800" dirty="0" smtClean="0">
+                <a:latin typeface="SF UI Text" panose="00000400000000000000" pitchFamily="2" charset="0"/>
+              </a:rPr>
+              <a:t>Добавление мероприятий в избранное</a:t>
+            </a:r>
+          </a:p>
+          <a:p>
+            <a:pPr>
+              <a:lnSpc>
+                <a:spcPct val="150000"/>
+              </a:lnSpc>
+            </a:pPr>
+            <a:r>
+              <a:rPr lang="ru-RU" sz="2800" dirty="0" smtClean="0">
+                <a:latin typeface="SF UI Text" panose="00000400000000000000" pitchFamily="2" charset="0"/>
+              </a:rPr>
+              <a:t>Вывод списка избранных мероприятий</a:t>
+            </a:r>
+            <a:endParaRPr lang="ru-RU" sz="2800" dirty="0">
+              <a:latin typeface="SF UI Text" panose="00000400000000000000" pitchFamily="2" charset="0"/>
+            </a:endParaRPr>
+          </a:p>
+          <a:p>
+            <a:pPr>
+              <a:lnSpc>
+                <a:spcPct val="150000"/>
+              </a:lnSpc>
+            </a:pPr>
+            <a:r>
+              <a:rPr lang="ru-RU" sz="2800" dirty="0" smtClean="0">
+                <a:latin typeface="SF UI Text" panose="00000400000000000000" pitchFamily="2" charset="0"/>
+              </a:rPr>
+              <a:t>Поиск по спискам мероприятий</a:t>
+            </a:r>
+          </a:p>
+          <a:p>
+            <a:pPr>
+              <a:lnSpc>
+                <a:spcPct val="150000"/>
+              </a:lnSpc>
+            </a:pPr>
+            <a:r>
+              <a:rPr lang="ru-RU" sz="2800" dirty="0" smtClean="0">
+                <a:latin typeface="SF UI Text" panose="00000400000000000000" pitchFamily="2" charset="0"/>
+              </a:rPr>
+              <a:t>Изменение языка </a:t>
+            </a:r>
+            <a:r>
+              <a:rPr lang="ru-RU" sz="2800" dirty="0" smtClean="0">
+                <a:latin typeface="SF UI Text" panose="00000400000000000000" pitchFamily="2" charset="0"/>
+              </a:rPr>
+              <a:t>мероприятий</a:t>
+            </a:r>
+            <a:endParaRPr lang="ru-RU" sz="2800" dirty="0" smtClean="0">
+              <a:latin typeface="SF UI Text" panose="00000400000000000000" pitchFamily="2" charset="0"/>
+            </a:endParaRPr>
+          </a:p>
+          <a:p>
+            <a:pPr>
+              <a:lnSpc>
+                <a:spcPct val="150000"/>
+              </a:lnSpc>
+            </a:pPr>
+            <a:r>
+              <a:rPr lang="ru-RU" sz="2800" dirty="0" smtClean="0">
+                <a:latin typeface="SF UI Text" panose="00000400000000000000" pitchFamily="2" charset="0"/>
+              </a:rPr>
+              <a:t>Изменение цветовой темы приложения</a:t>
+            </a:r>
+          </a:p>
+        </p:txBody>
+      </p:sp>
+      <p:sp>
+        <p:nvSpPr>
+          <p:cNvPr id="11" name="Номер слайда 10"/>
+          <p:cNvSpPr>
+            <a:spLocks noGrp="1"/>
+          </p:cNvSpPr>
+          <p:nvPr>
+            <p:ph type="sldNum" sz="quarter" idx="12"/>
+          </p:nvPr>
+        </p:nvSpPr>
+        <p:spPr/>
+        <p:txBody>
+          <a:bodyPr vert="horz" wrap="square" lIns="91440" tIns="45720" rIns="91440" bIns="45720" numCol="1" anchor="ctr" anchorCtr="0" compatLnSpc="1"/>
+          <a:lstStyle/>
+          <a:p>
+            <a:pPr>
+              <a:defRPr/>
+            </a:pPr>
+            <a:fld id="{CB65F501-F5CC-4E12-934E-78BB5E4DA208}" type="slidenum">
+              <a:rPr lang="en-US" sz="1800" smtClean="0">
+                <a:solidFill>
+                  <a:schemeClr val="tx1"/>
+                </a:solidFill>
+              </a:rPr>
+              <a:t>7</a:t>
+            </a:fld>
+            <a:endParaRPr lang="en-US" sz="1800">
               <a:solidFill>
-                <a:schemeClr val="tx2"/>
+                <a:schemeClr val="tx1"/>
               </a:solidFill>
-              <a:latin typeface="Segoe UI" panose="020B0502040204020203" pitchFamily="34" charset="0"/>
-            </a:endParaRPr>
-          </a:p>
-          <a:p>
-            <a:r>
-              <a:rPr lang="en-US" sz="2800" dirty="0" err="1" smtClean="0">
-                <a:solidFill>
-                  <a:schemeClr val="tx2"/>
-                </a:solidFill>
-                <a:latin typeface="Segoe UI" panose="020B0502040204020203" pitchFamily="34" charset="0"/>
-              </a:rPr>
-              <a:t>Shakura.dev</a:t>
-            </a:r>
-            <a:r>
-              <a:rPr lang="en-US" sz="2800" dirty="0" smtClean="0">
-                <a:solidFill>
-                  <a:schemeClr val="tx2"/>
-                </a:solidFill>
-                <a:latin typeface="Segoe UI" panose="020B0502040204020203" pitchFamily="34" charset="0"/>
-              </a:rPr>
-              <a:t>/</a:t>
-            </a:r>
-            <a:r>
-              <a:rPr lang="en-US" sz="2800" dirty="0" err="1" smtClean="0">
-                <a:solidFill>
-                  <a:schemeClr val="tx2"/>
-                </a:solidFill>
-                <a:latin typeface="Segoe UI" panose="020B0502040204020203" pitchFamily="34" charset="0"/>
-              </a:rPr>
-              <a:t>hseapien</a:t>
-            </a:r>
-            <a:endParaRPr lang="ru-RU" sz="2800" dirty="0" smtClean="0">
-              <a:solidFill>
-                <a:schemeClr val="tx2"/>
-              </a:solidFill>
-              <a:latin typeface="Segoe UI" panose="020B0502040204020203" pitchFamily="34" charset="0"/>
             </a:endParaRPr>
           </a:p>
         </p:txBody>
@@ -9966,18 +9223,10 @@
               </a:spcBef>
             </a:pPr>
             <a:r>
-              <a:rPr lang="ru-RU" sz="800" dirty="0">
-                <a:solidFill>
-                  <a:schemeClr val="bg1"/>
-                </a:solidFill>
-              </a:rPr>
+              <a:rPr lang="ru-RU" sz="800" dirty="0"/>
               <a:t>Высшая школа экономики, Москва, 2018</a:t>
             </a:r>
-            <a:endParaRPr kumimoji="1" lang="ru-RU" sz="800" dirty="0">
-              <a:solidFill>
-                <a:schemeClr val="bg1"/>
-              </a:solidFill>
-            </a:endParaRPr>
+            <a:endParaRPr kumimoji="1" lang="ru-RU" sz="800" dirty="0"/>
           </a:p>
         </p:txBody>
       </p:sp>
@@ -9989,8 +9238,8 @@
         </p:nvSpPr>
         <p:spPr bwMode="auto">
           <a:xfrm>
-            <a:off x="1428749" y="428625"/>
-            <a:ext cx="7432863" cy="412750"/>
+            <a:off x="1406585" y="331978"/>
+            <a:ext cx="6464041" cy="412750"/>
           </a:xfrm>
           <a:prstGeom prst="rect">
             <a:avLst/>
@@ -10010,7 +9259,7 @@
               <a:rPr lang="ru-RU" sz="3200" dirty="0" smtClean="0">
                 <a:latin typeface="SF UI Text" panose="00000400000000000000" pitchFamily="2" charset="0"/>
               </a:rPr>
-              <a:t>Функции приложения</a:t>
+              <a:t>Обмен данными</a:t>
             </a:r>
             <a:endParaRPr lang="en-US" sz="3200" dirty="0">
               <a:latin typeface="SF UI Text" panose="00000400000000000000" pitchFamily="2" charset="0"/>
@@ -10108,7 +9357,95 @@
       </p:sp>
       <p:sp>
         <p:nvSpPr>
-          <p:cNvPr id="14346" name="Rectangle 12"/>
+          <p:cNvPr id="11" name="Номер слайда 10"/>
+          <p:cNvSpPr>
+            <a:spLocks noGrp="1"/>
+          </p:cNvSpPr>
+          <p:nvPr>
+            <p:ph type="sldNum" sz="quarter" idx="12"/>
+          </p:nvPr>
+        </p:nvSpPr>
+        <p:spPr/>
+        <p:txBody>
+          <a:bodyPr vert="horz" wrap="square" lIns="91440" tIns="45720" rIns="91440" bIns="45720" numCol="1" anchor="ctr" anchorCtr="0" compatLnSpc="1"/>
+          <a:lstStyle/>
+          <a:p>
+            <a:pPr>
+              <a:defRPr/>
+            </a:pPr>
+            <a:fld id="{CB65F501-F5CC-4E12-934E-78BB5E4DA208}" type="slidenum">
+              <a:rPr lang="en-US" sz="1800" smtClean="0">
+                <a:solidFill>
+                  <a:schemeClr val="tx1"/>
+                </a:solidFill>
+              </a:rPr>
+              <a:t>8</a:t>
+            </a:fld>
+            <a:endParaRPr lang="en-US" sz="1800">
+              <a:solidFill>
+                <a:schemeClr val="tx1"/>
+              </a:solidFill>
+            </a:endParaRPr>
+          </a:p>
+        </p:txBody>
+      </p:sp>
+      <p:pic>
+        <p:nvPicPr>
+          <p:cNvPr id="1026" name="Picture 2" descr="Untitled"/>
+          <p:cNvPicPr>
+            <a:picLocks noChangeAspect="1" noChangeArrowheads="1"/>
+          </p:cNvPicPr>
+          <p:nvPr/>
+        </p:nvPicPr>
+        <p:blipFill>
+          <a:blip r:embed="rId2">
+            <a:extLst>
+              <a:ext uri="{28A0092B-C50C-407E-A947-70E740481C1C}">
+                <a14:useLocalDpi xmlns:a14="http://schemas.microsoft.com/office/drawing/2010/main" val="0"/>
+              </a:ext>
+            </a:extLst>
+          </a:blip>
+          <a:srcRect/>
+          <a:stretch>
+            <a:fillRect/>
+          </a:stretch>
+        </p:blipFill>
+        <p:spPr bwMode="auto">
+          <a:xfrm>
+            <a:off x="0" y="1292250"/>
+            <a:ext cx="9277212" cy="4319136"/>
+          </a:xfrm>
+          <a:prstGeom prst="rect">
+            <a:avLst/>
+          </a:prstGeom>
+          <a:noFill/>
+          <a:ln>
+            <a:noFill/>
+          </a:ln>
+          <a:extLst>
+            <a:ext uri="{909E8E84-426E-40DD-AFC4-6F175D3DCCD1}">
+              <a14:hiddenFill xmlns:a14="http://schemas.microsoft.com/office/drawing/2010/main">
+                <a:solidFill>
+                  <a:srgbClr val="FFFFFF"/>
+                </a:solidFill>
+              </a14:hiddenFill>
+            </a:ext>
+            <a:ext uri="{91240B29-F687-4F45-9708-019B960494DF}">
+              <a14:hiddenLine xmlns:a14="http://schemas.microsoft.com/office/drawing/2010/main" w="9525">
+                <a:solidFill>
+                  <a:srgbClr val="000000"/>
+                </a:solidFill>
+                <a:miter lim="800000"/>
+                <a:headEnd/>
+                <a:tailEnd/>
+              </a14:hiddenLine>
+            </a:ext>
+          </a:extLst>
+        </p:spPr>
+      </p:pic>
+      <p:sp>
+        <p:nvSpPr>
+          <p:cNvPr id="9" name="Rectangle 12"/>
           <p:cNvSpPr>
             <a:spLocks noChangeArrowheads="1"/>
           </p:cNvSpPr>
@@ -10116,8 +9453,8 @@
         </p:nvSpPr>
         <p:spPr bwMode="auto">
           <a:xfrm>
-            <a:off x="368554" y="1884668"/>
-            <a:ext cx="8775446" cy="3970318"/>
+            <a:off x="1025078" y="4780389"/>
+            <a:ext cx="7773689" cy="954107"/>
           </a:xfrm>
           <a:prstGeom prst="rect">
             <a:avLst/>
@@ -10134,133 +9471,73 @@
           </a:bodyPr>
           <a:lstStyle/>
           <a:p>
-            <a:pPr>
-              <a:lnSpc>
-                <a:spcPct val="150000"/>
-              </a:lnSpc>
-            </a:pPr>
-            <a:r>
-              <a:rPr lang="ru-RU" sz="2800" dirty="0" smtClean="0">
-                <a:latin typeface="SF UI Text" panose="00000400000000000000" pitchFamily="2" charset="0"/>
-              </a:rPr>
-              <a:t>Вывод </a:t>
-            </a:r>
-            <a:r>
-              <a:rPr lang="ru-RU" sz="2800" dirty="0" smtClean="0">
-                <a:latin typeface="SF UI Text" panose="00000400000000000000" pitchFamily="2" charset="0"/>
-              </a:rPr>
-              <a:t>списка мероприятий</a:t>
-            </a:r>
-          </a:p>
-          <a:p>
-            <a:pPr>
-              <a:lnSpc>
-                <a:spcPct val="150000"/>
-              </a:lnSpc>
-            </a:pPr>
-            <a:r>
-              <a:rPr lang="ru-RU" sz="2800" dirty="0" smtClean="0">
-                <a:latin typeface="SF UI Text" panose="00000400000000000000" pitchFamily="2" charset="0"/>
-              </a:rPr>
-              <a:t>Добавление мероприятий в избранное</a:t>
-            </a:r>
-          </a:p>
-          <a:p>
-            <a:pPr>
-              <a:lnSpc>
-                <a:spcPct val="150000"/>
-              </a:lnSpc>
-            </a:pPr>
-            <a:r>
-              <a:rPr lang="ru-RU" sz="2800" dirty="0" smtClean="0">
-                <a:latin typeface="SF UI Text" panose="00000400000000000000" pitchFamily="2" charset="0"/>
-              </a:rPr>
-              <a:t>Вывод списка избранных мероприятий</a:t>
-            </a:r>
-            <a:endParaRPr lang="ru-RU" sz="2800" dirty="0">
-              <a:latin typeface="SF UI Text" panose="00000400000000000000" pitchFamily="2" charset="0"/>
+            <a:r>
+              <a:rPr lang="en-US" sz="2800" dirty="0" err="1" smtClean="0">
+                <a:solidFill>
+                  <a:schemeClr val="tx2"/>
+                </a:solidFill>
+                <a:latin typeface="Segoe UI" panose="020B0502040204020203" pitchFamily="34" charset="0"/>
+              </a:rPr>
+              <a:t>Shakura.dev</a:t>
+            </a:r>
+            <a:r>
+              <a:rPr lang="en-US" sz="2800" dirty="0" smtClean="0">
+                <a:solidFill>
+                  <a:schemeClr val="tx2"/>
+                </a:solidFill>
+                <a:latin typeface="Segoe UI" panose="020B0502040204020203" pitchFamily="34" charset="0"/>
+              </a:rPr>
+              <a:t>/</a:t>
+            </a:r>
+            <a:r>
+              <a:rPr lang="en-US" sz="2800" dirty="0" err="1" smtClean="0">
+                <a:solidFill>
+                  <a:schemeClr val="tx2"/>
+                </a:solidFill>
+                <a:latin typeface="Segoe UI" panose="020B0502040204020203" pitchFamily="34" charset="0"/>
+              </a:rPr>
+              <a:t>hseapi</a:t>
+            </a:r>
+            <a:endParaRPr lang="en-US" sz="2800" dirty="0" smtClean="0">
+              <a:solidFill>
+                <a:schemeClr val="tx2"/>
+              </a:solidFill>
+              <a:latin typeface="Segoe UI" panose="020B0502040204020203" pitchFamily="34" charset="0"/>
             </a:endParaRPr>
           </a:p>
           <a:p>
-            <a:pPr>
-              <a:lnSpc>
-                <a:spcPct val="150000"/>
-              </a:lnSpc>
-            </a:pPr>
-            <a:r>
-              <a:rPr lang="ru-RU" sz="2800" dirty="0" smtClean="0">
-                <a:latin typeface="SF UI Text" panose="00000400000000000000" pitchFamily="2" charset="0"/>
-              </a:rPr>
-              <a:t>Поиск по спискам мероприятий</a:t>
-            </a:r>
-          </a:p>
-          <a:p>
-            <a:pPr>
-              <a:lnSpc>
-                <a:spcPct val="150000"/>
-              </a:lnSpc>
-            </a:pPr>
-            <a:r>
-              <a:rPr lang="ru-RU" sz="2800" dirty="0" smtClean="0">
-                <a:latin typeface="SF UI Text" panose="00000400000000000000" pitchFamily="2" charset="0"/>
-              </a:rPr>
-              <a:t>Изменение языка </a:t>
-            </a:r>
-            <a:r>
-              <a:rPr lang="ru-RU" sz="2800" dirty="0" err="1" smtClean="0">
-                <a:latin typeface="SF UI Text" panose="00000400000000000000" pitchFamily="2" charset="0"/>
-              </a:rPr>
-              <a:t>меропритяий</a:t>
+            <a:r>
+              <a:rPr lang="en-US" sz="2800" dirty="0" err="1" smtClean="0">
+                <a:solidFill>
+                  <a:schemeClr val="tx2"/>
+                </a:solidFill>
+                <a:latin typeface="Segoe UI" panose="020B0502040204020203" pitchFamily="34" charset="0"/>
+              </a:rPr>
+              <a:t>Shakura.dev</a:t>
+            </a:r>
+            <a:r>
+              <a:rPr lang="en-US" sz="2800" dirty="0" smtClean="0">
+                <a:solidFill>
+                  <a:schemeClr val="tx2"/>
+                </a:solidFill>
+                <a:latin typeface="Segoe UI" panose="020B0502040204020203" pitchFamily="34" charset="0"/>
+              </a:rPr>
+              <a:t>/</a:t>
+            </a:r>
+            <a:r>
+              <a:rPr lang="en-US" sz="2800" dirty="0" err="1" smtClean="0">
+                <a:solidFill>
+                  <a:schemeClr val="tx2"/>
+                </a:solidFill>
+                <a:latin typeface="Segoe UI" panose="020B0502040204020203" pitchFamily="34" charset="0"/>
+              </a:rPr>
+              <a:t>hseapien</a:t>
             </a:r>
             <a:endParaRPr lang="ru-RU" sz="2800" dirty="0" smtClean="0">
-              <a:latin typeface="SF UI Text" panose="00000400000000000000" pitchFamily="2" charset="0"/>
-            </a:endParaRPr>
-          </a:p>
-          <a:p>
-            <a:pPr>
-              <a:lnSpc>
-                <a:spcPct val="150000"/>
-              </a:lnSpc>
-            </a:pPr>
-            <a:r>
-              <a:rPr lang="ru-RU" sz="2800" dirty="0" smtClean="0">
-                <a:latin typeface="SF UI Text" panose="00000400000000000000" pitchFamily="2" charset="0"/>
-              </a:rPr>
-              <a:t>Изменение цветовой темы приложения</a:t>
-            </a:r>
-          </a:p>
-        </p:txBody>
-      </p:sp>
-      <p:sp>
-        <p:nvSpPr>
-          <p:cNvPr id="11" name="Номер слайда 10"/>
-          <p:cNvSpPr>
-            <a:spLocks noGrp="1"/>
-          </p:cNvSpPr>
-          <p:nvPr>
-            <p:ph type="sldNum" sz="quarter" idx="12"/>
-          </p:nvPr>
-        </p:nvSpPr>
-        <p:spPr/>
-        <p:txBody>
-          <a:bodyPr vert="horz" wrap="square" lIns="91440" tIns="45720" rIns="91440" bIns="45720" numCol="1" anchor="ctr" anchorCtr="0" compatLnSpc="1"/>
-          <a:lstStyle/>
-          <a:p>
-            <a:pPr>
-              <a:defRPr/>
-            </a:pPr>
-            <a:fld id="{CB65F501-F5CC-4E12-934E-78BB5E4DA208}" type="slidenum">
-              <a:rPr lang="en-US" sz="1800" smtClean="0">
-                <a:solidFill>
-                  <a:schemeClr val="tx1"/>
-                </a:solidFill>
-              </a:rPr>
-              <a:t>8</a:t>
-            </a:fld>
-            <a:endParaRPr lang="en-US" sz="1800">
               <a:solidFill>
-                <a:schemeClr val="tx1"/>
+                <a:schemeClr val="tx2"/>
               </a:solidFill>
+              <a:latin typeface="Segoe UI" panose="020B0502040204020203" pitchFamily="34" charset="0"/>
             </a:endParaRPr>
           </a:p>
         </p:txBody>
@@ -10350,8 +9627,8 @@
         </p:nvSpPr>
         <p:spPr bwMode="auto">
           <a:xfrm>
-            <a:off x="1428749" y="428625"/>
-            <a:ext cx="7432863" cy="412750"/>
+            <a:off x="849086" y="268343"/>
+            <a:ext cx="8294913" cy="412750"/>
           </a:xfrm>
           <a:prstGeom prst="rect">
             <a:avLst/>
@@ -10368,24 +9645,24 @@
           <a:p>
             <a:pPr algn="ctr"/>
             <a:r>
-              <a:rPr lang="ru-RU" sz="2400" dirty="0" smtClean="0">
+              <a:rPr lang="ru-RU" sz="3200" dirty="0" smtClean="0">
                 <a:latin typeface="SF UI Text" panose="00000400000000000000" pitchFamily="2" charset="0"/>
               </a:rPr>
               <a:t>Технологии </a:t>
             </a:r>
             <a:r>
-              <a:rPr lang="ru-RU" sz="2400" dirty="0">
+              <a:rPr lang="ru-RU" sz="3200" dirty="0">
                 <a:latin typeface="SF UI Text" panose="00000400000000000000" pitchFamily="2" charset="0"/>
               </a:rPr>
               <a:t>и</a:t>
             </a:r>
             <a:r>
-              <a:rPr lang="ru-RU" sz="2400" dirty="0" smtClean="0">
+              <a:rPr lang="ru-RU" sz="3200" dirty="0" smtClean="0">
                 <a:latin typeface="SF UI Text" panose="00000400000000000000" pitchFamily="2" charset="0"/>
               </a:rPr>
               <a:t> инструменты реализации</a:t>
             </a:r>
-            <a:endParaRPr lang="en-US" sz="2400" dirty="0">
+            <a:endParaRPr lang="en-US" sz="3200" dirty="0">
               <a:latin typeface="SF UI Text" panose="00000400000000000000" pitchFamily="2" charset="0"/>
             </a:endParaRPr>
           </a:p>
@@ -10393,7 +9670,41 @@
       </p:sp>
       <p:sp>
         <p:nvSpPr>
-          <p:cNvPr id="14343" name="Rectangle 9"/>
+          <p:cNvPr id="11" name="Номер слайда 10"/>
+          <p:cNvSpPr>
+            <a:spLocks noGrp="1"/>
+          </p:cNvSpPr>
+          <p:nvPr>
+            <p:ph type="sldNum" sz="quarter" idx="12"/>
+          </p:nvPr>
+        </p:nvSpPr>
+        <p:spPr/>
+        <p:txBody>
+          <a:bodyPr vert="horz" wrap="square" lIns="91440" tIns="45720" rIns="91440" bIns="45720" numCol="1" anchor="ctr" anchorCtr="0" compatLnSpc="1"/>
+          <a:lstStyle/>
+          <a:p>
+            <a:pPr>
+              <a:defRPr/>
+            </a:pPr>
+            <a:fld id="{CB65F501-F5CC-4E12-934E-78BB5E4DA208}" type="slidenum">
+              <a:rPr lang="en-US" sz="1800" smtClean="0">
+                <a:solidFill>
+                  <a:schemeClr val="tx1"/>
+                </a:solidFill>
+              </a:rPr>
+              <a:t>9</a:t>
+            </a:fld>
+            <a:endParaRPr lang="en-US" sz="1800">
+              <a:solidFill>
+                <a:schemeClr val="tx1"/>
+              </a:solidFill>
+            </a:endParaRPr>
+          </a:p>
+        </p:txBody>
+      </p:sp>
+      <p:sp>
+        <p:nvSpPr>
+          <p:cNvPr id="8" name="Rectangle 12"/>
           <p:cNvSpPr>
             <a:spLocks noChangeArrowheads="1"/>
           </p:cNvSpPr>
@@ -10401,8 +9712,8 @@
         </p:nvSpPr>
         <p:spPr bwMode="auto">
           <a:xfrm>
-            <a:off x="7300913" y="2255838"/>
-            <a:ext cx="674687" cy="369887"/>
+            <a:off x="255589" y="1581141"/>
+            <a:ext cx="3504648" cy="3249479"/>
           </a:xfrm>
           <a:prstGeom prst="rect">
             <a:avLst/>
@@ -10414,30 +9725,80 @@
           </a:ln>
         </p:spPr>
         <p:txBody>
-          <a:bodyPr wrap="none">
+          <a:bodyPr wrap="square">
             <a:spAutoFit/>
           </a:bodyPr>
           <a:lstStyle/>
           <a:p>
-            <a:r>
-              <a:rPr lang="ru-RU">
-                <a:solidFill>
-                  <a:srgbClr val="FFFFFF"/>
-                </a:solidFill>
-              </a:rPr>
-              <a:t>фото</a:t>
-            </a:r>
-            <a:endParaRPr lang="en-US">
-              <a:solidFill>
-                <a:srgbClr val="FFFFFF"/>
-              </a:solidFill>
-            </a:endParaRPr>
-          </a:p>
-        </p:txBody>
-      </p:sp>
-      <p:sp>
-        <p:nvSpPr>
-          <p:cNvPr id="14344" name="Rectangle 10"/>
+            <a:pPr>
+              <a:lnSpc>
+                <a:spcPct val="150000"/>
+              </a:lnSpc>
+            </a:pPr>
+            <a:r>
+              <a:rPr lang="en-US" sz="2800" dirty="0" smtClean="0">
+                <a:latin typeface="SF UI Text" panose="00000400000000000000" pitchFamily="2" charset="0"/>
+              </a:rPr>
+              <a:t>Ubuntu 16.04</a:t>
+            </a:r>
+          </a:p>
+          <a:p>
+            <a:pPr>
+              <a:lnSpc>
+                <a:spcPct val="150000"/>
+              </a:lnSpc>
+            </a:pPr>
+            <a:r>
+              <a:rPr lang="en-US" sz="2800" dirty="0" smtClean="0">
+                <a:latin typeface="SF UI Text" panose="00000400000000000000" pitchFamily="2" charset="0"/>
+              </a:rPr>
+              <a:t>Apache2</a:t>
+            </a:r>
+          </a:p>
+          <a:p>
+            <a:pPr>
+              <a:lnSpc>
+                <a:spcPct val="150000"/>
+              </a:lnSpc>
+            </a:pPr>
+            <a:r>
+              <a:rPr lang="en-US" sz="2800" dirty="0" smtClean="0">
+                <a:latin typeface="SF UI Text" panose="00000400000000000000" pitchFamily="2" charset="0"/>
+              </a:rPr>
+              <a:t>Python</a:t>
+            </a:r>
+          </a:p>
+          <a:p>
+            <a:pPr>
+              <a:lnSpc>
+                <a:spcPct val="150000"/>
+              </a:lnSpc>
+            </a:pPr>
+            <a:r>
+              <a:rPr lang="en-US" sz="2800" dirty="0" smtClean="0">
+                <a:latin typeface="SF UI Text" panose="00000400000000000000" pitchFamily="2" charset="0"/>
+              </a:rPr>
+              <a:t>Flask</a:t>
+            </a:r>
+          </a:p>
+          <a:p>
+            <a:pPr>
+              <a:lnSpc>
+                <a:spcPct val="150000"/>
+              </a:lnSpc>
+            </a:pPr>
+            <a:r>
+              <a:rPr lang="en-US" sz="2800" dirty="0" smtClean="0">
+                <a:latin typeface="SF UI Text" panose="00000400000000000000" pitchFamily="2" charset="0"/>
+              </a:rPr>
+              <a:t>JSON</a:t>
+            </a:r>
+          </a:p>
+        </p:txBody>
+      </p:sp>
+      <p:sp>
+        <p:nvSpPr>
+          <p:cNvPr id="9" name="Rectangle 12"/>
           <p:cNvSpPr>
             <a:spLocks noChangeArrowheads="1"/>
           </p:cNvSpPr>
@@ -10445,8 +9806,8 @@
         </p:nvSpPr>
         <p:spPr bwMode="auto">
           <a:xfrm>
-            <a:off x="7300913" y="3967163"/>
-            <a:ext cx="674687" cy="368300"/>
+            <a:off x="4398963" y="1674566"/>
+            <a:ext cx="4287837" cy="2031325"/>
           </a:xfrm>
           <a:prstGeom prst="rect">
             <a:avLst/>
@@ -10458,101 +9819,53 @@
           </a:ln>
         </p:spPr>
         <p:txBody>
-          <a:bodyPr wrap="none">
+          <a:bodyPr wrap="square">
             <a:spAutoFit/>
           </a:bodyPr>
           <a:lstStyle/>
           <a:p>
-            <a:r>
-              <a:rPr lang="ru-RU">
-                <a:solidFill>
-                  <a:srgbClr val="FFFFFF"/>
-                </a:solidFill>
-              </a:rPr>
-              <a:t>фото</a:t>
-            </a:r>
-            <a:endParaRPr lang="en-US">
-              <a:solidFill>
-                <a:srgbClr val="FFFFFF"/>
-              </a:solidFill>
+            <a:pPr>
+              <a:lnSpc>
+                <a:spcPct val="150000"/>
+              </a:lnSpc>
+            </a:pPr>
+            <a:r>
+              <a:rPr lang="en-US" sz="2800" dirty="0" err="1" smtClean="0">
+                <a:latin typeface="SF UI Text" panose="00000400000000000000" pitchFamily="2" charset="0"/>
+              </a:rPr>
+              <a:t>Xamarin</a:t>
+            </a:r>
+            <a:endParaRPr lang="en-US" sz="2800" dirty="0" smtClean="0">
+              <a:latin typeface="SF UI Text" panose="00000400000000000000" pitchFamily="2" charset="0"/>
             </a:endParaRPr>
           </a:p>
-        </p:txBody>
-      </p:sp>
-      <p:sp>
-        <p:nvSpPr>
-          <p:cNvPr id="14345" name="Rectangle 11"/>
-          <p:cNvSpPr>
-            <a:spLocks noChangeArrowheads="1"/>
-          </p:cNvSpPr>
-          <p:nvPr/>
-        </p:nvSpPr>
-        <p:spPr bwMode="auto">
-          <a:xfrm>
-            <a:off x="7300913" y="5591175"/>
-            <a:ext cx="674687" cy="369888"/>
-          </a:xfrm>
-          <a:prstGeom prst="rect">
-            <a:avLst/>
-          </a:prstGeom>
-          <a:noFill/>
-          <a:ln w="9525">
-            <a:noFill/>
-            <a:miter lim="800000"/>
-          </a:ln>
-        </p:spPr>
-        <p:txBody>
-          <a:bodyPr wrap="none">
-            <a:spAutoFit/>
-          </a:bodyPr>
-          <a:lstStyle/>
-          <a:p>
-            <a:r>
-              <a:rPr lang="ru-RU">
-                <a:solidFill>
-                  <a:srgbClr val="FFFFFF"/>
-                </a:solidFill>
-              </a:rPr>
-              <a:t>фото</a:t>
-            </a:r>
-            <a:endParaRPr lang="en-US">
-              <a:solidFill>
-                <a:srgbClr val="FFFFFF"/>
-              </a:solidFill>
-            </a:endParaRPr>
-          </a:p>
-        </p:txBody>
-      </p:sp>
-      <p:sp>
-        <p:nvSpPr>
-          <p:cNvPr id="11" name="Номер слайда 10"/>
-          <p:cNvSpPr>
-            <a:spLocks noGrp="1"/>
-          </p:cNvSpPr>
-          <p:nvPr>
-            <p:ph type="sldNum" sz="quarter" idx="12"/>
-          </p:nvPr>
-        </p:nvSpPr>
-        <p:spPr/>
-        <p:txBody>
-          <a:bodyPr vert="horz" wrap="square" lIns="91440" tIns="45720" rIns="91440" bIns="45720" numCol="1" anchor="ctr" anchorCtr="0" compatLnSpc="1"/>
-          <a:lstStyle/>
           <a:p>
             <a:pPr>
-              <a:defRPr/>
+              <a:lnSpc>
+                <a:spcPct val="150000"/>
+              </a:lnSpc>
             </a:pPr>
-            <a:fld id="{CB65F501-F5CC-4E12-934E-78BB5E4DA208}" type="slidenum">
-              <a:rPr lang="en-US" sz="1800" smtClean="0">
-                <a:solidFill>
-                  <a:schemeClr val="tx1"/>
-                </a:solidFill>
-              </a:rPr>
-              <a:t>9</a:t>
-            </a:fld>
-            <a:endParaRPr lang="en-US" sz="1800">
-              <a:solidFill>
-                <a:schemeClr val="tx1"/>
-              </a:solidFill>
+            <a:r>
+              <a:rPr lang="en-US" sz="2800" dirty="0" smtClean="0">
+                <a:latin typeface="SF UI Text" panose="00000400000000000000" pitchFamily="2" charset="0"/>
+              </a:rPr>
+              <a:t>C#</a:t>
+            </a:r>
+          </a:p>
+          <a:p>
+            <a:pPr>
+              <a:lnSpc>
+                <a:spcPct val="150000"/>
+              </a:lnSpc>
+            </a:pPr>
+            <a:r>
+              <a:rPr lang="en-US" sz="2800" dirty="0" err="1" smtClean="0">
+                <a:latin typeface="SF UI Text" panose="00000400000000000000" pitchFamily="2" charset="0"/>
+              </a:rPr>
+              <a:t>Xaml</a:t>
+            </a:r>
+            <a:endParaRPr lang="en-US" sz="2800" dirty="0" smtClean="0">
+              <a:latin typeface="SF UI Text" panose="00000400000000000000" pitchFamily="2" charset="0"/>
             </a:endParaRPr>
           </a:p>
         </p:txBody>

--- a/Презентация.pptx
+++ b/Презентация.pptx
@@ -168,6 +168,9 @@
         </p15:guide>
       </p15:sldGuideLst>
     </p:ext>
+    <p:ext uri="{2D200454-40CA-4A62-9FC3-DE9A4176ACB9}">
+      <p15:notesGuideLst xmlns:p15="http://schemas.microsoft.com/office/powerpoint/2012/main"/>
+    </p:ext>
   </p:extLst>
 </p:presentation>
 </file>
@@ -254,7 +257,7 @@
           <a:p>
             <a:fld id="{696C064A-D61B-4B21-B757-51A9B82445B8}" type="datetimeFigureOut">
               <a:rPr lang="en-US" smtClean="0"/>
-              <a:t>5/16/2019</a:t>
+              <a:t>5/18/2019</a:t>
             </a:fld>
             <a:endParaRPr lang="en-US"/>
           </a:p>
@@ -272,8 +275,8 @@
         </p:nvSpPr>
         <p:spPr>
           <a:xfrm>
-            <a:off x="0" y="8685213"/>
-            <a:ext cx="2971800" cy="458787"/>
+            <a:off x="-1" y="8685213"/>
+            <a:ext cx="3275635" cy="458787"/>
           </a:xfrm>
           <a:prstGeom prst="rect">
             <a:avLst/>
@@ -287,7 +290,18 @@
             </a:lvl1pPr>
           </a:lstStyle>
           <a:p>
-            <a:endParaRPr lang="en-US"/>
+            <a:r>
+              <a:rPr lang="ru-RU" dirty="0"/>
+              <a:t>Высшая школа экономики, Москва, </a:t>
+            </a:r>
+            <a:r>
+              <a:rPr lang="ru-RU" dirty="0" smtClean="0"/>
+              <a:t>2018</a:t>
+            </a:r>
+            <a:endParaRPr kumimoji="1" lang="ru-RU" dirty="0"/>
+          </a:p>
+          <a:p>
+            <a:endParaRPr lang="en-US" dirty="0"/>
           </a:p>
         </p:txBody>
       </p:sp>
@@ -414,7 +428,7 @@
           <a:p>
             <a:fld id="{B833A33E-C325-493D-853D-0C52CC5BC609}" type="datetimeFigureOut">
               <a:rPr lang="ru-RU" smtClean="0"/>
-              <a:t>16.05.2019</a:t>
+              <a:t>18.05.2019</a:t>
             </a:fld>
             <a:endParaRPr lang="ru-RU"/>
           </a:p>
@@ -945,7 +959,7 @@
             </a:pPr>
             <a:fld id="{2699D9B1-B6B0-4324-91A6-EA2D4E340434}" type="datetime1">
               <a:rPr lang="en-US" smtClean="0"/>
-              <a:t>5/16/2019</a:t>
+              <a:t>5/18/2019</a:t>
             </a:fld>
             <a:endParaRPr lang="en-US"/>
           </a:p>
@@ -1133,7 +1147,7 @@
             </a:pPr>
             <a:fld id="{C07CB3C1-8DEB-4F78-85B6-939055E39EDB}" type="datetime1">
               <a:rPr lang="en-US" smtClean="0"/>
-              <a:t>5/16/2019</a:t>
+              <a:t>5/18/2019</a:t>
             </a:fld>
             <a:endParaRPr lang="en-US"/>
           </a:p>
@@ -1331,7 +1345,7 @@
             </a:pPr>
             <a:fld id="{E83DD563-E40F-4587-96CC-6FC37E1B9AD4}" type="datetime1">
               <a:rPr lang="en-US" smtClean="0"/>
-              <a:t>5/16/2019</a:t>
+              <a:t>5/18/2019</a:t>
             </a:fld>
             <a:endParaRPr lang="en-US"/>
           </a:p>
@@ -1519,7 +1533,7 @@
             </a:pPr>
             <a:fld id="{1023F1F2-488E-48F5-B284-CB2ADAE765FC}" type="datetime1">
               <a:rPr lang="en-US" smtClean="0"/>
-              <a:t>5/16/2019</a:t>
+              <a:t>5/18/2019</a:t>
             </a:fld>
             <a:endParaRPr lang="en-US"/>
           </a:p>
@@ -1784,7 +1798,7 @@
             </a:pPr>
             <a:fld id="{25932485-165D-4AD8-8DD3-ABDE4DD29132}" type="datetime1">
               <a:rPr lang="en-US" smtClean="0"/>
-              <a:t>5/16/2019</a:t>
+              <a:t>5/18/2019</a:t>
             </a:fld>
             <a:endParaRPr lang="en-US"/>
           </a:p>
@@ -2089,7 +2103,7 @@
             </a:pPr>
             <a:fld id="{00C1CB64-5CF5-4F51-85BC-788A4A7F3B6F}" type="datetime1">
               <a:rPr lang="en-US" smtClean="0"/>
-              <a:t>5/16/2019</a:t>
+              <a:t>5/18/2019</a:t>
             </a:fld>
             <a:endParaRPr lang="en-US"/>
           </a:p>
@@ -2528,7 +2542,7 @@
             </a:pPr>
             <a:fld id="{2C29C625-3F9E-4DFB-A5E1-1CBDC5003C45}" type="datetime1">
               <a:rPr lang="en-US" smtClean="0"/>
-              <a:t>5/16/2019</a:t>
+              <a:t>5/18/2019</a:t>
             </a:fld>
             <a:endParaRPr lang="en-US"/>
           </a:p>
@@ -2665,7 +2679,7 @@
             </a:pPr>
             <a:fld id="{33AF6697-FEC6-4C36-B0D2-2C440F34F0B7}" type="datetime1">
               <a:rPr lang="en-US" smtClean="0"/>
-              <a:t>5/16/2019</a:t>
+              <a:t>5/18/2019</a:t>
             </a:fld>
             <a:endParaRPr lang="en-US"/>
           </a:p>
@@ -2780,7 +2794,7 @@
             </a:pPr>
             <a:fld id="{DBE8EB36-176D-458F-A1D1-51CF3378A8BB}" type="datetime1">
               <a:rPr lang="en-US" smtClean="0"/>
-              <a:t>5/16/2019</a:t>
+              <a:t>5/18/2019</a:t>
             </a:fld>
             <a:endParaRPr lang="en-US"/>
           </a:p>
@@ -3075,7 +3089,7 @@
             </a:pPr>
             <a:fld id="{F850F3EA-07D7-4291-97BD-1D78061A2850}" type="datetime1">
               <a:rPr lang="en-US" smtClean="0"/>
-              <a:t>5/16/2019</a:t>
+              <a:t>5/18/2019</a:t>
             </a:fld>
             <a:endParaRPr lang="en-US"/>
           </a:p>
@@ -3350,7 +3364,7 @@
             </a:pPr>
             <a:fld id="{056912E4-C26E-43EE-9313-25FCA704325B}" type="datetime1">
               <a:rPr lang="en-US" smtClean="0"/>
-              <a:t>5/16/2019</a:t>
+              <a:t>5/18/2019</a:t>
             </a:fld>
             <a:endParaRPr lang="en-US"/>
           </a:p>
@@ -3594,7 +3608,7 @@
             </a:pPr>
             <a:fld id="{88E82FEC-4005-4EF6-B205-585ADA59CD5B}" type="datetime1">
               <a:rPr lang="en-US" smtClean="0"/>
-              <a:t>5/16/2019</a:t>
+              <a:t>5/18/2019</a:t>
             </a:fld>
             <a:endParaRPr lang="en-US"/>
           </a:p>
@@ -5171,6 +5185,47 @@
           </a:extLst>
         </p:spPr>
       </p:pic>
+      <p:sp>
+        <p:nvSpPr>
+          <p:cNvPr id="9" name="Subtitle 2"/>
+          <p:cNvSpPr txBox="1"/>
+          <p:nvPr/>
+        </p:nvSpPr>
+        <p:spPr bwMode="auto">
+          <a:xfrm>
+            <a:off x="407988" y="6567488"/>
+            <a:ext cx="4143375" cy="246062"/>
+          </a:xfrm>
+          <a:prstGeom prst="rect">
+            <a:avLst/>
+          </a:prstGeom>
+          <a:noFill/>
+          <a:ln w="9525">
+            <a:noFill/>
+            <a:miter lim="800000"/>
+          </a:ln>
+        </p:spPr>
+        <p:txBody>
+          <a:bodyPr/>
+          <a:lstStyle/>
+          <a:p>
+            <a:pPr>
+              <a:spcBef>
+                <a:spcPct val="20000"/>
+              </a:spcBef>
+            </a:pPr>
+            <a:r>
+              <a:rPr lang="ru-RU" sz="800" dirty="0"/>
+              <a:t>Высшая школа экономики, Москва, </a:t>
+            </a:r>
+            <a:r>
+              <a:rPr lang="ru-RU" sz="800" dirty="0" smtClean="0"/>
+              <a:t>2019</a:t>
+            </a:r>
+            <a:endParaRPr kumimoji="1" lang="ru-RU" sz="800" dirty="0"/>
+          </a:p>
+        </p:txBody>
+      </p:sp>
     </p:spTree>
   </p:cSld>
   <p:clrMapOvr>
@@ -6028,6 +6083,47 @@
           </a:p>
         </p:txBody>
       </p:sp>
+      <p:sp>
+        <p:nvSpPr>
+          <p:cNvPr id="8" name="Subtitle 2"/>
+          <p:cNvSpPr txBox="1"/>
+          <p:nvPr/>
+        </p:nvSpPr>
+        <p:spPr bwMode="auto">
+          <a:xfrm>
+            <a:off x="407988" y="6567488"/>
+            <a:ext cx="4143375" cy="246062"/>
+          </a:xfrm>
+          <a:prstGeom prst="rect">
+            <a:avLst/>
+          </a:prstGeom>
+          <a:noFill/>
+          <a:ln w="9525">
+            <a:noFill/>
+            <a:miter lim="800000"/>
+          </a:ln>
+        </p:spPr>
+        <p:txBody>
+          <a:bodyPr/>
+          <a:lstStyle/>
+          <a:p>
+            <a:pPr>
+              <a:spcBef>
+                <a:spcPct val="20000"/>
+              </a:spcBef>
+            </a:pPr>
+            <a:r>
+              <a:rPr lang="ru-RU" sz="800" dirty="0"/>
+              <a:t>Высшая школа экономики, Москва, </a:t>
+            </a:r>
+            <a:r>
+              <a:rPr lang="ru-RU" sz="800" dirty="0" smtClean="0"/>
+              <a:t>2019</a:t>
+            </a:r>
+            <a:endParaRPr kumimoji="1" lang="ru-RU" sz="800" dirty="0"/>
+          </a:p>
+        </p:txBody>
+      </p:sp>
     </p:spTree>
   </p:cSld>
   <p:clrMapOvr>
@@ -6134,25 +6230,7 @@
               <a:rPr lang="ru-RU" sz="3200" dirty="0" smtClean="0">
                 <a:latin typeface="SF UI Text" panose="00000400000000000000" pitchFamily="2" charset="0"/>
               </a:rPr>
-              <a:t>Список </a:t>
-            </a:r>
-            <a:r>
-              <a:rPr lang="ru-RU" sz="3200" dirty="0" smtClean="0">
-                <a:latin typeface="SF UI Text" panose="00000400000000000000" pitchFamily="2" charset="0"/>
-              </a:rPr>
-              <a:t>использованных</a:t>
-            </a:r>
-            <a:r>
-              <a:rPr lang="ru-RU" sz="3200" dirty="0" smtClean="0">
-                <a:latin typeface="SF UI Text" panose="00000400000000000000" pitchFamily="2" charset="0"/>
-              </a:rPr>
-              <a:t> </a:t>
-            </a:r>
-            <a:r>
-              <a:rPr lang="ru-RU" sz="3200" dirty="0" smtClean="0">
-                <a:latin typeface="SF UI Text" panose="00000400000000000000" pitchFamily="2" charset="0"/>
-              </a:rPr>
-              <a:t>источников</a:t>
+              <a:t>Список использованных источников</a:t>
             </a:r>
             <a:endParaRPr lang="en-US" sz="3200" dirty="0">
               <a:latin typeface="SF UI Text" panose="00000400000000000000" pitchFamily="2" charset="0"/>
@@ -6335,6 +6413,47 @@
             <a:endParaRPr lang="en-US" sz="2800" dirty="0" smtClean="0">
               <a:latin typeface="SF UI Text" panose="00000400000000000000" pitchFamily="2" charset="0"/>
             </a:endParaRPr>
+          </a:p>
+        </p:txBody>
+      </p:sp>
+      <p:sp>
+        <p:nvSpPr>
+          <p:cNvPr id="9" name="Subtitle 2"/>
+          <p:cNvSpPr txBox="1"/>
+          <p:nvPr/>
+        </p:nvSpPr>
+        <p:spPr bwMode="auto">
+          <a:xfrm>
+            <a:off x="407988" y="6567488"/>
+            <a:ext cx="4143375" cy="246062"/>
+          </a:xfrm>
+          <a:prstGeom prst="rect">
+            <a:avLst/>
+          </a:prstGeom>
+          <a:noFill/>
+          <a:ln w="9525">
+            <a:noFill/>
+            <a:miter lim="800000"/>
+          </a:ln>
+        </p:spPr>
+        <p:txBody>
+          <a:bodyPr/>
+          <a:lstStyle/>
+          <a:p>
+            <a:pPr>
+              <a:spcBef>
+                <a:spcPct val="20000"/>
+              </a:spcBef>
+            </a:pPr>
+            <a:r>
+              <a:rPr lang="ru-RU" sz="800" dirty="0"/>
+              <a:t>Высшая школа экономики, Москва, </a:t>
+            </a:r>
+            <a:r>
+              <a:rPr lang="ru-RU" sz="800" dirty="0" smtClean="0"/>
+              <a:t>2019</a:t>
+            </a:r>
+            <a:endParaRPr kumimoji="1" lang="ru-RU" sz="800" dirty="0"/>
           </a:p>
         </p:txBody>
       </p:sp>
@@ -6868,6 +6987,47 @@
           </a:p>
         </p:txBody>
       </p:sp>
+      <p:sp>
+        <p:nvSpPr>
+          <p:cNvPr id="10" name="Subtitle 2"/>
+          <p:cNvSpPr txBox="1"/>
+          <p:nvPr/>
+        </p:nvSpPr>
+        <p:spPr bwMode="auto">
+          <a:xfrm>
+            <a:off x="407988" y="6567488"/>
+            <a:ext cx="4143375" cy="246062"/>
+          </a:xfrm>
+          <a:prstGeom prst="rect">
+            <a:avLst/>
+          </a:prstGeom>
+          <a:noFill/>
+          <a:ln w="9525">
+            <a:noFill/>
+            <a:miter lim="800000"/>
+          </a:ln>
+        </p:spPr>
+        <p:txBody>
+          <a:bodyPr/>
+          <a:lstStyle/>
+          <a:p>
+            <a:pPr>
+              <a:spcBef>
+                <a:spcPct val="20000"/>
+              </a:spcBef>
+            </a:pPr>
+            <a:r>
+              <a:rPr lang="ru-RU" sz="800" dirty="0"/>
+              <a:t>Высшая школа экономики, Москва, </a:t>
+            </a:r>
+            <a:r>
+              <a:rPr lang="ru-RU" sz="800" dirty="0" smtClean="0"/>
+              <a:t>2019</a:t>
+            </a:r>
+            <a:endParaRPr kumimoji="1" lang="ru-RU" sz="800" dirty="0"/>
+          </a:p>
+        </p:txBody>
+      </p:sp>
     </p:spTree>
   </p:cSld>
   <p:clrMapOvr>
@@ -7418,6 +7578,47 @@
           </a:p>
         </p:txBody>
       </p:sp>
+      <p:sp>
+        <p:nvSpPr>
+          <p:cNvPr id="10" name="Subtitle 2"/>
+          <p:cNvSpPr txBox="1"/>
+          <p:nvPr/>
+        </p:nvSpPr>
+        <p:spPr bwMode="auto">
+          <a:xfrm>
+            <a:off x="407988" y="6567488"/>
+            <a:ext cx="4143375" cy="246062"/>
+          </a:xfrm>
+          <a:prstGeom prst="rect">
+            <a:avLst/>
+          </a:prstGeom>
+          <a:noFill/>
+          <a:ln w="9525">
+            <a:noFill/>
+            <a:miter lim="800000"/>
+          </a:ln>
+        </p:spPr>
+        <p:txBody>
+          <a:bodyPr/>
+          <a:lstStyle/>
+          <a:p>
+            <a:pPr>
+              <a:spcBef>
+                <a:spcPct val="20000"/>
+              </a:spcBef>
+            </a:pPr>
+            <a:r>
+              <a:rPr lang="ru-RU" sz="800" dirty="0"/>
+              <a:t>Высшая школа экономики, Москва, </a:t>
+            </a:r>
+            <a:r>
+              <a:rPr lang="ru-RU" sz="800" dirty="0" smtClean="0"/>
+              <a:t>2019</a:t>
+            </a:r>
+            <a:endParaRPr kumimoji="1" lang="ru-RU" sz="800" dirty="0"/>
+          </a:p>
+        </p:txBody>
+      </p:sp>
     </p:spTree>
   </p:cSld>
   <p:clrMapOvr>
@@ -7747,11 +7948,7 @@
             </a:pPr>
             <a:r>
               <a:rPr lang="ru-RU" sz="2000" dirty="0" smtClean="0"/>
-              <a:t>Создать </a:t>
-            </a:r>
-            <a:r>
-              <a:rPr lang="ru-RU" sz="2000" dirty="0" smtClean="0"/>
-              <a:t>пр</a:t>
+              <a:t>Создать пр</a:t>
             </a:r>
             <a:r>
               <a:rPr lang="ru-RU" sz="2000" dirty="0"/>
@@ -7759,11 +7956,7 @@
             </a:r>
             <a:r>
               <a:rPr lang="ru-RU" sz="2000" dirty="0" smtClean="0"/>
-              <a:t>грамму </a:t>
-            </a:r>
-            <a:r>
-              <a:rPr lang="ru-RU" sz="2000" dirty="0" smtClean="0"/>
-              <a:t>на сервере для </a:t>
+              <a:t>грамму на сервере для </a:t>
             </a:r>
             <a:r>
               <a:rPr lang="ru-RU" sz="2000" dirty="0" err="1" smtClean="0"/>
@@ -7821,6 +8014,47 @@
                 <a:schemeClr val="tx1"/>
               </a:solidFill>
             </a:endParaRPr>
+          </a:p>
+        </p:txBody>
+      </p:sp>
+      <p:sp>
+        <p:nvSpPr>
+          <p:cNvPr id="9" name="Subtitle 2"/>
+          <p:cNvSpPr txBox="1"/>
+          <p:nvPr/>
+        </p:nvSpPr>
+        <p:spPr bwMode="auto">
+          <a:xfrm>
+            <a:off x="407988" y="6567488"/>
+            <a:ext cx="4143375" cy="246062"/>
+          </a:xfrm>
+          <a:prstGeom prst="rect">
+            <a:avLst/>
+          </a:prstGeom>
+          <a:noFill/>
+          <a:ln w="9525">
+            <a:noFill/>
+            <a:miter lim="800000"/>
+          </a:ln>
+        </p:spPr>
+        <p:txBody>
+          <a:bodyPr/>
+          <a:lstStyle/>
+          <a:p>
+            <a:pPr>
+              <a:spcBef>
+                <a:spcPct val="20000"/>
+              </a:spcBef>
+            </a:pPr>
+            <a:r>
+              <a:rPr lang="ru-RU" sz="800" dirty="0"/>
+              <a:t>Высшая школа экономики, Москва, </a:t>
+            </a:r>
+            <a:r>
+              <a:rPr lang="ru-RU" sz="800" dirty="0" smtClean="0"/>
+              <a:t>2019</a:t>
+            </a:r>
+            <a:endParaRPr kumimoji="1" lang="ru-RU" sz="800" dirty="0"/>
           </a:p>
         </p:txBody>
       </p:sp>
@@ -8259,6 +8493,47 @@
           </a:p>
         </p:txBody>
       </p:sp>
+      <p:sp>
+        <p:nvSpPr>
+          <p:cNvPr id="12" name="Subtitle 2"/>
+          <p:cNvSpPr txBox="1"/>
+          <p:nvPr/>
+        </p:nvSpPr>
+        <p:spPr bwMode="auto">
+          <a:xfrm>
+            <a:off x="407988" y="6567488"/>
+            <a:ext cx="4143375" cy="246062"/>
+          </a:xfrm>
+          <a:prstGeom prst="rect">
+            <a:avLst/>
+          </a:prstGeom>
+          <a:noFill/>
+          <a:ln w="9525">
+            <a:noFill/>
+            <a:miter lim="800000"/>
+          </a:ln>
+        </p:spPr>
+        <p:txBody>
+          <a:bodyPr/>
+          <a:lstStyle/>
+          <a:p>
+            <a:pPr>
+              <a:spcBef>
+                <a:spcPct val="20000"/>
+              </a:spcBef>
+            </a:pPr>
+            <a:r>
+              <a:rPr lang="ru-RU" sz="800" dirty="0"/>
+              <a:t>Высшая школа экономики, Москва, </a:t>
+            </a:r>
+            <a:r>
+              <a:rPr lang="ru-RU" sz="800" dirty="0" smtClean="0"/>
+              <a:t>2019</a:t>
+            </a:r>
+            <a:endParaRPr kumimoji="1" lang="ru-RU" sz="800" dirty="0"/>
+          </a:p>
+        </p:txBody>
+      </p:sp>
     </p:spTree>
   </p:cSld>
   <p:clrMapOvr>
@@ -8718,31 +8993,7 @@
               <a:rPr lang="ru-RU" sz="2000" dirty="0" smtClean="0">
                 <a:latin typeface="SF UI Text" panose="00000400000000000000" pitchFamily="2" charset="0"/>
               </a:rPr>
-              <a:t>и получает данные о </a:t>
-            </a:r>
-            <a:r>
-              <a:rPr lang="ru-RU" sz="2000" dirty="0" smtClean="0">
-                <a:latin typeface="SF UI Text" panose="00000400000000000000" pitchFamily="2" charset="0"/>
-              </a:rPr>
-              <a:t>мероприятиях </a:t>
-            </a:r>
-            <a:r>
-              <a:rPr lang="ru-RU" sz="2000" dirty="0" smtClean="0">
-                <a:latin typeface="SF UI Text" panose="00000400000000000000" pitchFamily="2" charset="0"/>
-              </a:rPr>
-              <a:t>и </a:t>
-            </a:r>
-            <a:r>
-              <a:rPr lang="ru-RU" sz="2000" dirty="0" smtClean="0">
-                <a:latin typeface="SF UI Text" panose="00000400000000000000" pitchFamily="2" charset="0"/>
-              </a:rPr>
-              <a:t>выводит </a:t>
-            </a:r>
-            <a:r>
-              <a:rPr lang="ru-RU" sz="2000" dirty="0" smtClean="0">
-                <a:latin typeface="SF UI Text" panose="00000400000000000000" pitchFamily="2" charset="0"/>
-              </a:rPr>
-              <a:t>их  на экран.</a:t>
+              <a:t>и получает данные о мероприятиях и выводит их  на экран.</a:t>
             </a:r>
           </a:p>
           <a:p>
@@ -8797,6 +9048,47 @@
                 <a:schemeClr val="tx1"/>
               </a:solidFill>
             </a:endParaRPr>
+          </a:p>
+        </p:txBody>
+      </p:sp>
+      <p:sp>
+        <p:nvSpPr>
+          <p:cNvPr id="9" name="Subtitle 2"/>
+          <p:cNvSpPr txBox="1"/>
+          <p:nvPr/>
+        </p:nvSpPr>
+        <p:spPr bwMode="auto">
+          <a:xfrm>
+            <a:off x="407988" y="6567488"/>
+            <a:ext cx="4143375" cy="246062"/>
+          </a:xfrm>
+          <a:prstGeom prst="rect">
+            <a:avLst/>
+          </a:prstGeom>
+          <a:noFill/>
+          <a:ln w="9525">
+            <a:noFill/>
+            <a:miter lim="800000"/>
+          </a:ln>
+        </p:spPr>
+        <p:txBody>
+          <a:bodyPr/>
+          <a:lstStyle/>
+          <a:p>
+            <a:pPr>
+              <a:spcBef>
+                <a:spcPct val="20000"/>
+              </a:spcBef>
+            </a:pPr>
+            <a:r>
+              <a:rPr lang="ru-RU" sz="800" dirty="0"/>
+              <a:t>Высшая школа экономики, Москва, </a:t>
+            </a:r>
+            <a:r>
+              <a:rPr lang="ru-RU" sz="800" dirty="0" smtClean="0"/>
+              <a:t>2019</a:t>
+            </a:r>
+            <a:endParaRPr kumimoji="1" lang="ru-RU" sz="800" dirty="0"/>
           </a:p>
         </p:txBody>
       </p:sp>
@@ -9013,7 +9305,7 @@
         <p:spPr bwMode="auto">
           <a:xfrm>
             <a:off x="368554" y="1884668"/>
-            <a:ext cx="8775446" cy="3970318"/>
+            <a:ext cx="8493059" cy="3970318"/>
           </a:xfrm>
           <a:prstGeom prst="rect">
             <a:avLst/>
@@ -9039,13 +9331,7 @@
               <a:rPr lang="ru-RU" sz="2800" dirty="0" smtClean="0">
                 <a:latin typeface="SF UI Text" panose="00000400000000000000" pitchFamily="2" charset="0"/>
               </a:rPr>
-              <a:t>Вывод </a:t>
-            </a:r>
-            <a:r>
-              <a:rPr lang="ru-RU" sz="2800" dirty="0" smtClean="0">
-                <a:latin typeface="SF UI Text" panose="00000400000000000000" pitchFamily="2" charset="0"/>
-              </a:rPr>
-              <a:t>списка мероприятий</a:t>
+              <a:t>Вывод списка мероприятий</a:t>
             </a:r>
           </a:p>
           <a:p>
@@ -9100,17 +9386,8 @@
               <a:rPr lang="ru-RU" sz="2800" dirty="0" smtClean="0">
                 <a:latin typeface="SF UI Text" panose="00000400000000000000" pitchFamily="2" charset="0"/>
               </a:rPr>
-              <a:t>Изменение языка </a:t>
-            </a:r>
-            <a:r>
-              <a:rPr lang="ru-RU" sz="2800" dirty="0" smtClean="0">
-                <a:latin typeface="SF UI Text" panose="00000400000000000000" pitchFamily="2" charset="0"/>
-              </a:rPr>
-              <a:t>мероприятий</a:t>
-            </a:r>
-            <a:endParaRPr lang="ru-RU" sz="2800" dirty="0" smtClean="0">
-              <a:latin typeface="SF UI Text" panose="00000400000000000000" pitchFamily="2" charset="0"/>
-            </a:endParaRPr>
+              <a:t>Изменение языка мероприятий</a:t>
+            </a:r>
           </a:p>
           <a:p>
             <a:pPr>
@@ -9158,6 +9435,47 @@
                 <a:schemeClr val="tx1"/>
               </a:solidFill>
             </a:endParaRPr>
+          </a:p>
+        </p:txBody>
+      </p:sp>
+      <p:sp>
+        <p:nvSpPr>
+          <p:cNvPr id="8" name="Subtitle 2"/>
+          <p:cNvSpPr txBox="1"/>
+          <p:nvPr/>
+        </p:nvSpPr>
+        <p:spPr bwMode="auto">
+          <a:xfrm>
+            <a:off x="407988" y="6567488"/>
+            <a:ext cx="4143375" cy="246062"/>
+          </a:xfrm>
+          <a:prstGeom prst="rect">
+            <a:avLst/>
+          </a:prstGeom>
+          <a:noFill/>
+          <a:ln w="9525">
+            <a:noFill/>
+            <a:miter lim="800000"/>
+          </a:ln>
+        </p:spPr>
+        <p:txBody>
+          <a:bodyPr/>
+          <a:lstStyle/>
+          <a:p>
+            <a:pPr>
+              <a:spcBef>
+                <a:spcPct val="20000"/>
+              </a:spcBef>
+            </a:pPr>
+            <a:r>
+              <a:rPr lang="ru-RU" sz="800" dirty="0"/>
+              <a:t>Высшая школа экономики, Москва, </a:t>
+            </a:r>
+            <a:r>
+              <a:rPr lang="ru-RU" sz="800" dirty="0" smtClean="0"/>
+              <a:t>2019</a:t>
+            </a:r>
+            <a:endParaRPr kumimoji="1" lang="ru-RU" sz="800" dirty="0"/>
           </a:p>
         </p:txBody>
       </p:sp>
@@ -9195,43 +9513,6 @@
       </p:grpSpPr>
       <p:sp>
         <p:nvSpPr>
-          <p:cNvPr id="14338" name="Subtitle 2"/>
-          <p:cNvSpPr txBox="1"/>
-          <p:nvPr/>
-        </p:nvSpPr>
-        <p:spPr bwMode="auto">
-          <a:xfrm>
-            <a:off x="255588" y="6415088"/>
-            <a:ext cx="4143375" cy="246062"/>
-          </a:xfrm>
-          <a:prstGeom prst="rect">
-            <a:avLst/>
-          </a:prstGeom>
-          <a:noFill/>
-          <a:ln w="9525">
-            <a:noFill/>
-            <a:miter lim="800000"/>
-          </a:ln>
-        </p:spPr>
-        <p:txBody>
-          <a:bodyPr/>
-          <a:lstStyle/>
-          <a:p>
-            <a:pPr>
-              <a:spcBef>
-                <a:spcPct val="20000"/>
-              </a:spcBef>
-            </a:pPr>
-            <a:r>
-              <a:rPr lang="ru-RU" sz="800" dirty="0"/>
-              <a:t>Высшая школа экономики, Москва, 2018</a:t>
-            </a:r>
-            <a:endParaRPr kumimoji="1" lang="ru-RU" sz="800" dirty="0"/>
-          </a:p>
-        </p:txBody>
-      </p:sp>
-      <p:sp>
-        <p:nvSpPr>
           <p:cNvPr id="14339" name="Title 1"/>
           <p:cNvSpPr txBox="1"/>
           <p:nvPr/>
@@ -9453,8 +9734,8 @@
         </p:nvSpPr>
         <p:spPr bwMode="auto">
           <a:xfrm>
-            <a:off x="1025078" y="4780389"/>
-            <a:ext cx="7773689" cy="954107"/>
+            <a:off x="3762103" y="4223747"/>
+            <a:ext cx="2791098" cy="646331"/>
           </a:xfrm>
           <a:prstGeom prst="rect">
             <a:avLst/>
@@ -9472,7 +9753,7 @@
           <a:lstStyle/>
           <a:p>
             <a:r>
-              <a:rPr lang="en-US" sz="2800" dirty="0" err="1" smtClean="0">
+              <a:rPr lang="en-US" dirty="0" err="1" smtClean="0">
                 <a:solidFill>
                   <a:schemeClr val="tx2"/>
                 </a:solidFill>
@@ -9481,7 +9762,7 @@
               <a:t>Shakura.dev</a:t>
             </a:r>
             <a:r>
-              <a:rPr lang="en-US" sz="2800" dirty="0" smtClean="0">
+              <a:rPr lang="en-US" dirty="0" smtClean="0">
                 <a:solidFill>
                   <a:schemeClr val="tx2"/>
                 </a:solidFill>
@@ -9490,7 +9771,7 @@
               <a:t>/</a:t>
             </a:r>
             <a:r>
-              <a:rPr lang="en-US" sz="2800" dirty="0" err="1" smtClean="0">
+              <a:rPr lang="en-US" dirty="0" err="1" smtClean="0">
                 <a:solidFill>
                   <a:schemeClr val="tx2"/>
                 </a:solidFill>
@@ -9498,7 +9779,7 @@
               </a:rPr>
               <a:t>hseapi</a:t>
             </a:r>
-            <a:endParaRPr lang="en-US" sz="2800" dirty="0" smtClean="0">
+            <a:endParaRPr lang="en-US" dirty="0" smtClean="0">
               <a:solidFill>
                 <a:schemeClr val="tx2"/>
               </a:solidFill>
@@ -9507,7 +9788,7 @@
           </a:p>
           <a:p>
             <a:r>
-              <a:rPr lang="en-US" sz="2800" dirty="0" err="1" smtClean="0">
+              <a:rPr lang="en-US" dirty="0" err="1" smtClean="0">
                 <a:solidFill>
                   <a:schemeClr val="tx2"/>
                 </a:solidFill>
@@ -9516,7 +9797,7 @@
               <a:t>Shakura.dev</a:t>
             </a:r>
             <a:r>
-              <a:rPr lang="en-US" sz="2800" dirty="0" smtClean="0">
+              <a:rPr lang="en-US" dirty="0" smtClean="0">
                 <a:solidFill>
                   <a:schemeClr val="tx2"/>
                 </a:solidFill>
@@ -9525,7 +9806,7 @@
               <a:t>/</a:t>
             </a:r>
             <a:r>
-              <a:rPr lang="en-US" sz="2800" dirty="0" err="1" smtClean="0">
+              <a:rPr lang="en-US" dirty="0" err="1" smtClean="0">
                 <a:solidFill>
                   <a:schemeClr val="tx2"/>
                 </a:solidFill>
@@ -9533,12 +9814,111 @@
               </a:rPr>
               <a:t>hseapien</a:t>
             </a:r>
-            <a:endParaRPr lang="ru-RU" sz="2800" dirty="0" smtClean="0">
+            <a:endParaRPr lang="ru-RU" dirty="0" smtClean="0">
               <a:solidFill>
                 <a:schemeClr val="tx2"/>
               </a:solidFill>
               <a:latin typeface="Segoe UI" panose="020B0502040204020203" pitchFamily="34" charset="0"/>
             </a:endParaRPr>
+          </a:p>
+        </p:txBody>
+      </p:sp>
+      <p:sp>
+        <p:nvSpPr>
+          <p:cNvPr id="2" name="Прямоугольник 1"/>
+          <p:cNvSpPr/>
+          <p:nvPr/>
+        </p:nvSpPr>
+        <p:spPr>
+          <a:xfrm>
+            <a:off x="3592286" y="4870078"/>
+            <a:ext cx="5094514" cy="646331"/>
+          </a:xfrm>
+          <a:prstGeom prst="rect">
+            <a:avLst/>
+          </a:prstGeom>
+        </p:spPr>
+        <p:txBody>
+          <a:bodyPr wrap="square">
+            <a:spAutoFit/>
+          </a:bodyPr>
+          <a:lstStyle/>
+          <a:p>
+            <a:r>
+              <a:rPr lang="en-US" dirty="0">
+                <a:latin typeface="SF UI Text" panose="00000400000000000000" pitchFamily="2" charset="0"/>
+                <a:hlinkClick r:id="rId3"/>
+              </a:rPr>
+              <a:t>https://www.hse.ru/news/announcements/</a:t>
+            </a:r>
+            <a:r>
+              <a:rPr lang="ru-RU" dirty="0">
+                <a:latin typeface="SF UI Text" panose="00000400000000000000" pitchFamily="2" charset="0"/>
+              </a:rPr>
+              <a:t> </a:t>
+            </a:r>
+            <a:r>
+              <a:rPr lang="en-US" dirty="0" smtClean="0">
+                <a:latin typeface="SF UI Text" panose="00000400000000000000" pitchFamily="2" charset="0"/>
+                <a:hlinkClick r:id="rId4"/>
+              </a:rPr>
+              <a:t>https</a:t>
+            </a:r>
+            <a:r>
+              <a:rPr lang="en-US" dirty="0">
+                <a:latin typeface="SF UI Text" panose="00000400000000000000" pitchFamily="2" charset="0"/>
+                <a:hlinkClick r:id="rId4"/>
+              </a:rPr>
+              <a:t>://www.hse.ru/en/news/announcements/</a:t>
+            </a:r>
+            <a:r>
+              <a:rPr lang="ru-RU" dirty="0">
+                <a:latin typeface="SF UI Text" panose="00000400000000000000" pitchFamily="2" charset="0"/>
+              </a:rPr>
+              <a:t> </a:t>
+            </a:r>
+            <a:endParaRPr lang="ru-RU" dirty="0"/>
+          </a:p>
+        </p:txBody>
+      </p:sp>
+      <p:sp>
+        <p:nvSpPr>
+          <p:cNvPr id="10" name="Subtitle 2"/>
+          <p:cNvSpPr txBox="1"/>
+          <p:nvPr/>
+        </p:nvSpPr>
+        <p:spPr bwMode="auto">
+          <a:xfrm>
+            <a:off x="407988" y="6567488"/>
+            <a:ext cx="4143375" cy="246062"/>
+          </a:xfrm>
+          <a:prstGeom prst="rect">
+            <a:avLst/>
+          </a:prstGeom>
+          <a:noFill/>
+          <a:ln w="9525">
+            <a:noFill/>
+            <a:miter lim="800000"/>
+          </a:ln>
+        </p:spPr>
+        <p:txBody>
+          <a:bodyPr/>
+          <a:lstStyle/>
+          <a:p>
+            <a:pPr>
+              <a:spcBef>
+                <a:spcPct val="20000"/>
+              </a:spcBef>
+            </a:pPr>
+            <a:r>
+              <a:rPr lang="ru-RU" sz="800" dirty="0"/>
+              <a:t>Высшая школа экономики, Москва, </a:t>
+            </a:r>
+            <a:r>
+              <a:rPr lang="ru-RU" sz="800" dirty="0" smtClean="0"/>
+              <a:t>2019</a:t>
+            </a:r>
+            <a:endParaRPr kumimoji="1" lang="ru-RU" sz="800" dirty="0"/>
           </a:p>
         </p:txBody>
       </p:sp>
@@ -9867,6 +10247,47 @@
             <a:endParaRPr lang="en-US" sz="2800" dirty="0" smtClean="0">
               <a:latin typeface="SF UI Text" panose="00000400000000000000" pitchFamily="2" charset="0"/>
             </a:endParaRPr>
+          </a:p>
+        </p:txBody>
+      </p:sp>
+      <p:sp>
+        <p:nvSpPr>
+          <p:cNvPr id="7" name="Subtitle 2"/>
+          <p:cNvSpPr txBox="1"/>
+          <p:nvPr/>
+        </p:nvSpPr>
+        <p:spPr bwMode="auto">
+          <a:xfrm>
+            <a:off x="407988" y="6567488"/>
+            <a:ext cx="4143375" cy="246062"/>
+          </a:xfrm>
+          <a:prstGeom prst="rect">
+            <a:avLst/>
+          </a:prstGeom>
+          <a:noFill/>
+          <a:ln w="9525">
+            <a:noFill/>
+            <a:miter lim="800000"/>
+          </a:ln>
+        </p:spPr>
+        <p:txBody>
+          <a:bodyPr/>
+          <a:lstStyle/>
+          <a:p>
+            <a:pPr>
+              <a:spcBef>
+                <a:spcPct val="20000"/>
+              </a:spcBef>
+            </a:pPr>
+            <a:r>
+              <a:rPr lang="ru-RU" sz="800" dirty="0"/>
+              <a:t>Высшая школа экономики, Москва, </a:t>
+            </a:r>
+            <a:r>
+              <a:rPr lang="ru-RU" sz="800" dirty="0" smtClean="0"/>
+              <a:t>2019</a:t>
+            </a:r>
+            <a:endParaRPr kumimoji="1" lang="ru-RU" sz="800" dirty="0"/>
           </a:p>
         </p:txBody>
       </p:sp>

--- a/Презентация.pptx
+++ b/Презентация.pptx
@@ -5,10 +5,10 @@
     <p:sldMasterId id="2147483648" r:id="rId1"/>
   </p:sldMasterIdLst>
   <p:notesMasterIdLst>
-    <p:notesMasterId r:id="rId16"/>
+    <p:notesMasterId r:id="rId21"/>
   </p:notesMasterIdLst>
   <p:handoutMasterIdLst>
-    <p:handoutMasterId r:id="rId17"/>
+    <p:handoutMasterId r:id="rId22"/>
   </p:handoutMasterIdLst>
   <p:sldIdLst>
     <p:sldId id="256" r:id="rId2"/>
@@ -16,15 +16,20 @@
     <p:sldId id="261" r:id="rId4"/>
     <p:sldId id="262" r:id="rId5"/>
     <p:sldId id="273" r:id="rId6"/>
-    <p:sldId id="263" r:id="rId7"/>
-    <p:sldId id="274" r:id="rId8"/>
-    <p:sldId id="268" r:id="rId9"/>
-    <p:sldId id="264" r:id="rId10"/>
-    <p:sldId id="283" r:id="rId11"/>
-    <p:sldId id="265" r:id="rId12"/>
-    <p:sldId id="286" r:id="rId13"/>
-    <p:sldId id="276" r:id="rId14"/>
-    <p:sldId id="258" r:id="rId15"/>
+    <p:sldId id="291" r:id="rId7"/>
+    <p:sldId id="263" r:id="rId8"/>
+    <p:sldId id="274" r:id="rId9"/>
+    <p:sldId id="268" r:id="rId10"/>
+    <p:sldId id="264" r:id="rId11"/>
+    <p:sldId id="283" r:id="rId12"/>
+    <p:sldId id="265" r:id="rId13"/>
+    <p:sldId id="287" r:id="rId14"/>
+    <p:sldId id="288" r:id="rId15"/>
+    <p:sldId id="289" r:id="rId16"/>
+    <p:sldId id="290" r:id="rId17"/>
+    <p:sldId id="286" r:id="rId18"/>
+    <p:sldId id="276" r:id="rId19"/>
+    <p:sldId id="292" r:id="rId20"/>
   </p:sldIdLst>
   <p:sldSz cx="9144000" cy="6858000" type="screen4x3"/>
   <p:notesSz cx="6858000" cy="9144000"/>
@@ -257,7 +262,7 @@
           <a:p>
             <a:fld id="{696C064A-D61B-4B21-B757-51A9B82445B8}" type="datetimeFigureOut">
               <a:rPr lang="en-US" smtClean="0"/>
-              <a:t>5/18/2019</a:t>
+              <a:t>5/19/2019</a:t>
             </a:fld>
             <a:endParaRPr lang="en-US"/>
           </a:p>
@@ -428,7 +433,7 @@
           <a:p>
             <a:fld id="{B833A33E-C325-493D-853D-0C52CC5BC609}" type="datetimeFigureOut">
               <a:rPr lang="ru-RU" smtClean="0"/>
-              <a:t>18.05.2019</a:t>
+              <a:t>19.05.2019</a:t>
             </a:fld>
             <a:endParaRPr lang="ru-RU"/>
           </a:p>
@@ -959,7 +964,7 @@
             </a:pPr>
             <a:fld id="{2699D9B1-B6B0-4324-91A6-EA2D4E340434}" type="datetime1">
               <a:rPr lang="en-US" smtClean="0"/>
-              <a:t>5/18/2019</a:t>
+              <a:t>5/19/2019</a:t>
             </a:fld>
             <a:endParaRPr lang="en-US"/>
           </a:p>
@@ -1147,7 +1152,7 @@
             </a:pPr>
             <a:fld id="{C07CB3C1-8DEB-4F78-85B6-939055E39EDB}" type="datetime1">
               <a:rPr lang="en-US" smtClean="0"/>
-              <a:t>5/18/2019</a:t>
+              <a:t>5/19/2019</a:t>
             </a:fld>
             <a:endParaRPr lang="en-US"/>
           </a:p>
@@ -1345,7 +1350,7 @@
             </a:pPr>
             <a:fld id="{E83DD563-E40F-4587-96CC-6FC37E1B9AD4}" type="datetime1">
               <a:rPr lang="en-US" smtClean="0"/>
-              <a:t>5/18/2019</a:t>
+              <a:t>5/19/2019</a:t>
             </a:fld>
             <a:endParaRPr lang="en-US"/>
           </a:p>
@@ -1533,7 +1538,7 @@
             </a:pPr>
             <a:fld id="{1023F1F2-488E-48F5-B284-CB2ADAE765FC}" type="datetime1">
               <a:rPr lang="en-US" smtClean="0"/>
-              <a:t>5/18/2019</a:t>
+              <a:t>5/19/2019</a:t>
             </a:fld>
             <a:endParaRPr lang="en-US"/>
           </a:p>
@@ -1798,7 +1803,7 @@
             </a:pPr>
             <a:fld id="{25932485-165D-4AD8-8DD3-ABDE4DD29132}" type="datetime1">
               <a:rPr lang="en-US" smtClean="0"/>
-              <a:t>5/18/2019</a:t>
+              <a:t>5/19/2019</a:t>
             </a:fld>
             <a:endParaRPr lang="en-US"/>
           </a:p>
@@ -2103,7 +2108,7 @@
             </a:pPr>
             <a:fld id="{00C1CB64-5CF5-4F51-85BC-788A4A7F3B6F}" type="datetime1">
               <a:rPr lang="en-US" smtClean="0"/>
-              <a:t>5/18/2019</a:t>
+              <a:t>5/19/2019</a:t>
             </a:fld>
             <a:endParaRPr lang="en-US"/>
           </a:p>
@@ -2542,7 +2547,7 @@
             </a:pPr>
             <a:fld id="{2C29C625-3F9E-4DFB-A5E1-1CBDC5003C45}" type="datetime1">
               <a:rPr lang="en-US" smtClean="0"/>
-              <a:t>5/18/2019</a:t>
+              <a:t>5/19/2019</a:t>
             </a:fld>
             <a:endParaRPr lang="en-US"/>
           </a:p>
@@ -2679,7 +2684,7 @@
             </a:pPr>
             <a:fld id="{33AF6697-FEC6-4C36-B0D2-2C440F34F0B7}" type="datetime1">
               <a:rPr lang="en-US" smtClean="0"/>
-              <a:t>5/18/2019</a:t>
+              <a:t>5/19/2019</a:t>
             </a:fld>
             <a:endParaRPr lang="en-US"/>
           </a:p>
@@ -2794,7 +2799,7 @@
             </a:pPr>
             <a:fld id="{DBE8EB36-176D-458F-A1D1-51CF3378A8BB}" type="datetime1">
               <a:rPr lang="en-US" smtClean="0"/>
-              <a:t>5/18/2019</a:t>
+              <a:t>5/19/2019</a:t>
             </a:fld>
             <a:endParaRPr lang="en-US"/>
           </a:p>
@@ -3089,7 +3094,7 @@
             </a:pPr>
             <a:fld id="{F850F3EA-07D7-4291-97BD-1D78061A2850}" type="datetime1">
               <a:rPr lang="en-US" smtClean="0"/>
-              <a:t>5/18/2019</a:t>
+              <a:t>5/19/2019</a:t>
             </a:fld>
             <a:endParaRPr lang="en-US"/>
           </a:p>
@@ -3364,7 +3369,7 @@
             </a:pPr>
             <a:fld id="{056912E4-C26E-43EE-9313-25FCA704325B}" type="datetime1">
               <a:rPr lang="en-US" smtClean="0"/>
-              <a:t>5/18/2019</a:t>
+              <a:t>5/19/2019</a:t>
             </a:fld>
             <a:endParaRPr lang="en-US"/>
           </a:p>
@@ -3608,7 +3613,7 @@
             </a:pPr>
             <a:fld id="{88E82FEC-4005-4EF6-B205-585ADA59CD5B}" type="datetime1">
               <a:rPr lang="en-US" smtClean="0"/>
-              <a:t>5/18/2019</a:t>
+              <a:t>5/19/2019</a:t>
             </a:fld>
             <a:endParaRPr lang="en-US"/>
           </a:p>
@@ -4936,8 +4941,8 @@
         </p:nvSpPr>
         <p:spPr bwMode="auto">
           <a:xfrm>
-            <a:off x="923731" y="292101"/>
-            <a:ext cx="8220268" cy="412750"/>
+            <a:off x="849086" y="268343"/>
+            <a:ext cx="8294913" cy="412750"/>
           </a:xfrm>
           <a:prstGeom prst="rect">
             <a:avLst/>
@@ -4954,10 +4959,22 @@
           <a:p>
             <a:pPr algn="ctr"/>
             <a:r>
+              <a:rPr lang="ru-RU" sz="3200" dirty="0" smtClean="0">
+                <a:latin typeface="SF UI Text" panose="00000400000000000000" pitchFamily="2" charset="0"/>
+              </a:rPr>
+              <a:t>Технологии </a:t>
+            </a:r>
+            <a:r>
               <a:rPr lang="ru-RU" sz="3200" dirty="0">
                 <a:latin typeface="SF UI Text" panose="00000400000000000000" pitchFamily="2" charset="0"/>
               </a:rPr>
-              <a:t>Технологии и инструменты реализации</a:t>
+              <a:t>и</a:t>
+            </a:r>
+            <a:r>
+              <a:rPr lang="ru-RU" sz="3200" dirty="0" smtClean="0">
+                <a:latin typeface="SF UI Text" panose="00000400000000000000" pitchFamily="2" charset="0"/>
+              </a:rPr>
+              <a:t> инструменты реализации</a:t>
             </a:r>
             <a:endParaRPr lang="en-US" sz="3200" dirty="0">
               <a:latin typeface="SF UI Text" panose="00000400000000000000" pitchFamily="2" charset="0"/>
@@ -4967,7 +4984,41 @@
       </p:sp>
       <p:sp>
         <p:nvSpPr>
-          <p:cNvPr id="14343" name="Rectangle 9"/>
+          <p:cNvPr id="11" name="Номер слайда 10"/>
+          <p:cNvSpPr>
+            <a:spLocks noGrp="1"/>
+          </p:cNvSpPr>
+          <p:nvPr>
+            <p:ph type="sldNum" sz="quarter" idx="12"/>
+          </p:nvPr>
+        </p:nvSpPr>
+        <p:spPr/>
+        <p:txBody>
+          <a:bodyPr vert="horz" wrap="square" lIns="91440" tIns="45720" rIns="91440" bIns="45720" numCol="1" anchor="ctr" anchorCtr="0" compatLnSpc="1"/>
+          <a:lstStyle/>
+          <a:p>
+            <a:pPr>
+              <a:defRPr/>
+            </a:pPr>
+            <a:fld id="{CB65F501-F5CC-4E12-934E-78BB5E4DA208}" type="slidenum">
+              <a:rPr lang="en-US" sz="1800" smtClean="0">
+                <a:solidFill>
+                  <a:schemeClr val="tx1"/>
+                </a:solidFill>
+              </a:rPr>
+              <a:t>10</a:t>
+            </a:fld>
+            <a:endParaRPr lang="en-US" sz="1800">
+              <a:solidFill>
+                <a:schemeClr val="tx1"/>
+              </a:solidFill>
+            </a:endParaRPr>
+          </a:p>
+        </p:txBody>
+      </p:sp>
+      <p:sp>
+        <p:nvSpPr>
+          <p:cNvPr id="8" name="Rectangle 12"/>
           <p:cNvSpPr>
             <a:spLocks noChangeArrowheads="1"/>
           </p:cNvSpPr>
@@ -4975,8 +5026,8 @@
         </p:nvSpPr>
         <p:spPr bwMode="auto">
           <a:xfrm>
-            <a:off x="7300913" y="2255838"/>
-            <a:ext cx="674687" cy="369887"/>
+            <a:off x="255589" y="1581141"/>
+            <a:ext cx="3504648" cy="3249479"/>
           </a:xfrm>
           <a:prstGeom prst="rect">
             <a:avLst/>
@@ -4988,30 +5039,80 @@
           </a:ln>
         </p:spPr>
         <p:txBody>
-          <a:bodyPr wrap="none">
+          <a:bodyPr wrap="square">
             <a:spAutoFit/>
           </a:bodyPr>
           <a:lstStyle/>
           <a:p>
-            <a:r>
-              <a:rPr lang="ru-RU">
-                <a:solidFill>
-                  <a:srgbClr val="FFFFFF"/>
-                </a:solidFill>
-              </a:rPr>
-              <a:t>фото</a:t>
-            </a:r>
-            <a:endParaRPr lang="en-US">
-              <a:solidFill>
-                <a:srgbClr val="FFFFFF"/>
-              </a:solidFill>
-            </a:endParaRPr>
-          </a:p>
-        </p:txBody>
-      </p:sp>
-      <p:sp>
-        <p:nvSpPr>
-          <p:cNvPr id="14344" name="Rectangle 10"/>
+            <a:pPr>
+              <a:lnSpc>
+                <a:spcPct val="150000"/>
+              </a:lnSpc>
+            </a:pPr>
+            <a:r>
+              <a:rPr lang="en-US" sz="2800" dirty="0" smtClean="0">
+                <a:latin typeface="SF UI Text" panose="00000400000000000000" pitchFamily="2" charset="0"/>
+              </a:rPr>
+              <a:t>Ubuntu 16.04</a:t>
+            </a:r>
+          </a:p>
+          <a:p>
+            <a:pPr>
+              <a:lnSpc>
+                <a:spcPct val="150000"/>
+              </a:lnSpc>
+            </a:pPr>
+            <a:r>
+              <a:rPr lang="en-US" sz="2800" dirty="0" smtClean="0">
+                <a:latin typeface="SF UI Text" panose="00000400000000000000" pitchFamily="2" charset="0"/>
+              </a:rPr>
+              <a:t>Apache2</a:t>
+            </a:r>
+          </a:p>
+          <a:p>
+            <a:pPr>
+              <a:lnSpc>
+                <a:spcPct val="150000"/>
+              </a:lnSpc>
+            </a:pPr>
+            <a:r>
+              <a:rPr lang="en-US" sz="2800" dirty="0" smtClean="0">
+                <a:latin typeface="SF UI Text" panose="00000400000000000000" pitchFamily="2" charset="0"/>
+              </a:rPr>
+              <a:t>Python</a:t>
+            </a:r>
+          </a:p>
+          <a:p>
+            <a:pPr>
+              <a:lnSpc>
+                <a:spcPct val="150000"/>
+              </a:lnSpc>
+            </a:pPr>
+            <a:r>
+              <a:rPr lang="en-US" sz="2800" dirty="0" smtClean="0">
+                <a:latin typeface="SF UI Text" panose="00000400000000000000" pitchFamily="2" charset="0"/>
+              </a:rPr>
+              <a:t>Flask</a:t>
+            </a:r>
+          </a:p>
+          <a:p>
+            <a:pPr>
+              <a:lnSpc>
+                <a:spcPct val="150000"/>
+              </a:lnSpc>
+            </a:pPr>
+            <a:r>
+              <a:rPr lang="en-US" sz="2800" dirty="0" smtClean="0">
+                <a:latin typeface="SF UI Text" panose="00000400000000000000" pitchFamily="2" charset="0"/>
+              </a:rPr>
+              <a:t>JSON</a:t>
+            </a:r>
+          </a:p>
+        </p:txBody>
+      </p:sp>
+      <p:sp>
+        <p:nvSpPr>
+          <p:cNvPr id="9" name="Rectangle 12"/>
           <p:cNvSpPr>
             <a:spLocks noChangeArrowheads="1"/>
           </p:cNvSpPr>
@@ -5019,8 +5120,8 @@
         </p:nvSpPr>
         <p:spPr bwMode="auto">
           <a:xfrm>
-            <a:off x="7300913" y="3967163"/>
-            <a:ext cx="674687" cy="368300"/>
+            <a:off x="4398963" y="1674566"/>
+            <a:ext cx="4287837" cy="2031325"/>
           </a:xfrm>
           <a:prstGeom prst="rect">
             <a:avLst/>
@@ -5032,162 +5133,60 @@
           </a:ln>
         </p:spPr>
         <p:txBody>
-          <a:bodyPr wrap="none">
+          <a:bodyPr wrap="square">
             <a:spAutoFit/>
           </a:bodyPr>
           <a:lstStyle/>
           <a:p>
-            <a:r>
-              <a:rPr lang="ru-RU">
-                <a:solidFill>
-                  <a:srgbClr val="FFFFFF"/>
-                </a:solidFill>
-              </a:rPr>
-              <a:t>фото</a:t>
-            </a:r>
-            <a:endParaRPr lang="en-US">
-              <a:solidFill>
-                <a:srgbClr val="FFFFFF"/>
-              </a:solidFill>
+            <a:pPr>
+              <a:lnSpc>
+                <a:spcPct val="150000"/>
+              </a:lnSpc>
+            </a:pPr>
+            <a:r>
+              <a:rPr lang="en-US" sz="2800" dirty="0" err="1" smtClean="0">
+                <a:latin typeface="SF UI Text" panose="00000400000000000000" pitchFamily="2" charset="0"/>
+              </a:rPr>
+              <a:t>Xamarin</a:t>
+            </a:r>
+            <a:endParaRPr lang="en-US" sz="2800" dirty="0" smtClean="0">
+              <a:latin typeface="SF UI Text" panose="00000400000000000000" pitchFamily="2" charset="0"/>
             </a:endParaRPr>
           </a:p>
-        </p:txBody>
-      </p:sp>
-      <p:sp>
-        <p:nvSpPr>
-          <p:cNvPr id="14345" name="Rectangle 11"/>
-          <p:cNvSpPr>
-            <a:spLocks noChangeArrowheads="1"/>
-          </p:cNvSpPr>
-          <p:nvPr/>
-        </p:nvSpPr>
-        <p:spPr bwMode="auto">
-          <a:xfrm>
-            <a:off x="7300913" y="5591175"/>
-            <a:ext cx="674687" cy="369888"/>
-          </a:xfrm>
-          <a:prstGeom prst="rect">
-            <a:avLst/>
-          </a:prstGeom>
-          <a:noFill/>
-          <a:ln w="9525">
-            <a:noFill/>
-            <a:miter lim="800000"/>
-          </a:ln>
-        </p:spPr>
-        <p:txBody>
-          <a:bodyPr wrap="none">
-            <a:spAutoFit/>
-          </a:bodyPr>
-          <a:lstStyle/>
-          <a:p>
-            <a:r>
-              <a:rPr lang="ru-RU">
-                <a:solidFill>
-                  <a:srgbClr val="FFFFFF"/>
-                </a:solidFill>
-              </a:rPr>
-              <a:t>фото</a:t>
-            </a:r>
-            <a:endParaRPr lang="en-US">
-              <a:solidFill>
-                <a:srgbClr val="FFFFFF"/>
-              </a:solidFill>
+          <a:p>
+            <a:pPr>
+              <a:lnSpc>
+                <a:spcPct val="150000"/>
+              </a:lnSpc>
+            </a:pPr>
+            <a:r>
+              <a:rPr lang="en-US" sz="2800" dirty="0" smtClean="0">
+                <a:latin typeface="SF UI Text" panose="00000400000000000000" pitchFamily="2" charset="0"/>
+              </a:rPr>
+              <a:t>C#</a:t>
+            </a:r>
+          </a:p>
+          <a:p>
+            <a:pPr>
+              <a:lnSpc>
+                <a:spcPct val="150000"/>
+              </a:lnSpc>
+            </a:pPr>
+            <a:r>
+              <a:rPr lang="en-US" sz="2800" dirty="0" err="1" smtClean="0">
+                <a:latin typeface="SF UI Text" panose="00000400000000000000" pitchFamily="2" charset="0"/>
+              </a:rPr>
+              <a:t>Xaml</a:t>
+            </a:r>
+            <a:endParaRPr lang="en-US" sz="2800" dirty="0" smtClean="0">
+              <a:latin typeface="SF UI Text" panose="00000400000000000000" pitchFamily="2" charset="0"/>
             </a:endParaRPr>
           </a:p>
         </p:txBody>
       </p:sp>
       <p:sp>
         <p:nvSpPr>
-          <p:cNvPr id="11" name="Номер слайда 10"/>
-          <p:cNvSpPr>
-            <a:spLocks noGrp="1"/>
-          </p:cNvSpPr>
-          <p:nvPr>
-            <p:ph type="sldNum" sz="quarter" idx="12"/>
-          </p:nvPr>
-        </p:nvSpPr>
-        <p:spPr/>
-        <p:txBody>
-          <a:bodyPr vert="horz" wrap="square" lIns="91440" tIns="45720" rIns="91440" bIns="45720" numCol="1" anchor="ctr" anchorCtr="0" compatLnSpc="1"/>
-          <a:lstStyle/>
-          <a:p>
-            <a:pPr>
-              <a:defRPr/>
-            </a:pPr>
-            <a:fld id="{CB65F501-F5CC-4E12-934E-78BB5E4DA208}" type="slidenum">
-              <a:rPr lang="en-US" sz="1800" smtClean="0">
-                <a:solidFill>
-                  <a:schemeClr val="tx1"/>
-                </a:solidFill>
-              </a:rPr>
-              <a:t>10</a:t>
-            </a:fld>
-            <a:endParaRPr lang="en-US" sz="1800">
-              <a:solidFill>
-                <a:schemeClr val="tx1"/>
-              </a:solidFill>
-            </a:endParaRPr>
-          </a:p>
-        </p:txBody>
-      </p:sp>
-      <p:pic>
-        <p:nvPicPr>
-          <p:cNvPr id="1026" name="Picture 2" descr="Untitled"/>
-          <p:cNvPicPr>
-            <a:picLocks noChangeAspect="1" noChangeArrowheads="1"/>
-          </p:cNvPicPr>
-          <p:nvPr/>
-        </p:nvPicPr>
-        <p:blipFill>
-          <a:blip r:embed="rId2">
-            <a:extLst>
-              <a:ext uri="{28A0092B-C50C-407E-A947-70E740481C1C}">
-                <a14:useLocalDpi xmlns:a14="http://schemas.microsoft.com/office/drawing/2010/main" val="0"/>
-              </a:ext>
-            </a:extLst>
-          </a:blip>
-          <a:srcRect/>
-          <a:stretch>
-            <a:fillRect/>
-          </a:stretch>
-        </p:blipFill>
-        <p:spPr bwMode="auto">
-          <a:xfrm>
-            <a:off x="1688608" y="2409825"/>
-            <a:ext cx="6430963" cy="1630363"/>
-          </a:xfrm>
-          <a:prstGeom prst="rect">
-            <a:avLst/>
-          </a:prstGeom>
-          <a:noFill/>
-          <a:ln>
-            <a:noFill/>
-          </a:ln>
-          <a:extLst>
-            <a:ext uri="{909E8E84-426E-40DD-AFC4-6F175D3DCCD1}">
-              <a14:hiddenFill xmlns:a14="http://schemas.microsoft.com/office/drawing/2010/main">
-                <a:solidFill>
-                  <a:srgbClr val="FFFFFF"/>
-                </a:solidFill>
-              </a14:hiddenFill>
-            </a:ext>
-            <a:ext uri="{91240B29-F687-4F45-9708-019B960494DF}">
-              <a14:hiddenLine xmlns:a14="http://schemas.microsoft.com/office/drawing/2010/main" w="9525">
-                <a:solidFill>
-                  <a:srgbClr val="000000"/>
-                </a:solidFill>
-                <a:miter lim="800000"/>
-                <a:headEnd/>
-                <a:tailEnd/>
-              </a14:hiddenLine>
-            </a:ext>
-          </a:extLst>
-        </p:spPr>
-      </p:pic>
-      <p:sp>
-        <p:nvSpPr>
-          <p:cNvPr id="9" name="Subtitle 2"/>
+          <p:cNvPr id="7" name="Subtitle 2"/>
           <p:cNvSpPr txBox="1"/>
           <p:nvPr/>
         </p:nvSpPr>
@@ -5311,8 +5310,8 @@
         </p:nvSpPr>
         <p:spPr bwMode="auto">
           <a:xfrm>
-            <a:off x="0" y="288665"/>
-            <a:ext cx="9143999" cy="412750"/>
+            <a:off x="923731" y="292101"/>
+            <a:ext cx="8220268" cy="412750"/>
           </a:xfrm>
           <a:prstGeom prst="rect">
             <a:avLst/>
@@ -5329,13 +5328,145 @@
           <a:p>
             <a:pPr algn="ctr"/>
             <a:r>
-              <a:rPr lang="ru-RU" sz="3200" dirty="0" smtClean="0">
+              <a:rPr lang="ru-RU" sz="3200" dirty="0">
                 <a:latin typeface="SF UI Text" panose="00000400000000000000" pitchFamily="2" charset="0"/>
               </a:rPr>
-              <a:t>Основные результаты работы</a:t>
+              <a:t>Технологии и инструменты реализации</a:t>
             </a:r>
             <a:endParaRPr lang="en-US" sz="3200" dirty="0">
               <a:latin typeface="SF UI Text" panose="00000400000000000000" pitchFamily="2" charset="0"/>
+            </a:endParaRPr>
+          </a:p>
+        </p:txBody>
+      </p:sp>
+      <p:sp>
+        <p:nvSpPr>
+          <p:cNvPr id="14343" name="Rectangle 9"/>
+          <p:cNvSpPr>
+            <a:spLocks noChangeArrowheads="1"/>
+          </p:cNvSpPr>
+          <p:nvPr/>
+        </p:nvSpPr>
+        <p:spPr bwMode="auto">
+          <a:xfrm>
+            <a:off x="7300913" y="2255838"/>
+            <a:ext cx="674687" cy="369887"/>
+          </a:xfrm>
+          <a:prstGeom prst="rect">
+            <a:avLst/>
+          </a:prstGeom>
+          <a:noFill/>
+          <a:ln w="9525">
+            <a:noFill/>
+            <a:miter lim="800000"/>
+          </a:ln>
+        </p:spPr>
+        <p:txBody>
+          <a:bodyPr wrap="none">
+            <a:spAutoFit/>
+          </a:bodyPr>
+          <a:lstStyle/>
+          <a:p>
+            <a:r>
+              <a:rPr lang="ru-RU">
+                <a:solidFill>
+                  <a:srgbClr val="FFFFFF"/>
+                </a:solidFill>
+              </a:rPr>
+              <a:t>фото</a:t>
+            </a:r>
+            <a:endParaRPr lang="en-US">
+              <a:solidFill>
+                <a:srgbClr val="FFFFFF"/>
+              </a:solidFill>
+            </a:endParaRPr>
+          </a:p>
+        </p:txBody>
+      </p:sp>
+      <p:sp>
+        <p:nvSpPr>
+          <p:cNvPr id="14344" name="Rectangle 10"/>
+          <p:cNvSpPr>
+            <a:spLocks noChangeArrowheads="1"/>
+          </p:cNvSpPr>
+          <p:nvPr/>
+        </p:nvSpPr>
+        <p:spPr bwMode="auto">
+          <a:xfrm>
+            <a:off x="7300913" y="3967163"/>
+            <a:ext cx="674687" cy="368300"/>
+          </a:xfrm>
+          <a:prstGeom prst="rect">
+            <a:avLst/>
+          </a:prstGeom>
+          <a:noFill/>
+          <a:ln w="9525">
+            <a:noFill/>
+            <a:miter lim="800000"/>
+          </a:ln>
+        </p:spPr>
+        <p:txBody>
+          <a:bodyPr wrap="none">
+            <a:spAutoFit/>
+          </a:bodyPr>
+          <a:lstStyle/>
+          <a:p>
+            <a:r>
+              <a:rPr lang="ru-RU">
+                <a:solidFill>
+                  <a:srgbClr val="FFFFFF"/>
+                </a:solidFill>
+              </a:rPr>
+              <a:t>фото</a:t>
+            </a:r>
+            <a:endParaRPr lang="en-US">
+              <a:solidFill>
+                <a:srgbClr val="FFFFFF"/>
+              </a:solidFill>
+            </a:endParaRPr>
+          </a:p>
+        </p:txBody>
+      </p:sp>
+      <p:sp>
+        <p:nvSpPr>
+          <p:cNvPr id="14345" name="Rectangle 11"/>
+          <p:cNvSpPr>
+            <a:spLocks noChangeArrowheads="1"/>
+          </p:cNvSpPr>
+          <p:nvPr/>
+        </p:nvSpPr>
+        <p:spPr bwMode="auto">
+          <a:xfrm>
+            <a:off x="7300913" y="5591175"/>
+            <a:ext cx="674687" cy="369888"/>
+          </a:xfrm>
+          <a:prstGeom prst="rect">
+            <a:avLst/>
+          </a:prstGeom>
+          <a:noFill/>
+          <a:ln w="9525">
+            <a:noFill/>
+            <a:miter lim="800000"/>
+          </a:ln>
+        </p:spPr>
+        <p:txBody>
+          <a:bodyPr wrap="none">
+            <a:spAutoFit/>
+          </a:bodyPr>
+          <a:lstStyle/>
+          <a:p>
+            <a:r>
+              <a:rPr lang="ru-RU">
+                <a:solidFill>
+                  <a:srgbClr val="FFFFFF"/>
+                </a:solidFill>
+              </a:rPr>
+              <a:t>фото</a:t>
+            </a:r>
+            <a:endParaRPr lang="en-US">
+              <a:solidFill>
+                <a:srgbClr val="FFFFFF"/>
+              </a:solidFill>
             </a:endParaRPr>
           </a:p>
         </p:txBody>
@@ -5376,7 +5507,7 @@
       </p:sp>
       <p:pic>
         <p:nvPicPr>
-          <p:cNvPr id="2050" name="Picture 2" descr="https://github.com/M2000h/HSE-APP/raw/master/screenshots/main_rus_white.jpg"/>
+          <p:cNvPr id="1026" name="Picture 2" descr="Untitled"/>
           <p:cNvPicPr>
             <a:picLocks noChangeAspect="1" noChangeArrowheads="1"/>
           </p:cNvPicPr>
@@ -5397,13 +5528,16 @@
         </p:blipFill>
         <p:spPr bwMode="auto">
           <a:xfrm>
-            <a:off x="838304" y="1185573"/>
-            <a:ext cx="1338511" cy="2677021"/>
+            <a:off x="1688608" y="2409825"/>
+            <a:ext cx="6430963" cy="1630363"/>
           </a:xfrm>
           <a:prstGeom prst="rect">
             <a:avLst/>
           </a:prstGeom>
           <a:noFill/>
+          <a:ln>
+            <a:noFill/>
+          </a:ln>
           <a:extLst>
             <a:ext uri="{909E8E84-426E-40DD-AFC4-6F175D3DCCD1}">
               <a14:hiddenFill xmlns:a14="http://schemas.microsoft.com/office/drawing/2010/main">
@@ -5412,378 +5546,60 @@
                 </a:solidFill>
               </a14:hiddenFill>
             </a:ext>
+            <a:ext uri="{91240B29-F687-4F45-9708-019B960494DF}">
+              <a14:hiddenLine xmlns:a14="http://schemas.microsoft.com/office/drawing/2010/main" w="9525">
+                <a:solidFill>
+                  <a:srgbClr val="000000"/>
+                </a:solidFill>
+                <a:miter lim="800000"/>
+                <a:headEnd/>
+                <a:tailEnd/>
+              </a14:hiddenLine>
+            </a:ext>
           </a:extLst>
         </p:spPr>
       </p:pic>
-      <p:pic>
-        <p:nvPicPr>
-          <p:cNvPr id="2052" name="Picture 4" descr="https://github.com/M2000h/HSE-APP/raw/master/screenshots/main_en_white.jpg"/>
-          <p:cNvPicPr>
-            <a:picLocks noChangeAspect="1" noChangeArrowheads="1"/>
-          </p:cNvPicPr>
+      <p:sp>
+        <p:nvSpPr>
+          <p:cNvPr id="9" name="Subtitle 2"/>
+          <p:cNvSpPr txBox="1"/>
           <p:nvPr/>
-        </p:nvPicPr>
-        <p:blipFill>
-          <a:blip r:embed="rId3">
-            <a:extLst>
-              <a:ext uri="{28A0092B-C50C-407E-A947-70E740481C1C}">
-                <a14:useLocalDpi xmlns:a14="http://schemas.microsoft.com/office/drawing/2010/main" val="0"/>
-              </a:ext>
-            </a:extLst>
-          </a:blip>
-          <a:srcRect/>
-          <a:stretch>
-            <a:fillRect/>
-          </a:stretch>
-        </p:blipFill>
+        </p:nvSpPr>
         <p:spPr bwMode="auto">
           <a:xfrm>
-            <a:off x="2267876" y="1176450"/>
-            <a:ext cx="1342600" cy="2685197"/>
+            <a:off x="407988" y="6567488"/>
+            <a:ext cx="4143375" cy="246062"/>
           </a:xfrm>
           <a:prstGeom prst="rect">
             <a:avLst/>
           </a:prstGeom>
           <a:noFill/>
-          <a:extLst>
-            <a:ext uri="{909E8E84-426E-40DD-AFC4-6F175D3DCCD1}">
-              <a14:hiddenFill xmlns:a14="http://schemas.microsoft.com/office/drawing/2010/main">
-                <a:solidFill>
-                  <a:srgbClr val="FFFFFF"/>
-                </a:solidFill>
-              </a14:hiddenFill>
-            </a:ext>
-          </a:extLst>
-        </p:spPr>
-      </p:pic>
-      <p:pic>
-        <p:nvPicPr>
-          <p:cNvPr id="2054" name="Picture 6" descr="https://github.com/M2000h/HSE-APP/raw/master/screenshots/main_rus_black.jpg"/>
-          <p:cNvPicPr>
-            <a:picLocks noChangeAspect="1" noChangeArrowheads="1"/>
-          </p:cNvPicPr>
-          <p:nvPr/>
-        </p:nvPicPr>
-        <p:blipFill>
-          <a:blip r:embed="rId4">
-            <a:extLst>
-              <a:ext uri="{28A0092B-C50C-407E-A947-70E740481C1C}">
-                <a14:useLocalDpi xmlns:a14="http://schemas.microsoft.com/office/drawing/2010/main" val="0"/>
-              </a:ext>
-            </a:extLst>
-          </a:blip>
-          <a:srcRect/>
-          <a:stretch>
-            <a:fillRect/>
-          </a:stretch>
-        </p:blipFill>
-        <p:spPr bwMode="auto">
-          <a:xfrm>
-            <a:off x="846778" y="4034035"/>
-            <a:ext cx="1337015" cy="2674029"/>
-          </a:xfrm>
-          <a:prstGeom prst="rect">
-            <a:avLst/>
-          </a:prstGeom>
-          <a:noFill/>
-          <a:extLst>
-            <a:ext uri="{909E8E84-426E-40DD-AFC4-6F175D3DCCD1}">
-              <a14:hiddenFill xmlns:a14="http://schemas.microsoft.com/office/drawing/2010/main">
-                <a:solidFill>
-                  <a:srgbClr val="FFFFFF"/>
-                </a:solidFill>
-              </a14:hiddenFill>
-            </a:ext>
-          </a:extLst>
-        </p:spPr>
-      </p:pic>
-      <p:pic>
-        <p:nvPicPr>
-          <p:cNvPr id="2056" name="Picture 8" descr="https://github.com/M2000h/HSE-APP/raw/master/screenshots/main_en_black.jpg"/>
-          <p:cNvPicPr>
-            <a:picLocks noChangeAspect="1" noChangeArrowheads="1"/>
-          </p:cNvPicPr>
-          <p:nvPr/>
-        </p:nvPicPr>
-        <p:blipFill>
-          <a:blip r:embed="rId5">
-            <a:extLst>
-              <a:ext uri="{28A0092B-C50C-407E-A947-70E740481C1C}">
-                <a14:useLocalDpi xmlns:a14="http://schemas.microsoft.com/office/drawing/2010/main" val="0"/>
-              </a:ext>
-            </a:extLst>
-          </a:blip>
-          <a:srcRect/>
-          <a:stretch>
-            <a:fillRect/>
-          </a:stretch>
-        </p:blipFill>
-        <p:spPr bwMode="auto">
-          <a:xfrm>
-            <a:off x="2267042" y="4019530"/>
-            <a:ext cx="1344268" cy="2688534"/>
-          </a:xfrm>
-          <a:prstGeom prst="rect">
-            <a:avLst/>
-          </a:prstGeom>
-          <a:noFill/>
-          <a:extLst>
-            <a:ext uri="{909E8E84-426E-40DD-AFC4-6F175D3DCCD1}">
-              <a14:hiddenFill xmlns:a14="http://schemas.microsoft.com/office/drawing/2010/main">
-                <a:solidFill>
-                  <a:srgbClr val="FFFFFF"/>
-                </a:solidFill>
-              </a14:hiddenFill>
-            </a:ext>
-          </a:extLst>
-        </p:spPr>
-      </p:pic>
-      <p:pic>
-        <p:nvPicPr>
-          <p:cNvPr id="2058" name="Picture 10" descr="https://github.com/M2000h/HSE-APP/raw/master/screenshots/event_white_rus.jpg"/>
-          <p:cNvPicPr>
-            <a:picLocks noChangeAspect="1" noChangeArrowheads="1"/>
-          </p:cNvPicPr>
-          <p:nvPr/>
-        </p:nvPicPr>
-        <p:blipFill>
-          <a:blip r:embed="rId6">
-            <a:extLst>
-              <a:ext uri="{28A0092B-C50C-407E-A947-70E740481C1C}">
-                <a14:useLocalDpi xmlns:a14="http://schemas.microsoft.com/office/drawing/2010/main" val="0"/>
-              </a:ext>
-            </a:extLst>
-          </a:blip>
-          <a:srcRect/>
-          <a:stretch>
-            <a:fillRect/>
-          </a:stretch>
-        </p:blipFill>
-        <p:spPr bwMode="auto">
-          <a:xfrm>
-            <a:off x="3700919" y="1191274"/>
-            <a:ext cx="1339748" cy="2679496"/>
-          </a:xfrm>
-          <a:prstGeom prst="rect">
-            <a:avLst/>
-          </a:prstGeom>
-          <a:noFill/>
-          <a:extLst>
-            <a:ext uri="{909E8E84-426E-40DD-AFC4-6F175D3DCCD1}">
-              <a14:hiddenFill xmlns:a14="http://schemas.microsoft.com/office/drawing/2010/main">
-                <a:solidFill>
-                  <a:srgbClr val="FFFFFF"/>
-                </a:solidFill>
-              </a14:hiddenFill>
-            </a:ext>
-          </a:extLst>
-        </p:spPr>
-      </p:pic>
-      <p:pic>
-        <p:nvPicPr>
-          <p:cNvPr id="2060" name="Picture 12" descr="https://github.com/M2000h/HSE-APP/raw/master/screenshots/event_black.jpg"/>
-          <p:cNvPicPr>
-            <a:picLocks noChangeAspect="1" noChangeArrowheads="1"/>
-          </p:cNvPicPr>
-          <p:nvPr/>
-        </p:nvPicPr>
-        <p:blipFill>
-          <a:blip r:embed="rId7">
-            <a:extLst>
-              <a:ext uri="{28A0092B-C50C-407E-A947-70E740481C1C}">
-                <a14:useLocalDpi xmlns:a14="http://schemas.microsoft.com/office/drawing/2010/main" val="0"/>
-              </a:ext>
-            </a:extLst>
-          </a:blip>
-          <a:srcRect/>
-          <a:stretch>
-            <a:fillRect/>
-          </a:stretch>
-        </p:blipFill>
-        <p:spPr bwMode="auto">
-          <a:xfrm flipH="1">
-            <a:off x="3690242" y="4020625"/>
-            <a:ext cx="1350425" cy="2700850"/>
-          </a:xfrm>
-          <a:prstGeom prst="rect">
-            <a:avLst/>
-          </a:prstGeom>
-          <a:noFill/>
-          <a:extLst>
-            <a:ext uri="{909E8E84-426E-40DD-AFC4-6F175D3DCCD1}">
-              <a14:hiddenFill xmlns:a14="http://schemas.microsoft.com/office/drawing/2010/main">
-                <a:solidFill>
-                  <a:srgbClr val="FFFFFF"/>
-                </a:solidFill>
-              </a14:hiddenFill>
-            </a:ext>
-          </a:extLst>
-        </p:spPr>
-      </p:pic>
-      <p:pic>
-        <p:nvPicPr>
-          <p:cNvPr id="2062" name="Picture 14" descr="https://github.com/M2000h/HSE-APP/raw/master/screenshots/search_rus_white.jpg"/>
-          <p:cNvPicPr>
-            <a:picLocks noChangeAspect="1" noChangeArrowheads="1"/>
-          </p:cNvPicPr>
-          <p:nvPr/>
-        </p:nvPicPr>
-        <p:blipFill>
-          <a:blip r:embed="rId8">
-            <a:extLst>
-              <a:ext uri="{28A0092B-C50C-407E-A947-70E740481C1C}">
-                <a14:useLocalDpi xmlns:a14="http://schemas.microsoft.com/office/drawing/2010/main" val="0"/>
-              </a:ext>
-            </a:extLst>
-          </a:blip>
-          <a:srcRect/>
-          <a:stretch>
-            <a:fillRect/>
-          </a:stretch>
-        </p:blipFill>
-        <p:spPr bwMode="auto">
-          <a:xfrm>
-            <a:off x="5131110" y="1183098"/>
-            <a:ext cx="1338511" cy="2677021"/>
-          </a:xfrm>
-          <a:prstGeom prst="rect">
-            <a:avLst/>
-          </a:prstGeom>
-          <a:noFill/>
-          <a:extLst>
-            <a:ext uri="{909E8E84-426E-40DD-AFC4-6F175D3DCCD1}">
-              <a14:hiddenFill xmlns:a14="http://schemas.microsoft.com/office/drawing/2010/main">
-                <a:solidFill>
-                  <a:srgbClr val="FFFFFF"/>
-                </a:solidFill>
-              </a14:hiddenFill>
-            </a:ext>
-          </a:extLst>
-        </p:spPr>
-      </p:pic>
-      <p:pic>
-        <p:nvPicPr>
-          <p:cNvPr id="2064" name="Picture 16" descr="https://github.com/M2000h/HSE-APP/raw/master/screenshots/set_white.jpg"/>
-          <p:cNvPicPr>
-            <a:picLocks noChangeAspect="1" noChangeArrowheads="1"/>
-          </p:cNvPicPr>
-          <p:nvPr/>
-        </p:nvPicPr>
-        <p:blipFill>
-          <a:blip r:embed="rId9">
-            <a:extLst>
-              <a:ext uri="{28A0092B-C50C-407E-A947-70E740481C1C}">
-                <a14:useLocalDpi xmlns:a14="http://schemas.microsoft.com/office/drawing/2010/main" val="0"/>
-              </a:ext>
-            </a:extLst>
-          </a:blip>
-          <a:srcRect/>
-          <a:stretch>
-            <a:fillRect/>
-          </a:stretch>
-        </p:blipFill>
-        <p:spPr bwMode="auto">
-          <a:xfrm>
-            <a:off x="6552256" y="1183098"/>
-            <a:ext cx="1339275" cy="2678549"/>
-          </a:xfrm>
-          <a:prstGeom prst="rect">
-            <a:avLst/>
-          </a:prstGeom>
-          <a:noFill/>
-          <a:extLst>
-            <a:ext uri="{909E8E84-426E-40DD-AFC4-6F175D3DCCD1}">
-              <a14:hiddenFill xmlns:a14="http://schemas.microsoft.com/office/drawing/2010/main">
-                <a:solidFill>
-                  <a:srgbClr val="FFFFFF"/>
-                </a:solidFill>
-              </a14:hiddenFill>
-            </a:ext>
-          </a:extLst>
-        </p:spPr>
-      </p:pic>
-      <p:pic>
-        <p:nvPicPr>
-          <p:cNvPr id="2066" name="Picture 18" descr="https://github.com/M2000h/HSE-APP/raw/master/screenshots/search_rus_black.jpg"/>
-          <p:cNvPicPr>
-            <a:picLocks noChangeAspect="1" noChangeArrowheads="1"/>
-          </p:cNvPicPr>
-          <p:nvPr/>
-        </p:nvPicPr>
-        <p:blipFill>
-          <a:blip r:embed="rId10">
-            <a:extLst>
-              <a:ext uri="{28A0092B-C50C-407E-A947-70E740481C1C}">
-                <a14:useLocalDpi xmlns:a14="http://schemas.microsoft.com/office/drawing/2010/main" val="0"/>
-              </a:ext>
-            </a:extLst>
-          </a:blip>
-          <a:srcRect/>
-          <a:stretch>
-            <a:fillRect/>
-          </a:stretch>
-        </p:blipFill>
-        <p:spPr bwMode="auto">
-          <a:xfrm>
-            <a:off x="5123916" y="4020625"/>
-            <a:ext cx="1343173" cy="2686345"/>
-          </a:xfrm>
-          <a:prstGeom prst="rect">
-            <a:avLst/>
-          </a:prstGeom>
-          <a:noFill/>
-          <a:extLst>
-            <a:ext uri="{909E8E84-426E-40DD-AFC4-6F175D3DCCD1}">
-              <a14:hiddenFill xmlns:a14="http://schemas.microsoft.com/office/drawing/2010/main">
-                <a:solidFill>
-                  <a:srgbClr val="FFFFFF"/>
-                </a:solidFill>
-              </a14:hiddenFill>
-            </a:ext>
-          </a:extLst>
-        </p:spPr>
-      </p:pic>
-      <p:pic>
-        <p:nvPicPr>
-          <p:cNvPr id="2068" name="Picture 20" descr="https://github.com/M2000h/HSE-APP/raw/master/screenshots/set_black.jpg"/>
-          <p:cNvPicPr>
-            <a:picLocks noChangeAspect="1" noChangeArrowheads="1"/>
-          </p:cNvPicPr>
-          <p:nvPr/>
-        </p:nvPicPr>
-        <p:blipFill>
-          <a:blip r:embed="rId11">
-            <a:extLst>
-              <a:ext uri="{28A0092B-C50C-407E-A947-70E740481C1C}">
-                <a14:useLocalDpi xmlns:a14="http://schemas.microsoft.com/office/drawing/2010/main" val="0"/>
-              </a:ext>
-            </a:extLst>
-          </a:blip>
-          <a:srcRect/>
-          <a:stretch>
-            <a:fillRect/>
-          </a:stretch>
-        </p:blipFill>
-        <p:spPr bwMode="auto">
-          <a:xfrm>
-            <a:off x="6544422" y="4020625"/>
-            <a:ext cx="1350425" cy="2700850"/>
-          </a:xfrm>
-          <a:prstGeom prst="rect">
-            <a:avLst/>
-          </a:prstGeom>
-          <a:noFill/>
-          <a:extLst>
-            <a:ext uri="{909E8E84-426E-40DD-AFC4-6F175D3DCCD1}">
-              <a14:hiddenFill xmlns:a14="http://schemas.microsoft.com/office/drawing/2010/main">
-                <a:solidFill>
-                  <a:srgbClr val="FFFFFF"/>
-                </a:solidFill>
-              </a14:hiddenFill>
-            </a:ext>
-          </a:extLst>
-        </p:spPr>
-      </p:pic>
+          <a:ln w="9525">
+            <a:noFill/>
+            <a:miter lim="800000"/>
+          </a:ln>
+        </p:spPr>
+        <p:txBody>
+          <a:bodyPr/>
+          <a:lstStyle/>
+          <a:p>
+            <a:pPr>
+              <a:spcBef>
+                <a:spcPct val="20000"/>
+              </a:spcBef>
+            </a:pPr>
+            <a:r>
+              <a:rPr lang="ru-RU" sz="800" dirty="0"/>
+              <a:t>Высшая школа экономики, Москва, </a:t>
+            </a:r>
+            <a:r>
+              <a:rPr lang="ru-RU" sz="800" dirty="0" smtClean="0"/>
+              <a:t>2019</a:t>
+            </a:r>
+            <a:endParaRPr kumimoji="1" lang="ru-RU" sz="800" dirty="0"/>
+          </a:p>
+        </p:txBody>
+      </p:sp>
     </p:spTree>
   </p:cSld>
   <p:clrMapOvr>
@@ -5869,8 +5685,8 @@
         </p:nvSpPr>
         <p:spPr bwMode="auto">
           <a:xfrm>
-            <a:off x="1428749" y="428625"/>
-            <a:ext cx="7432863" cy="412750"/>
+            <a:off x="0" y="288665"/>
+            <a:ext cx="9143999" cy="412750"/>
           </a:xfrm>
           <a:prstGeom prst="rect">
             <a:avLst/>
@@ -5887,10 +5703,10 @@
           <a:p>
             <a:pPr algn="ctr"/>
             <a:r>
-              <a:rPr lang="ru-RU" sz="3200" dirty="0">
+              <a:rPr lang="ru-RU" sz="3200" dirty="0" smtClean="0">
                 <a:latin typeface="SF UI Text" panose="00000400000000000000" pitchFamily="2" charset="0"/>
               </a:rPr>
-              <a:t>Пути дальнейшей работы</a:t>
+              <a:t>Основные результаты работы</a:t>
             </a:r>
             <a:endParaRPr lang="en-US" sz="3200" dirty="0">
               <a:latin typeface="SF UI Text" panose="00000400000000000000" pitchFamily="2" charset="0"/>
@@ -5900,230 +5716,120 @@
       </p:sp>
       <p:sp>
         <p:nvSpPr>
-          <p:cNvPr id="14343" name="Rectangle 9"/>
-          <p:cNvSpPr>
-            <a:spLocks noChangeArrowheads="1"/>
-          </p:cNvSpPr>
+          <p:cNvPr id="11" name="Номер слайда 10"/>
+          <p:cNvSpPr>
+            <a:spLocks noGrp="1"/>
+          </p:cNvSpPr>
+          <p:nvPr>
+            <p:ph type="sldNum" sz="quarter" idx="12"/>
+          </p:nvPr>
+        </p:nvSpPr>
+        <p:spPr/>
+        <p:txBody>
+          <a:bodyPr vert="horz" wrap="square" lIns="91440" tIns="45720" rIns="91440" bIns="45720" numCol="1" anchor="ctr" anchorCtr="0" compatLnSpc="1"/>
+          <a:lstStyle/>
+          <a:p>
+            <a:pPr>
+              <a:defRPr/>
+            </a:pPr>
+            <a:fld id="{CB65F501-F5CC-4E12-934E-78BB5E4DA208}" type="slidenum">
+              <a:rPr lang="en-US" sz="1800" smtClean="0">
+                <a:solidFill>
+                  <a:schemeClr val="tx1"/>
+                </a:solidFill>
+              </a:rPr>
+              <a:t>12</a:t>
+            </a:fld>
+            <a:endParaRPr lang="en-US" sz="1800">
+              <a:solidFill>
+                <a:schemeClr val="tx1"/>
+              </a:solidFill>
+            </a:endParaRPr>
+          </a:p>
+        </p:txBody>
+      </p:sp>
+      <p:pic>
+        <p:nvPicPr>
+          <p:cNvPr id="2050" name="Picture 2" descr="https://github.com/M2000h/HSE-APP/raw/master/screenshots/main_rus_white.jpg"/>
+          <p:cNvPicPr>
+            <a:picLocks noChangeAspect="1" noChangeArrowheads="1"/>
+          </p:cNvPicPr>
           <p:nvPr/>
-        </p:nvSpPr>
+        </p:nvPicPr>
+        <p:blipFill>
+          <a:blip r:embed="rId2">
+            <a:extLst>
+              <a:ext uri="{28A0092B-C50C-407E-A947-70E740481C1C}">
+                <a14:useLocalDpi xmlns:a14="http://schemas.microsoft.com/office/drawing/2010/main" val="0"/>
+              </a:ext>
+            </a:extLst>
+          </a:blip>
+          <a:srcRect/>
+          <a:stretch>
+            <a:fillRect/>
+          </a:stretch>
+        </p:blipFill>
         <p:spPr bwMode="auto">
           <a:xfrm>
-            <a:off x="7300913" y="2255838"/>
-            <a:ext cx="674687" cy="369887"/>
+            <a:off x="1219416" y="1242880"/>
+            <a:ext cx="2556736" cy="5113470"/>
           </a:xfrm>
           <a:prstGeom prst="rect">
             <a:avLst/>
           </a:prstGeom>
           <a:noFill/>
-          <a:ln w="9525">
-            <a:noFill/>
-            <a:miter lim="800000"/>
-          </a:ln>
-        </p:spPr>
-        <p:txBody>
-          <a:bodyPr wrap="none">
-            <a:spAutoFit/>
-          </a:bodyPr>
-          <a:lstStyle/>
-          <a:p>
-            <a:r>
-              <a:rPr lang="ru-RU">
+          <a:extLst>
+            <a:ext uri="{909E8E84-426E-40DD-AFC4-6F175D3DCCD1}">
+              <a14:hiddenFill xmlns:a14="http://schemas.microsoft.com/office/drawing/2010/main">
                 <a:solidFill>
                   <a:srgbClr val="FFFFFF"/>
                 </a:solidFill>
-              </a:rPr>
-              <a:t>фото</a:t>
-            </a:r>
-            <a:endParaRPr lang="en-US">
-              <a:solidFill>
-                <a:srgbClr val="FFFFFF"/>
-              </a:solidFill>
-            </a:endParaRPr>
-          </a:p>
-        </p:txBody>
-      </p:sp>
-      <p:sp>
-        <p:nvSpPr>
-          <p:cNvPr id="14345" name="Rectangle 11"/>
-          <p:cNvSpPr>
-            <a:spLocks noChangeArrowheads="1"/>
-          </p:cNvSpPr>
+              </a14:hiddenFill>
+            </a:ext>
+          </a:extLst>
+        </p:spPr>
+      </p:pic>
+      <p:pic>
+        <p:nvPicPr>
+          <p:cNvPr id="2054" name="Picture 6" descr="https://github.com/M2000h/HSE-APP/raw/master/screenshots/main_rus_black.jpg"/>
+          <p:cNvPicPr>
+            <a:picLocks noChangeAspect="1" noChangeArrowheads="1"/>
+          </p:cNvPicPr>
           <p:nvPr/>
-        </p:nvSpPr>
+        </p:nvPicPr>
+        <p:blipFill>
+          <a:blip r:embed="rId3">
+            <a:extLst>
+              <a:ext uri="{28A0092B-C50C-407E-A947-70E740481C1C}">
+                <a14:useLocalDpi xmlns:a14="http://schemas.microsoft.com/office/drawing/2010/main" val="0"/>
+              </a:ext>
+            </a:extLst>
+          </a:blip>
+          <a:srcRect/>
+          <a:stretch>
+            <a:fillRect/>
+          </a:stretch>
+        </p:blipFill>
         <p:spPr bwMode="auto">
           <a:xfrm>
-            <a:off x="7300913" y="5591175"/>
-            <a:ext cx="674687" cy="369888"/>
+            <a:off x="5274832" y="1242880"/>
+            <a:ext cx="2556736" cy="5113470"/>
           </a:xfrm>
           <a:prstGeom prst="rect">
             <a:avLst/>
           </a:prstGeom>
           <a:noFill/>
-          <a:ln w="9525">
-            <a:noFill/>
-            <a:miter lim="800000"/>
-          </a:ln>
-        </p:spPr>
-        <p:txBody>
-          <a:bodyPr wrap="none">
-            <a:spAutoFit/>
-          </a:bodyPr>
-          <a:lstStyle/>
-          <a:p>
-            <a:r>
-              <a:rPr lang="ru-RU">
+          <a:extLst>
+            <a:ext uri="{909E8E84-426E-40DD-AFC4-6F175D3DCCD1}">
+              <a14:hiddenFill xmlns:a14="http://schemas.microsoft.com/office/drawing/2010/main">
                 <a:solidFill>
                   <a:srgbClr val="FFFFFF"/>
                 </a:solidFill>
-              </a:rPr>
-              <a:t>фото</a:t>
-            </a:r>
-            <a:endParaRPr lang="en-US">
-              <a:solidFill>
-                <a:srgbClr val="FFFFFF"/>
-              </a:solidFill>
-            </a:endParaRPr>
-          </a:p>
-        </p:txBody>
-      </p:sp>
-      <p:sp>
-        <p:nvSpPr>
-          <p:cNvPr id="7" name="Номер слайда 6"/>
-          <p:cNvSpPr>
-            <a:spLocks noGrp="1"/>
-          </p:cNvSpPr>
-          <p:nvPr>
-            <p:ph type="sldNum" sz="quarter" idx="12"/>
-          </p:nvPr>
-        </p:nvSpPr>
-        <p:spPr>
-          <a:xfrm>
-            <a:off x="8451475" y="6356350"/>
-            <a:ext cx="470647" cy="365125"/>
-          </a:xfrm>
-        </p:spPr>
-        <p:txBody>
-          <a:bodyPr/>
-          <a:lstStyle/>
-          <a:p>
-            <a:pPr>
-              <a:defRPr/>
-            </a:pPr>
-            <a:fld id="{CB65F501-F5CC-4E12-934E-78BB5E4DA208}" type="slidenum">
-              <a:rPr lang="en-US" sz="1800" smtClean="0">
-                <a:solidFill>
-                  <a:schemeClr val="tx1"/>
-                </a:solidFill>
-              </a:rPr>
-              <a:t>12</a:t>
-            </a:fld>
-            <a:endParaRPr lang="en-US" sz="1800" dirty="0">
-              <a:solidFill>
-                <a:schemeClr val="tx1"/>
-              </a:solidFill>
-            </a:endParaRPr>
-          </a:p>
-        </p:txBody>
-      </p:sp>
-      <p:sp>
-        <p:nvSpPr>
-          <p:cNvPr id="9" name="Rectangle 12"/>
-          <p:cNvSpPr>
-            <a:spLocks noChangeArrowheads="1"/>
-          </p:cNvSpPr>
-          <p:nvPr/>
-        </p:nvSpPr>
-        <p:spPr bwMode="auto">
-          <a:xfrm>
-            <a:off x="255588" y="1581141"/>
-            <a:ext cx="8666533" cy="1384995"/>
-          </a:xfrm>
-          <a:prstGeom prst="rect">
-            <a:avLst/>
-          </a:prstGeom>
-          <a:noFill/>
-          <a:ln w="9525">
-            <a:noFill/>
-            <a:miter lim="800000"/>
-          </a:ln>
-        </p:spPr>
-        <p:txBody>
-          <a:bodyPr wrap="square">
-            <a:spAutoFit/>
-          </a:bodyPr>
-          <a:lstStyle/>
-          <a:p>
-            <a:pPr>
-              <a:lnSpc>
-                <a:spcPct val="150000"/>
-              </a:lnSpc>
-            </a:pPr>
-            <a:r>
-              <a:rPr lang="ru-RU" sz="2800" dirty="0" smtClean="0">
-                <a:latin typeface="SF UI Text" panose="00000400000000000000" pitchFamily="2" charset="0"/>
-              </a:rPr>
-              <a:t>Развитие логики работы с мероприятиями</a:t>
-            </a:r>
-          </a:p>
-          <a:p>
-            <a:pPr>
-              <a:lnSpc>
-                <a:spcPct val="150000"/>
-              </a:lnSpc>
-            </a:pPr>
-            <a:r>
-              <a:rPr lang="ru-RU" sz="2800" dirty="0" smtClean="0">
-                <a:latin typeface="SF UI Text" panose="00000400000000000000" pitchFamily="2" charset="0"/>
-              </a:rPr>
-              <a:t>Увеличение функционала</a:t>
-            </a:r>
-            <a:endParaRPr lang="en-US" sz="2800" dirty="0" smtClean="0">
-              <a:latin typeface="SF UI Text" panose="00000400000000000000" pitchFamily="2" charset="0"/>
-            </a:endParaRPr>
-          </a:p>
-        </p:txBody>
-      </p:sp>
-      <p:sp>
-        <p:nvSpPr>
-          <p:cNvPr id="8" name="Subtitle 2"/>
-          <p:cNvSpPr txBox="1"/>
-          <p:nvPr/>
-        </p:nvSpPr>
-        <p:spPr bwMode="auto">
-          <a:xfrm>
-            <a:off x="407988" y="6567488"/>
-            <a:ext cx="4143375" cy="246062"/>
-          </a:xfrm>
-          <a:prstGeom prst="rect">
-            <a:avLst/>
-          </a:prstGeom>
-          <a:noFill/>
-          <a:ln w="9525">
-            <a:noFill/>
-            <a:miter lim="800000"/>
-          </a:ln>
-        </p:spPr>
-        <p:txBody>
-          <a:bodyPr/>
-          <a:lstStyle/>
-          <a:p>
-            <a:pPr>
-              <a:spcBef>
-                <a:spcPct val="20000"/>
-              </a:spcBef>
-            </a:pPr>
-            <a:r>
-              <a:rPr lang="ru-RU" sz="800" dirty="0"/>
-              <a:t>Высшая школа экономики, Москва, </a:t>
-            </a:r>
-            <a:r>
-              <a:rPr lang="ru-RU" sz="800" dirty="0" smtClean="0"/>
-              <a:t>2019</a:t>
-            </a:r>
-            <a:endParaRPr kumimoji="1" lang="ru-RU" sz="800" dirty="0"/>
-          </a:p>
-        </p:txBody>
-      </p:sp>
+              </a14:hiddenFill>
+            </a:ext>
+          </a:extLst>
+        </p:spPr>
+      </p:pic>
     </p:spTree>
   </p:cSld>
   <p:clrMapOvr>
@@ -6158,306 +5864,150 @@
       </p:grpSpPr>
       <p:sp>
         <p:nvSpPr>
-          <p:cNvPr id="14338" name="Subtitle 2"/>
-          <p:cNvSpPr txBox="1"/>
+          <p:cNvPr id="2" name="Заголовок 1"/>
+          <p:cNvSpPr>
+            <a:spLocks noGrp="1"/>
+          </p:cNvSpPr>
+          <p:nvPr>
+            <p:ph type="title"/>
+          </p:nvPr>
+        </p:nvSpPr>
+        <p:spPr>
+          <a:xfrm>
+            <a:off x="1005841" y="0"/>
+            <a:ext cx="8229600" cy="1143000"/>
+          </a:xfrm>
+        </p:spPr>
+        <p:txBody>
+          <a:bodyPr/>
+          <a:lstStyle/>
+          <a:p>
+            <a:r>
+              <a:rPr lang="ru-RU" dirty="0" smtClean="0">
+                <a:latin typeface="SF UI Text" panose="00000400000000000000" pitchFamily="2" charset="0"/>
+              </a:rPr>
+              <a:t>Мероприятия на английском</a:t>
+            </a:r>
+            <a:endParaRPr lang="ru-RU" dirty="0">
+              <a:latin typeface="SF UI Text" panose="00000400000000000000" pitchFamily="2" charset="0"/>
+            </a:endParaRPr>
+          </a:p>
+        </p:txBody>
+      </p:sp>
+      <p:sp>
+        <p:nvSpPr>
+          <p:cNvPr id="4" name="Номер слайда 3"/>
+          <p:cNvSpPr>
+            <a:spLocks noGrp="1"/>
+          </p:cNvSpPr>
+          <p:nvPr>
+            <p:ph type="sldNum" sz="quarter" idx="12"/>
+          </p:nvPr>
+        </p:nvSpPr>
+        <p:spPr/>
+        <p:txBody>
+          <a:bodyPr/>
+          <a:lstStyle/>
+          <a:p>
+            <a:pPr>
+              <a:defRPr/>
+            </a:pPr>
+            <a:fld id="{CB65F501-F5CC-4E12-934E-78BB5E4DA208}" type="slidenum">
+              <a:rPr lang="en-US" smtClean="0"/>
+              <a:t>13</a:t>
+            </a:fld>
+            <a:endParaRPr lang="en-US"/>
+          </a:p>
+        </p:txBody>
+      </p:sp>
+      <p:pic>
+        <p:nvPicPr>
+          <p:cNvPr id="5" name="Picture 4" descr="https://github.com/M2000h/HSE-APP/raw/master/screenshots/main_en_white.jpg"/>
+          <p:cNvPicPr>
+            <a:picLocks noChangeAspect="1" noChangeArrowheads="1"/>
+          </p:cNvPicPr>
           <p:nvPr/>
-        </p:nvSpPr>
+        </p:nvPicPr>
+        <p:blipFill>
+          <a:blip r:embed="rId2">
+            <a:extLst>
+              <a:ext uri="{28A0092B-C50C-407E-A947-70E740481C1C}">
+                <a14:useLocalDpi xmlns:a14="http://schemas.microsoft.com/office/drawing/2010/main" val="0"/>
+              </a:ext>
+            </a:extLst>
+          </a:blip>
+          <a:srcRect/>
+          <a:stretch>
+            <a:fillRect/>
+          </a:stretch>
+        </p:blipFill>
         <p:spPr bwMode="auto">
           <a:xfrm>
-            <a:off x="255588" y="6415088"/>
-            <a:ext cx="4143375" cy="246062"/>
+            <a:off x="1005841" y="1330259"/>
+            <a:ext cx="2556738" cy="5113470"/>
           </a:xfrm>
           <a:prstGeom prst="rect">
             <a:avLst/>
           </a:prstGeom>
           <a:noFill/>
-          <a:ln w="9525">
-            <a:noFill/>
-            <a:miter lim="800000"/>
-          </a:ln>
-        </p:spPr>
-        <p:txBody>
-          <a:bodyPr/>
-          <a:lstStyle/>
-          <a:p>
-            <a:pPr>
-              <a:spcBef>
-                <a:spcPct val="20000"/>
-              </a:spcBef>
-            </a:pPr>
-            <a:r>
-              <a:rPr lang="ru-RU" sz="800" dirty="0">
-                <a:solidFill>
-                  <a:schemeClr val="bg1"/>
-                </a:solidFill>
-              </a:rPr>
-              <a:t>Высшая школа экономики, Москва, 2018</a:t>
-            </a:r>
-            <a:endParaRPr kumimoji="1" lang="ru-RU" sz="800" dirty="0">
-              <a:solidFill>
-                <a:schemeClr val="bg1"/>
-              </a:solidFill>
-            </a:endParaRPr>
-          </a:p>
-        </p:txBody>
-      </p:sp>
-      <p:sp>
-        <p:nvSpPr>
-          <p:cNvPr id="14339" name="Title 1"/>
-          <p:cNvSpPr txBox="1"/>
+          <a:extLst>
+            <a:ext uri="{909E8E84-426E-40DD-AFC4-6F175D3DCCD1}">
+              <a14:hiddenFill xmlns:a14="http://schemas.microsoft.com/office/drawing/2010/main">
+                <a:solidFill>
+                  <a:srgbClr val="FFFFFF"/>
+                </a:solidFill>
+              </a14:hiddenFill>
+            </a:ext>
+          </a:extLst>
+        </p:spPr>
+      </p:pic>
+      <p:pic>
+        <p:nvPicPr>
+          <p:cNvPr id="6" name="Picture 8" descr="https://github.com/M2000h/HSE-APP/raw/master/screenshots/main_en_black.jpg"/>
+          <p:cNvPicPr>
+            <a:picLocks noChangeAspect="1" noChangeArrowheads="1"/>
+          </p:cNvPicPr>
           <p:nvPr/>
-        </p:nvSpPr>
+        </p:nvPicPr>
+        <p:blipFill>
+          <a:blip r:embed="rId3">
+            <a:extLst>
+              <a:ext uri="{28A0092B-C50C-407E-A947-70E740481C1C}">
+                <a14:useLocalDpi xmlns:a14="http://schemas.microsoft.com/office/drawing/2010/main" val="0"/>
+              </a:ext>
+            </a:extLst>
+          </a:blip>
+          <a:srcRect/>
+          <a:stretch>
+            <a:fillRect/>
+          </a:stretch>
+        </p:blipFill>
         <p:spPr bwMode="auto">
           <a:xfrm>
-            <a:off x="578498" y="428625"/>
-            <a:ext cx="8565501" cy="412750"/>
+            <a:off x="5353176" y="1330259"/>
+            <a:ext cx="2556737" cy="5113470"/>
           </a:xfrm>
           <a:prstGeom prst="rect">
             <a:avLst/>
           </a:prstGeom>
           <a:noFill/>
-          <a:ln w="9525">
-            <a:noFill/>
-            <a:miter lim="800000"/>
-          </a:ln>
-        </p:spPr>
-        <p:txBody>
-          <a:bodyPr anchor="ctr"/>
-          <a:lstStyle/>
-          <a:p>
-            <a:pPr algn="ctr"/>
-            <a:r>
-              <a:rPr lang="ru-RU" sz="3200" dirty="0" smtClean="0">
-                <a:latin typeface="SF UI Text" panose="00000400000000000000" pitchFamily="2" charset="0"/>
-              </a:rPr>
-              <a:t>Список использованных источников</a:t>
-            </a:r>
-            <a:endParaRPr lang="en-US" sz="3200" dirty="0">
-              <a:latin typeface="SF UI Text" panose="00000400000000000000" pitchFamily="2" charset="0"/>
-            </a:endParaRPr>
-          </a:p>
-        </p:txBody>
-      </p:sp>
-      <p:sp>
-        <p:nvSpPr>
-          <p:cNvPr id="14343" name="Rectangle 9"/>
-          <p:cNvSpPr>
-            <a:spLocks noChangeArrowheads="1"/>
-          </p:cNvSpPr>
-          <p:nvPr/>
-        </p:nvSpPr>
-        <p:spPr bwMode="auto">
-          <a:xfrm>
-            <a:off x="7300913" y="2255838"/>
-            <a:ext cx="674687" cy="369887"/>
-          </a:xfrm>
-          <a:prstGeom prst="rect">
-            <a:avLst/>
-          </a:prstGeom>
-          <a:noFill/>
-          <a:ln w="9525">
-            <a:noFill/>
-            <a:miter lim="800000"/>
-          </a:ln>
-        </p:spPr>
-        <p:txBody>
-          <a:bodyPr wrap="none">
-            <a:spAutoFit/>
-          </a:bodyPr>
-          <a:lstStyle/>
-          <a:p>
-            <a:r>
-              <a:rPr lang="ru-RU">
+          <a:extLst>
+            <a:ext uri="{909E8E84-426E-40DD-AFC4-6F175D3DCCD1}">
+              <a14:hiddenFill xmlns:a14="http://schemas.microsoft.com/office/drawing/2010/main">
                 <a:solidFill>
                   <a:srgbClr val="FFFFFF"/>
                 </a:solidFill>
-              </a:rPr>
-              <a:t>фото</a:t>
-            </a:r>
-            <a:endParaRPr lang="en-US">
-              <a:solidFill>
-                <a:srgbClr val="FFFFFF"/>
-              </a:solidFill>
-            </a:endParaRPr>
-          </a:p>
-        </p:txBody>
-      </p:sp>
-      <p:sp>
-        <p:nvSpPr>
-          <p:cNvPr id="14345" name="Rectangle 11"/>
-          <p:cNvSpPr>
-            <a:spLocks noChangeArrowheads="1"/>
-          </p:cNvSpPr>
-          <p:nvPr/>
-        </p:nvSpPr>
-        <p:spPr bwMode="auto">
-          <a:xfrm>
-            <a:off x="7300913" y="5591175"/>
-            <a:ext cx="674687" cy="369888"/>
-          </a:xfrm>
-          <a:prstGeom prst="rect">
-            <a:avLst/>
-          </a:prstGeom>
-          <a:noFill/>
-          <a:ln w="9525">
-            <a:noFill/>
-            <a:miter lim="800000"/>
-          </a:ln>
-        </p:spPr>
-        <p:txBody>
-          <a:bodyPr wrap="none">
-            <a:spAutoFit/>
-          </a:bodyPr>
-          <a:lstStyle/>
-          <a:p>
-            <a:r>
-              <a:rPr lang="ru-RU">
-                <a:solidFill>
-                  <a:srgbClr val="FFFFFF"/>
-                </a:solidFill>
-              </a:rPr>
-              <a:t>фото</a:t>
-            </a:r>
-            <a:endParaRPr lang="en-US">
-              <a:solidFill>
-                <a:srgbClr val="FFFFFF"/>
-              </a:solidFill>
-            </a:endParaRPr>
-          </a:p>
-        </p:txBody>
-      </p:sp>
-      <p:sp>
-        <p:nvSpPr>
-          <p:cNvPr id="7" name="Номер слайда 6"/>
-          <p:cNvSpPr>
-            <a:spLocks noGrp="1"/>
-          </p:cNvSpPr>
-          <p:nvPr>
-            <p:ph type="sldNum" sz="quarter" idx="12"/>
-          </p:nvPr>
-        </p:nvSpPr>
-        <p:spPr>
-          <a:xfrm>
-            <a:off x="8451475" y="6356350"/>
-            <a:ext cx="470647" cy="365125"/>
-          </a:xfrm>
-        </p:spPr>
-        <p:txBody>
-          <a:bodyPr/>
-          <a:lstStyle/>
-          <a:p>
-            <a:pPr>
-              <a:defRPr/>
-            </a:pPr>
-            <a:fld id="{CB65F501-F5CC-4E12-934E-78BB5E4DA208}" type="slidenum">
-              <a:rPr lang="en-US" sz="1800" smtClean="0">
-                <a:solidFill>
-                  <a:schemeClr val="tx1"/>
-                </a:solidFill>
-              </a:rPr>
-              <a:t>13</a:t>
-            </a:fld>
-            <a:endParaRPr lang="en-US" sz="1800" dirty="0">
-              <a:solidFill>
-                <a:schemeClr val="tx1"/>
-              </a:solidFill>
-            </a:endParaRPr>
-          </a:p>
-        </p:txBody>
-      </p:sp>
-      <p:sp>
-        <p:nvSpPr>
-          <p:cNvPr id="8" name="Rectangle 12"/>
-          <p:cNvSpPr>
-            <a:spLocks noChangeArrowheads="1"/>
-          </p:cNvSpPr>
-          <p:nvPr/>
-        </p:nvSpPr>
-        <p:spPr bwMode="auto">
-          <a:xfrm>
-            <a:off x="255588" y="1581141"/>
-            <a:ext cx="8666533" cy="664156"/>
-          </a:xfrm>
-          <a:prstGeom prst="rect">
-            <a:avLst/>
-          </a:prstGeom>
-          <a:noFill/>
-          <a:ln w="9525">
-            <a:noFill/>
-            <a:miter lim="800000"/>
-          </a:ln>
-        </p:spPr>
-        <p:txBody>
-          <a:bodyPr wrap="square">
-            <a:spAutoFit/>
-          </a:bodyPr>
-          <a:lstStyle/>
-          <a:p>
-            <a:pPr>
-              <a:lnSpc>
-                <a:spcPct val="150000"/>
-              </a:lnSpc>
-            </a:pPr>
-            <a:r>
-              <a:rPr lang="ru-RU" sz="2800" dirty="0" smtClean="0">
-                <a:latin typeface="SF UI Text" panose="00000400000000000000" pitchFamily="2" charset="0"/>
-              </a:rPr>
-              <a:t>1. Документация </a:t>
-            </a:r>
-            <a:r>
-              <a:rPr lang="en-US" sz="2800" dirty="0" err="1" smtClean="0">
-                <a:latin typeface="SF UI Text" panose="00000400000000000000" pitchFamily="2" charset="0"/>
-              </a:rPr>
-              <a:t>Xamarin</a:t>
-            </a:r>
-            <a:endParaRPr lang="en-US" sz="2800" dirty="0" smtClean="0">
-              <a:latin typeface="SF UI Text" panose="00000400000000000000" pitchFamily="2" charset="0"/>
-            </a:endParaRPr>
-          </a:p>
-        </p:txBody>
-      </p:sp>
-      <p:sp>
-        <p:nvSpPr>
-          <p:cNvPr id="9" name="Subtitle 2"/>
-          <p:cNvSpPr txBox="1"/>
-          <p:nvPr/>
-        </p:nvSpPr>
-        <p:spPr bwMode="auto">
-          <a:xfrm>
-            <a:off x="407988" y="6567488"/>
-            <a:ext cx="4143375" cy="246062"/>
-          </a:xfrm>
-          <a:prstGeom prst="rect">
-            <a:avLst/>
-          </a:prstGeom>
-          <a:noFill/>
-          <a:ln w="9525">
-            <a:noFill/>
-            <a:miter lim="800000"/>
-          </a:ln>
-        </p:spPr>
-        <p:txBody>
-          <a:bodyPr/>
-          <a:lstStyle/>
-          <a:p>
-            <a:pPr>
-              <a:spcBef>
-                <a:spcPct val="20000"/>
-              </a:spcBef>
-            </a:pPr>
-            <a:r>
-              <a:rPr lang="ru-RU" sz="800" dirty="0"/>
-              <a:t>Высшая школа экономики, Москва, </a:t>
-            </a:r>
-            <a:r>
-              <a:rPr lang="ru-RU" sz="800" dirty="0" smtClean="0"/>
-              <a:t>2019</a:t>
-            </a:r>
-            <a:endParaRPr kumimoji="1" lang="ru-RU" sz="800" dirty="0"/>
-          </a:p>
-        </p:txBody>
-      </p:sp>
+              </a14:hiddenFill>
+            </a:ext>
+          </a:extLst>
+        </p:spPr>
+      </p:pic>
     </p:spTree>
+    <p:extLst>
+      <p:ext uri="{BB962C8B-B14F-4D97-AF65-F5344CB8AC3E}">
+        <p14:creationId xmlns:p14="http://schemas.microsoft.com/office/powerpoint/2010/main" val="640254310"/>
+      </p:ext>
+    </p:extLst>
   </p:cSld>
   <p:clrMapOvr>
     <a:masterClrMapping/>
@@ -6491,6 +6041,1212 @@
       </p:grpSpPr>
       <p:sp>
         <p:nvSpPr>
+          <p:cNvPr id="2" name="Заголовок 1"/>
+          <p:cNvSpPr>
+            <a:spLocks noGrp="1"/>
+          </p:cNvSpPr>
+          <p:nvPr>
+            <p:ph type="title"/>
+          </p:nvPr>
+        </p:nvSpPr>
+        <p:spPr>
+          <a:xfrm>
+            <a:off x="905690" y="274638"/>
+            <a:ext cx="8064139" cy="1143000"/>
+          </a:xfrm>
+        </p:spPr>
+        <p:txBody>
+          <a:bodyPr/>
+          <a:lstStyle/>
+          <a:p>
+            <a:r>
+              <a:rPr lang="ru-RU" dirty="0" smtClean="0">
+                <a:latin typeface="SF UI Text" panose="00000400000000000000" pitchFamily="2" charset="0"/>
+              </a:rPr>
+              <a:t>Подробности мероприятия</a:t>
+            </a:r>
+            <a:endParaRPr lang="ru-RU" dirty="0"/>
+          </a:p>
+        </p:txBody>
+      </p:sp>
+      <p:sp>
+        <p:nvSpPr>
+          <p:cNvPr id="4" name="Номер слайда 3"/>
+          <p:cNvSpPr>
+            <a:spLocks noGrp="1"/>
+          </p:cNvSpPr>
+          <p:nvPr>
+            <p:ph type="sldNum" sz="quarter" idx="12"/>
+          </p:nvPr>
+        </p:nvSpPr>
+        <p:spPr/>
+        <p:txBody>
+          <a:bodyPr/>
+          <a:lstStyle/>
+          <a:p>
+            <a:pPr>
+              <a:defRPr/>
+            </a:pPr>
+            <a:fld id="{CB65F501-F5CC-4E12-934E-78BB5E4DA208}" type="slidenum">
+              <a:rPr lang="en-US" smtClean="0"/>
+              <a:t>14</a:t>
+            </a:fld>
+            <a:endParaRPr lang="en-US"/>
+          </a:p>
+        </p:txBody>
+      </p:sp>
+      <p:pic>
+        <p:nvPicPr>
+          <p:cNvPr id="6" name="Picture 10" descr="https://github.com/M2000h/HSE-APP/raw/master/screenshots/event_white_rus.jpg"/>
+          <p:cNvPicPr>
+            <a:picLocks noChangeAspect="1" noChangeArrowheads="1"/>
+          </p:cNvPicPr>
+          <p:nvPr/>
+        </p:nvPicPr>
+        <p:blipFill>
+          <a:blip r:embed="rId2">
+            <a:extLst>
+              <a:ext uri="{28A0092B-C50C-407E-A947-70E740481C1C}">
+                <a14:useLocalDpi xmlns:a14="http://schemas.microsoft.com/office/drawing/2010/main" val="0"/>
+              </a:ext>
+            </a:extLst>
+          </a:blip>
+          <a:srcRect/>
+          <a:stretch>
+            <a:fillRect/>
+          </a:stretch>
+        </p:blipFill>
+        <p:spPr bwMode="auto">
+          <a:xfrm>
+            <a:off x="1248910" y="1425442"/>
+            <a:ext cx="2556735" cy="5113470"/>
+          </a:xfrm>
+          <a:prstGeom prst="rect">
+            <a:avLst/>
+          </a:prstGeom>
+          <a:noFill/>
+          <a:extLst>
+            <a:ext uri="{909E8E84-426E-40DD-AFC4-6F175D3DCCD1}">
+              <a14:hiddenFill xmlns:a14="http://schemas.microsoft.com/office/drawing/2010/main">
+                <a:solidFill>
+                  <a:srgbClr val="FFFFFF"/>
+                </a:solidFill>
+              </a14:hiddenFill>
+            </a:ext>
+          </a:extLst>
+        </p:spPr>
+      </p:pic>
+      <p:pic>
+        <p:nvPicPr>
+          <p:cNvPr id="7" name="Picture 12" descr="https://github.com/M2000h/HSE-APP/raw/master/screenshots/event_black.jpg"/>
+          <p:cNvPicPr>
+            <a:picLocks noChangeAspect="1" noChangeArrowheads="1"/>
+          </p:cNvPicPr>
+          <p:nvPr/>
+        </p:nvPicPr>
+        <p:blipFill>
+          <a:blip r:embed="rId3">
+            <a:extLst>
+              <a:ext uri="{28A0092B-C50C-407E-A947-70E740481C1C}">
+                <a14:useLocalDpi xmlns:a14="http://schemas.microsoft.com/office/drawing/2010/main" val="0"/>
+              </a:ext>
+            </a:extLst>
+          </a:blip>
+          <a:srcRect/>
+          <a:stretch>
+            <a:fillRect/>
+          </a:stretch>
+        </p:blipFill>
+        <p:spPr bwMode="auto">
+          <a:xfrm>
+            <a:off x="5060238" y="1425442"/>
+            <a:ext cx="2559762" cy="5113470"/>
+          </a:xfrm>
+          <a:prstGeom prst="rect">
+            <a:avLst/>
+          </a:prstGeom>
+          <a:noFill/>
+          <a:extLst>
+            <a:ext uri="{909E8E84-426E-40DD-AFC4-6F175D3DCCD1}">
+              <a14:hiddenFill xmlns:a14="http://schemas.microsoft.com/office/drawing/2010/main">
+                <a:solidFill>
+                  <a:srgbClr val="FFFFFF"/>
+                </a:solidFill>
+              </a14:hiddenFill>
+            </a:ext>
+          </a:extLst>
+        </p:spPr>
+      </p:pic>
+    </p:spTree>
+    <p:extLst>
+      <p:ext uri="{BB962C8B-B14F-4D97-AF65-F5344CB8AC3E}">
+        <p14:creationId xmlns:p14="http://schemas.microsoft.com/office/powerpoint/2010/main" val="4025321153"/>
+      </p:ext>
+    </p:extLst>
+  </p:cSld>
+  <p:clrMapOvr>
+    <a:masterClrMapping/>
+  </p:clrMapOvr>
+  <p:timing>
+    <p:tnLst>
+      <p:par>
+        <p:cTn id="1" dur="indefinite" restart="never" nodeType="tmRoot"/>
+      </p:par>
+    </p:tnLst>
+  </p:timing>
+</p:sld>
+</file>
+
+<file path=ppt/slides/slide15.xml><?xml version="1.0" encoding="utf-8"?>
+<p:sld xmlns:a="http://schemas.openxmlformats.org/drawingml/2006/main" xmlns:r="http://schemas.openxmlformats.org/officeDocument/2006/relationships" xmlns:p="http://schemas.openxmlformats.org/presentationml/2006/main">
+  <p:cSld>
+    <p:spTree>
+      <p:nvGrpSpPr>
+        <p:cNvPr id="1" name=""/>
+        <p:cNvGrpSpPr/>
+        <p:nvPr/>
+      </p:nvGrpSpPr>
+      <p:grpSpPr>
+        <a:xfrm>
+          <a:off x="0" y="0"/>
+          <a:ext cx="0" cy="0"/>
+          <a:chOff x="0" y="0"/>
+          <a:chExt cx="0" cy="0"/>
+        </a:xfrm>
+      </p:grpSpPr>
+      <p:sp>
+        <p:nvSpPr>
+          <p:cNvPr id="2" name="Заголовок 1"/>
+          <p:cNvSpPr>
+            <a:spLocks noGrp="1"/>
+          </p:cNvSpPr>
+          <p:nvPr>
+            <p:ph type="title"/>
+          </p:nvPr>
+        </p:nvSpPr>
+        <p:spPr/>
+        <p:txBody>
+          <a:bodyPr/>
+          <a:lstStyle/>
+          <a:p>
+            <a:r>
+              <a:rPr lang="ru-RU" dirty="0" smtClean="0">
+                <a:latin typeface="SF UI Text" panose="00000400000000000000" pitchFamily="2" charset="0"/>
+              </a:rPr>
+              <a:t>Поиск</a:t>
+            </a:r>
+            <a:endParaRPr lang="ru-RU" dirty="0"/>
+          </a:p>
+        </p:txBody>
+      </p:sp>
+      <p:sp>
+        <p:nvSpPr>
+          <p:cNvPr id="4" name="Номер слайда 3"/>
+          <p:cNvSpPr>
+            <a:spLocks noGrp="1"/>
+          </p:cNvSpPr>
+          <p:nvPr>
+            <p:ph type="sldNum" sz="quarter" idx="12"/>
+          </p:nvPr>
+        </p:nvSpPr>
+        <p:spPr/>
+        <p:txBody>
+          <a:bodyPr/>
+          <a:lstStyle/>
+          <a:p>
+            <a:pPr>
+              <a:defRPr/>
+            </a:pPr>
+            <a:fld id="{CB65F501-F5CC-4E12-934E-78BB5E4DA208}" type="slidenum">
+              <a:rPr lang="en-US" smtClean="0"/>
+              <a:t>15</a:t>
+            </a:fld>
+            <a:endParaRPr lang="en-US"/>
+          </a:p>
+        </p:txBody>
+      </p:sp>
+      <p:pic>
+        <p:nvPicPr>
+          <p:cNvPr id="5" name="Picture 14" descr="https://github.com/M2000h/HSE-APP/raw/master/screenshots/search_rus_white.jpg"/>
+          <p:cNvPicPr>
+            <a:picLocks noChangeAspect="1" noChangeArrowheads="1"/>
+          </p:cNvPicPr>
+          <p:nvPr/>
+        </p:nvPicPr>
+        <p:blipFill>
+          <a:blip r:embed="rId2">
+            <a:extLst>
+              <a:ext uri="{28A0092B-C50C-407E-A947-70E740481C1C}">
+                <a14:useLocalDpi xmlns:a14="http://schemas.microsoft.com/office/drawing/2010/main" val="0"/>
+              </a:ext>
+            </a:extLst>
+          </a:blip>
+          <a:srcRect/>
+          <a:stretch>
+            <a:fillRect/>
+          </a:stretch>
+        </p:blipFill>
+        <p:spPr bwMode="auto">
+          <a:xfrm>
+            <a:off x="1337538" y="1512821"/>
+            <a:ext cx="2513047" cy="5026091"/>
+          </a:xfrm>
+          <a:prstGeom prst="rect">
+            <a:avLst/>
+          </a:prstGeom>
+          <a:noFill/>
+          <a:extLst>
+            <a:ext uri="{909E8E84-426E-40DD-AFC4-6F175D3DCCD1}">
+              <a14:hiddenFill xmlns:a14="http://schemas.microsoft.com/office/drawing/2010/main">
+                <a:solidFill>
+                  <a:srgbClr val="FFFFFF"/>
+                </a:solidFill>
+              </a14:hiddenFill>
+            </a:ext>
+          </a:extLst>
+        </p:spPr>
+      </p:pic>
+      <p:pic>
+        <p:nvPicPr>
+          <p:cNvPr id="6" name="Picture 18" descr="https://github.com/M2000h/HSE-APP/raw/master/screenshots/search_rus_black.jpg"/>
+          <p:cNvPicPr>
+            <a:picLocks noChangeAspect="1" noChangeArrowheads="1"/>
+          </p:cNvPicPr>
+          <p:nvPr/>
+        </p:nvPicPr>
+        <p:blipFill>
+          <a:blip r:embed="rId3">
+            <a:extLst>
+              <a:ext uri="{28A0092B-C50C-407E-A947-70E740481C1C}">
+                <a14:useLocalDpi xmlns:a14="http://schemas.microsoft.com/office/drawing/2010/main" val="0"/>
+              </a:ext>
+            </a:extLst>
+          </a:blip>
+          <a:srcRect/>
+          <a:stretch>
+            <a:fillRect/>
+          </a:stretch>
+        </p:blipFill>
+        <p:spPr bwMode="auto">
+          <a:xfrm>
+            <a:off x="5316437" y="1512821"/>
+            <a:ext cx="2473526" cy="4947050"/>
+          </a:xfrm>
+          <a:prstGeom prst="rect">
+            <a:avLst/>
+          </a:prstGeom>
+          <a:noFill/>
+          <a:extLst>
+            <a:ext uri="{909E8E84-426E-40DD-AFC4-6F175D3DCCD1}">
+              <a14:hiddenFill xmlns:a14="http://schemas.microsoft.com/office/drawing/2010/main">
+                <a:solidFill>
+                  <a:srgbClr val="FFFFFF"/>
+                </a:solidFill>
+              </a14:hiddenFill>
+            </a:ext>
+          </a:extLst>
+        </p:spPr>
+      </p:pic>
+    </p:spTree>
+    <p:extLst>
+      <p:ext uri="{BB962C8B-B14F-4D97-AF65-F5344CB8AC3E}">
+        <p14:creationId xmlns:p14="http://schemas.microsoft.com/office/powerpoint/2010/main" val="1289110074"/>
+      </p:ext>
+    </p:extLst>
+  </p:cSld>
+  <p:clrMapOvr>
+    <a:masterClrMapping/>
+  </p:clrMapOvr>
+  <p:timing>
+    <p:tnLst>
+      <p:par>
+        <p:cTn id="1" dur="indefinite" restart="never" nodeType="tmRoot"/>
+      </p:par>
+    </p:tnLst>
+  </p:timing>
+</p:sld>
+</file>
+
+<file path=ppt/slides/slide16.xml><?xml version="1.0" encoding="utf-8"?>
+<p:sld xmlns:a="http://schemas.openxmlformats.org/drawingml/2006/main" xmlns:r="http://schemas.openxmlformats.org/officeDocument/2006/relationships" xmlns:p="http://schemas.openxmlformats.org/presentationml/2006/main">
+  <p:cSld>
+    <p:spTree>
+      <p:nvGrpSpPr>
+        <p:cNvPr id="1" name=""/>
+        <p:cNvGrpSpPr/>
+        <p:nvPr/>
+      </p:nvGrpSpPr>
+      <p:grpSpPr>
+        <a:xfrm>
+          <a:off x="0" y="0"/>
+          <a:ext cx="0" cy="0"/>
+          <a:chOff x="0" y="0"/>
+          <a:chExt cx="0" cy="0"/>
+        </a:xfrm>
+      </p:grpSpPr>
+      <p:sp>
+        <p:nvSpPr>
+          <p:cNvPr id="2" name="Заголовок 1"/>
+          <p:cNvSpPr>
+            <a:spLocks noGrp="1"/>
+          </p:cNvSpPr>
+          <p:nvPr>
+            <p:ph type="title"/>
+          </p:nvPr>
+        </p:nvSpPr>
+        <p:spPr/>
+        <p:txBody>
+          <a:bodyPr/>
+          <a:lstStyle/>
+          <a:p>
+            <a:r>
+              <a:rPr lang="ru-RU" dirty="0" smtClean="0">
+                <a:latin typeface="SF UI Text" panose="00000400000000000000" pitchFamily="2" charset="0"/>
+              </a:rPr>
+              <a:t>Настройки</a:t>
+            </a:r>
+            <a:endParaRPr lang="ru-RU" dirty="0"/>
+          </a:p>
+        </p:txBody>
+      </p:sp>
+      <p:sp>
+        <p:nvSpPr>
+          <p:cNvPr id="4" name="Номер слайда 3"/>
+          <p:cNvSpPr>
+            <a:spLocks noGrp="1"/>
+          </p:cNvSpPr>
+          <p:nvPr>
+            <p:ph type="sldNum" sz="quarter" idx="12"/>
+          </p:nvPr>
+        </p:nvSpPr>
+        <p:spPr/>
+        <p:txBody>
+          <a:bodyPr/>
+          <a:lstStyle/>
+          <a:p>
+            <a:pPr>
+              <a:defRPr/>
+            </a:pPr>
+            <a:fld id="{CB65F501-F5CC-4E12-934E-78BB5E4DA208}" type="slidenum">
+              <a:rPr lang="en-US" smtClean="0"/>
+              <a:t>16</a:t>
+            </a:fld>
+            <a:endParaRPr lang="en-US"/>
+          </a:p>
+        </p:txBody>
+      </p:sp>
+      <p:pic>
+        <p:nvPicPr>
+          <p:cNvPr id="5" name="Picture 16" descr="https://github.com/M2000h/HSE-APP/raw/master/screenshots/set_white.jpg"/>
+          <p:cNvPicPr>
+            <a:picLocks noChangeAspect="1" noChangeArrowheads="1"/>
+          </p:cNvPicPr>
+          <p:nvPr/>
+        </p:nvPicPr>
+        <p:blipFill>
+          <a:blip r:embed="rId2">
+            <a:extLst>
+              <a:ext uri="{28A0092B-C50C-407E-A947-70E740481C1C}">
+                <a14:useLocalDpi xmlns:a14="http://schemas.microsoft.com/office/drawing/2010/main" val="0"/>
+              </a:ext>
+            </a:extLst>
+          </a:blip>
+          <a:srcRect/>
+          <a:stretch>
+            <a:fillRect/>
+          </a:stretch>
+        </p:blipFill>
+        <p:spPr bwMode="auto">
+          <a:xfrm>
+            <a:off x="1675457" y="1417638"/>
+            <a:ext cx="2513046" cy="5026091"/>
+          </a:xfrm>
+          <a:prstGeom prst="rect">
+            <a:avLst/>
+          </a:prstGeom>
+          <a:noFill/>
+          <a:extLst>
+            <a:ext uri="{909E8E84-426E-40DD-AFC4-6F175D3DCCD1}">
+              <a14:hiddenFill xmlns:a14="http://schemas.microsoft.com/office/drawing/2010/main">
+                <a:solidFill>
+                  <a:srgbClr val="FFFFFF"/>
+                </a:solidFill>
+              </a14:hiddenFill>
+            </a:ext>
+          </a:extLst>
+        </p:spPr>
+      </p:pic>
+      <p:pic>
+        <p:nvPicPr>
+          <p:cNvPr id="7" name="Picture 20" descr="https://github.com/M2000h/HSE-APP/raw/master/screenshots/set_black.jpg"/>
+          <p:cNvPicPr>
+            <a:picLocks noChangeAspect="1" noChangeArrowheads="1"/>
+          </p:cNvPicPr>
+          <p:nvPr/>
+        </p:nvPicPr>
+        <p:blipFill>
+          <a:blip r:embed="rId3">
+            <a:extLst>
+              <a:ext uri="{28A0092B-C50C-407E-A947-70E740481C1C}">
+                <a14:useLocalDpi xmlns:a14="http://schemas.microsoft.com/office/drawing/2010/main" val="0"/>
+              </a:ext>
+            </a:extLst>
+          </a:blip>
+          <a:srcRect/>
+          <a:stretch>
+            <a:fillRect/>
+          </a:stretch>
+        </p:blipFill>
+        <p:spPr bwMode="auto">
+          <a:xfrm>
+            <a:off x="5406760" y="1418745"/>
+            <a:ext cx="2512492" cy="5024984"/>
+          </a:xfrm>
+          <a:prstGeom prst="rect">
+            <a:avLst/>
+          </a:prstGeom>
+          <a:noFill/>
+          <a:extLst>
+            <a:ext uri="{909E8E84-426E-40DD-AFC4-6F175D3DCCD1}">
+              <a14:hiddenFill xmlns:a14="http://schemas.microsoft.com/office/drawing/2010/main">
+                <a:solidFill>
+                  <a:srgbClr val="FFFFFF"/>
+                </a:solidFill>
+              </a14:hiddenFill>
+            </a:ext>
+          </a:extLst>
+        </p:spPr>
+      </p:pic>
+    </p:spTree>
+    <p:extLst>
+      <p:ext uri="{BB962C8B-B14F-4D97-AF65-F5344CB8AC3E}">
+        <p14:creationId xmlns:p14="http://schemas.microsoft.com/office/powerpoint/2010/main" val="724332369"/>
+      </p:ext>
+    </p:extLst>
+  </p:cSld>
+  <p:clrMapOvr>
+    <a:masterClrMapping/>
+  </p:clrMapOvr>
+  <p:timing>
+    <p:tnLst>
+      <p:par>
+        <p:cTn id="1" dur="indefinite" restart="never" nodeType="tmRoot"/>
+      </p:par>
+    </p:tnLst>
+  </p:timing>
+</p:sld>
+</file>
+
+<file path=ppt/slides/slide17.xml><?xml version="1.0" encoding="utf-8"?>
+<p:sld xmlns:a="http://schemas.openxmlformats.org/drawingml/2006/main" xmlns:r="http://schemas.openxmlformats.org/officeDocument/2006/relationships" xmlns:p="http://schemas.openxmlformats.org/presentationml/2006/main">
+  <p:cSld>
+    <p:spTree>
+      <p:nvGrpSpPr>
+        <p:cNvPr id="1" name=""/>
+        <p:cNvGrpSpPr/>
+        <p:nvPr/>
+      </p:nvGrpSpPr>
+      <p:grpSpPr>
+        <a:xfrm>
+          <a:off x="0" y="0"/>
+          <a:ext cx="0" cy="0"/>
+          <a:chOff x="0" y="0"/>
+          <a:chExt cx="0" cy="0"/>
+        </a:xfrm>
+      </p:grpSpPr>
+      <p:sp>
+        <p:nvSpPr>
+          <p:cNvPr id="14338" name="Subtitle 2"/>
+          <p:cNvSpPr txBox="1"/>
+          <p:nvPr/>
+        </p:nvSpPr>
+        <p:spPr bwMode="auto">
+          <a:xfrm>
+            <a:off x="255588" y="6415088"/>
+            <a:ext cx="4143375" cy="246062"/>
+          </a:xfrm>
+          <a:prstGeom prst="rect">
+            <a:avLst/>
+          </a:prstGeom>
+          <a:noFill/>
+          <a:ln w="9525">
+            <a:noFill/>
+            <a:miter lim="800000"/>
+          </a:ln>
+        </p:spPr>
+        <p:txBody>
+          <a:bodyPr/>
+          <a:lstStyle/>
+          <a:p>
+            <a:pPr>
+              <a:spcBef>
+                <a:spcPct val="20000"/>
+              </a:spcBef>
+            </a:pPr>
+            <a:r>
+              <a:rPr lang="ru-RU" sz="800" dirty="0">
+                <a:solidFill>
+                  <a:schemeClr val="bg1"/>
+                </a:solidFill>
+              </a:rPr>
+              <a:t>Высшая школа экономики, Москва, 2018</a:t>
+            </a:r>
+            <a:endParaRPr kumimoji="1" lang="ru-RU" sz="800" dirty="0">
+              <a:solidFill>
+                <a:schemeClr val="bg1"/>
+              </a:solidFill>
+            </a:endParaRPr>
+          </a:p>
+        </p:txBody>
+      </p:sp>
+      <p:sp>
+        <p:nvSpPr>
+          <p:cNvPr id="14339" name="Title 1"/>
+          <p:cNvSpPr txBox="1"/>
+          <p:nvPr/>
+        </p:nvSpPr>
+        <p:spPr bwMode="auto">
+          <a:xfrm>
+            <a:off x="1428749" y="428625"/>
+            <a:ext cx="7432863" cy="412750"/>
+          </a:xfrm>
+          <a:prstGeom prst="rect">
+            <a:avLst/>
+          </a:prstGeom>
+          <a:noFill/>
+          <a:ln w="9525">
+            <a:noFill/>
+            <a:miter lim="800000"/>
+          </a:ln>
+        </p:spPr>
+        <p:txBody>
+          <a:bodyPr anchor="ctr"/>
+          <a:lstStyle/>
+          <a:p>
+            <a:pPr algn="ctr"/>
+            <a:r>
+              <a:rPr lang="ru-RU" sz="3200" dirty="0">
+                <a:latin typeface="SF UI Text" panose="00000400000000000000" pitchFamily="2" charset="0"/>
+              </a:rPr>
+              <a:t>Пути дальнейшей работы</a:t>
+            </a:r>
+            <a:endParaRPr lang="en-US" sz="3200" dirty="0">
+              <a:latin typeface="SF UI Text" panose="00000400000000000000" pitchFamily="2" charset="0"/>
+            </a:endParaRPr>
+          </a:p>
+        </p:txBody>
+      </p:sp>
+      <p:sp>
+        <p:nvSpPr>
+          <p:cNvPr id="14343" name="Rectangle 9"/>
+          <p:cNvSpPr>
+            <a:spLocks noChangeArrowheads="1"/>
+          </p:cNvSpPr>
+          <p:nvPr/>
+        </p:nvSpPr>
+        <p:spPr bwMode="auto">
+          <a:xfrm>
+            <a:off x="7300913" y="2255838"/>
+            <a:ext cx="674687" cy="369887"/>
+          </a:xfrm>
+          <a:prstGeom prst="rect">
+            <a:avLst/>
+          </a:prstGeom>
+          <a:noFill/>
+          <a:ln w="9525">
+            <a:noFill/>
+            <a:miter lim="800000"/>
+          </a:ln>
+        </p:spPr>
+        <p:txBody>
+          <a:bodyPr wrap="none">
+            <a:spAutoFit/>
+          </a:bodyPr>
+          <a:lstStyle/>
+          <a:p>
+            <a:r>
+              <a:rPr lang="ru-RU">
+                <a:solidFill>
+                  <a:srgbClr val="FFFFFF"/>
+                </a:solidFill>
+              </a:rPr>
+              <a:t>фото</a:t>
+            </a:r>
+            <a:endParaRPr lang="en-US">
+              <a:solidFill>
+                <a:srgbClr val="FFFFFF"/>
+              </a:solidFill>
+            </a:endParaRPr>
+          </a:p>
+        </p:txBody>
+      </p:sp>
+      <p:sp>
+        <p:nvSpPr>
+          <p:cNvPr id="14345" name="Rectangle 11"/>
+          <p:cNvSpPr>
+            <a:spLocks noChangeArrowheads="1"/>
+          </p:cNvSpPr>
+          <p:nvPr/>
+        </p:nvSpPr>
+        <p:spPr bwMode="auto">
+          <a:xfrm>
+            <a:off x="7300913" y="5591175"/>
+            <a:ext cx="674687" cy="369888"/>
+          </a:xfrm>
+          <a:prstGeom prst="rect">
+            <a:avLst/>
+          </a:prstGeom>
+          <a:noFill/>
+          <a:ln w="9525">
+            <a:noFill/>
+            <a:miter lim="800000"/>
+          </a:ln>
+        </p:spPr>
+        <p:txBody>
+          <a:bodyPr wrap="none">
+            <a:spAutoFit/>
+          </a:bodyPr>
+          <a:lstStyle/>
+          <a:p>
+            <a:r>
+              <a:rPr lang="ru-RU">
+                <a:solidFill>
+                  <a:srgbClr val="FFFFFF"/>
+                </a:solidFill>
+              </a:rPr>
+              <a:t>фото</a:t>
+            </a:r>
+            <a:endParaRPr lang="en-US">
+              <a:solidFill>
+                <a:srgbClr val="FFFFFF"/>
+              </a:solidFill>
+            </a:endParaRPr>
+          </a:p>
+        </p:txBody>
+      </p:sp>
+      <p:sp>
+        <p:nvSpPr>
+          <p:cNvPr id="7" name="Номер слайда 6"/>
+          <p:cNvSpPr>
+            <a:spLocks noGrp="1"/>
+          </p:cNvSpPr>
+          <p:nvPr>
+            <p:ph type="sldNum" sz="quarter" idx="12"/>
+          </p:nvPr>
+        </p:nvSpPr>
+        <p:spPr>
+          <a:xfrm>
+            <a:off x="8451475" y="6356350"/>
+            <a:ext cx="470647" cy="365125"/>
+          </a:xfrm>
+        </p:spPr>
+        <p:txBody>
+          <a:bodyPr/>
+          <a:lstStyle/>
+          <a:p>
+            <a:pPr>
+              <a:defRPr/>
+            </a:pPr>
+            <a:fld id="{CB65F501-F5CC-4E12-934E-78BB5E4DA208}" type="slidenum">
+              <a:rPr lang="en-US" sz="1800" smtClean="0">
+                <a:solidFill>
+                  <a:schemeClr val="tx1"/>
+                </a:solidFill>
+              </a:rPr>
+              <a:t>17</a:t>
+            </a:fld>
+            <a:endParaRPr lang="en-US" sz="1800" dirty="0">
+              <a:solidFill>
+                <a:schemeClr val="tx1"/>
+              </a:solidFill>
+            </a:endParaRPr>
+          </a:p>
+        </p:txBody>
+      </p:sp>
+      <p:sp>
+        <p:nvSpPr>
+          <p:cNvPr id="9" name="Rectangle 12"/>
+          <p:cNvSpPr>
+            <a:spLocks noChangeArrowheads="1"/>
+          </p:cNvSpPr>
+          <p:nvPr/>
+        </p:nvSpPr>
+        <p:spPr bwMode="auto">
+          <a:xfrm>
+            <a:off x="255588" y="1581141"/>
+            <a:ext cx="8666533" cy="1384995"/>
+          </a:xfrm>
+          <a:prstGeom prst="rect">
+            <a:avLst/>
+          </a:prstGeom>
+          <a:noFill/>
+          <a:ln w="9525">
+            <a:noFill/>
+            <a:miter lim="800000"/>
+          </a:ln>
+        </p:spPr>
+        <p:txBody>
+          <a:bodyPr wrap="square">
+            <a:spAutoFit/>
+          </a:bodyPr>
+          <a:lstStyle/>
+          <a:p>
+            <a:pPr>
+              <a:lnSpc>
+                <a:spcPct val="150000"/>
+              </a:lnSpc>
+            </a:pPr>
+            <a:r>
+              <a:rPr lang="ru-RU" sz="2800" dirty="0" smtClean="0">
+                <a:latin typeface="SF UI Text" panose="00000400000000000000" pitchFamily="2" charset="0"/>
+              </a:rPr>
+              <a:t>Развитие логики работы с мероприятиями</a:t>
+            </a:r>
+          </a:p>
+          <a:p>
+            <a:pPr>
+              <a:lnSpc>
+                <a:spcPct val="150000"/>
+              </a:lnSpc>
+            </a:pPr>
+            <a:r>
+              <a:rPr lang="ru-RU" sz="2800" dirty="0" smtClean="0">
+                <a:latin typeface="SF UI Text" panose="00000400000000000000" pitchFamily="2" charset="0"/>
+              </a:rPr>
+              <a:t>Увеличение функционала</a:t>
+            </a:r>
+            <a:endParaRPr lang="en-US" sz="2800" dirty="0" smtClean="0">
+              <a:latin typeface="SF UI Text" panose="00000400000000000000" pitchFamily="2" charset="0"/>
+            </a:endParaRPr>
+          </a:p>
+        </p:txBody>
+      </p:sp>
+      <p:sp>
+        <p:nvSpPr>
+          <p:cNvPr id="8" name="Subtitle 2"/>
+          <p:cNvSpPr txBox="1"/>
+          <p:nvPr/>
+        </p:nvSpPr>
+        <p:spPr bwMode="auto">
+          <a:xfrm>
+            <a:off x="407988" y="6567488"/>
+            <a:ext cx="4143375" cy="246062"/>
+          </a:xfrm>
+          <a:prstGeom prst="rect">
+            <a:avLst/>
+          </a:prstGeom>
+          <a:noFill/>
+          <a:ln w="9525">
+            <a:noFill/>
+            <a:miter lim="800000"/>
+          </a:ln>
+        </p:spPr>
+        <p:txBody>
+          <a:bodyPr/>
+          <a:lstStyle/>
+          <a:p>
+            <a:pPr>
+              <a:spcBef>
+                <a:spcPct val="20000"/>
+              </a:spcBef>
+            </a:pPr>
+            <a:r>
+              <a:rPr lang="ru-RU" sz="800" dirty="0"/>
+              <a:t>Высшая школа экономики, Москва, </a:t>
+            </a:r>
+            <a:r>
+              <a:rPr lang="ru-RU" sz="800" dirty="0" smtClean="0"/>
+              <a:t>2019</a:t>
+            </a:r>
+            <a:endParaRPr kumimoji="1" lang="ru-RU" sz="800" dirty="0"/>
+          </a:p>
+        </p:txBody>
+      </p:sp>
+    </p:spTree>
+  </p:cSld>
+  <p:clrMapOvr>
+    <a:masterClrMapping/>
+  </p:clrMapOvr>
+  <p:timing>
+    <p:tnLst>
+      <p:par>
+        <p:cTn id="1" dur="indefinite" restart="never" nodeType="tmRoot"/>
+      </p:par>
+    </p:tnLst>
+  </p:timing>
+</p:sld>
+</file>
+
+<file path=ppt/slides/slide18.xml><?xml version="1.0" encoding="utf-8"?>
+<p:sld xmlns:a="http://schemas.openxmlformats.org/drawingml/2006/main" xmlns:r="http://schemas.openxmlformats.org/officeDocument/2006/relationships" xmlns:p="http://schemas.openxmlformats.org/presentationml/2006/main">
+  <p:cSld>
+    <p:spTree>
+      <p:nvGrpSpPr>
+        <p:cNvPr id="1" name=""/>
+        <p:cNvGrpSpPr/>
+        <p:nvPr/>
+      </p:nvGrpSpPr>
+      <p:grpSpPr>
+        <a:xfrm>
+          <a:off x="0" y="0"/>
+          <a:ext cx="0" cy="0"/>
+          <a:chOff x="0" y="0"/>
+          <a:chExt cx="0" cy="0"/>
+        </a:xfrm>
+      </p:grpSpPr>
+      <p:sp>
+        <p:nvSpPr>
+          <p:cNvPr id="14338" name="Subtitle 2"/>
+          <p:cNvSpPr txBox="1"/>
+          <p:nvPr/>
+        </p:nvSpPr>
+        <p:spPr bwMode="auto">
+          <a:xfrm>
+            <a:off x="255588" y="6415088"/>
+            <a:ext cx="4143375" cy="246062"/>
+          </a:xfrm>
+          <a:prstGeom prst="rect">
+            <a:avLst/>
+          </a:prstGeom>
+          <a:noFill/>
+          <a:ln w="9525">
+            <a:noFill/>
+            <a:miter lim="800000"/>
+          </a:ln>
+        </p:spPr>
+        <p:txBody>
+          <a:bodyPr/>
+          <a:lstStyle/>
+          <a:p>
+            <a:pPr>
+              <a:spcBef>
+                <a:spcPct val="20000"/>
+              </a:spcBef>
+            </a:pPr>
+            <a:r>
+              <a:rPr lang="ru-RU" sz="800" dirty="0">
+                <a:solidFill>
+                  <a:schemeClr val="bg1"/>
+                </a:solidFill>
+              </a:rPr>
+              <a:t>Высшая школа экономики, Москва, 2018</a:t>
+            </a:r>
+            <a:endParaRPr kumimoji="1" lang="ru-RU" sz="800" dirty="0">
+              <a:solidFill>
+                <a:schemeClr val="bg1"/>
+              </a:solidFill>
+            </a:endParaRPr>
+          </a:p>
+        </p:txBody>
+      </p:sp>
+      <p:sp>
+        <p:nvSpPr>
+          <p:cNvPr id="14339" name="Title 1"/>
+          <p:cNvSpPr txBox="1"/>
+          <p:nvPr/>
+        </p:nvSpPr>
+        <p:spPr bwMode="auto">
+          <a:xfrm>
+            <a:off x="578498" y="428625"/>
+            <a:ext cx="8565501" cy="412750"/>
+          </a:xfrm>
+          <a:prstGeom prst="rect">
+            <a:avLst/>
+          </a:prstGeom>
+          <a:noFill/>
+          <a:ln w="9525">
+            <a:noFill/>
+            <a:miter lim="800000"/>
+          </a:ln>
+        </p:spPr>
+        <p:txBody>
+          <a:bodyPr anchor="ctr"/>
+          <a:lstStyle/>
+          <a:p>
+            <a:pPr algn="ctr"/>
+            <a:r>
+              <a:rPr lang="ru-RU" sz="3200" dirty="0" smtClean="0">
+                <a:latin typeface="SF UI Text" panose="00000400000000000000" pitchFamily="2" charset="0"/>
+              </a:rPr>
+              <a:t>Список использованных источников</a:t>
+            </a:r>
+            <a:endParaRPr lang="en-US" sz="3200" dirty="0">
+              <a:latin typeface="SF UI Text" panose="00000400000000000000" pitchFamily="2" charset="0"/>
+            </a:endParaRPr>
+          </a:p>
+        </p:txBody>
+      </p:sp>
+      <p:sp>
+        <p:nvSpPr>
+          <p:cNvPr id="14343" name="Rectangle 9"/>
+          <p:cNvSpPr>
+            <a:spLocks noChangeArrowheads="1"/>
+          </p:cNvSpPr>
+          <p:nvPr/>
+        </p:nvSpPr>
+        <p:spPr bwMode="auto">
+          <a:xfrm>
+            <a:off x="7300913" y="2255838"/>
+            <a:ext cx="674687" cy="369887"/>
+          </a:xfrm>
+          <a:prstGeom prst="rect">
+            <a:avLst/>
+          </a:prstGeom>
+          <a:noFill/>
+          <a:ln w="9525">
+            <a:noFill/>
+            <a:miter lim="800000"/>
+          </a:ln>
+        </p:spPr>
+        <p:txBody>
+          <a:bodyPr wrap="none">
+            <a:spAutoFit/>
+          </a:bodyPr>
+          <a:lstStyle/>
+          <a:p>
+            <a:r>
+              <a:rPr lang="ru-RU">
+                <a:solidFill>
+                  <a:srgbClr val="FFFFFF"/>
+                </a:solidFill>
+              </a:rPr>
+              <a:t>фото</a:t>
+            </a:r>
+            <a:endParaRPr lang="en-US">
+              <a:solidFill>
+                <a:srgbClr val="FFFFFF"/>
+              </a:solidFill>
+            </a:endParaRPr>
+          </a:p>
+        </p:txBody>
+      </p:sp>
+      <p:sp>
+        <p:nvSpPr>
+          <p:cNvPr id="14345" name="Rectangle 11"/>
+          <p:cNvSpPr>
+            <a:spLocks noChangeArrowheads="1"/>
+          </p:cNvSpPr>
+          <p:nvPr/>
+        </p:nvSpPr>
+        <p:spPr bwMode="auto">
+          <a:xfrm>
+            <a:off x="7300913" y="5591175"/>
+            <a:ext cx="674687" cy="369888"/>
+          </a:xfrm>
+          <a:prstGeom prst="rect">
+            <a:avLst/>
+          </a:prstGeom>
+          <a:noFill/>
+          <a:ln w="9525">
+            <a:noFill/>
+            <a:miter lim="800000"/>
+          </a:ln>
+        </p:spPr>
+        <p:txBody>
+          <a:bodyPr wrap="none">
+            <a:spAutoFit/>
+          </a:bodyPr>
+          <a:lstStyle/>
+          <a:p>
+            <a:r>
+              <a:rPr lang="ru-RU">
+                <a:solidFill>
+                  <a:srgbClr val="FFFFFF"/>
+                </a:solidFill>
+              </a:rPr>
+              <a:t>фото</a:t>
+            </a:r>
+            <a:endParaRPr lang="en-US">
+              <a:solidFill>
+                <a:srgbClr val="FFFFFF"/>
+              </a:solidFill>
+            </a:endParaRPr>
+          </a:p>
+        </p:txBody>
+      </p:sp>
+      <p:sp>
+        <p:nvSpPr>
+          <p:cNvPr id="7" name="Номер слайда 6"/>
+          <p:cNvSpPr>
+            <a:spLocks noGrp="1"/>
+          </p:cNvSpPr>
+          <p:nvPr>
+            <p:ph type="sldNum" sz="quarter" idx="12"/>
+          </p:nvPr>
+        </p:nvSpPr>
+        <p:spPr>
+          <a:xfrm>
+            <a:off x="8451475" y="6356350"/>
+            <a:ext cx="470647" cy="365125"/>
+          </a:xfrm>
+        </p:spPr>
+        <p:txBody>
+          <a:bodyPr/>
+          <a:lstStyle/>
+          <a:p>
+            <a:pPr>
+              <a:defRPr/>
+            </a:pPr>
+            <a:fld id="{CB65F501-F5CC-4E12-934E-78BB5E4DA208}" type="slidenum">
+              <a:rPr lang="en-US" sz="1800" smtClean="0">
+                <a:solidFill>
+                  <a:schemeClr val="tx1"/>
+                </a:solidFill>
+              </a:rPr>
+              <a:t>18</a:t>
+            </a:fld>
+            <a:endParaRPr lang="en-US" sz="1800" dirty="0">
+              <a:solidFill>
+                <a:schemeClr val="tx1"/>
+              </a:solidFill>
+            </a:endParaRPr>
+          </a:p>
+        </p:txBody>
+      </p:sp>
+      <p:sp>
+        <p:nvSpPr>
+          <p:cNvPr id="8" name="Rectangle 12"/>
+          <p:cNvSpPr>
+            <a:spLocks noChangeArrowheads="1"/>
+          </p:cNvSpPr>
+          <p:nvPr/>
+        </p:nvSpPr>
+        <p:spPr bwMode="auto">
+          <a:xfrm>
+            <a:off x="255588" y="1581141"/>
+            <a:ext cx="8666533" cy="500009"/>
+          </a:xfrm>
+          <a:prstGeom prst="rect">
+            <a:avLst/>
+          </a:prstGeom>
+          <a:noFill/>
+          <a:ln w="9525">
+            <a:noFill/>
+            <a:miter lim="800000"/>
+          </a:ln>
+        </p:spPr>
+        <p:txBody>
+          <a:bodyPr wrap="square">
+            <a:spAutoFit/>
+          </a:bodyPr>
+          <a:lstStyle/>
+          <a:p>
+            <a:pPr>
+              <a:lnSpc>
+                <a:spcPct val="150000"/>
+              </a:lnSpc>
+            </a:pPr>
+            <a:r>
+              <a:rPr lang="ru-RU" sz="2000" dirty="0" smtClean="0">
+                <a:latin typeface="SF UI Text" panose="00000400000000000000" pitchFamily="2" charset="0"/>
+              </a:rPr>
+              <a:t>1. Документация </a:t>
+            </a:r>
+            <a:r>
+              <a:rPr lang="en-US" sz="2000" dirty="0" err="1" smtClean="0">
+                <a:latin typeface="SF UI Text" panose="00000400000000000000" pitchFamily="2" charset="0"/>
+              </a:rPr>
+              <a:t>Xamarin</a:t>
+            </a:r>
+            <a:r>
+              <a:rPr lang="en-US" sz="2000" dirty="0" smtClean="0">
+                <a:latin typeface="SF UI Text" panose="00000400000000000000" pitchFamily="2" charset="0"/>
+              </a:rPr>
+              <a:t> - </a:t>
+            </a:r>
+            <a:r>
+              <a:rPr lang="en-US" sz="2000" dirty="0">
+                <a:hlinkClick r:id="rId2"/>
+              </a:rPr>
+              <a:t>https://docs.microsoft.com/ru-ru/xamarin/</a:t>
+            </a:r>
+            <a:r>
+              <a:rPr lang="ru-RU" sz="2000" dirty="0" smtClean="0">
+                <a:latin typeface="SF UI Text" panose="00000400000000000000" pitchFamily="2" charset="0"/>
+              </a:rPr>
+              <a:t> </a:t>
+            </a:r>
+            <a:endParaRPr lang="en-US" sz="2000" dirty="0" smtClean="0">
+              <a:latin typeface="SF UI Text" panose="00000400000000000000" pitchFamily="2" charset="0"/>
+            </a:endParaRPr>
+          </a:p>
+        </p:txBody>
+      </p:sp>
+      <p:sp>
+        <p:nvSpPr>
+          <p:cNvPr id="9" name="Subtitle 2"/>
+          <p:cNvSpPr txBox="1"/>
+          <p:nvPr/>
+        </p:nvSpPr>
+        <p:spPr bwMode="auto">
+          <a:xfrm>
+            <a:off x="407988" y="6567488"/>
+            <a:ext cx="4143375" cy="246062"/>
+          </a:xfrm>
+          <a:prstGeom prst="rect">
+            <a:avLst/>
+          </a:prstGeom>
+          <a:noFill/>
+          <a:ln w="9525">
+            <a:noFill/>
+            <a:miter lim="800000"/>
+          </a:ln>
+        </p:spPr>
+        <p:txBody>
+          <a:bodyPr/>
+          <a:lstStyle/>
+          <a:p>
+            <a:pPr>
+              <a:spcBef>
+                <a:spcPct val="20000"/>
+              </a:spcBef>
+            </a:pPr>
+            <a:r>
+              <a:rPr lang="ru-RU" sz="800" dirty="0"/>
+              <a:t>Высшая школа экономики, Москва, </a:t>
+            </a:r>
+            <a:r>
+              <a:rPr lang="ru-RU" sz="800" dirty="0" smtClean="0"/>
+              <a:t>2019</a:t>
+            </a:r>
+            <a:endParaRPr kumimoji="1" lang="ru-RU" sz="800" dirty="0"/>
+          </a:p>
+        </p:txBody>
+      </p:sp>
+    </p:spTree>
+  </p:cSld>
+  <p:clrMapOvr>
+    <a:masterClrMapping/>
+  </p:clrMapOvr>
+  <p:timing>
+    <p:tnLst>
+      <p:par>
+        <p:cTn id="1" dur="indefinite" restart="never" nodeType="tmRoot"/>
+      </p:par>
+    </p:tnLst>
+  </p:timing>
+</p:sld>
+</file>
+
+<file path=ppt/slides/slide19.xml><?xml version="1.0" encoding="utf-8"?>
+<p:sld xmlns:a="http://schemas.openxmlformats.org/drawingml/2006/main" xmlns:r="http://schemas.openxmlformats.org/officeDocument/2006/relationships" xmlns:p="http://schemas.openxmlformats.org/presentationml/2006/main">
+  <p:cSld>
+    <p:spTree>
+      <p:nvGrpSpPr>
+        <p:cNvPr id="1" name=""/>
+        <p:cNvGrpSpPr/>
+        <p:nvPr/>
+      </p:nvGrpSpPr>
+      <p:grpSpPr>
+        <a:xfrm>
+          <a:off x="0" y="0"/>
+          <a:ext cx="0" cy="0"/>
+          <a:chOff x="0" y="0"/>
+          <a:chExt cx="0" cy="0"/>
+        </a:xfrm>
+      </p:grpSpPr>
+      <p:sp>
+        <p:nvSpPr>
           <p:cNvPr id="16386" name="Subtitle 2"/>
           <p:cNvSpPr>
             <a:spLocks noGrp="1"/>
@@ -6611,7 +7367,7 @@
                   <a:schemeClr val="bg1"/>
                 </a:solidFill>
               </a:rPr>
-              <a:t>14</a:t>
+              <a:t>19</a:t>
             </a:fld>
             <a:endParaRPr lang="en-US" sz="1800" dirty="0">
               <a:solidFill>
@@ -6622,6 +7378,11 @@
         </p:txBody>
       </p:sp>
     </p:spTree>
+    <p:extLst>
+      <p:ext uri="{BB962C8B-B14F-4D97-AF65-F5344CB8AC3E}">
+        <p14:creationId xmlns:p14="http://schemas.microsoft.com/office/powerpoint/2010/main" val="3014374120"/>
+      </p:ext>
+    </p:extLst>
   </p:cSld>
   <p:clrMapOvr>
     <a:masterClrMapping/>
@@ -8568,14 +9329,40 @@
       </p:grpSpPr>
       <p:sp>
         <p:nvSpPr>
-          <p:cNvPr id="14338" name="Subtitle 2"/>
+          <p:cNvPr id="4" name="Номер слайда 3"/>
+          <p:cNvSpPr>
+            <a:spLocks noGrp="1"/>
+          </p:cNvSpPr>
+          <p:nvPr>
+            <p:ph type="sldNum" sz="quarter" idx="12"/>
+          </p:nvPr>
+        </p:nvSpPr>
+        <p:spPr/>
+        <p:txBody>
+          <a:bodyPr/>
+          <a:lstStyle/>
+          <a:p>
+            <a:pPr>
+              <a:defRPr/>
+            </a:pPr>
+            <a:fld id="{CB65F501-F5CC-4E12-934E-78BB5E4DA208}" type="slidenum">
+              <a:rPr lang="en-US" smtClean="0"/>
+              <a:t>6</a:t>
+            </a:fld>
+            <a:endParaRPr lang="en-US"/>
+          </a:p>
+        </p:txBody>
+      </p:sp>
+      <p:sp>
+        <p:nvSpPr>
+          <p:cNvPr id="5" name="Title 1"/>
           <p:cNvSpPr txBox="1"/>
           <p:nvPr/>
         </p:nvSpPr>
         <p:spPr bwMode="auto">
           <a:xfrm>
-            <a:off x="255588" y="6415088"/>
-            <a:ext cx="4143375" cy="246062"/>
+            <a:off x="0" y="701415"/>
+            <a:ext cx="9143999" cy="412750"/>
           </a:xfrm>
           <a:prstGeom prst="rect">
             <a:avLst/>
@@ -8587,58 +9374,6 @@
           </a:ln>
         </p:spPr>
         <p:txBody>
-          <a:bodyPr/>
-          <a:lstStyle/>
-          <a:p>
-            <a:pPr>
-              <a:spcBef>
-                <a:spcPct val="20000"/>
-              </a:spcBef>
-            </a:pPr>
-            <a:r>
-              <a:rPr lang="ru-RU" sz="800" dirty="0">
-                <a:solidFill>
-                  <a:schemeClr val="bg1"/>
-                </a:solidFill>
-              </a:rPr>
-              <a:t>Высшая школа экономики, Москва, 2018</a:t>
-            </a:r>
-          </a:p>
-          <a:p>
-            <a:pPr>
-              <a:spcBef>
-                <a:spcPct val="20000"/>
-              </a:spcBef>
-            </a:pPr>
-            <a:endParaRPr kumimoji="1" lang="ru-RU" sz="800" dirty="0">
-              <a:solidFill>
-                <a:schemeClr val="bg1"/>
-              </a:solidFill>
-            </a:endParaRPr>
-          </a:p>
-        </p:txBody>
-      </p:sp>
-      <p:sp>
-        <p:nvSpPr>
-          <p:cNvPr id="14339" name="Title 1"/>
-          <p:cNvSpPr txBox="1"/>
-          <p:nvPr/>
-        </p:nvSpPr>
-        <p:spPr bwMode="auto">
-          <a:xfrm>
-            <a:off x="1245277" y="428625"/>
-            <a:ext cx="6659984" cy="412750"/>
-          </a:xfrm>
-          <a:prstGeom prst="rect">
-            <a:avLst/>
-          </a:prstGeom>
-          <a:noFill/>
-          <a:ln w="9525">
-            <a:noFill/>
-            <a:miter lim="800000"/>
-          </a:ln>
-        </p:spPr>
-        <p:txBody>
           <a:bodyPr anchor="ctr"/>
           <a:lstStyle/>
           <a:p>
@@ -8647,7 +9382,7 @@
               <a:rPr lang="ru-RU" sz="3200" dirty="0" smtClean="0">
                 <a:latin typeface="SF UI Text" panose="00000400000000000000" pitchFamily="2" charset="0"/>
               </a:rPr>
-              <a:t>Алгоритм работы</a:t>
+              <a:t>Основные результаты работы</a:t>
             </a:r>
             <a:endParaRPr lang="en-US" sz="3200" dirty="0">
               <a:latin typeface="SF UI Text" panose="00000400000000000000" pitchFamily="2" charset="0"/>
@@ -8655,444 +9390,12 @@
           </a:p>
         </p:txBody>
       </p:sp>
-      <p:sp>
-        <p:nvSpPr>
-          <p:cNvPr id="14343" name="Rectangle 9"/>
-          <p:cNvSpPr>
-            <a:spLocks noChangeArrowheads="1"/>
-          </p:cNvSpPr>
-          <p:nvPr/>
-        </p:nvSpPr>
-        <p:spPr bwMode="auto">
-          <a:xfrm>
-            <a:off x="7300913" y="2255838"/>
-            <a:ext cx="674687" cy="369887"/>
-          </a:xfrm>
-          <a:prstGeom prst="rect">
-            <a:avLst/>
-          </a:prstGeom>
-          <a:noFill/>
-          <a:ln w="9525">
-            <a:noFill/>
-            <a:miter lim="800000"/>
-          </a:ln>
-        </p:spPr>
-        <p:txBody>
-          <a:bodyPr wrap="none">
-            <a:spAutoFit/>
-          </a:bodyPr>
-          <a:lstStyle/>
-          <a:p>
-            <a:r>
-              <a:rPr lang="ru-RU">
-                <a:solidFill>
-                  <a:srgbClr val="FFFFFF"/>
-                </a:solidFill>
-              </a:rPr>
-              <a:t>фото</a:t>
-            </a:r>
-            <a:endParaRPr lang="en-US">
-              <a:solidFill>
-                <a:srgbClr val="FFFFFF"/>
-              </a:solidFill>
-            </a:endParaRPr>
-          </a:p>
-        </p:txBody>
-      </p:sp>
-      <p:sp>
-        <p:nvSpPr>
-          <p:cNvPr id="14344" name="Rectangle 10"/>
-          <p:cNvSpPr>
-            <a:spLocks noChangeArrowheads="1"/>
-          </p:cNvSpPr>
-          <p:nvPr/>
-        </p:nvSpPr>
-        <p:spPr bwMode="auto">
-          <a:xfrm>
-            <a:off x="7300913" y="3967163"/>
-            <a:ext cx="674687" cy="368300"/>
-          </a:xfrm>
-          <a:prstGeom prst="rect">
-            <a:avLst/>
-          </a:prstGeom>
-          <a:noFill/>
-          <a:ln w="9525">
-            <a:noFill/>
-            <a:miter lim="800000"/>
-          </a:ln>
-        </p:spPr>
-        <p:txBody>
-          <a:bodyPr wrap="none">
-            <a:spAutoFit/>
-          </a:bodyPr>
-          <a:lstStyle/>
-          <a:p>
-            <a:r>
-              <a:rPr lang="ru-RU">
-                <a:solidFill>
-                  <a:srgbClr val="FFFFFF"/>
-                </a:solidFill>
-              </a:rPr>
-              <a:t>фото</a:t>
-            </a:r>
-            <a:endParaRPr lang="en-US">
-              <a:solidFill>
-                <a:srgbClr val="FFFFFF"/>
-              </a:solidFill>
-            </a:endParaRPr>
-          </a:p>
-        </p:txBody>
-      </p:sp>
-      <p:sp>
-        <p:nvSpPr>
-          <p:cNvPr id="14345" name="Rectangle 11"/>
-          <p:cNvSpPr>
-            <a:spLocks noChangeArrowheads="1"/>
-          </p:cNvSpPr>
-          <p:nvPr/>
-        </p:nvSpPr>
-        <p:spPr bwMode="auto">
-          <a:xfrm>
-            <a:off x="7300913" y="5591175"/>
-            <a:ext cx="674687" cy="369888"/>
-          </a:xfrm>
-          <a:prstGeom prst="rect">
-            <a:avLst/>
-          </a:prstGeom>
-          <a:noFill/>
-          <a:ln w="9525">
-            <a:noFill/>
-            <a:miter lim="800000"/>
-          </a:ln>
-        </p:spPr>
-        <p:txBody>
-          <a:bodyPr wrap="none">
-            <a:spAutoFit/>
-          </a:bodyPr>
-          <a:lstStyle/>
-          <a:p>
-            <a:r>
-              <a:rPr lang="ru-RU">
-                <a:solidFill>
-                  <a:srgbClr val="FFFFFF"/>
-                </a:solidFill>
-              </a:rPr>
-              <a:t>фото</a:t>
-            </a:r>
-            <a:endParaRPr lang="en-US">
-              <a:solidFill>
-                <a:srgbClr val="FFFFFF"/>
-              </a:solidFill>
-            </a:endParaRPr>
-          </a:p>
-        </p:txBody>
-      </p:sp>
-      <p:sp>
-        <p:nvSpPr>
-          <p:cNvPr id="14346" name="Rectangle 12"/>
-          <p:cNvSpPr>
-            <a:spLocks noChangeArrowheads="1"/>
-          </p:cNvSpPr>
-          <p:nvPr/>
-        </p:nvSpPr>
-        <p:spPr bwMode="auto">
-          <a:xfrm>
-            <a:off x="255588" y="2117681"/>
-            <a:ext cx="8639362" cy="3477875"/>
-          </a:xfrm>
-          <a:prstGeom prst="rect">
-            <a:avLst/>
-          </a:prstGeom>
-          <a:noFill/>
-          <a:ln w="9525">
-            <a:noFill/>
-            <a:miter lim="800000"/>
-          </a:ln>
-        </p:spPr>
-        <p:txBody>
-          <a:bodyPr wrap="square">
-            <a:spAutoFit/>
-          </a:bodyPr>
-          <a:lstStyle/>
-          <a:p>
-            <a:pPr marL="342900" indent="-342900">
-              <a:buAutoNum type="arabicParenR"/>
-            </a:pPr>
-            <a:r>
-              <a:rPr lang="ru-RU" sz="2000" dirty="0" smtClean="0">
-                <a:latin typeface="SF UI Text" panose="00000400000000000000" pitchFamily="2" charset="0"/>
-              </a:rPr>
-              <a:t>Раз в час сервер </a:t>
-            </a:r>
-            <a:r>
-              <a:rPr lang="en-US" sz="2000" dirty="0" err="1" smtClean="0">
-                <a:latin typeface="SF UI Text" panose="00000400000000000000" pitchFamily="2" charset="0"/>
-              </a:rPr>
-              <a:t>Shakura.dev</a:t>
-            </a:r>
-            <a:r>
-              <a:rPr lang="en-US" sz="2000" dirty="0" smtClean="0">
-                <a:latin typeface="SF UI Text" panose="00000400000000000000" pitchFamily="2" charset="0"/>
-              </a:rPr>
-              <a:t> </a:t>
-            </a:r>
-            <a:r>
-              <a:rPr lang="ru-RU" sz="2000" dirty="0" smtClean="0">
-                <a:latin typeface="SF UI Text" panose="00000400000000000000" pitchFamily="2" charset="0"/>
-              </a:rPr>
-              <a:t>делает </a:t>
-            </a:r>
-            <a:r>
-              <a:rPr lang="en-US" sz="2000" dirty="0" smtClean="0">
-                <a:latin typeface="SF UI Text" panose="00000400000000000000" pitchFamily="2" charset="0"/>
-              </a:rPr>
-              <a:t>GET</a:t>
-            </a:r>
-            <a:r>
-              <a:rPr lang="ru-RU" sz="2000" dirty="0" smtClean="0">
-                <a:latin typeface="SF UI Text" panose="00000400000000000000" pitchFamily="2" charset="0"/>
-              </a:rPr>
-              <a:t>-запрос к </a:t>
-            </a:r>
-            <a:r>
-              <a:rPr lang="ru-RU" sz="2000" dirty="0" err="1" smtClean="0">
-                <a:latin typeface="SF UI Text" panose="00000400000000000000" pitchFamily="2" charset="0"/>
-              </a:rPr>
-              <a:t>сайтаи</a:t>
-            </a:r>
-            <a:r>
-              <a:rPr lang="ru-RU" sz="2000" dirty="0" smtClean="0">
-                <a:latin typeface="SF UI Text" panose="00000400000000000000" pitchFamily="2" charset="0"/>
-              </a:rPr>
-              <a:t> </a:t>
-            </a:r>
-            <a:r>
-              <a:rPr lang="en-US" sz="2000" dirty="0">
-                <a:latin typeface="SF UI Text" panose="00000400000000000000" pitchFamily="2" charset="0"/>
-                <a:hlinkClick r:id="rId2"/>
-              </a:rPr>
-              <a:t>https://www.hse.ru/news/announcements</a:t>
-            </a:r>
-            <a:r>
-              <a:rPr lang="en-US" sz="2000" dirty="0" smtClean="0">
-                <a:latin typeface="SF UI Text" panose="00000400000000000000" pitchFamily="2" charset="0"/>
-                <a:hlinkClick r:id="rId2"/>
-              </a:rPr>
-              <a:t>/</a:t>
-            </a:r>
-            <a:r>
-              <a:rPr lang="ru-RU" sz="2000" dirty="0" smtClean="0">
-                <a:latin typeface="SF UI Text" panose="00000400000000000000" pitchFamily="2" charset="0"/>
-              </a:rPr>
-              <a:t> и </a:t>
-            </a:r>
-            <a:r>
-              <a:rPr lang="en-US" sz="2000" dirty="0">
-                <a:latin typeface="SF UI Text" panose="00000400000000000000" pitchFamily="2" charset="0"/>
-                <a:hlinkClick r:id="rId3"/>
-              </a:rPr>
-              <a:t>https://www.hse.ru/en/news/announcements</a:t>
-            </a:r>
-            <a:r>
-              <a:rPr lang="en-US" sz="2000" dirty="0" smtClean="0">
-                <a:latin typeface="SF UI Text" panose="00000400000000000000" pitchFamily="2" charset="0"/>
-                <a:hlinkClick r:id="rId3"/>
-              </a:rPr>
-              <a:t>/</a:t>
-            </a:r>
-            <a:r>
-              <a:rPr lang="ru-RU" sz="2000" dirty="0" smtClean="0">
-                <a:latin typeface="SF UI Text" panose="00000400000000000000" pitchFamily="2" charset="0"/>
-              </a:rPr>
-              <a:t> и </a:t>
-            </a:r>
-            <a:r>
-              <a:rPr lang="ru-RU" sz="2000" dirty="0" err="1" smtClean="0">
-                <a:latin typeface="SF UI Text" panose="00000400000000000000" pitchFamily="2" charset="0"/>
-              </a:rPr>
-              <a:t>парсит</a:t>
-            </a:r>
-            <a:r>
-              <a:rPr lang="ru-RU" sz="2000" dirty="0" smtClean="0">
-                <a:latin typeface="SF UI Text" panose="00000400000000000000" pitchFamily="2" charset="0"/>
-              </a:rPr>
-              <a:t> </a:t>
-            </a:r>
-            <a:r>
-              <a:rPr lang="en-US" sz="2000" dirty="0" smtClean="0">
-                <a:latin typeface="SF UI Text" panose="00000400000000000000" pitchFamily="2" charset="0"/>
-              </a:rPr>
-              <a:t>html </a:t>
-            </a:r>
-            <a:r>
-              <a:rPr lang="ru-RU" sz="2000" dirty="0" smtClean="0">
-                <a:latin typeface="SF UI Text" panose="00000400000000000000" pitchFamily="2" charset="0"/>
-              </a:rPr>
-              <a:t>страницы в данные о мероприятиях.</a:t>
-            </a:r>
-          </a:p>
-          <a:p>
-            <a:pPr marL="342900" indent="-342900">
-              <a:buAutoNum type="arabicParenR"/>
-            </a:pPr>
-            <a:endParaRPr lang="ru-RU" sz="2000" dirty="0" smtClean="0">
-              <a:latin typeface="SF UI Text" panose="00000400000000000000" pitchFamily="2" charset="0"/>
-            </a:endParaRPr>
-          </a:p>
-          <a:p>
-            <a:pPr marL="342900" indent="-342900">
-              <a:buAutoNum type="arabicParenR"/>
-            </a:pPr>
-            <a:r>
-              <a:rPr lang="ru-RU" sz="2000" dirty="0" smtClean="0">
-                <a:latin typeface="SF UI Text" panose="00000400000000000000" pitchFamily="2" charset="0"/>
-              </a:rPr>
-              <a:t>При запуске, клиент-приложение делает запрос к сайтам </a:t>
-            </a:r>
-            <a:r>
-              <a:rPr lang="en-US" sz="2000" dirty="0">
-                <a:latin typeface="SF UI Text" panose="00000400000000000000" pitchFamily="2" charset="0"/>
-                <a:hlinkClick r:id="rId4"/>
-              </a:rPr>
-              <a:t>https://</a:t>
-            </a:r>
-            <a:r>
-              <a:rPr lang="en-US" sz="2000" dirty="0" smtClean="0">
-                <a:latin typeface="SF UI Text" panose="00000400000000000000" pitchFamily="2" charset="0"/>
-                <a:hlinkClick r:id="rId4"/>
-              </a:rPr>
-              <a:t>shakura.dev/hseapi</a:t>
-            </a:r>
-            <a:r>
-              <a:rPr lang="ru-RU" sz="2000" dirty="0" smtClean="0">
-                <a:latin typeface="SF UI Text" panose="00000400000000000000" pitchFamily="2" charset="0"/>
-              </a:rPr>
-              <a:t> и </a:t>
-            </a:r>
-            <a:r>
-              <a:rPr lang="en-US" sz="2000" dirty="0">
-                <a:latin typeface="SF UI Text" panose="00000400000000000000" pitchFamily="2" charset="0"/>
-                <a:hlinkClick r:id="rId5"/>
-              </a:rPr>
-              <a:t>https://</a:t>
-            </a:r>
-            <a:r>
-              <a:rPr lang="en-US" sz="2000" dirty="0" smtClean="0">
-                <a:latin typeface="SF UI Text" panose="00000400000000000000" pitchFamily="2" charset="0"/>
-                <a:hlinkClick r:id="rId5"/>
-              </a:rPr>
-              <a:t>shakura.dev/hseapien</a:t>
-            </a:r>
-            <a:r>
-              <a:rPr lang="en-US" sz="2000" dirty="0" smtClean="0">
-                <a:latin typeface="SF UI Text" panose="00000400000000000000" pitchFamily="2" charset="0"/>
-              </a:rPr>
-              <a:t> </a:t>
-            </a:r>
-            <a:r>
-              <a:rPr lang="ru-RU" sz="2000" dirty="0" smtClean="0">
-                <a:latin typeface="SF UI Text" panose="00000400000000000000" pitchFamily="2" charset="0"/>
-              </a:rPr>
-              <a:t>и получает данные о мероприятиях и выводит их  на экран.</a:t>
-            </a:r>
-          </a:p>
-          <a:p>
-            <a:pPr marL="342900" indent="-342900">
-              <a:buAutoNum type="arabicParenR"/>
-            </a:pPr>
-            <a:endParaRPr lang="ru-RU" sz="2000" dirty="0">
-              <a:latin typeface="SF UI Text" panose="00000400000000000000" pitchFamily="2" charset="0"/>
-            </a:endParaRPr>
-          </a:p>
-          <a:p>
-            <a:pPr marL="342900" indent="-342900">
-              <a:buAutoNum type="arabicParenR"/>
-            </a:pPr>
-            <a:r>
-              <a:rPr lang="ru-RU" sz="2000" dirty="0" smtClean="0">
-                <a:latin typeface="SF UI Text" panose="00000400000000000000" pitchFamily="2" charset="0"/>
-              </a:rPr>
-              <a:t>Все изменения клиент-приложение сохраняет в память и применяет при следующем запуске.</a:t>
-            </a:r>
-          </a:p>
-        </p:txBody>
-      </p:sp>
-      <p:sp>
-        <p:nvSpPr>
-          <p:cNvPr id="11" name="Номер слайда 10"/>
-          <p:cNvSpPr>
-            <a:spLocks noGrp="1"/>
-          </p:cNvSpPr>
-          <p:nvPr>
-            <p:ph type="sldNum" sz="quarter" idx="12"/>
-          </p:nvPr>
-        </p:nvSpPr>
-        <p:spPr/>
-        <p:txBody>
-          <a:bodyPr vert="horz" wrap="square" lIns="91440" tIns="45720" rIns="91440" bIns="45720" numCol="1" anchor="ctr" anchorCtr="0" compatLnSpc="1"/>
-          <a:lstStyle/>
-          <a:p>
-            <a:pPr>
-              <a:defRPr/>
-            </a:pPr>
-            <a:fld id="{CB65F501-F5CC-4E12-934E-78BB5E4DA208}" type="slidenum">
-              <a:rPr lang="en-US" sz="1800" smtClean="0">
-                <a:solidFill>
-                  <a:schemeClr val="tx1"/>
-                </a:solidFill>
-              </a:rPr>
-              <a:t>6</a:t>
-            </a:fld>
-            <a:endParaRPr lang="en-US" sz="1800" dirty="0">
-              <a:solidFill>
-                <a:schemeClr val="tx1"/>
-              </a:solidFill>
-            </a:endParaRPr>
-          </a:p>
-        </p:txBody>
-      </p:sp>
-      <p:sp>
-        <p:nvSpPr>
-          <p:cNvPr id="9" name="Subtitle 2"/>
-          <p:cNvSpPr txBox="1"/>
-          <p:nvPr/>
-        </p:nvSpPr>
-        <p:spPr bwMode="auto">
-          <a:xfrm>
-            <a:off x="407988" y="6567488"/>
-            <a:ext cx="4143375" cy="246062"/>
-          </a:xfrm>
-          <a:prstGeom prst="rect">
-            <a:avLst/>
-          </a:prstGeom>
-          <a:noFill/>
-          <a:ln w="9525">
-            <a:noFill/>
-            <a:miter lim="800000"/>
-          </a:ln>
-        </p:spPr>
-        <p:txBody>
-          <a:bodyPr/>
-          <a:lstStyle/>
-          <a:p>
-            <a:pPr>
-              <a:spcBef>
-                <a:spcPct val="20000"/>
-              </a:spcBef>
-            </a:pPr>
-            <a:r>
-              <a:rPr lang="ru-RU" sz="800" dirty="0"/>
-              <a:t>Высшая школа экономики, Москва, </a:t>
-            </a:r>
-            <a:r>
-              <a:rPr lang="ru-RU" sz="800" dirty="0" smtClean="0"/>
-              <a:t>2019</a:t>
-            </a:r>
-            <a:endParaRPr kumimoji="1" lang="ru-RU" sz="800" dirty="0"/>
-          </a:p>
-        </p:txBody>
-      </p:sp>
     </p:spTree>
+    <p:extLst>
+      <p:ext uri="{BB962C8B-B14F-4D97-AF65-F5344CB8AC3E}">
+        <p14:creationId xmlns:p14="http://schemas.microsoft.com/office/powerpoint/2010/main" val="3391859063"/>
+      </p:ext>
+    </p:extLst>
   </p:cSld>
   <p:clrMapOvr>
     <a:masterClrMapping/>
@@ -9161,6 +9464,13 @@
               </a:rPr>
               <a:t>Высшая школа экономики, Москва, 2018</a:t>
             </a:r>
+          </a:p>
+          <a:p>
+            <a:pPr>
+              <a:spcBef>
+                <a:spcPct val="20000"/>
+              </a:spcBef>
+            </a:pPr>
             <a:endParaRPr kumimoji="1" lang="ru-RU" sz="800" dirty="0">
               <a:solidFill>
                 <a:schemeClr val="bg1"/>
@@ -9177,8 +9487,8 @@
         </p:nvSpPr>
         <p:spPr bwMode="auto">
           <a:xfrm>
-            <a:off x="255589" y="428625"/>
-            <a:ext cx="8606024" cy="412750"/>
+            <a:off x="1245277" y="428625"/>
+            <a:ext cx="6659984" cy="412750"/>
           </a:xfrm>
           <a:prstGeom prst="rect">
             <a:avLst/>
@@ -9198,7 +9508,7 @@
               <a:rPr lang="ru-RU" sz="3200" dirty="0" smtClean="0">
                 <a:latin typeface="SF UI Text" panose="00000400000000000000" pitchFamily="2" charset="0"/>
               </a:rPr>
-              <a:t>Функции приложения</a:t>
+              <a:t>Алгоритм работы</a:t>
             </a:r>
             <a:endParaRPr lang="en-US" sz="3200" dirty="0">
               <a:latin typeface="SF UI Text" panose="00000400000000000000" pitchFamily="2" charset="0"/>
@@ -9252,7 +9562,7 @@
       </p:sp>
       <p:sp>
         <p:nvSpPr>
-          <p:cNvPr id="14345" name="Rectangle 11"/>
+          <p:cNvPr id="14344" name="Rectangle 10"/>
           <p:cNvSpPr>
             <a:spLocks noChangeArrowheads="1"/>
           </p:cNvSpPr>
@@ -9260,8 +9570,8 @@
         </p:nvSpPr>
         <p:spPr bwMode="auto">
           <a:xfrm>
-            <a:off x="7300913" y="5591175"/>
-            <a:ext cx="674687" cy="369888"/>
+            <a:off x="7300913" y="3967163"/>
+            <a:ext cx="674687" cy="368300"/>
           </a:xfrm>
           <a:prstGeom prst="rect">
             <a:avLst/>
@@ -9296,7 +9606,7 @@
       </p:sp>
       <p:sp>
         <p:nvSpPr>
-          <p:cNvPr id="14346" name="Rectangle 12"/>
+          <p:cNvPr id="14345" name="Rectangle 11"/>
           <p:cNvSpPr>
             <a:spLocks noChangeArrowheads="1"/>
           </p:cNvSpPr>
@@ -9304,8 +9614,8 @@
         </p:nvSpPr>
         <p:spPr bwMode="auto">
           <a:xfrm>
-            <a:off x="368554" y="1884668"/>
-            <a:ext cx="8493059" cy="3970318"/>
+            <a:off x="7300913" y="5591175"/>
+            <a:ext cx="674687" cy="369888"/>
           </a:xfrm>
           <a:prstGeom prst="rect">
             <a:avLst/>
@@ -9317,89 +9627,253 @@
           </a:ln>
         </p:spPr>
         <p:txBody>
+          <a:bodyPr wrap="none">
+            <a:spAutoFit/>
+          </a:bodyPr>
+          <a:lstStyle/>
+          <a:p>
+            <a:r>
+              <a:rPr lang="ru-RU">
+                <a:solidFill>
+                  <a:srgbClr val="FFFFFF"/>
+                </a:solidFill>
+              </a:rPr>
+              <a:t>фото</a:t>
+            </a:r>
+            <a:endParaRPr lang="en-US">
+              <a:solidFill>
+                <a:srgbClr val="FFFFFF"/>
+              </a:solidFill>
+            </a:endParaRPr>
+          </a:p>
+        </p:txBody>
+      </p:sp>
+      <p:sp>
+        <p:nvSpPr>
+          <p:cNvPr id="14346" name="Rectangle 12"/>
+          <p:cNvSpPr>
+            <a:spLocks noChangeArrowheads="1"/>
+          </p:cNvSpPr>
+          <p:nvPr/>
+        </p:nvSpPr>
+        <p:spPr bwMode="auto">
+          <a:xfrm>
+            <a:off x="255588" y="2117681"/>
+            <a:ext cx="8639362" cy="3477875"/>
+          </a:xfrm>
+          <a:prstGeom prst="rect">
+            <a:avLst/>
+          </a:prstGeom>
+          <a:noFill/>
+          <a:ln w="9525">
+            <a:noFill/>
+            <a:miter lim="800000"/>
+          </a:ln>
+        </p:spPr>
+        <p:txBody>
           <a:bodyPr wrap="square">
             <a:spAutoFit/>
           </a:bodyPr>
           <a:lstStyle/>
           <a:p>
-            <a:pPr>
-              <a:lnSpc>
-                <a:spcPct val="150000"/>
-              </a:lnSpc>
-            </a:pPr>
-            <a:r>
-              <a:rPr lang="ru-RU" sz="2800" dirty="0" smtClean="0">
+            <a:pPr marL="342900" indent="-342900">
+              <a:buAutoNum type="arabicParenR"/>
+            </a:pPr>
+            <a:r>
+              <a:rPr lang="ru-RU" sz="2000" dirty="0" smtClean="0">
                 <a:latin typeface="SF UI Text" panose="00000400000000000000" pitchFamily="2" charset="0"/>
               </a:rPr>
-              <a:t>Вывод списка мероприятий</a:t>
-            </a:r>
-          </a:p>
-          <a:p>
-            <a:pPr>
-              <a:lnSpc>
-                <a:spcPct val="150000"/>
-              </a:lnSpc>
-            </a:pPr>
-            <a:r>
-              <a:rPr lang="ru-RU" sz="2800" dirty="0" smtClean="0">
+              <a:t>Раз в час сервер </a:t>
+            </a:r>
+            <a:r>
+              <a:rPr lang="en-US" sz="2000" dirty="0" err="1" smtClean="0">
                 <a:latin typeface="SF UI Text" panose="00000400000000000000" pitchFamily="2" charset="0"/>
               </a:rPr>
-              <a:t>Добавление мероприятий в избранное</a:t>
-            </a:r>
-          </a:p>
-          <a:p>
-            <a:pPr>
-              <a:lnSpc>
-                <a:spcPct val="150000"/>
-              </a:lnSpc>
-            </a:pPr>
-            <a:r>
-              <a:rPr lang="ru-RU" sz="2800" dirty="0" smtClean="0">
+              <a:t>Shakura.dev</a:t>
+            </a:r>
+            <a:r>
+              <a:rPr lang="en-US" sz="2000" dirty="0" smtClean="0">
                 <a:latin typeface="SF UI Text" panose="00000400000000000000" pitchFamily="2" charset="0"/>
               </a:rPr>
-              <a:t>Вывод списка избранных мероприятий</a:t>
-            </a:r>
-            <a:endParaRPr lang="ru-RU" sz="2800" dirty="0">
+              <a:t> </a:t>
+            </a:r>
+            <a:r>
+              <a:rPr lang="ru-RU" sz="2000" dirty="0" smtClean="0">
+                <a:latin typeface="SF UI Text" panose="00000400000000000000" pitchFamily="2" charset="0"/>
+              </a:rPr>
+              <a:t>делает </a:t>
+            </a:r>
+            <a:r>
+              <a:rPr lang="en-US" sz="2000" dirty="0" smtClean="0">
+                <a:latin typeface="SF UI Text" panose="00000400000000000000" pitchFamily="2" charset="0"/>
+              </a:rPr>
+              <a:t>GET</a:t>
+            </a:r>
+            <a:r>
+              <a:rPr lang="ru-RU" sz="2000" dirty="0" smtClean="0">
+                <a:latin typeface="SF UI Text" panose="00000400000000000000" pitchFamily="2" charset="0"/>
+              </a:rPr>
+              <a:t>-запрос к </a:t>
+            </a:r>
+            <a:r>
+              <a:rPr lang="ru-RU" sz="2000" dirty="0" err="1" smtClean="0">
+                <a:latin typeface="SF UI Text" panose="00000400000000000000" pitchFamily="2" charset="0"/>
+              </a:rPr>
+              <a:t>сайтаи</a:t>
+            </a:r>
+            <a:r>
+              <a:rPr lang="ru-RU" sz="2000" dirty="0" smtClean="0">
+                <a:latin typeface="SF UI Text" panose="00000400000000000000" pitchFamily="2" charset="0"/>
+              </a:rPr>
+              <a:t> </a:t>
+            </a:r>
+            <a:r>
+              <a:rPr lang="en-US" sz="2000" dirty="0">
+                <a:latin typeface="SF UI Text" panose="00000400000000000000" pitchFamily="2" charset="0"/>
+                <a:hlinkClick r:id="rId2"/>
+              </a:rPr>
+              <a:t>https://www.hse.ru/news/announcements</a:t>
+            </a:r>
+            <a:r>
+              <a:rPr lang="en-US" sz="2000" dirty="0" smtClean="0">
+                <a:latin typeface="SF UI Text" panose="00000400000000000000" pitchFamily="2" charset="0"/>
+                <a:hlinkClick r:id="rId2"/>
+              </a:rPr>
+              <a:t>/</a:t>
+            </a:r>
+            <a:r>
+              <a:rPr lang="ru-RU" sz="2000" dirty="0" smtClean="0">
+                <a:latin typeface="SF UI Text" panose="00000400000000000000" pitchFamily="2" charset="0"/>
+              </a:rPr>
+              <a:t> и </a:t>
+            </a:r>
+            <a:r>
+              <a:rPr lang="en-US" sz="2000" dirty="0">
+                <a:latin typeface="SF UI Text" panose="00000400000000000000" pitchFamily="2" charset="0"/>
+                <a:hlinkClick r:id="rId3"/>
+              </a:rPr>
+              <a:t>https://www.hse.ru/en/news/announcements</a:t>
+            </a:r>
+            <a:r>
+              <a:rPr lang="en-US" sz="2000" dirty="0" smtClean="0">
+                <a:latin typeface="SF UI Text" panose="00000400000000000000" pitchFamily="2" charset="0"/>
+                <a:hlinkClick r:id="rId3"/>
+              </a:rPr>
+              <a:t>/</a:t>
+            </a:r>
+            <a:r>
+              <a:rPr lang="ru-RU" sz="2000" dirty="0" smtClean="0">
+                <a:latin typeface="SF UI Text" panose="00000400000000000000" pitchFamily="2" charset="0"/>
+              </a:rPr>
+              <a:t> и </a:t>
+            </a:r>
+            <a:r>
+              <a:rPr lang="ru-RU" sz="2000" dirty="0" err="1" smtClean="0">
+                <a:latin typeface="SF UI Text" panose="00000400000000000000" pitchFamily="2" charset="0"/>
+              </a:rPr>
+              <a:t>парсит</a:t>
+            </a:r>
+            <a:r>
+              <a:rPr lang="ru-RU" sz="2000" dirty="0" smtClean="0">
+                <a:latin typeface="SF UI Text" panose="00000400000000000000" pitchFamily="2" charset="0"/>
+              </a:rPr>
+              <a:t> </a:t>
+            </a:r>
+            <a:r>
+              <a:rPr lang="en-US" sz="2000" dirty="0" smtClean="0">
+                <a:latin typeface="SF UI Text" panose="00000400000000000000" pitchFamily="2" charset="0"/>
+              </a:rPr>
+              <a:t>html </a:t>
+            </a:r>
+            <a:r>
+              <a:rPr lang="ru-RU" sz="2000" dirty="0" smtClean="0">
+                <a:latin typeface="SF UI Text" panose="00000400000000000000" pitchFamily="2" charset="0"/>
+              </a:rPr>
+              <a:t>страницы в данные о мероприятиях.</a:t>
+            </a:r>
+          </a:p>
+          <a:p>
+            <a:pPr marL="342900" indent="-342900">
+              <a:buAutoNum type="arabicParenR"/>
+            </a:pPr>
+            <a:endParaRPr lang="ru-RU" sz="2000" dirty="0" smtClean="0">
               <a:latin typeface="SF UI Text" panose="00000400000000000000" pitchFamily="2" charset="0"/>
             </a:endParaRPr>
           </a:p>
           <a:p>
-            <a:pPr>
-              <a:lnSpc>
-                <a:spcPct val="150000"/>
-              </a:lnSpc>
-            </a:pPr>
-            <a:r>
-              <a:rPr lang="ru-RU" sz="2800" dirty="0" smtClean="0">
+            <a:pPr marL="342900" indent="-342900">
+              <a:buAutoNum type="arabicParenR"/>
+            </a:pPr>
+            <a:r>
+              <a:rPr lang="ru-RU" sz="2000" dirty="0" smtClean="0">
                 <a:latin typeface="SF UI Text" panose="00000400000000000000" pitchFamily="2" charset="0"/>
               </a:rPr>
-              <a:t>Поиск по спискам мероприятий</a:t>
-            </a:r>
-          </a:p>
-          <a:p>
-            <a:pPr>
-              <a:lnSpc>
-                <a:spcPct val="150000"/>
-              </a:lnSpc>
-            </a:pPr>
-            <a:r>
-              <a:rPr lang="ru-RU" sz="2800" dirty="0" smtClean="0">
+              <a:t>При запуске, клиент-приложение делает запрос к сайтам </a:t>
+            </a:r>
+            <a:r>
+              <a:rPr lang="en-US" sz="2000" dirty="0">
                 <a:latin typeface="SF UI Text" panose="00000400000000000000" pitchFamily="2" charset="0"/>
-              </a:rPr>
-              <a:t>Изменение языка мероприятий</a:t>
-            </a:r>
-          </a:p>
-          <a:p>
-            <a:pPr>
-              <a:lnSpc>
-                <a:spcPct val="150000"/>
-              </a:lnSpc>
-            </a:pPr>
-            <a:r>
-              <a:rPr lang="ru-RU" sz="2800" dirty="0" smtClean="0">
+                <a:hlinkClick r:id="rId4"/>
+              </a:rPr>
+              <a:t>https://</a:t>
+            </a:r>
+            <a:r>
+              <a:rPr lang="en-US" sz="2000" dirty="0" smtClean="0">
                 <a:latin typeface="SF UI Text" panose="00000400000000000000" pitchFamily="2" charset="0"/>
-              </a:rPr>
-              <a:t>Изменение цветовой темы приложения</a:t>
+                <a:hlinkClick r:id="rId4"/>
+              </a:rPr>
+              <a:t>shakura.dev/hseapi</a:t>
+            </a:r>
+            <a:r>
+              <a:rPr lang="ru-RU" sz="2000" dirty="0" smtClean="0">
+                <a:latin typeface="SF UI Text" panose="00000400000000000000" pitchFamily="2" charset="0"/>
+              </a:rPr>
+              <a:t> и </a:t>
+            </a:r>
+            <a:r>
+              <a:rPr lang="en-US" sz="2000" dirty="0">
+                <a:latin typeface="SF UI Text" panose="00000400000000000000" pitchFamily="2" charset="0"/>
+                <a:hlinkClick r:id="rId5"/>
+              </a:rPr>
+              <a:t>https://</a:t>
+            </a:r>
+            <a:r>
+              <a:rPr lang="en-US" sz="2000" dirty="0" smtClean="0">
+                <a:latin typeface="SF UI Text" panose="00000400000000000000" pitchFamily="2" charset="0"/>
+                <a:hlinkClick r:id="rId5"/>
+              </a:rPr>
+              <a:t>shakura.dev/hseapien</a:t>
+            </a:r>
+            <a:r>
+              <a:rPr lang="en-US" sz="2000" dirty="0" smtClean="0">
+                <a:latin typeface="SF UI Text" panose="00000400000000000000" pitchFamily="2" charset="0"/>
+              </a:rPr>
+              <a:t> </a:t>
+            </a:r>
+            <a:r>
+              <a:rPr lang="ru-RU" sz="2000" dirty="0" smtClean="0">
+                <a:latin typeface="SF UI Text" panose="00000400000000000000" pitchFamily="2" charset="0"/>
+              </a:rPr>
+              <a:t>и получает данные о мероприятиях и выводит их  на экран.</a:t>
+            </a:r>
+          </a:p>
+          <a:p>
+            <a:pPr marL="342900" indent="-342900">
+              <a:buAutoNum type="arabicParenR"/>
+            </a:pPr>
+            <a:endParaRPr lang="ru-RU" sz="2000" dirty="0">
+              <a:latin typeface="SF UI Text" panose="00000400000000000000" pitchFamily="2" charset="0"/>
+            </a:endParaRPr>
+          </a:p>
+          <a:p>
+            <a:pPr marL="342900" indent="-342900">
+              <a:buAutoNum type="arabicParenR"/>
+            </a:pPr>
+            <a:r>
+              <a:rPr lang="ru-RU" sz="2000" dirty="0" smtClean="0">
+                <a:latin typeface="SF UI Text" panose="00000400000000000000" pitchFamily="2" charset="0"/>
+              </a:rPr>
+              <a:t>Все изменения клиент-приложение сохраняет в память и применяет при следующем запуске.</a:t>
             </a:r>
           </a:p>
         </p:txBody>
@@ -9430,7 +9904,7 @@
               </a:rPr>
               <a:t>7</a:t>
             </a:fld>
-            <a:endParaRPr lang="en-US" sz="1800">
+            <a:endParaRPr lang="en-US" sz="1800" dirty="0">
               <a:solidFill>
                 <a:schemeClr val="tx1"/>
               </a:solidFill>
@@ -9440,7 +9914,7 @@
       </p:sp>
       <p:sp>
         <p:nvSpPr>
-          <p:cNvPr id="8" name="Subtitle 2"/>
+          <p:cNvPr id="9" name="Subtitle 2"/>
           <p:cNvSpPr txBox="1"/>
           <p:nvPr/>
         </p:nvSpPr>
@@ -9513,14 +9987,14 @@
       </p:grpSpPr>
       <p:sp>
         <p:nvSpPr>
-          <p:cNvPr id="14339" name="Title 1"/>
+          <p:cNvPr id="14338" name="Subtitle 2"/>
           <p:cNvSpPr txBox="1"/>
           <p:nvPr/>
         </p:nvSpPr>
         <p:spPr bwMode="auto">
           <a:xfrm>
-            <a:off x="1406585" y="331978"/>
-            <a:ext cx="6464041" cy="412750"/>
+            <a:off x="255588" y="6415088"/>
+            <a:ext cx="4143375" cy="246062"/>
           </a:xfrm>
           <a:prstGeom prst="rect">
             <a:avLst/>
@@ -9532,34 +10006,40 @@
           </a:ln>
         </p:spPr>
         <p:txBody>
-          <a:bodyPr anchor="ctr"/>
+          <a:bodyPr/>
           <a:lstStyle/>
           <a:p>
-            <a:pPr algn="ctr"/>
-            <a:r>
-              <a:rPr lang="ru-RU" sz="3200" dirty="0" smtClean="0">
-                <a:latin typeface="SF UI Text" panose="00000400000000000000" pitchFamily="2" charset="0"/>
-              </a:rPr>
-              <a:t>Обмен данными</a:t>
-            </a:r>
-            <a:endParaRPr lang="en-US" sz="3200" dirty="0">
-              <a:latin typeface="SF UI Text" panose="00000400000000000000" pitchFamily="2" charset="0"/>
+            <a:pPr>
+              <a:spcBef>
+                <a:spcPct val="20000"/>
+              </a:spcBef>
+            </a:pPr>
+            <a:r>
+              <a:rPr lang="ru-RU" sz="800" dirty="0">
+                <a:solidFill>
+                  <a:schemeClr val="bg1"/>
+                </a:solidFill>
+              </a:rPr>
+              <a:t>Высшая школа экономики, Москва, 2018</a:t>
+            </a:r>
+            <a:endParaRPr kumimoji="1" lang="ru-RU" sz="800" dirty="0">
+              <a:solidFill>
+                <a:schemeClr val="bg1"/>
+              </a:solidFill>
             </a:endParaRPr>
           </a:p>
         </p:txBody>
       </p:sp>
       <p:sp>
         <p:nvSpPr>
-          <p:cNvPr id="14343" name="Rectangle 9"/>
-          <p:cNvSpPr>
-            <a:spLocks noChangeArrowheads="1"/>
-          </p:cNvSpPr>
+          <p:cNvPr id="14339" name="Title 1"/>
+          <p:cNvSpPr txBox="1"/>
           <p:nvPr/>
         </p:nvSpPr>
         <p:spPr bwMode="auto">
           <a:xfrm>
-            <a:off x="7300913" y="2255838"/>
-            <a:ext cx="674687" cy="369887"/>
+            <a:off x="255589" y="428625"/>
+            <a:ext cx="8606024" cy="412750"/>
           </a:xfrm>
           <a:prstGeom prst="rect">
             <a:avLst/>
@@ -9571,30 +10051,25 @@
           </a:ln>
         </p:spPr>
         <p:txBody>
-          <a:bodyPr wrap="none">
-            <a:spAutoFit/>
-          </a:bodyPr>
+          <a:bodyPr anchor="ctr"/>
           <a:lstStyle/>
           <a:p>
-            <a:r>
-              <a:rPr lang="ru-RU">
-                <a:solidFill>
-                  <a:srgbClr val="FFFFFF"/>
-                </a:solidFill>
-              </a:rPr>
-              <a:t>фото</a:t>
-            </a:r>
-            <a:endParaRPr lang="en-US">
-              <a:solidFill>
-                <a:srgbClr val="FFFFFF"/>
-              </a:solidFill>
+            <a:pPr algn="ctr"/>
+            <a:r>
+              <a:rPr lang="ru-RU" sz="3200" dirty="0" smtClean="0">
+                <a:latin typeface="SF UI Text" panose="00000400000000000000" pitchFamily="2" charset="0"/>
+              </a:rPr>
+              <a:t>Функции приложения</a:t>
+            </a:r>
+            <a:endParaRPr lang="en-US" sz="3200" dirty="0">
+              <a:latin typeface="SF UI Text" panose="00000400000000000000" pitchFamily="2" charset="0"/>
             </a:endParaRPr>
           </a:p>
         </p:txBody>
       </p:sp>
       <p:sp>
         <p:nvSpPr>
-          <p:cNvPr id="14345" name="Rectangle 11"/>
+          <p:cNvPr id="14343" name="Rectangle 9"/>
           <p:cNvSpPr>
             <a:spLocks noChangeArrowheads="1"/>
           </p:cNvSpPr>
@@ -9602,8 +10077,8 @@
         </p:nvSpPr>
         <p:spPr bwMode="auto">
           <a:xfrm>
-            <a:off x="7300913" y="5591175"/>
-            <a:ext cx="674687" cy="369888"/>
+            <a:off x="7300913" y="2255838"/>
+            <a:ext cx="674687" cy="369887"/>
           </a:xfrm>
           <a:prstGeom prst="rect">
             <a:avLst/>
@@ -9638,104 +10113,16 @@
       </p:sp>
       <p:sp>
         <p:nvSpPr>
-          <p:cNvPr id="11" name="Номер слайда 10"/>
-          <p:cNvSpPr>
-            <a:spLocks noGrp="1"/>
-          </p:cNvSpPr>
-          <p:nvPr>
-            <p:ph type="sldNum" sz="quarter" idx="12"/>
-          </p:nvPr>
-        </p:nvSpPr>
-        <p:spPr/>
-        <p:txBody>
-          <a:bodyPr vert="horz" wrap="square" lIns="91440" tIns="45720" rIns="91440" bIns="45720" numCol="1" anchor="ctr" anchorCtr="0" compatLnSpc="1"/>
-          <a:lstStyle/>
-          <a:p>
-            <a:pPr>
-              <a:defRPr/>
-            </a:pPr>
-            <a:fld id="{CB65F501-F5CC-4E12-934E-78BB5E4DA208}" type="slidenum">
-              <a:rPr lang="en-US" sz="1800" smtClean="0">
-                <a:solidFill>
-                  <a:schemeClr val="tx1"/>
-                </a:solidFill>
-              </a:rPr>
-              <a:t>8</a:t>
-            </a:fld>
-            <a:endParaRPr lang="en-US" sz="1800">
-              <a:solidFill>
-                <a:schemeClr val="tx1"/>
-              </a:solidFill>
-            </a:endParaRPr>
-          </a:p>
-        </p:txBody>
-      </p:sp>
-      <p:pic>
-        <p:nvPicPr>
-          <p:cNvPr id="1026" name="Picture 2" descr="Untitled"/>
-          <p:cNvPicPr>
-            <a:picLocks noChangeAspect="1" noChangeArrowheads="1"/>
-          </p:cNvPicPr>
+          <p:cNvPr id="14345" name="Rectangle 11"/>
+          <p:cNvSpPr>
+            <a:spLocks noChangeArrowheads="1"/>
+          </p:cNvSpPr>
           <p:nvPr/>
-        </p:nvPicPr>
-        <p:blipFill>
-          <a:blip r:embed="rId2">
-            <a:extLst>
-              <a:ext uri="{28A0092B-C50C-407E-A947-70E740481C1C}">
-                <a14:useLocalDpi xmlns:a14="http://schemas.microsoft.com/office/drawing/2010/main" val="0"/>
-              </a:ext>
-            </a:extLst>
-          </a:blip>
-          <a:srcRect/>
-          <a:stretch>
-            <a:fillRect/>
-          </a:stretch>
-        </p:blipFill>
+        </p:nvSpPr>
         <p:spPr bwMode="auto">
           <a:xfrm>
-            <a:off x="0" y="1292250"/>
-            <a:ext cx="9277212" cy="4319136"/>
-          </a:xfrm>
-          <a:prstGeom prst="rect">
-            <a:avLst/>
-          </a:prstGeom>
-          <a:noFill/>
-          <a:ln>
-            <a:noFill/>
-          </a:ln>
-          <a:extLst>
-            <a:ext uri="{909E8E84-426E-40DD-AFC4-6F175D3DCCD1}">
-              <a14:hiddenFill xmlns:a14="http://schemas.microsoft.com/office/drawing/2010/main">
-                <a:solidFill>
-                  <a:srgbClr val="FFFFFF"/>
-                </a:solidFill>
-              </a14:hiddenFill>
-            </a:ext>
-            <a:ext uri="{91240B29-F687-4F45-9708-019B960494DF}">
-              <a14:hiddenLine xmlns:a14="http://schemas.microsoft.com/office/drawing/2010/main" w="9525">
-                <a:solidFill>
-                  <a:srgbClr val="000000"/>
-                </a:solidFill>
-                <a:miter lim="800000"/>
-                <a:headEnd/>
-                <a:tailEnd/>
-              </a14:hiddenLine>
-            </a:ext>
-          </a:extLst>
-        </p:spPr>
-      </p:pic>
-      <p:sp>
-        <p:nvSpPr>
-          <p:cNvPr id="9" name="Rectangle 12"/>
-          <p:cNvSpPr>
-            <a:spLocks noChangeArrowheads="1"/>
-          </p:cNvSpPr>
-          <p:nvPr/>
-        </p:nvSpPr>
-        <p:spPr bwMode="auto">
-          <a:xfrm>
-            <a:off x="3762103" y="4223747"/>
-            <a:ext cx="2791098" cy="646331"/>
+            <a:off x="7300913" y="5591175"/>
+            <a:ext cx="674687" cy="369888"/>
           </a:xfrm>
           <a:prstGeom prst="rect">
             <a:avLst/>
@@ -9747,143 +10134,174 @@
           </a:ln>
         </p:spPr>
         <p:txBody>
+          <a:bodyPr wrap="none">
+            <a:spAutoFit/>
+          </a:bodyPr>
+          <a:lstStyle/>
+          <a:p>
+            <a:r>
+              <a:rPr lang="ru-RU">
+                <a:solidFill>
+                  <a:srgbClr val="FFFFFF"/>
+                </a:solidFill>
+              </a:rPr>
+              <a:t>фото</a:t>
+            </a:r>
+            <a:endParaRPr lang="en-US">
+              <a:solidFill>
+                <a:srgbClr val="FFFFFF"/>
+              </a:solidFill>
+            </a:endParaRPr>
+          </a:p>
+        </p:txBody>
+      </p:sp>
+      <p:sp>
+        <p:nvSpPr>
+          <p:cNvPr id="14346" name="Rectangle 12"/>
+          <p:cNvSpPr>
+            <a:spLocks noChangeArrowheads="1"/>
+          </p:cNvSpPr>
+          <p:nvPr/>
+        </p:nvSpPr>
+        <p:spPr bwMode="auto">
+          <a:xfrm>
+            <a:off x="368554" y="1884668"/>
+            <a:ext cx="8493059" cy="3970318"/>
+          </a:xfrm>
+          <a:prstGeom prst="rect">
+            <a:avLst/>
+          </a:prstGeom>
+          <a:noFill/>
+          <a:ln w="9525">
+            <a:noFill/>
+            <a:miter lim="800000"/>
+          </a:ln>
+        </p:spPr>
+        <p:txBody>
           <a:bodyPr wrap="square">
             <a:spAutoFit/>
           </a:bodyPr>
           <a:lstStyle/>
           <a:p>
-            <a:r>
-              <a:rPr lang="en-US" dirty="0" err="1" smtClean="0">
-                <a:solidFill>
-                  <a:schemeClr val="tx2"/>
-                </a:solidFill>
-                <a:latin typeface="Segoe UI" panose="020B0502040204020203" pitchFamily="34" charset="0"/>
-              </a:rPr>
-              <a:t>Shakura.dev</a:t>
-            </a:r>
-            <a:r>
-              <a:rPr lang="en-US" dirty="0" smtClean="0">
-                <a:solidFill>
-                  <a:schemeClr val="tx2"/>
-                </a:solidFill>
-                <a:latin typeface="Segoe UI" panose="020B0502040204020203" pitchFamily="34" charset="0"/>
-              </a:rPr>
-              <a:t>/</a:t>
-            </a:r>
-            <a:r>
-              <a:rPr lang="en-US" dirty="0" err="1" smtClean="0">
-                <a:solidFill>
-                  <a:schemeClr val="tx2"/>
-                </a:solidFill>
-                <a:latin typeface="Segoe UI" panose="020B0502040204020203" pitchFamily="34" charset="0"/>
-              </a:rPr>
-              <a:t>hseapi</a:t>
-            </a:r>
-            <a:endParaRPr lang="en-US" dirty="0" smtClean="0">
+            <a:pPr>
+              <a:lnSpc>
+                <a:spcPct val="150000"/>
+              </a:lnSpc>
+            </a:pPr>
+            <a:r>
+              <a:rPr lang="ru-RU" sz="2800" dirty="0" smtClean="0">
+                <a:latin typeface="SF UI Text" panose="00000400000000000000" pitchFamily="2" charset="0"/>
+              </a:rPr>
+              <a:t>Вывод списка мероприятий</a:t>
+            </a:r>
+          </a:p>
+          <a:p>
+            <a:pPr>
+              <a:lnSpc>
+                <a:spcPct val="150000"/>
+              </a:lnSpc>
+            </a:pPr>
+            <a:r>
+              <a:rPr lang="ru-RU" sz="2800" dirty="0" smtClean="0">
+                <a:latin typeface="SF UI Text" panose="00000400000000000000" pitchFamily="2" charset="0"/>
+              </a:rPr>
+              <a:t>Добавление мероприятий в избранное</a:t>
+            </a:r>
+          </a:p>
+          <a:p>
+            <a:pPr>
+              <a:lnSpc>
+                <a:spcPct val="150000"/>
+              </a:lnSpc>
+            </a:pPr>
+            <a:r>
+              <a:rPr lang="ru-RU" sz="2800" dirty="0" smtClean="0">
+                <a:latin typeface="SF UI Text" panose="00000400000000000000" pitchFamily="2" charset="0"/>
+              </a:rPr>
+              <a:t>Вывод списка избранных мероприятий</a:t>
+            </a:r>
+            <a:endParaRPr lang="ru-RU" sz="2800" dirty="0">
+              <a:latin typeface="SF UI Text" panose="00000400000000000000" pitchFamily="2" charset="0"/>
+            </a:endParaRPr>
+          </a:p>
+          <a:p>
+            <a:pPr>
+              <a:lnSpc>
+                <a:spcPct val="150000"/>
+              </a:lnSpc>
+            </a:pPr>
+            <a:r>
+              <a:rPr lang="ru-RU" sz="2800" dirty="0" smtClean="0">
+                <a:latin typeface="SF UI Text" panose="00000400000000000000" pitchFamily="2" charset="0"/>
+              </a:rPr>
+              <a:t>Поиск по спискам мероприятий</a:t>
+            </a:r>
+          </a:p>
+          <a:p>
+            <a:pPr>
+              <a:lnSpc>
+                <a:spcPct val="150000"/>
+              </a:lnSpc>
+            </a:pPr>
+            <a:r>
+              <a:rPr lang="ru-RU" sz="2800" dirty="0" smtClean="0">
+                <a:latin typeface="SF UI Text" panose="00000400000000000000" pitchFamily="2" charset="0"/>
+              </a:rPr>
+              <a:t>Изменение языка мероприятий</a:t>
+            </a:r>
+          </a:p>
+          <a:p>
+            <a:pPr>
+              <a:lnSpc>
+                <a:spcPct val="150000"/>
+              </a:lnSpc>
+            </a:pPr>
+            <a:r>
+              <a:rPr lang="ru-RU" sz="2800" dirty="0" smtClean="0">
+                <a:latin typeface="SF UI Text" panose="00000400000000000000" pitchFamily="2" charset="0"/>
+              </a:rPr>
+              <a:t>Изменение цветовой темы приложения</a:t>
+            </a:r>
+          </a:p>
+        </p:txBody>
+      </p:sp>
+      <p:sp>
+        <p:nvSpPr>
+          <p:cNvPr id="11" name="Номер слайда 10"/>
+          <p:cNvSpPr>
+            <a:spLocks noGrp="1"/>
+          </p:cNvSpPr>
+          <p:nvPr>
+            <p:ph type="sldNum" sz="quarter" idx="12"/>
+          </p:nvPr>
+        </p:nvSpPr>
+        <p:spPr/>
+        <p:txBody>
+          <a:bodyPr vert="horz" wrap="square" lIns="91440" tIns="45720" rIns="91440" bIns="45720" numCol="1" anchor="ctr" anchorCtr="0" compatLnSpc="1"/>
+          <a:lstStyle/>
+          <a:p>
+            <a:pPr>
+              <a:defRPr/>
+            </a:pPr>
+            <a:fld id="{CB65F501-F5CC-4E12-934E-78BB5E4DA208}" type="slidenum">
+              <a:rPr lang="en-US" sz="1800" smtClean="0">
+                <a:solidFill>
+                  <a:schemeClr val="tx1"/>
+                </a:solidFill>
+              </a:rPr>
+              <a:t>8</a:t>
+            </a:fld>
+            <a:endParaRPr lang="en-US" sz="1800">
               <a:solidFill>
-                <a:schemeClr val="tx2"/>
+                <a:schemeClr val="tx1"/>
               </a:solidFill>
-              <a:latin typeface="Segoe UI" panose="020B0502040204020203" pitchFamily="34" charset="0"/>
             </a:endParaRPr>
           </a:p>
-          <a:p>
-            <a:r>
-              <a:rPr lang="en-US" dirty="0" err="1" smtClean="0">
-                <a:solidFill>
-                  <a:schemeClr val="tx2"/>
-                </a:solidFill>
-                <a:latin typeface="Segoe UI" panose="020B0502040204020203" pitchFamily="34" charset="0"/>
-              </a:rPr>
-              <a:t>Shakura.dev</a:t>
-            </a:r>
-            <a:r>
-              <a:rPr lang="en-US" dirty="0" smtClean="0">
-                <a:solidFill>
-                  <a:schemeClr val="tx2"/>
-                </a:solidFill>
-                <a:latin typeface="Segoe UI" panose="020B0502040204020203" pitchFamily="34" charset="0"/>
-              </a:rPr>
-              <a:t>/</a:t>
-            </a:r>
-            <a:r>
-              <a:rPr lang="en-US" dirty="0" err="1" smtClean="0">
-                <a:solidFill>
-                  <a:schemeClr val="tx2"/>
-                </a:solidFill>
-                <a:latin typeface="Segoe UI" panose="020B0502040204020203" pitchFamily="34" charset="0"/>
-              </a:rPr>
-              <a:t>hseapien</a:t>
-            </a:r>
-            <a:endParaRPr lang="ru-RU" dirty="0" smtClean="0">
-              <a:solidFill>
-                <a:schemeClr val="tx2"/>
-              </a:solidFill>
-              <a:latin typeface="Segoe UI" panose="020B0502040204020203" pitchFamily="34" charset="0"/>
-            </a:endParaRPr>
-          </a:p>
-        </p:txBody>
-      </p:sp>
-      <p:sp>
-        <p:nvSpPr>
-          <p:cNvPr id="2" name="Прямоугольник 1"/>
-          <p:cNvSpPr/>
-          <p:nvPr/>
-        </p:nvSpPr>
-        <p:spPr>
-          <a:xfrm>
-            <a:off x="3592286" y="4870078"/>
-            <a:ext cx="5094514" cy="646331"/>
-          </a:xfrm>
-          <a:prstGeom prst="rect">
-            <a:avLst/>
-          </a:prstGeom>
-        </p:spPr>
-        <p:txBody>
-          <a:bodyPr wrap="square">
-            <a:spAutoFit/>
-          </a:bodyPr>
-          <a:lstStyle/>
-          <a:p>
-            <a:r>
-              <a:rPr lang="en-US" dirty="0">
-                <a:latin typeface="SF UI Text" panose="00000400000000000000" pitchFamily="2" charset="0"/>
-                <a:hlinkClick r:id="rId3"/>
-              </a:rPr>
-              <a:t>https://www.hse.ru/news/announcements/</a:t>
-            </a:r>
-            <a:r>
-              <a:rPr lang="ru-RU" dirty="0">
-                <a:latin typeface="SF UI Text" panose="00000400000000000000" pitchFamily="2" charset="0"/>
-              </a:rPr>
-              <a:t> </a:t>
-            </a:r>
-            <a:r>
-              <a:rPr lang="en-US" dirty="0" smtClean="0">
-                <a:latin typeface="SF UI Text" panose="00000400000000000000" pitchFamily="2" charset="0"/>
-                <a:hlinkClick r:id="rId4"/>
-              </a:rPr>
-              <a:t>https</a:t>
-            </a:r>
-            <a:r>
-              <a:rPr lang="en-US" dirty="0">
-                <a:latin typeface="SF UI Text" panose="00000400000000000000" pitchFamily="2" charset="0"/>
-                <a:hlinkClick r:id="rId4"/>
-              </a:rPr>
-              <a:t>://www.hse.ru/en/news/announcements/</a:t>
-            </a:r>
-            <a:r>
-              <a:rPr lang="ru-RU" dirty="0">
-                <a:latin typeface="SF UI Text" panose="00000400000000000000" pitchFamily="2" charset="0"/>
-              </a:rPr>
-              <a:t> </a:t>
-            </a:r>
-            <a:endParaRPr lang="ru-RU" dirty="0"/>
-          </a:p>
-        </p:txBody>
-      </p:sp>
-      <p:sp>
-        <p:nvSpPr>
-          <p:cNvPr id="10" name="Subtitle 2"/>
+        </p:txBody>
+      </p:sp>
+      <p:sp>
+        <p:nvSpPr>
+          <p:cNvPr id="8" name="Subtitle 2"/>
           <p:cNvSpPr txBox="1"/>
           <p:nvPr/>
         </p:nvSpPr>
@@ -9956,14 +10374,14 @@
       </p:grpSpPr>
       <p:sp>
         <p:nvSpPr>
-          <p:cNvPr id="14338" name="Subtitle 2"/>
+          <p:cNvPr id="14339" name="Title 1"/>
           <p:cNvSpPr txBox="1"/>
           <p:nvPr/>
         </p:nvSpPr>
         <p:spPr bwMode="auto">
           <a:xfrm>
-            <a:off x="255588" y="6415088"/>
-            <a:ext cx="4143375" cy="246062"/>
+            <a:off x="1406585" y="331978"/>
+            <a:ext cx="6464041" cy="412750"/>
           </a:xfrm>
           <a:prstGeom prst="rect">
             <a:avLst/>
@@ -9975,40 +10393,34 @@
           </a:ln>
         </p:spPr>
         <p:txBody>
-          <a:bodyPr/>
+          <a:bodyPr anchor="ctr"/>
           <a:lstStyle/>
           <a:p>
-            <a:pPr>
-              <a:spcBef>
-                <a:spcPct val="20000"/>
-              </a:spcBef>
-            </a:pPr>
-            <a:r>
-              <a:rPr lang="ru-RU" sz="800" dirty="0">
-                <a:solidFill>
-                  <a:schemeClr val="bg1"/>
-                </a:solidFill>
-              </a:rPr>
-              <a:t>Высшая школа экономики, Москва, 2018</a:t>
-            </a:r>
-            <a:endParaRPr kumimoji="1" lang="ru-RU" sz="800" dirty="0">
-              <a:solidFill>
-                <a:schemeClr val="bg1"/>
-              </a:solidFill>
+            <a:pPr algn="ctr"/>
+            <a:r>
+              <a:rPr lang="ru-RU" sz="3200" dirty="0" smtClean="0">
+                <a:latin typeface="SF UI Text" panose="00000400000000000000" pitchFamily="2" charset="0"/>
+              </a:rPr>
+              <a:t>Обмен данными</a:t>
+            </a:r>
+            <a:endParaRPr lang="en-US" sz="3200" dirty="0">
+              <a:latin typeface="SF UI Text" panose="00000400000000000000" pitchFamily="2" charset="0"/>
             </a:endParaRPr>
           </a:p>
         </p:txBody>
       </p:sp>
       <p:sp>
         <p:nvSpPr>
-          <p:cNvPr id="14339" name="Title 1"/>
-          <p:cNvSpPr txBox="1"/>
+          <p:cNvPr id="14343" name="Rectangle 9"/>
+          <p:cNvSpPr>
+            <a:spLocks noChangeArrowheads="1"/>
+          </p:cNvSpPr>
           <p:nvPr/>
         </p:nvSpPr>
         <p:spPr bwMode="auto">
           <a:xfrm>
-            <a:off x="849086" y="268343"/>
-            <a:ext cx="8294913" cy="412750"/>
+            <a:off x="7300913" y="2255838"/>
+            <a:ext cx="674687" cy="369887"/>
           </a:xfrm>
           <a:prstGeom prst="rect">
             <a:avLst/>
@@ -10020,63 +10432,22 @@
           </a:ln>
         </p:spPr>
         <p:txBody>
-          <a:bodyPr anchor="ctr"/>
+          <a:bodyPr wrap="none">
+            <a:spAutoFit/>
+          </a:bodyPr>
           <a:lstStyle/>
           <a:p>
-            <a:pPr algn="ctr"/>
-            <a:r>
-              <a:rPr lang="ru-RU" sz="3200" dirty="0" smtClean="0">
-                <a:latin typeface="SF UI Text" panose="00000400000000000000" pitchFamily="2" charset="0"/>
-              </a:rPr>
-              <a:t>Технологии </a:t>
-            </a:r>
-            <a:r>
-              <a:rPr lang="ru-RU" sz="3200" dirty="0">
-                <a:latin typeface="SF UI Text" panose="00000400000000000000" pitchFamily="2" charset="0"/>
-              </a:rPr>
-              <a:t>и</a:t>
-            </a:r>
-            <a:r>
-              <a:rPr lang="ru-RU" sz="3200" dirty="0" smtClean="0">
-                <a:latin typeface="SF UI Text" panose="00000400000000000000" pitchFamily="2" charset="0"/>
-              </a:rPr>
-              <a:t> инструменты реализации</a:t>
-            </a:r>
-            <a:endParaRPr lang="en-US" sz="3200" dirty="0">
-              <a:latin typeface="SF UI Text" panose="00000400000000000000" pitchFamily="2" charset="0"/>
-            </a:endParaRPr>
-          </a:p>
-        </p:txBody>
-      </p:sp>
-      <p:sp>
-        <p:nvSpPr>
-          <p:cNvPr id="11" name="Номер слайда 10"/>
-          <p:cNvSpPr>
-            <a:spLocks noGrp="1"/>
-          </p:cNvSpPr>
-          <p:nvPr>
-            <p:ph type="sldNum" sz="quarter" idx="12"/>
-          </p:nvPr>
-        </p:nvSpPr>
-        <p:spPr/>
-        <p:txBody>
-          <a:bodyPr vert="horz" wrap="square" lIns="91440" tIns="45720" rIns="91440" bIns="45720" numCol="1" anchor="ctr" anchorCtr="0" compatLnSpc="1"/>
-          <a:lstStyle/>
-          <a:p>
-            <a:pPr>
-              <a:defRPr/>
-            </a:pPr>
-            <a:fld id="{CB65F501-F5CC-4E12-934E-78BB5E4DA208}" type="slidenum">
-              <a:rPr lang="en-US" sz="1800" smtClean="0">
-                <a:solidFill>
-                  <a:schemeClr val="tx1"/>
-                </a:solidFill>
-              </a:rPr>
-              <a:t>9</a:t>
-            </a:fld>
-            <a:endParaRPr lang="en-US" sz="1800">
+            <a:r>
+              <a:rPr lang="ru-RU">
+                <a:solidFill>
+                  <a:srgbClr val="FFFFFF"/>
+                </a:solidFill>
+              </a:rPr>
+              <a:t>фото</a:t>
+            </a:r>
+            <a:endParaRPr lang="en-US">
               <a:solidFill>
-                <a:schemeClr val="tx1"/>
+                <a:srgbClr val="FFFFFF"/>
               </a:solidFill>
             </a:endParaRPr>
           </a:p>
@@ -10084,7 +10455,7 @@
       </p:sp>
       <p:sp>
         <p:nvSpPr>
-          <p:cNvPr id="8" name="Rectangle 12"/>
+          <p:cNvPr id="14345" name="Rectangle 11"/>
           <p:cNvSpPr>
             <a:spLocks noChangeArrowheads="1"/>
           </p:cNvSpPr>
@@ -10092,8 +10463,8 @@
         </p:nvSpPr>
         <p:spPr bwMode="auto">
           <a:xfrm>
-            <a:off x="255589" y="1581141"/>
-            <a:ext cx="3504648" cy="3249479"/>
+            <a:off x="7300913" y="5591175"/>
+            <a:ext cx="674687" cy="369888"/>
           </a:xfrm>
           <a:prstGeom prst="rect">
             <a:avLst/>
@@ -10105,77 +10476,115 @@
           </a:ln>
         </p:spPr>
         <p:txBody>
-          <a:bodyPr wrap="square">
+          <a:bodyPr wrap="none">
             <a:spAutoFit/>
           </a:bodyPr>
           <a:lstStyle/>
           <a:p>
+            <a:r>
+              <a:rPr lang="ru-RU">
+                <a:solidFill>
+                  <a:srgbClr val="FFFFFF"/>
+                </a:solidFill>
+              </a:rPr>
+              <a:t>фото</a:t>
+            </a:r>
+            <a:endParaRPr lang="en-US">
+              <a:solidFill>
+                <a:srgbClr val="FFFFFF"/>
+              </a:solidFill>
+            </a:endParaRPr>
+          </a:p>
+        </p:txBody>
+      </p:sp>
+      <p:sp>
+        <p:nvSpPr>
+          <p:cNvPr id="11" name="Номер слайда 10"/>
+          <p:cNvSpPr>
+            <a:spLocks noGrp="1"/>
+          </p:cNvSpPr>
+          <p:nvPr>
+            <p:ph type="sldNum" sz="quarter" idx="12"/>
+          </p:nvPr>
+        </p:nvSpPr>
+        <p:spPr/>
+        <p:txBody>
+          <a:bodyPr vert="horz" wrap="square" lIns="91440" tIns="45720" rIns="91440" bIns="45720" numCol="1" anchor="ctr" anchorCtr="0" compatLnSpc="1"/>
+          <a:lstStyle/>
+          <a:p>
             <a:pPr>
-              <a:lnSpc>
-                <a:spcPct val="150000"/>
-              </a:lnSpc>
-            </a:pPr>
-            <a:r>
-              <a:rPr lang="en-US" sz="2800" dirty="0" smtClean="0">
-                <a:latin typeface="SF UI Text" panose="00000400000000000000" pitchFamily="2" charset="0"/>
-              </a:rPr>
-              <a:t>Ubuntu 16.04</a:t>
-            </a:r>
-          </a:p>
-          <a:p>
-            <a:pPr>
-              <a:lnSpc>
-                <a:spcPct val="150000"/>
-              </a:lnSpc>
-            </a:pPr>
-            <a:r>
-              <a:rPr lang="en-US" sz="2800" dirty="0" smtClean="0">
-                <a:latin typeface="SF UI Text" panose="00000400000000000000" pitchFamily="2" charset="0"/>
-              </a:rPr>
-              <a:t>Apache2</a:t>
-            </a:r>
-          </a:p>
-          <a:p>
-            <a:pPr>
-              <a:lnSpc>
-                <a:spcPct val="150000"/>
-              </a:lnSpc>
-            </a:pPr>
-            <a:r>
-              <a:rPr lang="en-US" sz="2800" dirty="0" smtClean="0">
-                <a:latin typeface="SF UI Text" panose="00000400000000000000" pitchFamily="2" charset="0"/>
-              </a:rPr>
-              <a:t>Python</a:t>
-            </a:r>
-          </a:p>
-          <a:p>
-            <a:pPr>
-              <a:lnSpc>
-                <a:spcPct val="150000"/>
-              </a:lnSpc>
-            </a:pPr>
-            <a:r>
-              <a:rPr lang="en-US" sz="2800" dirty="0" smtClean="0">
-                <a:latin typeface="SF UI Text" panose="00000400000000000000" pitchFamily="2" charset="0"/>
-              </a:rPr>
-              <a:t>Flask</a:t>
-            </a:r>
-          </a:p>
-          <a:p>
-            <a:pPr>
-              <a:lnSpc>
-                <a:spcPct val="150000"/>
-              </a:lnSpc>
-            </a:pPr>
-            <a:r>
-              <a:rPr lang="en-US" sz="2800" dirty="0" smtClean="0">
-                <a:latin typeface="SF UI Text" panose="00000400000000000000" pitchFamily="2" charset="0"/>
-              </a:rPr>
-              <a:t>JSON</a:t>
-            </a:r>
-          </a:p>
-        </p:txBody>
-      </p:sp>
+              <a:defRPr/>
+            </a:pPr>
+            <a:fld id="{CB65F501-F5CC-4E12-934E-78BB5E4DA208}" type="slidenum">
+              <a:rPr lang="en-US" sz="1800" smtClean="0">
+                <a:solidFill>
+                  <a:schemeClr val="tx1"/>
+                </a:solidFill>
+              </a:rPr>
+              <a:t>9</a:t>
+            </a:fld>
+            <a:endParaRPr lang="en-US" sz="1800">
+              <a:solidFill>
+                <a:schemeClr val="tx1"/>
+              </a:solidFill>
+            </a:endParaRPr>
+          </a:p>
+        </p:txBody>
+      </p:sp>
+      <p:pic>
+        <p:nvPicPr>
+          <p:cNvPr id="1026" name="Picture 2" descr="Untitled"/>
+          <p:cNvPicPr>
+            <a:picLocks noChangeAspect="1" noChangeArrowheads="1"/>
+          </p:cNvPicPr>
+          <p:nvPr/>
+        </p:nvPicPr>
+        <p:blipFill>
+          <a:blip r:embed="rId2">
+            <a:extLst>
+              <a:ext uri="{28A0092B-C50C-407E-A947-70E740481C1C}">
+                <a14:useLocalDpi xmlns:a14="http://schemas.microsoft.com/office/drawing/2010/main" val="0"/>
+              </a:ext>
+            </a:extLst>
+          </a:blip>
+          <a:srcRect/>
+          <a:stretch>
+            <a:fillRect/>
+          </a:stretch>
+        </p:blipFill>
+        <p:spPr bwMode="auto">
+          <a:xfrm>
+            <a:off x="0" y="1292250"/>
+            <a:ext cx="9277212" cy="4319136"/>
+          </a:xfrm>
+          <a:prstGeom prst="rect">
+            <a:avLst/>
+          </a:prstGeom>
+          <a:noFill/>
+          <a:ln>
+            <a:noFill/>
+          </a:ln>
+          <a:extLst>
+            <a:ext uri="{909E8E84-426E-40DD-AFC4-6F175D3DCCD1}">
+              <a14:hiddenFill xmlns:a14="http://schemas.microsoft.com/office/drawing/2010/main">
+                <a:solidFill>
+                  <a:srgbClr val="FFFFFF"/>
+                </a:solidFill>
+              </a14:hiddenFill>
+            </a:ext>
+            <a:ext uri="{91240B29-F687-4F45-9708-019B960494DF}">
+              <a14:hiddenLine xmlns:a14="http://schemas.microsoft.com/office/drawing/2010/main" w="9525">
+                <a:solidFill>
+                  <a:srgbClr val="000000"/>
+                </a:solidFill>
+                <a:miter lim="800000"/>
+                <a:headEnd/>
+                <a:tailEnd/>
+              </a14:hiddenLine>
+            </a:ext>
+          </a:extLst>
+        </p:spPr>
+      </p:pic>
       <p:sp>
         <p:nvSpPr>
           <p:cNvPr id="9" name="Rectangle 12"/>
@@ -10186,8 +10595,8 @@
         </p:nvSpPr>
         <p:spPr bwMode="auto">
           <a:xfrm>
-            <a:off x="4398963" y="1674566"/>
-            <a:ext cx="4287837" cy="2031325"/>
+            <a:off x="3348445" y="4077660"/>
+            <a:ext cx="2791098" cy="646331"/>
           </a:xfrm>
           <a:prstGeom prst="rect">
             <a:avLst/>
@@ -10204,55 +10613,140 @@
           </a:bodyPr>
           <a:lstStyle/>
           <a:p>
-            <a:pPr>
-              <a:lnSpc>
-                <a:spcPct val="150000"/>
-              </a:lnSpc>
-            </a:pPr>
-            <a:r>
-              <a:rPr lang="en-US" sz="2800" dirty="0" err="1" smtClean="0">
-                <a:latin typeface="SF UI Text" panose="00000400000000000000" pitchFamily="2" charset="0"/>
-              </a:rPr>
-              <a:t>Xamarin</a:t>
-            </a:r>
-            <a:endParaRPr lang="en-US" sz="2800" dirty="0" smtClean="0">
-              <a:latin typeface="SF UI Text" panose="00000400000000000000" pitchFamily="2" charset="0"/>
+            <a:r>
+              <a:rPr lang="en-US" dirty="0" err="1" smtClean="0">
+                <a:solidFill>
+                  <a:schemeClr val="tx2"/>
+                </a:solidFill>
+                <a:latin typeface="Segoe UI" panose="020B0502040204020203" pitchFamily="34" charset="0"/>
+              </a:rPr>
+              <a:t>Shakura.dev</a:t>
+            </a:r>
+            <a:r>
+              <a:rPr lang="en-US" dirty="0" smtClean="0">
+                <a:solidFill>
+                  <a:schemeClr val="tx2"/>
+                </a:solidFill>
+                <a:latin typeface="Segoe UI" panose="020B0502040204020203" pitchFamily="34" charset="0"/>
+              </a:rPr>
+              <a:t>/</a:t>
+            </a:r>
+            <a:r>
+              <a:rPr lang="en-US" dirty="0" err="1" smtClean="0">
+                <a:solidFill>
+                  <a:schemeClr val="tx2"/>
+                </a:solidFill>
+                <a:latin typeface="Segoe UI" panose="020B0502040204020203" pitchFamily="34" charset="0"/>
+              </a:rPr>
+              <a:t>hseapi</a:t>
+            </a:r>
+            <a:endParaRPr lang="en-US" dirty="0" smtClean="0">
+              <a:solidFill>
+                <a:schemeClr val="tx2"/>
+              </a:solidFill>
+              <a:latin typeface="Segoe UI" panose="020B0502040204020203" pitchFamily="34" charset="0"/>
             </a:endParaRPr>
           </a:p>
           <a:p>
-            <a:pPr>
-              <a:lnSpc>
-                <a:spcPct val="150000"/>
-              </a:lnSpc>
-            </a:pPr>
-            <a:r>
-              <a:rPr lang="en-US" sz="2800" dirty="0" smtClean="0">
-                <a:latin typeface="SF UI Text" panose="00000400000000000000" pitchFamily="2" charset="0"/>
-              </a:rPr>
-              <a:t>C#</a:t>
-            </a:r>
-          </a:p>
-          <a:p>
-            <a:pPr>
-              <a:lnSpc>
-                <a:spcPct val="150000"/>
-              </a:lnSpc>
-            </a:pPr>
-            <a:r>
-              <a:rPr lang="en-US" sz="2800" dirty="0" err="1" smtClean="0">
-                <a:latin typeface="SF UI Text" panose="00000400000000000000" pitchFamily="2" charset="0"/>
-              </a:rPr>
-              <a:t>Xaml</a:t>
-            </a:r>
-            <a:endParaRPr lang="en-US" sz="2800" dirty="0" smtClean="0">
-              <a:latin typeface="SF UI Text" panose="00000400000000000000" pitchFamily="2" charset="0"/>
+            <a:r>
+              <a:rPr lang="en-US" dirty="0" err="1" smtClean="0">
+                <a:solidFill>
+                  <a:schemeClr val="tx2"/>
+                </a:solidFill>
+                <a:latin typeface="Segoe UI" panose="020B0502040204020203" pitchFamily="34" charset="0"/>
+              </a:rPr>
+              <a:t>Shakura.dev</a:t>
+            </a:r>
+            <a:r>
+              <a:rPr lang="en-US" dirty="0" smtClean="0">
+                <a:solidFill>
+                  <a:schemeClr val="tx2"/>
+                </a:solidFill>
+                <a:latin typeface="Segoe UI" panose="020B0502040204020203" pitchFamily="34" charset="0"/>
+              </a:rPr>
+              <a:t>/</a:t>
+            </a:r>
+            <a:r>
+              <a:rPr lang="en-US" dirty="0" err="1" smtClean="0">
+                <a:solidFill>
+                  <a:schemeClr val="tx2"/>
+                </a:solidFill>
+                <a:latin typeface="Segoe UI" panose="020B0502040204020203" pitchFamily="34" charset="0"/>
+              </a:rPr>
+              <a:t>hseapien</a:t>
+            </a:r>
+            <a:endParaRPr lang="ru-RU" dirty="0" smtClean="0">
+              <a:solidFill>
+                <a:schemeClr val="tx2"/>
+              </a:solidFill>
+              <a:latin typeface="Segoe UI" panose="020B0502040204020203" pitchFamily="34" charset="0"/>
             </a:endParaRPr>
           </a:p>
         </p:txBody>
       </p:sp>
       <p:sp>
         <p:nvSpPr>
-          <p:cNvPr id="7" name="Subtitle 2"/>
+          <p:cNvPr id="2" name="Прямоугольник 1"/>
+          <p:cNvSpPr/>
+          <p:nvPr/>
+        </p:nvSpPr>
+        <p:spPr>
+          <a:xfrm>
+            <a:off x="6344195" y="4077660"/>
+            <a:ext cx="3522617" cy="523220"/>
+          </a:xfrm>
+          <a:prstGeom prst="rect">
+            <a:avLst/>
+          </a:prstGeom>
+        </p:spPr>
+        <p:txBody>
+          <a:bodyPr wrap="square">
+            <a:spAutoFit/>
+          </a:bodyPr>
+          <a:lstStyle/>
+          <a:p>
+            <a:r>
+              <a:rPr lang="en-US" sz="1400" dirty="0" smtClean="0">
+                <a:solidFill>
+                  <a:schemeClr val="tx2"/>
+                </a:solidFill>
+                <a:latin typeface="Segoe UI" panose="020B0502040204020203" pitchFamily="34" charset="0"/>
+              </a:rPr>
+              <a:t>hse.ru/news/announcements/ hse.ru/</a:t>
+            </a:r>
+            <a:r>
+              <a:rPr lang="en-US" sz="1400" dirty="0" err="1" smtClean="0">
+                <a:solidFill>
+                  <a:schemeClr val="tx2"/>
+                </a:solidFill>
+                <a:latin typeface="Segoe UI" panose="020B0502040204020203" pitchFamily="34" charset="0"/>
+              </a:rPr>
+              <a:t>en</a:t>
+            </a:r>
+            <a:r>
+              <a:rPr lang="en-US" sz="1400" dirty="0" smtClean="0">
+                <a:solidFill>
+                  <a:schemeClr val="tx2"/>
+                </a:solidFill>
+                <a:latin typeface="Segoe UI" panose="020B0502040204020203" pitchFamily="34" charset="0"/>
+              </a:rPr>
+              <a:t>/news/announcements</a:t>
+            </a:r>
+            <a:r>
+              <a:rPr lang="en-US" sz="1400" dirty="0">
+                <a:solidFill>
+                  <a:schemeClr val="tx2"/>
+                </a:solidFill>
+                <a:latin typeface="Segoe UI" panose="020B0502040204020203" pitchFamily="34" charset="0"/>
+              </a:rPr>
+              <a:t>/ </a:t>
+            </a:r>
+          </a:p>
+        </p:txBody>
+      </p:sp>
+      <p:sp>
+        <p:nvSpPr>
+          <p:cNvPr id="10" name="Subtitle 2"/>
           <p:cNvSpPr txBox="1"/>
           <p:nvPr/>
         </p:nvSpPr>

--- a/Презентация.pptx
+++ b/Презентация.pptx
@@ -5,31 +5,33 @@
     <p:sldMasterId id="2147483648" r:id="rId1"/>
   </p:sldMasterIdLst>
   <p:notesMasterIdLst>
-    <p:notesMasterId r:id="rId21"/>
+    <p:notesMasterId r:id="rId23"/>
   </p:notesMasterIdLst>
   <p:handoutMasterIdLst>
-    <p:handoutMasterId r:id="rId22"/>
+    <p:handoutMasterId r:id="rId24"/>
   </p:handoutMasterIdLst>
   <p:sldIdLst>
     <p:sldId id="256" r:id="rId2"/>
     <p:sldId id="259" r:id="rId3"/>
-    <p:sldId id="261" r:id="rId4"/>
-    <p:sldId id="262" r:id="rId5"/>
-    <p:sldId id="273" r:id="rId6"/>
+    <p:sldId id="293" r:id="rId4"/>
+    <p:sldId id="273" r:id="rId5"/>
+    <p:sldId id="262" r:id="rId6"/>
     <p:sldId id="291" r:id="rId7"/>
-    <p:sldId id="263" r:id="rId8"/>
-    <p:sldId id="274" r:id="rId9"/>
-    <p:sldId id="268" r:id="rId10"/>
-    <p:sldId id="264" r:id="rId11"/>
-    <p:sldId id="283" r:id="rId12"/>
-    <p:sldId id="265" r:id="rId13"/>
-    <p:sldId id="287" r:id="rId14"/>
-    <p:sldId id="288" r:id="rId15"/>
-    <p:sldId id="289" r:id="rId16"/>
-    <p:sldId id="290" r:id="rId17"/>
-    <p:sldId id="286" r:id="rId18"/>
-    <p:sldId id="276" r:id="rId19"/>
-    <p:sldId id="292" r:id="rId20"/>
+    <p:sldId id="274" r:id="rId8"/>
+    <p:sldId id="283" r:id="rId9"/>
+    <p:sldId id="265" r:id="rId10"/>
+    <p:sldId id="287" r:id="rId11"/>
+    <p:sldId id="288" r:id="rId12"/>
+    <p:sldId id="289" r:id="rId13"/>
+    <p:sldId id="290" r:id="rId14"/>
+    <p:sldId id="294" r:id="rId15"/>
+    <p:sldId id="261" r:id="rId16"/>
+    <p:sldId id="263" r:id="rId17"/>
+    <p:sldId id="268" r:id="rId18"/>
+    <p:sldId id="264" r:id="rId19"/>
+    <p:sldId id="286" r:id="rId20"/>
+    <p:sldId id="276" r:id="rId21"/>
+    <p:sldId id="292" r:id="rId22"/>
   </p:sldIdLst>
   <p:sldSz cx="9144000" cy="6858000" type="screen4x3"/>
   <p:notesSz cx="6858000" cy="9144000"/>
@@ -4890,342 +4892,150 @@
       </p:grpSpPr>
       <p:sp>
         <p:nvSpPr>
-          <p:cNvPr id="14338" name="Subtitle 2"/>
-          <p:cNvSpPr txBox="1"/>
+          <p:cNvPr id="2" name="Заголовок 1"/>
+          <p:cNvSpPr>
+            <a:spLocks noGrp="1"/>
+          </p:cNvSpPr>
+          <p:nvPr>
+            <p:ph type="title"/>
+          </p:nvPr>
+        </p:nvSpPr>
+        <p:spPr>
+          <a:xfrm>
+            <a:off x="1005841" y="0"/>
+            <a:ext cx="8229600" cy="1143000"/>
+          </a:xfrm>
+        </p:spPr>
+        <p:txBody>
+          <a:bodyPr/>
+          <a:lstStyle/>
+          <a:p>
+            <a:r>
+              <a:rPr lang="ru-RU" dirty="0" smtClean="0">
+                <a:latin typeface="SF UI Text" panose="00000400000000000000" pitchFamily="2" charset="0"/>
+              </a:rPr>
+              <a:t>Мероприятия на английском</a:t>
+            </a:r>
+            <a:endParaRPr lang="ru-RU" dirty="0">
+              <a:latin typeface="SF UI Text" panose="00000400000000000000" pitchFamily="2" charset="0"/>
+            </a:endParaRPr>
+          </a:p>
+        </p:txBody>
+      </p:sp>
+      <p:sp>
+        <p:nvSpPr>
+          <p:cNvPr id="4" name="Номер слайда 3"/>
+          <p:cNvSpPr>
+            <a:spLocks noGrp="1"/>
+          </p:cNvSpPr>
+          <p:nvPr>
+            <p:ph type="sldNum" sz="quarter" idx="12"/>
+          </p:nvPr>
+        </p:nvSpPr>
+        <p:spPr/>
+        <p:txBody>
+          <a:bodyPr/>
+          <a:lstStyle/>
+          <a:p>
+            <a:pPr>
+              <a:defRPr/>
+            </a:pPr>
+            <a:fld id="{CB65F501-F5CC-4E12-934E-78BB5E4DA208}" type="slidenum">
+              <a:rPr lang="en-US" smtClean="0"/>
+              <a:t>10</a:t>
+            </a:fld>
+            <a:endParaRPr lang="en-US"/>
+          </a:p>
+        </p:txBody>
+      </p:sp>
+      <p:pic>
+        <p:nvPicPr>
+          <p:cNvPr id="5" name="Picture 4" descr="https://github.com/M2000h/HSE-APP/raw/master/screenshots/main_en_white.jpg"/>
+          <p:cNvPicPr>
+            <a:picLocks noChangeAspect="1" noChangeArrowheads="1"/>
+          </p:cNvPicPr>
           <p:nvPr/>
-        </p:nvSpPr>
+        </p:nvPicPr>
+        <p:blipFill>
+          <a:blip r:embed="rId2">
+            <a:extLst>
+              <a:ext uri="{28A0092B-C50C-407E-A947-70E740481C1C}">
+                <a14:useLocalDpi xmlns:a14="http://schemas.microsoft.com/office/drawing/2010/main" val="0"/>
+              </a:ext>
+            </a:extLst>
+          </a:blip>
+          <a:srcRect/>
+          <a:stretch>
+            <a:fillRect/>
+          </a:stretch>
+        </p:blipFill>
         <p:spPr bwMode="auto">
           <a:xfrm>
-            <a:off x="255588" y="6415088"/>
-            <a:ext cx="4143375" cy="246062"/>
+            <a:off x="1005841" y="1330259"/>
+            <a:ext cx="2556738" cy="5113470"/>
           </a:xfrm>
           <a:prstGeom prst="rect">
             <a:avLst/>
           </a:prstGeom>
           <a:noFill/>
-          <a:ln w="9525">
-            <a:noFill/>
-            <a:miter lim="800000"/>
-          </a:ln>
-        </p:spPr>
-        <p:txBody>
-          <a:bodyPr/>
-          <a:lstStyle/>
-          <a:p>
-            <a:pPr>
-              <a:spcBef>
-                <a:spcPct val="20000"/>
-              </a:spcBef>
-            </a:pPr>
-            <a:r>
-              <a:rPr lang="ru-RU" sz="800" dirty="0">
-                <a:solidFill>
-                  <a:schemeClr val="bg1"/>
-                </a:solidFill>
-              </a:rPr>
-              <a:t>Высшая школа экономики, Москва, 2018</a:t>
-            </a:r>
-            <a:endParaRPr kumimoji="1" lang="ru-RU" sz="800" dirty="0">
-              <a:solidFill>
-                <a:schemeClr val="bg1"/>
-              </a:solidFill>
-            </a:endParaRPr>
-          </a:p>
-        </p:txBody>
-      </p:sp>
-      <p:sp>
-        <p:nvSpPr>
-          <p:cNvPr id="14339" name="Title 1"/>
-          <p:cNvSpPr txBox="1"/>
+          <a:extLst>
+            <a:ext uri="{909E8E84-426E-40DD-AFC4-6F175D3DCCD1}">
+              <a14:hiddenFill xmlns:a14="http://schemas.microsoft.com/office/drawing/2010/main">
+                <a:solidFill>
+                  <a:srgbClr val="FFFFFF"/>
+                </a:solidFill>
+              </a14:hiddenFill>
+            </a:ext>
+          </a:extLst>
+        </p:spPr>
+      </p:pic>
+      <p:pic>
+        <p:nvPicPr>
+          <p:cNvPr id="6" name="Picture 8" descr="https://github.com/M2000h/HSE-APP/raw/master/screenshots/main_en_black.jpg"/>
+          <p:cNvPicPr>
+            <a:picLocks noChangeAspect="1" noChangeArrowheads="1"/>
+          </p:cNvPicPr>
           <p:nvPr/>
-        </p:nvSpPr>
+        </p:nvPicPr>
+        <p:blipFill>
+          <a:blip r:embed="rId3">
+            <a:extLst>
+              <a:ext uri="{28A0092B-C50C-407E-A947-70E740481C1C}">
+                <a14:useLocalDpi xmlns:a14="http://schemas.microsoft.com/office/drawing/2010/main" val="0"/>
+              </a:ext>
+            </a:extLst>
+          </a:blip>
+          <a:srcRect/>
+          <a:stretch>
+            <a:fillRect/>
+          </a:stretch>
+        </p:blipFill>
         <p:spPr bwMode="auto">
           <a:xfrm>
-            <a:off x="849086" y="268343"/>
-            <a:ext cx="8294913" cy="412750"/>
+            <a:off x="5353176" y="1330259"/>
+            <a:ext cx="2556737" cy="5113470"/>
           </a:xfrm>
           <a:prstGeom prst="rect">
             <a:avLst/>
           </a:prstGeom>
           <a:noFill/>
-          <a:ln w="9525">
-            <a:noFill/>
-            <a:miter lim="800000"/>
-          </a:ln>
-        </p:spPr>
-        <p:txBody>
-          <a:bodyPr anchor="ctr"/>
-          <a:lstStyle/>
-          <a:p>
-            <a:pPr algn="ctr"/>
-            <a:r>
-              <a:rPr lang="ru-RU" sz="3200" dirty="0" smtClean="0">
-                <a:latin typeface="SF UI Text" panose="00000400000000000000" pitchFamily="2" charset="0"/>
-              </a:rPr>
-              <a:t>Технологии </a:t>
-            </a:r>
-            <a:r>
-              <a:rPr lang="ru-RU" sz="3200" dirty="0">
-                <a:latin typeface="SF UI Text" panose="00000400000000000000" pitchFamily="2" charset="0"/>
-              </a:rPr>
-              <a:t>и</a:t>
-            </a:r>
-            <a:r>
-              <a:rPr lang="ru-RU" sz="3200" dirty="0" smtClean="0">
-                <a:latin typeface="SF UI Text" panose="00000400000000000000" pitchFamily="2" charset="0"/>
-              </a:rPr>
-              <a:t> инструменты реализации</a:t>
-            </a:r>
-            <a:endParaRPr lang="en-US" sz="3200" dirty="0">
-              <a:latin typeface="SF UI Text" panose="00000400000000000000" pitchFamily="2" charset="0"/>
-            </a:endParaRPr>
-          </a:p>
-        </p:txBody>
-      </p:sp>
-      <p:sp>
-        <p:nvSpPr>
-          <p:cNvPr id="11" name="Номер слайда 10"/>
-          <p:cNvSpPr>
-            <a:spLocks noGrp="1"/>
-          </p:cNvSpPr>
-          <p:nvPr>
-            <p:ph type="sldNum" sz="quarter" idx="12"/>
-          </p:nvPr>
-        </p:nvSpPr>
-        <p:spPr/>
-        <p:txBody>
-          <a:bodyPr vert="horz" wrap="square" lIns="91440" tIns="45720" rIns="91440" bIns="45720" numCol="1" anchor="ctr" anchorCtr="0" compatLnSpc="1"/>
-          <a:lstStyle/>
-          <a:p>
-            <a:pPr>
-              <a:defRPr/>
-            </a:pPr>
-            <a:fld id="{CB65F501-F5CC-4E12-934E-78BB5E4DA208}" type="slidenum">
-              <a:rPr lang="en-US" sz="1800" smtClean="0">
-                <a:solidFill>
-                  <a:schemeClr val="tx1"/>
-                </a:solidFill>
-              </a:rPr>
-              <a:t>10</a:t>
-            </a:fld>
-            <a:endParaRPr lang="en-US" sz="1800">
-              <a:solidFill>
-                <a:schemeClr val="tx1"/>
-              </a:solidFill>
-            </a:endParaRPr>
-          </a:p>
-        </p:txBody>
-      </p:sp>
-      <p:sp>
-        <p:nvSpPr>
-          <p:cNvPr id="8" name="Rectangle 12"/>
-          <p:cNvSpPr>
-            <a:spLocks noChangeArrowheads="1"/>
-          </p:cNvSpPr>
-          <p:nvPr/>
-        </p:nvSpPr>
-        <p:spPr bwMode="auto">
-          <a:xfrm>
-            <a:off x="255589" y="1581141"/>
-            <a:ext cx="3504648" cy="3249479"/>
-          </a:xfrm>
-          <a:prstGeom prst="rect">
-            <a:avLst/>
-          </a:prstGeom>
-          <a:noFill/>
-          <a:ln w="9525">
-            <a:noFill/>
-            <a:miter lim="800000"/>
-          </a:ln>
-        </p:spPr>
-        <p:txBody>
-          <a:bodyPr wrap="square">
-            <a:spAutoFit/>
-          </a:bodyPr>
-          <a:lstStyle/>
-          <a:p>
-            <a:pPr>
-              <a:lnSpc>
-                <a:spcPct val="150000"/>
-              </a:lnSpc>
-            </a:pPr>
-            <a:r>
-              <a:rPr lang="en-US" sz="2800" dirty="0" smtClean="0">
-                <a:latin typeface="SF UI Text" panose="00000400000000000000" pitchFamily="2" charset="0"/>
-              </a:rPr>
-              <a:t>Ubuntu 16.04</a:t>
-            </a:r>
-          </a:p>
-          <a:p>
-            <a:pPr>
-              <a:lnSpc>
-                <a:spcPct val="150000"/>
-              </a:lnSpc>
-            </a:pPr>
-            <a:r>
-              <a:rPr lang="en-US" sz="2800" dirty="0" smtClean="0">
-                <a:latin typeface="SF UI Text" panose="00000400000000000000" pitchFamily="2" charset="0"/>
-              </a:rPr>
-              <a:t>Apache2</a:t>
-            </a:r>
-          </a:p>
-          <a:p>
-            <a:pPr>
-              <a:lnSpc>
-                <a:spcPct val="150000"/>
-              </a:lnSpc>
-            </a:pPr>
-            <a:r>
-              <a:rPr lang="en-US" sz="2800" dirty="0" smtClean="0">
-                <a:latin typeface="SF UI Text" panose="00000400000000000000" pitchFamily="2" charset="0"/>
-              </a:rPr>
-              <a:t>Python</a:t>
-            </a:r>
-          </a:p>
-          <a:p>
-            <a:pPr>
-              <a:lnSpc>
-                <a:spcPct val="150000"/>
-              </a:lnSpc>
-            </a:pPr>
-            <a:r>
-              <a:rPr lang="en-US" sz="2800" dirty="0" smtClean="0">
-                <a:latin typeface="SF UI Text" panose="00000400000000000000" pitchFamily="2" charset="0"/>
-              </a:rPr>
-              <a:t>Flask</a:t>
-            </a:r>
-          </a:p>
-          <a:p>
-            <a:pPr>
-              <a:lnSpc>
-                <a:spcPct val="150000"/>
-              </a:lnSpc>
-            </a:pPr>
-            <a:r>
-              <a:rPr lang="en-US" sz="2800" dirty="0" smtClean="0">
-                <a:latin typeface="SF UI Text" panose="00000400000000000000" pitchFamily="2" charset="0"/>
-              </a:rPr>
-              <a:t>JSON</a:t>
-            </a:r>
-          </a:p>
-        </p:txBody>
-      </p:sp>
-      <p:sp>
-        <p:nvSpPr>
-          <p:cNvPr id="9" name="Rectangle 12"/>
-          <p:cNvSpPr>
-            <a:spLocks noChangeArrowheads="1"/>
-          </p:cNvSpPr>
-          <p:nvPr/>
-        </p:nvSpPr>
-        <p:spPr bwMode="auto">
-          <a:xfrm>
-            <a:off x="4398963" y="1674566"/>
-            <a:ext cx="4287837" cy="2031325"/>
-          </a:xfrm>
-          <a:prstGeom prst="rect">
-            <a:avLst/>
-          </a:prstGeom>
-          <a:noFill/>
-          <a:ln w="9525">
-            <a:noFill/>
-            <a:miter lim="800000"/>
-          </a:ln>
-        </p:spPr>
-        <p:txBody>
-          <a:bodyPr wrap="square">
-            <a:spAutoFit/>
-          </a:bodyPr>
-          <a:lstStyle/>
-          <a:p>
-            <a:pPr>
-              <a:lnSpc>
-                <a:spcPct val="150000"/>
-              </a:lnSpc>
-            </a:pPr>
-            <a:r>
-              <a:rPr lang="en-US" sz="2800" dirty="0" err="1" smtClean="0">
-                <a:latin typeface="SF UI Text" panose="00000400000000000000" pitchFamily="2" charset="0"/>
-              </a:rPr>
-              <a:t>Xamarin</a:t>
-            </a:r>
-            <a:endParaRPr lang="en-US" sz="2800" dirty="0" smtClean="0">
-              <a:latin typeface="SF UI Text" panose="00000400000000000000" pitchFamily="2" charset="0"/>
-            </a:endParaRPr>
-          </a:p>
-          <a:p>
-            <a:pPr>
-              <a:lnSpc>
-                <a:spcPct val="150000"/>
-              </a:lnSpc>
-            </a:pPr>
-            <a:r>
-              <a:rPr lang="en-US" sz="2800" dirty="0" smtClean="0">
-                <a:latin typeface="SF UI Text" panose="00000400000000000000" pitchFamily="2" charset="0"/>
-              </a:rPr>
-              <a:t>C#</a:t>
-            </a:r>
-          </a:p>
-          <a:p>
-            <a:pPr>
-              <a:lnSpc>
-                <a:spcPct val="150000"/>
-              </a:lnSpc>
-            </a:pPr>
-            <a:r>
-              <a:rPr lang="en-US" sz="2800" dirty="0" err="1" smtClean="0">
-                <a:latin typeface="SF UI Text" panose="00000400000000000000" pitchFamily="2" charset="0"/>
-              </a:rPr>
-              <a:t>Xaml</a:t>
-            </a:r>
-            <a:endParaRPr lang="en-US" sz="2800" dirty="0" smtClean="0">
-              <a:latin typeface="SF UI Text" panose="00000400000000000000" pitchFamily="2" charset="0"/>
-            </a:endParaRPr>
-          </a:p>
-        </p:txBody>
-      </p:sp>
-      <p:sp>
-        <p:nvSpPr>
-          <p:cNvPr id="7" name="Subtitle 2"/>
-          <p:cNvSpPr txBox="1"/>
-          <p:nvPr/>
-        </p:nvSpPr>
-        <p:spPr bwMode="auto">
-          <a:xfrm>
-            <a:off x="407988" y="6567488"/>
-            <a:ext cx="4143375" cy="246062"/>
-          </a:xfrm>
-          <a:prstGeom prst="rect">
-            <a:avLst/>
-          </a:prstGeom>
-          <a:noFill/>
-          <a:ln w="9525">
-            <a:noFill/>
-            <a:miter lim="800000"/>
-          </a:ln>
-        </p:spPr>
-        <p:txBody>
-          <a:bodyPr/>
-          <a:lstStyle/>
-          <a:p>
-            <a:pPr>
-              <a:spcBef>
-                <a:spcPct val="20000"/>
-              </a:spcBef>
-            </a:pPr>
-            <a:r>
-              <a:rPr lang="ru-RU" sz="800" dirty="0"/>
-              <a:t>Высшая школа экономики, Москва, </a:t>
-            </a:r>
-            <a:r>
-              <a:rPr lang="ru-RU" sz="800" dirty="0" smtClean="0"/>
-              <a:t>2019</a:t>
-            </a:r>
-            <a:endParaRPr kumimoji="1" lang="ru-RU" sz="800" dirty="0"/>
-          </a:p>
-        </p:txBody>
-      </p:sp>
+          <a:extLst>
+            <a:ext uri="{909E8E84-426E-40DD-AFC4-6F175D3DCCD1}">
+              <a14:hiddenFill xmlns:a14="http://schemas.microsoft.com/office/drawing/2010/main">
+                <a:solidFill>
+                  <a:srgbClr val="FFFFFF"/>
+                </a:solidFill>
+              </a14:hiddenFill>
+            </a:ext>
+          </a:extLst>
+        </p:spPr>
+      </p:pic>
     </p:spTree>
+    <p:extLst>
+      <p:ext uri="{BB962C8B-B14F-4D97-AF65-F5344CB8AC3E}">
+        <p14:creationId xmlns:p14="http://schemas.microsoft.com/office/powerpoint/2010/main" val="640254310"/>
+      </p:ext>
+    </p:extLst>
   </p:cSld>
   <p:clrMapOvr>
     <a:masterClrMapping/>
@@ -5259,221 +5069,37 @@
       </p:grpSpPr>
       <p:sp>
         <p:nvSpPr>
-          <p:cNvPr id="14338" name="Subtitle 2"/>
-          <p:cNvSpPr txBox="1"/>
-          <p:nvPr/>
-        </p:nvSpPr>
-        <p:spPr bwMode="auto">
-          <a:xfrm>
-            <a:off x="255588" y="6415088"/>
-            <a:ext cx="4143375" cy="246062"/>
-          </a:xfrm>
-          <a:prstGeom prst="rect">
-            <a:avLst/>
-          </a:prstGeom>
-          <a:noFill/>
-          <a:ln w="9525">
-            <a:noFill/>
-            <a:miter lim="800000"/>
-          </a:ln>
+          <p:cNvPr id="2" name="Заголовок 1"/>
+          <p:cNvSpPr>
+            <a:spLocks noGrp="1"/>
+          </p:cNvSpPr>
+          <p:nvPr>
+            <p:ph type="title"/>
+          </p:nvPr>
+        </p:nvSpPr>
+        <p:spPr>
+          <a:xfrm>
+            <a:off x="905690" y="274638"/>
+            <a:ext cx="8064139" cy="648471"/>
+          </a:xfrm>
         </p:spPr>
         <p:txBody>
           <a:bodyPr/>
           <a:lstStyle/>
           <a:p>
-            <a:pPr>
-              <a:spcBef>
-                <a:spcPct val="20000"/>
-              </a:spcBef>
-            </a:pPr>
-            <a:r>
-              <a:rPr lang="ru-RU" sz="800" dirty="0">
-                <a:solidFill>
-                  <a:schemeClr val="bg1"/>
-                </a:solidFill>
-              </a:rPr>
-              <a:t>Высшая школа экономики, Москва, 2018</a:t>
-            </a:r>
-            <a:endParaRPr kumimoji="1" lang="ru-RU" sz="800" dirty="0">
-              <a:solidFill>
-                <a:schemeClr val="bg1"/>
-              </a:solidFill>
-            </a:endParaRPr>
-          </a:p>
-        </p:txBody>
-      </p:sp>
-      <p:sp>
-        <p:nvSpPr>
-          <p:cNvPr id="14339" name="Title 1"/>
-          <p:cNvSpPr txBox="1"/>
-          <p:nvPr/>
-        </p:nvSpPr>
-        <p:spPr bwMode="auto">
-          <a:xfrm>
-            <a:off x="923731" y="292101"/>
-            <a:ext cx="8220268" cy="412750"/>
-          </a:xfrm>
-          <a:prstGeom prst="rect">
-            <a:avLst/>
-          </a:prstGeom>
-          <a:noFill/>
-          <a:ln w="9525">
-            <a:noFill/>
-            <a:miter lim="800000"/>
-          </a:ln>
-        </p:spPr>
-        <p:txBody>
-          <a:bodyPr anchor="ctr"/>
-          <a:lstStyle/>
-          <a:p>
-            <a:pPr algn="ctr"/>
-            <a:r>
-              <a:rPr lang="ru-RU" sz="3200" dirty="0">
-                <a:latin typeface="SF UI Text" panose="00000400000000000000" pitchFamily="2" charset="0"/>
-              </a:rPr>
-              <a:t>Технологии и инструменты реализации</a:t>
-            </a:r>
-            <a:endParaRPr lang="en-US" sz="3200" dirty="0">
-              <a:latin typeface="SF UI Text" panose="00000400000000000000" pitchFamily="2" charset="0"/>
-            </a:endParaRPr>
-          </a:p>
-        </p:txBody>
-      </p:sp>
-      <p:sp>
-        <p:nvSpPr>
-          <p:cNvPr id="14343" name="Rectangle 9"/>
-          <p:cNvSpPr>
-            <a:spLocks noChangeArrowheads="1"/>
-          </p:cNvSpPr>
-          <p:nvPr/>
-        </p:nvSpPr>
-        <p:spPr bwMode="auto">
-          <a:xfrm>
-            <a:off x="7300913" y="2255838"/>
-            <a:ext cx="674687" cy="369887"/>
-          </a:xfrm>
-          <a:prstGeom prst="rect">
-            <a:avLst/>
-          </a:prstGeom>
-          <a:noFill/>
-          <a:ln w="9525">
-            <a:noFill/>
-            <a:miter lim="800000"/>
-          </a:ln>
-        </p:spPr>
-        <p:txBody>
-          <a:bodyPr wrap="none">
-            <a:spAutoFit/>
-          </a:bodyPr>
-          <a:lstStyle/>
-          <a:p>
-            <a:r>
-              <a:rPr lang="ru-RU">
-                <a:solidFill>
-                  <a:srgbClr val="FFFFFF"/>
-                </a:solidFill>
-              </a:rPr>
-              <a:t>фото</a:t>
-            </a:r>
-            <a:endParaRPr lang="en-US">
-              <a:solidFill>
-                <a:srgbClr val="FFFFFF"/>
-              </a:solidFill>
-            </a:endParaRPr>
-          </a:p>
-        </p:txBody>
-      </p:sp>
-      <p:sp>
-        <p:nvSpPr>
-          <p:cNvPr id="14344" name="Rectangle 10"/>
-          <p:cNvSpPr>
-            <a:spLocks noChangeArrowheads="1"/>
-          </p:cNvSpPr>
-          <p:nvPr/>
-        </p:nvSpPr>
-        <p:spPr bwMode="auto">
-          <a:xfrm>
-            <a:off x="7300913" y="3967163"/>
-            <a:ext cx="674687" cy="368300"/>
-          </a:xfrm>
-          <a:prstGeom prst="rect">
-            <a:avLst/>
-          </a:prstGeom>
-          <a:noFill/>
-          <a:ln w="9525">
-            <a:noFill/>
-            <a:miter lim="800000"/>
-          </a:ln>
-        </p:spPr>
-        <p:txBody>
-          <a:bodyPr wrap="none">
-            <a:spAutoFit/>
-          </a:bodyPr>
-          <a:lstStyle/>
-          <a:p>
-            <a:r>
-              <a:rPr lang="ru-RU">
-                <a:solidFill>
-                  <a:srgbClr val="FFFFFF"/>
-                </a:solidFill>
-              </a:rPr>
-              <a:t>фото</a:t>
-            </a:r>
-            <a:endParaRPr lang="en-US">
-              <a:solidFill>
-                <a:srgbClr val="FFFFFF"/>
-              </a:solidFill>
-            </a:endParaRPr>
-          </a:p>
-        </p:txBody>
-      </p:sp>
-      <p:sp>
-        <p:nvSpPr>
-          <p:cNvPr id="14345" name="Rectangle 11"/>
-          <p:cNvSpPr>
-            <a:spLocks noChangeArrowheads="1"/>
-          </p:cNvSpPr>
-          <p:nvPr/>
-        </p:nvSpPr>
-        <p:spPr bwMode="auto">
-          <a:xfrm>
-            <a:off x="7300913" y="5591175"/>
-            <a:ext cx="674687" cy="369888"/>
-          </a:xfrm>
-          <a:prstGeom prst="rect">
-            <a:avLst/>
-          </a:prstGeom>
-          <a:noFill/>
-          <a:ln w="9525">
-            <a:noFill/>
-            <a:miter lim="800000"/>
-          </a:ln>
-        </p:spPr>
-        <p:txBody>
-          <a:bodyPr wrap="none">
-            <a:spAutoFit/>
-          </a:bodyPr>
-          <a:lstStyle/>
-          <a:p>
-            <a:r>
-              <a:rPr lang="ru-RU">
-                <a:solidFill>
-                  <a:srgbClr val="FFFFFF"/>
-                </a:solidFill>
-              </a:rPr>
-              <a:t>фото</a:t>
-            </a:r>
-            <a:endParaRPr lang="en-US">
-              <a:solidFill>
-                <a:srgbClr val="FFFFFF"/>
-              </a:solidFill>
-            </a:endParaRPr>
-          </a:p>
-        </p:txBody>
-      </p:sp>
-      <p:sp>
-        <p:nvSpPr>
-          <p:cNvPr id="11" name="Номер слайда 10"/>
+            <a:r>
+              <a:rPr lang="ru-RU" dirty="0" smtClean="0">
+                <a:latin typeface="SF UI Text" panose="00000400000000000000" pitchFamily="2" charset="0"/>
+              </a:rPr>
+              <a:t>Подробности мероприятия</a:t>
+            </a:r>
+            <a:endParaRPr lang="ru-RU" dirty="0"/>
+          </a:p>
+        </p:txBody>
+      </p:sp>
+      <p:sp>
+        <p:nvSpPr>
+          <p:cNvPr id="4" name="Номер слайда 3"/>
           <p:cNvSpPr>
             <a:spLocks noGrp="1"/>
           </p:cNvSpPr>
@@ -5483,31 +5109,23 @@
         </p:nvSpPr>
         <p:spPr/>
         <p:txBody>
-          <a:bodyPr vert="horz" wrap="square" lIns="91440" tIns="45720" rIns="91440" bIns="45720" numCol="1" anchor="ctr" anchorCtr="0" compatLnSpc="1"/>
+          <a:bodyPr/>
           <a:lstStyle/>
           <a:p>
             <a:pPr>
               <a:defRPr/>
             </a:pPr>
             <a:fld id="{CB65F501-F5CC-4E12-934E-78BB5E4DA208}" type="slidenum">
-              <a:rPr lang="en-US" sz="1800" smtClean="0">
-                <a:solidFill>
-                  <a:schemeClr val="tx1"/>
-                </a:solidFill>
-              </a:rPr>
+              <a:rPr lang="en-US" smtClean="0"/>
               <a:t>11</a:t>
             </a:fld>
-            <a:endParaRPr lang="en-US" sz="1800">
-              <a:solidFill>
-                <a:schemeClr val="tx1"/>
-              </a:solidFill>
-            </a:endParaRPr>
+            <a:endParaRPr lang="en-US" dirty="0"/>
           </a:p>
         </p:txBody>
       </p:sp>
       <p:pic>
         <p:nvPicPr>
-          <p:cNvPr id="1026" name="Picture 2" descr="Untitled"/>
+          <p:cNvPr id="6" name="Picture 10" descr="https://github.com/M2000h/HSE-APP/raw/master/screenshots/event_white_rus.jpg"/>
           <p:cNvPicPr>
             <a:picLocks noChangeAspect="1" noChangeArrowheads="1"/>
           </p:cNvPicPr>
@@ -5528,16 +5146,13 @@
         </p:blipFill>
         <p:spPr bwMode="auto">
           <a:xfrm>
-            <a:off x="1688608" y="2409825"/>
-            <a:ext cx="6430963" cy="1630363"/>
+            <a:off x="1248910" y="1425442"/>
+            <a:ext cx="2556735" cy="5113470"/>
           </a:xfrm>
           <a:prstGeom prst="rect">
             <a:avLst/>
           </a:prstGeom>
           <a:noFill/>
-          <a:ln>
-            <a:noFill/>
-          </a:ln>
           <a:extLst>
             <a:ext uri="{909E8E84-426E-40DD-AFC4-6F175D3DCCD1}">
               <a14:hiddenFill xmlns:a14="http://schemas.microsoft.com/office/drawing/2010/main">
@@ -5546,61 +5161,56 @@
                 </a:solidFill>
               </a14:hiddenFill>
             </a:ext>
-            <a:ext uri="{91240B29-F687-4F45-9708-019B960494DF}">
-              <a14:hiddenLine xmlns:a14="http://schemas.microsoft.com/office/drawing/2010/main" w="9525">
-                <a:solidFill>
-                  <a:srgbClr val="000000"/>
-                </a:solidFill>
-                <a:miter lim="800000"/>
-                <a:headEnd/>
-                <a:tailEnd/>
-              </a14:hiddenLine>
-            </a:ext>
           </a:extLst>
         </p:spPr>
       </p:pic>
-      <p:sp>
-        <p:nvSpPr>
-          <p:cNvPr id="9" name="Subtitle 2"/>
-          <p:cNvSpPr txBox="1"/>
+      <p:pic>
+        <p:nvPicPr>
+          <p:cNvPr id="7" name="Picture 12" descr="https://github.com/M2000h/HSE-APP/raw/master/screenshots/event_black.jpg"/>
+          <p:cNvPicPr>
+            <a:picLocks noChangeAspect="1" noChangeArrowheads="1"/>
+          </p:cNvPicPr>
           <p:nvPr/>
-        </p:nvSpPr>
+        </p:nvPicPr>
+        <p:blipFill>
+          <a:blip r:embed="rId3">
+            <a:extLst>
+              <a:ext uri="{28A0092B-C50C-407E-A947-70E740481C1C}">
+                <a14:useLocalDpi xmlns:a14="http://schemas.microsoft.com/office/drawing/2010/main" val="0"/>
+              </a:ext>
+            </a:extLst>
+          </a:blip>
+          <a:srcRect/>
+          <a:stretch>
+            <a:fillRect/>
+          </a:stretch>
+        </p:blipFill>
         <p:spPr bwMode="auto">
           <a:xfrm>
-            <a:off x="407988" y="6567488"/>
-            <a:ext cx="4143375" cy="246062"/>
+            <a:off x="5060238" y="1425442"/>
+            <a:ext cx="2559762" cy="5113470"/>
           </a:xfrm>
           <a:prstGeom prst="rect">
             <a:avLst/>
           </a:prstGeom>
           <a:noFill/>
-          <a:ln w="9525">
-            <a:noFill/>
-            <a:miter lim="800000"/>
-          </a:ln>
-        </p:spPr>
-        <p:txBody>
-          <a:bodyPr/>
-          <a:lstStyle/>
-          <a:p>
-            <a:pPr>
-              <a:spcBef>
-                <a:spcPct val="20000"/>
-              </a:spcBef>
-            </a:pPr>
-            <a:r>
-              <a:rPr lang="ru-RU" sz="800" dirty="0"/>
-              <a:t>Высшая школа экономики, Москва, </a:t>
-            </a:r>
-            <a:r>
-              <a:rPr lang="ru-RU" sz="800" dirty="0" smtClean="0"/>
-              <a:t>2019</a:t>
-            </a:r>
-            <a:endParaRPr kumimoji="1" lang="ru-RU" sz="800" dirty="0"/>
-          </a:p>
-        </p:txBody>
-      </p:sp>
+          <a:extLst>
+            <a:ext uri="{909E8E84-426E-40DD-AFC4-6F175D3DCCD1}">
+              <a14:hiddenFill xmlns:a14="http://schemas.microsoft.com/office/drawing/2010/main">
+                <a:solidFill>
+                  <a:srgbClr val="FFFFFF"/>
+                </a:solidFill>
+              </a14:hiddenFill>
+            </a:ext>
+          </a:extLst>
+        </p:spPr>
+      </p:pic>
     </p:spTree>
+    <p:extLst>
+      <p:ext uri="{BB962C8B-B14F-4D97-AF65-F5344CB8AC3E}">
+        <p14:creationId xmlns:p14="http://schemas.microsoft.com/office/powerpoint/2010/main" val="4025321153"/>
+      </p:ext>
+    </p:extLst>
   </p:cSld>
   <p:clrMapOvr>
     <a:masterClrMapping/>
@@ -5634,89 +5244,37 @@
       </p:grpSpPr>
       <p:sp>
         <p:nvSpPr>
-          <p:cNvPr id="14338" name="Subtitle 2"/>
-          <p:cNvSpPr txBox="1"/>
-          <p:nvPr/>
-        </p:nvSpPr>
-        <p:spPr bwMode="auto">
-          <a:xfrm>
-            <a:off x="255588" y="6415088"/>
-            <a:ext cx="4143375" cy="246062"/>
-          </a:xfrm>
-          <a:prstGeom prst="rect">
-            <a:avLst/>
-          </a:prstGeom>
-          <a:noFill/>
-          <a:ln w="9525">
-            <a:noFill/>
-            <a:miter lim="800000"/>
-          </a:ln>
+          <p:cNvPr id="2" name="Заголовок 1"/>
+          <p:cNvSpPr>
+            <a:spLocks noGrp="1"/>
+          </p:cNvSpPr>
+          <p:nvPr>
+            <p:ph type="title"/>
+          </p:nvPr>
+        </p:nvSpPr>
+        <p:spPr>
+          <a:xfrm>
+            <a:off x="457200" y="274638"/>
+            <a:ext cx="8229600" cy="752973"/>
+          </a:xfrm>
         </p:spPr>
         <p:txBody>
           <a:bodyPr/>
           <a:lstStyle/>
           <a:p>
-            <a:pPr>
-              <a:spcBef>
-                <a:spcPct val="20000"/>
-              </a:spcBef>
-            </a:pPr>
-            <a:r>
-              <a:rPr lang="ru-RU" sz="800" dirty="0">
-                <a:solidFill>
-                  <a:schemeClr val="bg1"/>
-                </a:solidFill>
-              </a:rPr>
-              <a:t>Высшая школа экономики, Москва, 2018</a:t>
-            </a:r>
-            <a:endParaRPr kumimoji="1" lang="ru-RU" sz="800" dirty="0">
-              <a:solidFill>
-                <a:schemeClr val="bg1"/>
-              </a:solidFill>
-            </a:endParaRPr>
-          </a:p>
-        </p:txBody>
-      </p:sp>
-      <p:sp>
-        <p:nvSpPr>
-          <p:cNvPr id="14339" name="Title 1"/>
-          <p:cNvSpPr txBox="1"/>
-          <p:nvPr/>
-        </p:nvSpPr>
-        <p:spPr bwMode="auto">
-          <a:xfrm>
-            <a:off x="0" y="288665"/>
-            <a:ext cx="9143999" cy="412750"/>
-          </a:xfrm>
-          <a:prstGeom prst="rect">
-            <a:avLst/>
-          </a:prstGeom>
-          <a:noFill/>
-          <a:ln w="9525">
-            <a:noFill/>
-            <a:miter lim="800000"/>
-          </a:ln>
-        </p:spPr>
-        <p:txBody>
-          <a:bodyPr anchor="ctr"/>
-          <a:lstStyle/>
-          <a:p>
-            <a:pPr algn="ctr"/>
-            <a:r>
-              <a:rPr lang="ru-RU" sz="3200" dirty="0" smtClean="0">
-                <a:latin typeface="SF UI Text" panose="00000400000000000000" pitchFamily="2" charset="0"/>
-              </a:rPr>
-              <a:t>Основные результаты работы</a:t>
-            </a:r>
-            <a:endParaRPr lang="en-US" sz="3200" dirty="0">
-              <a:latin typeface="SF UI Text" panose="00000400000000000000" pitchFamily="2" charset="0"/>
-            </a:endParaRPr>
-          </a:p>
-        </p:txBody>
-      </p:sp>
-      <p:sp>
-        <p:nvSpPr>
-          <p:cNvPr id="11" name="Номер слайда 10"/>
+            <a:r>
+              <a:rPr lang="ru-RU" dirty="0" smtClean="0">
+                <a:latin typeface="SF UI Text" panose="00000400000000000000" pitchFamily="2" charset="0"/>
+              </a:rPr>
+              <a:t>Поиск</a:t>
+            </a:r>
+            <a:endParaRPr lang="ru-RU" dirty="0"/>
+          </a:p>
+        </p:txBody>
+      </p:sp>
+      <p:sp>
+        <p:nvSpPr>
+          <p:cNvPr id="4" name="Номер слайда 3"/>
           <p:cNvSpPr>
             <a:spLocks noGrp="1"/>
           </p:cNvSpPr>
@@ -5726,31 +5284,23 @@
         </p:nvSpPr>
         <p:spPr/>
         <p:txBody>
-          <a:bodyPr vert="horz" wrap="square" lIns="91440" tIns="45720" rIns="91440" bIns="45720" numCol="1" anchor="ctr" anchorCtr="0" compatLnSpc="1"/>
+          <a:bodyPr/>
           <a:lstStyle/>
           <a:p>
             <a:pPr>
               <a:defRPr/>
             </a:pPr>
             <a:fld id="{CB65F501-F5CC-4E12-934E-78BB5E4DA208}" type="slidenum">
-              <a:rPr lang="en-US" sz="1800" smtClean="0">
-                <a:solidFill>
-                  <a:schemeClr val="tx1"/>
-                </a:solidFill>
-              </a:rPr>
+              <a:rPr lang="en-US" smtClean="0"/>
               <a:t>12</a:t>
             </a:fld>
-            <a:endParaRPr lang="en-US" sz="1800">
-              <a:solidFill>
-                <a:schemeClr val="tx1"/>
-              </a:solidFill>
-            </a:endParaRPr>
+            <a:endParaRPr lang="en-US"/>
           </a:p>
         </p:txBody>
       </p:sp>
       <p:pic>
         <p:nvPicPr>
-          <p:cNvPr id="2050" name="Picture 2" descr="https://github.com/M2000h/HSE-APP/raw/master/screenshots/main_rus_white.jpg"/>
+          <p:cNvPr id="5" name="Picture 14" descr="https://github.com/M2000h/HSE-APP/raw/master/screenshots/search_rus_white.jpg"/>
           <p:cNvPicPr>
             <a:picLocks noChangeAspect="1" noChangeArrowheads="1"/>
           </p:cNvPicPr>
@@ -5771,8 +5321,8 @@
         </p:blipFill>
         <p:spPr bwMode="auto">
           <a:xfrm>
-            <a:off x="1219416" y="1242880"/>
-            <a:ext cx="2556736" cy="5113470"/>
+            <a:off x="1337538" y="1409300"/>
+            <a:ext cx="2513047" cy="5026091"/>
           </a:xfrm>
           <a:prstGeom prst="rect">
             <a:avLst/>
@@ -5791,7 +5341,7 @@
       </p:pic>
       <p:pic>
         <p:nvPicPr>
-          <p:cNvPr id="2054" name="Picture 6" descr="https://github.com/M2000h/HSE-APP/raw/master/screenshots/main_rus_black.jpg"/>
+          <p:cNvPr id="6" name="Picture 18" descr="https://github.com/M2000h/HSE-APP/raw/master/screenshots/search_rus_black.jpg"/>
           <p:cNvPicPr>
             <a:picLocks noChangeAspect="1" noChangeArrowheads="1"/>
           </p:cNvPicPr>
@@ -5812,8 +5362,8 @@
         </p:blipFill>
         <p:spPr bwMode="auto">
           <a:xfrm>
-            <a:off x="5274832" y="1242880"/>
-            <a:ext cx="2556736" cy="5113470"/>
+            <a:off x="5316437" y="1409300"/>
+            <a:ext cx="2473526" cy="4947050"/>
           </a:xfrm>
           <a:prstGeom prst="rect">
             <a:avLst/>
@@ -5831,6 +5381,11 @@
         </p:spPr>
       </p:pic>
     </p:spTree>
+    <p:extLst>
+      <p:ext uri="{BB962C8B-B14F-4D97-AF65-F5344CB8AC3E}">
+        <p14:creationId xmlns:p14="http://schemas.microsoft.com/office/powerpoint/2010/main" val="1289110074"/>
+      </p:ext>
+    </p:extLst>
   </p:cSld>
   <p:clrMapOvr>
     <a:masterClrMapping/>
@@ -5872,12 +5427,7 @@
             <p:ph type="title"/>
           </p:nvPr>
         </p:nvSpPr>
-        <p:spPr>
-          <a:xfrm>
-            <a:off x="1005841" y="0"/>
-            <a:ext cx="8229600" cy="1143000"/>
-          </a:xfrm>
-        </p:spPr>
+        <p:spPr/>
         <p:txBody>
           <a:bodyPr/>
           <a:lstStyle/>
@@ -5886,11 +5436,9 @@
               <a:rPr lang="ru-RU" dirty="0" smtClean="0">
                 <a:latin typeface="SF UI Text" panose="00000400000000000000" pitchFamily="2" charset="0"/>
               </a:rPr>
-              <a:t>Мероприятия на английском</a:t>
-            </a:r>
-            <a:endParaRPr lang="ru-RU" dirty="0">
-              <a:latin typeface="SF UI Text" panose="00000400000000000000" pitchFamily="2" charset="0"/>
-            </a:endParaRPr>
+              <a:t>Настройки</a:t>
+            </a:r>
+            <a:endParaRPr lang="ru-RU" dirty="0"/>
           </a:p>
         </p:txBody>
       </p:sp>
@@ -5922,7 +5470,7 @@
       </p:sp>
       <p:pic>
         <p:nvPicPr>
-          <p:cNvPr id="5" name="Picture 4" descr="https://github.com/M2000h/HSE-APP/raw/master/screenshots/main_en_white.jpg"/>
+          <p:cNvPr id="5" name="Picture 16" descr="https://github.com/M2000h/HSE-APP/raw/master/screenshots/set_white.jpg"/>
           <p:cNvPicPr>
             <a:picLocks noChangeAspect="1" noChangeArrowheads="1"/>
           </p:cNvPicPr>
@@ -5943,8 +5491,8 @@
         </p:blipFill>
         <p:spPr bwMode="auto">
           <a:xfrm>
-            <a:off x="1005841" y="1330259"/>
-            <a:ext cx="2556738" cy="5113470"/>
+            <a:off x="1327114" y="1330259"/>
+            <a:ext cx="2513046" cy="5026091"/>
           </a:xfrm>
           <a:prstGeom prst="rect">
             <a:avLst/>
@@ -5963,7 +5511,7 @@
       </p:pic>
       <p:pic>
         <p:nvPicPr>
-          <p:cNvPr id="6" name="Picture 8" descr="https://github.com/M2000h/HSE-APP/raw/master/screenshots/main_en_black.jpg"/>
+          <p:cNvPr id="7" name="Picture 20" descr="https://github.com/M2000h/HSE-APP/raw/master/screenshots/set_black.jpg"/>
           <p:cNvPicPr>
             <a:picLocks noChangeAspect="1" noChangeArrowheads="1"/>
           </p:cNvPicPr>
@@ -5984,8 +5532,8 @@
         </p:blipFill>
         <p:spPr bwMode="auto">
           <a:xfrm>
-            <a:off x="5353176" y="1330259"/>
-            <a:ext cx="2556737" cy="5113470"/>
+            <a:off x="5107508" y="1330259"/>
+            <a:ext cx="2512492" cy="5024984"/>
           </a:xfrm>
           <a:prstGeom prst="rect">
             <a:avLst/>
@@ -6005,7 +5553,7 @@
     </p:spTree>
     <p:extLst>
       <p:ext uri="{BB962C8B-B14F-4D97-AF65-F5344CB8AC3E}">
-        <p14:creationId xmlns:p14="http://schemas.microsoft.com/office/powerpoint/2010/main" val="640254310"/>
+        <p14:creationId xmlns:p14="http://schemas.microsoft.com/office/powerpoint/2010/main" val="724332369"/>
       </p:ext>
     </p:extLst>
   </p:cSld>
@@ -6049,21 +5597,16 @@
             <p:ph type="title"/>
           </p:nvPr>
         </p:nvSpPr>
-        <p:spPr>
-          <a:xfrm>
-            <a:off x="905690" y="274638"/>
-            <a:ext cx="8064139" cy="1143000"/>
-          </a:xfrm>
-        </p:spPr>
+        <p:spPr/>
         <p:txBody>
           <a:bodyPr/>
           <a:lstStyle/>
           <a:p>
             <a:r>
-              <a:rPr lang="ru-RU" dirty="0" smtClean="0">
-                <a:latin typeface="SF UI Text" panose="00000400000000000000" pitchFamily="2" charset="0"/>
-              </a:rPr>
-              <a:t>Подробности мероприятия</a:t>
+              <a:rPr lang="ru-RU" dirty="0" err="1" smtClean="0">
+                <a:latin typeface="SF UI Text" panose="00000400000000000000" pitchFamily="2" charset="0"/>
+              </a:rPr>
+              <a:t>Видосик</a:t>
             </a:r>
             <a:endParaRPr lang="ru-RU" dirty="0"/>
           </a:p>
@@ -6095,105 +5638,16 @@
           </a:p>
         </p:txBody>
       </p:sp>
-      <p:pic>
-        <p:nvPicPr>
-          <p:cNvPr id="6" name="Picture 10" descr="https://github.com/M2000h/HSE-APP/raw/master/screenshots/event_white_rus.jpg"/>
-          <p:cNvPicPr>
-            <a:picLocks noChangeAspect="1" noChangeArrowheads="1"/>
-          </p:cNvPicPr>
-          <p:nvPr/>
-        </p:nvPicPr>
-        <p:blipFill>
-          <a:blip r:embed="rId2">
-            <a:extLst>
-              <a:ext uri="{28A0092B-C50C-407E-A947-70E740481C1C}">
-                <a14:useLocalDpi xmlns:a14="http://schemas.microsoft.com/office/drawing/2010/main" val="0"/>
-              </a:ext>
-            </a:extLst>
-          </a:blip>
-          <a:srcRect/>
-          <a:stretch>
-            <a:fillRect/>
-          </a:stretch>
-        </p:blipFill>
-        <p:spPr bwMode="auto">
-          <a:xfrm>
-            <a:off x="1248910" y="1425442"/>
-            <a:ext cx="2556735" cy="5113470"/>
-          </a:xfrm>
-          <a:prstGeom prst="rect">
-            <a:avLst/>
-          </a:prstGeom>
-          <a:noFill/>
-          <a:extLst>
-            <a:ext uri="{909E8E84-426E-40DD-AFC4-6F175D3DCCD1}">
-              <a14:hiddenFill xmlns:a14="http://schemas.microsoft.com/office/drawing/2010/main">
-                <a:solidFill>
-                  <a:srgbClr val="FFFFFF"/>
-                </a:solidFill>
-              </a14:hiddenFill>
-            </a:ext>
-          </a:extLst>
-        </p:spPr>
-      </p:pic>
-      <p:pic>
-        <p:nvPicPr>
-          <p:cNvPr id="7" name="Picture 12" descr="https://github.com/M2000h/HSE-APP/raw/master/screenshots/event_black.jpg"/>
-          <p:cNvPicPr>
-            <a:picLocks noChangeAspect="1" noChangeArrowheads="1"/>
-          </p:cNvPicPr>
-          <p:nvPr/>
-        </p:nvPicPr>
-        <p:blipFill>
-          <a:blip r:embed="rId3">
-            <a:extLst>
-              <a:ext uri="{28A0092B-C50C-407E-A947-70E740481C1C}">
-                <a14:useLocalDpi xmlns:a14="http://schemas.microsoft.com/office/drawing/2010/main" val="0"/>
-              </a:ext>
-            </a:extLst>
-          </a:blip>
-          <a:srcRect/>
-          <a:stretch>
-            <a:fillRect/>
-          </a:stretch>
-        </p:blipFill>
-        <p:spPr bwMode="auto">
-          <a:xfrm>
-            <a:off x="5060238" y="1425442"/>
-            <a:ext cx="2559762" cy="5113470"/>
-          </a:xfrm>
-          <a:prstGeom prst="rect">
-            <a:avLst/>
-          </a:prstGeom>
-          <a:noFill/>
-          <a:extLst>
-            <a:ext uri="{909E8E84-426E-40DD-AFC4-6F175D3DCCD1}">
-              <a14:hiddenFill xmlns:a14="http://schemas.microsoft.com/office/drawing/2010/main">
-                <a:solidFill>
-                  <a:srgbClr val="FFFFFF"/>
-                </a:solidFill>
-              </a14:hiddenFill>
-            </a:ext>
-          </a:extLst>
-        </p:spPr>
-      </p:pic>
     </p:spTree>
     <p:extLst>
       <p:ext uri="{BB962C8B-B14F-4D97-AF65-F5344CB8AC3E}">
-        <p14:creationId xmlns:p14="http://schemas.microsoft.com/office/powerpoint/2010/main" val="4025321153"/>
+        <p14:creationId xmlns:p14="http://schemas.microsoft.com/office/powerpoint/2010/main" val="2411716073"/>
       </p:ext>
     </p:extLst>
   </p:cSld>
   <p:clrMapOvr>
     <a:masterClrMapping/>
   </p:clrMapOvr>
-  <p:timing>
-    <p:tnLst>
-      <p:par>
-        <p:cTn id="1" dur="indefinite" restart="never" nodeType="tmRoot"/>
-      </p:par>
-    </p:tnLst>
-  </p:timing>
 </p:sld>
 </file>
 
@@ -6216,143 +5670,564 @@
       </p:grpSpPr>
       <p:sp>
         <p:nvSpPr>
-          <p:cNvPr id="2" name="Заголовок 1"/>
-          <p:cNvSpPr>
-            <a:spLocks noGrp="1"/>
-          </p:cNvSpPr>
-          <p:nvPr>
-            <p:ph type="title"/>
-          </p:nvPr>
-        </p:nvSpPr>
-        <p:spPr/>
-        <p:txBody>
-          <a:bodyPr/>
-          <a:lstStyle/>
-          <a:p>
-            <a:r>
-              <a:rPr lang="ru-RU" dirty="0" smtClean="0">
-                <a:latin typeface="SF UI Text" panose="00000400000000000000" pitchFamily="2" charset="0"/>
-              </a:rPr>
-              <a:t>Поиск</a:t>
-            </a:r>
-            <a:endParaRPr lang="ru-RU" dirty="0"/>
-          </a:p>
-        </p:txBody>
-      </p:sp>
-      <p:sp>
-        <p:nvSpPr>
-          <p:cNvPr id="4" name="Номер слайда 3"/>
-          <p:cNvSpPr>
-            <a:spLocks noGrp="1"/>
-          </p:cNvSpPr>
-          <p:nvPr>
-            <p:ph type="sldNum" sz="quarter" idx="12"/>
-          </p:nvPr>
-        </p:nvSpPr>
-        <p:spPr/>
-        <p:txBody>
-          <a:bodyPr/>
-          <a:lstStyle/>
-          <a:p>
-            <a:pPr>
-              <a:defRPr/>
-            </a:pPr>
-            <a:fld id="{CB65F501-F5CC-4E12-934E-78BB5E4DA208}" type="slidenum">
-              <a:rPr lang="en-US" smtClean="0"/>
-              <a:t>15</a:t>
-            </a:fld>
-            <a:endParaRPr lang="en-US"/>
-          </a:p>
-        </p:txBody>
-      </p:sp>
-      <p:pic>
-        <p:nvPicPr>
-          <p:cNvPr id="5" name="Picture 14" descr="https://github.com/M2000h/HSE-APP/raw/master/screenshots/search_rus_white.jpg"/>
-          <p:cNvPicPr>
-            <a:picLocks noChangeAspect="1" noChangeArrowheads="1"/>
-          </p:cNvPicPr>
+          <p:cNvPr id="14338" name="Subtitle 2"/>
+          <p:cNvSpPr txBox="1"/>
           <p:nvPr/>
-        </p:nvPicPr>
-        <p:blipFill>
-          <a:blip r:embed="rId2">
-            <a:extLst>
-              <a:ext uri="{28A0092B-C50C-407E-A947-70E740481C1C}">
-                <a14:useLocalDpi xmlns:a14="http://schemas.microsoft.com/office/drawing/2010/main" val="0"/>
-              </a:ext>
-            </a:extLst>
-          </a:blip>
-          <a:srcRect/>
-          <a:stretch>
-            <a:fillRect/>
-          </a:stretch>
-        </p:blipFill>
+        </p:nvSpPr>
         <p:spPr bwMode="auto">
           <a:xfrm>
-            <a:off x="1337538" y="1512821"/>
-            <a:ext cx="2513047" cy="5026091"/>
+            <a:off x="255588" y="6415088"/>
+            <a:ext cx="4143375" cy="246062"/>
           </a:xfrm>
           <a:prstGeom prst="rect">
             <a:avLst/>
           </a:prstGeom>
           <a:noFill/>
-          <a:extLst>
-            <a:ext uri="{909E8E84-426E-40DD-AFC4-6F175D3DCCD1}">
-              <a14:hiddenFill xmlns:a14="http://schemas.microsoft.com/office/drawing/2010/main">
-                <a:solidFill>
-                  <a:srgbClr val="FFFFFF"/>
-                </a:solidFill>
-              </a14:hiddenFill>
-            </a:ext>
-          </a:extLst>
-        </p:spPr>
-      </p:pic>
-      <p:pic>
-        <p:nvPicPr>
-          <p:cNvPr id="6" name="Picture 18" descr="https://github.com/M2000h/HSE-APP/raw/master/screenshots/search_rus_black.jpg"/>
-          <p:cNvPicPr>
-            <a:picLocks noChangeAspect="1" noChangeArrowheads="1"/>
-          </p:cNvPicPr>
+          <a:ln w="9525">
+            <a:noFill/>
+            <a:miter lim="800000"/>
+          </a:ln>
+        </p:spPr>
+        <p:txBody>
+          <a:bodyPr/>
+          <a:lstStyle/>
+          <a:p>
+            <a:pPr>
+              <a:spcBef>
+                <a:spcPct val="20000"/>
+              </a:spcBef>
+            </a:pPr>
+            <a:r>
+              <a:rPr lang="ru-RU" sz="800" dirty="0">
+                <a:solidFill>
+                  <a:schemeClr val="bg1"/>
+                </a:solidFill>
+              </a:rPr>
+              <a:t>Высшая школа экономики, Москва, 2018</a:t>
+            </a:r>
+            <a:endParaRPr kumimoji="1" lang="ru-RU" sz="800" dirty="0">
+              <a:solidFill>
+                <a:schemeClr val="bg1"/>
+              </a:solidFill>
+            </a:endParaRPr>
+          </a:p>
+        </p:txBody>
+      </p:sp>
+      <p:sp>
+        <p:nvSpPr>
+          <p:cNvPr id="14339" name="Title 1"/>
+          <p:cNvSpPr txBox="1"/>
           <p:nvPr/>
-        </p:nvPicPr>
-        <p:blipFill>
-          <a:blip r:embed="rId3">
-            <a:extLst>
-              <a:ext uri="{28A0092B-C50C-407E-A947-70E740481C1C}">
-                <a14:useLocalDpi xmlns:a14="http://schemas.microsoft.com/office/drawing/2010/main" val="0"/>
-              </a:ext>
-            </a:extLst>
-          </a:blip>
-          <a:srcRect/>
-          <a:stretch>
-            <a:fillRect/>
-          </a:stretch>
-        </p:blipFill>
+        </p:nvSpPr>
         <p:spPr bwMode="auto">
           <a:xfrm>
-            <a:off x="5316437" y="1512821"/>
-            <a:ext cx="2473526" cy="4947050"/>
+            <a:off x="1428749" y="428625"/>
+            <a:ext cx="6546851" cy="412750"/>
           </a:xfrm>
           <a:prstGeom prst="rect">
             <a:avLst/>
           </a:prstGeom>
           <a:noFill/>
-          <a:extLst>
-            <a:ext uri="{909E8E84-426E-40DD-AFC4-6F175D3DCCD1}">
-              <a14:hiddenFill xmlns:a14="http://schemas.microsoft.com/office/drawing/2010/main">
+          <a:ln w="9525">
+            <a:noFill/>
+            <a:miter lim="800000"/>
+          </a:ln>
+        </p:spPr>
+        <p:txBody>
+          <a:bodyPr anchor="ctr"/>
+          <a:lstStyle/>
+          <a:p>
+            <a:pPr algn="ctr"/>
+            <a:r>
+              <a:rPr lang="ru-RU" sz="3200" dirty="0" smtClean="0">
+                <a:latin typeface="SF UI Text" panose="00000400000000000000" pitchFamily="2" charset="0"/>
+              </a:rPr>
+              <a:t>Термины</a:t>
+            </a:r>
+            <a:endParaRPr lang="en-US" sz="3200" dirty="0">
+              <a:latin typeface="SF UI Text" panose="00000400000000000000" pitchFamily="2" charset="0"/>
+            </a:endParaRPr>
+          </a:p>
+        </p:txBody>
+      </p:sp>
+      <p:sp>
+        <p:nvSpPr>
+          <p:cNvPr id="14343" name="Rectangle 9"/>
+          <p:cNvSpPr>
+            <a:spLocks noChangeArrowheads="1"/>
+          </p:cNvSpPr>
+          <p:nvPr/>
+        </p:nvSpPr>
+        <p:spPr bwMode="auto">
+          <a:xfrm>
+            <a:off x="7300913" y="2255838"/>
+            <a:ext cx="674687" cy="369887"/>
+          </a:xfrm>
+          <a:prstGeom prst="rect">
+            <a:avLst/>
+          </a:prstGeom>
+          <a:noFill/>
+          <a:ln w="9525">
+            <a:noFill/>
+            <a:miter lim="800000"/>
+          </a:ln>
+        </p:spPr>
+        <p:txBody>
+          <a:bodyPr wrap="none">
+            <a:spAutoFit/>
+          </a:bodyPr>
+          <a:lstStyle/>
+          <a:p>
+            <a:r>
+              <a:rPr lang="ru-RU">
                 <a:solidFill>
                   <a:srgbClr val="FFFFFF"/>
                 </a:solidFill>
-              </a14:hiddenFill>
-            </a:ext>
-          </a:extLst>
-        </p:spPr>
-      </p:pic>
+              </a:rPr>
+              <a:t>фото</a:t>
+            </a:r>
+            <a:endParaRPr lang="en-US">
+              <a:solidFill>
+                <a:srgbClr val="FFFFFF"/>
+              </a:solidFill>
+            </a:endParaRPr>
+          </a:p>
+        </p:txBody>
+      </p:sp>
+      <p:sp>
+        <p:nvSpPr>
+          <p:cNvPr id="14344" name="Rectangle 10"/>
+          <p:cNvSpPr>
+            <a:spLocks noChangeArrowheads="1"/>
+          </p:cNvSpPr>
+          <p:nvPr/>
+        </p:nvSpPr>
+        <p:spPr bwMode="auto">
+          <a:xfrm>
+            <a:off x="7300913" y="3967163"/>
+            <a:ext cx="674687" cy="368300"/>
+          </a:xfrm>
+          <a:prstGeom prst="rect">
+            <a:avLst/>
+          </a:prstGeom>
+          <a:noFill/>
+          <a:ln w="9525">
+            <a:noFill/>
+            <a:miter lim="800000"/>
+          </a:ln>
+        </p:spPr>
+        <p:txBody>
+          <a:bodyPr wrap="none">
+            <a:spAutoFit/>
+          </a:bodyPr>
+          <a:lstStyle/>
+          <a:p>
+            <a:r>
+              <a:rPr lang="ru-RU">
+                <a:solidFill>
+                  <a:srgbClr val="FFFFFF"/>
+                </a:solidFill>
+              </a:rPr>
+              <a:t>фото</a:t>
+            </a:r>
+            <a:endParaRPr lang="en-US">
+              <a:solidFill>
+                <a:srgbClr val="FFFFFF"/>
+              </a:solidFill>
+            </a:endParaRPr>
+          </a:p>
+        </p:txBody>
+      </p:sp>
+      <p:sp>
+        <p:nvSpPr>
+          <p:cNvPr id="14345" name="Rectangle 11"/>
+          <p:cNvSpPr>
+            <a:spLocks noChangeArrowheads="1"/>
+          </p:cNvSpPr>
+          <p:nvPr/>
+        </p:nvSpPr>
+        <p:spPr bwMode="auto">
+          <a:xfrm>
+            <a:off x="7300913" y="5591175"/>
+            <a:ext cx="674687" cy="369888"/>
+          </a:xfrm>
+          <a:prstGeom prst="rect">
+            <a:avLst/>
+          </a:prstGeom>
+          <a:noFill/>
+          <a:ln w="9525">
+            <a:noFill/>
+            <a:miter lim="800000"/>
+          </a:ln>
+        </p:spPr>
+        <p:txBody>
+          <a:bodyPr wrap="none">
+            <a:spAutoFit/>
+          </a:bodyPr>
+          <a:lstStyle/>
+          <a:p>
+            <a:r>
+              <a:rPr lang="ru-RU">
+                <a:solidFill>
+                  <a:srgbClr val="FFFFFF"/>
+                </a:solidFill>
+              </a:rPr>
+              <a:t>фото</a:t>
+            </a:r>
+            <a:endParaRPr lang="en-US">
+              <a:solidFill>
+                <a:srgbClr val="FFFFFF"/>
+              </a:solidFill>
+            </a:endParaRPr>
+          </a:p>
+        </p:txBody>
+      </p:sp>
+      <p:sp>
+        <p:nvSpPr>
+          <p:cNvPr id="11" name="Номер слайда 10"/>
+          <p:cNvSpPr>
+            <a:spLocks noGrp="1"/>
+          </p:cNvSpPr>
+          <p:nvPr>
+            <p:ph type="sldNum" sz="quarter" idx="12"/>
+          </p:nvPr>
+        </p:nvSpPr>
+        <p:spPr/>
+        <p:txBody>
+          <a:bodyPr vert="horz" wrap="square" lIns="91440" tIns="45720" rIns="91440" bIns="45720" numCol="1" anchor="ctr" anchorCtr="0" compatLnSpc="1"/>
+          <a:lstStyle/>
+          <a:p>
+            <a:pPr>
+              <a:defRPr/>
+            </a:pPr>
+            <a:fld id="{CB65F501-F5CC-4E12-934E-78BB5E4DA208}" type="slidenum">
+              <a:rPr lang="en-US" sz="1800" smtClean="0">
+                <a:solidFill>
+                  <a:schemeClr val="tx1"/>
+                </a:solidFill>
+              </a:rPr>
+              <a:t>15</a:t>
+            </a:fld>
+            <a:endParaRPr lang="en-US" sz="1800">
+              <a:solidFill>
+                <a:schemeClr val="tx1"/>
+              </a:solidFill>
+            </a:endParaRPr>
+          </a:p>
+        </p:txBody>
+      </p:sp>
+      <p:sp>
+        <p:nvSpPr>
+          <p:cNvPr id="9" name="Rectangle 12"/>
+          <p:cNvSpPr>
+            <a:spLocks noChangeArrowheads="1"/>
+          </p:cNvSpPr>
+          <p:nvPr/>
+        </p:nvSpPr>
+        <p:spPr bwMode="auto">
+          <a:xfrm>
+            <a:off x="765900" y="1959529"/>
+            <a:ext cx="7872548" cy="3323987"/>
+          </a:xfrm>
+          <a:prstGeom prst="rect">
+            <a:avLst/>
+          </a:prstGeom>
+          <a:noFill/>
+          <a:ln w="9525">
+            <a:noFill/>
+            <a:miter lim="800000"/>
+          </a:ln>
+        </p:spPr>
+        <p:txBody>
+          <a:bodyPr wrap="square">
+            <a:spAutoFit/>
+          </a:bodyPr>
+          <a:lstStyle/>
+          <a:p>
+            <a:pPr>
+              <a:lnSpc>
+                <a:spcPct val="150000"/>
+              </a:lnSpc>
+            </a:pPr>
+            <a:r>
+              <a:rPr lang="en-US" sz="2000" b="1" dirty="0" smtClean="0">
+                <a:latin typeface="Segoe UI" panose="020B0502040204020203" pitchFamily="34" charset="0"/>
+              </a:rPr>
+              <a:t>C#</a:t>
+            </a:r>
+            <a:r>
+              <a:rPr lang="ru-RU" sz="2000" dirty="0" smtClean="0">
+                <a:latin typeface="Segoe UI" panose="020B0502040204020203" pitchFamily="34" charset="0"/>
+              </a:rPr>
+              <a:t> </a:t>
+            </a:r>
+            <a:r>
+              <a:rPr lang="ru-RU" sz="2000" dirty="0">
+                <a:latin typeface="Segoe UI" panose="020B0502040204020203" pitchFamily="34" charset="0"/>
+              </a:rPr>
+              <a:t>– </a:t>
+            </a:r>
+            <a:r>
+              <a:rPr lang="ru-RU" sz="2000" dirty="0" smtClean="0">
+                <a:latin typeface="Segoe UI" panose="020B0502040204020203" pitchFamily="34" charset="0"/>
+              </a:rPr>
+              <a:t>Язык </a:t>
+            </a:r>
+            <a:r>
+              <a:rPr lang="ru-RU" sz="2000" dirty="0" err="1" smtClean="0">
+                <a:latin typeface="Segoe UI" panose="020B0502040204020203" pitchFamily="34" charset="0"/>
+              </a:rPr>
+              <a:t>програмирования</a:t>
+            </a:r>
+            <a:endParaRPr lang="en-US" sz="2000" b="1" dirty="0" smtClean="0">
+              <a:latin typeface="Segoe UI" panose="020B0502040204020203" pitchFamily="34" charset="0"/>
+            </a:endParaRPr>
+          </a:p>
+          <a:p>
+            <a:pPr>
+              <a:lnSpc>
+                <a:spcPct val="150000"/>
+              </a:lnSpc>
+            </a:pPr>
+            <a:r>
+              <a:rPr lang="en-US" sz="2000" b="1" dirty="0" err="1" smtClean="0">
+                <a:latin typeface="Segoe UI" panose="020B0502040204020203" pitchFamily="34" charset="0"/>
+              </a:rPr>
+              <a:t>Xamarin</a:t>
+            </a:r>
+            <a:r>
+              <a:rPr lang="ru-RU" sz="2000" dirty="0" smtClean="0">
+                <a:latin typeface="Segoe UI" panose="020B0502040204020203" pitchFamily="34" charset="0"/>
+              </a:rPr>
+              <a:t> </a:t>
+            </a:r>
+            <a:r>
+              <a:rPr lang="ru-RU" sz="2000" dirty="0">
+                <a:latin typeface="Segoe UI" panose="020B0502040204020203" pitchFamily="34" charset="0"/>
+              </a:rPr>
+              <a:t>– </a:t>
+            </a:r>
+            <a:r>
+              <a:rPr lang="ru-RU" sz="2000" dirty="0" err="1" smtClean="0">
+                <a:latin typeface="Segoe UI" panose="020B0502040204020203" pitchFamily="34" charset="0"/>
+              </a:rPr>
+              <a:t>фрэймворк</a:t>
+            </a:r>
+            <a:r>
+              <a:rPr lang="ru-RU" sz="2000" dirty="0" smtClean="0">
+                <a:latin typeface="Segoe UI" panose="020B0502040204020203" pitchFamily="34" charset="0"/>
+              </a:rPr>
+              <a:t> для разработки приложений на языке </a:t>
+            </a:r>
+            <a:r>
+              <a:rPr lang="en-US" sz="2000" dirty="0" smtClean="0">
+                <a:latin typeface="Segoe UI" panose="020B0502040204020203" pitchFamily="34" charset="0"/>
+              </a:rPr>
+              <a:t>C#</a:t>
+            </a:r>
+            <a:r>
+              <a:rPr lang="ru-RU" sz="2000" dirty="0" smtClean="0">
+                <a:latin typeface="Segoe UI" panose="020B0502040204020203" pitchFamily="34" charset="0"/>
+              </a:rPr>
+              <a:t>.</a:t>
+            </a:r>
+            <a:endParaRPr lang="ru-RU" sz="2000" dirty="0">
+              <a:latin typeface="Segoe UI" panose="020B0502040204020203" pitchFamily="34" charset="0"/>
+            </a:endParaRPr>
+          </a:p>
+          <a:p>
+            <a:pPr>
+              <a:lnSpc>
+                <a:spcPct val="150000"/>
+              </a:lnSpc>
+            </a:pPr>
+            <a:r>
+              <a:rPr lang="en-US" sz="2000" b="1" dirty="0" smtClean="0">
+                <a:latin typeface="Segoe UI" panose="020B0502040204020203" pitchFamily="34" charset="0"/>
+              </a:rPr>
+              <a:t>JSON</a:t>
+            </a:r>
+            <a:r>
+              <a:rPr lang="ru-RU" sz="2000" dirty="0" smtClean="0">
+                <a:latin typeface="Segoe UI" panose="020B0502040204020203" pitchFamily="34" charset="0"/>
+              </a:rPr>
+              <a:t> </a:t>
+            </a:r>
+            <a:r>
+              <a:rPr lang="ru-RU" sz="2000" dirty="0">
+                <a:latin typeface="Segoe UI" panose="020B0502040204020203" pitchFamily="34" charset="0"/>
+              </a:rPr>
+              <a:t>– </a:t>
+            </a:r>
+            <a:r>
+              <a:rPr lang="ru-RU" sz="2000" dirty="0" smtClean="0">
+                <a:latin typeface="Segoe UI" panose="020B0502040204020203" pitchFamily="34" charset="0"/>
+              </a:rPr>
+              <a:t>формат представления данных.</a:t>
+            </a:r>
+          </a:p>
+          <a:p>
+            <a:pPr>
+              <a:lnSpc>
+                <a:spcPct val="150000"/>
+              </a:lnSpc>
+            </a:pPr>
+            <a:r>
+              <a:rPr lang="en-US" sz="2000" b="1" dirty="0" smtClean="0">
+                <a:latin typeface="Segoe UI" panose="020B0502040204020203" pitchFamily="34" charset="0"/>
+              </a:rPr>
+              <a:t>HTTPS</a:t>
+            </a:r>
+            <a:r>
+              <a:rPr lang="ru-RU" sz="2000" dirty="0" smtClean="0">
+                <a:latin typeface="Segoe UI" panose="020B0502040204020203" pitchFamily="34" charset="0"/>
+              </a:rPr>
+              <a:t> </a:t>
+            </a:r>
+            <a:r>
+              <a:rPr lang="ru-RU" sz="2000" dirty="0">
+                <a:latin typeface="Segoe UI" panose="020B0502040204020203" pitchFamily="34" charset="0"/>
+              </a:rPr>
+              <a:t>– </a:t>
+            </a:r>
+            <a:r>
+              <a:rPr lang="ru-RU" sz="2000" dirty="0" smtClean="0">
+                <a:latin typeface="Segoe UI" panose="020B0502040204020203" pitchFamily="34" charset="0"/>
+              </a:rPr>
+              <a:t>протокол передачи данных.</a:t>
+            </a:r>
+          </a:p>
+          <a:p>
+            <a:pPr>
+              <a:lnSpc>
+                <a:spcPct val="150000"/>
+              </a:lnSpc>
+            </a:pPr>
+            <a:r>
+              <a:rPr lang="ru-RU" sz="2000" b="1" dirty="0" smtClean="0">
+                <a:latin typeface="Segoe UI" panose="020B0502040204020203" pitchFamily="34" charset="0"/>
+              </a:rPr>
+              <a:t>Клиент</a:t>
+            </a:r>
+            <a:r>
+              <a:rPr lang="ru-RU" sz="2000" dirty="0" smtClean="0">
+                <a:latin typeface="Segoe UI" panose="020B0502040204020203" pitchFamily="34" charset="0"/>
+              </a:rPr>
+              <a:t> – программа конечного пользователя.</a:t>
+            </a:r>
+          </a:p>
+          <a:p>
+            <a:pPr>
+              <a:lnSpc>
+                <a:spcPct val="150000"/>
+              </a:lnSpc>
+            </a:pPr>
+            <a:r>
+              <a:rPr lang="ru-RU" sz="2000" b="1" dirty="0" smtClean="0">
+                <a:latin typeface="Segoe UI" panose="020B0502040204020203" pitchFamily="34" charset="0"/>
+              </a:rPr>
+              <a:t>Сервер</a:t>
+            </a:r>
+            <a:r>
+              <a:rPr lang="ru-RU" sz="2000" dirty="0" smtClean="0">
+                <a:latin typeface="Segoe UI" panose="020B0502040204020203" pitchFamily="34" charset="0"/>
+              </a:rPr>
+              <a:t> </a:t>
+            </a:r>
+            <a:r>
+              <a:rPr lang="ru-RU" sz="2000" dirty="0">
+                <a:latin typeface="Segoe UI" panose="020B0502040204020203" pitchFamily="34" charset="0"/>
+              </a:rPr>
+              <a:t>– </a:t>
+            </a:r>
+            <a:r>
+              <a:rPr lang="ru-RU" sz="2000" dirty="0" smtClean="0">
+                <a:latin typeface="Segoe UI" panose="020B0502040204020203" pitchFamily="34" charset="0"/>
+              </a:rPr>
+              <a:t>Компьютер, обменивающийся данными с клиентами.</a:t>
+            </a:r>
+            <a:endParaRPr lang="en-US" sz="2000" dirty="0" smtClean="0">
+              <a:latin typeface="Segoe UI" panose="020B0502040204020203" pitchFamily="34" charset="0"/>
+            </a:endParaRPr>
+          </a:p>
+          <a:p>
+            <a:pPr>
+              <a:lnSpc>
+                <a:spcPct val="150000"/>
+              </a:lnSpc>
+            </a:pPr>
+            <a:r>
+              <a:rPr lang="en-US" sz="2000" b="1" dirty="0" smtClean="0">
+                <a:latin typeface="Segoe UI" panose="020B0502040204020203" pitchFamily="34" charset="0"/>
+              </a:rPr>
+              <a:t>HTML</a:t>
+            </a:r>
+            <a:r>
+              <a:rPr lang="ru-RU" sz="2000" dirty="0" smtClean="0">
+                <a:latin typeface="Segoe UI" panose="020B0502040204020203" pitchFamily="34" charset="0"/>
+              </a:rPr>
+              <a:t> </a:t>
+            </a:r>
+            <a:r>
+              <a:rPr lang="ru-RU" sz="2000" dirty="0">
+                <a:latin typeface="Segoe UI" panose="020B0502040204020203" pitchFamily="34" charset="0"/>
+              </a:rPr>
+              <a:t>– </a:t>
+            </a:r>
+            <a:r>
+              <a:rPr lang="ru-RU" sz="2000" dirty="0" smtClean="0">
+                <a:latin typeface="Segoe UI" panose="020B0502040204020203" pitchFamily="34" charset="0"/>
+              </a:rPr>
+              <a:t>Язык разметки.</a:t>
+            </a:r>
+            <a:endParaRPr lang="en-US" sz="2000" dirty="0">
+              <a:latin typeface="Segoe UI" panose="020B0502040204020203" pitchFamily="34" charset="0"/>
+            </a:endParaRPr>
+          </a:p>
+        </p:txBody>
+      </p:sp>
+      <p:sp>
+        <p:nvSpPr>
+          <p:cNvPr id="10" name="Subtitle 2"/>
+          <p:cNvSpPr txBox="1"/>
+          <p:nvPr/>
+        </p:nvSpPr>
+        <p:spPr bwMode="auto">
+          <a:xfrm>
+            <a:off x="407988" y="6567488"/>
+            <a:ext cx="4143375" cy="246062"/>
+          </a:xfrm>
+          <a:prstGeom prst="rect">
+            <a:avLst/>
+          </a:prstGeom>
+          <a:noFill/>
+          <a:ln w="9525">
+            <a:noFill/>
+            <a:miter lim="800000"/>
+          </a:ln>
+        </p:spPr>
+        <p:txBody>
+          <a:bodyPr/>
+          <a:lstStyle/>
+          <a:p>
+            <a:pPr>
+              <a:spcBef>
+                <a:spcPct val="20000"/>
+              </a:spcBef>
+            </a:pPr>
+            <a:r>
+              <a:rPr lang="ru-RU" sz="800" dirty="0"/>
+              <a:t>Высшая школа экономики, Москва, </a:t>
+            </a:r>
+            <a:r>
+              <a:rPr lang="ru-RU" sz="800" dirty="0" smtClean="0"/>
+              <a:t>2019</a:t>
+            </a:r>
+            <a:endParaRPr kumimoji="1" lang="ru-RU" sz="800" dirty="0"/>
+          </a:p>
+        </p:txBody>
+      </p:sp>
     </p:spTree>
-    <p:extLst>
-      <p:ext uri="{BB962C8B-B14F-4D97-AF65-F5344CB8AC3E}">
-        <p14:creationId xmlns:p14="http://schemas.microsoft.com/office/powerpoint/2010/main" val="1289110074"/>
-      </p:ext>
-    </p:extLst>
   </p:cSld>
   <p:clrMapOvr>
     <a:masterClrMapping/>
@@ -6386,143 +6261,632 @@
       </p:grpSpPr>
       <p:sp>
         <p:nvSpPr>
-          <p:cNvPr id="2" name="Заголовок 1"/>
-          <p:cNvSpPr>
-            <a:spLocks noGrp="1"/>
-          </p:cNvSpPr>
-          <p:nvPr>
-            <p:ph type="title"/>
-          </p:nvPr>
-        </p:nvSpPr>
-        <p:spPr/>
-        <p:txBody>
-          <a:bodyPr/>
-          <a:lstStyle/>
-          <a:p>
-            <a:r>
-              <a:rPr lang="ru-RU" dirty="0" smtClean="0">
-                <a:latin typeface="SF UI Text" panose="00000400000000000000" pitchFamily="2" charset="0"/>
-              </a:rPr>
-              <a:t>Настройки</a:t>
-            </a:r>
-            <a:endParaRPr lang="ru-RU" dirty="0"/>
-          </a:p>
-        </p:txBody>
-      </p:sp>
-      <p:sp>
-        <p:nvSpPr>
-          <p:cNvPr id="4" name="Номер слайда 3"/>
-          <p:cNvSpPr>
-            <a:spLocks noGrp="1"/>
-          </p:cNvSpPr>
-          <p:nvPr>
-            <p:ph type="sldNum" sz="quarter" idx="12"/>
-          </p:nvPr>
-        </p:nvSpPr>
-        <p:spPr/>
-        <p:txBody>
-          <a:bodyPr/>
-          <a:lstStyle/>
-          <a:p>
-            <a:pPr>
-              <a:defRPr/>
-            </a:pPr>
-            <a:fld id="{CB65F501-F5CC-4E12-934E-78BB5E4DA208}" type="slidenum">
-              <a:rPr lang="en-US" smtClean="0"/>
-              <a:t>16</a:t>
-            </a:fld>
-            <a:endParaRPr lang="en-US"/>
-          </a:p>
-        </p:txBody>
-      </p:sp>
-      <p:pic>
-        <p:nvPicPr>
-          <p:cNvPr id="5" name="Picture 16" descr="https://github.com/M2000h/HSE-APP/raw/master/screenshots/set_white.jpg"/>
-          <p:cNvPicPr>
-            <a:picLocks noChangeAspect="1" noChangeArrowheads="1"/>
-          </p:cNvPicPr>
+          <p:cNvPr id="14338" name="Subtitle 2"/>
+          <p:cNvSpPr txBox="1"/>
           <p:nvPr/>
-        </p:nvPicPr>
-        <p:blipFill>
-          <a:blip r:embed="rId2">
-            <a:extLst>
-              <a:ext uri="{28A0092B-C50C-407E-A947-70E740481C1C}">
-                <a14:useLocalDpi xmlns:a14="http://schemas.microsoft.com/office/drawing/2010/main" val="0"/>
-              </a:ext>
-            </a:extLst>
-          </a:blip>
-          <a:srcRect/>
-          <a:stretch>
-            <a:fillRect/>
-          </a:stretch>
-        </p:blipFill>
+        </p:nvSpPr>
         <p:spPr bwMode="auto">
           <a:xfrm>
-            <a:off x="1675457" y="1417638"/>
-            <a:ext cx="2513046" cy="5026091"/>
+            <a:off x="255588" y="6415088"/>
+            <a:ext cx="4143375" cy="246062"/>
           </a:xfrm>
           <a:prstGeom prst="rect">
             <a:avLst/>
           </a:prstGeom>
           <a:noFill/>
-          <a:extLst>
-            <a:ext uri="{909E8E84-426E-40DD-AFC4-6F175D3DCCD1}">
-              <a14:hiddenFill xmlns:a14="http://schemas.microsoft.com/office/drawing/2010/main">
-                <a:solidFill>
-                  <a:srgbClr val="FFFFFF"/>
-                </a:solidFill>
-              </a14:hiddenFill>
-            </a:ext>
-          </a:extLst>
-        </p:spPr>
-      </p:pic>
-      <p:pic>
-        <p:nvPicPr>
-          <p:cNvPr id="7" name="Picture 20" descr="https://github.com/M2000h/HSE-APP/raw/master/screenshots/set_black.jpg"/>
-          <p:cNvPicPr>
-            <a:picLocks noChangeAspect="1" noChangeArrowheads="1"/>
-          </p:cNvPicPr>
+          <a:ln w="9525">
+            <a:noFill/>
+            <a:miter lim="800000"/>
+          </a:ln>
+        </p:spPr>
+        <p:txBody>
+          <a:bodyPr/>
+          <a:lstStyle/>
+          <a:p>
+            <a:pPr>
+              <a:spcBef>
+                <a:spcPct val="20000"/>
+              </a:spcBef>
+            </a:pPr>
+            <a:r>
+              <a:rPr lang="ru-RU" sz="800" dirty="0">
+                <a:solidFill>
+                  <a:schemeClr val="bg1"/>
+                </a:solidFill>
+              </a:rPr>
+              <a:t>Высшая школа экономики, Москва, 2018</a:t>
+            </a:r>
+          </a:p>
+          <a:p>
+            <a:pPr>
+              <a:spcBef>
+                <a:spcPct val="20000"/>
+              </a:spcBef>
+            </a:pPr>
+            <a:endParaRPr kumimoji="1" lang="ru-RU" sz="800" dirty="0">
+              <a:solidFill>
+                <a:schemeClr val="bg1"/>
+              </a:solidFill>
+            </a:endParaRPr>
+          </a:p>
+        </p:txBody>
+      </p:sp>
+      <p:sp>
+        <p:nvSpPr>
+          <p:cNvPr id="14339" name="Title 1"/>
+          <p:cNvSpPr txBox="1"/>
           <p:nvPr/>
-        </p:nvPicPr>
-        <p:blipFill>
-          <a:blip r:embed="rId3">
-            <a:extLst>
-              <a:ext uri="{28A0092B-C50C-407E-A947-70E740481C1C}">
-                <a14:useLocalDpi xmlns:a14="http://schemas.microsoft.com/office/drawing/2010/main" val="0"/>
-              </a:ext>
-            </a:extLst>
-          </a:blip>
-          <a:srcRect/>
-          <a:stretch>
-            <a:fillRect/>
-          </a:stretch>
-        </p:blipFill>
+        </p:nvSpPr>
         <p:spPr bwMode="auto">
           <a:xfrm>
-            <a:off x="5406760" y="1418745"/>
-            <a:ext cx="2512492" cy="5024984"/>
+            <a:off x="1245277" y="428625"/>
+            <a:ext cx="6659984" cy="412750"/>
           </a:xfrm>
           <a:prstGeom prst="rect">
             <a:avLst/>
           </a:prstGeom>
           <a:noFill/>
-          <a:extLst>
-            <a:ext uri="{909E8E84-426E-40DD-AFC4-6F175D3DCCD1}">
-              <a14:hiddenFill xmlns:a14="http://schemas.microsoft.com/office/drawing/2010/main">
+          <a:ln w="9525">
+            <a:noFill/>
+            <a:miter lim="800000"/>
+          </a:ln>
+        </p:spPr>
+        <p:txBody>
+          <a:bodyPr anchor="ctr"/>
+          <a:lstStyle/>
+          <a:p>
+            <a:pPr algn="ctr"/>
+            <a:r>
+              <a:rPr lang="ru-RU" sz="3200" dirty="0" smtClean="0">
+                <a:latin typeface="SF UI Text" panose="00000400000000000000" pitchFamily="2" charset="0"/>
+              </a:rPr>
+              <a:t>Алгоритм работы</a:t>
+            </a:r>
+            <a:endParaRPr lang="en-US" sz="3200" dirty="0">
+              <a:latin typeface="SF UI Text" panose="00000400000000000000" pitchFamily="2" charset="0"/>
+            </a:endParaRPr>
+          </a:p>
+        </p:txBody>
+      </p:sp>
+      <p:sp>
+        <p:nvSpPr>
+          <p:cNvPr id="14343" name="Rectangle 9"/>
+          <p:cNvSpPr>
+            <a:spLocks noChangeArrowheads="1"/>
+          </p:cNvSpPr>
+          <p:nvPr/>
+        </p:nvSpPr>
+        <p:spPr bwMode="auto">
+          <a:xfrm>
+            <a:off x="7300913" y="2255838"/>
+            <a:ext cx="674687" cy="369887"/>
+          </a:xfrm>
+          <a:prstGeom prst="rect">
+            <a:avLst/>
+          </a:prstGeom>
+          <a:noFill/>
+          <a:ln w="9525">
+            <a:noFill/>
+            <a:miter lim="800000"/>
+          </a:ln>
+        </p:spPr>
+        <p:txBody>
+          <a:bodyPr wrap="none">
+            <a:spAutoFit/>
+          </a:bodyPr>
+          <a:lstStyle/>
+          <a:p>
+            <a:r>
+              <a:rPr lang="ru-RU">
                 <a:solidFill>
                   <a:srgbClr val="FFFFFF"/>
                 </a:solidFill>
-              </a14:hiddenFill>
-            </a:ext>
-          </a:extLst>
-        </p:spPr>
-      </p:pic>
+              </a:rPr>
+              <a:t>фото</a:t>
+            </a:r>
+            <a:endParaRPr lang="en-US">
+              <a:solidFill>
+                <a:srgbClr val="FFFFFF"/>
+              </a:solidFill>
+            </a:endParaRPr>
+          </a:p>
+        </p:txBody>
+      </p:sp>
+      <p:sp>
+        <p:nvSpPr>
+          <p:cNvPr id="14344" name="Rectangle 10"/>
+          <p:cNvSpPr>
+            <a:spLocks noChangeArrowheads="1"/>
+          </p:cNvSpPr>
+          <p:nvPr/>
+        </p:nvSpPr>
+        <p:spPr bwMode="auto">
+          <a:xfrm>
+            <a:off x="7300913" y="3967163"/>
+            <a:ext cx="674687" cy="368300"/>
+          </a:xfrm>
+          <a:prstGeom prst="rect">
+            <a:avLst/>
+          </a:prstGeom>
+          <a:noFill/>
+          <a:ln w="9525">
+            <a:noFill/>
+            <a:miter lim="800000"/>
+          </a:ln>
+        </p:spPr>
+        <p:txBody>
+          <a:bodyPr wrap="none">
+            <a:spAutoFit/>
+          </a:bodyPr>
+          <a:lstStyle/>
+          <a:p>
+            <a:r>
+              <a:rPr lang="ru-RU">
+                <a:solidFill>
+                  <a:srgbClr val="FFFFFF"/>
+                </a:solidFill>
+              </a:rPr>
+              <a:t>фото</a:t>
+            </a:r>
+            <a:endParaRPr lang="en-US">
+              <a:solidFill>
+                <a:srgbClr val="FFFFFF"/>
+              </a:solidFill>
+            </a:endParaRPr>
+          </a:p>
+        </p:txBody>
+      </p:sp>
+      <p:sp>
+        <p:nvSpPr>
+          <p:cNvPr id="14345" name="Rectangle 11"/>
+          <p:cNvSpPr>
+            <a:spLocks noChangeArrowheads="1"/>
+          </p:cNvSpPr>
+          <p:nvPr/>
+        </p:nvSpPr>
+        <p:spPr bwMode="auto">
+          <a:xfrm>
+            <a:off x="7300913" y="5591175"/>
+            <a:ext cx="674687" cy="369888"/>
+          </a:xfrm>
+          <a:prstGeom prst="rect">
+            <a:avLst/>
+          </a:prstGeom>
+          <a:noFill/>
+          <a:ln w="9525">
+            <a:noFill/>
+            <a:miter lim="800000"/>
+          </a:ln>
+        </p:spPr>
+        <p:txBody>
+          <a:bodyPr wrap="none">
+            <a:spAutoFit/>
+          </a:bodyPr>
+          <a:lstStyle/>
+          <a:p>
+            <a:r>
+              <a:rPr lang="ru-RU">
+                <a:solidFill>
+                  <a:srgbClr val="FFFFFF"/>
+                </a:solidFill>
+              </a:rPr>
+              <a:t>фото</a:t>
+            </a:r>
+            <a:endParaRPr lang="en-US">
+              <a:solidFill>
+                <a:srgbClr val="FFFFFF"/>
+              </a:solidFill>
+            </a:endParaRPr>
+          </a:p>
+        </p:txBody>
+      </p:sp>
+      <p:sp>
+        <p:nvSpPr>
+          <p:cNvPr id="14346" name="Rectangle 12"/>
+          <p:cNvSpPr>
+            <a:spLocks noChangeArrowheads="1"/>
+          </p:cNvSpPr>
+          <p:nvPr/>
+        </p:nvSpPr>
+        <p:spPr bwMode="auto">
+          <a:xfrm>
+            <a:off x="255588" y="2117681"/>
+            <a:ext cx="8639362" cy="3170099"/>
+          </a:xfrm>
+          <a:prstGeom prst="rect">
+            <a:avLst/>
+          </a:prstGeom>
+          <a:noFill/>
+          <a:ln w="9525">
+            <a:noFill/>
+            <a:miter lim="800000"/>
+          </a:ln>
+        </p:spPr>
+        <p:txBody>
+          <a:bodyPr wrap="square">
+            <a:spAutoFit/>
+          </a:bodyPr>
+          <a:lstStyle/>
+          <a:p>
+            <a:pPr marL="342900" indent="-342900">
+              <a:buAutoNum type="arabicParenR"/>
+            </a:pPr>
+            <a:r>
+              <a:rPr lang="ru-RU" sz="2000" dirty="0" smtClean="0">
+                <a:latin typeface="SF UI Text" panose="00000400000000000000" pitchFamily="2" charset="0"/>
+              </a:rPr>
+              <a:t>Раз в час сервер </a:t>
+            </a:r>
+            <a:r>
+              <a:rPr lang="en-US" sz="2000" dirty="0" err="1">
+                <a:solidFill>
+                  <a:schemeClr val="tx2"/>
+                </a:solidFill>
+                <a:latin typeface="Segoe UI" panose="020B0502040204020203" pitchFamily="34" charset="0"/>
+              </a:rPr>
+              <a:t>Shakura.dev</a:t>
+            </a:r>
+            <a:r>
+              <a:rPr lang="en-US" sz="2000" dirty="0">
+                <a:solidFill>
+                  <a:schemeClr val="tx2"/>
+                </a:solidFill>
+                <a:latin typeface="Segoe UI" panose="020B0502040204020203" pitchFamily="34" charset="0"/>
+              </a:rPr>
+              <a:t>/</a:t>
+            </a:r>
+            <a:r>
+              <a:rPr lang="en-US" sz="2000" dirty="0" smtClean="0">
+                <a:latin typeface="SF UI Text" panose="00000400000000000000" pitchFamily="2" charset="0"/>
+              </a:rPr>
+              <a:t> </a:t>
+            </a:r>
+            <a:r>
+              <a:rPr lang="ru-RU" sz="2000" dirty="0" smtClean="0">
+                <a:latin typeface="SF UI Text" panose="00000400000000000000" pitchFamily="2" charset="0"/>
+              </a:rPr>
+              <a:t>делает </a:t>
+            </a:r>
+            <a:r>
+              <a:rPr lang="en-US" sz="2000" dirty="0" smtClean="0">
+                <a:latin typeface="SF UI Text" panose="00000400000000000000" pitchFamily="2" charset="0"/>
+              </a:rPr>
+              <a:t>GET</a:t>
+            </a:r>
+            <a:r>
+              <a:rPr lang="ru-RU" sz="2000" dirty="0" smtClean="0">
+                <a:latin typeface="SF UI Text" panose="00000400000000000000" pitchFamily="2" charset="0"/>
+              </a:rPr>
+              <a:t>-запрос к </a:t>
+            </a:r>
+            <a:r>
+              <a:rPr lang="ru-RU" sz="2000" dirty="0" smtClean="0">
+                <a:latin typeface="SF UI Text" panose="00000400000000000000" pitchFamily="2" charset="0"/>
+              </a:rPr>
+              <a:t>сайтам </a:t>
+            </a:r>
+            <a:r>
+              <a:rPr lang="en-US" sz="2000" dirty="0" smtClean="0">
+                <a:solidFill>
+                  <a:schemeClr val="tx2"/>
+                </a:solidFill>
+                <a:latin typeface="Segoe UI" panose="020B0502040204020203" pitchFamily="34" charset="0"/>
+              </a:rPr>
+              <a:t>hse.ru/news/announcements</a:t>
+            </a:r>
+            <a:r>
+              <a:rPr lang="en-US" sz="2000" dirty="0">
+                <a:solidFill>
+                  <a:schemeClr val="tx2"/>
+                </a:solidFill>
+                <a:latin typeface="Segoe UI" panose="020B0502040204020203" pitchFamily="34" charset="0"/>
+              </a:rPr>
+              <a:t>/ </a:t>
+            </a:r>
+            <a:r>
+              <a:rPr lang="ru-RU" sz="2000" dirty="0" smtClean="0">
+                <a:latin typeface="SF UI Text" panose="00000400000000000000" pitchFamily="2" charset="0"/>
+              </a:rPr>
+              <a:t>и </a:t>
+            </a:r>
+            <a:r>
+              <a:rPr lang="en-US" sz="2000" dirty="0" smtClean="0">
+                <a:solidFill>
+                  <a:schemeClr val="tx2"/>
+                </a:solidFill>
+                <a:latin typeface="Segoe UI" panose="020B0502040204020203" pitchFamily="34" charset="0"/>
+              </a:rPr>
+              <a:t>hse.ru/</a:t>
+            </a:r>
+            <a:r>
+              <a:rPr lang="en-US" sz="2000" dirty="0" err="1" smtClean="0">
+                <a:solidFill>
+                  <a:schemeClr val="tx2"/>
+                </a:solidFill>
+                <a:latin typeface="Segoe UI" panose="020B0502040204020203" pitchFamily="34" charset="0"/>
+              </a:rPr>
+              <a:t>en</a:t>
+            </a:r>
+            <a:r>
+              <a:rPr lang="en-US" sz="2000" dirty="0" smtClean="0">
+                <a:solidFill>
+                  <a:schemeClr val="tx2"/>
+                </a:solidFill>
+                <a:latin typeface="Segoe UI" panose="020B0502040204020203" pitchFamily="34" charset="0"/>
+              </a:rPr>
+              <a:t>/news/announcements</a:t>
+            </a:r>
+            <a:r>
+              <a:rPr lang="ru-RU" sz="2000" dirty="0">
+                <a:solidFill>
+                  <a:schemeClr val="tx2"/>
+                </a:solidFill>
+                <a:latin typeface="Segoe UI" panose="020B0502040204020203" pitchFamily="34" charset="0"/>
+              </a:rPr>
+              <a:t>/</a:t>
+            </a:r>
+            <a:r>
+              <a:rPr lang="en-US" sz="2000" dirty="0" smtClean="0">
+                <a:solidFill>
+                  <a:schemeClr val="tx2"/>
+                </a:solidFill>
+                <a:latin typeface="Segoe UI" panose="020B0502040204020203" pitchFamily="34" charset="0"/>
+              </a:rPr>
+              <a:t> </a:t>
+            </a:r>
+            <a:r>
+              <a:rPr lang="ru-RU" sz="2000" dirty="0" smtClean="0">
+                <a:latin typeface="SF UI Text" panose="00000400000000000000" pitchFamily="2" charset="0"/>
+              </a:rPr>
+              <a:t>и </a:t>
+            </a:r>
+            <a:r>
+              <a:rPr lang="ru-RU" sz="2000" dirty="0" err="1" smtClean="0">
+                <a:latin typeface="SF UI Text" panose="00000400000000000000" pitchFamily="2" charset="0"/>
+              </a:rPr>
+              <a:t>парсит</a:t>
+            </a:r>
+            <a:r>
+              <a:rPr lang="ru-RU" sz="2000" dirty="0" smtClean="0">
+                <a:latin typeface="SF UI Text" panose="00000400000000000000" pitchFamily="2" charset="0"/>
+              </a:rPr>
+              <a:t> </a:t>
+            </a:r>
+            <a:r>
+              <a:rPr lang="en-US" sz="2000" dirty="0" smtClean="0">
+                <a:latin typeface="SF UI Text" panose="00000400000000000000" pitchFamily="2" charset="0"/>
+              </a:rPr>
+              <a:t>html </a:t>
+            </a:r>
+            <a:r>
+              <a:rPr lang="ru-RU" sz="2000" dirty="0" smtClean="0">
+                <a:latin typeface="SF UI Text" panose="00000400000000000000" pitchFamily="2" charset="0"/>
+              </a:rPr>
+              <a:t>страницы в </a:t>
+            </a:r>
+            <a:r>
+              <a:rPr lang="en-US" sz="2000" dirty="0" smtClean="0">
+                <a:latin typeface="SF UI Text" panose="00000400000000000000" pitchFamily="2" charset="0"/>
+              </a:rPr>
+              <a:t>JSON-</a:t>
+            </a:r>
+            <a:r>
+              <a:rPr lang="ru-RU" sz="2000" dirty="0" smtClean="0">
+                <a:latin typeface="SF UI Text" panose="00000400000000000000" pitchFamily="2" charset="0"/>
+              </a:rPr>
+              <a:t>данные </a:t>
+            </a:r>
+            <a:r>
+              <a:rPr lang="ru-RU" sz="2000" dirty="0" smtClean="0">
+                <a:latin typeface="SF UI Text" panose="00000400000000000000" pitchFamily="2" charset="0"/>
+              </a:rPr>
+              <a:t>о мероприятиях.</a:t>
+            </a:r>
+          </a:p>
+          <a:p>
+            <a:pPr marL="342900" indent="-342900">
+              <a:buAutoNum type="arabicParenR"/>
+            </a:pPr>
+            <a:endParaRPr lang="ru-RU" sz="2000" dirty="0" smtClean="0">
+              <a:latin typeface="SF UI Text" panose="00000400000000000000" pitchFamily="2" charset="0"/>
+            </a:endParaRPr>
+          </a:p>
+          <a:p>
+            <a:pPr marL="342900" indent="-342900">
+              <a:buFontTx/>
+              <a:buAutoNum type="arabicParenR"/>
+            </a:pPr>
+            <a:r>
+              <a:rPr lang="ru-RU" sz="2000" dirty="0" smtClean="0">
+                <a:latin typeface="SF UI Text" panose="00000400000000000000" pitchFamily="2" charset="0"/>
+              </a:rPr>
+              <a:t>При запуске, клиент-приложение делает запрос к сайтам </a:t>
+            </a:r>
+            <a:r>
+              <a:rPr lang="en-US" sz="2000" dirty="0" err="1" smtClean="0">
+                <a:solidFill>
+                  <a:schemeClr val="tx2"/>
+                </a:solidFill>
+                <a:latin typeface="Segoe UI" panose="020B0502040204020203" pitchFamily="34" charset="0"/>
+              </a:rPr>
+              <a:t>Shakura.dev</a:t>
+            </a:r>
+            <a:r>
+              <a:rPr lang="en-US" sz="2000" dirty="0" smtClean="0">
+                <a:solidFill>
+                  <a:schemeClr val="tx2"/>
+                </a:solidFill>
+                <a:latin typeface="Segoe UI" panose="020B0502040204020203" pitchFamily="34" charset="0"/>
+              </a:rPr>
+              <a:t>/</a:t>
+            </a:r>
+            <a:r>
+              <a:rPr lang="en-US" sz="2000" dirty="0" err="1" smtClean="0">
+                <a:solidFill>
+                  <a:schemeClr val="tx2"/>
+                </a:solidFill>
+                <a:latin typeface="Segoe UI" panose="020B0502040204020203" pitchFamily="34" charset="0"/>
+              </a:rPr>
+              <a:t>hseapi</a:t>
+            </a:r>
+            <a:r>
+              <a:rPr lang="en-US" sz="2000" dirty="0" smtClean="0">
+                <a:solidFill>
+                  <a:schemeClr val="tx2"/>
+                </a:solidFill>
+                <a:latin typeface="Segoe UI" panose="020B0502040204020203" pitchFamily="34" charset="0"/>
+              </a:rPr>
+              <a:t> </a:t>
+            </a:r>
+            <a:r>
+              <a:rPr lang="ru-RU" sz="2000" dirty="0" smtClean="0">
+                <a:latin typeface="SF UI Text" panose="00000400000000000000" pitchFamily="2" charset="0"/>
+              </a:rPr>
+              <a:t>и </a:t>
+            </a:r>
+            <a:r>
+              <a:rPr lang="en-US" sz="2000" dirty="0" err="1" smtClean="0">
+                <a:solidFill>
+                  <a:schemeClr val="tx2"/>
+                </a:solidFill>
+                <a:latin typeface="Segoe UI" panose="020B0502040204020203" pitchFamily="34" charset="0"/>
+              </a:rPr>
+              <a:t>Shakura.dev</a:t>
+            </a:r>
+            <a:r>
+              <a:rPr lang="en-US" sz="2000" dirty="0" smtClean="0">
+                <a:solidFill>
+                  <a:schemeClr val="tx2"/>
+                </a:solidFill>
+                <a:latin typeface="Segoe UI" panose="020B0502040204020203" pitchFamily="34" charset="0"/>
+              </a:rPr>
+              <a:t>/</a:t>
+            </a:r>
+            <a:r>
+              <a:rPr lang="en-US" sz="2000" dirty="0" err="1" smtClean="0">
+                <a:solidFill>
+                  <a:schemeClr val="tx2"/>
+                </a:solidFill>
+                <a:latin typeface="Segoe UI" panose="020B0502040204020203" pitchFamily="34" charset="0"/>
+              </a:rPr>
+              <a:t>hseapien</a:t>
+            </a:r>
+            <a:r>
+              <a:rPr lang="en-US" sz="2000" dirty="0" smtClean="0">
+                <a:latin typeface="SF UI Text" panose="00000400000000000000" pitchFamily="2" charset="0"/>
+              </a:rPr>
+              <a:t> </a:t>
+            </a:r>
+            <a:r>
+              <a:rPr lang="ru-RU" sz="2000" dirty="0" smtClean="0">
+                <a:latin typeface="SF UI Text" panose="00000400000000000000" pitchFamily="2" charset="0"/>
+              </a:rPr>
+              <a:t>и </a:t>
+            </a:r>
+            <a:r>
+              <a:rPr lang="ru-RU" sz="2000" dirty="0" smtClean="0">
+                <a:latin typeface="SF UI Text" panose="00000400000000000000" pitchFamily="2" charset="0"/>
+              </a:rPr>
+              <a:t>получает данные о мероприятиях и выводит их  на экран.</a:t>
+            </a:r>
+          </a:p>
+          <a:p>
+            <a:pPr marL="342900" indent="-342900">
+              <a:buAutoNum type="arabicParenR"/>
+            </a:pPr>
+            <a:endParaRPr lang="ru-RU" sz="2000" dirty="0">
+              <a:latin typeface="SF UI Text" panose="00000400000000000000" pitchFamily="2" charset="0"/>
+            </a:endParaRPr>
+          </a:p>
+          <a:p>
+            <a:pPr marL="342900" indent="-342900">
+              <a:buAutoNum type="arabicParenR"/>
+            </a:pPr>
+            <a:r>
+              <a:rPr lang="ru-RU" sz="2000" dirty="0" smtClean="0">
+                <a:latin typeface="SF UI Text" panose="00000400000000000000" pitchFamily="2" charset="0"/>
+              </a:rPr>
+              <a:t>Все изменения клиент-приложение сохраняет в память и применяет при следующем запуске.</a:t>
+            </a:r>
+          </a:p>
+        </p:txBody>
+      </p:sp>
+      <p:sp>
+        <p:nvSpPr>
+          <p:cNvPr id="11" name="Номер слайда 10"/>
+          <p:cNvSpPr>
+            <a:spLocks noGrp="1"/>
+          </p:cNvSpPr>
+          <p:nvPr>
+            <p:ph type="sldNum" sz="quarter" idx="12"/>
+          </p:nvPr>
+        </p:nvSpPr>
+        <p:spPr/>
+        <p:txBody>
+          <a:bodyPr vert="horz" wrap="square" lIns="91440" tIns="45720" rIns="91440" bIns="45720" numCol="1" anchor="ctr" anchorCtr="0" compatLnSpc="1"/>
+          <a:lstStyle/>
+          <a:p>
+            <a:pPr>
+              <a:defRPr/>
+            </a:pPr>
+            <a:fld id="{CB65F501-F5CC-4E12-934E-78BB5E4DA208}" type="slidenum">
+              <a:rPr lang="en-US" sz="1800" smtClean="0">
+                <a:solidFill>
+                  <a:schemeClr val="tx1"/>
+                </a:solidFill>
+              </a:rPr>
+              <a:t>16</a:t>
+            </a:fld>
+            <a:endParaRPr lang="en-US" sz="1800" dirty="0">
+              <a:solidFill>
+                <a:schemeClr val="tx1"/>
+              </a:solidFill>
+            </a:endParaRPr>
+          </a:p>
+        </p:txBody>
+      </p:sp>
+      <p:sp>
+        <p:nvSpPr>
+          <p:cNvPr id="9" name="Subtitle 2"/>
+          <p:cNvSpPr txBox="1"/>
+          <p:nvPr/>
+        </p:nvSpPr>
+        <p:spPr bwMode="auto">
+          <a:xfrm>
+            <a:off x="407988" y="6567488"/>
+            <a:ext cx="4143375" cy="246062"/>
+          </a:xfrm>
+          <a:prstGeom prst="rect">
+            <a:avLst/>
+          </a:prstGeom>
+          <a:noFill/>
+          <a:ln w="9525">
+            <a:noFill/>
+            <a:miter lim="800000"/>
+          </a:ln>
+        </p:spPr>
+        <p:txBody>
+          <a:bodyPr/>
+          <a:lstStyle/>
+          <a:p>
+            <a:pPr>
+              <a:spcBef>
+                <a:spcPct val="20000"/>
+              </a:spcBef>
+            </a:pPr>
+            <a:r>
+              <a:rPr lang="ru-RU" sz="800" dirty="0"/>
+              <a:t>Высшая школа экономики, Москва, </a:t>
+            </a:r>
+            <a:r>
+              <a:rPr lang="ru-RU" sz="800" dirty="0" smtClean="0"/>
+              <a:t>2019</a:t>
+            </a:r>
+            <a:endParaRPr kumimoji="1" lang="ru-RU" sz="800" dirty="0"/>
+          </a:p>
+        </p:txBody>
+      </p:sp>
     </p:spTree>
-    <p:extLst>
-      <p:ext uri="{BB962C8B-B14F-4D97-AF65-F5344CB8AC3E}">
-        <p14:creationId xmlns:p14="http://schemas.microsoft.com/office/powerpoint/2010/main" val="724332369"/>
-      </p:ext>
-    </p:extLst>
   </p:cSld>
   <p:clrMapOvr>
     <a:masterClrMapping/>
@@ -6556,14 +6920,14 @@
       </p:grpSpPr>
       <p:sp>
         <p:nvSpPr>
-          <p:cNvPr id="14338" name="Subtitle 2"/>
+          <p:cNvPr id="14339" name="Title 1"/>
           <p:cNvSpPr txBox="1"/>
           <p:nvPr/>
         </p:nvSpPr>
         <p:spPr bwMode="auto">
           <a:xfrm>
-            <a:off x="255588" y="6415088"/>
-            <a:ext cx="4143375" cy="246062"/>
+            <a:off x="1406585" y="331978"/>
+            <a:ext cx="6464041" cy="412750"/>
           </a:xfrm>
           <a:prstGeom prst="rect">
             <a:avLst/>
@@ -6575,40 +6939,34 @@
           </a:ln>
         </p:spPr>
         <p:txBody>
-          <a:bodyPr/>
+          <a:bodyPr anchor="ctr"/>
           <a:lstStyle/>
           <a:p>
-            <a:pPr>
-              <a:spcBef>
-                <a:spcPct val="20000"/>
-              </a:spcBef>
-            </a:pPr>
-            <a:r>
-              <a:rPr lang="ru-RU" sz="800" dirty="0">
-                <a:solidFill>
-                  <a:schemeClr val="bg1"/>
-                </a:solidFill>
-              </a:rPr>
-              <a:t>Высшая школа экономики, Москва, 2018</a:t>
-            </a:r>
-            <a:endParaRPr kumimoji="1" lang="ru-RU" sz="800" dirty="0">
-              <a:solidFill>
-                <a:schemeClr val="bg1"/>
-              </a:solidFill>
+            <a:pPr algn="ctr"/>
+            <a:r>
+              <a:rPr lang="ru-RU" sz="3200" dirty="0" smtClean="0">
+                <a:latin typeface="SF UI Text" panose="00000400000000000000" pitchFamily="2" charset="0"/>
+              </a:rPr>
+              <a:t>Обмен данными</a:t>
+            </a:r>
+            <a:endParaRPr lang="en-US" sz="3200" dirty="0">
+              <a:latin typeface="SF UI Text" panose="00000400000000000000" pitchFamily="2" charset="0"/>
             </a:endParaRPr>
           </a:p>
         </p:txBody>
       </p:sp>
       <p:sp>
         <p:nvSpPr>
-          <p:cNvPr id="14339" name="Title 1"/>
-          <p:cNvSpPr txBox="1"/>
+          <p:cNvPr id="14343" name="Rectangle 9"/>
+          <p:cNvSpPr>
+            <a:spLocks noChangeArrowheads="1"/>
+          </p:cNvSpPr>
           <p:nvPr/>
         </p:nvSpPr>
         <p:spPr bwMode="auto">
           <a:xfrm>
-            <a:off x="1428749" y="428625"/>
-            <a:ext cx="7432863" cy="412750"/>
+            <a:off x="7300913" y="2255838"/>
+            <a:ext cx="674687" cy="369887"/>
           </a:xfrm>
           <a:prstGeom prst="rect">
             <a:avLst/>
@@ -6620,25 +6978,30 @@
           </a:ln>
         </p:spPr>
         <p:txBody>
-          <a:bodyPr anchor="ctr"/>
+          <a:bodyPr wrap="none">
+            <a:spAutoFit/>
+          </a:bodyPr>
           <a:lstStyle/>
           <a:p>
-            <a:pPr algn="ctr"/>
-            <a:r>
-              <a:rPr lang="ru-RU" sz="3200" dirty="0">
-                <a:latin typeface="SF UI Text" panose="00000400000000000000" pitchFamily="2" charset="0"/>
-              </a:rPr>
-              <a:t>Пути дальнейшей работы</a:t>
-            </a:r>
-            <a:endParaRPr lang="en-US" sz="3200" dirty="0">
-              <a:latin typeface="SF UI Text" panose="00000400000000000000" pitchFamily="2" charset="0"/>
+            <a:r>
+              <a:rPr lang="ru-RU">
+                <a:solidFill>
+                  <a:srgbClr val="FFFFFF"/>
+                </a:solidFill>
+              </a:rPr>
+              <a:t>фото</a:t>
+            </a:r>
+            <a:endParaRPr lang="en-US">
+              <a:solidFill>
+                <a:srgbClr val="FFFFFF"/>
+              </a:solidFill>
             </a:endParaRPr>
           </a:p>
         </p:txBody>
       </p:sp>
       <p:sp>
         <p:nvSpPr>
-          <p:cNvPr id="14343" name="Rectangle 9"/>
+          <p:cNvPr id="14345" name="Rectangle 11"/>
           <p:cNvSpPr>
             <a:spLocks noChangeArrowheads="1"/>
           </p:cNvSpPr>
@@ -6646,8 +7009,8 @@
         </p:nvSpPr>
         <p:spPr bwMode="auto">
           <a:xfrm>
-            <a:off x="7300913" y="2255838"/>
-            <a:ext cx="674687" cy="369887"/>
+            <a:off x="7300913" y="5591175"/>
+            <a:ext cx="674687" cy="369888"/>
           </a:xfrm>
           <a:prstGeom prst="rect">
             <a:avLst/>
@@ -6682,7 +7045,95 @@
       </p:sp>
       <p:sp>
         <p:nvSpPr>
-          <p:cNvPr id="14345" name="Rectangle 11"/>
+          <p:cNvPr id="11" name="Номер слайда 10"/>
+          <p:cNvSpPr>
+            <a:spLocks noGrp="1"/>
+          </p:cNvSpPr>
+          <p:nvPr>
+            <p:ph type="sldNum" sz="quarter" idx="12"/>
+          </p:nvPr>
+        </p:nvSpPr>
+        <p:spPr/>
+        <p:txBody>
+          <a:bodyPr vert="horz" wrap="square" lIns="91440" tIns="45720" rIns="91440" bIns="45720" numCol="1" anchor="ctr" anchorCtr="0" compatLnSpc="1"/>
+          <a:lstStyle/>
+          <a:p>
+            <a:pPr>
+              <a:defRPr/>
+            </a:pPr>
+            <a:fld id="{CB65F501-F5CC-4E12-934E-78BB5E4DA208}" type="slidenum">
+              <a:rPr lang="en-US" sz="1800" smtClean="0">
+                <a:solidFill>
+                  <a:schemeClr val="tx1"/>
+                </a:solidFill>
+              </a:rPr>
+              <a:t>17</a:t>
+            </a:fld>
+            <a:endParaRPr lang="en-US" sz="1800">
+              <a:solidFill>
+                <a:schemeClr val="tx1"/>
+              </a:solidFill>
+            </a:endParaRPr>
+          </a:p>
+        </p:txBody>
+      </p:sp>
+      <p:pic>
+        <p:nvPicPr>
+          <p:cNvPr id="1026" name="Picture 2" descr="Untitled"/>
+          <p:cNvPicPr>
+            <a:picLocks noChangeAspect="1" noChangeArrowheads="1"/>
+          </p:cNvPicPr>
+          <p:nvPr/>
+        </p:nvPicPr>
+        <p:blipFill>
+          <a:blip r:embed="rId2">
+            <a:extLst>
+              <a:ext uri="{28A0092B-C50C-407E-A947-70E740481C1C}">
+                <a14:useLocalDpi xmlns:a14="http://schemas.microsoft.com/office/drawing/2010/main" val="0"/>
+              </a:ext>
+            </a:extLst>
+          </a:blip>
+          <a:srcRect/>
+          <a:stretch>
+            <a:fillRect/>
+          </a:stretch>
+        </p:blipFill>
+        <p:spPr bwMode="auto">
+          <a:xfrm>
+            <a:off x="0" y="1292250"/>
+            <a:ext cx="9277212" cy="4319136"/>
+          </a:xfrm>
+          <a:prstGeom prst="rect">
+            <a:avLst/>
+          </a:prstGeom>
+          <a:noFill/>
+          <a:ln>
+            <a:noFill/>
+          </a:ln>
+          <a:extLst>
+            <a:ext uri="{909E8E84-426E-40DD-AFC4-6F175D3DCCD1}">
+              <a14:hiddenFill xmlns:a14="http://schemas.microsoft.com/office/drawing/2010/main">
+                <a:solidFill>
+                  <a:srgbClr val="FFFFFF"/>
+                </a:solidFill>
+              </a14:hiddenFill>
+            </a:ext>
+            <a:ext uri="{91240B29-F687-4F45-9708-019B960494DF}">
+              <a14:hiddenLine xmlns:a14="http://schemas.microsoft.com/office/drawing/2010/main" w="9525">
+                <a:solidFill>
+                  <a:srgbClr val="000000"/>
+                </a:solidFill>
+                <a:miter lim="800000"/>
+                <a:headEnd/>
+                <a:tailEnd/>
+              </a14:hiddenLine>
+            </a:ext>
+          </a:extLst>
+        </p:spPr>
+      </p:pic>
+      <p:sp>
+        <p:nvSpPr>
+          <p:cNvPr id="9" name="Rectangle 12"/>
           <p:cNvSpPr>
             <a:spLocks noChangeArrowheads="1"/>
           </p:cNvSpPr>
@@ -6690,8 +7141,8 @@
         </p:nvSpPr>
         <p:spPr bwMode="auto">
           <a:xfrm>
-            <a:off x="7300913" y="5591175"/>
-            <a:ext cx="674687" cy="369888"/>
+            <a:off x="3348445" y="4077660"/>
+            <a:ext cx="2791098" cy="646331"/>
           </a:xfrm>
           <a:prstGeom prst="rect">
             <a:avLst/>
@@ -6703,127 +7154,145 @@
           </a:ln>
         </p:spPr>
         <p:txBody>
-          <a:bodyPr wrap="none">
-            <a:spAutoFit/>
-          </a:bodyPr>
-          <a:lstStyle/>
-          <a:p>
-            <a:r>
-              <a:rPr lang="ru-RU">
-                <a:solidFill>
-                  <a:srgbClr val="FFFFFF"/>
-                </a:solidFill>
-              </a:rPr>
-              <a:t>фото</a:t>
-            </a:r>
-            <a:endParaRPr lang="en-US">
-              <a:solidFill>
-                <a:srgbClr val="FFFFFF"/>
-              </a:solidFill>
-            </a:endParaRPr>
-          </a:p>
-        </p:txBody>
-      </p:sp>
-      <p:sp>
-        <p:nvSpPr>
-          <p:cNvPr id="7" name="Номер слайда 6"/>
-          <p:cNvSpPr>
-            <a:spLocks noGrp="1"/>
-          </p:cNvSpPr>
-          <p:nvPr>
-            <p:ph type="sldNum" sz="quarter" idx="12"/>
-          </p:nvPr>
-        </p:nvSpPr>
-        <p:spPr>
-          <a:xfrm>
-            <a:off x="8451475" y="6356350"/>
-            <a:ext cx="470647" cy="365125"/>
-          </a:xfrm>
-        </p:spPr>
-        <p:txBody>
-          <a:bodyPr/>
-          <a:lstStyle/>
-          <a:p>
-            <a:pPr>
-              <a:defRPr/>
-            </a:pPr>
-            <a:fld id="{CB65F501-F5CC-4E12-934E-78BB5E4DA208}" type="slidenum">
-              <a:rPr lang="en-US" sz="1800" smtClean="0">
-                <a:solidFill>
-                  <a:schemeClr val="tx1"/>
-                </a:solidFill>
-              </a:rPr>
-              <a:t>17</a:t>
-            </a:fld>
-            <a:endParaRPr lang="en-US" sz="1800" dirty="0">
-              <a:solidFill>
-                <a:schemeClr val="tx1"/>
-              </a:solidFill>
-            </a:endParaRPr>
-          </a:p>
-        </p:txBody>
-      </p:sp>
-      <p:sp>
-        <p:nvSpPr>
-          <p:cNvPr id="9" name="Rectangle 12"/>
-          <p:cNvSpPr>
-            <a:spLocks noChangeArrowheads="1"/>
-          </p:cNvSpPr>
-          <p:nvPr/>
-        </p:nvSpPr>
-        <p:spPr bwMode="auto">
-          <a:xfrm>
-            <a:off x="255588" y="1581141"/>
-            <a:ext cx="8666533" cy="1384995"/>
-          </a:xfrm>
-          <a:prstGeom prst="rect">
-            <a:avLst/>
-          </a:prstGeom>
-          <a:noFill/>
-          <a:ln w="9525">
-            <a:noFill/>
-            <a:miter lim="800000"/>
-          </a:ln>
-        </p:spPr>
-        <p:txBody>
           <a:bodyPr wrap="square">
             <a:spAutoFit/>
           </a:bodyPr>
           <a:lstStyle/>
           <a:p>
-            <a:pPr>
-              <a:lnSpc>
-                <a:spcPct val="150000"/>
-              </a:lnSpc>
-            </a:pPr>
-            <a:r>
-              <a:rPr lang="ru-RU" sz="2800" dirty="0" smtClean="0">
-                <a:latin typeface="SF UI Text" panose="00000400000000000000" pitchFamily="2" charset="0"/>
-              </a:rPr>
-              <a:t>Развитие логики работы с мероприятиями</a:t>
-            </a:r>
-          </a:p>
-          <a:p>
-            <a:pPr>
-              <a:lnSpc>
-                <a:spcPct val="150000"/>
-              </a:lnSpc>
-            </a:pPr>
-            <a:r>
-              <a:rPr lang="ru-RU" sz="2800" dirty="0" smtClean="0">
-                <a:latin typeface="SF UI Text" panose="00000400000000000000" pitchFamily="2" charset="0"/>
-              </a:rPr>
-              <a:t>Увеличение функционала</a:t>
-            </a:r>
-            <a:endParaRPr lang="en-US" sz="2800" dirty="0" smtClean="0">
-              <a:latin typeface="SF UI Text" panose="00000400000000000000" pitchFamily="2" charset="0"/>
+            <a:r>
+              <a:rPr lang="en-US" dirty="0" err="1" smtClean="0">
+                <a:solidFill>
+                  <a:schemeClr val="tx2"/>
+                </a:solidFill>
+                <a:latin typeface="Segoe UI" panose="020B0502040204020203" pitchFamily="34" charset="0"/>
+              </a:rPr>
+              <a:t>Shakura.dev</a:t>
+            </a:r>
+            <a:r>
+              <a:rPr lang="en-US" dirty="0" smtClean="0">
+                <a:solidFill>
+                  <a:schemeClr val="tx2"/>
+                </a:solidFill>
+                <a:latin typeface="Segoe UI" panose="020B0502040204020203" pitchFamily="34" charset="0"/>
+              </a:rPr>
+              <a:t>/</a:t>
+            </a:r>
+            <a:r>
+              <a:rPr lang="en-US" dirty="0" err="1" smtClean="0">
+                <a:solidFill>
+                  <a:schemeClr val="tx2"/>
+                </a:solidFill>
+                <a:latin typeface="Segoe UI" panose="020B0502040204020203" pitchFamily="34" charset="0"/>
+              </a:rPr>
+              <a:t>hseapi</a:t>
+            </a:r>
+            <a:endParaRPr lang="en-US" dirty="0" smtClean="0">
+              <a:solidFill>
+                <a:schemeClr val="tx2"/>
+              </a:solidFill>
+              <a:latin typeface="Segoe UI" panose="020B0502040204020203" pitchFamily="34" charset="0"/>
             </a:endParaRPr>
           </a:p>
-        </p:txBody>
-      </p:sp>
-      <p:sp>
-        <p:nvSpPr>
-          <p:cNvPr id="8" name="Subtitle 2"/>
+          <a:p>
+            <a:r>
+              <a:rPr lang="en-US" dirty="0" err="1" smtClean="0">
+                <a:solidFill>
+                  <a:schemeClr val="tx2"/>
+                </a:solidFill>
+                <a:latin typeface="Segoe UI" panose="020B0502040204020203" pitchFamily="34" charset="0"/>
+              </a:rPr>
+              <a:t>Shakura.dev</a:t>
+            </a:r>
+            <a:r>
+              <a:rPr lang="en-US" dirty="0" smtClean="0">
+                <a:solidFill>
+                  <a:schemeClr val="tx2"/>
+                </a:solidFill>
+                <a:latin typeface="Segoe UI" panose="020B0502040204020203" pitchFamily="34" charset="0"/>
+              </a:rPr>
+              <a:t>/</a:t>
+            </a:r>
+            <a:r>
+              <a:rPr lang="en-US" dirty="0" err="1" smtClean="0">
+                <a:solidFill>
+                  <a:schemeClr val="tx2"/>
+                </a:solidFill>
+                <a:latin typeface="Segoe UI" panose="020B0502040204020203" pitchFamily="34" charset="0"/>
+              </a:rPr>
+              <a:t>hseapien</a:t>
+            </a:r>
+            <a:endParaRPr lang="ru-RU" dirty="0" smtClean="0">
+              <a:solidFill>
+                <a:schemeClr val="tx2"/>
+              </a:solidFill>
+              <a:latin typeface="Segoe UI" panose="020B0502040204020203" pitchFamily="34" charset="0"/>
+            </a:endParaRPr>
+          </a:p>
+        </p:txBody>
+      </p:sp>
+      <p:sp>
+        <p:nvSpPr>
+          <p:cNvPr id="2" name="Прямоугольник 1"/>
+          <p:cNvSpPr/>
+          <p:nvPr/>
+        </p:nvSpPr>
+        <p:spPr>
+          <a:xfrm>
+            <a:off x="6344195" y="4077660"/>
+            <a:ext cx="3522617" cy="523220"/>
+          </a:xfrm>
+          <a:prstGeom prst="rect">
+            <a:avLst/>
+          </a:prstGeom>
+        </p:spPr>
+        <p:txBody>
+          <a:bodyPr wrap="square">
+            <a:spAutoFit/>
+          </a:bodyPr>
+          <a:lstStyle/>
+          <a:p>
+            <a:r>
+              <a:rPr lang="en-US" sz="1400" dirty="0" smtClean="0">
+                <a:solidFill>
+                  <a:schemeClr val="tx2"/>
+                </a:solidFill>
+                <a:latin typeface="Segoe UI" panose="020B0502040204020203" pitchFamily="34" charset="0"/>
+              </a:rPr>
+              <a:t>hse.ru/news/announcements/ hse.ru/</a:t>
+            </a:r>
+            <a:r>
+              <a:rPr lang="en-US" sz="1400" dirty="0" err="1" smtClean="0">
+                <a:solidFill>
+                  <a:schemeClr val="tx2"/>
+                </a:solidFill>
+                <a:latin typeface="Segoe UI" panose="020B0502040204020203" pitchFamily="34" charset="0"/>
+              </a:rPr>
+              <a:t>en</a:t>
+            </a:r>
+            <a:r>
+              <a:rPr lang="en-US" sz="1400" dirty="0" smtClean="0">
+                <a:solidFill>
+                  <a:schemeClr val="tx2"/>
+                </a:solidFill>
+                <a:latin typeface="Segoe UI" panose="020B0502040204020203" pitchFamily="34" charset="0"/>
+              </a:rPr>
+              <a:t>/news/announcements</a:t>
+            </a:r>
+            <a:r>
+              <a:rPr lang="en-US" sz="1400" dirty="0">
+                <a:solidFill>
+                  <a:schemeClr val="tx2"/>
+                </a:solidFill>
+                <a:latin typeface="Segoe UI" panose="020B0502040204020203" pitchFamily="34" charset="0"/>
+              </a:rPr>
+              <a:t>/ </a:t>
+            </a:r>
+          </a:p>
+        </p:txBody>
+      </p:sp>
+      <p:sp>
+        <p:nvSpPr>
+          <p:cNvPr id="10" name="Subtitle 2"/>
           <p:cNvSpPr txBox="1"/>
           <p:nvPr/>
         </p:nvSpPr>
@@ -6947,8 +7416,8 @@
         </p:nvSpPr>
         <p:spPr bwMode="auto">
           <a:xfrm>
-            <a:off x="578498" y="428625"/>
-            <a:ext cx="8565501" cy="412750"/>
+            <a:off x="849086" y="268343"/>
+            <a:ext cx="8294913" cy="412750"/>
           </a:xfrm>
           <a:prstGeom prst="rect">
             <a:avLst/>
@@ -6968,7 +7437,19 @@
               <a:rPr lang="ru-RU" sz="3200" dirty="0" smtClean="0">
                 <a:latin typeface="SF UI Text" panose="00000400000000000000" pitchFamily="2" charset="0"/>
               </a:rPr>
-              <a:t>Список использованных источников</a:t>
+              <a:t>Технологии </a:t>
+            </a:r>
+            <a:r>
+              <a:rPr lang="ru-RU" sz="3200" dirty="0">
+                <a:latin typeface="SF UI Text" panose="00000400000000000000" pitchFamily="2" charset="0"/>
+              </a:rPr>
+              <a:t>и</a:t>
+            </a:r>
+            <a:r>
+              <a:rPr lang="ru-RU" sz="3200" dirty="0" smtClean="0">
+                <a:latin typeface="SF UI Text" panose="00000400000000000000" pitchFamily="2" charset="0"/>
+              </a:rPr>
+              <a:t> инструменты реализации</a:t>
             </a:r>
             <a:endParaRPr lang="en-US" sz="3200" dirty="0">
               <a:latin typeface="SF UI Text" panose="00000400000000000000" pitchFamily="2" charset="0"/>
@@ -6978,7 +7459,41 @@
       </p:sp>
       <p:sp>
         <p:nvSpPr>
-          <p:cNvPr id="14343" name="Rectangle 9"/>
+          <p:cNvPr id="11" name="Номер слайда 10"/>
+          <p:cNvSpPr>
+            <a:spLocks noGrp="1"/>
+          </p:cNvSpPr>
+          <p:nvPr>
+            <p:ph type="sldNum" sz="quarter" idx="12"/>
+          </p:nvPr>
+        </p:nvSpPr>
+        <p:spPr/>
+        <p:txBody>
+          <a:bodyPr vert="horz" wrap="square" lIns="91440" tIns="45720" rIns="91440" bIns="45720" numCol="1" anchor="ctr" anchorCtr="0" compatLnSpc="1"/>
+          <a:lstStyle/>
+          <a:p>
+            <a:pPr>
+              <a:defRPr/>
+            </a:pPr>
+            <a:fld id="{CB65F501-F5CC-4E12-934E-78BB5E4DA208}" type="slidenum">
+              <a:rPr lang="en-US" sz="1800" smtClean="0">
+                <a:solidFill>
+                  <a:schemeClr val="tx1"/>
+                </a:solidFill>
+              </a:rPr>
+              <a:t>18</a:t>
+            </a:fld>
+            <a:endParaRPr lang="en-US" sz="1800">
+              <a:solidFill>
+                <a:schemeClr val="tx1"/>
+              </a:solidFill>
+            </a:endParaRPr>
+          </a:p>
+        </p:txBody>
+      </p:sp>
+      <p:sp>
+        <p:nvSpPr>
+          <p:cNvPr id="8" name="Rectangle 12"/>
           <p:cNvSpPr>
             <a:spLocks noChangeArrowheads="1"/>
           </p:cNvSpPr>
@@ -6986,8 +7501,8 @@
         </p:nvSpPr>
         <p:spPr bwMode="auto">
           <a:xfrm>
-            <a:off x="7300913" y="2255838"/>
-            <a:ext cx="674687" cy="369887"/>
+            <a:off x="1114697" y="1581141"/>
+            <a:ext cx="3117302" cy="3323987"/>
           </a:xfrm>
           <a:prstGeom prst="rect">
             <a:avLst/>
@@ -6999,30 +7514,80 @@
           </a:ln>
         </p:spPr>
         <p:txBody>
-          <a:bodyPr wrap="none">
+          <a:bodyPr wrap="square">
             <a:spAutoFit/>
           </a:bodyPr>
           <a:lstStyle/>
           <a:p>
-            <a:r>
-              <a:rPr lang="ru-RU">
-                <a:solidFill>
-                  <a:srgbClr val="FFFFFF"/>
-                </a:solidFill>
-              </a:rPr>
-              <a:t>фото</a:t>
-            </a:r>
-            <a:endParaRPr lang="en-US">
-              <a:solidFill>
-                <a:srgbClr val="FFFFFF"/>
-              </a:solidFill>
-            </a:endParaRPr>
-          </a:p>
-        </p:txBody>
-      </p:sp>
-      <p:sp>
-        <p:nvSpPr>
-          <p:cNvPr id="14345" name="Rectangle 11"/>
+            <a:pPr>
+              <a:lnSpc>
+                <a:spcPct val="150000"/>
+              </a:lnSpc>
+            </a:pPr>
+            <a:r>
+              <a:rPr lang="en-US" sz="2800" dirty="0" smtClean="0">
+                <a:latin typeface="SF UI Text" panose="00000400000000000000" pitchFamily="2" charset="0"/>
+              </a:rPr>
+              <a:t>Ubuntu 16.04</a:t>
+            </a:r>
+          </a:p>
+          <a:p>
+            <a:pPr>
+              <a:lnSpc>
+                <a:spcPct val="150000"/>
+              </a:lnSpc>
+            </a:pPr>
+            <a:r>
+              <a:rPr lang="en-US" sz="2800" dirty="0" smtClean="0">
+                <a:latin typeface="SF UI Text" panose="00000400000000000000" pitchFamily="2" charset="0"/>
+              </a:rPr>
+              <a:t>Apache2</a:t>
+            </a:r>
+          </a:p>
+          <a:p>
+            <a:pPr>
+              <a:lnSpc>
+                <a:spcPct val="150000"/>
+              </a:lnSpc>
+            </a:pPr>
+            <a:r>
+              <a:rPr lang="en-US" sz="2800" dirty="0" smtClean="0">
+                <a:latin typeface="SF UI Text" panose="00000400000000000000" pitchFamily="2" charset="0"/>
+              </a:rPr>
+              <a:t>Python</a:t>
+            </a:r>
+          </a:p>
+          <a:p>
+            <a:pPr>
+              <a:lnSpc>
+                <a:spcPct val="150000"/>
+              </a:lnSpc>
+            </a:pPr>
+            <a:r>
+              <a:rPr lang="en-US" sz="2800" dirty="0" smtClean="0">
+                <a:latin typeface="SF UI Text" panose="00000400000000000000" pitchFamily="2" charset="0"/>
+              </a:rPr>
+              <a:t>Flask</a:t>
+            </a:r>
+          </a:p>
+          <a:p>
+            <a:pPr>
+              <a:lnSpc>
+                <a:spcPct val="150000"/>
+              </a:lnSpc>
+            </a:pPr>
+            <a:r>
+              <a:rPr lang="en-US" sz="2800" dirty="0" smtClean="0">
+                <a:latin typeface="SF UI Text" panose="00000400000000000000" pitchFamily="2" charset="0"/>
+              </a:rPr>
+              <a:t>JSON</a:t>
+            </a:r>
+          </a:p>
+        </p:txBody>
+      </p:sp>
+      <p:sp>
+        <p:nvSpPr>
+          <p:cNvPr id="9" name="Rectangle 12"/>
           <p:cNvSpPr>
             <a:spLocks noChangeArrowheads="1"/>
           </p:cNvSpPr>
@@ -7030,8 +7595,8 @@
         </p:nvSpPr>
         <p:spPr bwMode="auto">
           <a:xfrm>
-            <a:off x="7300913" y="5591175"/>
-            <a:ext cx="674687" cy="369888"/>
+            <a:off x="5677990" y="1674566"/>
+            <a:ext cx="3008810" cy="2031325"/>
           </a:xfrm>
           <a:prstGeom prst="rect">
             <a:avLst/>
@@ -7043,89 +7608,6 @@
           </a:ln>
         </p:spPr>
         <p:txBody>
-          <a:bodyPr wrap="none">
-            <a:spAutoFit/>
-          </a:bodyPr>
-          <a:lstStyle/>
-          <a:p>
-            <a:r>
-              <a:rPr lang="ru-RU">
-                <a:solidFill>
-                  <a:srgbClr val="FFFFFF"/>
-                </a:solidFill>
-              </a:rPr>
-              <a:t>фото</a:t>
-            </a:r>
-            <a:endParaRPr lang="en-US">
-              <a:solidFill>
-                <a:srgbClr val="FFFFFF"/>
-              </a:solidFill>
-            </a:endParaRPr>
-          </a:p>
-        </p:txBody>
-      </p:sp>
-      <p:sp>
-        <p:nvSpPr>
-          <p:cNvPr id="7" name="Номер слайда 6"/>
-          <p:cNvSpPr>
-            <a:spLocks noGrp="1"/>
-          </p:cNvSpPr>
-          <p:nvPr>
-            <p:ph type="sldNum" sz="quarter" idx="12"/>
-          </p:nvPr>
-        </p:nvSpPr>
-        <p:spPr>
-          <a:xfrm>
-            <a:off x="8451475" y="6356350"/>
-            <a:ext cx="470647" cy="365125"/>
-          </a:xfrm>
-        </p:spPr>
-        <p:txBody>
-          <a:bodyPr/>
-          <a:lstStyle/>
-          <a:p>
-            <a:pPr>
-              <a:defRPr/>
-            </a:pPr>
-            <a:fld id="{CB65F501-F5CC-4E12-934E-78BB5E4DA208}" type="slidenum">
-              <a:rPr lang="en-US" sz="1800" smtClean="0">
-                <a:solidFill>
-                  <a:schemeClr val="tx1"/>
-                </a:solidFill>
-              </a:rPr>
-              <a:t>18</a:t>
-            </a:fld>
-            <a:endParaRPr lang="en-US" sz="1800" dirty="0">
-              <a:solidFill>
-                <a:schemeClr val="tx1"/>
-              </a:solidFill>
-            </a:endParaRPr>
-          </a:p>
-        </p:txBody>
-      </p:sp>
-      <p:sp>
-        <p:nvSpPr>
-          <p:cNvPr id="8" name="Rectangle 12"/>
-          <p:cNvSpPr>
-            <a:spLocks noChangeArrowheads="1"/>
-          </p:cNvSpPr>
-          <p:nvPr/>
-        </p:nvSpPr>
-        <p:spPr bwMode="auto">
-          <a:xfrm>
-            <a:off x="255588" y="1581141"/>
-            <a:ext cx="8666533" cy="500009"/>
-          </a:xfrm>
-          <a:prstGeom prst="rect">
-            <a:avLst/>
-          </a:prstGeom>
-          <a:noFill/>
-          <a:ln w="9525">
-            <a:noFill/>
-            <a:miter lim="800000"/>
-          </a:ln>
-        </p:spPr>
-        <p:txBody>
           <a:bodyPr wrap="square">
             <a:spAutoFit/>
           </a:bodyPr>
@@ -7137,44 +7619,49 @@
               </a:lnSpc>
             </a:pPr>
             <a:r>
-              <a:rPr lang="ru-RU" sz="2000" dirty="0" smtClean="0">
-                <a:latin typeface="SF UI Text" panose="00000400000000000000" pitchFamily="2" charset="0"/>
-              </a:rPr>
-              <a:t>1. Документация </a:t>
-            </a:r>
-            <a:r>
-              <a:rPr lang="en-US" sz="2000" dirty="0" err="1" smtClean="0">
+              <a:rPr lang="en-US" sz="2800" dirty="0" err="1" smtClean="0">
                 <a:latin typeface="SF UI Text" panose="00000400000000000000" pitchFamily="2" charset="0"/>
               </a:rPr>
               <a:t>Xamarin</a:t>
             </a:r>
-            <a:r>
-              <a:rPr lang="en-US" sz="2000" dirty="0" smtClean="0">
-                <a:latin typeface="SF UI Text" panose="00000400000000000000" pitchFamily="2" charset="0"/>
-              </a:rPr>
-              <a:t> - </a:t>
-            </a:r>
-            <a:r>
-              <a:rPr lang="en-US" sz="2000" dirty="0">
-                <a:hlinkClick r:id="rId2"/>
-              </a:rPr>
-              <a:t>https://docs.microsoft.com/ru-ru/xamarin/</a:t>
-            </a:r>
-            <a:r>
-              <a:rPr lang="ru-RU" sz="2000" dirty="0" smtClean="0">
-                <a:latin typeface="SF UI Text" panose="00000400000000000000" pitchFamily="2" charset="0"/>
-              </a:rPr>
-              <a:t> </a:t>
-            </a:r>
-            <a:endParaRPr lang="en-US" sz="2000" dirty="0" smtClean="0">
+            <a:endParaRPr lang="en-US" sz="2800" dirty="0" smtClean="0">
               <a:latin typeface="SF UI Text" panose="00000400000000000000" pitchFamily="2" charset="0"/>
             </a:endParaRPr>
           </a:p>
-        </p:txBody>
-      </p:sp>
-      <p:sp>
-        <p:nvSpPr>
-          <p:cNvPr id="9" name="Subtitle 2"/>
+          <a:p>
+            <a:pPr>
+              <a:lnSpc>
+                <a:spcPct val="150000"/>
+              </a:lnSpc>
+            </a:pPr>
+            <a:r>
+              <a:rPr lang="en-US" sz="2800" dirty="0" smtClean="0">
+                <a:latin typeface="SF UI Text" panose="00000400000000000000" pitchFamily="2" charset="0"/>
+              </a:rPr>
+              <a:t>C#</a:t>
+            </a:r>
+          </a:p>
+          <a:p>
+            <a:pPr>
+              <a:lnSpc>
+                <a:spcPct val="150000"/>
+              </a:lnSpc>
+            </a:pPr>
+            <a:r>
+              <a:rPr lang="en-US" sz="2800" dirty="0" err="1" smtClean="0">
+                <a:latin typeface="SF UI Text" panose="00000400000000000000" pitchFamily="2" charset="0"/>
+              </a:rPr>
+              <a:t>Xaml</a:t>
+            </a:r>
+            <a:endParaRPr lang="en-US" sz="2800" dirty="0" smtClean="0">
+              <a:latin typeface="SF UI Text" panose="00000400000000000000" pitchFamily="2" charset="0"/>
+            </a:endParaRPr>
+          </a:p>
+        </p:txBody>
+      </p:sp>
+      <p:sp>
+        <p:nvSpPr>
+          <p:cNvPr id="7" name="Subtitle 2"/>
           <p:cNvSpPr txBox="1"/>
           <p:nvPr/>
         </p:nvSpPr>
@@ -7247,100 +7734,177 @@
       </p:grpSpPr>
       <p:sp>
         <p:nvSpPr>
-          <p:cNvPr id="16386" name="Subtitle 2"/>
-          <p:cNvSpPr>
-            <a:spLocks noGrp="1"/>
-          </p:cNvSpPr>
-          <p:nvPr>
-            <p:ph type="subTitle" idx="1"/>
-          </p:nvPr>
-        </p:nvSpPr>
-        <p:spPr>
-          <a:xfrm>
-            <a:off x="1371600" y="4468813"/>
-            <a:ext cx="6400800" cy="908050"/>
-          </a:xfrm>
+          <p:cNvPr id="14338" name="Subtitle 2"/>
+          <p:cNvSpPr txBox="1"/>
+          <p:nvPr/>
+        </p:nvSpPr>
+        <p:spPr bwMode="auto">
+          <a:xfrm>
+            <a:off x="255588" y="6415088"/>
+            <a:ext cx="4143375" cy="246062"/>
+          </a:xfrm>
+          <a:prstGeom prst="rect">
+            <a:avLst/>
+          </a:prstGeom>
+          <a:noFill/>
+          <a:ln w="9525">
+            <a:noFill/>
+            <a:miter lim="800000"/>
+          </a:ln>
         </p:spPr>
         <p:txBody>
           <a:bodyPr/>
           <a:lstStyle/>
           <a:p>
-            <a:r>
-              <a:rPr lang="ru-RU" sz="1200" dirty="0" smtClean="0">
-                <a:solidFill>
-                  <a:srgbClr val="FF0000"/>
-                </a:solidFill>
-                <a:latin typeface="Arial" panose="020B0604020202020204" pitchFamily="34" charset="0"/>
-              </a:rPr>
-              <a:t>Шакура Максим Александрович</a:t>
-            </a:r>
-            <a:endParaRPr lang="en-US" sz="1200" dirty="0">
+            <a:pPr>
+              <a:spcBef>
+                <a:spcPct val="20000"/>
+              </a:spcBef>
+            </a:pPr>
+            <a:r>
+              <a:rPr lang="ru-RU" sz="800" dirty="0">
+                <a:solidFill>
+                  <a:schemeClr val="bg1"/>
+                </a:solidFill>
+              </a:rPr>
+              <a:t>Высшая школа экономики, Москва, 2018</a:t>
+            </a:r>
+            <a:endParaRPr kumimoji="1" lang="ru-RU" sz="800" dirty="0">
               <a:solidFill>
-                <a:srgbClr val="FF0000"/>
+                <a:schemeClr val="bg1"/>
               </a:solidFill>
-              <a:latin typeface="Arial" panose="020B0604020202020204" pitchFamily="34" charset="0"/>
-              <a:ea typeface="MS PGothic" panose="020B0600070205080204" charset="-128"/>
-              <a:cs typeface="MS PGothic" panose="020B0600070205080204" charset="-128"/>
             </a:endParaRPr>
           </a:p>
-          <a:p>
-            <a:r>
-              <a:rPr lang="en-US" sz="1200" smtClean="0">
-                <a:solidFill>
-                  <a:srgbClr val="FF0000"/>
-                </a:solidFill>
-                <a:latin typeface="Arial" panose="020B0604020202020204" pitchFamily="34" charset="0"/>
-              </a:rPr>
-              <a:t>max2000turbo@gmail.com</a:t>
-            </a:r>
-            <a:endParaRPr lang="en-US" sz="1200" dirty="0">
+        </p:txBody>
+      </p:sp>
+      <p:sp>
+        <p:nvSpPr>
+          <p:cNvPr id="14339" name="Title 1"/>
+          <p:cNvSpPr txBox="1"/>
+          <p:nvPr/>
+        </p:nvSpPr>
+        <p:spPr bwMode="auto">
+          <a:xfrm>
+            <a:off x="1428749" y="428625"/>
+            <a:ext cx="7432863" cy="412750"/>
+          </a:xfrm>
+          <a:prstGeom prst="rect">
+            <a:avLst/>
+          </a:prstGeom>
+          <a:noFill/>
+          <a:ln w="9525">
+            <a:noFill/>
+            <a:miter lim="800000"/>
+          </a:ln>
+        </p:spPr>
+        <p:txBody>
+          <a:bodyPr anchor="ctr"/>
+          <a:lstStyle/>
+          <a:p>
+            <a:pPr algn="ctr"/>
+            <a:r>
+              <a:rPr lang="ru-RU" sz="3200" dirty="0">
+                <a:latin typeface="SF UI Text" panose="00000400000000000000" pitchFamily="2" charset="0"/>
+              </a:rPr>
+              <a:t>Пути дальнейшей работы</a:t>
+            </a:r>
+            <a:endParaRPr lang="en-US" sz="3200" dirty="0">
+              <a:latin typeface="SF UI Text" panose="00000400000000000000" pitchFamily="2" charset="0"/>
+            </a:endParaRPr>
+          </a:p>
+        </p:txBody>
+      </p:sp>
+      <p:sp>
+        <p:nvSpPr>
+          <p:cNvPr id="14343" name="Rectangle 9"/>
+          <p:cNvSpPr>
+            <a:spLocks noChangeArrowheads="1"/>
+          </p:cNvSpPr>
+          <p:nvPr/>
+        </p:nvSpPr>
+        <p:spPr bwMode="auto">
+          <a:xfrm>
+            <a:off x="7300913" y="2255838"/>
+            <a:ext cx="674687" cy="369887"/>
+          </a:xfrm>
+          <a:prstGeom prst="rect">
+            <a:avLst/>
+          </a:prstGeom>
+          <a:noFill/>
+          <a:ln w="9525">
+            <a:noFill/>
+            <a:miter lim="800000"/>
+          </a:ln>
+        </p:spPr>
+        <p:txBody>
+          <a:bodyPr wrap="none">
+            <a:spAutoFit/>
+          </a:bodyPr>
+          <a:lstStyle/>
+          <a:p>
+            <a:r>
+              <a:rPr lang="ru-RU">
+                <a:solidFill>
+                  <a:srgbClr val="FFFFFF"/>
+                </a:solidFill>
+              </a:rPr>
+              <a:t>фото</a:t>
+            </a:r>
+            <a:endParaRPr lang="en-US">
               <a:solidFill>
-                <a:srgbClr val="FF0000"/>
+                <a:srgbClr val="FFFFFF"/>
               </a:solidFill>
-              <a:latin typeface="Arial" panose="020B0604020202020204" pitchFamily="34" charset="0"/>
-              <a:ea typeface="MS PGothic" panose="020B0600070205080204" charset="-128"/>
-              <a:cs typeface="MS PGothic" panose="020B0600070205080204" charset="-128"/>
             </a:endParaRPr>
           </a:p>
-          <a:p>
-            <a:endParaRPr lang="en-US" sz="1200" dirty="0">
+        </p:txBody>
+      </p:sp>
+      <p:sp>
+        <p:nvSpPr>
+          <p:cNvPr id="14345" name="Rectangle 11"/>
+          <p:cNvSpPr>
+            <a:spLocks noChangeArrowheads="1"/>
+          </p:cNvSpPr>
+          <p:nvPr/>
+        </p:nvSpPr>
+        <p:spPr bwMode="auto">
+          <a:xfrm>
+            <a:off x="7300913" y="5591175"/>
+            <a:ext cx="674687" cy="369888"/>
+          </a:xfrm>
+          <a:prstGeom prst="rect">
+            <a:avLst/>
+          </a:prstGeom>
+          <a:noFill/>
+          <a:ln w="9525">
+            <a:noFill/>
+            <a:miter lim="800000"/>
+          </a:ln>
+        </p:spPr>
+        <p:txBody>
+          <a:bodyPr wrap="none">
+            <a:spAutoFit/>
+          </a:bodyPr>
+          <a:lstStyle/>
+          <a:p>
+            <a:r>
+              <a:rPr lang="ru-RU">
+                <a:solidFill>
+                  <a:srgbClr val="FFFFFF"/>
+                </a:solidFill>
+              </a:rPr>
+              <a:t>фото</a:t>
+            </a:r>
+            <a:endParaRPr lang="en-US">
               <a:solidFill>
-                <a:srgbClr val="003F82"/>
+                <a:srgbClr val="FFFFFF"/>
               </a:solidFill>
-              <a:latin typeface="Arial" panose="020B0604020202020204" pitchFamily="34" charset="0"/>
-              <a:ea typeface="MS PGothic" panose="020B0600070205080204" charset="-128"/>
-              <a:cs typeface="MS PGothic" panose="020B0600070205080204" charset="-128"/>
             </a:endParaRPr>
           </a:p>
-          <a:p>
-            <a:r>
-              <a:rPr lang="ru-RU" sz="1200" dirty="0">
-                <a:solidFill>
-                  <a:srgbClr val="003F82"/>
-                </a:solidFill>
-                <a:latin typeface="Arial" panose="020B0604020202020204" pitchFamily="34" charset="0"/>
-                <a:ea typeface="MS PGothic" panose="020B0600070205080204" charset="-128"/>
-                <a:cs typeface="MS PGothic" panose="020B0600070205080204" charset="-128"/>
-              </a:rPr>
-              <a:t>Москва - 201</a:t>
-            </a:r>
-            <a:r>
-              <a:rPr lang="en-US" altLang="ru-RU" sz="1200" dirty="0">
-                <a:solidFill>
-                  <a:srgbClr val="003F82"/>
-                </a:solidFill>
-                <a:latin typeface="Arial" panose="020B0604020202020204" pitchFamily="34" charset="0"/>
-                <a:ea typeface="MS PGothic" panose="020B0600070205080204" charset="-128"/>
-                <a:cs typeface="MS PGothic" panose="020B0600070205080204" charset="-128"/>
-              </a:rPr>
-              <a:t>9</a:t>
-            </a:r>
-          </a:p>
-        </p:txBody>
-      </p:sp>
-      <p:sp>
-        <p:nvSpPr>
-          <p:cNvPr id="3" name="Номер слайда 2"/>
+        </p:txBody>
+      </p:sp>
+      <p:sp>
+        <p:nvSpPr>
+          <p:cNvPr id="7" name="Номер слайда 6"/>
           <p:cNvSpPr>
             <a:spLocks noGrp="1"/>
           </p:cNvSpPr>
@@ -7350,8 +7914,8 @@
         </p:nvSpPr>
         <p:spPr>
           <a:xfrm>
-            <a:off x="8417858" y="6452534"/>
-            <a:ext cx="645459" cy="365125"/>
+            <a:off x="8451475" y="6356350"/>
+            <a:ext cx="470647" cy="365125"/>
           </a:xfrm>
         </p:spPr>
         <p:txBody>
@@ -7361,28 +7925,156 @@
             <a:pPr>
               <a:defRPr/>
             </a:pPr>
-            <a:fld id="{B4B57FFD-70CD-4C5C-8117-5884EA760DEF}" type="slidenum">
+            <a:fld id="{CB65F501-F5CC-4E12-934E-78BB5E4DA208}" type="slidenum">
               <a:rPr lang="en-US" sz="1800" smtClean="0">
                 <a:solidFill>
-                  <a:schemeClr val="bg1"/>
+                  <a:schemeClr val="tx1"/>
                 </a:solidFill>
               </a:rPr>
               <a:t>19</a:t>
             </a:fld>
             <a:endParaRPr lang="en-US" sz="1800" dirty="0">
               <a:solidFill>
-                <a:schemeClr val="bg1"/>
+                <a:schemeClr val="tx1"/>
               </a:solidFill>
             </a:endParaRPr>
           </a:p>
         </p:txBody>
       </p:sp>
+      <p:sp>
+        <p:nvSpPr>
+          <p:cNvPr id="9" name="Rectangle 12"/>
+          <p:cNvSpPr>
+            <a:spLocks noChangeArrowheads="1"/>
+          </p:cNvSpPr>
+          <p:nvPr/>
+        </p:nvSpPr>
+        <p:spPr bwMode="auto">
+          <a:xfrm>
+            <a:off x="255588" y="1581141"/>
+            <a:ext cx="8666533" cy="2031325"/>
+          </a:xfrm>
+          <a:prstGeom prst="rect">
+            <a:avLst/>
+          </a:prstGeom>
+          <a:noFill/>
+          <a:ln w="9525">
+            <a:noFill/>
+            <a:miter lim="800000"/>
+          </a:ln>
+        </p:spPr>
+        <p:txBody>
+          <a:bodyPr wrap="square">
+            <a:spAutoFit/>
+          </a:bodyPr>
+          <a:lstStyle/>
+          <a:p>
+            <a:pPr>
+              <a:lnSpc>
+                <a:spcPct val="150000"/>
+              </a:lnSpc>
+            </a:pPr>
+            <a:r>
+              <a:rPr lang="ru-RU" sz="2800" dirty="0" smtClean="0">
+                <a:latin typeface="SF UI Text" panose="00000400000000000000" pitchFamily="2" charset="0"/>
+              </a:rPr>
+              <a:t>Написание </a:t>
+            </a:r>
+            <a:r>
+              <a:rPr lang="en-US" sz="2800" dirty="0" smtClean="0">
+                <a:latin typeface="SF UI Text" panose="00000400000000000000" pitchFamily="2" charset="0"/>
+              </a:rPr>
+              <a:t>IOS</a:t>
+            </a:r>
+            <a:r>
+              <a:rPr lang="ru-RU" sz="2800" dirty="0" smtClean="0">
+                <a:latin typeface="SF UI Text" panose="00000400000000000000" pitchFamily="2" charset="0"/>
+              </a:rPr>
+              <a:t>-приложения</a:t>
+            </a:r>
+          </a:p>
+          <a:p>
+            <a:pPr>
+              <a:lnSpc>
+                <a:spcPct val="150000"/>
+              </a:lnSpc>
+            </a:pPr>
+            <a:r>
+              <a:rPr lang="ru-RU" sz="2800" dirty="0" smtClean="0">
+                <a:latin typeface="SF UI Text" panose="00000400000000000000" pitchFamily="2" charset="0"/>
+              </a:rPr>
+              <a:t>Развитие </a:t>
+            </a:r>
+            <a:r>
+              <a:rPr lang="ru-RU" sz="2800" dirty="0" smtClean="0">
+                <a:latin typeface="SF UI Text" panose="00000400000000000000" pitchFamily="2" charset="0"/>
+              </a:rPr>
+              <a:t>логики работы с мероприятиями</a:t>
+            </a:r>
+          </a:p>
+          <a:p>
+            <a:pPr>
+              <a:lnSpc>
+                <a:spcPct val="150000"/>
+              </a:lnSpc>
+            </a:pPr>
+            <a:r>
+              <a:rPr lang="ru-RU" sz="2800" dirty="0" smtClean="0">
+                <a:latin typeface="SF UI Text" panose="00000400000000000000" pitchFamily="2" charset="0"/>
+              </a:rPr>
+              <a:t>Увеличение </a:t>
+            </a:r>
+            <a:r>
+              <a:rPr lang="ru-RU" sz="2800" dirty="0" smtClean="0">
+                <a:latin typeface="SF UI Text" panose="00000400000000000000" pitchFamily="2" charset="0"/>
+              </a:rPr>
+              <a:t>функционала</a:t>
+            </a:r>
+          </a:p>
+        </p:txBody>
+      </p:sp>
+      <p:sp>
+        <p:nvSpPr>
+          <p:cNvPr id="8" name="Subtitle 2"/>
+          <p:cNvSpPr txBox="1"/>
+          <p:nvPr/>
+        </p:nvSpPr>
+        <p:spPr bwMode="auto">
+          <a:xfrm>
+            <a:off x="407988" y="6567488"/>
+            <a:ext cx="4143375" cy="246062"/>
+          </a:xfrm>
+          <a:prstGeom prst="rect">
+            <a:avLst/>
+          </a:prstGeom>
+          <a:noFill/>
+          <a:ln w="9525">
+            <a:noFill/>
+            <a:miter lim="800000"/>
+          </a:ln>
+        </p:spPr>
+        <p:txBody>
+          <a:bodyPr/>
+          <a:lstStyle/>
+          <a:p>
+            <a:pPr>
+              <a:spcBef>
+                <a:spcPct val="20000"/>
+              </a:spcBef>
+            </a:pPr>
+            <a:r>
+              <a:rPr lang="ru-RU" sz="800" dirty="0"/>
+              <a:t>Высшая школа экономики, Москва, </a:t>
+            </a:r>
+            <a:r>
+              <a:rPr lang="ru-RU" sz="800" dirty="0" smtClean="0"/>
+              <a:t>2019</a:t>
+            </a:r>
+            <a:endParaRPr kumimoji="1" lang="ru-RU" sz="800" dirty="0"/>
+          </a:p>
+        </p:txBody>
+      </p:sp>
     </p:spTree>
-    <p:extLst>
-      <p:ext uri="{BB962C8B-B14F-4D97-AF65-F5344CB8AC3E}">
-        <p14:creationId xmlns:p14="http://schemas.microsoft.com/office/powerpoint/2010/main" val="3014374120"/>
-      </p:ext>
-    </p:extLst>
   </p:cSld>
   <p:clrMapOvr>
     <a:masterClrMapping/>
@@ -7658,9 +8350,50 @@
           </a:p>
         </p:txBody>
       </p:sp>
+      <p:sp>
+        <p:nvSpPr>
+          <p:cNvPr id="10" name="Subtitle 2"/>
+          <p:cNvSpPr txBox="1"/>
+          <p:nvPr/>
+        </p:nvSpPr>
+        <p:spPr bwMode="auto">
+          <a:xfrm>
+            <a:off x="407988" y="6567488"/>
+            <a:ext cx="4143375" cy="246062"/>
+          </a:xfrm>
+          <a:prstGeom prst="rect">
+            <a:avLst/>
+          </a:prstGeom>
+          <a:noFill/>
+          <a:ln w="9525">
+            <a:noFill/>
+            <a:miter lim="800000"/>
+          </a:ln>
+        </p:spPr>
+        <p:txBody>
+          <a:bodyPr/>
+          <a:lstStyle/>
+          <a:p>
+            <a:pPr>
+              <a:spcBef>
+                <a:spcPct val="20000"/>
+              </a:spcBef>
+            </a:pPr>
+            <a:r>
+              <a:rPr lang="ru-RU" sz="800" dirty="0"/>
+              <a:t>Высшая школа экономики, Москва, </a:t>
+            </a:r>
+            <a:r>
+              <a:rPr lang="ru-RU" sz="800" dirty="0" smtClean="0"/>
+              <a:t>2019</a:t>
+            </a:r>
+            <a:endParaRPr kumimoji="1" lang="ru-RU" sz="800" dirty="0"/>
+          </a:p>
+        </p:txBody>
+      </p:sp>
       <p:pic>
         <p:nvPicPr>
-          <p:cNvPr id="14" name="Рисунок 13"/>
+          <p:cNvPr id="4" name="Рисунок 3"/>
           <p:cNvPicPr>
             <a:picLocks noChangeAspect="1"/>
           </p:cNvPicPr>
@@ -7674,89 +8407,55 @@
         </p:blipFill>
         <p:spPr>
           <a:xfrm>
-            <a:off x="3272245" y="2297362"/>
-            <a:ext cx="5937069" cy="3339601"/>
+            <a:off x="1405635" y="1722111"/>
+            <a:ext cx="6381554" cy="3716664"/>
           </a:xfrm>
           <a:prstGeom prst="rect">
             <a:avLst/>
           </a:prstGeom>
         </p:spPr>
       </p:pic>
-      <p:sp>
-        <p:nvSpPr>
-          <p:cNvPr id="15" name="Объект 2"/>
-          <p:cNvSpPr>
-            <a:spLocks noGrp="1"/>
-          </p:cNvSpPr>
-          <p:nvPr>
-            <p:ph idx="1"/>
-          </p:nvPr>
-        </p:nvSpPr>
-        <p:spPr>
-          <a:xfrm>
-            <a:off x="0" y="2183912"/>
-            <a:ext cx="4012474" cy="3339601"/>
-          </a:xfrm>
-        </p:spPr>
-        <p:txBody>
-          <a:bodyPr>
-            <a:normAutofit/>
-          </a:bodyPr>
-          <a:lstStyle/>
-          <a:p>
-            <a:pPr marL="0" indent="0">
-              <a:buNone/>
-            </a:pPr>
-            <a:r>
-              <a:rPr lang="ru-RU" sz="2000" dirty="0" smtClean="0"/>
-              <a:t>Цель:</a:t>
-            </a:r>
-          </a:p>
-          <a:p>
-            <a:pPr marL="0" indent="0">
-              <a:buNone/>
-            </a:pPr>
-            <a:r>
-              <a:rPr lang="ru-RU" sz="2000" dirty="0" smtClean="0"/>
-              <a:t>Упростить распространение информации о мероприятиях Вышки</a:t>
-            </a:r>
-          </a:p>
-          <a:p>
-            <a:pPr marL="0" indent="0">
-              <a:buNone/>
-            </a:pPr>
-            <a:endParaRPr lang="ru-RU" sz="2000" dirty="0" smtClean="0"/>
-          </a:p>
-          <a:p>
-            <a:pPr marL="0" indent="0">
-              <a:buNone/>
-            </a:pPr>
-            <a:r>
-              <a:rPr lang="ru-RU" sz="2000" dirty="0" smtClean="0"/>
-              <a:t>Задача:</a:t>
-            </a:r>
-          </a:p>
-          <a:p>
-            <a:pPr marL="0" indent="0">
-              <a:buNone/>
-            </a:pPr>
-            <a:r>
-              <a:rPr lang="ru-RU" sz="2000" dirty="0" smtClean="0"/>
-              <a:t>Написать клиент-серверное приложение для вывода списка мероприятий и работы с ними</a:t>
-            </a:r>
-            <a:endParaRPr lang="ru-RU" sz="2000" dirty="0"/>
-          </a:p>
-        </p:txBody>
-      </p:sp>
-      <p:sp>
-        <p:nvSpPr>
-          <p:cNvPr id="10" name="Subtitle 2"/>
+    </p:spTree>
+  </p:cSld>
+  <p:clrMapOvr>
+    <a:masterClrMapping/>
+  </p:clrMapOvr>
+  <p:timing>
+    <p:tnLst>
+      <p:par>
+        <p:cTn id="1" dur="indefinite" restart="never" nodeType="tmRoot"/>
+      </p:par>
+    </p:tnLst>
+  </p:timing>
+</p:sld>
+</file>
+
+<file path=ppt/slides/slide20.xml><?xml version="1.0" encoding="utf-8"?>
+<p:sld xmlns:a="http://schemas.openxmlformats.org/drawingml/2006/main" xmlns:r="http://schemas.openxmlformats.org/officeDocument/2006/relationships" xmlns:p="http://schemas.openxmlformats.org/presentationml/2006/main">
+  <p:cSld>
+    <p:spTree>
+      <p:nvGrpSpPr>
+        <p:cNvPr id="1" name=""/>
+        <p:cNvGrpSpPr/>
+        <p:nvPr/>
+      </p:nvGrpSpPr>
+      <p:grpSpPr>
+        <a:xfrm>
+          <a:off x="0" y="0"/>
+          <a:ext cx="0" cy="0"/>
+          <a:chOff x="0" y="0"/>
+          <a:chExt cx="0" cy="0"/>
+        </a:xfrm>
+      </p:grpSpPr>
+      <p:sp>
+        <p:nvSpPr>
+          <p:cNvPr id="14338" name="Subtitle 2"/>
           <p:cNvSpPr txBox="1"/>
           <p:nvPr/>
         </p:nvSpPr>
         <p:spPr bwMode="auto">
           <a:xfrm>
-            <a:off x="407988" y="6567488"/>
+            <a:off x="255588" y="6415088"/>
             <a:ext cx="4143375" cy="246062"/>
           </a:xfrm>
           <a:prstGeom prst="rect">
@@ -7778,6 +8477,318 @@
               </a:spcBef>
             </a:pPr>
             <a:r>
+              <a:rPr lang="ru-RU" sz="800" dirty="0">
+                <a:solidFill>
+                  <a:schemeClr val="bg1"/>
+                </a:solidFill>
+              </a:rPr>
+              <a:t>Высшая школа экономики, Москва, 2018</a:t>
+            </a:r>
+            <a:endParaRPr kumimoji="1" lang="ru-RU" sz="800" dirty="0">
+              <a:solidFill>
+                <a:schemeClr val="bg1"/>
+              </a:solidFill>
+            </a:endParaRPr>
+          </a:p>
+        </p:txBody>
+      </p:sp>
+      <p:sp>
+        <p:nvSpPr>
+          <p:cNvPr id="14339" name="Title 1"/>
+          <p:cNvSpPr txBox="1"/>
+          <p:nvPr/>
+        </p:nvSpPr>
+        <p:spPr bwMode="auto">
+          <a:xfrm>
+            <a:off x="578498" y="428625"/>
+            <a:ext cx="8565501" cy="412750"/>
+          </a:xfrm>
+          <a:prstGeom prst="rect">
+            <a:avLst/>
+          </a:prstGeom>
+          <a:noFill/>
+          <a:ln w="9525">
+            <a:noFill/>
+            <a:miter lim="800000"/>
+          </a:ln>
+        </p:spPr>
+        <p:txBody>
+          <a:bodyPr anchor="ctr"/>
+          <a:lstStyle/>
+          <a:p>
+            <a:pPr algn="ctr"/>
+            <a:r>
+              <a:rPr lang="ru-RU" sz="3200" dirty="0" smtClean="0">
+                <a:latin typeface="SF UI Text" panose="00000400000000000000" pitchFamily="2" charset="0"/>
+              </a:rPr>
+              <a:t>Список использованных источников</a:t>
+            </a:r>
+            <a:endParaRPr lang="en-US" sz="3200" dirty="0">
+              <a:latin typeface="SF UI Text" panose="00000400000000000000" pitchFamily="2" charset="0"/>
+            </a:endParaRPr>
+          </a:p>
+        </p:txBody>
+      </p:sp>
+      <p:sp>
+        <p:nvSpPr>
+          <p:cNvPr id="14343" name="Rectangle 9"/>
+          <p:cNvSpPr>
+            <a:spLocks noChangeArrowheads="1"/>
+          </p:cNvSpPr>
+          <p:nvPr/>
+        </p:nvSpPr>
+        <p:spPr bwMode="auto">
+          <a:xfrm>
+            <a:off x="7300913" y="2255838"/>
+            <a:ext cx="674687" cy="369887"/>
+          </a:xfrm>
+          <a:prstGeom prst="rect">
+            <a:avLst/>
+          </a:prstGeom>
+          <a:noFill/>
+          <a:ln w="9525">
+            <a:noFill/>
+            <a:miter lim="800000"/>
+          </a:ln>
+        </p:spPr>
+        <p:txBody>
+          <a:bodyPr wrap="none">
+            <a:spAutoFit/>
+          </a:bodyPr>
+          <a:lstStyle/>
+          <a:p>
+            <a:r>
+              <a:rPr lang="ru-RU">
+                <a:solidFill>
+                  <a:srgbClr val="FFFFFF"/>
+                </a:solidFill>
+              </a:rPr>
+              <a:t>фото</a:t>
+            </a:r>
+            <a:endParaRPr lang="en-US">
+              <a:solidFill>
+                <a:srgbClr val="FFFFFF"/>
+              </a:solidFill>
+            </a:endParaRPr>
+          </a:p>
+        </p:txBody>
+      </p:sp>
+      <p:sp>
+        <p:nvSpPr>
+          <p:cNvPr id="14345" name="Rectangle 11"/>
+          <p:cNvSpPr>
+            <a:spLocks noChangeArrowheads="1"/>
+          </p:cNvSpPr>
+          <p:nvPr/>
+        </p:nvSpPr>
+        <p:spPr bwMode="auto">
+          <a:xfrm>
+            <a:off x="7300913" y="5591175"/>
+            <a:ext cx="674687" cy="369888"/>
+          </a:xfrm>
+          <a:prstGeom prst="rect">
+            <a:avLst/>
+          </a:prstGeom>
+          <a:noFill/>
+          <a:ln w="9525">
+            <a:noFill/>
+            <a:miter lim="800000"/>
+          </a:ln>
+        </p:spPr>
+        <p:txBody>
+          <a:bodyPr wrap="none">
+            <a:spAutoFit/>
+          </a:bodyPr>
+          <a:lstStyle/>
+          <a:p>
+            <a:r>
+              <a:rPr lang="ru-RU">
+                <a:solidFill>
+                  <a:srgbClr val="FFFFFF"/>
+                </a:solidFill>
+              </a:rPr>
+              <a:t>фото</a:t>
+            </a:r>
+            <a:endParaRPr lang="en-US">
+              <a:solidFill>
+                <a:srgbClr val="FFFFFF"/>
+              </a:solidFill>
+            </a:endParaRPr>
+          </a:p>
+        </p:txBody>
+      </p:sp>
+      <p:sp>
+        <p:nvSpPr>
+          <p:cNvPr id="7" name="Номер слайда 6"/>
+          <p:cNvSpPr>
+            <a:spLocks noGrp="1"/>
+          </p:cNvSpPr>
+          <p:nvPr>
+            <p:ph type="sldNum" sz="quarter" idx="12"/>
+          </p:nvPr>
+        </p:nvSpPr>
+        <p:spPr>
+          <a:xfrm>
+            <a:off x="8451475" y="6356350"/>
+            <a:ext cx="470647" cy="365125"/>
+          </a:xfrm>
+        </p:spPr>
+        <p:txBody>
+          <a:bodyPr/>
+          <a:lstStyle/>
+          <a:p>
+            <a:pPr>
+              <a:defRPr/>
+            </a:pPr>
+            <a:fld id="{CB65F501-F5CC-4E12-934E-78BB5E4DA208}" type="slidenum">
+              <a:rPr lang="en-US" sz="1800" smtClean="0">
+                <a:solidFill>
+                  <a:schemeClr val="tx1"/>
+                </a:solidFill>
+              </a:rPr>
+              <a:t>20</a:t>
+            </a:fld>
+            <a:endParaRPr lang="en-US" sz="1800" dirty="0">
+              <a:solidFill>
+                <a:schemeClr val="tx1"/>
+              </a:solidFill>
+            </a:endParaRPr>
+          </a:p>
+        </p:txBody>
+      </p:sp>
+      <p:sp>
+        <p:nvSpPr>
+          <p:cNvPr id="8" name="Rectangle 12"/>
+          <p:cNvSpPr>
+            <a:spLocks noChangeArrowheads="1"/>
+          </p:cNvSpPr>
+          <p:nvPr/>
+        </p:nvSpPr>
+        <p:spPr bwMode="auto">
+          <a:xfrm>
+            <a:off x="255588" y="1581141"/>
+            <a:ext cx="8666533" cy="962443"/>
+          </a:xfrm>
+          <a:prstGeom prst="rect">
+            <a:avLst/>
+          </a:prstGeom>
+          <a:noFill/>
+          <a:ln w="9525">
+            <a:noFill/>
+            <a:miter lim="800000"/>
+          </a:ln>
+        </p:spPr>
+        <p:txBody>
+          <a:bodyPr wrap="square">
+            <a:spAutoFit/>
+          </a:bodyPr>
+          <a:lstStyle/>
+          <a:p>
+            <a:pPr marL="457200" indent="-457200">
+              <a:lnSpc>
+                <a:spcPct val="150000"/>
+              </a:lnSpc>
+              <a:buAutoNum type="arabicPeriod"/>
+            </a:pPr>
+            <a:r>
+              <a:rPr lang="ru-RU" sz="2000" dirty="0" smtClean="0">
+                <a:latin typeface="SF UI Text" panose="00000400000000000000" pitchFamily="2" charset="0"/>
+              </a:rPr>
+              <a:t>Документация </a:t>
+            </a:r>
+            <a:r>
+              <a:rPr lang="en-US" sz="2000" dirty="0" err="1" smtClean="0">
+                <a:latin typeface="SF UI Text" panose="00000400000000000000" pitchFamily="2" charset="0"/>
+              </a:rPr>
+              <a:t>Xamarin</a:t>
+            </a:r>
+            <a:r>
+              <a:rPr lang="en-US" sz="2000" dirty="0" smtClean="0">
+                <a:latin typeface="SF UI Text" panose="00000400000000000000" pitchFamily="2" charset="0"/>
+              </a:rPr>
+              <a:t> - </a:t>
+            </a:r>
+            <a:r>
+              <a:rPr lang="en-US" sz="2000" dirty="0">
+                <a:hlinkClick r:id="rId2"/>
+              </a:rPr>
+              <a:t>https://docs.microsoft.com/ru-ru/xamarin</a:t>
+            </a:r>
+            <a:r>
+              <a:rPr lang="en-US" sz="2000" dirty="0" smtClean="0">
+                <a:hlinkClick r:id="rId2"/>
+              </a:rPr>
+              <a:t>/</a:t>
+            </a:r>
+            <a:endParaRPr lang="en-US" sz="2000" dirty="0" smtClean="0"/>
+          </a:p>
+          <a:p>
+            <a:pPr marL="457200" indent="-457200">
+              <a:lnSpc>
+                <a:spcPct val="150000"/>
+              </a:lnSpc>
+              <a:buAutoNum type="arabicPeriod"/>
+            </a:pPr>
+            <a:r>
+              <a:rPr lang="ru-RU" sz="2000" dirty="0" smtClean="0">
+                <a:latin typeface="SF UI Text" panose="00000400000000000000" pitchFamily="2" charset="0"/>
+              </a:rPr>
+              <a:t>Документация </a:t>
+            </a:r>
+            <a:r>
+              <a:rPr lang="en-US" sz="2000" dirty="0" smtClean="0">
+                <a:latin typeface="SF UI Text" panose="00000400000000000000" pitchFamily="2" charset="0"/>
+              </a:rPr>
+              <a:t>C# - </a:t>
+            </a:r>
+            <a:r>
+              <a:rPr lang="en-US" sz="2000" dirty="0">
+                <a:hlinkClick r:id="rId3"/>
+              </a:rPr>
+              <a:t>https://docs.microsoft.com/ru-ru/dotnet/csharp/</a:t>
+            </a:r>
+            <a:r>
+              <a:rPr lang="ru-RU" sz="2000" dirty="0" smtClean="0">
+                <a:latin typeface="SF UI Text" panose="00000400000000000000" pitchFamily="2" charset="0"/>
+              </a:rPr>
+              <a:t> </a:t>
+            </a:r>
+            <a:endParaRPr lang="en-US" sz="2000" dirty="0" smtClean="0">
+              <a:latin typeface="SF UI Text" panose="00000400000000000000" pitchFamily="2" charset="0"/>
+            </a:endParaRPr>
+          </a:p>
+        </p:txBody>
+      </p:sp>
+      <p:sp>
+        <p:nvSpPr>
+          <p:cNvPr id="9" name="Subtitle 2"/>
+          <p:cNvSpPr txBox="1"/>
+          <p:nvPr/>
+        </p:nvSpPr>
+        <p:spPr bwMode="auto">
+          <a:xfrm>
+            <a:off x="407988" y="6567488"/>
+            <a:ext cx="4143375" cy="246062"/>
+          </a:xfrm>
+          <a:prstGeom prst="rect">
+            <a:avLst/>
+          </a:prstGeom>
+          <a:noFill/>
+          <a:ln w="9525">
+            <a:noFill/>
+            <a:miter lim="800000"/>
+          </a:ln>
+        </p:spPr>
+        <p:txBody>
+          <a:bodyPr/>
+          <a:lstStyle/>
+          <a:p>
+            <a:pPr>
+              <a:spcBef>
+                <a:spcPct val="20000"/>
+              </a:spcBef>
+            </a:pPr>
+            <a:r>
               <a:rPr lang="ru-RU" sz="800" dirty="0"/>
               <a:t>Высшая школа экономики, Москва, </a:t>
             </a:r>
@@ -7790,6 +8801,245 @@
         </p:txBody>
       </p:sp>
     </p:spTree>
+  </p:cSld>
+  <p:clrMapOvr>
+    <a:masterClrMapping/>
+  </p:clrMapOvr>
+  <p:timing>
+    <p:tnLst>
+      <p:par>
+        <p:cTn id="1" dur="indefinite" restart="never" nodeType="tmRoot"/>
+      </p:par>
+    </p:tnLst>
+  </p:timing>
+</p:sld>
+</file>
+
+<file path=ppt/slides/slide21.xml><?xml version="1.0" encoding="utf-8"?>
+<p:sld xmlns:a="http://schemas.openxmlformats.org/drawingml/2006/main" xmlns:r="http://schemas.openxmlformats.org/officeDocument/2006/relationships" xmlns:p="http://schemas.openxmlformats.org/presentationml/2006/main">
+  <p:cSld>
+    <p:spTree>
+      <p:nvGrpSpPr>
+        <p:cNvPr id="1" name=""/>
+        <p:cNvGrpSpPr/>
+        <p:nvPr/>
+      </p:nvGrpSpPr>
+      <p:grpSpPr>
+        <a:xfrm>
+          <a:off x="0" y="0"/>
+          <a:ext cx="0" cy="0"/>
+          <a:chOff x="0" y="0"/>
+          <a:chExt cx="0" cy="0"/>
+        </a:xfrm>
+      </p:grpSpPr>
+      <p:sp>
+        <p:nvSpPr>
+          <p:cNvPr id="16386" name="Subtitle 2"/>
+          <p:cNvSpPr>
+            <a:spLocks noGrp="1"/>
+          </p:cNvSpPr>
+          <p:nvPr>
+            <p:ph type="subTitle" idx="1"/>
+          </p:nvPr>
+        </p:nvSpPr>
+        <p:spPr>
+          <a:xfrm>
+            <a:off x="1371600" y="4468813"/>
+            <a:ext cx="6400800" cy="908050"/>
+          </a:xfrm>
+        </p:spPr>
+        <p:txBody>
+          <a:bodyPr/>
+          <a:lstStyle/>
+          <a:p>
+            <a:r>
+              <a:rPr lang="ru-RU" sz="1200" dirty="0" smtClean="0">
+                <a:solidFill>
+                  <a:srgbClr val="FF0000"/>
+                </a:solidFill>
+                <a:latin typeface="Arial" panose="020B0604020202020204" pitchFamily="34" charset="0"/>
+              </a:rPr>
+              <a:t>Шакура Максим Александрович</a:t>
+            </a:r>
+            <a:endParaRPr lang="en-US" sz="1200" dirty="0">
+              <a:solidFill>
+                <a:srgbClr val="FF0000"/>
+              </a:solidFill>
+              <a:latin typeface="Arial" panose="020B0604020202020204" pitchFamily="34" charset="0"/>
+              <a:ea typeface="MS PGothic" panose="020B0600070205080204" charset="-128"/>
+              <a:cs typeface="MS PGothic" panose="020B0600070205080204" charset="-128"/>
+            </a:endParaRPr>
+          </a:p>
+          <a:p>
+            <a:r>
+              <a:rPr lang="en-US" sz="1200" smtClean="0">
+                <a:solidFill>
+                  <a:srgbClr val="FF0000"/>
+                </a:solidFill>
+                <a:latin typeface="Arial" panose="020B0604020202020204" pitchFamily="34" charset="0"/>
+              </a:rPr>
+              <a:t>max2000turbo@gmail.com</a:t>
+            </a:r>
+            <a:endParaRPr lang="en-US" sz="1200" dirty="0">
+              <a:solidFill>
+                <a:srgbClr val="FF0000"/>
+              </a:solidFill>
+              <a:latin typeface="Arial" panose="020B0604020202020204" pitchFamily="34" charset="0"/>
+              <a:ea typeface="MS PGothic" panose="020B0600070205080204" charset="-128"/>
+              <a:cs typeface="MS PGothic" panose="020B0600070205080204" charset="-128"/>
+            </a:endParaRPr>
+          </a:p>
+          <a:p>
+            <a:endParaRPr lang="en-US" sz="1200" dirty="0">
+              <a:solidFill>
+                <a:srgbClr val="003F82"/>
+              </a:solidFill>
+              <a:latin typeface="Arial" panose="020B0604020202020204" pitchFamily="34" charset="0"/>
+              <a:ea typeface="MS PGothic" panose="020B0600070205080204" charset="-128"/>
+              <a:cs typeface="MS PGothic" panose="020B0600070205080204" charset="-128"/>
+            </a:endParaRPr>
+          </a:p>
+          <a:p>
+            <a:r>
+              <a:rPr lang="ru-RU" sz="1200" dirty="0">
+                <a:solidFill>
+                  <a:srgbClr val="003F82"/>
+                </a:solidFill>
+                <a:latin typeface="Arial" panose="020B0604020202020204" pitchFamily="34" charset="0"/>
+                <a:ea typeface="MS PGothic" panose="020B0600070205080204" charset="-128"/>
+                <a:cs typeface="MS PGothic" panose="020B0600070205080204" charset="-128"/>
+              </a:rPr>
+              <a:t>Москва - 201</a:t>
+            </a:r>
+            <a:r>
+              <a:rPr lang="en-US" altLang="ru-RU" sz="1200" dirty="0">
+                <a:solidFill>
+                  <a:srgbClr val="003F82"/>
+                </a:solidFill>
+                <a:latin typeface="Arial" panose="020B0604020202020204" pitchFamily="34" charset="0"/>
+                <a:ea typeface="MS PGothic" panose="020B0600070205080204" charset="-128"/>
+                <a:cs typeface="MS PGothic" panose="020B0600070205080204" charset="-128"/>
+              </a:rPr>
+              <a:t>9</a:t>
+            </a:r>
+          </a:p>
+        </p:txBody>
+      </p:sp>
+      <p:sp>
+        <p:nvSpPr>
+          <p:cNvPr id="3" name="Номер слайда 2"/>
+          <p:cNvSpPr>
+            <a:spLocks noGrp="1"/>
+          </p:cNvSpPr>
+          <p:nvPr>
+            <p:ph type="sldNum" sz="quarter" idx="12"/>
+          </p:nvPr>
+        </p:nvSpPr>
+        <p:spPr>
+          <a:xfrm>
+            <a:off x="8417858" y="6452534"/>
+            <a:ext cx="645459" cy="365125"/>
+          </a:xfrm>
+        </p:spPr>
+        <p:txBody>
+          <a:bodyPr/>
+          <a:lstStyle/>
+          <a:p>
+            <a:pPr>
+              <a:defRPr/>
+            </a:pPr>
+            <a:fld id="{B4B57FFD-70CD-4C5C-8117-5884EA760DEF}" type="slidenum">
+              <a:rPr lang="en-US" sz="1800" smtClean="0">
+                <a:solidFill>
+                  <a:schemeClr val="bg1"/>
+                </a:solidFill>
+              </a:rPr>
+              <a:t>21</a:t>
+            </a:fld>
+            <a:endParaRPr lang="en-US" sz="1800" dirty="0">
+              <a:solidFill>
+                <a:schemeClr val="bg1"/>
+              </a:solidFill>
+            </a:endParaRPr>
+          </a:p>
+        </p:txBody>
+      </p:sp>
+      <p:sp>
+        <p:nvSpPr>
+          <p:cNvPr id="5" name="Rectangle 12"/>
+          <p:cNvSpPr>
+            <a:spLocks noChangeArrowheads="1"/>
+          </p:cNvSpPr>
+          <p:nvPr/>
+        </p:nvSpPr>
+        <p:spPr bwMode="auto">
+          <a:xfrm>
+            <a:off x="2662269" y="2618142"/>
+            <a:ext cx="3819461" cy="1015663"/>
+          </a:xfrm>
+          <a:prstGeom prst="rect">
+            <a:avLst/>
+          </a:prstGeom>
+          <a:noFill/>
+          <a:ln w="9525">
+            <a:noFill/>
+            <a:miter lim="800000"/>
+          </a:ln>
+        </p:spPr>
+        <p:txBody>
+          <a:bodyPr wrap="square">
+            <a:spAutoFit/>
+          </a:bodyPr>
+          <a:lstStyle/>
+          <a:p>
+            <a:pPr>
+              <a:lnSpc>
+                <a:spcPct val="150000"/>
+              </a:lnSpc>
+            </a:pPr>
+            <a:r>
+              <a:rPr lang="en-US" sz="2000" dirty="0" err="1" smtClean="0">
+                <a:latin typeface="SF UI Text" panose="00000400000000000000" pitchFamily="2" charset="0"/>
+              </a:rPr>
+              <a:t>Shakura.dev</a:t>
+            </a:r>
+            <a:r>
+              <a:rPr lang="en-US" sz="2000" dirty="0" smtClean="0">
+                <a:latin typeface="SF UI Text" panose="00000400000000000000" pitchFamily="2" charset="0"/>
+              </a:rPr>
+              <a:t>/HSEAPP</a:t>
+            </a:r>
+          </a:p>
+          <a:p>
+            <a:pPr>
+              <a:lnSpc>
+                <a:spcPct val="150000"/>
+              </a:lnSpc>
+            </a:pPr>
+            <a:r>
+              <a:rPr lang="en-US" sz="2000" dirty="0">
+                <a:latin typeface="SF UI Text" panose="00000400000000000000" pitchFamily="2" charset="0"/>
+              </a:rPr>
+              <a:t>github.com/M2000h/HSE-APP</a:t>
+            </a:r>
+            <a:r>
+              <a:rPr lang="ru-RU" sz="2000" dirty="0" smtClean="0">
+                <a:latin typeface="SF UI Text" panose="00000400000000000000" pitchFamily="2" charset="0"/>
+              </a:rPr>
+              <a:t> </a:t>
+            </a:r>
+            <a:endParaRPr lang="en-US" sz="2000" dirty="0" smtClean="0">
+              <a:latin typeface="SF UI Text" panose="00000400000000000000" pitchFamily="2" charset="0"/>
+            </a:endParaRPr>
+          </a:p>
+        </p:txBody>
+      </p:sp>
+    </p:spTree>
+    <p:extLst>
+      <p:ext uri="{BB962C8B-B14F-4D97-AF65-F5344CB8AC3E}">
+        <p14:creationId xmlns:p14="http://schemas.microsoft.com/office/powerpoint/2010/main" val="3014374120"/>
+      </p:ext>
+    </p:extLst>
   </p:cSld>
   <p:clrMapOvr>
     <a:masterClrMapping/>
@@ -7823,221 +9073,102 @@
       </p:grpSpPr>
       <p:sp>
         <p:nvSpPr>
-          <p:cNvPr id="14338" name="Subtitle 2"/>
-          <p:cNvSpPr txBox="1"/>
-          <p:nvPr/>
-        </p:nvSpPr>
-        <p:spPr bwMode="auto">
-          <a:xfrm>
-            <a:off x="255588" y="6415088"/>
-            <a:ext cx="4143375" cy="246062"/>
-          </a:xfrm>
-          <a:prstGeom prst="rect">
-            <a:avLst/>
-          </a:prstGeom>
-          <a:noFill/>
-          <a:ln w="9525">
-            <a:noFill/>
-            <a:miter lim="800000"/>
-          </a:ln>
-        </p:spPr>
+          <p:cNvPr id="2" name="Заголовок 1"/>
+          <p:cNvSpPr>
+            <a:spLocks noGrp="1"/>
+          </p:cNvSpPr>
+          <p:nvPr>
+            <p:ph type="title"/>
+          </p:nvPr>
+        </p:nvSpPr>
+        <p:spPr/>
         <p:txBody>
           <a:bodyPr/>
           <a:lstStyle/>
           <a:p>
-            <a:pPr>
-              <a:spcBef>
-                <a:spcPct val="20000"/>
-              </a:spcBef>
-            </a:pPr>
-            <a:r>
-              <a:rPr lang="ru-RU" sz="800" dirty="0">
-                <a:solidFill>
-                  <a:schemeClr val="bg1"/>
-                </a:solidFill>
-              </a:rPr>
-              <a:t>Высшая школа экономики, Москва, 2018</a:t>
-            </a:r>
-            <a:endParaRPr kumimoji="1" lang="ru-RU" sz="800" dirty="0">
-              <a:solidFill>
-                <a:schemeClr val="bg1"/>
-              </a:solidFill>
-            </a:endParaRPr>
-          </a:p>
-        </p:txBody>
-      </p:sp>
-      <p:sp>
-        <p:nvSpPr>
-          <p:cNvPr id="14339" name="Title 1"/>
-          <p:cNvSpPr txBox="1"/>
-          <p:nvPr/>
-        </p:nvSpPr>
-        <p:spPr bwMode="auto">
-          <a:xfrm>
-            <a:off x="1428749" y="428625"/>
-            <a:ext cx="6546851" cy="412750"/>
-          </a:xfrm>
-          <a:prstGeom prst="rect">
-            <a:avLst/>
-          </a:prstGeom>
-          <a:noFill/>
-          <a:ln w="9525">
-            <a:noFill/>
-            <a:miter lim="800000"/>
-          </a:ln>
-        </p:spPr>
-        <p:txBody>
-          <a:bodyPr anchor="ctr"/>
+            <a:r>
+              <a:rPr lang="ru-RU" dirty="0" smtClean="0">
+                <a:latin typeface="SF UI Text" panose="00000400000000000000" pitchFamily="2" charset="0"/>
+              </a:rPr>
+              <a:t>Кому это нужно?</a:t>
+            </a:r>
+            <a:endParaRPr lang="ru-RU" dirty="0"/>
+          </a:p>
+        </p:txBody>
+      </p:sp>
+      <p:sp>
+        <p:nvSpPr>
+          <p:cNvPr id="3" name="Объект 2"/>
+          <p:cNvSpPr>
+            <a:spLocks noGrp="1"/>
+          </p:cNvSpPr>
+          <p:nvPr>
+            <p:ph idx="1"/>
+          </p:nvPr>
+        </p:nvSpPr>
+        <p:spPr/>
+        <p:txBody>
+          <a:bodyPr/>
           <a:lstStyle/>
           <a:p>
-            <a:pPr algn="ctr"/>
-            <a:r>
-              <a:rPr lang="ru-RU" sz="3200" dirty="0" smtClean="0">
-                <a:latin typeface="SF UI Text" panose="00000400000000000000" pitchFamily="2" charset="0"/>
-              </a:rPr>
-              <a:t>Термины</a:t>
-            </a:r>
-            <a:endParaRPr lang="en-US" sz="3200" dirty="0">
-              <a:latin typeface="SF UI Text" panose="00000400000000000000" pitchFamily="2" charset="0"/>
-            </a:endParaRPr>
-          </a:p>
-        </p:txBody>
-      </p:sp>
-      <p:sp>
-        <p:nvSpPr>
-          <p:cNvPr id="14343" name="Rectangle 9"/>
-          <p:cNvSpPr>
-            <a:spLocks noChangeArrowheads="1"/>
-          </p:cNvSpPr>
-          <p:nvPr/>
-        </p:nvSpPr>
-        <p:spPr bwMode="auto">
-          <a:xfrm>
-            <a:off x="7300913" y="2255838"/>
-            <a:ext cx="674687" cy="369887"/>
-          </a:xfrm>
-          <a:prstGeom prst="rect">
-            <a:avLst/>
-          </a:prstGeom>
-          <a:noFill/>
-          <a:ln w="9525">
-            <a:noFill/>
-            <a:miter lim="800000"/>
-          </a:ln>
-        </p:spPr>
-        <p:txBody>
-          <a:bodyPr wrap="none">
-            <a:spAutoFit/>
-          </a:bodyPr>
-          <a:lstStyle/>
-          <a:p>
-            <a:r>
-              <a:rPr lang="ru-RU">
-                <a:solidFill>
-                  <a:srgbClr val="FFFFFF"/>
-                </a:solidFill>
-              </a:rPr>
-              <a:t>фото</a:t>
-            </a:r>
-            <a:endParaRPr lang="en-US">
-              <a:solidFill>
-                <a:srgbClr val="FFFFFF"/>
-              </a:solidFill>
-            </a:endParaRPr>
-          </a:p>
-        </p:txBody>
-      </p:sp>
-      <p:sp>
-        <p:nvSpPr>
-          <p:cNvPr id="14344" name="Rectangle 10"/>
-          <p:cNvSpPr>
-            <a:spLocks noChangeArrowheads="1"/>
-          </p:cNvSpPr>
-          <p:nvPr/>
-        </p:nvSpPr>
-        <p:spPr bwMode="auto">
-          <a:xfrm>
-            <a:off x="7300913" y="3967163"/>
-            <a:ext cx="674687" cy="368300"/>
-          </a:xfrm>
-          <a:prstGeom prst="rect">
-            <a:avLst/>
-          </a:prstGeom>
-          <a:noFill/>
-          <a:ln w="9525">
-            <a:noFill/>
-            <a:miter lim="800000"/>
-          </a:ln>
-        </p:spPr>
-        <p:txBody>
-          <a:bodyPr wrap="none">
-            <a:spAutoFit/>
-          </a:bodyPr>
-          <a:lstStyle/>
-          <a:p>
-            <a:r>
-              <a:rPr lang="ru-RU">
-                <a:solidFill>
-                  <a:srgbClr val="FFFFFF"/>
-                </a:solidFill>
-              </a:rPr>
-              <a:t>фото</a:t>
-            </a:r>
-            <a:endParaRPr lang="en-US">
-              <a:solidFill>
-                <a:srgbClr val="FFFFFF"/>
-              </a:solidFill>
-            </a:endParaRPr>
-          </a:p>
-        </p:txBody>
-      </p:sp>
-      <p:sp>
-        <p:nvSpPr>
-          <p:cNvPr id="14345" name="Rectangle 11"/>
-          <p:cNvSpPr>
-            <a:spLocks noChangeArrowheads="1"/>
-          </p:cNvSpPr>
-          <p:nvPr/>
-        </p:nvSpPr>
-        <p:spPr bwMode="auto">
-          <a:xfrm>
-            <a:off x="7300913" y="5591175"/>
-            <a:ext cx="674687" cy="369888"/>
-          </a:xfrm>
-          <a:prstGeom prst="rect">
-            <a:avLst/>
-          </a:prstGeom>
-          <a:noFill/>
-          <a:ln w="9525">
-            <a:noFill/>
-            <a:miter lim="800000"/>
-          </a:ln>
-        </p:spPr>
-        <p:txBody>
-          <a:bodyPr wrap="none">
-            <a:spAutoFit/>
-          </a:bodyPr>
-          <a:lstStyle/>
-          <a:p>
-            <a:r>
-              <a:rPr lang="ru-RU">
-                <a:solidFill>
-                  <a:srgbClr val="FFFFFF"/>
-                </a:solidFill>
-              </a:rPr>
-              <a:t>фото</a:t>
-            </a:r>
-            <a:endParaRPr lang="en-US">
-              <a:solidFill>
-                <a:srgbClr val="FFFFFF"/>
-              </a:solidFill>
-            </a:endParaRPr>
-          </a:p>
-        </p:txBody>
-      </p:sp>
-      <p:sp>
-        <p:nvSpPr>
-          <p:cNvPr id="11" name="Номер слайда 10"/>
+            <a:pPr marL="0" indent="0" algn="ctr">
+              <a:lnSpc>
+                <a:spcPct val="200000"/>
+              </a:lnSpc>
+              <a:buNone/>
+            </a:pPr>
+            <a:r>
+              <a:rPr lang="ru-RU" dirty="0" smtClean="0">
+                <a:latin typeface="SF UI Text" panose="00000400000000000000" pitchFamily="2" charset="0"/>
+              </a:rPr>
+              <a:t>Студентам</a:t>
+            </a:r>
+            <a:br>
+              <a:rPr lang="ru-RU" dirty="0" smtClean="0">
+                <a:latin typeface="SF UI Text" panose="00000400000000000000" pitchFamily="2" charset="0"/>
+              </a:rPr>
+            </a:br>
+            <a:r>
+              <a:rPr lang="ru-RU" dirty="0" smtClean="0">
+                <a:latin typeface="SF UI Text" panose="00000400000000000000" pitchFamily="2" charset="0"/>
+              </a:rPr>
+              <a:t>Преподавателям</a:t>
+            </a:r>
+          </a:p>
+          <a:p>
+            <a:pPr marL="0" indent="0" algn="ctr">
+              <a:lnSpc>
+                <a:spcPct val="200000"/>
+              </a:lnSpc>
+              <a:buNone/>
+            </a:pPr>
+            <a:r>
+              <a:rPr lang="ru-RU" dirty="0" smtClean="0">
+                <a:latin typeface="SF UI Text" panose="00000400000000000000" pitchFamily="2" charset="0"/>
+              </a:rPr>
+              <a:t>Абитуриентам</a:t>
+            </a:r>
+          </a:p>
+          <a:p>
+            <a:pPr marL="0" indent="0" algn="ctr">
+              <a:lnSpc>
+                <a:spcPct val="200000"/>
+              </a:lnSpc>
+              <a:buNone/>
+            </a:pPr>
+            <a:r>
+              <a:rPr lang="ru-RU" dirty="0" smtClean="0">
+                <a:latin typeface="SF UI Text" panose="00000400000000000000" pitchFamily="2" charset="0"/>
+              </a:rPr>
+              <a:t>Людям, интересующимся наукой</a:t>
+            </a:r>
+            <a:endParaRPr lang="ru-RU" dirty="0"/>
+          </a:p>
+        </p:txBody>
+      </p:sp>
+      <p:sp>
+        <p:nvSpPr>
+          <p:cNvPr id="4" name="Номер слайда 3"/>
           <p:cNvSpPr>
             <a:spLocks noGrp="1"/>
           </p:cNvSpPr>
@@ -8047,340 +9178,26 @@
         </p:nvSpPr>
         <p:spPr/>
         <p:txBody>
-          <a:bodyPr vert="horz" wrap="square" lIns="91440" tIns="45720" rIns="91440" bIns="45720" numCol="1" anchor="ctr" anchorCtr="0" compatLnSpc="1"/>
+          <a:bodyPr/>
           <a:lstStyle/>
           <a:p>
             <a:pPr>
               <a:defRPr/>
             </a:pPr>
             <a:fld id="{CB65F501-F5CC-4E12-934E-78BB5E4DA208}" type="slidenum">
-              <a:rPr lang="en-US" sz="1800" smtClean="0">
-                <a:solidFill>
-                  <a:schemeClr val="tx1"/>
-                </a:solidFill>
-              </a:rPr>
+              <a:rPr lang="en-US" smtClean="0"/>
               <a:t>3</a:t>
             </a:fld>
-            <a:endParaRPr lang="en-US" sz="1800">
-              <a:solidFill>
-                <a:schemeClr val="tx1"/>
-              </a:solidFill>
-            </a:endParaRPr>
-          </a:p>
-        </p:txBody>
-      </p:sp>
-      <p:sp>
-        <p:nvSpPr>
-          <p:cNvPr id="9" name="Rectangle 12"/>
-          <p:cNvSpPr>
-            <a:spLocks noChangeArrowheads="1"/>
-          </p:cNvSpPr>
-          <p:nvPr/>
-        </p:nvSpPr>
-        <p:spPr bwMode="auto">
-          <a:xfrm>
-            <a:off x="255588" y="2550729"/>
-            <a:ext cx="8575521" cy="2631811"/>
-          </a:xfrm>
-          <a:prstGeom prst="rect">
-            <a:avLst/>
-          </a:prstGeom>
-          <a:noFill/>
-          <a:ln w="9525">
-            <a:noFill/>
-            <a:miter lim="800000"/>
-          </a:ln>
-        </p:spPr>
-        <p:txBody>
-          <a:bodyPr wrap="square">
-            <a:spAutoFit/>
-          </a:bodyPr>
-          <a:lstStyle/>
-          <a:p>
-            <a:pPr>
-              <a:lnSpc>
-                <a:spcPct val="150000"/>
-              </a:lnSpc>
-            </a:pPr>
-            <a:r>
-              <a:rPr lang="en-US" sz="1600" b="1" dirty="0" smtClean="0">
-                <a:latin typeface="Segoe UI" panose="020B0502040204020203" pitchFamily="34" charset="0"/>
-              </a:rPr>
-              <a:t>C#</a:t>
-            </a:r>
-            <a:r>
-              <a:rPr lang="ru-RU" sz="1600" dirty="0" smtClean="0">
-                <a:latin typeface="Segoe UI" panose="020B0502040204020203" pitchFamily="34" charset="0"/>
-              </a:rPr>
-              <a:t> </a:t>
-            </a:r>
-            <a:r>
-              <a:rPr lang="ru-RU" sz="1600" dirty="0">
-                <a:latin typeface="Segoe UI" panose="020B0502040204020203" pitchFamily="34" charset="0"/>
-              </a:rPr>
-              <a:t>– </a:t>
-            </a:r>
-            <a:r>
-              <a:rPr lang="ru-RU" sz="1600" dirty="0" smtClean="0">
-                <a:latin typeface="Segoe UI" panose="020B0502040204020203" pitchFamily="34" charset="0"/>
-              </a:rPr>
-              <a:t>Язык </a:t>
-            </a:r>
-            <a:r>
-              <a:rPr lang="ru-RU" sz="1600" dirty="0" err="1" smtClean="0">
-                <a:latin typeface="Segoe UI" panose="020B0502040204020203" pitchFamily="34" charset="0"/>
-              </a:rPr>
-              <a:t>програмирования</a:t>
-            </a:r>
-            <a:endParaRPr lang="en-US" sz="1600" b="1" dirty="0" smtClean="0">
-              <a:latin typeface="Segoe UI" panose="020B0502040204020203" pitchFamily="34" charset="0"/>
-            </a:endParaRPr>
-          </a:p>
-          <a:p>
-            <a:pPr>
-              <a:lnSpc>
-                <a:spcPct val="150000"/>
-              </a:lnSpc>
-            </a:pPr>
-            <a:r>
-              <a:rPr lang="en-US" sz="1600" b="1" dirty="0" err="1" smtClean="0">
-                <a:latin typeface="Segoe UI" panose="020B0502040204020203" pitchFamily="34" charset="0"/>
-              </a:rPr>
-              <a:t>Xamarin</a:t>
-            </a:r>
-            <a:r>
-              <a:rPr lang="ru-RU" sz="1600" dirty="0" smtClean="0">
-                <a:latin typeface="Segoe UI" panose="020B0502040204020203" pitchFamily="34" charset="0"/>
-              </a:rPr>
-              <a:t> </a:t>
-            </a:r>
-            <a:r>
-              <a:rPr lang="ru-RU" sz="1600" dirty="0">
-                <a:latin typeface="Segoe UI" panose="020B0502040204020203" pitchFamily="34" charset="0"/>
-              </a:rPr>
-              <a:t>– </a:t>
-            </a:r>
-            <a:r>
-              <a:rPr lang="ru-RU" sz="1600" dirty="0" err="1" smtClean="0">
-                <a:latin typeface="Segoe UI" panose="020B0502040204020203" pitchFamily="34" charset="0"/>
-              </a:rPr>
-              <a:t>фрэймворк</a:t>
-            </a:r>
-            <a:r>
-              <a:rPr lang="ru-RU" sz="1600" dirty="0" smtClean="0">
-                <a:latin typeface="Segoe UI" panose="020B0502040204020203" pitchFamily="34" charset="0"/>
-              </a:rPr>
-              <a:t> для разработки приложений на языке </a:t>
-            </a:r>
-            <a:r>
-              <a:rPr lang="en-US" sz="1600" dirty="0" smtClean="0">
-                <a:latin typeface="Segoe UI" panose="020B0502040204020203" pitchFamily="34" charset="0"/>
-              </a:rPr>
-              <a:t>C#</a:t>
-            </a:r>
-            <a:r>
-              <a:rPr lang="ru-RU" sz="1600" dirty="0" smtClean="0">
-                <a:latin typeface="Segoe UI" panose="020B0502040204020203" pitchFamily="34" charset="0"/>
-              </a:rPr>
-              <a:t>.</a:t>
-            </a:r>
-            <a:endParaRPr lang="ru-RU" sz="1600" dirty="0">
-              <a:latin typeface="Segoe UI" panose="020B0502040204020203" pitchFamily="34" charset="0"/>
-            </a:endParaRPr>
-          </a:p>
-          <a:p>
-            <a:pPr>
-              <a:lnSpc>
-                <a:spcPct val="150000"/>
-              </a:lnSpc>
-            </a:pPr>
-            <a:r>
-              <a:rPr lang="en-US" sz="1600" b="1" dirty="0" smtClean="0">
-                <a:latin typeface="Segoe UI" panose="020B0502040204020203" pitchFamily="34" charset="0"/>
-              </a:rPr>
-              <a:t>JSON</a:t>
-            </a:r>
-            <a:r>
-              <a:rPr lang="ru-RU" sz="1600" dirty="0" smtClean="0">
-                <a:latin typeface="Segoe UI" panose="020B0502040204020203" pitchFamily="34" charset="0"/>
-              </a:rPr>
-              <a:t> </a:t>
-            </a:r>
-            <a:r>
-              <a:rPr lang="ru-RU" sz="1600" dirty="0">
-                <a:latin typeface="Segoe UI" panose="020B0502040204020203" pitchFamily="34" charset="0"/>
-              </a:rPr>
-              <a:t>– </a:t>
-            </a:r>
-            <a:r>
-              <a:rPr lang="ru-RU" sz="1600" dirty="0" smtClean="0">
-                <a:latin typeface="Segoe UI" panose="020B0502040204020203" pitchFamily="34" charset="0"/>
-              </a:rPr>
-              <a:t>формат представления данных.</a:t>
-            </a:r>
-          </a:p>
-          <a:p>
-            <a:pPr>
-              <a:lnSpc>
-                <a:spcPct val="150000"/>
-              </a:lnSpc>
-            </a:pPr>
-            <a:r>
-              <a:rPr lang="en-US" sz="1600" b="1" dirty="0" smtClean="0">
-                <a:latin typeface="Segoe UI" panose="020B0502040204020203" pitchFamily="34" charset="0"/>
-              </a:rPr>
-              <a:t>HTTPS</a:t>
-            </a:r>
-            <a:r>
-              <a:rPr lang="ru-RU" sz="1600" dirty="0" smtClean="0">
-                <a:latin typeface="Segoe UI" panose="020B0502040204020203" pitchFamily="34" charset="0"/>
-              </a:rPr>
-              <a:t> </a:t>
-            </a:r>
-            <a:r>
-              <a:rPr lang="ru-RU" sz="1600" dirty="0">
-                <a:latin typeface="Segoe UI" panose="020B0502040204020203" pitchFamily="34" charset="0"/>
-              </a:rPr>
-              <a:t>– </a:t>
-            </a:r>
-            <a:r>
-              <a:rPr lang="ru-RU" sz="1600" dirty="0" smtClean="0">
-                <a:latin typeface="Segoe UI" panose="020B0502040204020203" pitchFamily="34" charset="0"/>
-              </a:rPr>
-              <a:t>протокол передачи данных.</a:t>
-            </a:r>
-          </a:p>
-          <a:p>
-            <a:pPr>
-              <a:lnSpc>
-                <a:spcPct val="150000"/>
-              </a:lnSpc>
-            </a:pPr>
-            <a:r>
-              <a:rPr lang="ru-RU" sz="1600" b="1" dirty="0" smtClean="0">
-                <a:latin typeface="Segoe UI" panose="020B0502040204020203" pitchFamily="34" charset="0"/>
-              </a:rPr>
-              <a:t>Клиент</a:t>
-            </a:r>
-            <a:r>
-              <a:rPr lang="ru-RU" sz="1600" dirty="0" smtClean="0">
-                <a:latin typeface="Segoe UI" panose="020B0502040204020203" pitchFamily="34" charset="0"/>
-              </a:rPr>
-              <a:t> – программа конечного пользователя.</a:t>
-            </a:r>
-          </a:p>
-          <a:p>
-            <a:pPr>
-              <a:lnSpc>
-                <a:spcPct val="150000"/>
-              </a:lnSpc>
-            </a:pPr>
-            <a:r>
-              <a:rPr lang="ru-RU" sz="1600" b="1" dirty="0" smtClean="0">
-                <a:latin typeface="Segoe UI" panose="020B0502040204020203" pitchFamily="34" charset="0"/>
-              </a:rPr>
-              <a:t>Сервер</a:t>
-            </a:r>
-            <a:r>
-              <a:rPr lang="ru-RU" sz="1600" dirty="0" smtClean="0">
-                <a:latin typeface="Segoe UI" panose="020B0502040204020203" pitchFamily="34" charset="0"/>
-              </a:rPr>
-              <a:t> </a:t>
-            </a:r>
-            <a:r>
-              <a:rPr lang="ru-RU" sz="1600" dirty="0">
-                <a:latin typeface="Segoe UI" panose="020B0502040204020203" pitchFamily="34" charset="0"/>
-              </a:rPr>
-              <a:t>– </a:t>
-            </a:r>
-            <a:r>
-              <a:rPr lang="ru-RU" sz="1600" dirty="0" smtClean="0">
-                <a:latin typeface="Segoe UI" panose="020B0502040204020203" pitchFamily="34" charset="0"/>
-              </a:rPr>
-              <a:t>Компьютер, обменивающийся данными с клиентами.</a:t>
-            </a:r>
-            <a:endParaRPr lang="en-US" sz="1600" dirty="0" smtClean="0">
-              <a:latin typeface="Segoe UI" panose="020B0502040204020203" pitchFamily="34" charset="0"/>
-            </a:endParaRPr>
-          </a:p>
-          <a:p>
-            <a:pPr>
-              <a:lnSpc>
-                <a:spcPct val="150000"/>
-              </a:lnSpc>
-            </a:pPr>
-            <a:r>
-              <a:rPr lang="en-US" sz="1600" b="1" dirty="0" smtClean="0">
-                <a:latin typeface="Segoe UI" panose="020B0502040204020203" pitchFamily="34" charset="0"/>
-              </a:rPr>
-              <a:t>HTML</a:t>
-            </a:r>
-            <a:r>
-              <a:rPr lang="ru-RU" sz="1600" dirty="0" smtClean="0">
-                <a:latin typeface="Segoe UI" panose="020B0502040204020203" pitchFamily="34" charset="0"/>
-              </a:rPr>
-              <a:t> </a:t>
-            </a:r>
-            <a:r>
-              <a:rPr lang="ru-RU" sz="1600" dirty="0">
-                <a:latin typeface="Segoe UI" panose="020B0502040204020203" pitchFamily="34" charset="0"/>
-              </a:rPr>
-              <a:t>– </a:t>
-            </a:r>
-            <a:r>
-              <a:rPr lang="ru-RU" sz="1600" dirty="0" smtClean="0">
-                <a:latin typeface="Segoe UI" panose="020B0502040204020203" pitchFamily="34" charset="0"/>
-              </a:rPr>
-              <a:t>Язык разметки.</a:t>
-            </a:r>
-            <a:endParaRPr lang="en-US" sz="1600" dirty="0">
-              <a:latin typeface="Segoe UI" panose="020B0502040204020203" pitchFamily="34" charset="0"/>
-            </a:endParaRPr>
-          </a:p>
-        </p:txBody>
-      </p:sp>
-      <p:sp>
-        <p:nvSpPr>
-          <p:cNvPr id="10" name="Subtitle 2"/>
-          <p:cNvSpPr txBox="1"/>
-          <p:nvPr/>
-        </p:nvSpPr>
-        <p:spPr bwMode="auto">
-          <a:xfrm>
-            <a:off x="407988" y="6567488"/>
-            <a:ext cx="4143375" cy="246062"/>
-          </a:xfrm>
-          <a:prstGeom prst="rect">
-            <a:avLst/>
-          </a:prstGeom>
-          <a:noFill/>
-          <a:ln w="9525">
-            <a:noFill/>
-            <a:miter lim="800000"/>
-          </a:ln>
-        </p:spPr>
-        <p:txBody>
-          <a:bodyPr/>
-          <a:lstStyle/>
-          <a:p>
-            <a:pPr>
-              <a:spcBef>
-                <a:spcPct val="20000"/>
-              </a:spcBef>
-            </a:pPr>
-            <a:r>
-              <a:rPr lang="ru-RU" sz="800" dirty="0"/>
-              <a:t>Высшая школа экономики, Москва, </a:t>
-            </a:r>
-            <a:r>
-              <a:rPr lang="ru-RU" sz="800" dirty="0" smtClean="0"/>
-              <a:t>2019</a:t>
-            </a:r>
-            <a:endParaRPr kumimoji="1" lang="ru-RU" sz="800" dirty="0"/>
+            <a:endParaRPr lang="en-US"/>
           </a:p>
         </p:txBody>
       </p:sp>
     </p:spTree>
+    <p:extLst>
+      <p:ext uri="{BB962C8B-B14F-4D97-AF65-F5344CB8AC3E}">
+        <p14:creationId xmlns:p14="http://schemas.microsoft.com/office/powerpoint/2010/main" val="1250809594"/>
+      </p:ext>
+    </p:extLst>
   </p:cSld>
   <p:clrMapOvr>
     <a:masterClrMapping/>
@@ -8465,8 +9282,8 @@
         </p:nvSpPr>
         <p:spPr bwMode="auto">
           <a:xfrm>
-            <a:off x="1428749" y="428625"/>
-            <a:ext cx="6546851" cy="412750"/>
+            <a:off x="60961" y="358177"/>
+            <a:ext cx="8989734" cy="412750"/>
           </a:xfrm>
           <a:prstGeom prst="rect">
             <a:avLst/>
@@ -8483,10 +9300,22 @@
           <a:p>
             <a:pPr algn="ctr"/>
             <a:r>
+              <a:rPr lang="ru-RU" sz="3200" dirty="0" smtClean="0">
+                <a:latin typeface="SF UI Text" panose="00000400000000000000" pitchFamily="2" charset="0"/>
+              </a:rPr>
+              <a:t>Анализ существующих </a:t>
+            </a:r>
+            <a:r>
               <a:rPr lang="ru-RU" sz="3200" dirty="0">
                 <a:latin typeface="SF UI Text" panose="00000400000000000000" pitchFamily="2" charset="0"/>
               </a:rPr>
-              <a:t>ЦЕЛЬ И ЗАДАЧИ РАБОТЫ</a:t>
+              <a:t>р</a:t>
+            </a:r>
+            <a:r>
+              <a:rPr lang="ru-RU" sz="3200" dirty="0" smtClean="0">
+                <a:latin typeface="SF UI Text" panose="00000400000000000000" pitchFamily="2" charset="0"/>
+              </a:rPr>
+              <a:t>ешений</a:t>
             </a:r>
             <a:endParaRPr lang="en-US" sz="3200" dirty="0">
               <a:latin typeface="SF UI Text" panose="00000400000000000000" pitchFamily="2" charset="0"/>
@@ -8504,7 +9333,7 @@
         </p:nvSpPr>
         <p:spPr bwMode="auto">
           <a:xfrm>
-            <a:off x="7300913" y="2255838"/>
+            <a:off x="7314618" y="2255838"/>
             <a:ext cx="674687" cy="369887"/>
           </a:xfrm>
           <a:prstGeom prst="rect">
@@ -8523,14 +9352,14 @@
           <a:lstStyle/>
           <a:p>
             <a:r>
-              <a:rPr lang="ru-RU">
+              <a:rPr lang="ru-RU" dirty="0">
                 <a:solidFill>
                   <a:srgbClr val="FFFFFF"/>
                 </a:solidFill>
               </a:rPr>
               <a:t>фото</a:t>
             </a:r>
-            <a:endParaRPr lang="en-US">
+            <a:endParaRPr lang="en-US" dirty="0">
               <a:solidFill>
                 <a:srgbClr val="FFFFFF"/>
               </a:solidFill>
@@ -8628,7 +9457,41 @@
       </p:sp>
       <p:sp>
         <p:nvSpPr>
-          <p:cNvPr id="14346" name="Rectangle 12"/>
+          <p:cNvPr id="11" name="Номер слайда 10"/>
+          <p:cNvSpPr>
+            <a:spLocks noGrp="1"/>
+          </p:cNvSpPr>
+          <p:nvPr>
+            <p:ph type="sldNum" sz="quarter" idx="12"/>
+          </p:nvPr>
+        </p:nvSpPr>
+        <p:spPr/>
+        <p:txBody>
+          <a:bodyPr vert="horz" wrap="square" lIns="91440" tIns="45720" rIns="91440" bIns="45720" numCol="1" anchor="ctr" anchorCtr="0" compatLnSpc="1"/>
+          <a:lstStyle/>
+          <a:p>
+            <a:pPr>
+              <a:defRPr/>
+            </a:pPr>
+            <a:fld id="{CB65F501-F5CC-4E12-934E-78BB5E4DA208}" type="slidenum">
+              <a:rPr lang="en-US" sz="1800" smtClean="0">
+                <a:solidFill>
+                  <a:schemeClr val="tx1"/>
+                </a:solidFill>
+              </a:rPr>
+              <a:t>4</a:t>
+            </a:fld>
+            <a:endParaRPr lang="en-US" sz="1800">
+              <a:solidFill>
+                <a:schemeClr val="tx1"/>
+              </a:solidFill>
+            </a:endParaRPr>
+          </a:p>
+        </p:txBody>
+      </p:sp>
+      <p:sp>
+        <p:nvSpPr>
+          <p:cNvPr id="9" name="Rectangle 12"/>
           <p:cNvSpPr>
             <a:spLocks noChangeArrowheads="1"/>
           </p:cNvSpPr>
@@ -8636,8 +9499,8 @@
         </p:nvSpPr>
         <p:spPr bwMode="auto">
           <a:xfrm>
-            <a:off x="222250" y="2125425"/>
-            <a:ext cx="8738870" cy="3477875"/>
+            <a:off x="222250" y="1479550"/>
+            <a:ext cx="8575521" cy="1384995"/>
           </a:xfrm>
           <a:prstGeom prst="rect">
             <a:avLst/>
@@ -8660,127 +9523,135 @@
               </a:lnSpc>
             </a:pPr>
             <a:r>
-              <a:rPr lang="ru-RU" sz="2800" b="1" dirty="0"/>
-              <a:t>Цель </a:t>
-            </a:r>
-            <a:r>
-              <a:rPr lang="ru-RU" sz="2800" b="1" dirty="0" smtClean="0"/>
-              <a:t>работы</a:t>
-            </a:r>
-            <a:r>
-              <a:rPr lang="ru-RU" sz="2800" dirty="0"/>
-              <a:t/>
-            </a:r>
-            <a:br>
-              <a:rPr lang="ru-RU" sz="2800" dirty="0"/>
-            </a:br>
-            <a:r>
-              <a:rPr lang="ru-RU" sz="2000" dirty="0" smtClean="0"/>
-              <a:t>Сделать мероприятия ВШЭ более доступными.</a:t>
-            </a:r>
-            <a:endParaRPr lang="ru-RU" sz="2000" dirty="0"/>
-          </a:p>
-          <a:p>
-            <a:endParaRPr lang="ru-RU" sz="1600" dirty="0"/>
-          </a:p>
-          <a:p>
-            <a:pPr>
+              <a:rPr lang="ru-RU" sz="2800" dirty="0" smtClean="0">
+                <a:latin typeface="SF UI Text" panose="00000400000000000000" pitchFamily="2" charset="0"/>
+              </a:rPr>
+              <a:t>Сейчас у Вышки </a:t>
+            </a:r>
+            <a:r>
+              <a:rPr lang="ru-RU" sz="2800" dirty="0" smtClean="0">
+                <a:latin typeface="SF UI Text" panose="00000400000000000000" pitchFamily="2" charset="0"/>
+              </a:rPr>
+              <a:t>3 </a:t>
+            </a:r>
+            <a:r>
+              <a:rPr lang="ru-RU" sz="2800" dirty="0">
+                <a:latin typeface="SF UI Text" panose="00000400000000000000" pitchFamily="2" charset="0"/>
+              </a:rPr>
+              <a:t>канала </a:t>
+            </a:r>
+            <a:r>
+              <a:rPr lang="ru-RU" sz="2800" dirty="0" smtClean="0">
+                <a:latin typeface="SF UI Text" panose="00000400000000000000" pitchFamily="2" charset="0"/>
+              </a:rPr>
+              <a:t>информирования </a:t>
+            </a:r>
+            <a:r>
+              <a:rPr lang="ru-RU" sz="2800" dirty="0" smtClean="0">
+                <a:latin typeface="SF UI Text" panose="00000400000000000000" pitchFamily="2" charset="0"/>
+              </a:rPr>
+              <a:t>о мероприятиях:</a:t>
+            </a:r>
+            <a:endParaRPr lang="en-US" sz="2800" dirty="0">
+              <a:latin typeface="SF UI Text" panose="00000400000000000000" pitchFamily="2" charset="0"/>
+            </a:endParaRPr>
+          </a:p>
+        </p:txBody>
+      </p:sp>
+      <p:sp>
+        <p:nvSpPr>
+          <p:cNvPr id="10" name="Rectangle 12"/>
+          <p:cNvSpPr>
+            <a:spLocks noChangeArrowheads="1"/>
+          </p:cNvSpPr>
+          <p:nvPr/>
+        </p:nvSpPr>
+        <p:spPr bwMode="auto">
+          <a:xfrm>
+            <a:off x="703197" y="3178741"/>
+            <a:ext cx="8188875" cy="2677656"/>
+          </a:xfrm>
+          <a:prstGeom prst="rect">
+            <a:avLst/>
+          </a:prstGeom>
+          <a:noFill/>
+          <a:ln w="9525">
+            <a:noFill/>
+            <a:miter lim="800000"/>
+          </a:ln>
+        </p:spPr>
+        <p:txBody>
+          <a:bodyPr wrap="square">
+            <a:spAutoFit/>
+          </a:bodyPr>
+          <a:lstStyle/>
+          <a:p>
+            <a:pPr marL="342900" indent="-342900">
               <a:lnSpc>
                 <a:spcPct val="150000"/>
               </a:lnSpc>
-            </a:pPr>
-            <a:r>
-              <a:rPr lang="ru-RU" sz="2800" b="1" dirty="0"/>
-              <a:t>Задачи </a:t>
-            </a:r>
-            <a:r>
-              <a:rPr lang="ru-RU" sz="2800" b="1" dirty="0" smtClean="0"/>
-              <a:t>работы</a:t>
-            </a:r>
-            <a:endParaRPr lang="ru-RU" sz="2000" b="1" dirty="0"/>
-          </a:p>
-          <a:p>
-            <a:pPr marL="228600" indent="-228600">
+              <a:buAutoNum type="arabicParenR"/>
+            </a:pPr>
+            <a:r>
+              <a:rPr lang="ru-RU" sz="2800" dirty="0" smtClean="0">
+                <a:latin typeface="SF UI Text" panose="00000400000000000000" pitchFamily="2" charset="0"/>
+              </a:rPr>
+              <a:t>Сайт </a:t>
+            </a:r>
+            <a:r>
+              <a:rPr lang="en-US" sz="2800" dirty="0" smtClean="0">
+                <a:latin typeface="SF UI Text" panose="00000400000000000000" pitchFamily="2" charset="0"/>
+              </a:rPr>
+              <a:t>HSE.ru</a:t>
+            </a:r>
+          </a:p>
+          <a:p>
+            <a:pPr marL="342900" indent="-342900">
               <a:lnSpc>
                 <a:spcPct val="150000"/>
               </a:lnSpc>
-              <a:buFont typeface="+mj-lt"/>
-              <a:buAutoNum type="arabicPeriod"/>
-            </a:pPr>
-            <a:r>
-              <a:rPr lang="ru-RU" sz="2000" dirty="0" smtClean="0"/>
-              <a:t>Создать пр</a:t>
-            </a:r>
-            <a:r>
-              <a:rPr lang="ru-RU" sz="2000" dirty="0"/>
-              <a:t>о</a:t>
-            </a:r>
-            <a:r>
-              <a:rPr lang="ru-RU" sz="2000" dirty="0" smtClean="0"/>
-              <a:t>грамму на сервере для </a:t>
-            </a:r>
-            <a:r>
-              <a:rPr lang="ru-RU" sz="2000" dirty="0" err="1" smtClean="0"/>
-              <a:t>парсинга</a:t>
-            </a:r>
-            <a:r>
-              <a:rPr lang="ru-RU" sz="2000" dirty="0" smtClean="0"/>
-              <a:t> данных с сайта</a:t>
-            </a:r>
-          </a:p>
-          <a:p>
-            <a:pPr marL="228600" indent="-228600">
+              <a:buAutoNum type="arabicParenR"/>
+            </a:pPr>
+            <a:r>
+              <a:rPr lang="ru-RU" sz="2800" dirty="0" smtClean="0">
+                <a:latin typeface="SF UI Text" panose="00000400000000000000" pitchFamily="2" charset="0"/>
+              </a:rPr>
+              <a:t>Рассылка по электронной почте</a:t>
+            </a:r>
+          </a:p>
+          <a:p>
+            <a:pPr marL="342900" indent="-342900">
               <a:lnSpc>
                 <a:spcPct val="150000"/>
               </a:lnSpc>
-              <a:buFont typeface="+mj-lt"/>
-              <a:buAutoNum type="arabicPeriod"/>
-            </a:pPr>
-            <a:r>
-              <a:rPr lang="ru-RU" sz="2000" dirty="0" smtClean="0"/>
-              <a:t>Создать клиент-серверное приложения для мобильных устройств для вывода информации о мероприятиях</a:t>
-            </a:r>
-            <a:endParaRPr lang="ru-RU" sz="2000" dirty="0"/>
-          </a:p>
-        </p:txBody>
-      </p:sp>
-      <p:sp>
-        <p:nvSpPr>
-          <p:cNvPr id="11" name="Номер слайда 10"/>
-          <p:cNvSpPr>
-            <a:spLocks noGrp="1"/>
-          </p:cNvSpPr>
-          <p:nvPr>
-            <p:ph type="sldNum" sz="quarter" idx="12"/>
-          </p:nvPr>
-        </p:nvSpPr>
-        <p:spPr/>
-        <p:txBody>
-          <a:bodyPr vert="horz" wrap="square" lIns="91440" tIns="45720" rIns="91440" bIns="45720" numCol="1" anchor="ctr" anchorCtr="0" compatLnSpc="1"/>
-          <a:lstStyle/>
-          <a:p>
-            <a:pPr>
-              <a:defRPr/>
-            </a:pPr>
-            <a:fld id="{CB65F501-F5CC-4E12-934E-78BB5E4DA208}" type="slidenum">
-              <a:rPr lang="en-US" sz="1800" smtClean="0">
-                <a:solidFill>
-                  <a:schemeClr val="tx1"/>
-                </a:solidFill>
-              </a:rPr>
-              <a:t>4</a:t>
-            </a:fld>
-            <a:endParaRPr lang="en-US" sz="1800" dirty="0">
-              <a:solidFill>
-                <a:schemeClr val="tx1"/>
-              </a:solidFill>
-            </a:endParaRPr>
-          </a:p>
-        </p:txBody>
-      </p:sp>
-      <p:sp>
-        <p:nvSpPr>
-          <p:cNvPr id="9" name="Subtitle 2"/>
+              <a:buAutoNum type="arabicParenR"/>
+            </a:pPr>
+            <a:r>
+              <a:rPr lang="ru-RU" sz="2800" dirty="0" smtClean="0">
+                <a:latin typeface="SF UI Text" panose="00000400000000000000" pitchFamily="2" charset="0"/>
+              </a:rPr>
+              <a:t>Распространение через социальные сети</a:t>
+            </a:r>
+          </a:p>
+          <a:p>
+            <a:pPr marL="342900" indent="-342900">
+              <a:lnSpc>
+                <a:spcPct val="150000"/>
+              </a:lnSpc>
+              <a:buAutoNum type="arabicParenR"/>
+            </a:pPr>
+            <a:r>
+              <a:rPr lang="ru-RU" sz="2800" dirty="0" smtClean="0">
+                <a:latin typeface="SF UI Text" panose="00000400000000000000" pitchFamily="2" charset="0"/>
+              </a:rPr>
+              <a:t>Информация на стендах</a:t>
+            </a:r>
+          </a:p>
+        </p:txBody>
+      </p:sp>
+      <p:sp>
+        <p:nvSpPr>
+          <p:cNvPr id="12" name="Subtitle 2"/>
           <p:cNvSpPr txBox="1"/>
           <p:nvPr/>
         </p:nvSpPr>
@@ -8904,8 +9775,8 @@
         </p:nvSpPr>
         <p:spPr bwMode="auto">
           <a:xfrm>
-            <a:off x="60961" y="428625"/>
-            <a:ext cx="8989734" cy="412750"/>
+            <a:off x="1428749" y="428625"/>
+            <a:ext cx="6546851" cy="412750"/>
           </a:xfrm>
           <a:prstGeom prst="rect">
             <a:avLst/>
@@ -8922,22 +9793,10 @@
           <a:p>
             <a:pPr algn="ctr"/>
             <a:r>
-              <a:rPr lang="ru-RU" sz="3200" dirty="0" smtClean="0">
-                <a:latin typeface="SF UI Text" panose="00000400000000000000" pitchFamily="2" charset="0"/>
-              </a:rPr>
-              <a:t>Анализ существующих </a:t>
-            </a:r>
-            <a:r>
               <a:rPr lang="ru-RU" sz="3200" dirty="0">
                 <a:latin typeface="SF UI Text" panose="00000400000000000000" pitchFamily="2" charset="0"/>
               </a:rPr>
-              <a:t>р</a:t>
-            </a:r>
-            <a:r>
-              <a:rPr lang="ru-RU" sz="3200" dirty="0" smtClean="0">
-                <a:latin typeface="SF UI Text" panose="00000400000000000000" pitchFamily="2" charset="0"/>
-              </a:rPr>
-              <a:t>ешений</a:t>
+              <a:t>ЦЕЛЬ И ЗАДАЧИ РАБОТЫ</a:t>
             </a:r>
             <a:endParaRPr lang="en-US" sz="3200" dirty="0">
               <a:latin typeface="SF UI Text" panose="00000400000000000000" pitchFamily="2" charset="0"/>
@@ -8955,7 +9814,7 @@
         </p:nvSpPr>
         <p:spPr bwMode="auto">
           <a:xfrm>
-            <a:off x="7314618" y="2255838"/>
+            <a:off x="7300913" y="2255838"/>
             <a:ext cx="674687" cy="369887"/>
           </a:xfrm>
           <a:prstGeom prst="rect">
@@ -8974,14 +9833,14 @@
           <a:lstStyle/>
           <a:p>
             <a:r>
-              <a:rPr lang="ru-RU" dirty="0">
+              <a:rPr lang="ru-RU">
                 <a:solidFill>
                   <a:srgbClr val="FFFFFF"/>
                 </a:solidFill>
               </a:rPr>
               <a:t>фото</a:t>
             </a:r>
-            <a:endParaRPr lang="en-US" dirty="0">
+            <a:endParaRPr lang="en-US">
               <a:solidFill>
                 <a:srgbClr val="FFFFFF"/>
               </a:solidFill>
@@ -9079,41 +9938,7 @@
       </p:sp>
       <p:sp>
         <p:nvSpPr>
-          <p:cNvPr id="11" name="Номер слайда 10"/>
-          <p:cNvSpPr>
-            <a:spLocks noGrp="1"/>
-          </p:cNvSpPr>
-          <p:nvPr>
-            <p:ph type="sldNum" sz="quarter" idx="12"/>
-          </p:nvPr>
-        </p:nvSpPr>
-        <p:spPr/>
-        <p:txBody>
-          <a:bodyPr vert="horz" wrap="square" lIns="91440" tIns="45720" rIns="91440" bIns="45720" numCol="1" anchor="ctr" anchorCtr="0" compatLnSpc="1"/>
-          <a:lstStyle/>
-          <a:p>
-            <a:pPr>
-              <a:defRPr/>
-            </a:pPr>
-            <a:fld id="{CB65F501-F5CC-4E12-934E-78BB5E4DA208}" type="slidenum">
-              <a:rPr lang="en-US" sz="1800" smtClean="0">
-                <a:solidFill>
-                  <a:schemeClr val="tx1"/>
-                </a:solidFill>
-              </a:rPr>
-              <a:t>5</a:t>
-            </a:fld>
-            <a:endParaRPr lang="en-US" sz="1800">
-              <a:solidFill>
-                <a:schemeClr val="tx1"/>
-              </a:solidFill>
-            </a:endParaRPr>
-          </a:p>
-        </p:txBody>
-      </p:sp>
-      <p:sp>
-        <p:nvSpPr>
-          <p:cNvPr id="9" name="Rectangle 12"/>
+          <p:cNvPr id="14346" name="Rectangle 12"/>
           <p:cNvSpPr>
             <a:spLocks noChangeArrowheads="1"/>
           </p:cNvSpPr>
@@ -9121,8 +9946,8 @@
         </p:nvSpPr>
         <p:spPr bwMode="auto">
           <a:xfrm>
-            <a:off x="222250" y="1479550"/>
-            <a:ext cx="8575521" cy="1384995"/>
+            <a:off x="255588" y="1868031"/>
+            <a:ext cx="8738870" cy="2554545"/>
           </a:xfrm>
           <a:prstGeom prst="rect">
             <a:avLst/>
@@ -9139,124 +9964,159 @@
           </a:bodyPr>
           <a:lstStyle/>
           <a:p>
-            <a:r>
-              <a:rPr lang="ru-RU" sz="2800" dirty="0" smtClean="0">
-                <a:latin typeface="SF UI Text" panose="00000400000000000000" pitchFamily="2" charset="0"/>
-              </a:rPr>
-              <a:t>На данный момент у Вышки 3 </a:t>
-            </a:r>
-            <a:r>
-              <a:rPr lang="ru-RU" sz="2800" dirty="0">
-                <a:latin typeface="SF UI Text" panose="00000400000000000000" pitchFamily="2" charset="0"/>
-              </a:rPr>
-              <a:t>канала распространения </a:t>
-            </a:r>
-            <a:r>
-              <a:rPr lang="ru-RU" sz="2800" dirty="0" smtClean="0">
-                <a:latin typeface="SF UI Text" panose="00000400000000000000" pitchFamily="2" charset="0"/>
-              </a:rPr>
-              <a:t>информации о мероприятиях:</a:t>
-            </a:r>
-            <a:endParaRPr lang="en-US" sz="2800" dirty="0">
-              <a:latin typeface="SF UI Text" panose="00000400000000000000" pitchFamily="2" charset="0"/>
-            </a:endParaRPr>
-          </a:p>
-        </p:txBody>
-      </p:sp>
-      <p:sp>
-        <p:nvSpPr>
-          <p:cNvPr id="10" name="Rectangle 12"/>
-          <p:cNvSpPr>
-            <a:spLocks noChangeArrowheads="1"/>
-          </p:cNvSpPr>
-          <p:nvPr/>
-        </p:nvSpPr>
-        <p:spPr bwMode="auto">
-          <a:xfrm>
-            <a:off x="703197" y="3178741"/>
-            <a:ext cx="8188875" cy="2677656"/>
-          </a:xfrm>
-          <a:prstGeom prst="rect">
-            <a:avLst/>
-          </a:prstGeom>
-          <a:noFill/>
-          <a:ln w="9525">
-            <a:noFill/>
-            <a:miter lim="800000"/>
-          </a:ln>
-        </p:spPr>
-        <p:txBody>
-          <a:bodyPr wrap="square">
-            <a:spAutoFit/>
-          </a:bodyPr>
-          <a:lstStyle/>
-          <a:p>
-            <a:pPr marL="342900" indent="-342900">
+            <a:pPr>
               <a:lnSpc>
                 <a:spcPct val="150000"/>
               </a:lnSpc>
-              <a:buAutoNum type="arabicParenR"/>
-            </a:pPr>
-            <a:r>
-              <a:rPr lang="ru-RU" sz="2800" dirty="0" smtClean="0">
-                <a:latin typeface="SF UI Text" panose="00000400000000000000" pitchFamily="2" charset="0"/>
-              </a:rPr>
-              <a:t>Сайт </a:t>
-            </a:r>
-            <a:r>
-              <a:rPr lang="en-US" sz="2800" dirty="0" smtClean="0">
-                <a:latin typeface="SF UI Text" panose="00000400000000000000" pitchFamily="2" charset="0"/>
-              </a:rPr>
-              <a:t>HSE.ru</a:t>
-            </a:r>
-          </a:p>
-          <a:p>
-            <a:pPr marL="342900" indent="-342900">
+            </a:pPr>
+            <a:r>
+              <a:rPr lang="ru-RU" sz="2800" b="1" dirty="0">
+                <a:latin typeface="SF UI Text" panose="00000400000000000000" pitchFamily="2" charset="0"/>
+              </a:rPr>
+              <a:t>Цель </a:t>
+            </a:r>
+            <a:r>
+              <a:rPr lang="ru-RU" sz="2800" b="1" dirty="0" smtClean="0">
+                <a:latin typeface="SF UI Text" panose="00000400000000000000" pitchFamily="2" charset="0"/>
+              </a:rPr>
+              <a:t>работы</a:t>
+            </a:r>
+            <a:r>
+              <a:rPr lang="ru-RU" sz="2800" dirty="0">
+                <a:latin typeface="SF UI Text" panose="00000400000000000000" pitchFamily="2" charset="0"/>
+              </a:rPr>
+              <a:t/>
+            </a:r>
+            <a:br>
+              <a:rPr lang="ru-RU" sz="2800" dirty="0">
+                <a:latin typeface="SF UI Text" panose="00000400000000000000" pitchFamily="2" charset="0"/>
+              </a:rPr>
+            </a:br>
+            <a:r>
+              <a:rPr lang="ru-RU" sz="2000" dirty="0" smtClean="0">
+                <a:latin typeface="SF UI Text" panose="00000400000000000000" pitchFamily="2" charset="0"/>
+              </a:rPr>
+              <a:t>Сделать информацию </a:t>
+            </a:r>
+            <a:r>
+              <a:rPr lang="ru-RU" sz="2000" dirty="0" smtClean="0">
+                <a:latin typeface="SF UI Text" panose="00000400000000000000" pitchFamily="2" charset="0"/>
+              </a:rPr>
+              <a:t>о мероприятиях </a:t>
+            </a:r>
+            <a:r>
+              <a:rPr lang="ru-RU" sz="2000" dirty="0" smtClean="0">
+                <a:latin typeface="SF UI Text" panose="00000400000000000000" pitchFamily="2" charset="0"/>
+              </a:rPr>
+              <a:t>ВШЭ более </a:t>
+            </a:r>
+            <a:r>
+              <a:rPr lang="ru-RU" sz="2000" dirty="0" smtClean="0">
+                <a:latin typeface="SF UI Text" panose="00000400000000000000" pitchFamily="2" charset="0"/>
+              </a:rPr>
+              <a:t>доступной.</a:t>
+            </a:r>
+            <a:endParaRPr lang="ru-RU" sz="2000" dirty="0">
+              <a:latin typeface="SF UI Text" panose="00000400000000000000" pitchFamily="2" charset="0"/>
+            </a:endParaRPr>
+          </a:p>
+          <a:p>
+            <a:endParaRPr lang="ru-RU" sz="1600" dirty="0">
+              <a:latin typeface="SF UI Text" panose="00000400000000000000" pitchFamily="2" charset="0"/>
+            </a:endParaRPr>
+          </a:p>
+          <a:p>
+            <a:pPr>
               <a:lnSpc>
                 <a:spcPct val="150000"/>
               </a:lnSpc>
-              <a:buAutoNum type="arabicParenR"/>
-            </a:pPr>
-            <a:r>
-              <a:rPr lang="ru-RU" sz="2800" dirty="0" smtClean="0">
-                <a:latin typeface="SF UI Text" panose="00000400000000000000" pitchFamily="2" charset="0"/>
-              </a:rPr>
-              <a:t>Рассылка по электронной почте</a:t>
-            </a:r>
-          </a:p>
-          <a:p>
-            <a:pPr marL="342900" indent="-342900">
+            </a:pPr>
+            <a:r>
+              <a:rPr lang="ru-RU" sz="2800" b="1" dirty="0">
+                <a:latin typeface="SF UI Text" panose="00000400000000000000" pitchFamily="2" charset="0"/>
+              </a:rPr>
+              <a:t>Задачи </a:t>
+            </a:r>
+            <a:r>
+              <a:rPr lang="ru-RU" sz="2800" b="1" dirty="0" smtClean="0">
+                <a:latin typeface="SF UI Text" panose="00000400000000000000" pitchFamily="2" charset="0"/>
+              </a:rPr>
+              <a:t>работы</a:t>
+            </a:r>
+          </a:p>
+          <a:p>
+            <a:pPr>
               <a:lnSpc>
                 <a:spcPct val="150000"/>
               </a:lnSpc>
-              <a:buAutoNum type="arabicParenR"/>
-            </a:pPr>
-            <a:r>
-              <a:rPr lang="ru-RU" sz="2800" dirty="0" smtClean="0">
-                <a:latin typeface="SF UI Text" panose="00000400000000000000" pitchFamily="2" charset="0"/>
-              </a:rPr>
-              <a:t>Распространение через социальные сети</a:t>
-            </a:r>
-          </a:p>
-          <a:p>
-            <a:pPr marL="342900" indent="-342900">
-              <a:lnSpc>
-                <a:spcPct val="150000"/>
-              </a:lnSpc>
-              <a:buAutoNum type="arabicParenR"/>
-            </a:pPr>
-            <a:r>
-              <a:rPr lang="ru-RU" sz="2800" dirty="0" smtClean="0">
-                <a:latin typeface="SF UI Text" panose="00000400000000000000" pitchFamily="2" charset="0"/>
-              </a:rPr>
-              <a:t>Информация на стендах</a:t>
-            </a:r>
-          </a:p>
-        </p:txBody>
-      </p:sp>
-      <p:sp>
-        <p:nvSpPr>
-          <p:cNvPr id="12" name="Subtitle 2"/>
+            </a:pPr>
+            <a:r>
+              <a:rPr lang="ru-RU" sz="2000" dirty="0" smtClean="0">
+                <a:latin typeface="SF UI Text" panose="00000400000000000000" pitchFamily="2" charset="0"/>
+              </a:rPr>
+              <a:t>Создать мобильное приложение – </a:t>
+            </a:r>
+            <a:r>
+              <a:rPr lang="ru-RU" sz="2000" dirty="0" err="1" smtClean="0">
+                <a:latin typeface="SF UI Text" panose="00000400000000000000" pitchFamily="2" charset="0"/>
+              </a:rPr>
+              <a:t>агрегатор</a:t>
+            </a:r>
+            <a:r>
+              <a:rPr lang="ru-RU" sz="2000" dirty="0" smtClean="0">
+                <a:latin typeface="SF UI Text" panose="00000400000000000000" pitchFamily="2" charset="0"/>
+              </a:rPr>
+              <a:t> мероприяти</a:t>
+            </a:r>
+            <a:r>
+              <a:rPr lang="ru-RU" sz="2000" dirty="0" smtClean="0">
+                <a:latin typeface="SF UI Text" panose="00000400000000000000" pitchFamily="2" charset="0"/>
+              </a:rPr>
+              <a:t>й Вышки</a:t>
+            </a:r>
+            <a:endParaRPr lang="ru-RU" sz="2000" dirty="0" smtClean="0">
+              <a:latin typeface="SF UI Text" panose="00000400000000000000" pitchFamily="2" charset="0"/>
+            </a:endParaRPr>
+          </a:p>
+        </p:txBody>
+      </p:sp>
+      <p:sp>
+        <p:nvSpPr>
+          <p:cNvPr id="11" name="Номер слайда 10"/>
+          <p:cNvSpPr>
+            <a:spLocks noGrp="1"/>
+          </p:cNvSpPr>
+          <p:nvPr>
+            <p:ph type="sldNum" sz="quarter" idx="12"/>
+          </p:nvPr>
+        </p:nvSpPr>
+        <p:spPr/>
+        <p:txBody>
+          <a:bodyPr vert="horz" wrap="square" lIns="91440" tIns="45720" rIns="91440" bIns="45720" numCol="1" anchor="ctr" anchorCtr="0" compatLnSpc="1"/>
+          <a:lstStyle/>
+          <a:p>
+            <a:pPr>
+              <a:defRPr/>
+            </a:pPr>
+            <a:fld id="{CB65F501-F5CC-4E12-934E-78BB5E4DA208}" type="slidenum">
+              <a:rPr lang="en-US" sz="1800" smtClean="0">
+                <a:solidFill>
+                  <a:schemeClr val="tx1"/>
+                </a:solidFill>
+              </a:rPr>
+              <a:t>5</a:t>
+            </a:fld>
+            <a:endParaRPr lang="en-US" sz="1800" dirty="0">
+              <a:solidFill>
+                <a:schemeClr val="tx1"/>
+              </a:solidFill>
+            </a:endParaRPr>
+          </a:p>
+        </p:txBody>
+      </p:sp>
+      <p:sp>
+        <p:nvSpPr>
+          <p:cNvPr id="9" name="Subtitle 2"/>
           <p:cNvSpPr txBox="1"/>
           <p:nvPr/>
         </p:nvSpPr>
@@ -9361,7 +10221,7 @@
         </p:nvSpPr>
         <p:spPr bwMode="auto">
           <a:xfrm>
-            <a:off x="0" y="701415"/>
+            <a:off x="0" y="310811"/>
             <a:ext cx="9143999" cy="412750"/>
           </a:xfrm>
           <a:prstGeom prst="rect">
@@ -9385,6 +10245,93 @@
               <a:t>Основные результаты работы</a:t>
             </a:r>
             <a:endParaRPr lang="en-US" sz="3200" dirty="0">
+              <a:latin typeface="SF UI Text" panose="00000400000000000000" pitchFamily="2" charset="0"/>
+            </a:endParaRPr>
+          </a:p>
+        </p:txBody>
+      </p:sp>
+      <p:sp>
+        <p:nvSpPr>
+          <p:cNvPr id="6" name="Rectangle 12"/>
+          <p:cNvSpPr>
+            <a:spLocks noChangeArrowheads="1"/>
+          </p:cNvSpPr>
+          <p:nvPr/>
+        </p:nvSpPr>
+        <p:spPr bwMode="auto">
+          <a:xfrm>
+            <a:off x="308055" y="2961026"/>
+            <a:ext cx="8527888" cy="1384995"/>
+          </a:xfrm>
+          <a:prstGeom prst="rect">
+            <a:avLst/>
+          </a:prstGeom>
+          <a:noFill/>
+          <a:ln w="9525">
+            <a:noFill/>
+            <a:miter lim="800000"/>
+          </a:ln>
+        </p:spPr>
+        <p:txBody>
+          <a:bodyPr wrap="square">
+            <a:spAutoFit/>
+          </a:bodyPr>
+          <a:lstStyle/>
+          <a:p>
+            <a:pPr>
+              <a:lnSpc>
+                <a:spcPct val="150000"/>
+              </a:lnSpc>
+            </a:pPr>
+            <a:r>
+              <a:rPr lang="en-US" sz="2800" dirty="0" smtClean="0">
+                <a:latin typeface="SF UI Text" panose="00000400000000000000" pitchFamily="2" charset="0"/>
+              </a:rPr>
+              <a:t>Android-</a:t>
+            </a:r>
+            <a:r>
+              <a:rPr lang="ru-RU" sz="2800" dirty="0" smtClean="0">
+                <a:latin typeface="SF UI Text" panose="00000400000000000000" pitchFamily="2" charset="0"/>
+              </a:rPr>
+              <a:t>приложение </a:t>
+            </a:r>
+            <a:r>
+              <a:rPr lang="en-US" sz="2800" dirty="0" smtClean="0">
+                <a:latin typeface="SF UI Text" panose="00000400000000000000" pitchFamily="2" charset="0"/>
+              </a:rPr>
+              <a:t>“</a:t>
+            </a:r>
+            <a:r>
+              <a:rPr lang="ru-RU" sz="2800" dirty="0" smtClean="0">
+                <a:latin typeface="SF UI Text" panose="00000400000000000000" pitchFamily="2" charset="0"/>
+              </a:rPr>
+              <a:t>События</a:t>
+            </a:r>
+            <a:r>
+              <a:rPr lang="en-US" sz="2800" dirty="0" smtClean="0">
+                <a:latin typeface="SF UI Text" panose="00000400000000000000" pitchFamily="2" charset="0"/>
+              </a:rPr>
+              <a:t>”</a:t>
+            </a:r>
+            <a:r>
+              <a:rPr lang="ru-RU" sz="2800" dirty="0" smtClean="0">
+                <a:latin typeface="SF UI Text" panose="00000400000000000000" pitchFamily="2" charset="0"/>
+              </a:rPr>
+              <a:t> – </a:t>
+            </a:r>
+            <a:r>
+              <a:rPr lang="ru-RU" sz="2800" dirty="0" err="1" smtClean="0">
+                <a:latin typeface="SF UI Text" panose="00000400000000000000" pitchFamily="2" charset="0"/>
+              </a:rPr>
+              <a:t>агрегатор</a:t>
+            </a:r>
+            <a:r>
+              <a:rPr lang="ru-RU" sz="2800" dirty="0" smtClean="0">
+                <a:latin typeface="SF UI Text" panose="00000400000000000000" pitchFamily="2" charset="0"/>
+              </a:rPr>
+              <a:t> информации о мероприятиях Вышки</a:t>
+            </a:r>
+            <a:endParaRPr lang="ru-RU" sz="2800" dirty="0" smtClean="0">
               <a:latin typeface="SF UI Text" panose="00000400000000000000" pitchFamily="2" charset="0"/>
             </a:endParaRPr>
           </a:p>
@@ -9464,13 +10411,6 @@
               </a:rPr>
               <a:t>Высшая школа экономики, Москва, 2018</a:t>
             </a:r>
-          </a:p>
-          <a:p>
-            <a:pPr>
-              <a:spcBef>
-                <a:spcPct val="20000"/>
-              </a:spcBef>
-            </a:pPr>
             <a:endParaRPr kumimoji="1" lang="ru-RU" sz="800" dirty="0">
               <a:solidFill>
                 <a:schemeClr val="bg1"/>
@@ -9487,8 +10427,8 @@
         </p:nvSpPr>
         <p:spPr bwMode="auto">
           <a:xfrm>
-            <a:off x="1245277" y="428625"/>
-            <a:ext cx="6659984" cy="412750"/>
+            <a:off x="255589" y="428625"/>
+            <a:ext cx="8606024" cy="412750"/>
           </a:xfrm>
           <a:prstGeom prst="rect">
             <a:avLst/>
@@ -9508,7 +10448,7 @@
               <a:rPr lang="ru-RU" sz="3200" dirty="0" smtClean="0">
                 <a:latin typeface="SF UI Text" panose="00000400000000000000" pitchFamily="2" charset="0"/>
               </a:rPr>
-              <a:t>Алгоритм работы</a:t>
+              <a:t>Функции приложения</a:t>
             </a:r>
             <a:endParaRPr lang="en-US" sz="3200" dirty="0">
               <a:latin typeface="SF UI Text" panose="00000400000000000000" pitchFamily="2" charset="0"/>
@@ -9562,7 +10502,7 @@
       </p:sp>
       <p:sp>
         <p:nvSpPr>
-          <p:cNvPr id="14344" name="Rectangle 10"/>
+          <p:cNvPr id="14345" name="Rectangle 11"/>
           <p:cNvSpPr>
             <a:spLocks noChangeArrowheads="1"/>
           </p:cNvSpPr>
@@ -9570,8 +10510,8 @@
         </p:nvSpPr>
         <p:spPr bwMode="auto">
           <a:xfrm>
-            <a:off x="7300913" y="3967163"/>
-            <a:ext cx="674687" cy="368300"/>
+            <a:off x="7300913" y="5591175"/>
+            <a:ext cx="674687" cy="369888"/>
           </a:xfrm>
           <a:prstGeom prst="rect">
             <a:avLst/>
@@ -9606,7 +10546,7 @@
       </p:sp>
       <p:sp>
         <p:nvSpPr>
-          <p:cNvPr id="14345" name="Rectangle 11"/>
+          <p:cNvPr id="14346" name="Rectangle 12"/>
           <p:cNvSpPr>
             <a:spLocks noChangeArrowheads="1"/>
           </p:cNvSpPr>
@@ -9614,8 +10554,8 @@
         </p:nvSpPr>
         <p:spPr bwMode="auto">
           <a:xfrm>
-            <a:off x="7300913" y="5591175"/>
-            <a:ext cx="674687" cy="369888"/>
+            <a:off x="368554" y="1884668"/>
+            <a:ext cx="8493059" cy="3970318"/>
           </a:xfrm>
           <a:prstGeom prst="rect">
             <a:avLst/>
@@ -9627,253 +10567,89 @@
           </a:ln>
         </p:spPr>
         <p:txBody>
-          <a:bodyPr wrap="none">
-            <a:spAutoFit/>
-          </a:bodyPr>
-          <a:lstStyle/>
-          <a:p>
-            <a:r>
-              <a:rPr lang="ru-RU">
-                <a:solidFill>
-                  <a:srgbClr val="FFFFFF"/>
-                </a:solidFill>
-              </a:rPr>
-              <a:t>фото</a:t>
-            </a:r>
-            <a:endParaRPr lang="en-US">
-              <a:solidFill>
-                <a:srgbClr val="FFFFFF"/>
-              </a:solidFill>
-            </a:endParaRPr>
-          </a:p>
-        </p:txBody>
-      </p:sp>
-      <p:sp>
-        <p:nvSpPr>
-          <p:cNvPr id="14346" name="Rectangle 12"/>
-          <p:cNvSpPr>
-            <a:spLocks noChangeArrowheads="1"/>
-          </p:cNvSpPr>
-          <p:nvPr/>
-        </p:nvSpPr>
-        <p:spPr bwMode="auto">
-          <a:xfrm>
-            <a:off x="255588" y="2117681"/>
-            <a:ext cx="8639362" cy="3477875"/>
-          </a:xfrm>
-          <a:prstGeom prst="rect">
-            <a:avLst/>
-          </a:prstGeom>
-          <a:noFill/>
-          <a:ln w="9525">
-            <a:noFill/>
-            <a:miter lim="800000"/>
-          </a:ln>
-        </p:spPr>
-        <p:txBody>
           <a:bodyPr wrap="square">
             <a:spAutoFit/>
           </a:bodyPr>
           <a:lstStyle/>
           <a:p>
-            <a:pPr marL="342900" indent="-342900">
-              <a:buAutoNum type="arabicParenR"/>
-            </a:pPr>
-            <a:r>
-              <a:rPr lang="ru-RU" sz="2000" dirty="0" smtClean="0">
-                <a:latin typeface="SF UI Text" panose="00000400000000000000" pitchFamily="2" charset="0"/>
-              </a:rPr>
-              <a:t>Раз в час сервер </a:t>
-            </a:r>
-            <a:r>
-              <a:rPr lang="en-US" sz="2000" dirty="0" err="1" smtClean="0">
-                <a:latin typeface="SF UI Text" panose="00000400000000000000" pitchFamily="2" charset="0"/>
-              </a:rPr>
-              <a:t>Shakura.dev</a:t>
-            </a:r>
-            <a:r>
-              <a:rPr lang="en-US" sz="2000" dirty="0" smtClean="0">
-                <a:latin typeface="SF UI Text" panose="00000400000000000000" pitchFamily="2" charset="0"/>
-              </a:rPr>
-              <a:t> </a:t>
-            </a:r>
-            <a:r>
-              <a:rPr lang="ru-RU" sz="2000" dirty="0" smtClean="0">
-                <a:latin typeface="SF UI Text" panose="00000400000000000000" pitchFamily="2" charset="0"/>
-              </a:rPr>
-              <a:t>делает </a:t>
-            </a:r>
-            <a:r>
-              <a:rPr lang="en-US" sz="2000" dirty="0" smtClean="0">
-                <a:latin typeface="SF UI Text" panose="00000400000000000000" pitchFamily="2" charset="0"/>
-              </a:rPr>
-              <a:t>GET</a:t>
-            </a:r>
-            <a:r>
-              <a:rPr lang="ru-RU" sz="2000" dirty="0" smtClean="0">
-                <a:latin typeface="SF UI Text" panose="00000400000000000000" pitchFamily="2" charset="0"/>
-              </a:rPr>
-              <a:t>-запрос к </a:t>
-            </a:r>
-            <a:r>
-              <a:rPr lang="ru-RU" sz="2000" dirty="0" err="1" smtClean="0">
-                <a:latin typeface="SF UI Text" panose="00000400000000000000" pitchFamily="2" charset="0"/>
-              </a:rPr>
-              <a:t>сайтаи</a:t>
-            </a:r>
-            <a:r>
-              <a:rPr lang="ru-RU" sz="2000" dirty="0" smtClean="0">
-                <a:latin typeface="SF UI Text" panose="00000400000000000000" pitchFamily="2" charset="0"/>
-              </a:rPr>
-              <a:t> </a:t>
-            </a:r>
-            <a:r>
-              <a:rPr lang="en-US" sz="2000" dirty="0">
-                <a:latin typeface="SF UI Text" panose="00000400000000000000" pitchFamily="2" charset="0"/>
-                <a:hlinkClick r:id="rId2"/>
-              </a:rPr>
-              <a:t>https://www.hse.ru/news/announcements</a:t>
-            </a:r>
-            <a:r>
-              <a:rPr lang="en-US" sz="2000" dirty="0" smtClean="0">
-                <a:latin typeface="SF UI Text" panose="00000400000000000000" pitchFamily="2" charset="0"/>
-                <a:hlinkClick r:id="rId2"/>
-              </a:rPr>
-              <a:t>/</a:t>
-            </a:r>
-            <a:r>
-              <a:rPr lang="ru-RU" sz="2000" dirty="0" smtClean="0">
-                <a:latin typeface="SF UI Text" panose="00000400000000000000" pitchFamily="2" charset="0"/>
-              </a:rPr>
-              <a:t> и </a:t>
-            </a:r>
-            <a:r>
-              <a:rPr lang="en-US" sz="2000" dirty="0">
-                <a:latin typeface="SF UI Text" panose="00000400000000000000" pitchFamily="2" charset="0"/>
-                <a:hlinkClick r:id="rId3"/>
-              </a:rPr>
-              <a:t>https://www.hse.ru/en/news/announcements</a:t>
-            </a:r>
-            <a:r>
-              <a:rPr lang="en-US" sz="2000" dirty="0" smtClean="0">
-                <a:latin typeface="SF UI Text" panose="00000400000000000000" pitchFamily="2" charset="0"/>
-                <a:hlinkClick r:id="rId3"/>
-              </a:rPr>
-              <a:t>/</a:t>
-            </a:r>
-            <a:r>
-              <a:rPr lang="ru-RU" sz="2000" dirty="0" smtClean="0">
-                <a:latin typeface="SF UI Text" panose="00000400000000000000" pitchFamily="2" charset="0"/>
-              </a:rPr>
-              <a:t> и </a:t>
-            </a:r>
-            <a:r>
-              <a:rPr lang="ru-RU" sz="2000" dirty="0" err="1" smtClean="0">
-                <a:latin typeface="SF UI Text" panose="00000400000000000000" pitchFamily="2" charset="0"/>
-              </a:rPr>
-              <a:t>парсит</a:t>
-            </a:r>
-            <a:r>
-              <a:rPr lang="ru-RU" sz="2000" dirty="0" smtClean="0">
-                <a:latin typeface="SF UI Text" panose="00000400000000000000" pitchFamily="2" charset="0"/>
-              </a:rPr>
-              <a:t> </a:t>
-            </a:r>
-            <a:r>
-              <a:rPr lang="en-US" sz="2000" dirty="0" smtClean="0">
-                <a:latin typeface="SF UI Text" panose="00000400000000000000" pitchFamily="2" charset="0"/>
-              </a:rPr>
-              <a:t>html </a:t>
-            </a:r>
-            <a:r>
-              <a:rPr lang="ru-RU" sz="2000" dirty="0" smtClean="0">
-                <a:latin typeface="SF UI Text" panose="00000400000000000000" pitchFamily="2" charset="0"/>
-              </a:rPr>
-              <a:t>страницы в данные о мероприятиях.</a:t>
-            </a:r>
-          </a:p>
-          <a:p>
-            <a:pPr marL="342900" indent="-342900">
-              <a:buAutoNum type="arabicParenR"/>
-            </a:pPr>
-            <a:endParaRPr lang="ru-RU" sz="2000" dirty="0" smtClean="0">
+            <a:pPr>
+              <a:lnSpc>
+                <a:spcPct val="150000"/>
+              </a:lnSpc>
+            </a:pPr>
+            <a:r>
+              <a:rPr lang="ru-RU" sz="2800" dirty="0" smtClean="0">
+                <a:latin typeface="SF UI Text" panose="00000400000000000000" pitchFamily="2" charset="0"/>
+              </a:rPr>
+              <a:t>Вывод списка мероприятий</a:t>
+            </a:r>
+          </a:p>
+          <a:p>
+            <a:pPr>
+              <a:lnSpc>
+                <a:spcPct val="150000"/>
+              </a:lnSpc>
+            </a:pPr>
+            <a:r>
+              <a:rPr lang="ru-RU" sz="2800" dirty="0" smtClean="0">
+                <a:latin typeface="SF UI Text" panose="00000400000000000000" pitchFamily="2" charset="0"/>
+              </a:rPr>
+              <a:t>Добавление мероприятий в избранное</a:t>
+            </a:r>
+          </a:p>
+          <a:p>
+            <a:pPr>
+              <a:lnSpc>
+                <a:spcPct val="150000"/>
+              </a:lnSpc>
+            </a:pPr>
+            <a:r>
+              <a:rPr lang="ru-RU" sz="2800" dirty="0" smtClean="0">
+                <a:latin typeface="SF UI Text" panose="00000400000000000000" pitchFamily="2" charset="0"/>
+              </a:rPr>
+              <a:t>Вывод списка избранных мероприятий</a:t>
+            </a:r>
+            <a:endParaRPr lang="ru-RU" sz="2800" dirty="0">
               <a:latin typeface="SF UI Text" panose="00000400000000000000" pitchFamily="2" charset="0"/>
             </a:endParaRPr>
           </a:p>
           <a:p>
-            <a:pPr marL="342900" indent="-342900">
-              <a:buAutoNum type="arabicParenR"/>
-            </a:pPr>
-            <a:r>
-              <a:rPr lang="ru-RU" sz="2000" dirty="0" smtClean="0">
-                <a:latin typeface="SF UI Text" panose="00000400000000000000" pitchFamily="2" charset="0"/>
-              </a:rPr>
-              <a:t>При запуске, клиент-приложение делает запрос к сайтам </a:t>
-            </a:r>
-            <a:r>
-              <a:rPr lang="en-US" sz="2000" dirty="0">
-                <a:latin typeface="SF UI Text" panose="00000400000000000000" pitchFamily="2" charset="0"/>
-                <a:hlinkClick r:id="rId4"/>
-              </a:rPr>
-              <a:t>https://</a:t>
-            </a:r>
-            <a:r>
-              <a:rPr lang="en-US" sz="2000" dirty="0" smtClean="0">
-                <a:latin typeface="SF UI Text" panose="00000400000000000000" pitchFamily="2" charset="0"/>
-                <a:hlinkClick r:id="rId4"/>
-              </a:rPr>
-              <a:t>shakura.dev/hseapi</a:t>
-            </a:r>
-            <a:r>
-              <a:rPr lang="ru-RU" sz="2000" dirty="0" smtClean="0">
-                <a:latin typeface="SF UI Text" panose="00000400000000000000" pitchFamily="2" charset="0"/>
-              </a:rPr>
-              <a:t> и </a:t>
-            </a:r>
-            <a:r>
-              <a:rPr lang="en-US" sz="2000" dirty="0">
-                <a:latin typeface="SF UI Text" panose="00000400000000000000" pitchFamily="2" charset="0"/>
-                <a:hlinkClick r:id="rId5"/>
-              </a:rPr>
-              <a:t>https://</a:t>
-            </a:r>
-            <a:r>
-              <a:rPr lang="en-US" sz="2000" dirty="0" smtClean="0">
-                <a:latin typeface="SF UI Text" panose="00000400000000000000" pitchFamily="2" charset="0"/>
-                <a:hlinkClick r:id="rId5"/>
-              </a:rPr>
-              <a:t>shakura.dev/hseapien</a:t>
-            </a:r>
-            <a:r>
-              <a:rPr lang="en-US" sz="2000" dirty="0" smtClean="0">
-                <a:latin typeface="SF UI Text" panose="00000400000000000000" pitchFamily="2" charset="0"/>
-              </a:rPr>
-              <a:t> </a:t>
-            </a:r>
-            <a:r>
-              <a:rPr lang="ru-RU" sz="2000" dirty="0" smtClean="0">
-                <a:latin typeface="SF UI Text" panose="00000400000000000000" pitchFamily="2" charset="0"/>
-              </a:rPr>
-              <a:t>и получает данные о мероприятиях и выводит их  на экран.</a:t>
-            </a:r>
-          </a:p>
-          <a:p>
-            <a:pPr marL="342900" indent="-342900">
-              <a:buAutoNum type="arabicParenR"/>
-            </a:pPr>
-            <a:endParaRPr lang="ru-RU" sz="2000" dirty="0">
-              <a:latin typeface="SF UI Text" panose="00000400000000000000" pitchFamily="2" charset="0"/>
-            </a:endParaRPr>
-          </a:p>
-          <a:p>
-            <a:pPr marL="342900" indent="-342900">
-              <a:buAutoNum type="arabicParenR"/>
-            </a:pPr>
-            <a:r>
-              <a:rPr lang="ru-RU" sz="2000" dirty="0" smtClean="0">
-                <a:latin typeface="SF UI Text" panose="00000400000000000000" pitchFamily="2" charset="0"/>
-              </a:rPr>
-              <a:t>Все изменения клиент-приложение сохраняет в память и применяет при следующем запуске.</a:t>
+            <a:pPr>
+              <a:lnSpc>
+                <a:spcPct val="150000"/>
+              </a:lnSpc>
+            </a:pPr>
+            <a:r>
+              <a:rPr lang="ru-RU" sz="2800" dirty="0" smtClean="0">
+                <a:latin typeface="SF UI Text" panose="00000400000000000000" pitchFamily="2" charset="0"/>
+              </a:rPr>
+              <a:t>Поиск по спискам мероприятий</a:t>
+            </a:r>
+          </a:p>
+          <a:p>
+            <a:pPr>
+              <a:lnSpc>
+                <a:spcPct val="150000"/>
+              </a:lnSpc>
+            </a:pPr>
+            <a:r>
+              <a:rPr lang="ru-RU" sz="2800" dirty="0" smtClean="0">
+                <a:latin typeface="SF UI Text" panose="00000400000000000000" pitchFamily="2" charset="0"/>
+              </a:rPr>
+              <a:t>Изменение языка мероприятий</a:t>
+            </a:r>
+          </a:p>
+          <a:p>
+            <a:pPr>
+              <a:lnSpc>
+                <a:spcPct val="150000"/>
+              </a:lnSpc>
+            </a:pPr>
+            <a:r>
+              <a:rPr lang="ru-RU" sz="2800" dirty="0" smtClean="0">
+                <a:latin typeface="SF UI Text" panose="00000400000000000000" pitchFamily="2" charset="0"/>
+              </a:rPr>
+              <a:t>Изменение цветовой темы приложения</a:t>
             </a:r>
           </a:p>
         </p:txBody>
@@ -9904,7 +10680,7 @@
               </a:rPr>
               <a:t>7</a:t>
             </a:fld>
-            <a:endParaRPr lang="en-US" sz="1800" dirty="0">
+            <a:endParaRPr lang="en-US" sz="1800">
               <a:solidFill>
                 <a:schemeClr val="tx1"/>
               </a:solidFill>
@@ -9914,7 +10690,7 @@
       </p:sp>
       <p:sp>
         <p:nvSpPr>
-          <p:cNvPr id="9" name="Subtitle 2"/>
+          <p:cNvPr id="8" name="Subtitle 2"/>
           <p:cNvSpPr txBox="1"/>
           <p:nvPr/>
         </p:nvSpPr>
@@ -10038,8 +10814,8 @@
         </p:nvSpPr>
         <p:spPr bwMode="auto">
           <a:xfrm>
-            <a:off x="255589" y="428625"/>
-            <a:ext cx="8606024" cy="412750"/>
+            <a:off x="0" y="292101"/>
+            <a:ext cx="9143999" cy="412750"/>
           </a:xfrm>
           <a:prstGeom prst="rect">
             <a:avLst/>
@@ -10059,7 +10835,7 @@
               <a:rPr lang="ru-RU" sz="3200" dirty="0" smtClean="0">
                 <a:latin typeface="SF UI Text" panose="00000400000000000000" pitchFamily="2" charset="0"/>
               </a:rPr>
-              <a:t>Функции приложения</a:t>
+              <a:t>Структура приложения</a:t>
             </a:r>
             <a:endParaRPr lang="en-US" sz="3200" dirty="0">
               <a:latin typeface="SF UI Text" panose="00000400000000000000" pitchFamily="2" charset="0"/>
@@ -10113,7 +10889,7 @@
       </p:sp>
       <p:sp>
         <p:nvSpPr>
-          <p:cNvPr id="14345" name="Rectangle 11"/>
+          <p:cNvPr id="14344" name="Rectangle 10"/>
           <p:cNvSpPr>
             <a:spLocks noChangeArrowheads="1"/>
           </p:cNvSpPr>
@@ -10121,8 +10897,8 @@
         </p:nvSpPr>
         <p:spPr bwMode="auto">
           <a:xfrm>
-            <a:off x="7300913" y="5591175"/>
-            <a:ext cx="674687" cy="369888"/>
+            <a:off x="7300913" y="3967163"/>
+            <a:ext cx="674687" cy="368300"/>
           </a:xfrm>
           <a:prstGeom prst="rect">
             <a:avLst/>
@@ -10157,7 +10933,7 @@
       </p:sp>
       <p:sp>
         <p:nvSpPr>
-          <p:cNvPr id="14346" name="Rectangle 12"/>
+          <p:cNvPr id="14345" name="Rectangle 11"/>
           <p:cNvSpPr>
             <a:spLocks noChangeArrowheads="1"/>
           </p:cNvSpPr>
@@ -10165,8 +10941,8 @@
         </p:nvSpPr>
         <p:spPr bwMode="auto">
           <a:xfrm>
-            <a:off x="368554" y="1884668"/>
-            <a:ext cx="8493059" cy="3970318"/>
+            <a:off x="7300913" y="5591175"/>
+            <a:ext cx="674687" cy="369888"/>
           </a:xfrm>
           <a:prstGeom prst="rect">
             <a:avLst/>
@@ -10178,90 +10954,24 @@
           </a:ln>
         </p:spPr>
         <p:txBody>
-          <a:bodyPr wrap="square">
+          <a:bodyPr wrap="none">
             <a:spAutoFit/>
           </a:bodyPr>
           <a:lstStyle/>
           <a:p>
-            <a:pPr>
-              <a:lnSpc>
-                <a:spcPct val="150000"/>
-              </a:lnSpc>
-            </a:pPr>
-            <a:r>
-              <a:rPr lang="ru-RU" sz="2800" dirty="0" smtClean="0">
-                <a:latin typeface="SF UI Text" panose="00000400000000000000" pitchFamily="2" charset="0"/>
-              </a:rPr>
-              <a:t>Вывод списка мероприятий</a:t>
-            </a:r>
-          </a:p>
-          <a:p>
-            <a:pPr>
-              <a:lnSpc>
-                <a:spcPct val="150000"/>
-              </a:lnSpc>
-            </a:pPr>
-            <a:r>
-              <a:rPr lang="ru-RU" sz="2800" dirty="0" smtClean="0">
-                <a:latin typeface="SF UI Text" panose="00000400000000000000" pitchFamily="2" charset="0"/>
-              </a:rPr>
-              <a:t>Добавление мероприятий в избранное</a:t>
-            </a:r>
-          </a:p>
-          <a:p>
-            <a:pPr>
-              <a:lnSpc>
-                <a:spcPct val="150000"/>
-              </a:lnSpc>
-            </a:pPr>
-            <a:r>
-              <a:rPr lang="ru-RU" sz="2800" dirty="0" smtClean="0">
-                <a:latin typeface="SF UI Text" panose="00000400000000000000" pitchFamily="2" charset="0"/>
-              </a:rPr>
-              <a:t>Вывод списка избранных мероприятий</a:t>
-            </a:r>
-            <a:endParaRPr lang="ru-RU" sz="2800" dirty="0">
-              <a:latin typeface="SF UI Text" panose="00000400000000000000" pitchFamily="2" charset="0"/>
+            <a:r>
+              <a:rPr lang="ru-RU">
+                <a:solidFill>
+                  <a:srgbClr val="FFFFFF"/>
+                </a:solidFill>
+              </a:rPr>
+              <a:t>фото</a:t>
+            </a:r>
+            <a:endParaRPr lang="en-US">
+              <a:solidFill>
+                <a:srgbClr val="FFFFFF"/>
+              </a:solidFill>
             </a:endParaRPr>
-          </a:p>
-          <a:p>
-            <a:pPr>
-              <a:lnSpc>
-                <a:spcPct val="150000"/>
-              </a:lnSpc>
-            </a:pPr>
-            <a:r>
-              <a:rPr lang="ru-RU" sz="2800" dirty="0" smtClean="0">
-                <a:latin typeface="SF UI Text" panose="00000400000000000000" pitchFamily="2" charset="0"/>
-              </a:rPr>
-              <a:t>Поиск по спискам мероприятий</a:t>
-            </a:r>
-          </a:p>
-          <a:p>
-            <a:pPr>
-              <a:lnSpc>
-                <a:spcPct val="150000"/>
-              </a:lnSpc>
-            </a:pPr>
-            <a:r>
-              <a:rPr lang="ru-RU" sz="2800" dirty="0" smtClean="0">
-                <a:latin typeface="SF UI Text" panose="00000400000000000000" pitchFamily="2" charset="0"/>
-              </a:rPr>
-              <a:t>Изменение языка мероприятий</a:t>
-            </a:r>
-          </a:p>
-          <a:p>
-            <a:pPr>
-              <a:lnSpc>
-                <a:spcPct val="150000"/>
-              </a:lnSpc>
-            </a:pPr>
-            <a:r>
-              <a:rPr lang="ru-RU" sz="2800" dirty="0" smtClean="0">
-                <a:latin typeface="SF UI Text" panose="00000400000000000000" pitchFamily="2" charset="0"/>
-              </a:rPr>
-              <a:t>Изменение цветовой темы приложения</a:t>
-            </a:r>
           </a:p>
         </p:txBody>
       </p:sp>
@@ -10299,9 +11009,63 @@
           </a:p>
         </p:txBody>
       </p:sp>
-      <p:sp>
-        <p:nvSpPr>
-          <p:cNvPr id="8" name="Subtitle 2"/>
+      <p:pic>
+        <p:nvPicPr>
+          <p:cNvPr id="1026" name="Picture 2" descr="Untitled"/>
+          <p:cNvPicPr>
+            <a:picLocks noChangeAspect="1" noChangeArrowheads="1"/>
+          </p:cNvPicPr>
+          <p:nvPr/>
+        </p:nvPicPr>
+        <p:blipFill>
+          <a:blip r:embed="rId2">
+            <a:extLst>
+              <a:ext uri="{28A0092B-C50C-407E-A947-70E740481C1C}">
+                <a14:useLocalDpi xmlns:a14="http://schemas.microsoft.com/office/drawing/2010/main" val="0"/>
+              </a:ext>
+            </a:extLst>
+          </a:blip>
+          <a:srcRect/>
+          <a:stretch>
+            <a:fillRect/>
+          </a:stretch>
+        </p:blipFill>
+        <p:spPr bwMode="auto">
+          <a:xfrm>
+            <a:off x="1335881" y="1029493"/>
+            <a:ext cx="6430963" cy="1630363"/>
+          </a:xfrm>
+          <a:prstGeom prst="rect">
+            <a:avLst/>
+          </a:prstGeom>
+          <a:noFill/>
+          <a:ln>
+            <a:noFill/>
+          </a:ln>
+          <a:extLst>
+            <a:ext uri="{909E8E84-426E-40DD-AFC4-6F175D3DCCD1}">
+              <a14:hiddenFill xmlns:a14="http://schemas.microsoft.com/office/drawing/2010/main">
+                <a:solidFill>
+                  <a:srgbClr val="FFFFFF"/>
+                </a:solidFill>
+              </a14:hiddenFill>
+            </a:ext>
+            <a:ext uri="{91240B29-F687-4F45-9708-019B960494DF}">
+              <a14:hiddenLine xmlns:a14="http://schemas.microsoft.com/office/drawing/2010/main" w="9525">
+                <a:solidFill>
+                  <a:srgbClr val="000000"/>
+                </a:solidFill>
+                <a:miter lim="800000"/>
+                <a:headEnd/>
+                <a:tailEnd/>
+              </a14:hiddenLine>
+            </a:ext>
+          </a:extLst>
+        </p:spPr>
+      </p:pic>
+      <p:sp>
+        <p:nvSpPr>
+          <p:cNvPr id="9" name="Subtitle 2"/>
           <p:cNvSpPr txBox="1"/>
           <p:nvPr/>
         </p:nvSpPr>
@@ -10340,6 +11104,112 @@
           </a:p>
         </p:txBody>
       </p:sp>
+      <p:pic>
+        <p:nvPicPr>
+          <p:cNvPr id="10" name="Picture 2" descr="https://github.com/M2000h/HSE-APP/raw/master/screenshots/main_rus_white.jpg"/>
+          <p:cNvPicPr>
+            <a:picLocks noChangeAspect="1" noChangeArrowheads="1"/>
+          </p:cNvPicPr>
+          <p:nvPr/>
+        </p:nvPicPr>
+        <p:blipFill>
+          <a:blip r:embed="rId3">
+            <a:extLst>
+              <a:ext uri="{28A0092B-C50C-407E-A947-70E740481C1C}">
+                <a14:useLocalDpi xmlns:a14="http://schemas.microsoft.com/office/drawing/2010/main" val="0"/>
+              </a:ext>
+            </a:extLst>
+          </a:blip>
+          <a:srcRect/>
+          <a:stretch>
+            <a:fillRect/>
+          </a:stretch>
+        </p:blipFill>
+        <p:spPr bwMode="auto">
+          <a:xfrm>
+            <a:off x="1733007" y="2625725"/>
+            <a:ext cx="1576014" cy="3152027"/>
+          </a:xfrm>
+          <a:prstGeom prst="rect">
+            <a:avLst/>
+          </a:prstGeom>
+          <a:noFill/>
+          <a:extLst>
+            <a:ext uri="{909E8E84-426E-40DD-AFC4-6F175D3DCCD1}">
+              <a14:hiddenFill xmlns:a14="http://schemas.microsoft.com/office/drawing/2010/main">
+                <a:solidFill>
+                  <a:srgbClr val="FFFFFF"/>
+                </a:solidFill>
+              </a14:hiddenFill>
+            </a:ext>
+          </a:extLst>
+        </p:spPr>
+      </p:pic>
+      <p:pic>
+        <p:nvPicPr>
+          <p:cNvPr id="2" name="Рисунок 1"/>
+          <p:cNvPicPr>
+            <a:picLocks noChangeAspect="1"/>
+          </p:cNvPicPr>
+          <p:nvPr/>
+        </p:nvPicPr>
+        <p:blipFill>
+          <a:blip r:embed="rId4"/>
+          <a:stretch>
+            <a:fillRect/>
+          </a:stretch>
+        </p:blipFill>
+        <p:spPr>
+          <a:xfrm>
+            <a:off x="3892249" y="2625725"/>
+            <a:ext cx="1576014" cy="3152027"/>
+          </a:xfrm>
+          <a:prstGeom prst="rect">
+            <a:avLst/>
+          </a:prstGeom>
+        </p:spPr>
+      </p:pic>
+      <p:pic>
+        <p:nvPicPr>
+          <p:cNvPr id="12" name="Picture 16" descr="https://github.com/M2000h/HSE-APP/raw/master/screenshots/set_white.jpg"/>
+          <p:cNvPicPr>
+            <a:picLocks noChangeAspect="1" noChangeArrowheads="1"/>
+          </p:cNvPicPr>
+          <p:nvPr/>
+        </p:nvPicPr>
+        <p:blipFill>
+          <a:blip r:embed="rId5">
+            <a:extLst>
+              <a:ext uri="{28A0092B-C50C-407E-A947-70E740481C1C}">
+                <a14:useLocalDpi xmlns:a14="http://schemas.microsoft.com/office/drawing/2010/main" val="0"/>
+              </a:ext>
+            </a:extLst>
+          </a:blip>
+          <a:srcRect/>
+          <a:stretch>
+            <a:fillRect/>
+          </a:stretch>
+        </p:blipFill>
+        <p:spPr bwMode="auto">
+          <a:xfrm>
+            <a:off x="5938627" y="2634829"/>
+            <a:ext cx="1576014" cy="3152027"/>
+          </a:xfrm>
+          <a:prstGeom prst="rect">
+            <a:avLst/>
+          </a:prstGeom>
+          <a:noFill/>
+          <a:extLst>
+            <a:ext uri="{909E8E84-426E-40DD-AFC4-6F175D3DCCD1}">
+              <a14:hiddenFill xmlns:a14="http://schemas.microsoft.com/office/drawing/2010/main">
+                <a:solidFill>
+                  <a:srgbClr val="FFFFFF"/>
+                </a:solidFill>
+              </a14:hiddenFill>
+            </a:ext>
+          </a:extLst>
+        </p:spPr>
+      </p:pic>
     </p:spTree>
   </p:cSld>
   <p:clrMapOvr>
@@ -10374,14 +11244,14 @@
       </p:grpSpPr>
       <p:sp>
         <p:nvSpPr>
-          <p:cNvPr id="14339" name="Title 1"/>
+          <p:cNvPr id="14338" name="Subtitle 2"/>
           <p:cNvSpPr txBox="1"/>
           <p:nvPr/>
         </p:nvSpPr>
         <p:spPr bwMode="auto">
           <a:xfrm>
-            <a:off x="1406585" y="331978"/>
-            <a:ext cx="6464041" cy="412750"/>
+            <a:off x="255588" y="6415088"/>
+            <a:ext cx="4143375" cy="246062"/>
           </a:xfrm>
           <a:prstGeom prst="rect">
             <a:avLst/>
@@ -10393,34 +11263,40 @@
           </a:ln>
         </p:spPr>
         <p:txBody>
-          <a:bodyPr anchor="ctr"/>
+          <a:bodyPr/>
           <a:lstStyle/>
           <a:p>
-            <a:pPr algn="ctr"/>
-            <a:r>
-              <a:rPr lang="ru-RU" sz="3200" dirty="0" smtClean="0">
-                <a:latin typeface="SF UI Text" panose="00000400000000000000" pitchFamily="2" charset="0"/>
-              </a:rPr>
-              <a:t>Обмен данными</a:t>
-            </a:r>
-            <a:endParaRPr lang="en-US" sz="3200" dirty="0">
-              <a:latin typeface="SF UI Text" panose="00000400000000000000" pitchFamily="2" charset="0"/>
+            <a:pPr>
+              <a:spcBef>
+                <a:spcPct val="20000"/>
+              </a:spcBef>
+            </a:pPr>
+            <a:r>
+              <a:rPr lang="ru-RU" sz="800" dirty="0">
+                <a:solidFill>
+                  <a:schemeClr val="bg1"/>
+                </a:solidFill>
+              </a:rPr>
+              <a:t>Высшая школа экономики, Москва, 2018</a:t>
+            </a:r>
+            <a:endParaRPr kumimoji="1" lang="ru-RU" sz="800" dirty="0">
+              <a:solidFill>
+                <a:schemeClr val="bg1"/>
+              </a:solidFill>
             </a:endParaRPr>
           </a:p>
         </p:txBody>
       </p:sp>
       <p:sp>
         <p:nvSpPr>
-          <p:cNvPr id="14343" name="Rectangle 9"/>
-          <p:cNvSpPr>
-            <a:spLocks noChangeArrowheads="1"/>
-          </p:cNvSpPr>
+          <p:cNvPr id="14339" name="Title 1"/>
+          <p:cNvSpPr txBox="1"/>
           <p:nvPr/>
         </p:nvSpPr>
         <p:spPr bwMode="auto">
           <a:xfrm>
-            <a:off x="7300913" y="2255838"/>
-            <a:ext cx="674687" cy="369887"/>
+            <a:off x="0" y="288665"/>
+            <a:ext cx="9143999" cy="412750"/>
           </a:xfrm>
           <a:prstGeom prst="rect">
             <a:avLst/>
@@ -10432,67 +11308,18 @@
           </a:ln>
         </p:spPr>
         <p:txBody>
-          <a:bodyPr wrap="none">
-            <a:spAutoFit/>
-          </a:bodyPr>
+          <a:bodyPr anchor="ctr"/>
           <a:lstStyle/>
           <a:p>
-            <a:r>
-              <a:rPr lang="ru-RU">
-                <a:solidFill>
-                  <a:srgbClr val="FFFFFF"/>
-                </a:solidFill>
-              </a:rPr>
-              <a:t>фото</a:t>
-            </a:r>
-            <a:endParaRPr lang="en-US">
-              <a:solidFill>
-                <a:srgbClr val="FFFFFF"/>
-              </a:solidFill>
-            </a:endParaRPr>
-          </a:p>
-        </p:txBody>
-      </p:sp>
-      <p:sp>
-        <p:nvSpPr>
-          <p:cNvPr id="14345" name="Rectangle 11"/>
-          <p:cNvSpPr>
-            <a:spLocks noChangeArrowheads="1"/>
-          </p:cNvSpPr>
-          <p:nvPr/>
-        </p:nvSpPr>
-        <p:spPr bwMode="auto">
-          <a:xfrm>
-            <a:off x="7300913" y="5591175"/>
-            <a:ext cx="674687" cy="369888"/>
-          </a:xfrm>
-          <a:prstGeom prst="rect">
-            <a:avLst/>
-          </a:prstGeom>
-          <a:noFill/>
-          <a:ln w="9525">
-            <a:noFill/>
-            <a:miter lim="800000"/>
-          </a:ln>
-        </p:spPr>
-        <p:txBody>
-          <a:bodyPr wrap="none">
-            <a:spAutoFit/>
-          </a:bodyPr>
-          <a:lstStyle/>
-          <a:p>
-            <a:r>
-              <a:rPr lang="ru-RU">
-                <a:solidFill>
-                  <a:srgbClr val="FFFFFF"/>
-                </a:solidFill>
-              </a:rPr>
-              <a:t>фото</a:t>
-            </a:r>
-            <a:endParaRPr lang="en-US">
-              <a:solidFill>
-                <a:srgbClr val="FFFFFF"/>
-              </a:solidFill>
+            <a:pPr algn="ctr"/>
+            <a:r>
+              <a:rPr lang="ru-RU" sz="4400" dirty="0" smtClean="0">
+                <a:latin typeface="SF UI Text" panose="00000400000000000000" pitchFamily="2" charset="0"/>
+              </a:rPr>
+              <a:t>Список мероприятий</a:t>
+            </a:r>
+            <a:endParaRPr lang="en-US" sz="4400" dirty="0">
+              <a:latin typeface="SF UI Text" panose="00000400000000000000" pitchFamily="2" charset="0"/>
             </a:endParaRPr>
           </a:p>
         </p:txBody>
@@ -10516,16 +11343,22 @@
               <a:defRPr/>
             </a:pPr>
             <a:fld id="{CB65F501-F5CC-4E12-934E-78BB5E4DA208}" type="slidenum">
-              <a:rPr lang="en-US" sz="1800" smtClean="0">
-                <a:solidFill>
-                  <a:schemeClr val="tx1"/>
+              <a:rPr lang="en-US" smtClean="0">
+                <a:solidFill>
+                  <a:schemeClr val="tx1">
+                    <a:lumMod val="50000"/>
+                    <a:lumOff val="50000"/>
+                  </a:schemeClr>
                 </a:solidFill>
               </a:rPr>
               <a:t>9</a:t>
             </a:fld>
-            <a:endParaRPr lang="en-US" sz="1800">
+            <a:endParaRPr lang="en-US" dirty="0">
               <a:solidFill>
-                <a:schemeClr val="tx1"/>
+                <a:schemeClr val="tx1">
+                  <a:lumMod val="50000"/>
+                  <a:lumOff val="50000"/>
+                </a:schemeClr>
               </a:solidFill>
             </a:endParaRPr>
           </a:p>
@@ -10533,7 +11366,7 @@
       </p:sp>
       <p:pic>
         <p:nvPicPr>
-          <p:cNvPr id="1026" name="Picture 2" descr="Untitled"/>
+          <p:cNvPr id="2050" name="Picture 2" descr="https://github.com/M2000h/HSE-APP/raw/master/screenshots/main_rus_white.jpg"/>
           <p:cNvPicPr>
             <a:picLocks noChangeAspect="1" noChangeArrowheads="1"/>
           </p:cNvPicPr>
@@ -10554,16 +11387,13 @@
         </p:blipFill>
         <p:spPr bwMode="auto">
           <a:xfrm>
-            <a:off x="0" y="1292250"/>
-            <a:ext cx="9277212" cy="4319136"/>
+            <a:off x="1219416" y="1242880"/>
+            <a:ext cx="2556736" cy="5113470"/>
           </a:xfrm>
           <a:prstGeom prst="rect">
             <a:avLst/>
           </a:prstGeom>
           <a:noFill/>
-          <a:ln>
-            <a:noFill/>
-          </a:ln>
           <a:extLst>
             <a:ext uri="{909E8E84-426E-40DD-AFC4-6F175D3DCCD1}">
               <a14:hiddenFill xmlns:a14="http://schemas.microsoft.com/office/drawing/2010/main">
@@ -10572,219 +11402,50 @@
                 </a:solidFill>
               </a14:hiddenFill>
             </a:ext>
-            <a:ext uri="{91240B29-F687-4F45-9708-019B960494DF}">
-              <a14:hiddenLine xmlns:a14="http://schemas.microsoft.com/office/drawing/2010/main" w="9525">
-                <a:solidFill>
-                  <a:srgbClr val="000000"/>
-                </a:solidFill>
-                <a:miter lim="800000"/>
-                <a:headEnd/>
-                <a:tailEnd/>
-              </a14:hiddenLine>
-            </a:ext>
           </a:extLst>
         </p:spPr>
       </p:pic>
-      <p:sp>
-        <p:nvSpPr>
-          <p:cNvPr id="9" name="Rectangle 12"/>
-          <p:cNvSpPr>
-            <a:spLocks noChangeArrowheads="1"/>
-          </p:cNvSpPr>
+      <p:pic>
+        <p:nvPicPr>
+          <p:cNvPr id="2054" name="Picture 6" descr="https://github.com/M2000h/HSE-APP/raw/master/screenshots/main_rus_black.jpg"/>
+          <p:cNvPicPr>
+            <a:picLocks noChangeAspect="1" noChangeArrowheads="1"/>
+          </p:cNvPicPr>
           <p:nvPr/>
-        </p:nvSpPr>
+        </p:nvPicPr>
+        <p:blipFill>
+          <a:blip r:embed="rId3">
+            <a:extLst>
+              <a:ext uri="{28A0092B-C50C-407E-A947-70E740481C1C}">
+                <a14:useLocalDpi xmlns:a14="http://schemas.microsoft.com/office/drawing/2010/main" val="0"/>
+              </a:ext>
+            </a:extLst>
+          </a:blip>
+          <a:srcRect/>
+          <a:stretch>
+            <a:fillRect/>
+          </a:stretch>
+        </p:blipFill>
         <p:spPr bwMode="auto">
           <a:xfrm>
-            <a:off x="3348445" y="4077660"/>
-            <a:ext cx="2791098" cy="646331"/>
+            <a:off x="5274832" y="1242880"/>
+            <a:ext cx="2556736" cy="5113470"/>
           </a:xfrm>
           <a:prstGeom prst="rect">
             <a:avLst/>
           </a:prstGeom>
           <a:noFill/>
-          <a:ln w="9525">
-            <a:noFill/>
-            <a:miter lim="800000"/>
-          </a:ln>
-        </p:spPr>
-        <p:txBody>
-          <a:bodyPr wrap="square">
-            <a:spAutoFit/>
-          </a:bodyPr>
-          <a:lstStyle/>
-          <a:p>
-            <a:r>
-              <a:rPr lang="en-US" dirty="0" err="1" smtClean="0">
-                <a:solidFill>
-                  <a:schemeClr val="tx2"/>
-                </a:solidFill>
-                <a:latin typeface="Segoe UI" panose="020B0502040204020203" pitchFamily="34" charset="0"/>
-              </a:rPr>
-              <a:t>Shakura.dev</a:t>
-            </a:r>
-            <a:r>
-              <a:rPr lang="en-US" dirty="0" smtClean="0">
-                <a:solidFill>
-                  <a:schemeClr val="tx2"/>
-                </a:solidFill>
-                <a:latin typeface="Segoe UI" panose="020B0502040204020203" pitchFamily="34" charset="0"/>
-              </a:rPr>
-              <a:t>/</a:t>
-            </a:r>
-            <a:r>
-              <a:rPr lang="en-US" dirty="0" err="1" smtClean="0">
-                <a:solidFill>
-                  <a:schemeClr val="tx2"/>
-                </a:solidFill>
-                <a:latin typeface="Segoe UI" panose="020B0502040204020203" pitchFamily="34" charset="0"/>
-              </a:rPr>
-              <a:t>hseapi</a:t>
-            </a:r>
-            <a:endParaRPr lang="en-US" dirty="0" smtClean="0">
-              <a:solidFill>
-                <a:schemeClr val="tx2"/>
-              </a:solidFill>
-              <a:latin typeface="Segoe UI" panose="020B0502040204020203" pitchFamily="34" charset="0"/>
-            </a:endParaRPr>
-          </a:p>
-          <a:p>
-            <a:r>
-              <a:rPr lang="en-US" dirty="0" err="1" smtClean="0">
-                <a:solidFill>
-                  <a:schemeClr val="tx2"/>
-                </a:solidFill>
-                <a:latin typeface="Segoe UI" panose="020B0502040204020203" pitchFamily="34" charset="0"/>
-              </a:rPr>
-              <a:t>Shakura.dev</a:t>
-            </a:r>
-            <a:r>
-              <a:rPr lang="en-US" dirty="0" smtClean="0">
-                <a:solidFill>
-                  <a:schemeClr val="tx2"/>
-                </a:solidFill>
-                <a:latin typeface="Segoe UI" panose="020B0502040204020203" pitchFamily="34" charset="0"/>
-              </a:rPr>
-              <a:t>/</a:t>
-            </a:r>
-            <a:r>
-              <a:rPr lang="en-US" dirty="0" err="1" smtClean="0">
-                <a:solidFill>
-                  <a:schemeClr val="tx2"/>
-                </a:solidFill>
-                <a:latin typeface="Segoe UI" panose="020B0502040204020203" pitchFamily="34" charset="0"/>
-              </a:rPr>
-              <a:t>hseapien</a:t>
-            </a:r>
-            <a:endParaRPr lang="ru-RU" dirty="0" smtClean="0">
-              <a:solidFill>
-                <a:schemeClr val="tx2"/>
-              </a:solidFill>
-              <a:latin typeface="Segoe UI" panose="020B0502040204020203" pitchFamily="34" charset="0"/>
-            </a:endParaRPr>
-          </a:p>
-        </p:txBody>
-      </p:sp>
-      <p:sp>
-        <p:nvSpPr>
-          <p:cNvPr id="2" name="Прямоугольник 1"/>
-          <p:cNvSpPr/>
-          <p:nvPr/>
-        </p:nvSpPr>
-        <p:spPr>
-          <a:xfrm>
-            <a:off x="6344195" y="4077660"/>
-            <a:ext cx="3522617" cy="523220"/>
-          </a:xfrm>
-          <a:prstGeom prst="rect">
-            <a:avLst/>
-          </a:prstGeom>
-        </p:spPr>
-        <p:txBody>
-          <a:bodyPr wrap="square">
-            <a:spAutoFit/>
-          </a:bodyPr>
-          <a:lstStyle/>
-          <a:p>
-            <a:r>
-              <a:rPr lang="en-US" sz="1400" dirty="0" smtClean="0">
-                <a:solidFill>
-                  <a:schemeClr val="tx2"/>
-                </a:solidFill>
-                <a:latin typeface="Segoe UI" panose="020B0502040204020203" pitchFamily="34" charset="0"/>
-              </a:rPr>
-              <a:t>hse.ru/news/announcements/ hse.ru/</a:t>
-            </a:r>
-            <a:r>
-              <a:rPr lang="en-US" sz="1400" dirty="0" err="1" smtClean="0">
-                <a:solidFill>
-                  <a:schemeClr val="tx2"/>
-                </a:solidFill>
-                <a:latin typeface="Segoe UI" panose="020B0502040204020203" pitchFamily="34" charset="0"/>
-              </a:rPr>
-              <a:t>en</a:t>
-            </a:r>
-            <a:r>
-              <a:rPr lang="en-US" sz="1400" dirty="0" smtClean="0">
-                <a:solidFill>
-                  <a:schemeClr val="tx2"/>
-                </a:solidFill>
-                <a:latin typeface="Segoe UI" panose="020B0502040204020203" pitchFamily="34" charset="0"/>
-              </a:rPr>
-              <a:t>/news/announcements</a:t>
-            </a:r>
-            <a:r>
-              <a:rPr lang="en-US" sz="1400" dirty="0">
-                <a:solidFill>
-                  <a:schemeClr val="tx2"/>
-                </a:solidFill>
-                <a:latin typeface="Segoe UI" panose="020B0502040204020203" pitchFamily="34" charset="0"/>
-              </a:rPr>
-              <a:t>/ </a:t>
-            </a:r>
-          </a:p>
-        </p:txBody>
-      </p:sp>
-      <p:sp>
-        <p:nvSpPr>
-          <p:cNvPr id="10" name="Subtitle 2"/>
-          <p:cNvSpPr txBox="1"/>
-          <p:nvPr/>
-        </p:nvSpPr>
-        <p:spPr bwMode="auto">
-          <a:xfrm>
-            <a:off x="407988" y="6567488"/>
-            <a:ext cx="4143375" cy="246062"/>
-          </a:xfrm>
-          <a:prstGeom prst="rect">
-            <a:avLst/>
-          </a:prstGeom>
-          <a:noFill/>
-          <a:ln w="9525">
-            <a:noFill/>
-            <a:miter lim="800000"/>
-          </a:ln>
-        </p:spPr>
-        <p:txBody>
-          <a:bodyPr/>
-          <a:lstStyle/>
-          <a:p>
-            <a:pPr>
-              <a:spcBef>
-                <a:spcPct val="20000"/>
-              </a:spcBef>
-            </a:pPr>
-            <a:r>
-              <a:rPr lang="ru-RU" sz="800" dirty="0"/>
-              <a:t>Высшая школа экономики, Москва, </a:t>
-            </a:r>
-            <a:r>
-              <a:rPr lang="ru-RU" sz="800" dirty="0" smtClean="0"/>
-              <a:t>2019</a:t>
-            </a:r>
-            <a:endParaRPr kumimoji="1" lang="ru-RU" sz="800" dirty="0"/>
-          </a:p>
-        </p:txBody>
-      </p:sp>
+          <a:extLst>
+            <a:ext uri="{909E8E84-426E-40DD-AFC4-6F175D3DCCD1}">
+              <a14:hiddenFill xmlns:a14="http://schemas.microsoft.com/office/drawing/2010/main">
+                <a:solidFill>
+                  <a:srgbClr val="FFFFFF"/>
+                </a:solidFill>
+              </a14:hiddenFill>
+            </a:ext>
+          </a:extLst>
+        </p:spPr>
+      </p:pic>
     </p:spTree>
   </p:cSld>
   <p:clrMapOvr>

--- a/Презентация.pptx
+++ b/Презентация.pptx
@@ -5648,6 +5648,13 @@
   <p:clrMapOvr>
     <a:masterClrMapping/>
   </p:clrMapOvr>
+  <p:timing>
+    <p:tnLst>
+      <p:par>
+        <p:cTn id="1" dur="indefinite" restart="never" nodeType="tmRoot"/>
+      </p:par>
+    </p:tnLst>
+  </p:timing>
 </p:sld>
 </file>
 
@@ -10554,8 +10561,8 @@
         </p:nvSpPr>
         <p:spPr bwMode="auto">
           <a:xfrm>
-            <a:off x="368554" y="1884668"/>
-            <a:ext cx="8493059" cy="3970318"/>
+            <a:off x="966652" y="1884668"/>
+            <a:ext cx="7894962" cy="3970318"/>
           </a:xfrm>
           <a:prstGeom prst="rect">
             <a:avLst/>
@@ -10729,6 +10736,150 @@
           </a:p>
         </p:txBody>
       </p:sp>
+      <p:pic>
+        <p:nvPicPr>
+          <p:cNvPr id="14" name="Рисунок 13"/>
+          <p:cNvPicPr>
+            <a:picLocks noChangeAspect="1"/>
+          </p:cNvPicPr>
+          <p:nvPr/>
+        </p:nvPicPr>
+        <p:blipFill>
+          <a:blip r:embed="rId2"/>
+          <a:stretch>
+            <a:fillRect/>
+          </a:stretch>
+        </p:blipFill>
+        <p:spPr>
+          <a:xfrm>
+            <a:off x="483017" y="5299497"/>
+            <a:ext cx="394192" cy="394192"/>
+          </a:xfrm>
+          <a:prstGeom prst="rect">
+            <a:avLst/>
+          </a:prstGeom>
+        </p:spPr>
+      </p:pic>
+      <p:pic>
+        <p:nvPicPr>
+          <p:cNvPr id="17" name="Рисунок 16"/>
+          <p:cNvPicPr>
+            <a:picLocks noChangeAspect="1"/>
+          </p:cNvPicPr>
+          <p:nvPr/>
+        </p:nvPicPr>
+        <p:blipFill>
+          <a:blip r:embed="rId3"/>
+          <a:stretch>
+            <a:fillRect/>
+          </a:stretch>
+        </p:blipFill>
+        <p:spPr>
+          <a:xfrm>
+            <a:off x="468225" y="2116534"/>
+            <a:ext cx="381867" cy="381867"/>
+          </a:xfrm>
+          <a:prstGeom prst="rect">
+            <a:avLst/>
+          </a:prstGeom>
+        </p:spPr>
+      </p:pic>
+      <p:pic>
+        <p:nvPicPr>
+          <p:cNvPr id="18" name="Рисунок 17"/>
+          <p:cNvPicPr>
+            <a:picLocks noChangeAspect="1"/>
+          </p:cNvPicPr>
+          <p:nvPr/>
+        </p:nvPicPr>
+        <p:blipFill>
+          <a:blip r:embed="rId4"/>
+          <a:stretch>
+            <a:fillRect/>
+          </a:stretch>
+        </p:blipFill>
+        <p:spPr>
+          <a:xfrm>
+            <a:off x="455941" y="4612324"/>
+            <a:ext cx="469221" cy="469221"/>
+          </a:xfrm>
+          <a:prstGeom prst="rect">
+            <a:avLst/>
+          </a:prstGeom>
+        </p:spPr>
+      </p:pic>
+      <p:pic>
+        <p:nvPicPr>
+          <p:cNvPr id="19" name="Рисунок 18"/>
+          <p:cNvPicPr>
+            <a:picLocks noChangeAspect="1"/>
+          </p:cNvPicPr>
+          <p:nvPr/>
+        </p:nvPicPr>
+        <p:blipFill>
+          <a:blip r:embed="rId5"/>
+          <a:stretch>
+            <a:fillRect/>
+          </a:stretch>
+        </p:blipFill>
+        <p:spPr>
+          <a:xfrm>
+            <a:off x="468226" y="2711581"/>
+            <a:ext cx="372848" cy="372848"/>
+          </a:xfrm>
+          <a:prstGeom prst="rect">
+            <a:avLst/>
+          </a:prstGeom>
+        </p:spPr>
+      </p:pic>
+      <p:pic>
+        <p:nvPicPr>
+          <p:cNvPr id="20" name="Рисунок 19"/>
+          <p:cNvPicPr>
+            <a:picLocks noChangeAspect="1"/>
+          </p:cNvPicPr>
+          <p:nvPr/>
+        </p:nvPicPr>
+        <p:blipFill>
+          <a:blip r:embed="rId6"/>
+          <a:stretch>
+            <a:fillRect/>
+          </a:stretch>
+        </p:blipFill>
+        <p:spPr>
+          <a:xfrm>
+            <a:off x="468226" y="3362787"/>
+            <a:ext cx="384746" cy="384746"/>
+          </a:xfrm>
+          <a:prstGeom prst="rect">
+            <a:avLst/>
+          </a:prstGeom>
+        </p:spPr>
+      </p:pic>
+      <p:pic>
+        <p:nvPicPr>
+          <p:cNvPr id="21" name="Рисунок 20"/>
+          <p:cNvPicPr>
+            <a:picLocks noChangeAspect="1"/>
+          </p:cNvPicPr>
+          <p:nvPr/>
+        </p:nvPicPr>
+        <p:blipFill>
+          <a:blip r:embed="rId7"/>
+          <a:stretch>
+            <a:fillRect/>
+          </a:stretch>
+        </p:blipFill>
+        <p:spPr>
+          <a:xfrm>
+            <a:off x="484891" y="3969451"/>
+            <a:ext cx="424921" cy="424921"/>
+          </a:xfrm>
+          <a:prstGeom prst="rect">
+            <a:avLst/>
+          </a:prstGeom>
+        </p:spPr>
+      </p:pic>
     </p:spTree>
   </p:cSld>
   <p:clrMapOvr>
